--- a/TrgImages.pptx
+++ b/TrgImages.pptx
@@ -7,9 +7,12 @@
   <p:sldIdLst>
     <p:sldId id="256" r:id="rId2"/>
     <p:sldId id="257" r:id="rId3"/>
-    <p:sldId id="258" r:id="rId4"/>
-    <p:sldId id="260" r:id="rId5"/>
-    <p:sldId id="259" r:id="rId6"/>
+    <p:sldId id="262" r:id="rId4"/>
+    <p:sldId id="258" r:id="rId5"/>
+    <p:sldId id="260" r:id="rId6"/>
+    <p:sldId id="259" r:id="rId7"/>
+    <p:sldId id="261" r:id="rId8"/>
+    <p:sldId id="263" r:id="rId9"/>
   </p:sldIdLst>
   <p:sldSz cx="12192000" cy="6858000"/>
   <p:notesSz cx="6858000" cy="9144000"/>
@@ -263,7 +266,7 @@
           <a:p>
             <a:fld id="{5E0DC84C-F051-4A33-86E9-8969F11E21B3}" type="datetimeFigureOut">
               <a:rPr lang="en-US" smtClean="0"/>
-              <a:t>12/1/2023</a:t>
+              <a:t>12/4/2023</a:t>
             </a:fld>
             <a:endParaRPr lang="en-US"/>
           </a:p>
@@ -461,7 +464,7 @@
           <a:p>
             <a:fld id="{5E0DC84C-F051-4A33-86E9-8969F11E21B3}" type="datetimeFigureOut">
               <a:rPr lang="en-US" smtClean="0"/>
-              <a:t>12/1/2023</a:t>
+              <a:t>12/4/2023</a:t>
             </a:fld>
             <a:endParaRPr lang="en-US"/>
           </a:p>
@@ -669,7 +672,7 @@
           <a:p>
             <a:fld id="{5E0DC84C-F051-4A33-86E9-8969F11E21B3}" type="datetimeFigureOut">
               <a:rPr lang="en-US" smtClean="0"/>
-              <a:t>12/1/2023</a:t>
+              <a:t>12/4/2023</a:t>
             </a:fld>
             <a:endParaRPr lang="en-US"/>
           </a:p>
@@ -867,7 +870,7 @@
           <a:p>
             <a:fld id="{5E0DC84C-F051-4A33-86E9-8969F11E21B3}" type="datetimeFigureOut">
               <a:rPr lang="en-US" smtClean="0"/>
-              <a:t>12/1/2023</a:t>
+              <a:t>12/4/2023</a:t>
             </a:fld>
             <a:endParaRPr lang="en-US"/>
           </a:p>
@@ -1142,7 +1145,7 @@
           <a:p>
             <a:fld id="{5E0DC84C-F051-4A33-86E9-8969F11E21B3}" type="datetimeFigureOut">
               <a:rPr lang="en-US" smtClean="0"/>
-              <a:t>12/1/2023</a:t>
+              <a:t>12/4/2023</a:t>
             </a:fld>
             <a:endParaRPr lang="en-US"/>
           </a:p>
@@ -1407,7 +1410,7 @@
           <a:p>
             <a:fld id="{5E0DC84C-F051-4A33-86E9-8969F11E21B3}" type="datetimeFigureOut">
               <a:rPr lang="en-US" smtClean="0"/>
-              <a:t>12/1/2023</a:t>
+              <a:t>12/4/2023</a:t>
             </a:fld>
             <a:endParaRPr lang="en-US"/>
           </a:p>
@@ -1819,7 +1822,7 @@
           <a:p>
             <a:fld id="{5E0DC84C-F051-4A33-86E9-8969F11E21B3}" type="datetimeFigureOut">
               <a:rPr lang="en-US" smtClean="0"/>
-              <a:t>12/1/2023</a:t>
+              <a:t>12/4/2023</a:t>
             </a:fld>
             <a:endParaRPr lang="en-US"/>
           </a:p>
@@ -1960,7 +1963,7 @@
           <a:p>
             <a:fld id="{5E0DC84C-F051-4A33-86E9-8969F11E21B3}" type="datetimeFigureOut">
               <a:rPr lang="en-US" smtClean="0"/>
-              <a:t>12/1/2023</a:t>
+              <a:t>12/4/2023</a:t>
             </a:fld>
             <a:endParaRPr lang="en-US"/>
           </a:p>
@@ -2073,7 +2076,7 @@
           <a:p>
             <a:fld id="{5E0DC84C-F051-4A33-86E9-8969F11E21B3}" type="datetimeFigureOut">
               <a:rPr lang="en-US" smtClean="0"/>
-              <a:t>12/1/2023</a:t>
+              <a:t>12/4/2023</a:t>
             </a:fld>
             <a:endParaRPr lang="en-US"/>
           </a:p>
@@ -2384,7 +2387,7 @@
           <a:p>
             <a:fld id="{5E0DC84C-F051-4A33-86E9-8969F11E21B3}" type="datetimeFigureOut">
               <a:rPr lang="en-US" smtClean="0"/>
-              <a:t>12/1/2023</a:t>
+              <a:t>12/4/2023</a:t>
             </a:fld>
             <a:endParaRPr lang="en-US"/>
           </a:p>
@@ -2672,7 +2675,7 @@
           <a:p>
             <a:fld id="{5E0DC84C-F051-4A33-86E9-8969F11E21B3}" type="datetimeFigureOut">
               <a:rPr lang="en-US" smtClean="0"/>
-              <a:t>12/1/2023</a:t>
+              <a:t>12/4/2023</a:t>
             </a:fld>
             <a:endParaRPr lang="en-US"/>
           </a:p>
@@ -2913,7 +2916,7 @@
           <a:p>
             <a:fld id="{5E0DC84C-F051-4A33-86E9-8969F11E21B3}" type="datetimeFigureOut">
               <a:rPr lang="en-US" smtClean="0"/>
-              <a:t>12/1/2023</a:t>
+              <a:t>12/4/2023</a:t>
             </a:fld>
             <a:endParaRPr lang="en-US"/>
           </a:p>
@@ -5104,10 +5107,10 @@
       </p:grpSpPr>
       <p:sp>
         <p:nvSpPr>
-          <p:cNvPr id="2" name="Oval 1">
-            <a:extLst>
-              <a:ext uri="{FF2B5EF4-FFF2-40B4-BE49-F238E27FC236}">
-                <a16:creationId xmlns:a16="http://schemas.microsoft.com/office/drawing/2014/main" id="{C11791EB-8767-7149-B1EE-55ED1FE156B2}"/>
+          <p:cNvPr id="2" name="Rectangle 1">
+            <a:extLst>
+              <a:ext uri="{FF2B5EF4-FFF2-40B4-BE49-F238E27FC236}">
+                <a16:creationId xmlns:a16="http://schemas.microsoft.com/office/drawing/2014/main" id="{0A3E9C4E-009D-6AD4-D2BF-F74BC6F3CAD8}"/>
               </a:ext>
             </a:extLst>
           </p:cNvPr>
@@ -5116,10 +5119,10 @@
         </p:nvSpPr>
         <p:spPr>
           <a:xfrm>
-            <a:off x="4795934" y="2211354"/>
-            <a:ext cx="2239347" cy="1586204"/>
-          </a:xfrm>
-          <a:prstGeom prst="ellipse">
+            <a:off x="485192" y="858416"/>
+            <a:ext cx="746449" cy="662474"/>
+          </a:xfrm>
+          <a:prstGeom prst="rect">
             <a:avLst/>
           </a:prstGeom>
         </p:spPr>
@@ -5145,19 +5148,18 @@
           <a:p>
             <a:pPr algn="ctr"/>
             <a:r>
-              <a:rPr lang="en-US" dirty="0" err="1"/>
-              <a:t>Ecomm</a:t>
-            </a:r>
-            <a:endParaRPr lang="en-US" dirty="0"/>
-          </a:p>
-        </p:txBody>
-      </p:sp>
-      <p:sp>
-        <p:nvSpPr>
-          <p:cNvPr id="3" name="Oval 2">
-            <a:extLst>
-              <a:ext uri="{FF2B5EF4-FFF2-40B4-BE49-F238E27FC236}">
-                <a16:creationId xmlns:a16="http://schemas.microsoft.com/office/drawing/2014/main" id="{450D8A07-68FE-D820-D1FB-76E911CA269E}"/>
+              <a:rPr lang="en-US" dirty="0"/>
+              <a:t>a:10</a:t>
+            </a:r>
+          </a:p>
+        </p:txBody>
+      </p:sp>
+      <p:sp>
+        <p:nvSpPr>
+          <p:cNvPr id="3" name="Rectangle 2">
+            <a:extLst>
+              <a:ext uri="{FF2B5EF4-FFF2-40B4-BE49-F238E27FC236}">
+                <a16:creationId xmlns:a16="http://schemas.microsoft.com/office/drawing/2014/main" id="{8C9D9300-AF1F-CEEF-A145-F5913A8444E8}"/>
               </a:ext>
             </a:extLst>
           </p:cNvPr>
@@ -5166,10 +5168,10 @@
         </p:nvSpPr>
         <p:spPr>
           <a:xfrm>
-            <a:off x="541176" y="410547"/>
-            <a:ext cx="2164702" cy="1800807"/>
-          </a:xfrm>
-          <a:prstGeom prst="ellipse">
+            <a:off x="2606351" y="858416"/>
+            <a:ext cx="746449" cy="662474"/>
+          </a:xfrm>
+          <a:prstGeom prst="rect">
             <a:avLst/>
           </a:prstGeom>
         </p:spPr>
@@ -5196,17 +5198,85 @@
             <a:pPr algn="ctr"/>
             <a:r>
               <a:rPr lang="en-US" dirty="0"/>
-              <a:t>Product</a:t>
-            </a:r>
-          </a:p>
-        </p:txBody>
-      </p:sp>
-      <p:sp>
-        <p:nvSpPr>
-          <p:cNvPr id="4" name="Oval 3">
-            <a:extLst>
-              <a:ext uri="{FF2B5EF4-FFF2-40B4-BE49-F238E27FC236}">
-                <a16:creationId xmlns:a16="http://schemas.microsoft.com/office/drawing/2014/main" id="{ABFE2EF1-EC1F-EE3E-1EF7-F16F8DD20B56}"/>
+              <a:t>b:20</a:t>
+            </a:r>
+          </a:p>
+        </p:txBody>
+      </p:sp>
+      <p:sp>
+        <p:nvSpPr>
+          <p:cNvPr id="4" name="TextBox 3">
+            <a:extLst>
+              <a:ext uri="{FF2B5EF4-FFF2-40B4-BE49-F238E27FC236}">
+                <a16:creationId xmlns:a16="http://schemas.microsoft.com/office/drawing/2014/main" id="{16E60AC4-9D46-E7AB-9191-CA3ABFDCEF1F}"/>
+              </a:ext>
+            </a:extLst>
+          </p:cNvPr>
+          <p:cNvSpPr txBox="1"/>
+          <p:nvPr/>
+        </p:nvSpPr>
+        <p:spPr>
+          <a:xfrm>
+            <a:off x="335903" y="2108718"/>
+            <a:ext cx="3629608" cy="3108543"/>
+          </a:xfrm>
+          <a:prstGeom prst="rect">
+            <a:avLst/>
+          </a:prstGeom>
+          <a:noFill/>
+        </p:spPr>
+        <p:txBody>
+          <a:bodyPr wrap="square" rtlCol="0">
+            <a:spAutoFit/>
+          </a:bodyPr>
+          <a:lstStyle/>
+          <a:p>
+            <a:r>
+              <a:rPr lang="en-US" sz="2800" dirty="0"/>
+              <a:t>Xchange(int x, int y)</a:t>
+            </a:r>
+          </a:p>
+          <a:p>
+            <a:r>
+              <a:rPr lang="en-US" sz="2800" dirty="0"/>
+              <a:t>{</a:t>
+            </a:r>
+          </a:p>
+          <a:p>
+            <a:r>
+              <a:rPr lang="en-US" sz="2800" dirty="0"/>
+              <a:t>    int z = x;</a:t>
+            </a:r>
+          </a:p>
+          <a:p>
+            <a:r>
+              <a:rPr lang="en-US" sz="2800" dirty="0"/>
+              <a:t>    x = y;</a:t>
+            </a:r>
+          </a:p>
+          <a:p>
+            <a:r>
+              <a:rPr lang="en-US" sz="2800" dirty="0"/>
+              <a:t>    y = z;		</a:t>
+            </a:r>
+          </a:p>
+          <a:p>
+            <a:r>
+              <a:rPr lang="en-US" sz="2800" dirty="0"/>
+              <a:t>}</a:t>
+            </a:r>
+          </a:p>
+          <a:p>
+            <a:endParaRPr lang="en-US" sz="2800" dirty="0"/>
+          </a:p>
+        </p:txBody>
+      </p:sp>
+      <p:sp>
+        <p:nvSpPr>
+          <p:cNvPr id="5" name="Rectangle 4">
+            <a:extLst>
+              <a:ext uri="{FF2B5EF4-FFF2-40B4-BE49-F238E27FC236}">
+                <a16:creationId xmlns:a16="http://schemas.microsoft.com/office/drawing/2014/main" id="{D1BBDD34-236A-B403-B5DD-F280FC6E5C11}"/>
               </a:ext>
             </a:extLst>
           </p:cNvPr>
@@ -5215,10 +5285,10 @@
         </p:nvSpPr>
         <p:spPr>
           <a:xfrm>
-            <a:off x="9697617" y="410546"/>
-            <a:ext cx="2164702" cy="1800807"/>
-          </a:xfrm>
-          <a:prstGeom prst="ellipse">
+            <a:off x="5573486" y="2046514"/>
+            <a:ext cx="746449" cy="662474"/>
+          </a:xfrm>
+          <a:prstGeom prst="rect">
             <a:avLst/>
           </a:prstGeom>
         </p:spPr>
@@ -5245,17 +5315,17 @@
             <a:pPr algn="ctr"/>
             <a:r>
               <a:rPr lang="en-US" dirty="0"/>
-              <a:t>Customer</a:t>
-            </a:r>
-          </a:p>
-        </p:txBody>
-      </p:sp>
-      <p:sp>
-        <p:nvSpPr>
-          <p:cNvPr id="5" name="Oval 4">
-            <a:extLst>
-              <a:ext uri="{FF2B5EF4-FFF2-40B4-BE49-F238E27FC236}">
-                <a16:creationId xmlns:a16="http://schemas.microsoft.com/office/drawing/2014/main" id="{01E3CE68-02DD-8486-E1C6-A6D2989FB441}"/>
+              <a:t>x:10</a:t>
+            </a:r>
+          </a:p>
+        </p:txBody>
+      </p:sp>
+      <p:sp>
+        <p:nvSpPr>
+          <p:cNvPr id="6" name="Rectangle 5">
+            <a:extLst>
+              <a:ext uri="{FF2B5EF4-FFF2-40B4-BE49-F238E27FC236}">
+                <a16:creationId xmlns:a16="http://schemas.microsoft.com/office/drawing/2014/main" id="{7BA9164D-F301-74DF-6252-1E0DAC3898C6}"/>
               </a:ext>
             </a:extLst>
           </p:cNvPr>
@@ -5264,10 +5334,10 @@
         </p:nvSpPr>
         <p:spPr>
           <a:xfrm>
-            <a:off x="4795934" y="4743060"/>
-            <a:ext cx="2164702" cy="1800807"/>
-          </a:xfrm>
-          <a:prstGeom prst="ellipse">
+            <a:off x="7694645" y="2046514"/>
+            <a:ext cx="746449" cy="662474"/>
+          </a:xfrm>
+          <a:prstGeom prst="rect">
             <a:avLst/>
           </a:prstGeom>
         </p:spPr>
@@ -5294,56 +5364,7 @@
             <a:pPr algn="ctr"/>
             <a:r>
               <a:rPr lang="en-US" dirty="0"/>
-              <a:t>Order</a:t>
-            </a:r>
-          </a:p>
-        </p:txBody>
-      </p:sp>
-      <p:sp>
-        <p:nvSpPr>
-          <p:cNvPr id="6" name="Oval 5">
-            <a:extLst>
-              <a:ext uri="{FF2B5EF4-FFF2-40B4-BE49-F238E27FC236}">
-                <a16:creationId xmlns:a16="http://schemas.microsoft.com/office/drawing/2014/main" id="{A53FB4E5-EECA-DD03-EED2-372F4C72E8B2}"/>
-              </a:ext>
-            </a:extLst>
-          </p:cNvPr>
-          <p:cNvSpPr/>
-          <p:nvPr/>
-        </p:nvSpPr>
-        <p:spPr>
-          <a:xfrm>
-            <a:off x="398107" y="2845840"/>
-            <a:ext cx="2164702" cy="1800807"/>
-          </a:xfrm>
-          <a:prstGeom prst="ellipse">
-            <a:avLst/>
-          </a:prstGeom>
-        </p:spPr>
-        <p:style>
-          <a:lnRef idx="2">
-            <a:schemeClr val="accent1">
-              <a:shade val="15000"/>
-            </a:schemeClr>
-          </a:lnRef>
-          <a:fillRef idx="1">
-            <a:schemeClr val="accent1"/>
-          </a:fillRef>
-          <a:effectRef idx="0">
-            <a:schemeClr val="accent1"/>
-          </a:effectRef>
-          <a:fontRef idx="minor">
-            <a:schemeClr val="lt1"/>
-          </a:fontRef>
-        </p:style>
-        <p:txBody>
-          <a:bodyPr rtlCol="0" anchor="ctr"/>
-          <a:lstStyle/>
-          <a:p>
-            <a:pPr algn="ctr"/>
-            <a:r>
-              <a:rPr lang="en-US" dirty="0"/>
-              <a:t>Manufacturer</a:t>
+              <a:t>y:20</a:t>
             </a:r>
           </a:p>
         </p:txBody>
@@ -5353,20 +5374,20 @@
           <p:cNvPr id="8" name="Connector: Elbow 7">
             <a:extLst>
               <a:ext uri="{FF2B5EF4-FFF2-40B4-BE49-F238E27FC236}">
-                <a16:creationId xmlns:a16="http://schemas.microsoft.com/office/drawing/2014/main" id="{51707C3C-4C7A-5BE6-8E60-CF231DF770BE}"/>
+                <a16:creationId xmlns:a16="http://schemas.microsoft.com/office/drawing/2014/main" id="{2E60FB73-3211-0467-81D4-7D605C4E6856}"/>
               </a:ext>
             </a:extLst>
           </p:cNvPr>
           <p:cNvCxnSpPr>
-            <a:stCxn id="6" idx="0"/>
-            <a:endCxn id="3" idx="4"/>
+            <a:stCxn id="2" idx="2"/>
+            <a:endCxn id="5" idx="0"/>
           </p:cNvCxnSpPr>
           <p:nvPr/>
         </p:nvCxnSpPr>
         <p:spPr>
-          <a:xfrm rot="5400000" flipH="1" flipV="1">
-            <a:off x="1234749" y="2457063"/>
-            <a:ext cx="634486" cy="143069"/>
+          <a:xfrm rot="16200000" flipH="1">
+            <a:off x="3139752" y="-760445"/>
+            <a:ext cx="525624" cy="5088294"/>
           </a:xfrm>
           <a:prstGeom prst="bentConnector3">
             <a:avLst/>
@@ -5395,23 +5416,300 @@
           <p:cNvPr id="10" name="Connector: Elbow 9">
             <a:extLst>
               <a:ext uri="{FF2B5EF4-FFF2-40B4-BE49-F238E27FC236}">
-                <a16:creationId xmlns:a16="http://schemas.microsoft.com/office/drawing/2014/main" id="{517EC96F-3E42-2427-E44D-A2F7F3D7DD6F}"/>
+                <a16:creationId xmlns:a16="http://schemas.microsoft.com/office/drawing/2014/main" id="{16C90C96-95B6-D024-DC5F-CFFCE4853B25}"/>
               </a:ext>
             </a:extLst>
           </p:cNvPr>
           <p:cNvCxnSpPr>
-            <a:stCxn id="4" idx="4"/>
-            <a:endCxn id="5" idx="6"/>
+            <a:cxnSpLocks/>
+            <a:stCxn id="3" idx="3"/>
+            <a:endCxn id="6" idx="0"/>
           </p:cNvCxnSpPr>
           <p:nvPr/>
         </p:nvCxnSpPr>
         <p:spPr>
-          <a:xfrm rot="5400000">
-            <a:off x="7154247" y="2017742"/>
-            <a:ext cx="3432111" cy="3819332"/>
+          <a:xfrm>
+            <a:off x="3352800" y="1189653"/>
+            <a:ext cx="4715070" cy="856861"/>
           </a:xfrm>
           <a:prstGeom prst="bentConnector2">
             <a:avLst/>
+          </a:prstGeom>
+          <a:ln>
+            <a:tailEnd type="triangle"/>
+          </a:ln>
+        </p:spPr>
+        <p:style>
+          <a:lnRef idx="1">
+            <a:schemeClr val="accent1"/>
+          </a:lnRef>
+          <a:fillRef idx="0">
+            <a:schemeClr val="accent1"/>
+          </a:fillRef>
+          <a:effectRef idx="0">
+            <a:schemeClr val="accent1"/>
+          </a:effectRef>
+          <a:fontRef idx="minor">
+            <a:schemeClr val="tx1"/>
+          </a:fontRef>
+        </p:style>
+      </p:cxnSp>
+      <p:sp>
+        <p:nvSpPr>
+          <p:cNvPr id="12" name="Rectangle 11">
+            <a:extLst>
+              <a:ext uri="{FF2B5EF4-FFF2-40B4-BE49-F238E27FC236}">
+                <a16:creationId xmlns:a16="http://schemas.microsoft.com/office/drawing/2014/main" id="{FD0CE223-0678-372C-D677-220FA66F940A}"/>
+              </a:ext>
+            </a:extLst>
+          </p:cNvPr>
+          <p:cNvSpPr/>
+          <p:nvPr/>
+        </p:nvSpPr>
+        <p:spPr>
+          <a:xfrm>
+            <a:off x="5529944" y="3429000"/>
+            <a:ext cx="746449" cy="662474"/>
+          </a:xfrm>
+          <a:prstGeom prst="rect">
+            <a:avLst/>
+          </a:prstGeom>
+        </p:spPr>
+        <p:style>
+          <a:lnRef idx="2">
+            <a:schemeClr val="accent1">
+              <a:shade val="15000"/>
+            </a:schemeClr>
+          </a:lnRef>
+          <a:fillRef idx="1">
+            <a:schemeClr val="accent1"/>
+          </a:fillRef>
+          <a:effectRef idx="0">
+            <a:schemeClr val="accent1"/>
+          </a:effectRef>
+          <a:fontRef idx="minor">
+            <a:schemeClr val="lt1"/>
+          </a:fontRef>
+        </p:style>
+        <p:txBody>
+          <a:bodyPr rtlCol="0" anchor="ctr"/>
+          <a:lstStyle/>
+          <a:p>
+            <a:pPr algn="ctr"/>
+            <a:r>
+              <a:rPr lang="en-US" dirty="0"/>
+              <a:t>z:10</a:t>
+            </a:r>
+          </a:p>
+        </p:txBody>
+      </p:sp>
+      <p:cxnSp>
+        <p:nvCxnSpPr>
+          <p:cNvPr id="14" name="Connector: Elbow 13">
+            <a:extLst>
+              <a:ext uri="{FF2B5EF4-FFF2-40B4-BE49-F238E27FC236}">
+                <a16:creationId xmlns:a16="http://schemas.microsoft.com/office/drawing/2014/main" id="{6B676C30-1D56-A9DC-C871-B0F4670D1CF6}"/>
+              </a:ext>
+            </a:extLst>
+          </p:cNvPr>
+          <p:cNvCxnSpPr>
+            <a:endCxn id="12" idx="1"/>
+          </p:cNvCxnSpPr>
+          <p:nvPr/>
+        </p:nvCxnSpPr>
+        <p:spPr>
+          <a:xfrm>
+            <a:off x="2024743" y="3234613"/>
+            <a:ext cx="3505201" cy="525624"/>
+          </a:xfrm>
+          <a:prstGeom prst="bentConnector3">
+            <a:avLst/>
+          </a:prstGeom>
+          <a:ln>
+            <a:tailEnd type="triangle"/>
+          </a:ln>
+        </p:spPr>
+        <p:style>
+          <a:lnRef idx="1">
+            <a:schemeClr val="accent1"/>
+          </a:lnRef>
+          <a:fillRef idx="0">
+            <a:schemeClr val="accent1"/>
+          </a:fillRef>
+          <a:effectRef idx="0">
+            <a:schemeClr val="accent1"/>
+          </a:effectRef>
+          <a:fontRef idx="minor">
+            <a:schemeClr val="tx1"/>
+          </a:fontRef>
+        </p:style>
+      </p:cxnSp>
+      <p:sp>
+        <p:nvSpPr>
+          <p:cNvPr id="15" name="Right Brace 14">
+            <a:extLst>
+              <a:ext uri="{FF2B5EF4-FFF2-40B4-BE49-F238E27FC236}">
+                <a16:creationId xmlns:a16="http://schemas.microsoft.com/office/drawing/2014/main" id="{2F327886-332C-040B-B759-D51BD0C4A235}"/>
+              </a:ext>
+            </a:extLst>
+          </p:cNvPr>
+          <p:cNvSpPr/>
+          <p:nvPr/>
+        </p:nvSpPr>
+        <p:spPr>
+          <a:xfrm>
+            <a:off x="1735494" y="3592286"/>
+            <a:ext cx="289249" cy="821094"/>
+          </a:xfrm>
+          <a:prstGeom prst="rightBrace">
+            <a:avLst/>
+          </a:prstGeom>
+        </p:spPr>
+        <p:style>
+          <a:lnRef idx="1">
+            <a:schemeClr val="accent1"/>
+          </a:lnRef>
+          <a:fillRef idx="0">
+            <a:schemeClr val="accent1"/>
+          </a:fillRef>
+          <a:effectRef idx="0">
+            <a:schemeClr val="accent1"/>
+          </a:effectRef>
+          <a:fontRef idx="minor">
+            <a:schemeClr val="tx1"/>
+          </a:fontRef>
+        </p:style>
+        <p:txBody>
+          <a:bodyPr rtlCol="0" anchor="ctr"/>
+          <a:lstStyle/>
+          <a:p>
+            <a:pPr algn="ctr"/>
+            <a:endParaRPr lang="en-US"/>
+          </a:p>
+        </p:txBody>
+      </p:sp>
+      <p:sp>
+        <p:nvSpPr>
+          <p:cNvPr id="16" name="Rectangle 15">
+            <a:extLst>
+              <a:ext uri="{FF2B5EF4-FFF2-40B4-BE49-F238E27FC236}">
+                <a16:creationId xmlns:a16="http://schemas.microsoft.com/office/drawing/2014/main" id="{7BEFCEE0-8471-6C24-97FD-1068E4A884F9}"/>
+              </a:ext>
+            </a:extLst>
+          </p:cNvPr>
+          <p:cNvSpPr/>
+          <p:nvPr/>
+        </p:nvSpPr>
+        <p:spPr>
+          <a:xfrm>
+            <a:off x="6873551" y="3334139"/>
+            <a:ext cx="746449" cy="662474"/>
+          </a:xfrm>
+          <a:prstGeom prst="rect">
+            <a:avLst/>
+          </a:prstGeom>
+        </p:spPr>
+        <p:style>
+          <a:lnRef idx="2">
+            <a:schemeClr val="accent1">
+              <a:shade val="15000"/>
+            </a:schemeClr>
+          </a:lnRef>
+          <a:fillRef idx="1">
+            <a:schemeClr val="accent1"/>
+          </a:fillRef>
+          <a:effectRef idx="0">
+            <a:schemeClr val="accent1"/>
+          </a:effectRef>
+          <a:fontRef idx="minor">
+            <a:schemeClr val="lt1"/>
+          </a:fontRef>
+        </p:style>
+        <p:txBody>
+          <a:bodyPr rtlCol="0" anchor="ctr"/>
+          <a:lstStyle/>
+          <a:p>
+            <a:pPr algn="ctr"/>
+            <a:r>
+              <a:rPr lang="en-US" dirty="0"/>
+              <a:t>x:20</a:t>
+            </a:r>
+          </a:p>
+        </p:txBody>
+      </p:sp>
+      <p:sp>
+        <p:nvSpPr>
+          <p:cNvPr id="17" name="Rectangle 16">
+            <a:extLst>
+              <a:ext uri="{FF2B5EF4-FFF2-40B4-BE49-F238E27FC236}">
+                <a16:creationId xmlns:a16="http://schemas.microsoft.com/office/drawing/2014/main" id="{91CC9424-39C4-80C5-8C8D-DB1AC57D12B3}"/>
+              </a:ext>
+            </a:extLst>
+          </p:cNvPr>
+          <p:cNvSpPr/>
+          <p:nvPr/>
+        </p:nvSpPr>
+        <p:spPr>
+          <a:xfrm>
+            <a:off x="6948196" y="4550122"/>
+            <a:ext cx="746449" cy="662474"/>
+          </a:xfrm>
+          <a:prstGeom prst="rect">
+            <a:avLst/>
+          </a:prstGeom>
+        </p:spPr>
+        <p:style>
+          <a:lnRef idx="2">
+            <a:schemeClr val="accent1">
+              <a:shade val="15000"/>
+            </a:schemeClr>
+          </a:lnRef>
+          <a:fillRef idx="1">
+            <a:schemeClr val="accent1"/>
+          </a:fillRef>
+          <a:effectRef idx="0">
+            <a:schemeClr val="accent1"/>
+          </a:effectRef>
+          <a:fontRef idx="minor">
+            <a:schemeClr val="lt1"/>
+          </a:fontRef>
+        </p:style>
+        <p:txBody>
+          <a:bodyPr rtlCol="0" anchor="ctr"/>
+          <a:lstStyle/>
+          <a:p>
+            <a:pPr algn="ctr"/>
+            <a:r>
+              <a:rPr lang="en-US" dirty="0"/>
+              <a:t>y:20</a:t>
+            </a:r>
+          </a:p>
+        </p:txBody>
+      </p:sp>
+      <p:cxnSp>
+        <p:nvCxnSpPr>
+          <p:cNvPr id="19" name="Connector: Elbow 18">
+            <a:extLst>
+              <a:ext uri="{FF2B5EF4-FFF2-40B4-BE49-F238E27FC236}">
+                <a16:creationId xmlns:a16="http://schemas.microsoft.com/office/drawing/2014/main" id="{604A0FAE-3E2C-CCF1-52D3-D45694D52C32}"/>
+              </a:ext>
+            </a:extLst>
+          </p:cNvPr>
+          <p:cNvCxnSpPr>
+            <a:endCxn id="16" idx="0"/>
+          </p:cNvCxnSpPr>
+          <p:nvPr/>
+        </p:nvCxnSpPr>
+        <p:spPr>
+          <a:xfrm flipV="1">
+            <a:off x="1502229" y="3334139"/>
+            <a:ext cx="5744547" cy="332792"/>
+          </a:xfrm>
+          <a:prstGeom prst="bentConnector4">
+            <a:avLst>
+              <a:gd name="adj1" fmla="val 46751"/>
+              <a:gd name="adj2" fmla="val 168692"/>
+            </a:avLst>
           </a:prstGeom>
           <a:ln>
             <a:tailEnd type="triangle"/>
@@ -5434,23 +5732,22 @@
       </p:cxnSp>
       <p:cxnSp>
         <p:nvCxnSpPr>
-          <p:cNvPr id="12" name="Connector: Elbow 11">
-            <a:extLst>
-              <a:ext uri="{FF2B5EF4-FFF2-40B4-BE49-F238E27FC236}">
-                <a16:creationId xmlns:a16="http://schemas.microsoft.com/office/drawing/2014/main" id="{5AF295FC-82D9-76D5-9350-F3EC001CF81A}"/>
+          <p:cNvPr id="21" name="Connector: Elbow 20">
+            <a:extLst>
+              <a:ext uri="{FF2B5EF4-FFF2-40B4-BE49-F238E27FC236}">
+                <a16:creationId xmlns:a16="http://schemas.microsoft.com/office/drawing/2014/main" id="{F8B4E20E-59B7-0324-C7EA-13F2CC3F33B8}"/>
               </a:ext>
             </a:extLst>
           </p:cNvPr>
           <p:cNvCxnSpPr>
-            <a:stCxn id="5" idx="2"/>
-            <a:endCxn id="3" idx="6"/>
+            <a:endCxn id="17" idx="1"/>
           </p:cNvCxnSpPr>
           <p:nvPr/>
         </p:nvCxnSpPr>
         <p:spPr>
-          <a:xfrm rot="10800000">
-            <a:off x="2705878" y="1310952"/>
-            <a:ext cx="2090056" cy="4332513"/>
+          <a:xfrm>
+            <a:off x="1502229" y="4110859"/>
+            <a:ext cx="5445967" cy="770500"/>
           </a:xfrm>
           <a:prstGeom prst="bentConnector3">
             <a:avLst/>
@@ -5474,10 +5771,89 @@
           </a:fontRef>
         </p:style>
       </p:cxnSp>
+      <p:sp>
+        <p:nvSpPr>
+          <p:cNvPr id="22" name="Right Brace 21">
+            <a:extLst>
+              <a:ext uri="{FF2B5EF4-FFF2-40B4-BE49-F238E27FC236}">
+                <a16:creationId xmlns:a16="http://schemas.microsoft.com/office/drawing/2014/main" id="{A8947A90-B806-70A0-CCF4-EFCF94C69859}"/>
+              </a:ext>
+            </a:extLst>
+          </p:cNvPr>
+          <p:cNvSpPr/>
+          <p:nvPr/>
+        </p:nvSpPr>
+        <p:spPr>
+          <a:xfrm>
+            <a:off x="7875037" y="3497425"/>
+            <a:ext cx="936172" cy="1634412"/>
+          </a:xfrm>
+          <a:prstGeom prst="rightBrace">
+            <a:avLst/>
+          </a:prstGeom>
+        </p:spPr>
+        <p:style>
+          <a:lnRef idx="1">
+            <a:schemeClr val="accent1"/>
+          </a:lnRef>
+          <a:fillRef idx="0">
+            <a:schemeClr val="accent1"/>
+          </a:fillRef>
+          <a:effectRef idx="0">
+            <a:schemeClr val="accent1"/>
+          </a:effectRef>
+          <a:fontRef idx="minor">
+            <a:schemeClr val="tx1"/>
+          </a:fontRef>
+        </p:style>
+        <p:txBody>
+          <a:bodyPr rtlCol="0" anchor="ctr"/>
+          <a:lstStyle/>
+          <a:p>
+            <a:pPr algn="ctr"/>
+            <a:endParaRPr lang="en-US"/>
+          </a:p>
+        </p:txBody>
+      </p:sp>
+      <p:sp>
+        <p:nvSpPr>
+          <p:cNvPr id="23" name="TextBox 22">
+            <a:extLst>
+              <a:ext uri="{FF2B5EF4-FFF2-40B4-BE49-F238E27FC236}">
+                <a16:creationId xmlns:a16="http://schemas.microsoft.com/office/drawing/2014/main" id="{DF2E278A-091F-E1E8-F561-0147227AD3BD}"/>
+              </a:ext>
+            </a:extLst>
+          </p:cNvPr>
+          <p:cNvSpPr txBox="1"/>
+          <p:nvPr/>
+        </p:nvSpPr>
+        <p:spPr>
+          <a:xfrm>
+            <a:off x="8700795" y="3996613"/>
+            <a:ext cx="2460171" cy="923330"/>
+          </a:xfrm>
+          <a:prstGeom prst="rect">
+            <a:avLst/>
+          </a:prstGeom>
+          <a:noFill/>
+        </p:spPr>
+        <p:txBody>
+          <a:bodyPr wrap="square" rtlCol="0">
+            <a:spAutoFit/>
+          </a:bodyPr>
+          <a:lstStyle/>
+          <a:p>
+            <a:r>
+              <a:rPr lang="en-US" dirty="0"/>
+              <a:t>Separate Memory Locations for x and y than a, b</a:t>
+            </a:r>
+          </a:p>
+        </p:txBody>
+      </p:sp>
     </p:spTree>
     <p:extLst>
       <p:ext uri="{BB962C8B-B14F-4D97-AF65-F5344CB8AC3E}">
-        <p14:creationId xmlns:p14="http://schemas.microsoft.com/office/powerpoint/2010/main" val="1033253456"/>
+        <p14:creationId xmlns:p14="http://schemas.microsoft.com/office/powerpoint/2010/main" val="37243692"/>
       </p:ext>
     </p:extLst>
   </p:cSld>
@@ -5506,46 +5882,10 @@
       </p:grpSpPr>
       <p:sp>
         <p:nvSpPr>
-          <p:cNvPr id="2" name="TextBox 1">
-            <a:extLst>
-              <a:ext uri="{FF2B5EF4-FFF2-40B4-BE49-F238E27FC236}">
-                <a16:creationId xmlns:a16="http://schemas.microsoft.com/office/drawing/2014/main" id="{A9C54A50-A634-7362-273F-FD8592A81E45}"/>
-              </a:ext>
-            </a:extLst>
-          </p:cNvPr>
-          <p:cNvSpPr txBox="1"/>
-          <p:nvPr/>
-        </p:nvSpPr>
-        <p:spPr>
-          <a:xfrm>
-            <a:off x="382555" y="289249"/>
-            <a:ext cx="2267339" cy="369332"/>
-          </a:xfrm>
-          <a:prstGeom prst="rect">
-            <a:avLst/>
-          </a:prstGeom>
-          <a:noFill/>
-        </p:spPr>
-        <p:txBody>
-          <a:bodyPr wrap="square" rtlCol="0">
-            <a:spAutoFit/>
-          </a:bodyPr>
-          <a:lstStyle/>
-          <a:p>
-            <a:pPr algn="ctr"/>
-            <a:r>
-              <a:rPr lang="en-US" b="1" dirty="0"/>
-              <a:t>Entities</a:t>
-            </a:r>
-          </a:p>
-        </p:txBody>
-      </p:sp>
-      <p:sp>
-        <p:nvSpPr>
-          <p:cNvPr id="3" name="Oval 2">
-            <a:extLst>
-              <a:ext uri="{FF2B5EF4-FFF2-40B4-BE49-F238E27FC236}">
-                <a16:creationId xmlns:a16="http://schemas.microsoft.com/office/drawing/2014/main" id="{D216B0E5-9ECD-6103-A617-3C4A8811511F}"/>
+          <p:cNvPr id="2" name="Oval 1">
+            <a:extLst>
+              <a:ext uri="{FF2B5EF4-FFF2-40B4-BE49-F238E27FC236}">
+                <a16:creationId xmlns:a16="http://schemas.microsoft.com/office/drawing/2014/main" id="{C11791EB-8767-7149-B1EE-55ED1FE156B2}"/>
               </a:ext>
             </a:extLst>
           </p:cNvPr>
@@ -5554,8 +5894,8 @@
         </p:nvSpPr>
         <p:spPr>
           <a:xfrm>
-            <a:off x="1045029" y="867747"/>
-            <a:ext cx="1138334" cy="979714"/>
+            <a:off x="4795934" y="2211354"/>
+            <a:ext cx="2239347" cy="1586204"/>
           </a:xfrm>
           <a:prstGeom prst="ellipse">
             <a:avLst/>
@@ -5583,18 +5923,19 @@
           <a:p>
             <a:pPr algn="ctr"/>
             <a:r>
-              <a:rPr lang="en-US" dirty="0"/>
-              <a:t>EMP</a:t>
-            </a:r>
-          </a:p>
-        </p:txBody>
-      </p:sp>
-      <p:sp>
-        <p:nvSpPr>
-          <p:cNvPr id="4" name="Oval 3">
-            <a:extLst>
-              <a:ext uri="{FF2B5EF4-FFF2-40B4-BE49-F238E27FC236}">
-                <a16:creationId xmlns:a16="http://schemas.microsoft.com/office/drawing/2014/main" id="{598DE919-1796-EA96-0BCF-229495C3EF20}"/>
+              <a:rPr lang="en-US" dirty="0" err="1"/>
+              <a:t>Ecomm</a:t>
+            </a:r>
+            <a:endParaRPr lang="en-US" dirty="0"/>
+          </a:p>
+        </p:txBody>
+      </p:sp>
+      <p:sp>
+        <p:nvSpPr>
+          <p:cNvPr id="3" name="Oval 2">
+            <a:extLst>
+              <a:ext uri="{FF2B5EF4-FFF2-40B4-BE49-F238E27FC236}">
+                <a16:creationId xmlns:a16="http://schemas.microsoft.com/office/drawing/2014/main" id="{450D8A07-68FE-D820-D1FB-76E911CA269E}"/>
               </a:ext>
             </a:extLst>
           </p:cNvPr>
@@ -5603,8 +5944,8 @@
         </p:nvSpPr>
         <p:spPr>
           <a:xfrm>
-            <a:off x="59095" y="2152261"/>
-            <a:ext cx="1138334" cy="979714"/>
+            <a:off x="541176" y="410547"/>
+            <a:ext cx="2164702" cy="1800807"/>
           </a:xfrm>
           <a:prstGeom prst="ellipse">
             <a:avLst/>
@@ -5633,17 +5974,17 @@
             <a:pPr algn="ctr"/>
             <a:r>
               <a:rPr lang="en-US" dirty="0"/>
-              <a:t>DIRC</a:t>
-            </a:r>
-          </a:p>
-        </p:txBody>
-      </p:sp>
-      <p:sp>
-        <p:nvSpPr>
-          <p:cNvPr id="5" name="Oval 4">
-            <a:extLst>
-              <a:ext uri="{FF2B5EF4-FFF2-40B4-BE49-F238E27FC236}">
-                <a16:creationId xmlns:a16="http://schemas.microsoft.com/office/drawing/2014/main" id="{B7E11893-6CA5-AB49-692B-4AA49DBE9C8D}"/>
+              <a:t>Product</a:t>
+            </a:r>
+          </a:p>
+        </p:txBody>
+      </p:sp>
+      <p:sp>
+        <p:nvSpPr>
+          <p:cNvPr id="4" name="Oval 3">
+            <a:extLst>
+              <a:ext uri="{FF2B5EF4-FFF2-40B4-BE49-F238E27FC236}">
+                <a16:creationId xmlns:a16="http://schemas.microsoft.com/office/drawing/2014/main" id="{ABFE2EF1-EC1F-EE3E-1EF7-F16F8DD20B56}"/>
               </a:ext>
             </a:extLst>
           </p:cNvPr>
@@ -5652,8 +5993,8 @@
         </p:nvSpPr>
         <p:spPr>
           <a:xfrm>
-            <a:off x="1891005" y="2152261"/>
-            <a:ext cx="1138334" cy="979714"/>
+            <a:off x="9697617" y="410546"/>
+            <a:ext cx="2164702" cy="1800807"/>
           </a:xfrm>
           <a:prstGeom prst="ellipse">
             <a:avLst/>
@@ -5682,32 +6023,130 @@
             <a:pPr algn="ctr"/>
             <a:r>
               <a:rPr lang="en-US" dirty="0"/>
-              <a:t>MGR</a:t>
+              <a:t>Customer</a:t>
+            </a:r>
+          </a:p>
+        </p:txBody>
+      </p:sp>
+      <p:sp>
+        <p:nvSpPr>
+          <p:cNvPr id="5" name="Oval 4">
+            <a:extLst>
+              <a:ext uri="{FF2B5EF4-FFF2-40B4-BE49-F238E27FC236}">
+                <a16:creationId xmlns:a16="http://schemas.microsoft.com/office/drawing/2014/main" id="{01E3CE68-02DD-8486-E1C6-A6D2989FB441}"/>
+              </a:ext>
+            </a:extLst>
+          </p:cNvPr>
+          <p:cNvSpPr/>
+          <p:nvPr/>
+        </p:nvSpPr>
+        <p:spPr>
+          <a:xfrm>
+            <a:off x="4795934" y="4743060"/>
+            <a:ext cx="2164702" cy="1800807"/>
+          </a:xfrm>
+          <a:prstGeom prst="ellipse">
+            <a:avLst/>
+          </a:prstGeom>
+        </p:spPr>
+        <p:style>
+          <a:lnRef idx="2">
+            <a:schemeClr val="accent1">
+              <a:shade val="15000"/>
+            </a:schemeClr>
+          </a:lnRef>
+          <a:fillRef idx="1">
+            <a:schemeClr val="accent1"/>
+          </a:fillRef>
+          <a:effectRef idx="0">
+            <a:schemeClr val="accent1"/>
+          </a:effectRef>
+          <a:fontRef idx="minor">
+            <a:schemeClr val="lt1"/>
+          </a:fontRef>
+        </p:style>
+        <p:txBody>
+          <a:bodyPr rtlCol="0" anchor="ctr"/>
+          <a:lstStyle/>
+          <a:p>
+            <a:pPr algn="ctr"/>
+            <a:r>
+              <a:rPr lang="en-US" dirty="0"/>
+              <a:t>Order</a:t>
+            </a:r>
+          </a:p>
+        </p:txBody>
+      </p:sp>
+      <p:sp>
+        <p:nvSpPr>
+          <p:cNvPr id="6" name="Oval 5">
+            <a:extLst>
+              <a:ext uri="{FF2B5EF4-FFF2-40B4-BE49-F238E27FC236}">
+                <a16:creationId xmlns:a16="http://schemas.microsoft.com/office/drawing/2014/main" id="{A53FB4E5-EECA-DD03-EED2-372F4C72E8B2}"/>
+              </a:ext>
+            </a:extLst>
+          </p:cNvPr>
+          <p:cNvSpPr/>
+          <p:nvPr/>
+        </p:nvSpPr>
+        <p:spPr>
+          <a:xfrm>
+            <a:off x="398107" y="2845840"/>
+            <a:ext cx="2164702" cy="1800807"/>
+          </a:xfrm>
+          <a:prstGeom prst="ellipse">
+            <a:avLst/>
+          </a:prstGeom>
+        </p:spPr>
+        <p:style>
+          <a:lnRef idx="2">
+            <a:schemeClr val="accent1">
+              <a:shade val="15000"/>
+            </a:schemeClr>
+          </a:lnRef>
+          <a:fillRef idx="1">
+            <a:schemeClr val="accent1"/>
+          </a:fillRef>
+          <a:effectRef idx="0">
+            <a:schemeClr val="accent1"/>
+          </a:effectRef>
+          <a:fontRef idx="minor">
+            <a:schemeClr val="lt1"/>
+          </a:fontRef>
+        </p:style>
+        <p:txBody>
+          <a:bodyPr rtlCol="0" anchor="ctr"/>
+          <a:lstStyle/>
+          <a:p>
+            <a:pPr algn="ctr"/>
+            <a:r>
+              <a:rPr lang="en-US" dirty="0"/>
+              <a:t>Manufacturer</a:t>
             </a:r>
           </a:p>
         </p:txBody>
       </p:sp>
       <p:cxnSp>
         <p:nvCxnSpPr>
-          <p:cNvPr id="9" name="Connector: Elbow 8">
-            <a:extLst>
-              <a:ext uri="{FF2B5EF4-FFF2-40B4-BE49-F238E27FC236}">
-                <a16:creationId xmlns:a16="http://schemas.microsoft.com/office/drawing/2014/main" id="{72208D96-C5BF-EAF8-3BCD-F4B957830B84}"/>
+          <p:cNvPr id="8" name="Connector: Elbow 7">
+            <a:extLst>
+              <a:ext uri="{FF2B5EF4-FFF2-40B4-BE49-F238E27FC236}">
+                <a16:creationId xmlns:a16="http://schemas.microsoft.com/office/drawing/2014/main" id="{51707C3C-4C7A-5BE6-8E60-CF231DF770BE}"/>
               </a:ext>
             </a:extLst>
           </p:cNvPr>
           <p:cNvCxnSpPr>
-            <a:stCxn id="4" idx="0"/>
-            <a:endCxn id="3" idx="2"/>
+            <a:stCxn id="6" idx="0"/>
+            <a:endCxn id="3" idx="4"/>
           </p:cNvCxnSpPr>
           <p:nvPr/>
         </p:nvCxnSpPr>
         <p:spPr>
           <a:xfrm rot="5400000" flipH="1" flipV="1">
-            <a:off x="439317" y="1546550"/>
-            <a:ext cx="794657" cy="416767"/>
-          </a:xfrm>
-          <a:prstGeom prst="bentConnector2">
+            <a:off x="1234749" y="2457063"/>
+            <a:ext cx="634486" cy="143069"/>
+          </a:xfrm>
+          <a:prstGeom prst="bentConnector3">
             <a:avLst/>
           </a:prstGeom>
           <a:ln>
@@ -5731,251 +6170,23 @@
       </p:cxnSp>
       <p:cxnSp>
         <p:nvCxnSpPr>
-          <p:cNvPr id="11" name="Connector: Elbow 10">
-            <a:extLst>
-              <a:ext uri="{FF2B5EF4-FFF2-40B4-BE49-F238E27FC236}">
-                <a16:creationId xmlns:a16="http://schemas.microsoft.com/office/drawing/2014/main" id="{0A533866-5799-D540-36C4-330D35EC0B7F}"/>
+          <p:cNvPr id="10" name="Connector: Elbow 9">
+            <a:extLst>
+              <a:ext uri="{FF2B5EF4-FFF2-40B4-BE49-F238E27FC236}">
+                <a16:creationId xmlns:a16="http://schemas.microsoft.com/office/drawing/2014/main" id="{517EC96F-3E42-2427-E44D-A2F7F3D7DD6F}"/>
               </a:ext>
             </a:extLst>
           </p:cNvPr>
           <p:cNvCxnSpPr>
-            <a:stCxn id="5" idx="0"/>
-            <a:endCxn id="3" idx="6"/>
+            <a:stCxn id="4" idx="4"/>
+            <a:endCxn id="5" idx="6"/>
           </p:cNvCxnSpPr>
           <p:nvPr/>
         </p:nvCxnSpPr>
         <p:spPr>
-          <a:xfrm rot="16200000" flipV="1">
-            <a:off x="1924440" y="1616528"/>
-            <a:ext cx="794657" cy="276809"/>
-          </a:xfrm>
-          <a:prstGeom prst="bentConnector2">
-            <a:avLst/>
-          </a:prstGeom>
-          <a:ln>
-            <a:tailEnd type="triangle"/>
-          </a:ln>
-        </p:spPr>
-        <p:style>
-          <a:lnRef idx="1">
-            <a:schemeClr val="accent1"/>
-          </a:lnRef>
-          <a:fillRef idx="0">
-            <a:schemeClr val="accent1"/>
-          </a:fillRef>
-          <a:effectRef idx="0">
-            <a:schemeClr val="accent1"/>
-          </a:effectRef>
-          <a:fontRef idx="minor">
-            <a:schemeClr val="tx1"/>
-          </a:fontRef>
-        </p:style>
-      </p:cxnSp>
-      <p:sp>
-        <p:nvSpPr>
-          <p:cNvPr id="12" name="TextBox 11">
-            <a:extLst>
-              <a:ext uri="{FF2B5EF4-FFF2-40B4-BE49-F238E27FC236}">
-                <a16:creationId xmlns:a16="http://schemas.microsoft.com/office/drawing/2014/main" id="{92CACC03-3AA4-9EEC-1C2D-BFA4601851AF}"/>
-              </a:ext>
-            </a:extLst>
-          </p:cNvPr>
-          <p:cNvSpPr txBox="1"/>
-          <p:nvPr/>
-        </p:nvSpPr>
-        <p:spPr>
-          <a:xfrm>
-            <a:off x="7119257" y="186612"/>
-            <a:ext cx="2995127" cy="369332"/>
-          </a:xfrm>
-          <a:prstGeom prst="rect">
-            <a:avLst/>
-          </a:prstGeom>
-          <a:noFill/>
-        </p:spPr>
-        <p:txBody>
-          <a:bodyPr wrap="square" rtlCol="0">
-            <a:spAutoFit/>
-          </a:bodyPr>
-          <a:lstStyle/>
-          <a:p>
-            <a:pPr algn="ctr"/>
-            <a:r>
-              <a:rPr lang="en-US" b="1" dirty="0"/>
-              <a:t>Logic</a:t>
-            </a:r>
-          </a:p>
-        </p:txBody>
-      </p:sp>
-      <p:sp>
-        <p:nvSpPr>
-          <p:cNvPr id="13" name="Oval 12">
-            <a:extLst>
-              <a:ext uri="{FF2B5EF4-FFF2-40B4-BE49-F238E27FC236}">
-                <a16:creationId xmlns:a16="http://schemas.microsoft.com/office/drawing/2014/main" id="{33012AD6-E479-9963-D7F9-5F3E7892C3AA}"/>
-              </a:ext>
-            </a:extLst>
-          </p:cNvPr>
-          <p:cNvSpPr/>
-          <p:nvPr/>
-        </p:nvSpPr>
-        <p:spPr>
-          <a:xfrm>
-            <a:off x="7305869" y="775218"/>
-            <a:ext cx="2320213" cy="1377043"/>
-          </a:xfrm>
-          <a:prstGeom prst="ellipse">
-            <a:avLst/>
-          </a:prstGeom>
-        </p:spPr>
-        <p:style>
-          <a:lnRef idx="2">
-            <a:schemeClr val="accent1">
-              <a:shade val="15000"/>
-            </a:schemeClr>
-          </a:lnRef>
-          <a:fillRef idx="1">
-            <a:schemeClr val="accent1"/>
-          </a:fillRef>
-          <a:effectRef idx="0">
-            <a:schemeClr val="accent1"/>
-          </a:effectRef>
-          <a:fontRef idx="minor">
-            <a:schemeClr val="lt1"/>
-          </a:fontRef>
-        </p:style>
-        <p:txBody>
-          <a:bodyPr rtlCol="0" anchor="ctr"/>
-          <a:lstStyle/>
-          <a:p>
-            <a:pPr algn="ctr"/>
-            <a:r>
-              <a:rPr lang="en-US" dirty="0" err="1"/>
-              <a:t>EmployeeLogic</a:t>
-            </a:r>
-            <a:endParaRPr lang="en-US" dirty="0"/>
-          </a:p>
-        </p:txBody>
-      </p:sp>
-      <p:sp>
-        <p:nvSpPr>
-          <p:cNvPr id="14" name="Oval 13">
-            <a:extLst>
-              <a:ext uri="{FF2B5EF4-FFF2-40B4-BE49-F238E27FC236}">
-                <a16:creationId xmlns:a16="http://schemas.microsoft.com/office/drawing/2014/main" id="{EC963725-4A77-D5E0-55BC-5125B8E2B8DD}"/>
-              </a:ext>
-            </a:extLst>
-          </p:cNvPr>
-          <p:cNvSpPr/>
-          <p:nvPr/>
-        </p:nvSpPr>
-        <p:spPr>
-          <a:xfrm>
-            <a:off x="5265575" y="2924369"/>
-            <a:ext cx="2320213" cy="1377043"/>
-          </a:xfrm>
-          <a:prstGeom prst="ellipse">
-            <a:avLst/>
-          </a:prstGeom>
-        </p:spPr>
-        <p:style>
-          <a:lnRef idx="2">
-            <a:schemeClr val="accent1">
-              <a:shade val="15000"/>
-            </a:schemeClr>
-          </a:lnRef>
-          <a:fillRef idx="1">
-            <a:schemeClr val="accent1"/>
-          </a:fillRef>
-          <a:effectRef idx="0">
-            <a:schemeClr val="accent1"/>
-          </a:effectRef>
-          <a:fontRef idx="minor">
-            <a:schemeClr val="lt1"/>
-          </a:fontRef>
-        </p:style>
-        <p:txBody>
-          <a:bodyPr rtlCol="0" anchor="ctr"/>
-          <a:lstStyle/>
-          <a:p>
-            <a:pPr algn="ctr"/>
-            <a:r>
-              <a:rPr lang="en-US" dirty="0" err="1"/>
-              <a:t>DirectorLogic</a:t>
-            </a:r>
-            <a:endParaRPr lang="en-US" dirty="0"/>
-          </a:p>
-        </p:txBody>
-      </p:sp>
-      <p:sp>
-        <p:nvSpPr>
-          <p:cNvPr id="15" name="Oval 14">
-            <a:extLst>
-              <a:ext uri="{FF2B5EF4-FFF2-40B4-BE49-F238E27FC236}">
-                <a16:creationId xmlns:a16="http://schemas.microsoft.com/office/drawing/2014/main" id="{CEFF65AC-3D6A-0AB0-88D1-7ECFE7CD0AD1}"/>
-              </a:ext>
-            </a:extLst>
-          </p:cNvPr>
-          <p:cNvSpPr/>
-          <p:nvPr/>
-        </p:nvSpPr>
-        <p:spPr>
-          <a:xfrm>
-            <a:off x="9504783" y="2924369"/>
-            <a:ext cx="2320213" cy="1377043"/>
-          </a:xfrm>
-          <a:prstGeom prst="ellipse">
-            <a:avLst/>
-          </a:prstGeom>
-        </p:spPr>
-        <p:style>
-          <a:lnRef idx="2">
-            <a:schemeClr val="accent1">
-              <a:shade val="15000"/>
-            </a:schemeClr>
-          </a:lnRef>
-          <a:fillRef idx="1">
-            <a:schemeClr val="accent1"/>
-          </a:fillRef>
-          <a:effectRef idx="0">
-            <a:schemeClr val="accent1"/>
-          </a:effectRef>
-          <a:fontRef idx="minor">
-            <a:schemeClr val="lt1"/>
-          </a:fontRef>
-        </p:style>
-        <p:txBody>
-          <a:bodyPr rtlCol="0" anchor="ctr"/>
-          <a:lstStyle/>
-          <a:p>
-            <a:pPr algn="ctr"/>
-            <a:r>
-              <a:rPr lang="en-US" dirty="0" err="1"/>
-              <a:t>ManagerLogic</a:t>
-            </a:r>
-            <a:endParaRPr lang="en-US" dirty="0"/>
-          </a:p>
-        </p:txBody>
-      </p:sp>
-      <p:cxnSp>
-        <p:nvCxnSpPr>
-          <p:cNvPr id="17" name="Connector: Elbow 16">
-            <a:extLst>
-              <a:ext uri="{FF2B5EF4-FFF2-40B4-BE49-F238E27FC236}">
-                <a16:creationId xmlns:a16="http://schemas.microsoft.com/office/drawing/2014/main" id="{65756D4E-C67D-E9DE-E975-FCD399ED0FCD}"/>
-              </a:ext>
-            </a:extLst>
-          </p:cNvPr>
-          <p:cNvCxnSpPr>
-            <a:stCxn id="14" idx="0"/>
-            <a:endCxn id="13" idx="2"/>
-          </p:cNvCxnSpPr>
-          <p:nvPr/>
-        </p:nvCxnSpPr>
-        <p:spPr>
-          <a:xfrm rot="5400000" flipH="1" flipV="1">
-            <a:off x="6135461" y="1753962"/>
-            <a:ext cx="1460629" cy="880187"/>
+          <a:xfrm rot="5400000">
+            <a:off x="7154247" y="2017742"/>
+            <a:ext cx="3432111" cy="3819332"/>
           </a:xfrm>
           <a:prstGeom prst="bentConnector2">
             <a:avLst/>
@@ -6001,25 +6212,25 @@
       </p:cxnSp>
       <p:cxnSp>
         <p:nvCxnSpPr>
-          <p:cNvPr id="19" name="Connector: Elbow 18">
-            <a:extLst>
-              <a:ext uri="{FF2B5EF4-FFF2-40B4-BE49-F238E27FC236}">
-                <a16:creationId xmlns:a16="http://schemas.microsoft.com/office/drawing/2014/main" id="{F53C0CC1-F0AD-7624-636E-57B5E22A1293}"/>
+          <p:cNvPr id="12" name="Connector: Elbow 11">
+            <a:extLst>
+              <a:ext uri="{FF2B5EF4-FFF2-40B4-BE49-F238E27FC236}">
+                <a16:creationId xmlns:a16="http://schemas.microsoft.com/office/drawing/2014/main" id="{5AF295FC-82D9-76D5-9350-F3EC001CF81A}"/>
               </a:ext>
             </a:extLst>
           </p:cNvPr>
           <p:cNvCxnSpPr>
-            <a:stCxn id="15" idx="0"/>
-            <a:endCxn id="13" idx="6"/>
+            <a:stCxn id="5" idx="2"/>
+            <a:endCxn id="3" idx="6"/>
           </p:cNvCxnSpPr>
           <p:nvPr/>
         </p:nvCxnSpPr>
         <p:spPr>
-          <a:xfrm rot="16200000" flipV="1">
-            <a:off x="9415172" y="1674651"/>
-            <a:ext cx="1460629" cy="1038808"/>
-          </a:xfrm>
-          <a:prstGeom prst="bentConnector2">
+          <a:xfrm rot="10800000">
+            <a:off x="2705878" y="1310952"/>
+            <a:ext cx="2090056" cy="4332513"/>
+          </a:xfrm>
+          <a:prstGeom prst="bentConnector3">
             <a:avLst/>
           </a:prstGeom>
           <a:ln>
@@ -6041,45 +6252,10 @@
           </a:fontRef>
         </p:style>
       </p:cxnSp>
-      <p:sp>
-        <p:nvSpPr>
-          <p:cNvPr id="20" name="TextBox 19">
-            <a:extLst>
-              <a:ext uri="{FF2B5EF4-FFF2-40B4-BE49-F238E27FC236}">
-                <a16:creationId xmlns:a16="http://schemas.microsoft.com/office/drawing/2014/main" id="{0B0DA768-56C2-B875-7FE5-911D19650696}"/>
-              </a:ext>
-            </a:extLst>
-          </p:cNvPr>
-          <p:cNvSpPr txBox="1"/>
-          <p:nvPr/>
-        </p:nvSpPr>
-        <p:spPr>
-          <a:xfrm>
-            <a:off x="270588" y="5290457"/>
-            <a:ext cx="4994987" cy="369332"/>
-          </a:xfrm>
-          <a:prstGeom prst="rect">
-            <a:avLst/>
-          </a:prstGeom>
-          <a:noFill/>
-        </p:spPr>
-        <p:txBody>
-          <a:bodyPr wrap="square" rtlCol="0">
-            <a:spAutoFit/>
-          </a:bodyPr>
-          <a:lstStyle/>
-          <a:p>
-            <a:r>
-              <a:rPr lang="en-US" dirty="0"/>
-              <a:t>Is-a Relationship</a:t>
-            </a:r>
-          </a:p>
-        </p:txBody>
-      </p:sp>
     </p:spTree>
     <p:extLst>
       <p:ext uri="{BB962C8B-B14F-4D97-AF65-F5344CB8AC3E}">
-        <p14:creationId xmlns:p14="http://schemas.microsoft.com/office/powerpoint/2010/main" val="1188233535"/>
+        <p14:creationId xmlns:p14="http://schemas.microsoft.com/office/powerpoint/2010/main" val="1033253456"/>
       </p:ext>
     </p:extLst>
   </p:cSld>
@@ -6108,6 +6284,608 @@
       </p:grpSpPr>
       <p:sp>
         <p:nvSpPr>
+          <p:cNvPr id="2" name="TextBox 1">
+            <a:extLst>
+              <a:ext uri="{FF2B5EF4-FFF2-40B4-BE49-F238E27FC236}">
+                <a16:creationId xmlns:a16="http://schemas.microsoft.com/office/drawing/2014/main" id="{A9C54A50-A634-7362-273F-FD8592A81E45}"/>
+              </a:ext>
+            </a:extLst>
+          </p:cNvPr>
+          <p:cNvSpPr txBox="1"/>
+          <p:nvPr/>
+        </p:nvSpPr>
+        <p:spPr>
+          <a:xfrm>
+            <a:off x="382555" y="289249"/>
+            <a:ext cx="2267339" cy="369332"/>
+          </a:xfrm>
+          <a:prstGeom prst="rect">
+            <a:avLst/>
+          </a:prstGeom>
+          <a:noFill/>
+        </p:spPr>
+        <p:txBody>
+          <a:bodyPr wrap="square" rtlCol="0">
+            <a:spAutoFit/>
+          </a:bodyPr>
+          <a:lstStyle/>
+          <a:p>
+            <a:pPr algn="ctr"/>
+            <a:r>
+              <a:rPr lang="en-US" b="1" dirty="0"/>
+              <a:t>Entities</a:t>
+            </a:r>
+          </a:p>
+        </p:txBody>
+      </p:sp>
+      <p:sp>
+        <p:nvSpPr>
+          <p:cNvPr id="3" name="Oval 2">
+            <a:extLst>
+              <a:ext uri="{FF2B5EF4-FFF2-40B4-BE49-F238E27FC236}">
+                <a16:creationId xmlns:a16="http://schemas.microsoft.com/office/drawing/2014/main" id="{D216B0E5-9ECD-6103-A617-3C4A8811511F}"/>
+              </a:ext>
+            </a:extLst>
+          </p:cNvPr>
+          <p:cNvSpPr/>
+          <p:nvPr/>
+        </p:nvSpPr>
+        <p:spPr>
+          <a:xfrm>
+            <a:off x="1045029" y="867747"/>
+            <a:ext cx="1138334" cy="979714"/>
+          </a:xfrm>
+          <a:prstGeom prst="ellipse">
+            <a:avLst/>
+          </a:prstGeom>
+        </p:spPr>
+        <p:style>
+          <a:lnRef idx="2">
+            <a:schemeClr val="accent1">
+              <a:shade val="15000"/>
+            </a:schemeClr>
+          </a:lnRef>
+          <a:fillRef idx="1">
+            <a:schemeClr val="accent1"/>
+          </a:fillRef>
+          <a:effectRef idx="0">
+            <a:schemeClr val="accent1"/>
+          </a:effectRef>
+          <a:fontRef idx="minor">
+            <a:schemeClr val="lt1"/>
+          </a:fontRef>
+        </p:style>
+        <p:txBody>
+          <a:bodyPr rtlCol="0" anchor="ctr"/>
+          <a:lstStyle/>
+          <a:p>
+            <a:pPr algn="ctr"/>
+            <a:r>
+              <a:rPr lang="en-US" dirty="0"/>
+              <a:t>EMP</a:t>
+            </a:r>
+          </a:p>
+        </p:txBody>
+      </p:sp>
+      <p:sp>
+        <p:nvSpPr>
+          <p:cNvPr id="4" name="Oval 3">
+            <a:extLst>
+              <a:ext uri="{FF2B5EF4-FFF2-40B4-BE49-F238E27FC236}">
+                <a16:creationId xmlns:a16="http://schemas.microsoft.com/office/drawing/2014/main" id="{598DE919-1796-EA96-0BCF-229495C3EF20}"/>
+              </a:ext>
+            </a:extLst>
+          </p:cNvPr>
+          <p:cNvSpPr/>
+          <p:nvPr/>
+        </p:nvSpPr>
+        <p:spPr>
+          <a:xfrm>
+            <a:off x="59095" y="2152261"/>
+            <a:ext cx="1138334" cy="979714"/>
+          </a:xfrm>
+          <a:prstGeom prst="ellipse">
+            <a:avLst/>
+          </a:prstGeom>
+        </p:spPr>
+        <p:style>
+          <a:lnRef idx="2">
+            <a:schemeClr val="accent1">
+              <a:shade val="15000"/>
+            </a:schemeClr>
+          </a:lnRef>
+          <a:fillRef idx="1">
+            <a:schemeClr val="accent1"/>
+          </a:fillRef>
+          <a:effectRef idx="0">
+            <a:schemeClr val="accent1"/>
+          </a:effectRef>
+          <a:fontRef idx="minor">
+            <a:schemeClr val="lt1"/>
+          </a:fontRef>
+        </p:style>
+        <p:txBody>
+          <a:bodyPr rtlCol="0" anchor="ctr"/>
+          <a:lstStyle/>
+          <a:p>
+            <a:pPr algn="ctr"/>
+            <a:r>
+              <a:rPr lang="en-US" dirty="0"/>
+              <a:t>DIRC</a:t>
+            </a:r>
+          </a:p>
+        </p:txBody>
+      </p:sp>
+      <p:sp>
+        <p:nvSpPr>
+          <p:cNvPr id="5" name="Oval 4">
+            <a:extLst>
+              <a:ext uri="{FF2B5EF4-FFF2-40B4-BE49-F238E27FC236}">
+                <a16:creationId xmlns:a16="http://schemas.microsoft.com/office/drawing/2014/main" id="{B7E11893-6CA5-AB49-692B-4AA49DBE9C8D}"/>
+              </a:ext>
+            </a:extLst>
+          </p:cNvPr>
+          <p:cNvSpPr/>
+          <p:nvPr/>
+        </p:nvSpPr>
+        <p:spPr>
+          <a:xfrm>
+            <a:off x="1891005" y="2152261"/>
+            <a:ext cx="1138334" cy="979714"/>
+          </a:xfrm>
+          <a:prstGeom prst="ellipse">
+            <a:avLst/>
+          </a:prstGeom>
+        </p:spPr>
+        <p:style>
+          <a:lnRef idx="2">
+            <a:schemeClr val="accent1">
+              <a:shade val="15000"/>
+            </a:schemeClr>
+          </a:lnRef>
+          <a:fillRef idx="1">
+            <a:schemeClr val="accent1"/>
+          </a:fillRef>
+          <a:effectRef idx="0">
+            <a:schemeClr val="accent1"/>
+          </a:effectRef>
+          <a:fontRef idx="minor">
+            <a:schemeClr val="lt1"/>
+          </a:fontRef>
+        </p:style>
+        <p:txBody>
+          <a:bodyPr rtlCol="0" anchor="ctr"/>
+          <a:lstStyle/>
+          <a:p>
+            <a:pPr algn="ctr"/>
+            <a:r>
+              <a:rPr lang="en-US" dirty="0"/>
+              <a:t>MGR</a:t>
+            </a:r>
+          </a:p>
+        </p:txBody>
+      </p:sp>
+      <p:cxnSp>
+        <p:nvCxnSpPr>
+          <p:cNvPr id="9" name="Connector: Elbow 8">
+            <a:extLst>
+              <a:ext uri="{FF2B5EF4-FFF2-40B4-BE49-F238E27FC236}">
+                <a16:creationId xmlns:a16="http://schemas.microsoft.com/office/drawing/2014/main" id="{72208D96-C5BF-EAF8-3BCD-F4B957830B84}"/>
+              </a:ext>
+            </a:extLst>
+          </p:cNvPr>
+          <p:cNvCxnSpPr>
+            <a:stCxn id="4" idx="0"/>
+            <a:endCxn id="3" idx="2"/>
+          </p:cNvCxnSpPr>
+          <p:nvPr/>
+        </p:nvCxnSpPr>
+        <p:spPr>
+          <a:xfrm rot="5400000" flipH="1" flipV="1">
+            <a:off x="439317" y="1546550"/>
+            <a:ext cx="794657" cy="416767"/>
+          </a:xfrm>
+          <a:prstGeom prst="bentConnector2">
+            <a:avLst/>
+          </a:prstGeom>
+          <a:ln>
+            <a:tailEnd type="triangle"/>
+          </a:ln>
+        </p:spPr>
+        <p:style>
+          <a:lnRef idx="1">
+            <a:schemeClr val="accent1"/>
+          </a:lnRef>
+          <a:fillRef idx="0">
+            <a:schemeClr val="accent1"/>
+          </a:fillRef>
+          <a:effectRef idx="0">
+            <a:schemeClr val="accent1"/>
+          </a:effectRef>
+          <a:fontRef idx="minor">
+            <a:schemeClr val="tx1"/>
+          </a:fontRef>
+        </p:style>
+      </p:cxnSp>
+      <p:cxnSp>
+        <p:nvCxnSpPr>
+          <p:cNvPr id="11" name="Connector: Elbow 10">
+            <a:extLst>
+              <a:ext uri="{FF2B5EF4-FFF2-40B4-BE49-F238E27FC236}">
+                <a16:creationId xmlns:a16="http://schemas.microsoft.com/office/drawing/2014/main" id="{0A533866-5799-D540-36C4-330D35EC0B7F}"/>
+              </a:ext>
+            </a:extLst>
+          </p:cNvPr>
+          <p:cNvCxnSpPr>
+            <a:stCxn id="5" idx="0"/>
+            <a:endCxn id="3" idx="6"/>
+          </p:cNvCxnSpPr>
+          <p:nvPr/>
+        </p:nvCxnSpPr>
+        <p:spPr>
+          <a:xfrm rot="16200000" flipV="1">
+            <a:off x="1924440" y="1616528"/>
+            <a:ext cx="794657" cy="276809"/>
+          </a:xfrm>
+          <a:prstGeom prst="bentConnector2">
+            <a:avLst/>
+          </a:prstGeom>
+          <a:ln>
+            <a:tailEnd type="triangle"/>
+          </a:ln>
+        </p:spPr>
+        <p:style>
+          <a:lnRef idx="1">
+            <a:schemeClr val="accent1"/>
+          </a:lnRef>
+          <a:fillRef idx="0">
+            <a:schemeClr val="accent1"/>
+          </a:fillRef>
+          <a:effectRef idx="0">
+            <a:schemeClr val="accent1"/>
+          </a:effectRef>
+          <a:fontRef idx="minor">
+            <a:schemeClr val="tx1"/>
+          </a:fontRef>
+        </p:style>
+      </p:cxnSp>
+      <p:sp>
+        <p:nvSpPr>
+          <p:cNvPr id="12" name="TextBox 11">
+            <a:extLst>
+              <a:ext uri="{FF2B5EF4-FFF2-40B4-BE49-F238E27FC236}">
+                <a16:creationId xmlns:a16="http://schemas.microsoft.com/office/drawing/2014/main" id="{92CACC03-3AA4-9EEC-1C2D-BFA4601851AF}"/>
+              </a:ext>
+            </a:extLst>
+          </p:cNvPr>
+          <p:cNvSpPr txBox="1"/>
+          <p:nvPr/>
+        </p:nvSpPr>
+        <p:spPr>
+          <a:xfrm>
+            <a:off x="7119257" y="186612"/>
+            <a:ext cx="2995127" cy="369332"/>
+          </a:xfrm>
+          <a:prstGeom prst="rect">
+            <a:avLst/>
+          </a:prstGeom>
+          <a:noFill/>
+        </p:spPr>
+        <p:txBody>
+          <a:bodyPr wrap="square" rtlCol="0">
+            <a:spAutoFit/>
+          </a:bodyPr>
+          <a:lstStyle/>
+          <a:p>
+            <a:pPr algn="ctr"/>
+            <a:r>
+              <a:rPr lang="en-US" b="1" dirty="0"/>
+              <a:t>Logic</a:t>
+            </a:r>
+          </a:p>
+        </p:txBody>
+      </p:sp>
+      <p:sp>
+        <p:nvSpPr>
+          <p:cNvPr id="13" name="Oval 12">
+            <a:extLst>
+              <a:ext uri="{FF2B5EF4-FFF2-40B4-BE49-F238E27FC236}">
+                <a16:creationId xmlns:a16="http://schemas.microsoft.com/office/drawing/2014/main" id="{33012AD6-E479-9963-D7F9-5F3E7892C3AA}"/>
+              </a:ext>
+            </a:extLst>
+          </p:cNvPr>
+          <p:cNvSpPr/>
+          <p:nvPr/>
+        </p:nvSpPr>
+        <p:spPr>
+          <a:xfrm>
+            <a:off x="7305869" y="775218"/>
+            <a:ext cx="2320213" cy="1377043"/>
+          </a:xfrm>
+          <a:prstGeom prst="ellipse">
+            <a:avLst/>
+          </a:prstGeom>
+        </p:spPr>
+        <p:style>
+          <a:lnRef idx="2">
+            <a:schemeClr val="accent1">
+              <a:shade val="15000"/>
+            </a:schemeClr>
+          </a:lnRef>
+          <a:fillRef idx="1">
+            <a:schemeClr val="accent1"/>
+          </a:fillRef>
+          <a:effectRef idx="0">
+            <a:schemeClr val="accent1"/>
+          </a:effectRef>
+          <a:fontRef idx="minor">
+            <a:schemeClr val="lt1"/>
+          </a:fontRef>
+        </p:style>
+        <p:txBody>
+          <a:bodyPr rtlCol="0" anchor="ctr"/>
+          <a:lstStyle/>
+          <a:p>
+            <a:pPr algn="ctr"/>
+            <a:r>
+              <a:rPr lang="en-US" dirty="0" err="1"/>
+              <a:t>EmployeeLogic</a:t>
+            </a:r>
+            <a:endParaRPr lang="en-US" dirty="0"/>
+          </a:p>
+        </p:txBody>
+      </p:sp>
+      <p:sp>
+        <p:nvSpPr>
+          <p:cNvPr id="14" name="Oval 13">
+            <a:extLst>
+              <a:ext uri="{FF2B5EF4-FFF2-40B4-BE49-F238E27FC236}">
+                <a16:creationId xmlns:a16="http://schemas.microsoft.com/office/drawing/2014/main" id="{EC963725-4A77-D5E0-55BC-5125B8E2B8DD}"/>
+              </a:ext>
+            </a:extLst>
+          </p:cNvPr>
+          <p:cNvSpPr/>
+          <p:nvPr/>
+        </p:nvSpPr>
+        <p:spPr>
+          <a:xfrm>
+            <a:off x="5265575" y="2924369"/>
+            <a:ext cx="2320213" cy="1377043"/>
+          </a:xfrm>
+          <a:prstGeom prst="ellipse">
+            <a:avLst/>
+          </a:prstGeom>
+        </p:spPr>
+        <p:style>
+          <a:lnRef idx="2">
+            <a:schemeClr val="accent1">
+              <a:shade val="15000"/>
+            </a:schemeClr>
+          </a:lnRef>
+          <a:fillRef idx="1">
+            <a:schemeClr val="accent1"/>
+          </a:fillRef>
+          <a:effectRef idx="0">
+            <a:schemeClr val="accent1"/>
+          </a:effectRef>
+          <a:fontRef idx="minor">
+            <a:schemeClr val="lt1"/>
+          </a:fontRef>
+        </p:style>
+        <p:txBody>
+          <a:bodyPr rtlCol="0" anchor="ctr"/>
+          <a:lstStyle/>
+          <a:p>
+            <a:pPr algn="ctr"/>
+            <a:r>
+              <a:rPr lang="en-US" dirty="0" err="1"/>
+              <a:t>DirectorLogic</a:t>
+            </a:r>
+            <a:endParaRPr lang="en-US" dirty="0"/>
+          </a:p>
+        </p:txBody>
+      </p:sp>
+      <p:sp>
+        <p:nvSpPr>
+          <p:cNvPr id="15" name="Oval 14">
+            <a:extLst>
+              <a:ext uri="{FF2B5EF4-FFF2-40B4-BE49-F238E27FC236}">
+                <a16:creationId xmlns:a16="http://schemas.microsoft.com/office/drawing/2014/main" id="{CEFF65AC-3D6A-0AB0-88D1-7ECFE7CD0AD1}"/>
+              </a:ext>
+            </a:extLst>
+          </p:cNvPr>
+          <p:cNvSpPr/>
+          <p:nvPr/>
+        </p:nvSpPr>
+        <p:spPr>
+          <a:xfrm>
+            <a:off x="9504783" y="2924369"/>
+            <a:ext cx="2320213" cy="1377043"/>
+          </a:xfrm>
+          <a:prstGeom prst="ellipse">
+            <a:avLst/>
+          </a:prstGeom>
+        </p:spPr>
+        <p:style>
+          <a:lnRef idx="2">
+            <a:schemeClr val="accent1">
+              <a:shade val="15000"/>
+            </a:schemeClr>
+          </a:lnRef>
+          <a:fillRef idx="1">
+            <a:schemeClr val="accent1"/>
+          </a:fillRef>
+          <a:effectRef idx="0">
+            <a:schemeClr val="accent1"/>
+          </a:effectRef>
+          <a:fontRef idx="minor">
+            <a:schemeClr val="lt1"/>
+          </a:fontRef>
+        </p:style>
+        <p:txBody>
+          <a:bodyPr rtlCol="0" anchor="ctr"/>
+          <a:lstStyle/>
+          <a:p>
+            <a:pPr algn="ctr"/>
+            <a:r>
+              <a:rPr lang="en-US" dirty="0" err="1"/>
+              <a:t>ManagerLogic</a:t>
+            </a:r>
+            <a:endParaRPr lang="en-US" dirty="0"/>
+          </a:p>
+        </p:txBody>
+      </p:sp>
+      <p:cxnSp>
+        <p:nvCxnSpPr>
+          <p:cNvPr id="17" name="Connector: Elbow 16">
+            <a:extLst>
+              <a:ext uri="{FF2B5EF4-FFF2-40B4-BE49-F238E27FC236}">
+                <a16:creationId xmlns:a16="http://schemas.microsoft.com/office/drawing/2014/main" id="{65756D4E-C67D-E9DE-E975-FCD399ED0FCD}"/>
+              </a:ext>
+            </a:extLst>
+          </p:cNvPr>
+          <p:cNvCxnSpPr>
+            <a:stCxn id="14" idx="0"/>
+            <a:endCxn id="13" idx="2"/>
+          </p:cNvCxnSpPr>
+          <p:nvPr/>
+        </p:nvCxnSpPr>
+        <p:spPr>
+          <a:xfrm rot="5400000" flipH="1" flipV="1">
+            <a:off x="6135461" y="1753962"/>
+            <a:ext cx="1460629" cy="880187"/>
+          </a:xfrm>
+          <a:prstGeom prst="bentConnector2">
+            <a:avLst/>
+          </a:prstGeom>
+          <a:ln>
+            <a:tailEnd type="triangle"/>
+          </a:ln>
+        </p:spPr>
+        <p:style>
+          <a:lnRef idx="1">
+            <a:schemeClr val="accent1"/>
+          </a:lnRef>
+          <a:fillRef idx="0">
+            <a:schemeClr val="accent1"/>
+          </a:fillRef>
+          <a:effectRef idx="0">
+            <a:schemeClr val="accent1"/>
+          </a:effectRef>
+          <a:fontRef idx="minor">
+            <a:schemeClr val="tx1"/>
+          </a:fontRef>
+        </p:style>
+      </p:cxnSp>
+      <p:cxnSp>
+        <p:nvCxnSpPr>
+          <p:cNvPr id="19" name="Connector: Elbow 18">
+            <a:extLst>
+              <a:ext uri="{FF2B5EF4-FFF2-40B4-BE49-F238E27FC236}">
+                <a16:creationId xmlns:a16="http://schemas.microsoft.com/office/drawing/2014/main" id="{F53C0CC1-F0AD-7624-636E-57B5E22A1293}"/>
+              </a:ext>
+            </a:extLst>
+          </p:cNvPr>
+          <p:cNvCxnSpPr>
+            <a:stCxn id="15" idx="0"/>
+            <a:endCxn id="13" idx="6"/>
+          </p:cNvCxnSpPr>
+          <p:nvPr/>
+        </p:nvCxnSpPr>
+        <p:spPr>
+          <a:xfrm rot="16200000" flipV="1">
+            <a:off x="9415172" y="1674651"/>
+            <a:ext cx="1460629" cy="1038808"/>
+          </a:xfrm>
+          <a:prstGeom prst="bentConnector2">
+            <a:avLst/>
+          </a:prstGeom>
+          <a:ln>
+            <a:tailEnd type="triangle"/>
+          </a:ln>
+        </p:spPr>
+        <p:style>
+          <a:lnRef idx="1">
+            <a:schemeClr val="accent1"/>
+          </a:lnRef>
+          <a:fillRef idx="0">
+            <a:schemeClr val="accent1"/>
+          </a:fillRef>
+          <a:effectRef idx="0">
+            <a:schemeClr val="accent1"/>
+          </a:effectRef>
+          <a:fontRef idx="minor">
+            <a:schemeClr val="tx1"/>
+          </a:fontRef>
+        </p:style>
+      </p:cxnSp>
+      <p:sp>
+        <p:nvSpPr>
+          <p:cNvPr id="20" name="TextBox 19">
+            <a:extLst>
+              <a:ext uri="{FF2B5EF4-FFF2-40B4-BE49-F238E27FC236}">
+                <a16:creationId xmlns:a16="http://schemas.microsoft.com/office/drawing/2014/main" id="{0B0DA768-56C2-B875-7FE5-911D19650696}"/>
+              </a:ext>
+            </a:extLst>
+          </p:cNvPr>
+          <p:cNvSpPr txBox="1"/>
+          <p:nvPr/>
+        </p:nvSpPr>
+        <p:spPr>
+          <a:xfrm>
+            <a:off x="270588" y="5290457"/>
+            <a:ext cx="4994987" cy="369332"/>
+          </a:xfrm>
+          <a:prstGeom prst="rect">
+            <a:avLst/>
+          </a:prstGeom>
+          <a:noFill/>
+        </p:spPr>
+        <p:txBody>
+          <a:bodyPr wrap="square" rtlCol="0">
+            <a:spAutoFit/>
+          </a:bodyPr>
+          <a:lstStyle/>
+          <a:p>
+            <a:r>
+              <a:rPr lang="en-US" dirty="0"/>
+              <a:t>Is-a Relationship</a:t>
+            </a:r>
+          </a:p>
+        </p:txBody>
+      </p:sp>
+    </p:spTree>
+    <p:extLst>
+      <p:ext uri="{BB962C8B-B14F-4D97-AF65-F5344CB8AC3E}">
+        <p14:creationId xmlns:p14="http://schemas.microsoft.com/office/powerpoint/2010/main" val="1188233535"/>
+      </p:ext>
+    </p:extLst>
+  </p:cSld>
+  <p:clrMapOvr>
+    <a:masterClrMapping/>
+  </p:clrMapOvr>
+</p:sld>
+</file>
+
+<file path=ppt/slides/slide6.xml><?xml version="1.0" encoding="utf-8"?>
+<p:sld xmlns:a="http://schemas.openxmlformats.org/drawingml/2006/main" xmlns:r="http://schemas.openxmlformats.org/officeDocument/2006/relationships" xmlns:p="http://schemas.openxmlformats.org/presentationml/2006/main">
+  <p:cSld>
+    <p:spTree>
+      <p:nvGrpSpPr>
+        <p:cNvPr id="1" name=""/>
+        <p:cNvGrpSpPr/>
+        <p:nvPr/>
+      </p:nvGrpSpPr>
+      <p:grpSpPr>
+        <a:xfrm>
+          <a:off x="0" y="0"/>
+          <a:ext cx="0" cy="0"/>
+          <a:chOff x="0" y="0"/>
+          <a:chExt cx="0" cy="0"/>
+        </a:xfrm>
+      </p:grpSpPr>
+      <p:sp>
+        <p:nvSpPr>
           <p:cNvPr id="2" name="Cylinder 1">
             <a:extLst>
               <a:ext uri="{FF2B5EF4-FFF2-40B4-BE49-F238E27FC236}">
@@ -6499,6 +7277,1128 @@
     <p:extLst>
       <p:ext uri="{BB962C8B-B14F-4D97-AF65-F5344CB8AC3E}">
         <p14:creationId xmlns:p14="http://schemas.microsoft.com/office/powerpoint/2010/main" val="3332877419"/>
+      </p:ext>
+    </p:extLst>
+  </p:cSld>
+  <p:clrMapOvr>
+    <a:masterClrMapping/>
+  </p:clrMapOvr>
+</p:sld>
+</file>
+
+<file path=ppt/slides/slide7.xml><?xml version="1.0" encoding="utf-8"?>
+<p:sld xmlns:a="http://schemas.openxmlformats.org/drawingml/2006/main" xmlns:r="http://schemas.openxmlformats.org/officeDocument/2006/relationships" xmlns:p="http://schemas.openxmlformats.org/presentationml/2006/main">
+  <p:cSld>
+    <p:spTree>
+      <p:nvGrpSpPr>
+        <p:cNvPr id="1" name=""/>
+        <p:cNvGrpSpPr/>
+        <p:nvPr/>
+      </p:nvGrpSpPr>
+      <p:grpSpPr>
+        <a:xfrm>
+          <a:off x="0" y="0"/>
+          <a:ext cx="0" cy="0"/>
+          <a:chOff x="0" y="0"/>
+          <a:chExt cx="0" cy="0"/>
+        </a:xfrm>
+      </p:grpSpPr>
+      <p:sp>
+        <p:nvSpPr>
+          <p:cNvPr id="2" name="Oval 1">
+            <a:extLst>
+              <a:ext uri="{FF2B5EF4-FFF2-40B4-BE49-F238E27FC236}">
+                <a16:creationId xmlns:a16="http://schemas.microsoft.com/office/drawing/2014/main" id="{87D80D4A-212B-D9AB-12A9-32A002425305}"/>
+              </a:ext>
+            </a:extLst>
+          </p:cNvPr>
+          <p:cNvSpPr/>
+          <p:nvPr/>
+        </p:nvSpPr>
+        <p:spPr>
+          <a:xfrm>
+            <a:off x="5551714" y="867747"/>
+            <a:ext cx="5868955" cy="4749282"/>
+          </a:xfrm>
+          <a:prstGeom prst="ellipse">
+            <a:avLst/>
+          </a:prstGeom>
+        </p:spPr>
+        <p:style>
+          <a:lnRef idx="2">
+            <a:schemeClr val="accent6"/>
+          </a:lnRef>
+          <a:fillRef idx="1">
+            <a:schemeClr val="lt1"/>
+          </a:fillRef>
+          <a:effectRef idx="0">
+            <a:schemeClr val="accent6"/>
+          </a:effectRef>
+          <a:fontRef idx="minor">
+            <a:schemeClr val="dk1"/>
+          </a:fontRef>
+        </p:style>
+        <p:txBody>
+          <a:bodyPr rtlCol="0" anchor="ctr"/>
+          <a:lstStyle/>
+          <a:p>
+            <a:pPr algn="ctr"/>
+            <a:endParaRPr lang="en-US"/>
+          </a:p>
+        </p:txBody>
+      </p:sp>
+      <p:sp>
+        <p:nvSpPr>
+          <p:cNvPr id="3" name="Oval 2">
+            <a:extLst>
+              <a:ext uri="{FF2B5EF4-FFF2-40B4-BE49-F238E27FC236}">
+                <a16:creationId xmlns:a16="http://schemas.microsoft.com/office/drawing/2014/main" id="{168FCB4E-255E-4B29-7868-A5D446F01167}"/>
+              </a:ext>
+            </a:extLst>
+          </p:cNvPr>
+          <p:cNvSpPr/>
+          <p:nvPr/>
+        </p:nvSpPr>
+        <p:spPr>
+          <a:xfrm>
+            <a:off x="7819053" y="1287624"/>
+            <a:ext cx="1418253" cy="1296956"/>
+          </a:xfrm>
+          <a:prstGeom prst="ellipse">
+            <a:avLst/>
+          </a:prstGeom>
+        </p:spPr>
+        <p:style>
+          <a:lnRef idx="2">
+            <a:schemeClr val="accent1">
+              <a:shade val="15000"/>
+            </a:schemeClr>
+          </a:lnRef>
+          <a:fillRef idx="1">
+            <a:schemeClr val="accent1"/>
+          </a:fillRef>
+          <a:effectRef idx="0">
+            <a:schemeClr val="accent1"/>
+          </a:effectRef>
+          <a:fontRef idx="minor">
+            <a:schemeClr val="lt1"/>
+          </a:fontRef>
+        </p:style>
+        <p:txBody>
+          <a:bodyPr rtlCol="0" anchor="ctr"/>
+          <a:lstStyle/>
+          <a:p>
+            <a:pPr algn="ctr"/>
+            <a:r>
+              <a:rPr lang="en-US" dirty="0"/>
+              <a:t>Emp</a:t>
+            </a:r>
+          </a:p>
+        </p:txBody>
+      </p:sp>
+      <p:sp>
+        <p:nvSpPr>
+          <p:cNvPr id="4" name="Oval 3">
+            <a:extLst>
+              <a:ext uri="{FF2B5EF4-FFF2-40B4-BE49-F238E27FC236}">
+                <a16:creationId xmlns:a16="http://schemas.microsoft.com/office/drawing/2014/main" id="{D943EA2C-6209-7C3E-22E6-D59BAF364D7C}"/>
+              </a:ext>
+            </a:extLst>
+          </p:cNvPr>
+          <p:cNvSpPr/>
+          <p:nvPr/>
+        </p:nvSpPr>
+        <p:spPr>
+          <a:xfrm>
+            <a:off x="9772261" y="2998235"/>
+            <a:ext cx="1418253" cy="1296956"/>
+          </a:xfrm>
+          <a:prstGeom prst="ellipse">
+            <a:avLst/>
+          </a:prstGeom>
+        </p:spPr>
+        <p:style>
+          <a:lnRef idx="2">
+            <a:schemeClr val="accent1">
+              <a:shade val="15000"/>
+            </a:schemeClr>
+          </a:lnRef>
+          <a:fillRef idx="1">
+            <a:schemeClr val="accent1"/>
+          </a:fillRef>
+          <a:effectRef idx="0">
+            <a:schemeClr val="accent1"/>
+          </a:effectRef>
+          <a:fontRef idx="minor">
+            <a:schemeClr val="lt1"/>
+          </a:fontRef>
+        </p:style>
+        <p:txBody>
+          <a:bodyPr rtlCol="0" anchor="ctr"/>
+          <a:lstStyle/>
+          <a:p>
+            <a:pPr algn="ctr"/>
+            <a:r>
+              <a:rPr lang="en-US" dirty="0" err="1"/>
+              <a:t>Mgr</a:t>
+            </a:r>
+            <a:endParaRPr lang="en-US" dirty="0"/>
+          </a:p>
+        </p:txBody>
+      </p:sp>
+      <p:sp>
+        <p:nvSpPr>
+          <p:cNvPr id="5" name="Oval 4">
+            <a:extLst>
+              <a:ext uri="{FF2B5EF4-FFF2-40B4-BE49-F238E27FC236}">
+                <a16:creationId xmlns:a16="http://schemas.microsoft.com/office/drawing/2014/main" id="{A77378CA-BECC-662C-81FD-9DD290064734}"/>
+              </a:ext>
+            </a:extLst>
+          </p:cNvPr>
+          <p:cNvSpPr/>
+          <p:nvPr/>
+        </p:nvSpPr>
+        <p:spPr>
+          <a:xfrm>
+            <a:off x="6096000" y="2886269"/>
+            <a:ext cx="1418253" cy="1296956"/>
+          </a:xfrm>
+          <a:prstGeom prst="ellipse">
+            <a:avLst/>
+          </a:prstGeom>
+        </p:spPr>
+        <p:style>
+          <a:lnRef idx="2">
+            <a:schemeClr val="accent1">
+              <a:shade val="15000"/>
+            </a:schemeClr>
+          </a:lnRef>
+          <a:fillRef idx="1">
+            <a:schemeClr val="accent1"/>
+          </a:fillRef>
+          <a:effectRef idx="0">
+            <a:schemeClr val="accent1"/>
+          </a:effectRef>
+          <a:fontRef idx="minor">
+            <a:schemeClr val="lt1"/>
+          </a:fontRef>
+        </p:style>
+        <p:txBody>
+          <a:bodyPr rtlCol="0" anchor="ctr"/>
+          <a:lstStyle/>
+          <a:p>
+            <a:pPr algn="ctr"/>
+            <a:r>
+              <a:rPr lang="en-US" dirty="0"/>
+              <a:t>Dir</a:t>
+            </a:r>
+          </a:p>
+        </p:txBody>
+      </p:sp>
+      <p:cxnSp>
+        <p:nvCxnSpPr>
+          <p:cNvPr id="7" name="Connector: Elbow 6">
+            <a:extLst>
+              <a:ext uri="{FF2B5EF4-FFF2-40B4-BE49-F238E27FC236}">
+                <a16:creationId xmlns:a16="http://schemas.microsoft.com/office/drawing/2014/main" id="{DF67D6DA-59CB-3402-F54E-412CC0339DAC}"/>
+              </a:ext>
+            </a:extLst>
+          </p:cNvPr>
+          <p:cNvCxnSpPr>
+            <a:stCxn id="5" idx="0"/>
+            <a:endCxn id="3" idx="2"/>
+          </p:cNvCxnSpPr>
+          <p:nvPr/>
+        </p:nvCxnSpPr>
+        <p:spPr>
+          <a:xfrm rot="5400000" flipH="1" flipV="1">
+            <a:off x="6837007" y="1904223"/>
+            <a:ext cx="950167" cy="1013926"/>
+          </a:xfrm>
+          <a:prstGeom prst="bentConnector2">
+            <a:avLst/>
+          </a:prstGeom>
+          <a:ln>
+            <a:tailEnd type="triangle"/>
+          </a:ln>
+        </p:spPr>
+        <p:style>
+          <a:lnRef idx="1">
+            <a:schemeClr val="accent1"/>
+          </a:lnRef>
+          <a:fillRef idx="0">
+            <a:schemeClr val="accent1"/>
+          </a:fillRef>
+          <a:effectRef idx="0">
+            <a:schemeClr val="accent1"/>
+          </a:effectRef>
+          <a:fontRef idx="minor">
+            <a:schemeClr val="tx1"/>
+          </a:fontRef>
+        </p:style>
+      </p:cxnSp>
+      <p:cxnSp>
+        <p:nvCxnSpPr>
+          <p:cNvPr id="9" name="Connector: Elbow 8">
+            <a:extLst>
+              <a:ext uri="{FF2B5EF4-FFF2-40B4-BE49-F238E27FC236}">
+                <a16:creationId xmlns:a16="http://schemas.microsoft.com/office/drawing/2014/main" id="{CB441C62-EC23-4A2C-1190-DCE04E48EE63}"/>
+              </a:ext>
+            </a:extLst>
+          </p:cNvPr>
+          <p:cNvCxnSpPr>
+            <a:stCxn id="4" idx="0"/>
+            <a:endCxn id="3" idx="6"/>
+          </p:cNvCxnSpPr>
+          <p:nvPr/>
+        </p:nvCxnSpPr>
+        <p:spPr>
+          <a:xfrm rot="16200000" flipV="1">
+            <a:off x="9328281" y="1845128"/>
+            <a:ext cx="1062133" cy="1244082"/>
+          </a:xfrm>
+          <a:prstGeom prst="bentConnector2">
+            <a:avLst/>
+          </a:prstGeom>
+          <a:ln>
+            <a:tailEnd type="triangle"/>
+          </a:ln>
+        </p:spPr>
+        <p:style>
+          <a:lnRef idx="1">
+            <a:schemeClr val="accent1"/>
+          </a:lnRef>
+          <a:fillRef idx="0">
+            <a:schemeClr val="accent1"/>
+          </a:fillRef>
+          <a:effectRef idx="0">
+            <a:schemeClr val="accent1"/>
+          </a:effectRef>
+          <a:fontRef idx="minor">
+            <a:schemeClr val="tx1"/>
+          </a:fontRef>
+        </p:style>
+      </p:cxnSp>
+      <p:sp>
+        <p:nvSpPr>
+          <p:cNvPr id="10" name="TextBox 9">
+            <a:extLst>
+              <a:ext uri="{FF2B5EF4-FFF2-40B4-BE49-F238E27FC236}">
+                <a16:creationId xmlns:a16="http://schemas.microsoft.com/office/drawing/2014/main" id="{654C7E65-130E-47F5-32F7-D35D19A8E338}"/>
+              </a:ext>
+            </a:extLst>
+          </p:cNvPr>
+          <p:cNvSpPr txBox="1"/>
+          <p:nvPr/>
+        </p:nvSpPr>
+        <p:spPr>
+          <a:xfrm>
+            <a:off x="7688424" y="3312367"/>
+            <a:ext cx="1950098" cy="646331"/>
+          </a:xfrm>
+          <a:prstGeom prst="rect">
+            <a:avLst/>
+          </a:prstGeom>
+          <a:noFill/>
+        </p:spPr>
+        <p:txBody>
+          <a:bodyPr wrap="square" rtlCol="0">
+            <a:spAutoFit/>
+          </a:bodyPr>
+          <a:lstStyle/>
+          <a:p>
+            <a:r>
+              <a:rPr lang="en-US" dirty="0"/>
+              <a:t>+ Data Members</a:t>
+            </a:r>
+          </a:p>
+          <a:p>
+            <a:r>
+              <a:rPr lang="en-US" dirty="0"/>
+              <a:t>+ Logic Methods</a:t>
+            </a:r>
+          </a:p>
+        </p:txBody>
+      </p:sp>
+      <p:sp>
+        <p:nvSpPr>
+          <p:cNvPr id="11" name="Oval 10">
+            <a:extLst>
+              <a:ext uri="{FF2B5EF4-FFF2-40B4-BE49-F238E27FC236}">
+                <a16:creationId xmlns:a16="http://schemas.microsoft.com/office/drawing/2014/main" id="{24E48A1F-B437-E301-9C95-425373D9F453}"/>
+              </a:ext>
+            </a:extLst>
+          </p:cNvPr>
+          <p:cNvSpPr/>
+          <p:nvPr/>
+        </p:nvSpPr>
+        <p:spPr>
+          <a:xfrm>
+            <a:off x="410547" y="5075853"/>
+            <a:ext cx="1520890" cy="1427584"/>
+          </a:xfrm>
+          <a:prstGeom prst="ellipse">
+            <a:avLst/>
+          </a:prstGeom>
+        </p:spPr>
+        <p:style>
+          <a:lnRef idx="2">
+            <a:schemeClr val="accent1">
+              <a:shade val="15000"/>
+            </a:schemeClr>
+          </a:lnRef>
+          <a:fillRef idx="1">
+            <a:schemeClr val="accent1"/>
+          </a:fillRef>
+          <a:effectRef idx="0">
+            <a:schemeClr val="accent1"/>
+          </a:effectRef>
+          <a:fontRef idx="minor">
+            <a:schemeClr val="lt1"/>
+          </a:fontRef>
+        </p:style>
+        <p:txBody>
+          <a:bodyPr rtlCol="0" anchor="ctr"/>
+          <a:lstStyle/>
+          <a:p>
+            <a:pPr algn="ctr"/>
+            <a:r>
+              <a:rPr lang="en-US" dirty="0"/>
+              <a:t>End-User</a:t>
+            </a:r>
+          </a:p>
+        </p:txBody>
+      </p:sp>
+      <p:cxnSp>
+        <p:nvCxnSpPr>
+          <p:cNvPr id="13" name="Connector: Elbow 12">
+            <a:extLst>
+              <a:ext uri="{FF2B5EF4-FFF2-40B4-BE49-F238E27FC236}">
+                <a16:creationId xmlns:a16="http://schemas.microsoft.com/office/drawing/2014/main" id="{2974523C-52F3-55DA-ED76-940639D6F25D}"/>
+              </a:ext>
+            </a:extLst>
+          </p:cNvPr>
+          <p:cNvCxnSpPr>
+            <a:stCxn id="11" idx="6"/>
+            <a:endCxn id="2" idx="4"/>
+          </p:cNvCxnSpPr>
+          <p:nvPr/>
+        </p:nvCxnSpPr>
+        <p:spPr>
+          <a:xfrm flipV="1">
+            <a:off x="1931437" y="5617029"/>
+            <a:ext cx="6554755" cy="172616"/>
+          </a:xfrm>
+          <a:prstGeom prst="bentConnector2">
+            <a:avLst/>
+          </a:prstGeom>
+          <a:ln>
+            <a:tailEnd type="triangle"/>
+          </a:ln>
+        </p:spPr>
+        <p:style>
+          <a:lnRef idx="1">
+            <a:schemeClr val="accent1"/>
+          </a:lnRef>
+          <a:fillRef idx="0">
+            <a:schemeClr val="accent1"/>
+          </a:fillRef>
+          <a:effectRef idx="0">
+            <a:schemeClr val="accent1"/>
+          </a:effectRef>
+          <a:fontRef idx="minor">
+            <a:schemeClr val="tx1"/>
+          </a:fontRef>
+        </p:style>
+      </p:cxnSp>
+      <p:sp>
+        <p:nvSpPr>
+          <p:cNvPr id="14" name="Oval 13">
+            <a:extLst>
+              <a:ext uri="{FF2B5EF4-FFF2-40B4-BE49-F238E27FC236}">
+                <a16:creationId xmlns:a16="http://schemas.microsoft.com/office/drawing/2014/main" id="{A2258CB2-71E7-8482-EE9F-B882DC45DDCD}"/>
+              </a:ext>
+            </a:extLst>
+          </p:cNvPr>
+          <p:cNvSpPr/>
+          <p:nvPr/>
+        </p:nvSpPr>
+        <p:spPr>
+          <a:xfrm>
+            <a:off x="410546" y="662473"/>
+            <a:ext cx="2755641" cy="2547258"/>
+          </a:xfrm>
+          <a:prstGeom prst="ellipse">
+            <a:avLst/>
+          </a:prstGeom>
+          <a:solidFill>
+            <a:srgbClr val="7030A0"/>
+          </a:solidFill>
+        </p:spPr>
+        <p:style>
+          <a:lnRef idx="2">
+            <a:schemeClr val="accent1">
+              <a:shade val="15000"/>
+            </a:schemeClr>
+          </a:lnRef>
+          <a:fillRef idx="1">
+            <a:schemeClr val="accent1"/>
+          </a:fillRef>
+          <a:effectRef idx="0">
+            <a:schemeClr val="accent1"/>
+          </a:effectRef>
+          <a:fontRef idx="minor">
+            <a:schemeClr val="lt1"/>
+          </a:fontRef>
+        </p:style>
+        <p:txBody>
+          <a:bodyPr rtlCol="0" anchor="ctr"/>
+          <a:lstStyle/>
+          <a:p>
+            <a:pPr algn="ctr"/>
+            <a:r>
+              <a:rPr lang="en-US" sz="1600" b="1" dirty="0"/>
+              <a:t>Accounting</a:t>
+            </a:r>
+          </a:p>
+          <a:p>
+            <a:pPr algn="ctr"/>
+            <a:r>
+              <a:rPr lang="en-US" sz="1600" b="1" dirty="0"/>
+              <a:t>+</a:t>
+            </a:r>
+            <a:r>
+              <a:rPr lang="en-US" sz="1600" b="1" dirty="0" err="1"/>
+              <a:t>CalculateIncome</a:t>
+            </a:r>
+            <a:r>
+              <a:rPr lang="en-US" sz="1600" b="1" dirty="0"/>
+              <a:t>()</a:t>
+            </a:r>
+          </a:p>
+          <a:p>
+            <a:pPr algn="ctr"/>
+            <a:r>
+              <a:rPr lang="en-US" sz="1600" b="1" dirty="0"/>
+              <a:t>+TDS</a:t>
+            </a:r>
+          </a:p>
+          <a:p>
+            <a:pPr algn="ctr"/>
+            <a:r>
+              <a:rPr lang="en-US" sz="1600" b="1" dirty="0"/>
+              <a:t>+Deductions</a:t>
+            </a:r>
+          </a:p>
+          <a:p>
+            <a:pPr algn="ctr"/>
+            <a:r>
+              <a:rPr lang="en-US" sz="1600" b="1" dirty="0"/>
+              <a:t>+ </a:t>
+            </a:r>
+            <a:r>
+              <a:rPr lang="en-US" sz="1600" b="1" dirty="0" err="1"/>
+              <a:t>NetIncome</a:t>
+            </a:r>
+            <a:endParaRPr lang="en-US" sz="1600" b="1" dirty="0"/>
+          </a:p>
+        </p:txBody>
+      </p:sp>
+      <p:sp>
+        <p:nvSpPr>
+          <p:cNvPr id="15" name="Oval 14">
+            <a:extLst>
+              <a:ext uri="{FF2B5EF4-FFF2-40B4-BE49-F238E27FC236}">
+                <a16:creationId xmlns:a16="http://schemas.microsoft.com/office/drawing/2014/main" id="{7E6577CF-9D44-F583-9D7C-801D8E6383A7}"/>
+              </a:ext>
+            </a:extLst>
+          </p:cNvPr>
+          <p:cNvSpPr/>
+          <p:nvPr/>
+        </p:nvSpPr>
+        <p:spPr>
+          <a:xfrm>
+            <a:off x="3806891" y="354563"/>
+            <a:ext cx="1828800" cy="1418253"/>
+          </a:xfrm>
+          <a:prstGeom prst="ellipse">
+            <a:avLst/>
+          </a:prstGeom>
+        </p:spPr>
+        <p:style>
+          <a:lnRef idx="2">
+            <a:schemeClr val="accent1">
+              <a:shade val="15000"/>
+            </a:schemeClr>
+          </a:lnRef>
+          <a:fillRef idx="1">
+            <a:schemeClr val="accent1"/>
+          </a:fillRef>
+          <a:effectRef idx="0">
+            <a:schemeClr val="accent1"/>
+          </a:effectRef>
+          <a:fontRef idx="minor">
+            <a:schemeClr val="lt1"/>
+          </a:fontRef>
+        </p:style>
+        <p:txBody>
+          <a:bodyPr rtlCol="0" anchor="ctr"/>
+          <a:lstStyle/>
+          <a:p>
+            <a:pPr algn="ctr"/>
+            <a:r>
+              <a:rPr lang="en-US" b="1" dirty="0"/>
+              <a:t>Employee</a:t>
+            </a:r>
+          </a:p>
+        </p:txBody>
+      </p:sp>
+      <p:cxnSp>
+        <p:nvCxnSpPr>
+          <p:cNvPr id="17" name="Connector: Elbow 16">
+            <a:extLst>
+              <a:ext uri="{FF2B5EF4-FFF2-40B4-BE49-F238E27FC236}">
+                <a16:creationId xmlns:a16="http://schemas.microsoft.com/office/drawing/2014/main" id="{81DF460D-D365-1857-1D77-484C21F2AA82}"/>
+              </a:ext>
+            </a:extLst>
+          </p:cNvPr>
+          <p:cNvCxnSpPr>
+            <a:stCxn id="14" idx="0"/>
+            <a:endCxn id="15" idx="2"/>
+          </p:cNvCxnSpPr>
+          <p:nvPr/>
+        </p:nvCxnSpPr>
+        <p:spPr>
+          <a:xfrm rot="16200000" flipH="1">
+            <a:off x="2597020" y="-146181"/>
+            <a:ext cx="401217" cy="2018524"/>
+          </a:xfrm>
+          <a:prstGeom prst="bentConnector4">
+            <a:avLst>
+              <a:gd name="adj1" fmla="val -56977"/>
+              <a:gd name="adj2" fmla="val 84129"/>
+            </a:avLst>
+          </a:prstGeom>
+          <a:ln>
+            <a:tailEnd type="triangle"/>
+          </a:ln>
+        </p:spPr>
+        <p:style>
+          <a:lnRef idx="1">
+            <a:schemeClr val="accent1"/>
+          </a:lnRef>
+          <a:fillRef idx="0">
+            <a:schemeClr val="accent1"/>
+          </a:fillRef>
+          <a:effectRef idx="0">
+            <a:schemeClr val="accent1"/>
+          </a:effectRef>
+          <a:fontRef idx="minor">
+            <a:schemeClr val="tx1"/>
+          </a:fontRef>
+        </p:style>
+      </p:cxnSp>
+      <p:cxnSp>
+        <p:nvCxnSpPr>
+          <p:cNvPr id="19" name="Connector: Elbow 18">
+            <a:extLst>
+              <a:ext uri="{FF2B5EF4-FFF2-40B4-BE49-F238E27FC236}">
+                <a16:creationId xmlns:a16="http://schemas.microsoft.com/office/drawing/2014/main" id="{3DC16C82-79C0-EA6F-C6A7-323DB08E9D85}"/>
+              </a:ext>
+            </a:extLst>
+          </p:cNvPr>
+          <p:cNvCxnSpPr>
+            <a:stCxn id="15" idx="6"/>
+            <a:endCxn id="2" idx="0"/>
+          </p:cNvCxnSpPr>
+          <p:nvPr/>
+        </p:nvCxnSpPr>
+        <p:spPr>
+          <a:xfrm flipV="1">
+            <a:off x="5635691" y="867747"/>
+            <a:ext cx="2850501" cy="195943"/>
+          </a:xfrm>
+          <a:prstGeom prst="bentConnector4">
+            <a:avLst>
+              <a:gd name="adj1" fmla="val 210966"/>
+              <a:gd name="adj2" fmla="val 478571"/>
+            </a:avLst>
+          </a:prstGeom>
+          <a:ln>
+            <a:tailEnd type="triangle"/>
+          </a:ln>
+        </p:spPr>
+        <p:style>
+          <a:lnRef idx="1">
+            <a:schemeClr val="accent1"/>
+          </a:lnRef>
+          <a:fillRef idx="0">
+            <a:schemeClr val="accent1"/>
+          </a:fillRef>
+          <a:effectRef idx="0">
+            <a:schemeClr val="accent1"/>
+          </a:effectRef>
+          <a:fontRef idx="minor">
+            <a:schemeClr val="tx1"/>
+          </a:fontRef>
+        </p:style>
+      </p:cxnSp>
+      <p:cxnSp>
+        <p:nvCxnSpPr>
+          <p:cNvPr id="21" name="Connector: Elbow 20">
+            <a:extLst>
+              <a:ext uri="{FF2B5EF4-FFF2-40B4-BE49-F238E27FC236}">
+                <a16:creationId xmlns:a16="http://schemas.microsoft.com/office/drawing/2014/main" id="{9C3D6BD2-B94A-1675-378F-9B73CEFB744D}"/>
+              </a:ext>
+            </a:extLst>
+          </p:cNvPr>
+          <p:cNvCxnSpPr>
+            <a:stCxn id="2" idx="2"/>
+            <a:endCxn id="15" idx="4"/>
+          </p:cNvCxnSpPr>
+          <p:nvPr/>
+        </p:nvCxnSpPr>
+        <p:spPr>
+          <a:xfrm rot="10800000">
+            <a:off x="4721292" y="1772816"/>
+            <a:ext cx="830423" cy="1469572"/>
+          </a:xfrm>
+          <a:prstGeom prst="bentConnector2">
+            <a:avLst/>
+          </a:prstGeom>
+          <a:ln>
+            <a:tailEnd type="triangle"/>
+          </a:ln>
+        </p:spPr>
+        <p:style>
+          <a:lnRef idx="1">
+            <a:schemeClr val="accent1"/>
+          </a:lnRef>
+          <a:fillRef idx="0">
+            <a:schemeClr val="accent1"/>
+          </a:fillRef>
+          <a:effectRef idx="0">
+            <a:schemeClr val="accent1"/>
+          </a:effectRef>
+          <a:fontRef idx="minor">
+            <a:schemeClr val="tx1"/>
+          </a:fontRef>
+        </p:style>
+      </p:cxnSp>
+      <p:sp>
+        <p:nvSpPr>
+          <p:cNvPr id="22" name="TextBox 21">
+            <a:extLst>
+              <a:ext uri="{FF2B5EF4-FFF2-40B4-BE49-F238E27FC236}">
+                <a16:creationId xmlns:a16="http://schemas.microsoft.com/office/drawing/2014/main" id="{F8780C0E-3997-58D9-14AA-B4635FC3E06E}"/>
+              </a:ext>
+            </a:extLst>
+          </p:cNvPr>
+          <p:cNvSpPr txBox="1"/>
+          <p:nvPr/>
+        </p:nvSpPr>
+        <p:spPr>
+          <a:xfrm>
+            <a:off x="3345024" y="2144003"/>
+            <a:ext cx="2326434" cy="369332"/>
+          </a:xfrm>
+          <a:prstGeom prst="rect">
+            <a:avLst/>
+          </a:prstGeom>
+          <a:noFill/>
+        </p:spPr>
+        <p:txBody>
+          <a:bodyPr wrap="square" rtlCol="0">
+            <a:spAutoFit/>
+          </a:bodyPr>
+          <a:lstStyle/>
+          <a:p>
+            <a:pPr algn="ctr"/>
+            <a:r>
+              <a:rPr lang="en-US" b="1" dirty="0" err="1"/>
+              <a:t>TotalIncome</a:t>
+            </a:r>
+            <a:endParaRPr lang="en-US" b="1" dirty="0"/>
+          </a:p>
+        </p:txBody>
+      </p:sp>
+      <p:sp>
+        <p:nvSpPr>
+          <p:cNvPr id="23" name="TextBox 22">
+            <a:extLst>
+              <a:ext uri="{FF2B5EF4-FFF2-40B4-BE49-F238E27FC236}">
+                <a16:creationId xmlns:a16="http://schemas.microsoft.com/office/drawing/2014/main" id="{72317531-415B-C955-2D8A-436C1BAE6D4D}"/>
+              </a:ext>
+            </a:extLst>
+          </p:cNvPr>
+          <p:cNvSpPr txBox="1"/>
+          <p:nvPr/>
+        </p:nvSpPr>
+        <p:spPr>
+          <a:xfrm>
+            <a:off x="5943599" y="413657"/>
+            <a:ext cx="2326434" cy="646331"/>
+          </a:xfrm>
+          <a:prstGeom prst="rect">
+            <a:avLst/>
+          </a:prstGeom>
+          <a:noFill/>
+        </p:spPr>
+        <p:txBody>
+          <a:bodyPr wrap="square" rtlCol="0">
+            <a:spAutoFit/>
+          </a:bodyPr>
+          <a:lstStyle/>
+          <a:p>
+            <a:pPr algn="ctr"/>
+            <a:r>
+              <a:rPr lang="en-US" b="1" dirty="0"/>
+              <a:t>Using Employee Get Income</a:t>
+            </a:r>
+          </a:p>
+        </p:txBody>
+      </p:sp>
+    </p:spTree>
+    <p:extLst>
+      <p:ext uri="{BB962C8B-B14F-4D97-AF65-F5344CB8AC3E}">
+        <p14:creationId xmlns:p14="http://schemas.microsoft.com/office/powerpoint/2010/main" val="788183496"/>
+      </p:ext>
+    </p:extLst>
+  </p:cSld>
+  <p:clrMapOvr>
+    <a:masterClrMapping/>
+  </p:clrMapOvr>
+</p:sld>
+</file>
+
+<file path=ppt/slides/slide8.xml><?xml version="1.0" encoding="utf-8"?>
+<p:sld xmlns:a="http://schemas.openxmlformats.org/drawingml/2006/main" xmlns:r="http://schemas.openxmlformats.org/officeDocument/2006/relationships" xmlns:p="http://schemas.openxmlformats.org/presentationml/2006/main">
+  <p:cSld>
+    <p:spTree>
+      <p:nvGrpSpPr>
+        <p:cNvPr id="1" name=""/>
+        <p:cNvGrpSpPr/>
+        <p:nvPr/>
+      </p:nvGrpSpPr>
+      <p:grpSpPr>
+        <a:xfrm>
+          <a:off x="0" y="0"/>
+          <a:ext cx="0" cy="0"/>
+          <a:chOff x="0" y="0"/>
+          <a:chExt cx="0" cy="0"/>
+        </a:xfrm>
+      </p:grpSpPr>
+      <p:graphicFrame>
+        <p:nvGraphicFramePr>
+          <p:cNvPr id="2" name="Table 1">
+            <a:extLst>
+              <a:ext uri="{FF2B5EF4-FFF2-40B4-BE49-F238E27FC236}">
+                <a16:creationId xmlns:a16="http://schemas.microsoft.com/office/drawing/2014/main" id="{DD81D601-BC6A-1B9B-1486-21B0F24ACA24}"/>
+              </a:ext>
+            </a:extLst>
+          </p:cNvPr>
+          <p:cNvGraphicFramePr>
+            <a:graphicFrameLocks noGrp="1"/>
+          </p:cNvGraphicFramePr>
+          <p:nvPr>
+            <p:extLst>
+              <p:ext uri="{D42A27DB-BD31-4B8C-83A1-F6EECF244321}">
+                <p14:modId xmlns:p14="http://schemas.microsoft.com/office/powerpoint/2010/main" val="969016268"/>
+              </p:ext>
+            </p:extLst>
+          </p:nvPr>
+        </p:nvGraphicFramePr>
+        <p:xfrm>
+          <a:off x="641739" y="794310"/>
+          <a:ext cx="4723364" cy="1005840"/>
+        </p:xfrm>
+        <a:graphic>
+          <a:graphicData uri="http://schemas.openxmlformats.org/drawingml/2006/table">
+            <a:tbl>
+              <a:tblPr firstRow="1" bandRow="1">
+                <a:tableStyleId>{5C22544A-7EE6-4342-B048-85BDC9FD1C3A}</a:tableStyleId>
+              </a:tblPr>
+              <a:tblGrid>
+                <a:gridCol w="2361682">
+                  <a:extLst>
+                    <a:ext uri="{9D8B030D-6E8A-4147-A177-3AD203B41FA5}">
+                      <a16:colId xmlns:a16="http://schemas.microsoft.com/office/drawing/2014/main" val="3135900913"/>
+                    </a:ext>
+                  </a:extLst>
+                </a:gridCol>
+                <a:gridCol w="2361682">
+                  <a:extLst>
+                    <a:ext uri="{9D8B030D-6E8A-4147-A177-3AD203B41FA5}">
+                      <a16:colId xmlns:a16="http://schemas.microsoft.com/office/drawing/2014/main" val="386921706"/>
+                    </a:ext>
+                  </a:extLst>
+                </a:gridCol>
+              </a:tblGrid>
+              <a:tr h="363290">
+                <a:tc>
+                  <a:txBody>
+                    <a:bodyPr/>
+                    <a:lstStyle/>
+                    <a:p>
+                      <a:r>
+                        <a:rPr lang="en-US" dirty="0"/>
+                        <a:t>Key</a:t>
+                      </a:r>
+                    </a:p>
+                  </a:txBody>
+                  <a:tcPr/>
+                </a:tc>
+                <a:tc>
+                  <a:txBody>
+                    <a:bodyPr/>
+                    <a:lstStyle/>
+                    <a:p>
+                      <a:r>
+                        <a:rPr lang="en-US" dirty="0"/>
+                        <a:t>Value</a:t>
+                      </a:r>
+                    </a:p>
+                  </a:txBody>
+                  <a:tcPr/>
+                </a:tc>
+                <a:extLst>
+                  <a:ext uri="{0D108BD9-81ED-4DB2-BD59-A6C34878D82A}">
+                    <a16:rowId xmlns:a16="http://schemas.microsoft.com/office/drawing/2014/main" val="3236563952"/>
+                  </a:ext>
+                </a:extLst>
+              </a:tr>
+              <a:tr h="363290">
+                <a:tc>
+                  <a:txBody>
+                    <a:bodyPr/>
+                    <a:lstStyle/>
+                    <a:p>
+                      <a:r>
+                        <a:rPr lang="en-US" dirty="0"/>
+                        <a:t>Int, string, char</a:t>
+                      </a:r>
+                    </a:p>
+                  </a:txBody>
+                  <a:tcPr/>
+                </a:tc>
+                <a:tc>
+                  <a:txBody>
+                    <a:bodyPr/>
+                    <a:lstStyle/>
+                    <a:p>
+                      <a:r>
+                        <a:rPr lang="en-US" dirty="0"/>
+                        <a:t>Value Type OR Reference Type</a:t>
+                      </a:r>
+                    </a:p>
+                  </a:txBody>
+                  <a:tcPr/>
+                </a:tc>
+                <a:extLst>
+                  <a:ext uri="{0D108BD9-81ED-4DB2-BD59-A6C34878D82A}">
+                    <a16:rowId xmlns:a16="http://schemas.microsoft.com/office/drawing/2014/main" val="1232911746"/>
+                  </a:ext>
+                </a:extLst>
+              </a:tr>
+            </a:tbl>
+          </a:graphicData>
+        </a:graphic>
+      </p:graphicFrame>
+      <p:graphicFrame>
+        <p:nvGraphicFramePr>
+          <p:cNvPr id="3" name="Table 2">
+            <a:extLst>
+              <a:ext uri="{FF2B5EF4-FFF2-40B4-BE49-F238E27FC236}">
+                <a16:creationId xmlns:a16="http://schemas.microsoft.com/office/drawing/2014/main" id="{A4281DF3-55D4-85C8-FC15-E96C71716C5C}"/>
+              </a:ext>
+            </a:extLst>
+          </p:cNvPr>
+          <p:cNvGraphicFramePr>
+            <a:graphicFrameLocks noGrp="1"/>
+          </p:cNvGraphicFramePr>
+          <p:nvPr>
+            <p:extLst>
+              <p:ext uri="{D42A27DB-BD31-4B8C-83A1-F6EECF244321}">
+                <p14:modId xmlns:p14="http://schemas.microsoft.com/office/powerpoint/2010/main" val="2983044934"/>
+              </p:ext>
+            </p:extLst>
+          </p:nvPr>
+        </p:nvGraphicFramePr>
+        <p:xfrm>
+          <a:off x="6658947" y="1158205"/>
+          <a:ext cx="3333102" cy="741680"/>
+        </p:xfrm>
+        <a:graphic>
+          <a:graphicData uri="http://schemas.openxmlformats.org/drawingml/2006/table">
+            <a:tbl>
+              <a:tblPr firstRow="1" bandRow="1">
+                <a:tableStyleId>{5C22544A-7EE6-4342-B048-85BDC9FD1C3A}</a:tableStyleId>
+              </a:tblPr>
+              <a:tblGrid>
+                <a:gridCol w="1666551">
+                  <a:extLst>
+                    <a:ext uri="{9D8B030D-6E8A-4147-A177-3AD203B41FA5}">
+                      <a16:colId xmlns:a16="http://schemas.microsoft.com/office/drawing/2014/main" val="1296892977"/>
+                    </a:ext>
+                  </a:extLst>
+                </a:gridCol>
+                <a:gridCol w="1666551">
+                  <a:extLst>
+                    <a:ext uri="{9D8B030D-6E8A-4147-A177-3AD203B41FA5}">
+                      <a16:colId xmlns:a16="http://schemas.microsoft.com/office/drawing/2014/main" val="644316672"/>
+                    </a:ext>
+                  </a:extLst>
+                </a:gridCol>
+              </a:tblGrid>
+              <a:tr h="370840">
+                <a:tc>
+                  <a:txBody>
+                    <a:bodyPr/>
+                    <a:lstStyle/>
+                    <a:p>
+                      <a:endParaRPr lang="en-US"/>
+                    </a:p>
+                  </a:txBody>
+                  <a:tcPr/>
+                </a:tc>
+                <a:tc>
+                  <a:txBody>
+                    <a:bodyPr/>
+                    <a:lstStyle/>
+                    <a:p>
+                      <a:endParaRPr lang="en-US"/>
+                    </a:p>
+                  </a:txBody>
+                  <a:tcPr/>
+                </a:tc>
+                <a:extLst>
+                  <a:ext uri="{0D108BD9-81ED-4DB2-BD59-A6C34878D82A}">
+                    <a16:rowId xmlns:a16="http://schemas.microsoft.com/office/drawing/2014/main" val="1270902576"/>
+                  </a:ext>
+                </a:extLst>
+              </a:tr>
+              <a:tr h="370840">
+                <a:tc>
+                  <a:txBody>
+                    <a:bodyPr/>
+                    <a:lstStyle/>
+                    <a:p>
+                      <a:endParaRPr lang="en-US"/>
+                    </a:p>
+                  </a:txBody>
+                  <a:tcPr/>
+                </a:tc>
+                <a:tc>
+                  <a:txBody>
+                    <a:bodyPr/>
+                    <a:lstStyle/>
+                    <a:p>
+                      <a:endParaRPr lang="en-US" dirty="0"/>
+                    </a:p>
+                  </a:txBody>
+                  <a:tcPr/>
+                </a:tc>
+                <a:extLst>
+                  <a:ext uri="{0D108BD9-81ED-4DB2-BD59-A6C34878D82A}">
+                    <a16:rowId xmlns:a16="http://schemas.microsoft.com/office/drawing/2014/main" val="1949159669"/>
+                  </a:ext>
+                </a:extLst>
+              </a:tr>
+            </a:tbl>
+          </a:graphicData>
+        </a:graphic>
+      </p:graphicFrame>
+      <p:cxnSp>
+        <p:nvCxnSpPr>
+          <p:cNvPr id="5" name="Connector: Elbow 4">
+            <a:extLst>
+              <a:ext uri="{FF2B5EF4-FFF2-40B4-BE49-F238E27FC236}">
+                <a16:creationId xmlns:a16="http://schemas.microsoft.com/office/drawing/2014/main" id="{D9A60AD7-F657-5666-8DB4-7157B32A4F66}"/>
+              </a:ext>
+            </a:extLst>
+          </p:cNvPr>
+          <p:cNvCxnSpPr>
+            <a:endCxn id="3" idx="1"/>
+          </p:cNvCxnSpPr>
+          <p:nvPr/>
+        </p:nvCxnSpPr>
+        <p:spPr>
+          <a:xfrm>
+            <a:off x="5159829" y="1446245"/>
+            <a:ext cx="1499118" cy="82800"/>
+          </a:xfrm>
+          <a:prstGeom prst="bentConnector3">
+            <a:avLst/>
+          </a:prstGeom>
+          <a:ln>
+            <a:tailEnd type="triangle"/>
+          </a:ln>
+        </p:spPr>
+        <p:style>
+          <a:lnRef idx="1">
+            <a:schemeClr val="accent1"/>
+          </a:lnRef>
+          <a:fillRef idx="0">
+            <a:schemeClr val="accent1"/>
+          </a:fillRef>
+          <a:effectRef idx="0">
+            <a:schemeClr val="accent1"/>
+          </a:effectRef>
+          <a:fontRef idx="minor">
+            <a:schemeClr val="tx1"/>
+          </a:fontRef>
+        </p:style>
+      </p:cxnSp>
+      <p:sp>
+        <p:nvSpPr>
+          <p:cNvPr id="6" name="TextBox 5">
+            <a:extLst>
+              <a:ext uri="{FF2B5EF4-FFF2-40B4-BE49-F238E27FC236}">
+                <a16:creationId xmlns:a16="http://schemas.microsoft.com/office/drawing/2014/main" id="{83FBFB5A-7AD0-98DD-D177-CF1D9BC6DCEC}"/>
+              </a:ext>
+            </a:extLst>
+          </p:cNvPr>
+          <p:cNvSpPr txBox="1"/>
+          <p:nvPr/>
+        </p:nvSpPr>
+        <p:spPr>
+          <a:xfrm>
+            <a:off x="641739" y="2883159"/>
+            <a:ext cx="10816253" cy="646331"/>
+          </a:xfrm>
+          <a:prstGeom prst="rect">
+            <a:avLst/>
+          </a:prstGeom>
+          <a:noFill/>
+        </p:spPr>
+        <p:txBody>
+          <a:bodyPr wrap="square" rtlCol="0">
+            <a:spAutoFit/>
+          </a:bodyPr>
+          <a:lstStyle/>
+          <a:p>
+            <a:r>
+              <a:rPr lang="en-US" dirty="0"/>
+              <a:t>Dictionary, The Key/Value Pair Data Storage, Key is Primitive type and value can be Reference Type or Collection</a:t>
+            </a:r>
+          </a:p>
+          <a:p>
+            <a:r>
+              <a:rPr lang="en-US" dirty="0"/>
+              <a:t>The Key is always Unique, if duplicate Key is used then </a:t>
+            </a:r>
+            <a:r>
+              <a:rPr lang="en-US"/>
+              <a:t>it will be an error</a:t>
+            </a:r>
+            <a:endParaRPr lang="en-US" dirty="0"/>
+          </a:p>
+        </p:txBody>
+      </p:sp>
+    </p:spTree>
+    <p:extLst>
+      <p:ext uri="{BB962C8B-B14F-4D97-AF65-F5344CB8AC3E}">
+        <p14:creationId xmlns:p14="http://schemas.microsoft.com/office/powerpoint/2010/main" val="4226814406"/>
       </p:ext>
     </p:extLst>
   </p:cSld>

--- a/TrgImages.pptx
+++ b/TrgImages.pptx
@@ -13,6 +13,8 @@
     <p:sldId id="259" r:id="rId7"/>
     <p:sldId id="261" r:id="rId8"/>
     <p:sldId id="263" r:id="rId9"/>
+    <p:sldId id="264" r:id="rId10"/>
+    <p:sldId id="265" r:id="rId11"/>
   </p:sldIdLst>
   <p:sldSz cx="12192000" cy="6858000"/>
   <p:notesSz cx="6858000" cy="9144000"/>
@@ -266,7 +268,7 @@
           <a:p>
             <a:fld id="{5E0DC84C-F051-4A33-86E9-8969F11E21B3}" type="datetimeFigureOut">
               <a:rPr lang="en-US" smtClean="0"/>
-              <a:t>12/4/2023</a:t>
+              <a:t>12/5/2023</a:t>
             </a:fld>
             <a:endParaRPr lang="en-US"/>
           </a:p>
@@ -464,7 +466,7 @@
           <a:p>
             <a:fld id="{5E0DC84C-F051-4A33-86E9-8969F11E21B3}" type="datetimeFigureOut">
               <a:rPr lang="en-US" smtClean="0"/>
-              <a:t>12/4/2023</a:t>
+              <a:t>12/5/2023</a:t>
             </a:fld>
             <a:endParaRPr lang="en-US"/>
           </a:p>
@@ -672,7 +674,7 @@
           <a:p>
             <a:fld id="{5E0DC84C-F051-4A33-86E9-8969F11E21B3}" type="datetimeFigureOut">
               <a:rPr lang="en-US" smtClean="0"/>
-              <a:t>12/4/2023</a:t>
+              <a:t>12/5/2023</a:t>
             </a:fld>
             <a:endParaRPr lang="en-US"/>
           </a:p>
@@ -870,7 +872,7 @@
           <a:p>
             <a:fld id="{5E0DC84C-F051-4A33-86E9-8969F11E21B3}" type="datetimeFigureOut">
               <a:rPr lang="en-US" smtClean="0"/>
-              <a:t>12/4/2023</a:t>
+              <a:t>12/5/2023</a:t>
             </a:fld>
             <a:endParaRPr lang="en-US"/>
           </a:p>
@@ -1145,7 +1147,7 @@
           <a:p>
             <a:fld id="{5E0DC84C-F051-4A33-86E9-8969F11E21B3}" type="datetimeFigureOut">
               <a:rPr lang="en-US" smtClean="0"/>
-              <a:t>12/4/2023</a:t>
+              <a:t>12/5/2023</a:t>
             </a:fld>
             <a:endParaRPr lang="en-US"/>
           </a:p>
@@ -1410,7 +1412,7 @@
           <a:p>
             <a:fld id="{5E0DC84C-F051-4A33-86E9-8969F11E21B3}" type="datetimeFigureOut">
               <a:rPr lang="en-US" smtClean="0"/>
-              <a:t>12/4/2023</a:t>
+              <a:t>12/5/2023</a:t>
             </a:fld>
             <a:endParaRPr lang="en-US"/>
           </a:p>
@@ -1822,7 +1824,7 @@
           <a:p>
             <a:fld id="{5E0DC84C-F051-4A33-86E9-8969F11E21B3}" type="datetimeFigureOut">
               <a:rPr lang="en-US" smtClean="0"/>
-              <a:t>12/4/2023</a:t>
+              <a:t>12/5/2023</a:t>
             </a:fld>
             <a:endParaRPr lang="en-US"/>
           </a:p>
@@ -1963,7 +1965,7 @@
           <a:p>
             <a:fld id="{5E0DC84C-F051-4A33-86E9-8969F11E21B3}" type="datetimeFigureOut">
               <a:rPr lang="en-US" smtClean="0"/>
-              <a:t>12/4/2023</a:t>
+              <a:t>12/5/2023</a:t>
             </a:fld>
             <a:endParaRPr lang="en-US"/>
           </a:p>
@@ -2076,7 +2078,7 @@
           <a:p>
             <a:fld id="{5E0DC84C-F051-4A33-86E9-8969F11E21B3}" type="datetimeFigureOut">
               <a:rPr lang="en-US" smtClean="0"/>
-              <a:t>12/4/2023</a:t>
+              <a:t>12/5/2023</a:t>
             </a:fld>
             <a:endParaRPr lang="en-US"/>
           </a:p>
@@ -2387,7 +2389,7 @@
           <a:p>
             <a:fld id="{5E0DC84C-F051-4A33-86E9-8969F11E21B3}" type="datetimeFigureOut">
               <a:rPr lang="en-US" smtClean="0"/>
-              <a:t>12/4/2023</a:t>
+              <a:t>12/5/2023</a:t>
             </a:fld>
             <a:endParaRPr lang="en-US"/>
           </a:p>
@@ -2675,7 +2677,7 @@
           <a:p>
             <a:fld id="{5E0DC84C-F051-4A33-86E9-8969F11E21B3}" type="datetimeFigureOut">
               <a:rPr lang="en-US" smtClean="0"/>
-              <a:t>12/4/2023</a:t>
+              <a:t>12/5/2023</a:t>
             </a:fld>
             <a:endParaRPr lang="en-US"/>
           </a:p>
@@ -2916,7 +2918,7 @@
           <a:p>
             <a:fld id="{5E0DC84C-F051-4A33-86E9-8969F11E21B3}" type="datetimeFigureOut">
               <a:rPr lang="en-US" smtClean="0"/>
-              <a:t>12/4/2023</a:t>
+              <a:t>12/5/2023</a:t>
             </a:fld>
             <a:endParaRPr lang="en-US"/>
           </a:p>
@@ -3946,6 +3948,585 @@
 </p:sld>
 </file>
 
+<file path=ppt/slides/slide10.xml><?xml version="1.0" encoding="utf-8"?>
+<p:sld xmlns:a="http://schemas.openxmlformats.org/drawingml/2006/main" xmlns:r="http://schemas.openxmlformats.org/officeDocument/2006/relationships" xmlns:p="http://schemas.openxmlformats.org/presentationml/2006/main">
+  <p:cSld>
+    <p:spTree>
+      <p:nvGrpSpPr>
+        <p:cNvPr id="1" name=""/>
+        <p:cNvGrpSpPr/>
+        <p:nvPr/>
+      </p:nvGrpSpPr>
+      <p:grpSpPr>
+        <a:xfrm>
+          <a:off x="0" y="0"/>
+          <a:ext cx="0" cy="0"/>
+          <a:chOff x="0" y="0"/>
+          <a:chExt cx="0" cy="0"/>
+        </a:xfrm>
+      </p:grpSpPr>
+      <p:sp>
+        <p:nvSpPr>
+          <p:cNvPr id="2" name="Rectangle 1">
+            <a:extLst>
+              <a:ext uri="{FF2B5EF4-FFF2-40B4-BE49-F238E27FC236}">
+                <a16:creationId xmlns:a16="http://schemas.microsoft.com/office/drawing/2014/main" id="{3EC2EC79-EF47-B869-55B0-FC0C4DE2D8DF}"/>
+              </a:ext>
+            </a:extLst>
+          </p:cNvPr>
+          <p:cNvSpPr/>
+          <p:nvPr/>
+        </p:nvSpPr>
+        <p:spPr>
+          <a:xfrm>
+            <a:off x="802433" y="802433"/>
+            <a:ext cx="2967134" cy="3554963"/>
+          </a:xfrm>
+          <a:prstGeom prst="rect">
+            <a:avLst/>
+          </a:prstGeom>
+        </p:spPr>
+        <p:style>
+          <a:lnRef idx="2">
+            <a:schemeClr val="accent6"/>
+          </a:lnRef>
+          <a:fillRef idx="1">
+            <a:schemeClr val="lt1"/>
+          </a:fillRef>
+          <a:effectRef idx="0">
+            <a:schemeClr val="accent6"/>
+          </a:effectRef>
+          <a:fontRef idx="minor">
+            <a:schemeClr val="dk1"/>
+          </a:fontRef>
+        </p:style>
+        <p:txBody>
+          <a:bodyPr rtlCol="0" anchor="ctr"/>
+          <a:lstStyle/>
+          <a:p>
+            <a:pPr algn="ctr"/>
+            <a:endParaRPr lang="en-US"/>
+          </a:p>
+        </p:txBody>
+      </p:sp>
+      <p:sp>
+        <p:nvSpPr>
+          <p:cNvPr id="3" name="TextBox 2">
+            <a:extLst>
+              <a:ext uri="{FF2B5EF4-FFF2-40B4-BE49-F238E27FC236}">
+                <a16:creationId xmlns:a16="http://schemas.microsoft.com/office/drawing/2014/main" id="{D3A4AFE3-3C9D-6AD5-AFF2-0E22E28A3931}"/>
+              </a:ext>
+            </a:extLst>
+          </p:cNvPr>
+          <p:cNvSpPr txBox="1"/>
+          <p:nvPr/>
+        </p:nvSpPr>
+        <p:spPr>
+          <a:xfrm>
+            <a:off x="951722" y="1082351"/>
+            <a:ext cx="2631233" cy="369332"/>
+          </a:xfrm>
+          <a:prstGeom prst="rect">
+            <a:avLst/>
+          </a:prstGeom>
+          <a:noFill/>
+        </p:spPr>
+        <p:txBody>
+          <a:bodyPr wrap="square" rtlCol="0">
+            <a:spAutoFit/>
+          </a:bodyPr>
+          <a:lstStyle/>
+          <a:p>
+            <a:pPr algn="ctr"/>
+            <a:r>
+              <a:rPr lang="en-US" dirty="0"/>
+              <a:t>Caller Class</a:t>
+            </a:r>
+          </a:p>
+        </p:txBody>
+      </p:sp>
+      <p:sp>
+        <p:nvSpPr>
+          <p:cNvPr id="4" name="Rectangle 3">
+            <a:extLst>
+              <a:ext uri="{FF2B5EF4-FFF2-40B4-BE49-F238E27FC236}">
+                <a16:creationId xmlns:a16="http://schemas.microsoft.com/office/drawing/2014/main" id="{ECEFE201-CD64-1500-D73B-7D51122E5B6C}"/>
+              </a:ext>
+            </a:extLst>
+          </p:cNvPr>
+          <p:cNvSpPr/>
+          <p:nvPr/>
+        </p:nvSpPr>
+        <p:spPr>
+          <a:xfrm>
+            <a:off x="8089640" y="802433"/>
+            <a:ext cx="2967134" cy="3554963"/>
+          </a:xfrm>
+          <a:prstGeom prst="rect">
+            <a:avLst/>
+          </a:prstGeom>
+        </p:spPr>
+        <p:style>
+          <a:lnRef idx="2">
+            <a:schemeClr val="accent6"/>
+          </a:lnRef>
+          <a:fillRef idx="1">
+            <a:schemeClr val="lt1"/>
+          </a:fillRef>
+          <a:effectRef idx="0">
+            <a:schemeClr val="accent6"/>
+          </a:effectRef>
+          <a:fontRef idx="minor">
+            <a:schemeClr val="dk1"/>
+          </a:fontRef>
+        </p:style>
+        <p:txBody>
+          <a:bodyPr rtlCol="0" anchor="ctr"/>
+          <a:lstStyle/>
+          <a:p>
+            <a:pPr algn="ctr"/>
+            <a:endParaRPr lang="en-US"/>
+          </a:p>
+        </p:txBody>
+      </p:sp>
+      <p:sp>
+        <p:nvSpPr>
+          <p:cNvPr id="5" name="TextBox 4">
+            <a:extLst>
+              <a:ext uri="{FF2B5EF4-FFF2-40B4-BE49-F238E27FC236}">
+                <a16:creationId xmlns:a16="http://schemas.microsoft.com/office/drawing/2014/main" id="{BB451487-A0E5-970D-AB7F-5CD836EB86E3}"/>
+              </a:ext>
+            </a:extLst>
+          </p:cNvPr>
+          <p:cNvSpPr txBox="1"/>
+          <p:nvPr/>
+        </p:nvSpPr>
+        <p:spPr>
+          <a:xfrm>
+            <a:off x="8257590" y="1082351"/>
+            <a:ext cx="2631233" cy="369332"/>
+          </a:xfrm>
+          <a:prstGeom prst="rect">
+            <a:avLst/>
+          </a:prstGeom>
+          <a:noFill/>
+        </p:spPr>
+        <p:txBody>
+          <a:bodyPr wrap="square" rtlCol="0">
+            <a:spAutoFit/>
+          </a:bodyPr>
+          <a:lstStyle/>
+          <a:p>
+            <a:pPr algn="ctr"/>
+            <a:r>
+              <a:rPr lang="en-US" dirty="0"/>
+              <a:t>Called Class</a:t>
+            </a:r>
+          </a:p>
+        </p:txBody>
+      </p:sp>
+      <p:sp>
+        <p:nvSpPr>
+          <p:cNvPr id="6" name="Rectangle 5">
+            <a:extLst>
+              <a:ext uri="{FF2B5EF4-FFF2-40B4-BE49-F238E27FC236}">
+                <a16:creationId xmlns:a16="http://schemas.microsoft.com/office/drawing/2014/main" id="{6EEEC0AC-41A2-6B04-8400-3DB95248FB48}"/>
+              </a:ext>
+            </a:extLst>
+          </p:cNvPr>
+          <p:cNvSpPr/>
+          <p:nvPr/>
+        </p:nvSpPr>
+        <p:spPr>
+          <a:xfrm>
+            <a:off x="8220269" y="1819469"/>
+            <a:ext cx="2724539" cy="662474"/>
+          </a:xfrm>
+          <a:prstGeom prst="rect">
+            <a:avLst/>
+          </a:prstGeom>
+        </p:spPr>
+        <p:style>
+          <a:lnRef idx="2">
+            <a:schemeClr val="accent1">
+              <a:shade val="15000"/>
+            </a:schemeClr>
+          </a:lnRef>
+          <a:fillRef idx="1">
+            <a:schemeClr val="accent1"/>
+          </a:fillRef>
+          <a:effectRef idx="0">
+            <a:schemeClr val="accent1"/>
+          </a:effectRef>
+          <a:fontRef idx="minor">
+            <a:schemeClr val="lt1"/>
+          </a:fontRef>
+        </p:style>
+        <p:txBody>
+          <a:bodyPr rtlCol="0" anchor="ctr"/>
+          <a:lstStyle/>
+          <a:p>
+            <a:pPr algn="ctr"/>
+            <a:r>
+              <a:rPr lang="en-US" dirty="0"/>
+              <a:t>+M1(string)</a:t>
+            </a:r>
+          </a:p>
+        </p:txBody>
+      </p:sp>
+      <p:sp>
+        <p:nvSpPr>
+          <p:cNvPr id="7" name="Rectangle 6">
+            <a:extLst>
+              <a:ext uri="{FF2B5EF4-FFF2-40B4-BE49-F238E27FC236}">
+                <a16:creationId xmlns:a16="http://schemas.microsoft.com/office/drawing/2014/main" id="{C7AD6EB8-42BF-04D7-5723-2472DCEA2E24}"/>
+              </a:ext>
+            </a:extLst>
+          </p:cNvPr>
+          <p:cNvSpPr/>
+          <p:nvPr/>
+        </p:nvSpPr>
+        <p:spPr>
+          <a:xfrm>
+            <a:off x="8210936" y="2766526"/>
+            <a:ext cx="2724539" cy="662474"/>
+          </a:xfrm>
+          <a:prstGeom prst="rect">
+            <a:avLst/>
+          </a:prstGeom>
+        </p:spPr>
+        <p:style>
+          <a:lnRef idx="2">
+            <a:schemeClr val="accent1">
+              <a:shade val="15000"/>
+            </a:schemeClr>
+          </a:lnRef>
+          <a:fillRef idx="1">
+            <a:schemeClr val="accent1"/>
+          </a:fillRef>
+          <a:effectRef idx="0">
+            <a:schemeClr val="accent1"/>
+          </a:effectRef>
+          <a:fontRef idx="minor">
+            <a:schemeClr val="lt1"/>
+          </a:fontRef>
+        </p:style>
+        <p:txBody>
+          <a:bodyPr rtlCol="0" anchor="ctr"/>
+          <a:lstStyle/>
+          <a:p>
+            <a:pPr algn="ctr"/>
+            <a:r>
+              <a:rPr lang="en-US" dirty="0"/>
+              <a:t>+M2(decimal)</a:t>
+            </a:r>
+          </a:p>
+        </p:txBody>
+      </p:sp>
+      <p:sp>
+        <p:nvSpPr>
+          <p:cNvPr id="8" name="TextBox 7">
+            <a:extLst>
+              <a:ext uri="{FF2B5EF4-FFF2-40B4-BE49-F238E27FC236}">
+                <a16:creationId xmlns:a16="http://schemas.microsoft.com/office/drawing/2014/main" id="{56060F67-D51A-DDB3-F568-53EBAAACCE3F}"/>
+              </a:ext>
+            </a:extLst>
+          </p:cNvPr>
+          <p:cNvSpPr txBox="1"/>
+          <p:nvPr/>
+        </p:nvSpPr>
+        <p:spPr>
+          <a:xfrm>
+            <a:off x="951722" y="1539551"/>
+            <a:ext cx="2631233" cy="1200329"/>
+          </a:xfrm>
+          <a:prstGeom prst="rect">
+            <a:avLst/>
+          </a:prstGeom>
+          <a:noFill/>
+        </p:spPr>
+        <p:txBody>
+          <a:bodyPr wrap="square" rtlCol="0">
+            <a:spAutoFit/>
+          </a:bodyPr>
+          <a:lstStyle/>
+          <a:p>
+            <a:r>
+              <a:rPr lang="en-US" dirty="0" err="1"/>
+              <a:t>CalledClass</a:t>
+            </a:r>
+            <a:r>
+              <a:rPr lang="en-US" dirty="0"/>
+              <a:t> c = new </a:t>
+            </a:r>
+            <a:r>
+              <a:rPr lang="en-US" dirty="0" err="1"/>
+              <a:t>CalledClass</a:t>
+            </a:r>
+            <a:r>
+              <a:rPr lang="en-US" dirty="0"/>
+              <a:t>()</a:t>
+            </a:r>
+          </a:p>
+          <a:p>
+            <a:endParaRPr lang="en-US" dirty="0"/>
+          </a:p>
+          <a:p>
+            <a:r>
+              <a:rPr lang="en-US" dirty="0"/>
+              <a:t>c.M1(“</a:t>
+            </a:r>
+            <a:r>
+              <a:rPr lang="en-US" dirty="0" err="1"/>
+              <a:t>ddd</a:t>
+            </a:r>
+            <a:r>
+              <a:rPr lang="en-US" dirty="0"/>
+              <a:t>”)</a:t>
+            </a:r>
+          </a:p>
+        </p:txBody>
+      </p:sp>
+      <p:sp>
+        <p:nvSpPr>
+          <p:cNvPr id="9" name="TextBox 8">
+            <a:extLst>
+              <a:ext uri="{FF2B5EF4-FFF2-40B4-BE49-F238E27FC236}">
+                <a16:creationId xmlns:a16="http://schemas.microsoft.com/office/drawing/2014/main" id="{781C163E-6CD1-54E8-3704-339E43BE72E9}"/>
+              </a:ext>
+            </a:extLst>
+          </p:cNvPr>
+          <p:cNvSpPr txBox="1"/>
+          <p:nvPr/>
+        </p:nvSpPr>
+        <p:spPr>
+          <a:xfrm>
+            <a:off x="1101012" y="205273"/>
+            <a:ext cx="2323323" cy="369332"/>
+          </a:xfrm>
+          <a:prstGeom prst="rect">
+            <a:avLst/>
+          </a:prstGeom>
+          <a:noFill/>
+        </p:spPr>
+        <p:txBody>
+          <a:bodyPr wrap="square" rtlCol="0">
+            <a:spAutoFit/>
+          </a:bodyPr>
+          <a:lstStyle/>
+          <a:p>
+            <a:pPr algn="ctr"/>
+            <a:r>
+              <a:rPr lang="en-US" dirty="0"/>
+              <a:t>Code-Segment</a:t>
+            </a:r>
+          </a:p>
+        </p:txBody>
+      </p:sp>
+      <p:sp>
+        <p:nvSpPr>
+          <p:cNvPr id="10" name="TextBox 9">
+            <a:extLst>
+              <a:ext uri="{FF2B5EF4-FFF2-40B4-BE49-F238E27FC236}">
+                <a16:creationId xmlns:a16="http://schemas.microsoft.com/office/drawing/2014/main" id="{22D72AAC-F4C5-FB00-8D86-A18EC8A521F6}"/>
+              </a:ext>
+            </a:extLst>
+          </p:cNvPr>
+          <p:cNvSpPr txBox="1"/>
+          <p:nvPr/>
+        </p:nvSpPr>
+        <p:spPr>
+          <a:xfrm>
+            <a:off x="8411543" y="333184"/>
+            <a:ext cx="2323323" cy="369332"/>
+          </a:xfrm>
+          <a:prstGeom prst="rect">
+            <a:avLst/>
+          </a:prstGeom>
+          <a:noFill/>
+        </p:spPr>
+        <p:txBody>
+          <a:bodyPr wrap="square" rtlCol="0">
+            <a:spAutoFit/>
+          </a:bodyPr>
+          <a:lstStyle/>
+          <a:p>
+            <a:pPr algn="ctr"/>
+            <a:r>
+              <a:rPr lang="en-US" dirty="0"/>
+              <a:t>Code-Segment</a:t>
+            </a:r>
+          </a:p>
+        </p:txBody>
+      </p:sp>
+      <p:cxnSp>
+        <p:nvCxnSpPr>
+          <p:cNvPr id="12" name="Connector: Elbow 11">
+            <a:extLst>
+              <a:ext uri="{FF2B5EF4-FFF2-40B4-BE49-F238E27FC236}">
+                <a16:creationId xmlns:a16="http://schemas.microsoft.com/office/drawing/2014/main" id="{69CEDAC4-6EBB-8F7A-2673-D577B4C9E91A}"/>
+              </a:ext>
+            </a:extLst>
+          </p:cNvPr>
+          <p:cNvCxnSpPr/>
+          <p:nvPr/>
+        </p:nvCxnSpPr>
+        <p:spPr>
+          <a:xfrm flipV="1">
+            <a:off x="2901820" y="1147665"/>
+            <a:ext cx="5187820" cy="671804"/>
+          </a:xfrm>
+          <a:prstGeom prst="bentConnector3">
+            <a:avLst/>
+          </a:prstGeom>
+          <a:ln>
+            <a:tailEnd type="triangle"/>
+          </a:ln>
+        </p:spPr>
+        <p:style>
+          <a:lnRef idx="1">
+            <a:schemeClr val="accent1"/>
+          </a:lnRef>
+          <a:fillRef idx="0">
+            <a:schemeClr val="accent1"/>
+          </a:fillRef>
+          <a:effectRef idx="0">
+            <a:schemeClr val="accent1"/>
+          </a:effectRef>
+          <a:fontRef idx="minor">
+            <a:schemeClr val="tx1"/>
+          </a:fontRef>
+        </p:style>
+      </p:cxnSp>
+      <p:sp>
+        <p:nvSpPr>
+          <p:cNvPr id="13" name="TextBox 12">
+            <a:extLst>
+              <a:ext uri="{FF2B5EF4-FFF2-40B4-BE49-F238E27FC236}">
+                <a16:creationId xmlns:a16="http://schemas.microsoft.com/office/drawing/2014/main" id="{48F8B09A-9FE3-7EAD-C288-C8521136A182}"/>
+              </a:ext>
+            </a:extLst>
+          </p:cNvPr>
+          <p:cNvSpPr txBox="1"/>
+          <p:nvPr/>
+        </p:nvSpPr>
+        <p:spPr>
+          <a:xfrm>
+            <a:off x="4450702" y="714565"/>
+            <a:ext cx="2967134" cy="923330"/>
+          </a:xfrm>
+          <a:prstGeom prst="rect">
+            <a:avLst/>
+          </a:prstGeom>
+          <a:noFill/>
+        </p:spPr>
+        <p:txBody>
+          <a:bodyPr wrap="square" rtlCol="0">
+            <a:spAutoFit/>
+          </a:bodyPr>
+          <a:lstStyle/>
+          <a:p>
+            <a:r>
+              <a:rPr lang="en-US" dirty="0"/>
+              <a:t>Jump to Address to invoke Constructor, Lookup for Address</a:t>
+            </a:r>
+          </a:p>
+        </p:txBody>
+      </p:sp>
+      <p:cxnSp>
+        <p:nvCxnSpPr>
+          <p:cNvPr id="15" name="Connector: Elbow 14">
+            <a:extLst>
+              <a:ext uri="{FF2B5EF4-FFF2-40B4-BE49-F238E27FC236}">
+                <a16:creationId xmlns:a16="http://schemas.microsoft.com/office/drawing/2014/main" id="{73B843BF-6111-7718-4A3C-F0F9AC41F45E}"/>
+              </a:ext>
+            </a:extLst>
+          </p:cNvPr>
+          <p:cNvCxnSpPr>
+            <a:endCxn id="6" idx="1"/>
+          </p:cNvCxnSpPr>
+          <p:nvPr/>
+        </p:nvCxnSpPr>
+        <p:spPr>
+          <a:xfrm flipV="1">
+            <a:off x="2304661" y="2150706"/>
+            <a:ext cx="5915608" cy="331237"/>
+          </a:xfrm>
+          <a:prstGeom prst="bentConnector3">
+            <a:avLst/>
+          </a:prstGeom>
+          <a:ln>
+            <a:tailEnd type="triangle"/>
+          </a:ln>
+        </p:spPr>
+        <p:style>
+          <a:lnRef idx="1">
+            <a:schemeClr val="accent1"/>
+          </a:lnRef>
+          <a:fillRef idx="0">
+            <a:schemeClr val="accent1"/>
+          </a:fillRef>
+          <a:effectRef idx="0">
+            <a:schemeClr val="accent1"/>
+          </a:effectRef>
+          <a:fontRef idx="minor">
+            <a:schemeClr val="tx1"/>
+          </a:fontRef>
+        </p:style>
+      </p:cxnSp>
+      <p:sp>
+        <p:nvSpPr>
+          <p:cNvPr id="16" name="TextBox 15">
+            <a:extLst>
+              <a:ext uri="{FF2B5EF4-FFF2-40B4-BE49-F238E27FC236}">
+                <a16:creationId xmlns:a16="http://schemas.microsoft.com/office/drawing/2014/main" id="{2CFCD766-4B90-7CF4-5C91-4D0B47752C7E}"/>
+              </a:ext>
+            </a:extLst>
+          </p:cNvPr>
+          <p:cNvSpPr txBox="1"/>
+          <p:nvPr/>
+        </p:nvSpPr>
+        <p:spPr>
+          <a:xfrm>
+            <a:off x="4441371" y="2532479"/>
+            <a:ext cx="2967134" cy="923330"/>
+          </a:xfrm>
+          <a:prstGeom prst="rect">
+            <a:avLst/>
+          </a:prstGeom>
+          <a:noFill/>
+        </p:spPr>
+        <p:txBody>
+          <a:bodyPr wrap="square" rtlCol="0">
+            <a:spAutoFit/>
+          </a:bodyPr>
+          <a:lstStyle/>
+          <a:p>
+            <a:r>
+              <a:rPr lang="en-US" dirty="0"/>
+              <a:t>Jump to Address to invoke Method M1() Lookup for </a:t>
+            </a:r>
+            <a:r>
+              <a:rPr lang="en-US"/>
+              <a:t>the address</a:t>
+            </a:r>
+            <a:endParaRPr lang="en-US" dirty="0"/>
+          </a:p>
+        </p:txBody>
+      </p:sp>
+    </p:spTree>
+    <p:extLst>
+      <p:ext uri="{BB962C8B-B14F-4D97-AF65-F5344CB8AC3E}">
+        <p14:creationId xmlns:p14="http://schemas.microsoft.com/office/powerpoint/2010/main" val="3743772372"/>
+      </p:ext>
+    </p:extLst>
+  </p:cSld>
+  <p:clrMapOvr>
+    <a:masterClrMapping/>
+  </p:clrMapOvr>
+</p:sld>
+</file>
+
 <file path=ppt/slides/slide2.xml><?xml version="1.0" encoding="utf-8"?>
 <p:sld xmlns:a="http://schemas.openxmlformats.org/drawingml/2006/main" xmlns:r="http://schemas.openxmlformats.org/officeDocument/2006/relationships" xmlns:p="http://schemas.openxmlformats.org/presentationml/2006/main">
   <p:cSld>
@@ -8399,6 +8980,830 @@
     <p:extLst>
       <p:ext uri="{BB962C8B-B14F-4D97-AF65-F5344CB8AC3E}">
         <p14:creationId xmlns:p14="http://schemas.microsoft.com/office/powerpoint/2010/main" val="4226814406"/>
+      </p:ext>
+    </p:extLst>
+  </p:cSld>
+  <p:clrMapOvr>
+    <a:masterClrMapping/>
+  </p:clrMapOvr>
+</p:sld>
+</file>
+
+<file path=ppt/slides/slide9.xml><?xml version="1.0" encoding="utf-8"?>
+<p:sld xmlns:a="http://schemas.openxmlformats.org/drawingml/2006/main" xmlns:r="http://schemas.openxmlformats.org/officeDocument/2006/relationships" xmlns:p="http://schemas.openxmlformats.org/presentationml/2006/main">
+  <p:cSld>
+    <p:spTree>
+      <p:nvGrpSpPr>
+        <p:cNvPr id="1" name=""/>
+        <p:cNvGrpSpPr/>
+        <p:nvPr/>
+      </p:nvGrpSpPr>
+      <p:grpSpPr>
+        <a:xfrm>
+          <a:off x="0" y="0"/>
+          <a:ext cx="0" cy="0"/>
+          <a:chOff x="0" y="0"/>
+          <a:chExt cx="0" cy="0"/>
+        </a:xfrm>
+      </p:grpSpPr>
+      <p:sp>
+        <p:nvSpPr>
+          <p:cNvPr id="2" name="Rectangle: Rounded Corners 1">
+            <a:extLst>
+              <a:ext uri="{FF2B5EF4-FFF2-40B4-BE49-F238E27FC236}">
+                <a16:creationId xmlns:a16="http://schemas.microsoft.com/office/drawing/2014/main" id="{F3290BA6-8C19-DEEB-4722-17C80588C0B1}"/>
+              </a:ext>
+            </a:extLst>
+          </p:cNvPr>
+          <p:cNvSpPr/>
+          <p:nvPr/>
+        </p:nvSpPr>
+        <p:spPr>
+          <a:xfrm>
+            <a:off x="513184" y="550507"/>
+            <a:ext cx="2892489" cy="2155372"/>
+          </a:xfrm>
+          <a:prstGeom prst="roundRect">
+            <a:avLst/>
+          </a:prstGeom>
+        </p:spPr>
+        <p:style>
+          <a:lnRef idx="2">
+            <a:schemeClr val="accent1">
+              <a:shade val="15000"/>
+            </a:schemeClr>
+          </a:lnRef>
+          <a:fillRef idx="1">
+            <a:schemeClr val="accent1"/>
+          </a:fillRef>
+          <a:effectRef idx="0">
+            <a:schemeClr val="accent1"/>
+          </a:effectRef>
+          <a:fontRef idx="minor">
+            <a:schemeClr val="lt1"/>
+          </a:fontRef>
+        </p:style>
+        <p:txBody>
+          <a:bodyPr rtlCol="0" anchor="ctr"/>
+          <a:lstStyle/>
+          <a:p>
+            <a:pPr algn="ctr"/>
+            <a:r>
+              <a:rPr lang="en-US" dirty="0"/>
+              <a:t>Accounting</a:t>
+            </a:r>
+          </a:p>
+          <a:p>
+            <a:pPr algn="ctr"/>
+            <a:r>
+              <a:rPr lang="en-US" dirty="0"/>
+              <a:t>+</a:t>
+            </a:r>
+            <a:r>
+              <a:rPr lang="en-US" dirty="0" err="1"/>
+              <a:t>GetTDS</a:t>
+            </a:r>
+            <a:r>
+              <a:rPr lang="en-US" dirty="0"/>
+              <a:t>()</a:t>
+            </a:r>
+          </a:p>
+          <a:p>
+            <a:pPr algn="ctr"/>
+            <a:r>
+              <a:rPr lang="en-US" dirty="0"/>
+              <a:t>+</a:t>
+            </a:r>
+            <a:r>
+              <a:rPr lang="en-US" dirty="0" err="1"/>
+              <a:t>GetPT</a:t>
+            </a:r>
+            <a:r>
+              <a:rPr lang="en-US" dirty="0"/>
+              <a:t>()</a:t>
+            </a:r>
+          </a:p>
+          <a:p>
+            <a:pPr algn="ctr"/>
+            <a:r>
+              <a:rPr lang="en-US" dirty="0"/>
+              <a:t>+</a:t>
+            </a:r>
+            <a:r>
+              <a:rPr lang="en-US" dirty="0" err="1"/>
+              <a:t>GetGST</a:t>
+            </a:r>
+            <a:r>
+              <a:rPr lang="en-US" dirty="0"/>
+              <a:t>()</a:t>
+            </a:r>
+          </a:p>
+          <a:p>
+            <a:pPr algn="ctr"/>
+            <a:r>
+              <a:rPr lang="en-US" dirty="0"/>
+              <a:t>+</a:t>
+            </a:r>
+            <a:r>
+              <a:rPr lang="en-US" dirty="0" err="1"/>
+              <a:t>GetST</a:t>
+            </a:r>
+            <a:r>
+              <a:rPr lang="en-US" dirty="0"/>
+              <a:t>()</a:t>
+            </a:r>
+          </a:p>
+          <a:p>
+            <a:pPr algn="ctr"/>
+            <a:endParaRPr lang="en-US" dirty="0"/>
+          </a:p>
+          <a:p>
+            <a:pPr algn="ctr"/>
+            <a:endParaRPr lang="en-US" dirty="0"/>
+          </a:p>
+        </p:txBody>
+      </p:sp>
+      <p:sp>
+        <p:nvSpPr>
+          <p:cNvPr id="3" name="TextBox 2">
+            <a:extLst>
+              <a:ext uri="{FF2B5EF4-FFF2-40B4-BE49-F238E27FC236}">
+                <a16:creationId xmlns:a16="http://schemas.microsoft.com/office/drawing/2014/main" id="{F539B06C-EB79-3A80-9787-B3E5A8888DE6}"/>
+              </a:ext>
+            </a:extLst>
+          </p:cNvPr>
+          <p:cNvSpPr txBox="1"/>
+          <p:nvPr/>
+        </p:nvSpPr>
+        <p:spPr>
+          <a:xfrm>
+            <a:off x="7464489" y="550507"/>
+            <a:ext cx="3359021" cy="369332"/>
+          </a:xfrm>
+          <a:prstGeom prst="rect">
+            <a:avLst/>
+          </a:prstGeom>
+          <a:noFill/>
+        </p:spPr>
+        <p:txBody>
+          <a:bodyPr wrap="square" rtlCol="0">
+            <a:spAutoFit/>
+          </a:bodyPr>
+          <a:lstStyle/>
+          <a:p>
+            <a:pPr algn="ctr"/>
+            <a:r>
+              <a:rPr lang="en-US" dirty="0"/>
+              <a:t>Company B</a:t>
+            </a:r>
+          </a:p>
+        </p:txBody>
+      </p:sp>
+      <p:sp>
+        <p:nvSpPr>
+          <p:cNvPr id="4" name="TextBox 3">
+            <a:extLst>
+              <a:ext uri="{FF2B5EF4-FFF2-40B4-BE49-F238E27FC236}">
+                <a16:creationId xmlns:a16="http://schemas.microsoft.com/office/drawing/2014/main" id="{B0CEE985-B394-B6A9-EA1C-5C1506346321}"/>
+              </a:ext>
+            </a:extLst>
+          </p:cNvPr>
+          <p:cNvSpPr txBox="1"/>
+          <p:nvPr/>
+        </p:nvSpPr>
+        <p:spPr>
+          <a:xfrm>
+            <a:off x="432318" y="3128865"/>
+            <a:ext cx="3359021" cy="369332"/>
+          </a:xfrm>
+          <a:prstGeom prst="rect">
+            <a:avLst/>
+          </a:prstGeom>
+          <a:noFill/>
+        </p:spPr>
+        <p:txBody>
+          <a:bodyPr wrap="square" rtlCol="0">
+            <a:spAutoFit/>
+          </a:bodyPr>
+          <a:lstStyle/>
+          <a:p>
+            <a:pPr algn="ctr"/>
+            <a:r>
+              <a:rPr lang="en-US" dirty="0"/>
+              <a:t>Company A</a:t>
+            </a:r>
+          </a:p>
+        </p:txBody>
+      </p:sp>
+      <p:sp>
+        <p:nvSpPr>
+          <p:cNvPr id="5" name="Rectangle 4">
+            <a:extLst>
+              <a:ext uri="{FF2B5EF4-FFF2-40B4-BE49-F238E27FC236}">
+                <a16:creationId xmlns:a16="http://schemas.microsoft.com/office/drawing/2014/main" id="{0C4B570E-A92D-88A9-48A6-FBA1C12955FD}"/>
+              </a:ext>
+            </a:extLst>
+          </p:cNvPr>
+          <p:cNvSpPr/>
+          <p:nvPr/>
+        </p:nvSpPr>
+        <p:spPr>
+          <a:xfrm>
+            <a:off x="7287208" y="989045"/>
+            <a:ext cx="3816221" cy="3069771"/>
+          </a:xfrm>
+          <a:prstGeom prst="rect">
+            <a:avLst/>
+          </a:prstGeom>
+        </p:spPr>
+        <p:style>
+          <a:lnRef idx="2">
+            <a:schemeClr val="accent1">
+              <a:shade val="15000"/>
+            </a:schemeClr>
+          </a:lnRef>
+          <a:fillRef idx="1">
+            <a:schemeClr val="accent1"/>
+          </a:fillRef>
+          <a:effectRef idx="0">
+            <a:schemeClr val="accent1"/>
+          </a:effectRef>
+          <a:fontRef idx="minor">
+            <a:schemeClr val="lt1"/>
+          </a:fontRef>
+        </p:style>
+        <p:txBody>
+          <a:bodyPr rtlCol="0" anchor="ctr"/>
+          <a:lstStyle/>
+          <a:p>
+            <a:pPr algn="ctr"/>
+            <a:endParaRPr lang="en-US"/>
+          </a:p>
+        </p:txBody>
+      </p:sp>
+      <p:sp>
+        <p:nvSpPr>
+          <p:cNvPr id="6" name="TextBox 5">
+            <a:extLst>
+              <a:ext uri="{FF2B5EF4-FFF2-40B4-BE49-F238E27FC236}">
+                <a16:creationId xmlns:a16="http://schemas.microsoft.com/office/drawing/2014/main" id="{30A9D57E-88D9-F005-3B32-74718F1318C7}"/>
+              </a:ext>
+            </a:extLst>
+          </p:cNvPr>
+          <p:cNvSpPr txBox="1"/>
+          <p:nvPr/>
+        </p:nvSpPr>
+        <p:spPr>
+          <a:xfrm>
+            <a:off x="7380514" y="1119673"/>
+            <a:ext cx="3508310" cy="369332"/>
+          </a:xfrm>
+          <a:prstGeom prst="rect">
+            <a:avLst/>
+          </a:prstGeom>
+          <a:noFill/>
+        </p:spPr>
+        <p:txBody>
+          <a:bodyPr wrap="square" rtlCol="0">
+            <a:spAutoFit/>
+          </a:bodyPr>
+          <a:lstStyle/>
+          <a:p>
+            <a:pPr algn="ctr"/>
+            <a:r>
+              <a:rPr lang="en-US" dirty="0"/>
+              <a:t>Payroll</a:t>
+            </a:r>
+          </a:p>
+        </p:txBody>
+      </p:sp>
+      <p:sp>
+        <p:nvSpPr>
+          <p:cNvPr id="7" name="TextBox 6">
+            <a:extLst>
+              <a:ext uri="{FF2B5EF4-FFF2-40B4-BE49-F238E27FC236}">
+                <a16:creationId xmlns:a16="http://schemas.microsoft.com/office/drawing/2014/main" id="{1BCC180A-D9E8-778A-7D49-04B8004FE34E}"/>
+              </a:ext>
+            </a:extLst>
+          </p:cNvPr>
+          <p:cNvSpPr txBox="1"/>
+          <p:nvPr/>
+        </p:nvSpPr>
+        <p:spPr>
+          <a:xfrm>
+            <a:off x="7380514" y="1595535"/>
+            <a:ext cx="3722915" cy="923330"/>
+          </a:xfrm>
+          <a:prstGeom prst="rect">
+            <a:avLst/>
+          </a:prstGeom>
+          <a:noFill/>
+        </p:spPr>
+        <p:txBody>
+          <a:bodyPr wrap="square" rtlCol="0">
+            <a:spAutoFit/>
+          </a:bodyPr>
+          <a:lstStyle/>
+          <a:p>
+            <a:r>
+              <a:rPr lang="en-US" dirty="0">
+                <a:solidFill>
+                  <a:srgbClr val="FFFF00"/>
+                </a:solidFill>
+              </a:rPr>
+              <a:t>+</a:t>
+            </a:r>
+            <a:r>
+              <a:rPr lang="en-US" dirty="0" err="1">
+                <a:solidFill>
+                  <a:srgbClr val="FFFF00"/>
+                </a:solidFill>
+              </a:rPr>
+              <a:t>GetSalary</a:t>
+            </a:r>
+            <a:r>
+              <a:rPr lang="en-US" dirty="0">
+                <a:solidFill>
+                  <a:srgbClr val="FFFF00"/>
+                </a:solidFill>
+              </a:rPr>
+              <a:t>()</a:t>
+            </a:r>
+          </a:p>
+          <a:p>
+            <a:r>
+              <a:rPr lang="en-US" dirty="0">
+                <a:solidFill>
+                  <a:srgbClr val="FFFF00"/>
+                </a:solidFill>
+              </a:rPr>
+              <a:t>+</a:t>
+            </a:r>
+            <a:r>
+              <a:rPr lang="en-US" dirty="0" err="1">
+                <a:solidFill>
+                  <a:srgbClr val="FFFF00"/>
+                </a:solidFill>
+              </a:rPr>
+              <a:t>GetOT</a:t>
+            </a:r>
+            <a:r>
+              <a:rPr lang="en-US" dirty="0">
+                <a:solidFill>
+                  <a:srgbClr val="FFFF00"/>
+                </a:solidFill>
+              </a:rPr>
+              <a:t>()</a:t>
+            </a:r>
+          </a:p>
+          <a:p>
+            <a:r>
+              <a:rPr lang="en-US" dirty="0">
+                <a:solidFill>
+                  <a:srgbClr val="FFFF00"/>
+                </a:solidFill>
+              </a:rPr>
+              <a:t>+</a:t>
+            </a:r>
+            <a:r>
+              <a:rPr lang="en-US" dirty="0" err="1">
+                <a:solidFill>
+                  <a:srgbClr val="FFFF00"/>
+                </a:solidFill>
+              </a:rPr>
+              <a:t>GetAllowances</a:t>
+            </a:r>
+            <a:r>
+              <a:rPr lang="en-US" dirty="0">
+                <a:solidFill>
+                  <a:srgbClr val="FFFF00"/>
+                </a:solidFill>
+              </a:rPr>
+              <a:t>()</a:t>
+            </a:r>
+          </a:p>
+        </p:txBody>
+      </p:sp>
+      <p:cxnSp>
+        <p:nvCxnSpPr>
+          <p:cNvPr id="9" name="Connector: Elbow 8">
+            <a:extLst>
+              <a:ext uri="{FF2B5EF4-FFF2-40B4-BE49-F238E27FC236}">
+                <a16:creationId xmlns:a16="http://schemas.microsoft.com/office/drawing/2014/main" id="{58E92CB5-A0E6-5564-89D7-4ADFED0216D6}"/>
+              </a:ext>
+            </a:extLst>
+          </p:cNvPr>
+          <p:cNvCxnSpPr>
+            <a:stCxn id="2" idx="3"/>
+            <a:endCxn id="5" idx="1"/>
+          </p:cNvCxnSpPr>
+          <p:nvPr/>
+        </p:nvCxnSpPr>
+        <p:spPr>
+          <a:xfrm>
+            <a:off x="3405673" y="1628193"/>
+            <a:ext cx="3881535" cy="895738"/>
+          </a:xfrm>
+          <a:prstGeom prst="bentConnector3">
+            <a:avLst/>
+          </a:prstGeom>
+          <a:ln>
+            <a:tailEnd type="triangle"/>
+          </a:ln>
+        </p:spPr>
+        <p:style>
+          <a:lnRef idx="1">
+            <a:schemeClr val="accent1"/>
+          </a:lnRef>
+          <a:fillRef idx="0">
+            <a:schemeClr val="accent1"/>
+          </a:fillRef>
+          <a:effectRef idx="0">
+            <a:schemeClr val="accent1"/>
+          </a:effectRef>
+          <a:fontRef idx="minor">
+            <a:schemeClr val="tx1"/>
+          </a:fontRef>
+        </p:style>
+      </p:cxnSp>
+      <p:sp>
+        <p:nvSpPr>
+          <p:cNvPr id="10" name="TextBox 9">
+            <a:extLst>
+              <a:ext uri="{FF2B5EF4-FFF2-40B4-BE49-F238E27FC236}">
+                <a16:creationId xmlns:a16="http://schemas.microsoft.com/office/drawing/2014/main" id="{1CC0E6BB-25A4-4F52-5FAC-DB60F79031F1}"/>
+              </a:ext>
+            </a:extLst>
+          </p:cNvPr>
+          <p:cNvSpPr txBox="1"/>
+          <p:nvPr/>
+        </p:nvSpPr>
+        <p:spPr>
+          <a:xfrm>
+            <a:off x="3928187" y="919839"/>
+            <a:ext cx="2743201" cy="646331"/>
+          </a:xfrm>
+          <a:prstGeom prst="rect">
+            <a:avLst/>
+          </a:prstGeom>
+          <a:noFill/>
+        </p:spPr>
+        <p:txBody>
+          <a:bodyPr wrap="square" rtlCol="0">
+            <a:spAutoFit/>
+          </a:bodyPr>
+          <a:lstStyle/>
+          <a:p>
+            <a:pPr algn="ctr"/>
+            <a:r>
+              <a:rPr lang="en-US" dirty="0"/>
+              <a:t>Payroll uses the Accounting System for Taxes </a:t>
+            </a:r>
+          </a:p>
+        </p:txBody>
+      </p:sp>
+      <p:sp>
+        <p:nvSpPr>
+          <p:cNvPr id="11" name="TextBox 10">
+            <a:extLst>
+              <a:ext uri="{FF2B5EF4-FFF2-40B4-BE49-F238E27FC236}">
+                <a16:creationId xmlns:a16="http://schemas.microsoft.com/office/drawing/2014/main" id="{B02D9E4F-E016-51F0-9A65-0D79E419F859}"/>
+              </a:ext>
+            </a:extLst>
+          </p:cNvPr>
+          <p:cNvSpPr txBox="1"/>
+          <p:nvPr/>
+        </p:nvSpPr>
+        <p:spPr>
+          <a:xfrm>
+            <a:off x="7380514" y="2780522"/>
+            <a:ext cx="3610947" cy="923330"/>
+          </a:xfrm>
+          <a:prstGeom prst="rect">
+            <a:avLst/>
+          </a:prstGeom>
+          <a:noFill/>
+        </p:spPr>
+        <p:txBody>
+          <a:bodyPr wrap="square" rtlCol="0">
+            <a:spAutoFit/>
+          </a:bodyPr>
+          <a:lstStyle/>
+          <a:p>
+            <a:r>
+              <a:rPr lang="en-US" dirty="0" err="1"/>
+              <a:t>HourlyWadges</a:t>
+            </a:r>
+            <a:r>
+              <a:rPr lang="en-US" dirty="0"/>
+              <a:t> Employees</a:t>
+            </a:r>
+          </a:p>
+          <a:p>
+            <a:r>
+              <a:rPr lang="en-US" dirty="0"/>
+              <a:t>+</a:t>
+            </a:r>
+            <a:r>
+              <a:rPr lang="en-US" dirty="0" err="1"/>
+              <a:t>PayPerHour</a:t>
+            </a:r>
+            <a:r>
+              <a:rPr lang="en-US" dirty="0"/>
+              <a:t>()</a:t>
+            </a:r>
+          </a:p>
+          <a:p>
+            <a:r>
+              <a:rPr lang="en-US" dirty="0"/>
+              <a:t>+</a:t>
+            </a:r>
+            <a:r>
+              <a:rPr lang="en-US" dirty="0" err="1"/>
+              <a:t>DeductTax</a:t>
+            </a:r>
+            <a:r>
+              <a:rPr lang="en-US" dirty="0"/>
+              <a:t>()</a:t>
+            </a:r>
+          </a:p>
+        </p:txBody>
+      </p:sp>
+      <p:cxnSp>
+        <p:nvCxnSpPr>
+          <p:cNvPr id="13" name="Straight Arrow Connector 12">
+            <a:extLst>
+              <a:ext uri="{FF2B5EF4-FFF2-40B4-BE49-F238E27FC236}">
+                <a16:creationId xmlns:a16="http://schemas.microsoft.com/office/drawing/2014/main" id="{F67BDC79-6DC8-F732-FA5A-FCC63FDCF4D6}"/>
+              </a:ext>
+            </a:extLst>
+          </p:cNvPr>
+          <p:cNvCxnSpPr/>
+          <p:nvPr/>
+        </p:nvCxnSpPr>
+        <p:spPr>
+          <a:xfrm flipH="1">
+            <a:off x="5374433" y="3592286"/>
+            <a:ext cx="2298441" cy="746850"/>
+          </a:xfrm>
+          <a:prstGeom prst="straightConnector1">
+            <a:avLst/>
+          </a:prstGeom>
+          <a:ln>
+            <a:tailEnd type="triangle"/>
+          </a:ln>
+        </p:spPr>
+        <p:style>
+          <a:lnRef idx="1">
+            <a:schemeClr val="accent1"/>
+          </a:lnRef>
+          <a:fillRef idx="0">
+            <a:schemeClr val="accent1"/>
+          </a:fillRef>
+          <a:effectRef idx="0">
+            <a:schemeClr val="accent1"/>
+          </a:effectRef>
+          <a:fontRef idx="minor">
+            <a:schemeClr val="tx1"/>
+          </a:fontRef>
+        </p:style>
+      </p:cxnSp>
+      <p:sp>
+        <p:nvSpPr>
+          <p:cNvPr id="14" name="TextBox 13">
+            <a:extLst>
+              <a:ext uri="{FF2B5EF4-FFF2-40B4-BE49-F238E27FC236}">
+                <a16:creationId xmlns:a16="http://schemas.microsoft.com/office/drawing/2014/main" id="{94C3B310-4736-DE70-F84D-D89AE6ABFB18}"/>
+              </a:ext>
+            </a:extLst>
+          </p:cNvPr>
+          <p:cNvSpPr txBox="1"/>
+          <p:nvPr/>
+        </p:nvSpPr>
+        <p:spPr>
+          <a:xfrm>
+            <a:off x="3949959" y="4488024"/>
+            <a:ext cx="2814735" cy="646331"/>
+          </a:xfrm>
+          <a:prstGeom prst="rect">
+            <a:avLst/>
+          </a:prstGeom>
+          <a:noFill/>
+        </p:spPr>
+        <p:txBody>
+          <a:bodyPr wrap="square" rtlCol="0">
+            <a:spAutoFit/>
+          </a:bodyPr>
+          <a:lstStyle/>
+          <a:p>
+            <a:r>
+              <a:rPr lang="en-US" dirty="0"/>
+              <a:t>+</a:t>
+            </a:r>
+            <a:r>
+              <a:rPr lang="en-US" dirty="0" err="1"/>
+              <a:t>GetFixedTaxDeduction</a:t>
+            </a:r>
+            <a:r>
+              <a:rPr lang="en-US" dirty="0"/>
+              <a:t>()</a:t>
+            </a:r>
+          </a:p>
+          <a:p>
+            <a:r>
+              <a:rPr lang="en-US" dirty="0"/>
+              <a:t>+</a:t>
+            </a:r>
+            <a:r>
+              <a:rPr lang="en-US" dirty="0" err="1"/>
+              <a:t>GetServiceTaxByServType</a:t>
+            </a:r>
+            <a:r>
+              <a:rPr lang="en-US" dirty="0"/>
+              <a:t>()</a:t>
+            </a:r>
+          </a:p>
+        </p:txBody>
+      </p:sp>
+      <p:cxnSp>
+        <p:nvCxnSpPr>
+          <p:cNvPr id="17" name="Straight Arrow Connector 16">
+            <a:extLst>
+              <a:ext uri="{FF2B5EF4-FFF2-40B4-BE49-F238E27FC236}">
+                <a16:creationId xmlns:a16="http://schemas.microsoft.com/office/drawing/2014/main" id="{9FA89519-C143-518D-5591-0F4DF090B82C}"/>
+              </a:ext>
+            </a:extLst>
+          </p:cNvPr>
+          <p:cNvCxnSpPr>
+            <a:stCxn id="2" idx="2"/>
+          </p:cNvCxnSpPr>
+          <p:nvPr/>
+        </p:nvCxnSpPr>
+        <p:spPr>
+          <a:xfrm>
+            <a:off x="1959429" y="2705879"/>
+            <a:ext cx="3247053" cy="1633257"/>
+          </a:xfrm>
+          <a:prstGeom prst="straightConnector1">
+            <a:avLst/>
+          </a:prstGeom>
+          <a:ln>
+            <a:tailEnd type="triangle"/>
+          </a:ln>
+        </p:spPr>
+        <p:style>
+          <a:lnRef idx="1">
+            <a:schemeClr val="accent1"/>
+          </a:lnRef>
+          <a:fillRef idx="0">
+            <a:schemeClr val="accent1"/>
+          </a:fillRef>
+          <a:effectRef idx="0">
+            <a:schemeClr val="accent1"/>
+          </a:effectRef>
+          <a:fontRef idx="minor">
+            <a:schemeClr val="tx1"/>
+          </a:fontRef>
+        </p:style>
+      </p:cxnSp>
+      <p:sp>
+        <p:nvSpPr>
+          <p:cNvPr id="18" name="TextBox 17">
+            <a:extLst>
+              <a:ext uri="{FF2B5EF4-FFF2-40B4-BE49-F238E27FC236}">
+                <a16:creationId xmlns:a16="http://schemas.microsoft.com/office/drawing/2014/main" id="{024C6923-4984-34E0-2699-53FD660D3AF4}"/>
+              </a:ext>
+            </a:extLst>
+          </p:cNvPr>
+          <p:cNvSpPr txBox="1"/>
+          <p:nvPr/>
+        </p:nvSpPr>
+        <p:spPr>
+          <a:xfrm>
+            <a:off x="2908041" y="3265714"/>
+            <a:ext cx="2018522" cy="923330"/>
+          </a:xfrm>
+          <a:prstGeom prst="rect">
+            <a:avLst/>
+          </a:prstGeom>
+          <a:noFill/>
+        </p:spPr>
+        <p:txBody>
+          <a:bodyPr wrap="square" rtlCol="0">
+            <a:spAutoFit/>
+          </a:bodyPr>
+          <a:lstStyle/>
+          <a:p>
+            <a:r>
+              <a:rPr lang="en-US" dirty="0"/>
+              <a:t>Extended Accounting Behavior</a:t>
+            </a:r>
+          </a:p>
+        </p:txBody>
+      </p:sp>
+      <p:sp>
+        <p:nvSpPr>
+          <p:cNvPr id="19" name="TextBox 18">
+            <a:extLst>
+              <a:ext uri="{FF2B5EF4-FFF2-40B4-BE49-F238E27FC236}">
+                <a16:creationId xmlns:a16="http://schemas.microsoft.com/office/drawing/2014/main" id="{010EEF4D-FF34-72C4-1446-966CC23F6D33}"/>
+              </a:ext>
+            </a:extLst>
+          </p:cNvPr>
+          <p:cNvSpPr txBox="1"/>
+          <p:nvPr/>
+        </p:nvSpPr>
+        <p:spPr>
+          <a:xfrm>
+            <a:off x="345233" y="5375634"/>
+            <a:ext cx="4861249" cy="923330"/>
+          </a:xfrm>
+          <a:prstGeom prst="rect">
+            <a:avLst/>
+          </a:prstGeom>
+          <a:noFill/>
+        </p:spPr>
+        <p:txBody>
+          <a:bodyPr wrap="square" rtlCol="0">
+            <a:spAutoFit/>
+          </a:bodyPr>
+          <a:lstStyle/>
+          <a:p>
+            <a:r>
+              <a:rPr lang="en-US" dirty="0"/>
+              <a:t>Company B says to extend the Accounting class</a:t>
+            </a:r>
+          </a:p>
+          <a:p>
+            <a:endParaRPr lang="en-US" dirty="0"/>
+          </a:p>
+          <a:p>
+            <a:r>
+              <a:rPr lang="en-US" dirty="0"/>
+              <a:t>public class </a:t>
+            </a:r>
+            <a:r>
+              <a:rPr lang="en-US" dirty="0" err="1"/>
+              <a:t>AddOnAccounting</a:t>
+            </a:r>
+            <a:r>
+              <a:rPr lang="en-US" dirty="0"/>
+              <a:t> : </a:t>
+            </a:r>
+            <a:r>
+              <a:rPr lang="en-US" dirty="0" err="1"/>
+              <a:t>Accouting</a:t>
+            </a:r>
+            <a:r>
+              <a:rPr lang="en-US" dirty="0"/>
+              <a:t> {……}</a:t>
+            </a:r>
+          </a:p>
+        </p:txBody>
+      </p:sp>
+      <p:cxnSp>
+        <p:nvCxnSpPr>
+          <p:cNvPr id="21" name="Straight Arrow Connector 20">
+            <a:extLst>
+              <a:ext uri="{FF2B5EF4-FFF2-40B4-BE49-F238E27FC236}">
+                <a16:creationId xmlns:a16="http://schemas.microsoft.com/office/drawing/2014/main" id="{8AED8DF7-EB8F-F19B-7118-761590853124}"/>
+              </a:ext>
+            </a:extLst>
+          </p:cNvPr>
+          <p:cNvCxnSpPr/>
+          <p:nvPr/>
+        </p:nvCxnSpPr>
+        <p:spPr>
+          <a:xfrm flipH="1">
+            <a:off x="3517641" y="5000808"/>
+            <a:ext cx="1763486" cy="1073802"/>
+          </a:xfrm>
+          <a:prstGeom prst="straightConnector1">
+            <a:avLst/>
+          </a:prstGeom>
+          <a:ln>
+            <a:tailEnd type="triangle"/>
+          </a:ln>
+        </p:spPr>
+        <p:style>
+          <a:lnRef idx="1">
+            <a:schemeClr val="accent1"/>
+          </a:lnRef>
+          <a:fillRef idx="0">
+            <a:schemeClr val="accent1"/>
+          </a:fillRef>
+          <a:effectRef idx="0">
+            <a:schemeClr val="accent1"/>
+          </a:effectRef>
+          <a:fontRef idx="minor">
+            <a:schemeClr val="tx1"/>
+          </a:fontRef>
+        </p:style>
+      </p:cxnSp>
+    </p:spTree>
+    <p:extLst>
+      <p:ext uri="{BB962C8B-B14F-4D97-AF65-F5344CB8AC3E}">
+        <p14:creationId xmlns:p14="http://schemas.microsoft.com/office/powerpoint/2010/main" val="1689213449"/>
       </p:ext>
     </p:extLst>
   </p:cSld>

--- a/TrgImages.pptx
+++ b/TrgImages.pptx
@@ -15,6 +15,7 @@
     <p:sldId id="263" r:id="rId9"/>
     <p:sldId id="264" r:id="rId10"/>
     <p:sldId id="265" r:id="rId11"/>
+    <p:sldId id="266" r:id="rId12"/>
   </p:sldIdLst>
   <p:sldSz cx="12192000" cy="6858000"/>
   <p:notesSz cx="6858000" cy="9144000"/>
@@ -4504,13 +4505,8 @@
           <a:p>
             <a:r>
               <a:rPr lang="en-US" dirty="0"/>
-              <a:t>Jump to Address to invoke Method M1() Lookup for </a:t>
-            </a:r>
-            <a:r>
-              <a:rPr lang="en-US"/>
-              <a:t>the address</a:t>
-            </a:r>
-            <a:endParaRPr lang="en-US" dirty="0"/>
+              <a:t>Jump to Address to invoke Method M1() Lookup for the address</a:t>
+            </a:r>
           </a:p>
         </p:txBody>
       </p:sp>
@@ -4518,6 +4514,677 @@
     <p:extLst>
       <p:ext uri="{BB962C8B-B14F-4D97-AF65-F5344CB8AC3E}">
         <p14:creationId xmlns:p14="http://schemas.microsoft.com/office/powerpoint/2010/main" val="3743772372"/>
+      </p:ext>
+    </p:extLst>
+  </p:cSld>
+  <p:clrMapOvr>
+    <a:masterClrMapping/>
+  </p:clrMapOvr>
+</p:sld>
+</file>
+
+<file path=ppt/slides/slide11.xml><?xml version="1.0" encoding="utf-8"?>
+<p:sld xmlns:a="http://schemas.openxmlformats.org/drawingml/2006/main" xmlns:r="http://schemas.openxmlformats.org/officeDocument/2006/relationships" xmlns:p="http://schemas.openxmlformats.org/presentationml/2006/main">
+  <p:cSld>
+    <p:spTree>
+      <p:nvGrpSpPr>
+        <p:cNvPr id="1" name=""/>
+        <p:cNvGrpSpPr/>
+        <p:nvPr/>
+      </p:nvGrpSpPr>
+      <p:grpSpPr>
+        <a:xfrm>
+          <a:off x="0" y="0"/>
+          <a:ext cx="0" cy="0"/>
+          <a:chOff x="0" y="0"/>
+          <a:chExt cx="0" cy="0"/>
+        </a:xfrm>
+      </p:grpSpPr>
+      <p:sp>
+        <p:nvSpPr>
+          <p:cNvPr id="2" name="Rectangle 1">
+            <a:extLst>
+              <a:ext uri="{FF2B5EF4-FFF2-40B4-BE49-F238E27FC236}">
+                <a16:creationId xmlns:a16="http://schemas.microsoft.com/office/drawing/2014/main" id="{C62B2A8B-5A8C-ED50-5A44-D8525EFACC22}"/>
+              </a:ext>
+            </a:extLst>
+          </p:cNvPr>
+          <p:cNvSpPr/>
+          <p:nvPr/>
+        </p:nvSpPr>
+        <p:spPr>
+          <a:xfrm>
+            <a:off x="7781731" y="447870"/>
+            <a:ext cx="3526971" cy="3722914"/>
+          </a:xfrm>
+          <a:prstGeom prst="rect">
+            <a:avLst/>
+          </a:prstGeom>
+        </p:spPr>
+        <p:style>
+          <a:lnRef idx="2">
+            <a:schemeClr val="accent6"/>
+          </a:lnRef>
+          <a:fillRef idx="1">
+            <a:schemeClr val="lt1"/>
+          </a:fillRef>
+          <a:effectRef idx="0">
+            <a:schemeClr val="accent6"/>
+          </a:effectRef>
+          <a:fontRef idx="minor">
+            <a:schemeClr val="dk1"/>
+          </a:fontRef>
+        </p:style>
+        <p:txBody>
+          <a:bodyPr rtlCol="0" anchor="ctr"/>
+          <a:lstStyle/>
+          <a:p>
+            <a:pPr algn="ctr"/>
+            <a:endParaRPr lang="en-US"/>
+          </a:p>
+        </p:txBody>
+      </p:sp>
+      <p:sp>
+        <p:nvSpPr>
+          <p:cNvPr id="3" name="TextBox 2">
+            <a:extLst>
+              <a:ext uri="{FF2B5EF4-FFF2-40B4-BE49-F238E27FC236}">
+                <a16:creationId xmlns:a16="http://schemas.microsoft.com/office/drawing/2014/main" id="{A83D7873-1B2B-CB98-B155-CEE8AA27FA56}"/>
+              </a:ext>
+            </a:extLst>
+          </p:cNvPr>
+          <p:cNvSpPr txBox="1"/>
+          <p:nvPr/>
+        </p:nvSpPr>
+        <p:spPr>
+          <a:xfrm>
+            <a:off x="7987004" y="643812"/>
+            <a:ext cx="3004457" cy="369332"/>
+          </a:xfrm>
+          <a:prstGeom prst="rect">
+            <a:avLst/>
+          </a:prstGeom>
+          <a:noFill/>
+        </p:spPr>
+        <p:txBody>
+          <a:bodyPr wrap="square" rtlCol="0">
+            <a:spAutoFit/>
+          </a:bodyPr>
+          <a:lstStyle/>
+          <a:p>
+            <a:pPr algn="ctr"/>
+            <a:r>
+              <a:rPr lang="en-US" b="1" dirty="0"/>
+              <a:t>Banking App</a:t>
+            </a:r>
+          </a:p>
+        </p:txBody>
+      </p:sp>
+      <p:sp>
+        <p:nvSpPr>
+          <p:cNvPr id="4" name="TextBox 3">
+            <a:extLst>
+              <a:ext uri="{FF2B5EF4-FFF2-40B4-BE49-F238E27FC236}">
+                <a16:creationId xmlns:a16="http://schemas.microsoft.com/office/drawing/2014/main" id="{555DBAB5-1A02-69FA-E598-2BCA6373234E}"/>
+              </a:ext>
+            </a:extLst>
+          </p:cNvPr>
+          <p:cNvSpPr txBox="1"/>
+          <p:nvPr/>
+        </p:nvSpPr>
+        <p:spPr>
+          <a:xfrm>
+            <a:off x="7912359" y="1492898"/>
+            <a:ext cx="3247053" cy="923330"/>
+          </a:xfrm>
+          <a:prstGeom prst="rect">
+            <a:avLst/>
+          </a:prstGeom>
+          <a:noFill/>
+        </p:spPr>
+        <p:txBody>
+          <a:bodyPr wrap="square" rtlCol="0">
+            <a:spAutoFit/>
+          </a:bodyPr>
+          <a:lstStyle/>
+          <a:p>
+            <a:r>
+              <a:rPr lang="en-US" dirty="0"/>
+              <a:t>+Deposit()</a:t>
+            </a:r>
+          </a:p>
+          <a:p>
+            <a:endParaRPr lang="en-US" dirty="0"/>
+          </a:p>
+          <a:p>
+            <a:r>
+              <a:rPr lang="en-US" dirty="0"/>
+              <a:t>+Withdrawal()</a:t>
+            </a:r>
+          </a:p>
+        </p:txBody>
+      </p:sp>
+      <p:sp>
+        <p:nvSpPr>
+          <p:cNvPr id="5" name="Rectangle: Rounded Corners 4">
+            <a:extLst>
+              <a:ext uri="{FF2B5EF4-FFF2-40B4-BE49-F238E27FC236}">
+                <a16:creationId xmlns:a16="http://schemas.microsoft.com/office/drawing/2014/main" id="{F1D25C2E-E7C2-B9AF-2A3F-AC7ECF266677}"/>
+              </a:ext>
+            </a:extLst>
+          </p:cNvPr>
+          <p:cNvSpPr/>
+          <p:nvPr/>
+        </p:nvSpPr>
+        <p:spPr>
+          <a:xfrm>
+            <a:off x="261257" y="1287624"/>
+            <a:ext cx="2593910" cy="1884784"/>
+          </a:xfrm>
+          <a:prstGeom prst="roundRect">
+            <a:avLst/>
+          </a:prstGeom>
+        </p:spPr>
+        <p:style>
+          <a:lnRef idx="1">
+            <a:schemeClr val="accent2"/>
+          </a:lnRef>
+          <a:fillRef idx="2">
+            <a:schemeClr val="accent2"/>
+          </a:fillRef>
+          <a:effectRef idx="1">
+            <a:schemeClr val="accent2"/>
+          </a:effectRef>
+          <a:fontRef idx="minor">
+            <a:schemeClr val="dk1"/>
+          </a:fontRef>
+        </p:style>
+        <p:txBody>
+          <a:bodyPr rtlCol="0" anchor="ctr"/>
+          <a:lstStyle/>
+          <a:p>
+            <a:pPr algn="ctr"/>
+            <a:r>
+              <a:rPr lang="en-US" dirty="0"/>
+              <a:t>Client</a:t>
+            </a:r>
+          </a:p>
+        </p:txBody>
+      </p:sp>
+      <p:cxnSp>
+        <p:nvCxnSpPr>
+          <p:cNvPr id="7" name="Connector: Elbow 6">
+            <a:extLst>
+              <a:ext uri="{FF2B5EF4-FFF2-40B4-BE49-F238E27FC236}">
+                <a16:creationId xmlns:a16="http://schemas.microsoft.com/office/drawing/2014/main" id="{411245D3-2E08-CF4D-0D36-50D39CC707BB}"/>
+              </a:ext>
+            </a:extLst>
+          </p:cNvPr>
+          <p:cNvCxnSpPr>
+            <a:stCxn id="5" idx="3"/>
+          </p:cNvCxnSpPr>
+          <p:nvPr/>
+        </p:nvCxnSpPr>
+        <p:spPr>
+          <a:xfrm flipV="1">
+            <a:off x="2855167" y="1698171"/>
+            <a:ext cx="5057192" cy="531845"/>
+          </a:xfrm>
+          <a:prstGeom prst="bentConnector3">
+            <a:avLst/>
+          </a:prstGeom>
+          <a:ln>
+            <a:tailEnd type="triangle"/>
+          </a:ln>
+        </p:spPr>
+        <p:style>
+          <a:lnRef idx="1">
+            <a:schemeClr val="accent1"/>
+          </a:lnRef>
+          <a:fillRef idx="0">
+            <a:schemeClr val="accent1"/>
+          </a:fillRef>
+          <a:effectRef idx="0">
+            <a:schemeClr val="accent1"/>
+          </a:effectRef>
+          <a:fontRef idx="minor">
+            <a:schemeClr val="tx1"/>
+          </a:fontRef>
+        </p:style>
+      </p:cxnSp>
+      <p:cxnSp>
+        <p:nvCxnSpPr>
+          <p:cNvPr id="9" name="Connector: Elbow 8">
+            <a:extLst>
+              <a:ext uri="{FF2B5EF4-FFF2-40B4-BE49-F238E27FC236}">
+                <a16:creationId xmlns:a16="http://schemas.microsoft.com/office/drawing/2014/main" id="{57F06B18-D986-2437-BB4B-30BDC77A906C}"/>
+              </a:ext>
+            </a:extLst>
+          </p:cNvPr>
+          <p:cNvCxnSpPr>
+            <a:stCxn id="5" idx="3"/>
+          </p:cNvCxnSpPr>
+          <p:nvPr/>
+        </p:nvCxnSpPr>
+        <p:spPr>
+          <a:xfrm flipV="1">
+            <a:off x="2855167" y="2202024"/>
+            <a:ext cx="5131837" cy="27992"/>
+          </a:xfrm>
+          <a:prstGeom prst="bentConnector3">
+            <a:avLst/>
+          </a:prstGeom>
+          <a:ln>
+            <a:tailEnd type="triangle"/>
+          </a:ln>
+        </p:spPr>
+        <p:style>
+          <a:lnRef idx="1">
+            <a:schemeClr val="accent1"/>
+          </a:lnRef>
+          <a:fillRef idx="0">
+            <a:schemeClr val="accent1"/>
+          </a:fillRef>
+          <a:effectRef idx="0">
+            <a:schemeClr val="accent1"/>
+          </a:effectRef>
+          <a:fontRef idx="minor">
+            <a:schemeClr val="tx1"/>
+          </a:fontRef>
+        </p:style>
+      </p:cxnSp>
+      <p:sp>
+        <p:nvSpPr>
+          <p:cNvPr id="10" name="Rectangle 9">
+            <a:extLst>
+              <a:ext uri="{FF2B5EF4-FFF2-40B4-BE49-F238E27FC236}">
+                <a16:creationId xmlns:a16="http://schemas.microsoft.com/office/drawing/2014/main" id="{E16E5D50-9440-CCE8-13D8-B464F147FFD0}"/>
+              </a:ext>
+            </a:extLst>
+          </p:cNvPr>
+          <p:cNvSpPr/>
+          <p:nvPr/>
+        </p:nvSpPr>
+        <p:spPr>
+          <a:xfrm>
+            <a:off x="3312368" y="4637314"/>
+            <a:ext cx="3489649" cy="1707502"/>
+          </a:xfrm>
+          <a:prstGeom prst="rect">
+            <a:avLst/>
+          </a:prstGeom>
+        </p:spPr>
+        <p:style>
+          <a:lnRef idx="2">
+            <a:schemeClr val="accent1">
+              <a:shade val="15000"/>
+            </a:schemeClr>
+          </a:lnRef>
+          <a:fillRef idx="1">
+            <a:schemeClr val="accent1"/>
+          </a:fillRef>
+          <a:effectRef idx="0">
+            <a:schemeClr val="accent1"/>
+          </a:effectRef>
+          <a:fontRef idx="minor">
+            <a:schemeClr val="lt1"/>
+          </a:fontRef>
+        </p:style>
+        <p:txBody>
+          <a:bodyPr rtlCol="0" anchor="ctr"/>
+          <a:lstStyle/>
+          <a:p>
+            <a:pPr algn="ctr"/>
+            <a:r>
+              <a:rPr lang="en-US" dirty="0"/>
+              <a:t>Notifier</a:t>
+            </a:r>
+          </a:p>
+          <a:p>
+            <a:pPr algn="ctr"/>
+            <a:r>
+              <a:rPr lang="en-US" dirty="0"/>
+              <a:t>+SMS</a:t>
+            </a:r>
+          </a:p>
+          <a:p>
+            <a:pPr algn="ctr"/>
+            <a:r>
+              <a:rPr lang="en-US" dirty="0"/>
+              <a:t>+Email</a:t>
+            </a:r>
+          </a:p>
+          <a:p>
+            <a:pPr algn="ctr"/>
+            <a:endParaRPr lang="en-US" dirty="0"/>
+          </a:p>
+        </p:txBody>
+      </p:sp>
+      <p:cxnSp>
+        <p:nvCxnSpPr>
+          <p:cNvPr id="12" name="Connector: Elbow 11">
+            <a:extLst>
+              <a:ext uri="{FF2B5EF4-FFF2-40B4-BE49-F238E27FC236}">
+                <a16:creationId xmlns:a16="http://schemas.microsoft.com/office/drawing/2014/main" id="{E2659CCC-E377-034D-F5DC-DC73C77C17C4}"/>
+              </a:ext>
+            </a:extLst>
+          </p:cNvPr>
+          <p:cNvCxnSpPr>
+            <a:stCxn id="4" idx="2"/>
+            <a:endCxn id="10" idx="3"/>
+          </p:cNvCxnSpPr>
+          <p:nvPr/>
+        </p:nvCxnSpPr>
+        <p:spPr>
+          <a:xfrm rot="5400000">
+            <a:off x="6631534" y="2586712"/>
+            <a:ext cx="3074837" cy="2733869"/>
+          </a:xfrm>
+          <a:prstGeom prst="bentConnector2">
+            <a:avLst/>
+          </a:prstGeom>
+          <a:ln>
+            <a:tailEnd type="triangle"/>
+          </a:ln>
+        </p:spPr>
+        <p:style>
+          <a:lnRef idx="1">
+            <a:schemeClr val="accent1"/>
+          </a:lnRef>
+          <a:fillRef idx="0">
+            <a:schemeClr val="accent1"/>
+          </a:fillRef>
+          <a:effectRef idx="0">
+            <a:schemeClr val="accent1"/>
+          </a:effectRef>
+          <a:fontRef idx="minor">
+            <a:schemeClr val="tx1"/>
+          </a:fontRef>
+        </p:style>
+      </p:cxnSp>
+      <p:sp>
+        <p:nvSpPr>
+          <p:cNvPr id="13" name="TextBox 12">
+            <a:extLst>
+              <a:ext uri="{FF2B5EF4-FFF2-40B4-BE49-F238E27FC236}">
+                <a16:creationId xmlns:a16="http://schemas.microsoft.com/office/drawing/2014/main" id="{134140BC-3A5C-C31D-0497-4F5E9A88A229}"/>
+              </a:ext>
+            </a:extLst>
+          </p:cNvPr>
+          <p:cNvSpPr txBox="1"/>
+          <p:nvPr/>
+        </p:nvSpPr>
+        <p:spPr>
+          <a:xfrm>
+            <a:off x="8341567" y="4376057"/>
+            <a:ext cx="3293706" cy="1477328"/>
+          </a:xfrm>
+          <a:prstGeom prst="rect">
+            <a:avLst/>
+          </a:prstGeom>
+          <a:noFill/>
+        </p:spPr>
+        <p:txBody>
+          <a:bodyPr wrap="square" rtlCol="0">
+            <a:spAutoFit/>
+          </a:bodyPr>
+          <a:lstStyle/>
+          <a:p>
+            <a:r>
+              <a:rPr lang="en-US" dirty="0"/>
+              <a:t>Transaction Information:</a:t>
+            </a:r>
+          </a:p>
+          <a:p>
+            <a:endParaRPr lang="en-US" dirty="0"/>
+          </a:p>
+          <a:p>
+            <a:r>
+              <a:rPr lang="en-US" dirty="0" err="1"/>
+              <a:t>AccountNo</a:t>
+            </a:r>
+            <a:r>
+              <a:rPr lang="en-US" dirty="0"/>
+              <a:t>, Date, Transaction Type,  Transaction </a:t>
+            </a:r>
+            <a:r>
+              <a:rPr lang="en-US" dirty="0" err="1"/>
+              <a:t>Amout</a:t>
+            </a:r>
+            <a:r>
+              <a:rPr lang="en-US" dirty="0"/>
+              <a:t>, </a:t>
+            </a:r>
+            <a:r>
+              <a:rPr lang="en-US" dirty="0" err="1"/>
+              <a:t>Netbalalce</a:t>
+            </a:r>
+            <a:endParaRPr lang="en-US" dirty="0"/>
+          </a:p>
+        </p:txBody>
+      </p:sp>
+      <p:cxnSp>
+        <p:nvCxnSpPr>
+          <p:cNvPr id="15" name="Connector: Elbow 14">
+            <a:extLst>
+              <a:ext uri="{FF2B5EF4-FFF2-40B4-BE49-F238E27FC236}">
+                <a16:creationId xmlns:a16="http://schemas.microsoft.com/office/drawing/2014/main" id="{A06C6A52-68DC-FF3F-A4B9-8E07FE7087EF}"/>
+              </a:ext>
+            </a:extLst>
+          </p:cNvPr>
+          <p:cNvCxnSpPr>
+            <a:stCxn id="10" idx="1"/>
+            <a:endCxn id="5" idx="2"/>
+          </p:cNvCxnSpPr>
+          <p:nvPr/>
+        </p:nvCxnSpPr>
+        <p:spPr>
+          <a:xfrm rot="10800000">
+            <a:off x="1558212" y="3172409"/>
+            <a:ext cx="1754156" cy="2318657"/>
+          </a:xfrm>
+          <a:prstGeom prst="bentConnector2">
+            <a:avLst/>
+          </a:prstGeom>
+          <a:ln>
+            <a:tailEnd type="triangle"/>
+          </a:ln>
+        </p:spPr>
+        <p:style>
+          <a:lnRef idx="1">
+            <a:schemeClr val="accent1"/>
+          </a:lnRef>
+          <a:fillRef idx="0">
+            <a:schemeClr val="accent1"/>
+          </a:fillRef>
+          <a:effectRef idx="0">
+            <a:schemeClr val="accent1"/>
+          </a:effectRef>
+          <a:fontRef idx="minor">
+            <a:schemeClr val="tx1"/>
+          </a:fontRef>
+        </p:style>
+      </p:cxnSp>
+      <p:sp>
+        <p:nvSpPr>
+          <p:cNvPr id="16" name="Lightning Bolt 15">
+            <a:extLst>
+              <a:ext uri="{FF2B5EF4-FFF2-40B4-BE49-F238E27FC236}">
+                <a16:creationId xmlns:a16="http://schemas.microsoft.com/office/drawing/2014/main" id="{D746B870-125D-DBB2-4409-4D393A2D4772}"/>
+              </a:ext>
+            </a:extLst>
+          </p:cNvPr>
+          <p:cNvSpPr/>
+          <p:nvPr/>
+        </p:nvSpPr>
+        <p:spPr>
+          <a:xfrm>
+            <a:off x="8910735" y="2733869"/>
+            <a:ext cx="1723054" cy="1436915"/>
+          </a:xfrm>
+          <a:prstGeom prst="lightningBolt">
+            <a:avLst/>
+          </a:prstGeom>
+          <a:solidFill>
+            <a:srgbClr val="FFFF00"/>
+          </a:solidFill>
+        </p:spPr>
+        <p:style>
+          <a:lnRef idx="2">
+            <a:schemeClr val="accent1">
+              <a:shade val="15000"/>
+            </a:schemeClr>
+          </a:lnRef>
+          <a:fillRef idx="1">
+            <a:schemeClr val="accent1"/>
+          </a:fillRef>
+          <a:effectRef idx="0">
+            <a:schemeClr val="accent1"/>
+          </a:effectRef>
+          <a:fontRef idx="minor">
+            <a:schemeClr val="lt1"/>
+          </a:fontRef>
+        </p:style>
+        <p:txBody>
+          <a:bodyPr rtlCol="0" anchor="ctr"/>
+          <a:lstStyle/>
+          <a:p>
+            <a:pPr algn="ctr"/>
+            <a:r>
+              <a:rPr lang="en-US" dirty="0">
+                <a:ln w="0"/>
+                <a:solidFill>
+                  <a:schemeClr val="accent1"/>
+                </a:solidFill>
+                <a:effectLst>
+                  <a:outerShdw blurRad="38100" dist="25400" dir="5400000" algn="ctr" rotWithShape="0">
+                    <a:srgbClr val="6E747A">
+                      <a:alpha val="43000"/>
+                    </a:srgbClr>
+                  </a:outerShdw>
+                </a:effectLst>
+              </a:rPr>
+              <a:t>Event</a:t>
+            </a:r>
+          </a:p>
+        </p:txBody>
+      </p:sp>
+      <p:sp>
+        <p:nvSpPr>
+          <p:cNvPr id="17" name="TextBox 16">
+            <a:extLst>
+              <a:ext uri="{FF2B5EF4-FFF2-40B4-BE49-F238E27FC236}">
+                <a16:creationId xmlns:a16="http://schemas.microsoft.com/office/drawing/2014/main" id="{4860DDEE-193C-D8FA-501C-977EEEE501E7}"/>
+              </a:ext>
+            </a:extLst>
+          </p:cNvPr>
+          <p:cNvSpPr txBox="1"/>
+          <p:nvPr/>
+        </p:nvSpPr>
+        <p:spPr>
+          <a:xfrm>
+            <a:off x="139959" y="4273420"/>
+            <a:ext cx="2715208" cy="369332"/>
+          </a:xfrm>
+          <a:prstGeom prst="rect">
+            <a:avLst/>
+          </a:prstGeom>
+          <a:noFill/>
+        </p:spPr>
+        <p:txBody>
+          <a:bodyPr wrap="square" rtlCol="0">
+            <a:spAutoFit/>
+          </a:bodyPr>
+          <a:lstStyle/>
+          <a:p>
+            <a:r>
+              <a:rPr lang="en-US" dirty="0"/>
+              <a:t>Notify to Client</a:t>
+            </a:r>
+          </a:p>
+        </p:txBody>
+      </p:sp>
+      <p:cxnSp>
+        <p:nvCxnSpPr>
+          <p:cNvPr id="19" name="Connector: Elbow 18">
+            <a:extLst>
+              <a:ext uri="{FF2B5EF4-FFF2-40B4-BE49-F238E27FC236}">
+                <a16:creationId xmlns:a16="http://schemas.microsoft.com/office/drawing/2014/main" id="{20D9125A-A2A3-6949-6654-C841B986ADDD}"/>
+              </a:ext>
+            </a:extLst>
+          </p:cNvPr>
+          <p:cNvCxnSpPr>
+            <a:stCxn id="5" idx="3"/>
+            <a:endCxn id="10" idx="0"/>
+          </p:cNvCxnSpPr>
+          <p:nvPr/>
+        </p:nvCxnSpPr>
+        <p:spPr>
+          <a:xfrm>
+            <a:off x="2855167" y="2230016"/>
+            <a:ext cx="2202026" cy="2407298"/>
+          </a:xfrm>
+          <a:prstGeom prst="bentConnector2">
+            <a:avLst/>
+          </a:prstGeom>
+          <a:ln>
+            <a:tailEnd type="triangle"/>
+          </a:ln>
+        </p:spPr>
+        <p:style>
+          <a:lnRef idx="1">
+            <a:schemeClr val="accent1"/>
+          </a:lnRef>
+          <a:fillRef idx="0">
+            <a:schemeClr val="accent1"/>
+          </a:fillRef>
+          <a:effectRef idx="0">
+            <a:schemeClr val="accent1"/>
+          </a:effectRef>
+          <a:fontRef idx="minor">
+            <a:schemeClr val="tx1"/>
+          </a:fontRef>
+        </p:style>
+      </p:cxnSp>
+      <p:sp>
+        <p:nvSpPr>
+          <p:cNvPr id="20" name="TextBox 19">
+            <a:extLst>
+              <a:ext uri="{FF2B5EF4-FFF2-40B4-BE49-F238E27FC236}">
+                <a16:creationId xmlns:a16="http://schemas.microsoft.com/office/drawing/2014/main" id="{B67A95F7-5FB9-ACC5-A9BE-EA8CD8020CE8}"/>
+              </a:ext>
+            </a:extLst>
+          </p:cNvPr>
+          <p:cNvSpPr txBox="1"/>
+          <p:nvPr/>
+        </p:nvSpPr>
+        <p:spPr>
+          <a:xfrm>
+            <a:off x="4609322" y="3377681"/>
+            <a:ext cx="2202026" cy="369332"/>
+          </a:xfrm>
+          <a:prstGeom prst="rect">
+            <a:avLst/>
+          </a:prstGeom>
+          <a:noFill/>
+        </p:spPr>
+        <p:txBody>
+          <a:bodyPr wrap="square" rtlCol="0">
+            <a:spAutoFit/>
+          </a:bodyPr>
+          <a:lstStyle/>
+          <a:p>
+            <a:r>
+              <a:rPr lang="en-US"/>
+              <a:t>Subscription</a:t>
+            </a:r>
+          </a:p>
+        </p:txBody>
+      </p:sp>
+    </p:spTree>
+    <p:extLst>
+      <p:ext uri="{BB962C8B-B14F-4D97-AF65-F5344CB8AC3E}">
+        <p14:creationId xmlns:p14="http://schemas.microsoft.com/office/powerpoint/2010/main" val="2000451666"/>
       </p:ext>
     </p:extLst>
   </p:cSld>

--- a/TrgImages.pptx
+++ b/TrgImages.pptx
@@ -5160,7 +5160,7 @@
         </p:nvSpPr>
         <p:spPr>
           <a:xfrm>
-            <a:off x="4609322" y="3377681"/>
+            <a:off x="4338736" y="3598896"/>
             <a:ext cx="2202026" cy="369332"/>
           </a:xfrm>
           <a:prstGeom prst="rect">
@@ -5175,7 +5175,7 @@
           <a:lstStyle/>
           <a:p>
             <a:r>
-              <a:rPr lang="en-US"/>
+              <a:rPr lang="en-US" dirty="0"/>
               <a:t>Subscription</a:t>
             </a:r>
           </a:p>

--- a/TrgImages.pptx
+++ b/TrgImages.pptx
@@ -16,6 +16,7 @@
     <p:sldId id="264" r:id="rId10"/>
     <p:sldId id="265" r:id="rId11"/>
     <p:sldId id="266" r:id="rId12"/>
+    <p:sldId id="267" r:id="rId13"/>
   </p:sldIdLst>
   <p:sldSz cx="12192000" cy="6858000"/>
   <p:notesSz cx="6858000" cy="9144000"/>
@@ -269,7 +270,7 @@
           <a:p>
             <a:fld id="{5E0DC84C-F051-4A33-86E9-8969F11E21B3}" type="datetimeFigureOut">
               <a:rPr lang="en-US" smtClean="0"/>
-              <a:t>12/5/2023</a:t>
+              <a:t>12/6/2023</a:t>
             </a:fld>
             <a:endParaRPr lang="en-US"/>
           </a:p>
@@ -467,7 +468,7 @@
           <a:p>
             <a:fld id="{5E0DC84C-F051-4A33-86E9-8969F11E21B3}" type="datetimeFigureOut">
               <a:rPr lang="en-US" smtClean="0"/>
-              <a:t>12/5/2023</a:t>
+              <a:t>12/6/2023</a:t>
             </a:fld>
             <a:endParaRPr lang="en-US"/>
           </a:p>
@@ -675,7 +676,7 @@
           <a:p>
             <a:fld id="{5E0DC84C-F051-4A33-86E9-8969F11E21B3}" type="datetimeFigureOut">
               <a:rPr lang="en-US" smtClean="0"/>
-              <a:t>12/5/2023</a:t>
+              <a:t>12/6/2023</a:t>
             </a:fld>
             <a:endParaRPr lang="en-US"/>
           </a:p>
@@ -873,7 +874,7 @@
           <a:p>
             <a:fld id="{5E0DC84C-F051-4A33-86E9-8969F11E21B3}" type="datetimeFigureOut">
               <a:rPr lang="en-US" smtClean="0"/>
-              <a:t>12/5/2023</a:t>
+              <a:t>12/6/2023</a:t>
             </a:fld>
             <a:endParaRPr lang="en-US"/>
           </a:p>
@@ -1148,7 +1149,7 @@
           <a:p>
             <a:fld id="{5E0DC84C-F051-4A33-86E9-8969F11E21B3}" type="datetimeFigureOut">
               <a:rPr lang="en-US" smtClean="0"/>
-              <a:t>12/5/2023</a:t>
+              <a:t>12/6/2023</a:t>
             </a:fld>
             <a:endParaRPr lang="en-US"/>
           </a:p>
@@ -1413,7 +1414,7 @@
           <a:p>
             <a:fld id="{5E0DC84C-F051-4A33-86E9-8969F11E21B3}" type="datetimeFigureOut">
               <a:rPr lang="en-US" smtClean="0"/>
-              <a:t>12/5/2023</a:t>
+              <a:t>12/6/2023</a:t>
             </a:fld>
             <a:endParaRPr lang="en-US"/>
           </a:p>
@@ -1825,7 +1826,7 @@
           <a:p>
             <a:fld id="{5E0DC84C-F051-4A33-86E9-8969F11E21B3}" type="datetimeFigureOut">
               <a:rPr lang="en-US" smtClean="0"/>
-              <a:t>12/5/2023</a:t>
+              <a:t>12/6/2023</a:t>
             </a:fld>
             <a:endParaRPr lang="en-US"/>
           </a:p>
@@ -1966,7 +1967,7 @@
           <a:p>
             <a:fld id="{5E0DC84C-F051-4A33-86E9-8969F11E21B3}" type="datetimeFigureOut">
               <a:rPr lang="en-US" smtClean="0"/>
-              <a:t>12/5/2023</a:t>
+              <a:t>12/6/2023</a:t>
             </a:fld>
             <a:endParaRPr lang="en-US"/>
           </a:p>
@@ -2079,7 +2080,7 @@
           <a:p>
             <a:fld id="{5E0DC84C-F051-4A33-86E9-8969F11E21B3}" type="datetimeFigureOut">
               <a:rPr lang="en-US" smtClean="0"/>
-              <a:t>12/5/2023</a:t>
+              <a:t>12/6/2023</a:t>
             </a:fld>
             <a:endParaRPr lang="en-US"/>
           </a:p>
@@ -2390,7 +2391,7 @@
           <a:p>
             <a:fld id="{5E0DC84C-F051-4A33-86E9-8969F11E21B3}" type="datetimeFigureOut">
               <a:rPr lang="en-US" smtClean="0"/>
-              <a:t>12/5/2023</a:t>
+              <a:t>12/6/2023</a:t>
             </a:fld>
             <a:endParaRPr lang="en-US"/>
           </a:p>
@@ -2678,7 +2679,7 @@
           <a:p>
             <a:fld id="{5E0DC84C-F051-4A33-86E9-8969F11E21B3}" type="datetimeFigureOut">
               <a:rPr lang="en-US" smtClean="0"/>
-              <a:t>12/5/2023</a:t>
+              <a:t>12/6/2023</a:t>
             </a:fld>
             <a:endParaRPr lang="en-US"/>
           </a:p>
@@ -2919,7 +2920,7 @@
           <a:p>
             <a:fld id="{5E0DC84C-F051-4A33-86E9-8969F11E21B3}" type="datetimeFigureOut">
               <a:rPr lang="en-US" smtClean="0"/>
-              <a:t>12/5/2023</a:t>
+              <a:t>12/6/2023</a:t>
             </a:fld>
             <a:endParaRPr lang="en-US"/>
           </a:p>
@@ -5194,6 +5195,660 @@
 </p:sld>
 </file>
 
+<file path=ppt/slides/slide12.xml><?xml version="1.0" encoding="utf-8"?>
+<p:sld xmlns:a="http://schemas.openxmlformats.org/drawingml/2006/main" xmlns:r="http://schemas.openxmlformats.org/officeDocument/2006/relationships" xmlns:p="http://schemas.openxmlformats.org/presentationml/2006/main">
+  <p:cSld>
+    <p:spTree>
+      <p:nvGrpSpPr>
+        <p:cNvPr id="1" name=""/>
+        <p:cNvGrpSpPr/>
+        <p:nvPr/>
+      </p:nvGrpSpPr>
+      <p:grpSpPr>
+        <a:xfrm>
+          <a:off x="0" y="0"/>
+          <a:ext cx="0" cy="0"/>
+          <a:chOff x="0" y="0"/>
+          <a:chExt cx="0" cy="0"/>
+        </a:xfrm>
+      </p:grpSpPr>
+      <p:sp>
+        <p:nvSpPr>
+          <p:cNvPr id="2" name="Rectangle 1">
+            <a:extLst>
+              <a:ext uri="{FF2B5EF4-FFF2-40B4-BE49-F238E27FC236}">
+                <a16:creationId xmlns:a16="http://schemas.microsoft.com/office/drawing/2014/main" id="{E884A43C-9C5E-5A0C-C44B-A0E69D36D282}"/>
+              </a:ext>
+            </a:extLst>
+          </p:cNvPr>
+          <p:cNvSpPr/>
+          <p:nvPr/>
+        </p:nvSpPr>
+        <p:spPr>
+          <a:xfrm>
+            <a:off x="503853" y="447869"/>
+            <a:ext cx="811763" cy="5691674"/>
+          </a:xfrm>
+          <a:prstGeom prst="rect">
+            <a:avLst/>
+          </a:prstGeom>
+        </p:spPr>
+        <p:style>
+          <a:lnRef idx="2">
+            <a:schemeClr val="accent1">
+              <a:shade val="15000"/>
+            </a:schemeClr>
+          </a:lnRef>
+          <a:fillRef idx="1">
+            <a:schemeClr val="accent1"/>
+          </a:fillRef>
+          <a:effectRef idx="0">
+            <a:schemeClr val="accent1"/>
+          </a:effectRef>
+          <a:fontRef idx="minor">
+            <a:schemeClr val="lt1"/>
+          </a:fontRef>
+        </p:style>
+        <p:txBody>
+          <a:bodyPr rtlCol="0" anchor="ctr"/>
+          <a:lstStyle/>
+          <a:p>
+            <a:pPr algn="ctr"/>
+            <a:r>
+              <a:rPr lang="en-US" dirty="0"/>
+              <a:t>M</a:t>
+            </a:r>
+          </a:p>
+          <a:p>
+            <a:pPr algn="ctr"/>
+            <a:r>
+              <a:rPr lang="en-US" dirty="0"/>
+              <a:t>A</a:t>
+            </a:r>
+          </a:p>
+          <a:p>
+            <a:pPr algn="ctr"/>
+            <a:r>
+              <a:rPr lang="en-US" dirty="0"/>
+              <a:t>I</a:t>
+            </a:r>
+          </a:p>
+          <a:p>
+            <a:pPr algn="ctr"/>
+            <a:r>
+              <a:rPr lang="en-US" dirty="0"/>
+              <a:t>N</a:t>
+            </a:r>
+          </a:p>
+          <a:p>
+            <a:pPr algn="ctr"/>
+            <a:endParaRPr lang="en-US" dirty="0"/>
+          </a:p>
+          <a:p>
+            <a:pPr algn="ctr"/>
+            <a:r>
+              <a:rPr lang="en-US" dirty="0"/>
+              <a:t>T</a:t>
+            </a:r>
+          </a:p>
+          <a:p>
+            <a:pPr algn="ctr"/>
+            <a:r>
+              <a:rPr lang="en-US" dirty="0"/>
+              <a:t>H</a:t>
+            </a:r>
+          </a:p>
+          <a:p>
+            <a:pPr algn="ctr"/>
+            <a:r>
+              <a:rPr lang="en-US" dirty="0"/>
+              <a:t>R</a:t>
+            </a:r>
+          </a:p>
+          <a:p>
+            <a:pPr algn="ctr"/>
+            <a:r>
+              <a:rPr lang="en-US" dirty="0"/>
+              <a:t>E</a:t>
+            </a:r>
+          </a:p>
+          <a:p>
+            <a:pPr algn="ctr"/>
+            <a:r>
+              <a:rPr lang="en-US" dirty="0"/>
+              <a:t>A</a:t>
+            </a:r>
+          </a:p>
+          <a:p>
+            <a:pPr algn="ctr"/>
+            <a:r>
+              <a:rPr lang="en-US" dirty="0"/>
+              <a:t>D</a:t>
+            </a:r>
+          </a:p>
+        </p:txBody>
+      </p:sp>
+      <p:sp>
+        <p:nvSpPr>
+          <p:cNvPr id="4" name="Rectangle 3">
+            <a:extLst>
+              <a:ext uri="{FF2B5EF4-FFF2-40B4-BE49-F238E27FC236}">
+                <a16:creationId xmlns:a16="http://schemas.microsoft.com/office/drawing/2014/main" id="{428724C9-7B79-5943-D7CB-07E4298BEDCB}"/>
+              </a:ext>
+            </a:extLst>
+          </p:cNvPr>
+          <p:cNvSpPr/>
+          <p:nvPr/>
+        </p:nvSpPr>
+        <p:spPr>
+          <a:xfrm>
+            <a:off x="4441371" y="839755"/>
+            <a:ext cx="3508311" cy="830425"/>
+          </a:xfrm>
+          <a:prstGeom prst="rect">
+            <a:avLst/>
+          </a:prstGeom>
+        </p:spPr>
+        <p:style>
+          <a:lnRef idx="2">
+            <a:schemeClr val="accent1">
+              <a:shade val="15000"/>
+            </a:schemeClr>
+          </a:lnRef>
+          <a:fillRef idx="1">
+            <a:schemeClr val="accent1"/>
+          </a:fillRef>
+          <a:effectRef idx="0">
+            <a:schemeClr val="accent1"/>
+          </a:effectRef>
+          <a:fontRef idx="minor">
+            <a:schemeClr val="lt1"/>
+          </a:fontRef>
+        </p:style>
+        <p:txBody>
+          <a:bodyPr rtlCol="0" anchor="ctr"/>
+          <a:lstStyle/>
+          <a:p>
+            <a:pPr algn="ctr"/>
+            <a:r>
+              <a:rPr lang="en-US" dirty="0"/>
+              <a:t>Task 1</a:t>
+            </a:r>
+          </a:p>
+        </p:txBody>
+      </p:sp>
+      <p:sp>
+        <p:nvSpPr>
+          <p:cNvPr id="5" name="Rectangle 4">
+            <a:extLst>
+              <a:ext uri="{FF2B5EF4-FFF2-40B4-BE49-F238E27FC236}">
+                <a16:creationId xmlns:a16="http://schemas.microsoft.com/office/drawing/2014/main" id="{1AB5E874-2B5A-CD4A-92E7-693DEA316F8F}"/>
+              </a:ext>
+            </a:extLst>
+          </p:cNvPr>
+          <p:cNvSpPr/>
+          <p:nvPr/>
+        </p:nvSpPr>
+        <p:spPr>
+          <a:xfrm>
+            <a:off x="4441370" y="3166188"/>
+            <a:ext cx="3508311" cy="830425"/>
+          </a:xfrm>
+          <a:prstGeom prst="rect">
+            <a:avLst/>
+          </a:prstGeom>
+        </p:spPr>
+        <p:style>
+          <a:lnRef idx="2">
+            <a:schemeClr val="accent1">
+              <a:shade val="15000"/>
+            </a:schemeClr>
+          </a:lnRef>
+          <a:fillRef idx="1">
+            <a:schemeClr val="accent1"/>
+          </a:fillRef>
+          <a:effectRef idx="0">
+            <a:schemeClr val="accent1"/>
+          </a:effectRef>
+          <a:fontRef idx="minor">
+            <a:schemeClr val="lt1"/>
+          </a:fontRef>
+        </p:style>
+        <p:txBody>
+          <a:bodyPr rtlCol="0" anchor="ctr"/>
+          <a:lstStyle/>
+          <a:p>
+            <a:pPr algn="ctr"/>
+            <a:r>
+              <a:rPr lang="en-US" dirty="0"/>
+              <a:t>Task 2</a:t>
+            </a:r>
+          </a:p>
+        </p:txBody>
+      </p:sp>
+      <p:cxnSp>
+        <p:nvCxnSpPr>
+          <p:cNvPr id="7" name="Connector: Elbow 6">
+            <a:extLst>
+              <a:ext uri="{FF2B5EF4-FFF2-40B4-BE49-F238E27FC236}">
+                <a16:creationId xmlns:a16="http://schemas.microsoft.com/office/drawing/2014/main" id="{A085356F-CB02-47D9-42FF-F8A133CB6D84}"/>
+              </a:ext>
+            </a:extLst>
+          </p:cNvPr>
+          <p:cNvCxnSpPr>
+            <a:endCxn id="4" idx="1"/>
+          </p:cNvCxnSpPr>
+          <p:nvPr/>
+        </p:nvCxnSpPr>
+        <p:spPr>
+          <a:xfrm flipV="1">
+            <a:off x="1315616" y="1254968"/>
+            <a:ext cx="3125755" cy="536510"/>
+          </a:xfrm>
+          <a:prstGeom prst="bentConnector3">
+            <a:avLst/>
+          </a:prstGeom>
+          <a:ln>
+            <a:tailEnd type="triangle"/>
+          </a:ln>
+        </p:spPr>
+        <p:style>
+          <a:lnRef idx="1">
+            <a:schemeClr val="accent1"/>
+          </a:lnRef>
+          <a:fillRef idx="0">
+            <a:schemeClr val="accent1"/>
+          </a:fillRef>
+          <a:effectRef idx="0">
+            <a:schemeClr val="accent1"/>
+          </a:effectRef>
+          <a:fontRef idx="minor">
+            <a:schemeClr val="tx1"/>
+          </a:fontRef>
+        </p:style>
+      </p:cxnSp>
+      <p:cxnSp>
+        <p:nvCxnSpPr>
+          <p:cNvPr id="9" name="Connector: Elbow 8">
+            <a:extLst>
+              <a:ext uri="{FF2B5EF4-FFF2-40B4-BE49-F238E27FC236}">
+                <a16:creationId xmlns:a16="http://schemas.microsoft.com/office/drawing/2014/main" id="{560F8103-4234-6493-0F55-42E3569AE768}"/>
+              </a:ext>
+            </a:extLst>
+          </p:cNvPr>
+          <p:cNvCxnSpPr>
+            <a:endCxn id="5" idx="1"/>
+          </p:cNvCxnSpPr>
+          <p:nvPr/>
+        </p:nvCxnSpPr>
+        <p:spPr>
+          <a:xfrm>
+            <a:off x="1315616" y="2668555"/>
+            <a:ext cx="3125754" cy="912846"/>
+          </a:xfrm>
+          <a:prstGeom prst="bentConnector3">
+            <a:avLst/>
+          </a:prstGeom>
+          <a:ln>
+            <a:tailEnd type="triangle"/>
+          </a:ln>
+        </p:spPr>
+        <p:style>
+          <a:lnRef idx="1">
+            <a:schemeClr val="accent1"/>
+          </a:lnRef>
+          <a:fillRef idx="0">
+            <a:schemeClr val="accent1"/>
+          </a:fillRef>
+          <a:effectRef idx="0">
+            <a:schemeClr val="accent1"/>
+          </a:effectRef>
+          <a:fontRef idx="minor">
+            <a:schemeClr val="tx1"/>
+          </a:fontRef>
+        </p:style>
+      </p:cxnSp>
+      <p:cxnSp>
+        <p:nvCxnSpPr>
+          <p:cNvPr id="11" name="Connector: Elbow 10">
+            <a:extLst>
+              <a:ext uri="{FF2B5EF4-FFF2-40B4-BE49-F238E27FC236}">
+                <a16:creationId xmlns:a16="http://schemas.microsoft.com/office/drawing/2014/main" id="{468DF75C-5728-2906-0670-2F283F372517}"/>
+              </a:ext>
+            </a:extLst>
+          </p:cNvPr>
+          <p:cNvCxnSpPr>
+            <a:stCxn id="4" idx="2"/>
+          </p:cNvCxnSpPr>
+          <p:nvPr/>
+        </p:nvCxnSpPr>
+        <p:spPr>
+          <a:xfrm rot="5400000">
+            <a:off x="3429001" y="-443204"/>
+            <a:ext cx="653142" cy="4879911"/>
+          </a:xfrm>
+          <a:prstGeom prst="bentConnector2">
+            <a:avLst/>
+          </a:prstGeom>
+          <a:ln>
+            <a:tailEnd type="triangle"/>
+          </a:ln>
+        </p:spPr>
+        <p:style>
+          <a:lnRef idx="1">
+            <a:schemeClr val="accent1"/>
+          </a:lnRef>
+          <a:fillRef idx="0">
+            <a:schemeClr val="accent1"/>
+          </a:fillRef>
+          <a:effectRef idx="0">
+            <a:schemeClr val="accent1"/>
+          </a:effectRef>
+          <a:fontRef idx="minor">
+            <a:schemeClr val="tx1"/>
+          </a:fontRef>
+        </p:style>
+      </p:cxnSp>
+      <p:sp>
+        <p:nvSpPr>
+          <p:cNvPr id="12" name="TextBox 11">
+            <a:extLst>
+              <a:ext uri="{FF2B5EF4-FFF2-40B4-BE49-F238E27FC236}">
+                <a16:creationId xmlns:a16="http://schemas.microsoft.com/office/drawing/2014/main" id="{3ACF93A4-D480-A6F4-2FFB-B6A51092FF75}"/>
+              </a:ext>
+            </a:extLst>
+          </p:cNvPr>
+          <p:cNvSpPr txBox="1"/>
+          <p:nvPr/>
+        </p:nvSpPr>
+        <p:spPr>
+          <a:xfrm>
+            <a:off x="3461657" y="2152261"/>
+            <a:ext cx="1856792" cy="369332"/>
+          </a:xfrm>
+          <a:prstGeom prst="rect">
+            <a:avLst/>
+          </a:prstGeom>
+          <a:noFill/>
+        </p:spPr>
+        <p:txBody>
+          <a:bodyPr wrap="square" rtlCol="0">
+            <a:spAutoFit/>
+          </a:bodyPr>
+          <a:lstStyle/>
+          <a:p>
+            <a:r>
+              <a:rPr lang="en-US" dirty="0"/>
+              <a:t>Return Value </a:t>
+            </a:r>
+          </a:p>
+        </p:txBody>
+      </p:sp>
+      <p:cxnSp>
+        <p:nvCxnSpPr>
+          <p:cNvPr id="14" name="Connector: Elbow 13">
+            <a:extLst>
+              <a:ext uri="{FF2B5EF4-FFF2-40B4-BE49-F238E27FC236}">
+                <a16:creationId xmlns:a16="http://schemas.microsoft.com/office/drawing/2014/main" id="{DCCCD530-4677-7F33-4C8B-962DCC6CFCB4}"/>
+              </a:ext>
+            </a:extLst>
+          </p:cNvPr>
+          <p:cNvCxnSpPr>
+            <a:stCxn id="5" idx="2"/>
+          </p:cNvCxnSpPr>
+          <p:nvPr/>
+        </p:nvCxnSpPr>
+        <p:spPr>
+          <a:xfrm rot="5400000">
+            <a:off x="3486539" y="1825690"/>
+            <a:ext cx="538065" cy="4879910"/>
+          </a:xfrm>
+          <a:prstGeom prst="bentConnector2">
+            <a:avLst/>
+          </a:prstGeom>
+          <a:ln>
+            <a:tailEnd type="triangle"/>
+          </a:ln>
+        </p:spPr>
+        <p:style>
+          <a:lnRef idx="1">
+            <a:schemeClr val="accent1"/>
+          </a:lnRef>
+          <a:fillRef idx="0">
+            <a:schemeClr val="accent1"/>
+          </a:fillRef>
+          <a:effectRef idx="0">
+            <a:schemeClr val="accent1"/>
+          </a:effectRef>
+          <a:fontRef idx="minor">
+            <a:schemeClr val="tx1"/>
+          </a:fontRef>
+        </p:style>
+      </p:cxnSp>
+      <p:sp>
+        <p:nvSpPr>
+          <p:cNvPr id="15" name="TextBox 14">
+            <a:extLst>
+              <a:ext uri="{FF2B5EF4-FFF2-40B4-BE49-F238E27FC236}">
+                <a16:creationId xmlns:a16="http://schemas.microsoft.com/office/drawing/2014/main" id="{DA78AA32-52B4-1709-B606-851772B63960}"/>
+              </a:ext>
+            </a:extLst>
+          </p:cNvPr>
+          <p:cNvSpPr txBox="1"/>
+          <p:nvPr/>
+        </p:nvSpPr>
+        <p:spPr>
+          <a:xfrm>
+            <a:off x="3461657" y="4350013"/>
+            <a:ext cx="1856792" cy="369332"/>
+          </a:xfrm>
+          <a:prstGeom prst="rect">
+            <a:avLst/>
+          </a:prstGeom>
+          <a:noFill/>
+        </p:spPr>
+        <p:txBody>
+          <a:bodyPr wrap="square" rtlCol="0">
+            <a:spAutoFit/>
+          </a:bodyPr>
+          <a:lstStyle/>
+          <a:p>
+            <a:r>
+              <a:rPr lang="en-US" dirty="0"/>
+              <a:t>Return Value </a:t>
+            </a:r>
+          </a:p>
+        </p:txBody>
+      </p:sp>
+      <p:sp>
+        <p:nvSpPr>
+          <p:cNvPr id="16" name="&quot;Not Allowed&quot; Symbol 15">
+            <a:extLst>
+              <a:ext uri="{FF2B5EF4-FFF2-40B4-BE49-F238E27FC236}">
+                <a16:creationId xmlns:a16="http://schemas.microsoft.com/office/drawing/2014/main" id="{E181CD36-B48E-175D-093A-9DECC2D457E3}"/>
+              </a:ext>
+            </a:extLst>
+          </p:cNvPr>
+          <p:cNvSpPr/>
+          <p:nvPr/>
+        </p:nvSpPr>
+        <p:spPr>
+          <a:xfrm>
+            <a:off x="7287208" y="1156996"/>
+            <a:ext cx="1054361" cy="995265"/>
+          </a:xfrm>
+          <a:prstGeom prst="noSmoking">
+            <a:avLst/>
+          </a:prstGeom>
+          <a:solidFill>
+            <a:srgbClr val="FF0000"/>
+          </a:solidFill>
+        </p:spPr>
+        <p:style>
+          <a:lnRef idx="2">
+            <a:schemeClr val="accent1">
+              <a:shade val="15000"/>
+            </a:schemeClr>
+          </a:lnRef>
+          <a:fillRef idx="1">
+            <a:schemeClr val="accent1"/>
+          </a:fillRef>
+          <a:effectRef idx="0">
+            <a:schemeClr val="accent1"/>
+          </a:effectRef>
+          <a:fontRef idx="minor">
+            <a:schemeClr val="lt1"/>
+          </a:fontRef>
+        </p:style>
+        <p:txBody>
+          <a:bodyPr rtlCol="0" anchor="ctr"/>
+          <a:lstStyle/>
+          <a:p>
+            <a:pPr algn="ctr"/>
+            <a:endParaRPr lang="en-US">
+              <a:solidFill>
+                <a:schemeClr val="tx1"/>
+              </a:solidFill>
+            </a:endParaRPr>
+          </a:p>
+        </p:txBody>
+      </p:sp>
+      <p:sp>
+        <p:nvSpPr>
+          <p:cNvPr id="17" name="TextBox 16">
+            <a:extLst>
+              <a:ext uri="{FF2B5EF4-FFF2-40B4-BE49-F238E27FC236}">
+                <a16:creationId xmlns:a16="http://schemas.microsoft.com/office/drawing/2014/main" id="{65526C62-FEDB-4F64-6879-C45D55BBC4C0}"/>
+              </a:ext>
+            </a:extLst>
+          </p:cNvPr>
+          <p:cNvSpPr txBox="1"/>
+          <p:nvPr/>
+        </p:nvSpPr>
+        <p:spPr>
+          <a:xfrm>
+            <a:off x="8556171" y="1321836"/>
+            <a:ext cx="1772817" cy="369332"/>
+          </a:xfrm>
+          <a:prstGeom prst="rect">
+            <a:avLst/>
+          </a:prstGeom>
+          <a:noFill/>
+        </p:spPr>
+        <p:txBody>
+          <a:bodyPr wrap="square" rtlCol="0">
+            <a:spAutoFit/>
+          </a:bodyPr>
+          <a:lstStyle/>
+          <a:p>
+            <a:r>
+              <a:rPr lang="en-US" dirty="0"/>
+              <a:t>Exception</a:t>
+            </a:r>
+          </a:p>
+        </p:txBody>
+      </p:sp>
+      <p:sp>
+        <p:nvSpPr>
+          <p:cNvPr id="18" name="&quot;Not Allowed&quot; Symbol 17">
+            <a:extLst>
+              <a:ext uri="{FF2B5EF4-FFF2-40B4-BE49-F238E27FC236}">
+                <a16:creationId xmlns:a16="http://schemas.microsoft.com/office/drawing/2014/main" id="{9FCF49B3-411B-CA66-F2A7-796E4E3B69D5}"/>
+              </a:ext>
+            </a:extLst>
+          </p:cNvPr>
+          <p:cNvSpPr/>
+          <p:nvPr/>
+        </p:nvSpPr>
+        <p:spPr>
+          <a:xfrm>
+            <a:off x="7225006" y="3451163"/>
+            <a:ext cx="1054361" cy="995265"/>
+          </a:xfrm>
+          <a:prstGeom prst="noSmoking">
+            <a:avLst/>
+          </a:prstGeom>
+          <a:solidFill>
+            <a:srgbClr val="FF0000"/>
+          </a:solidFill>
+        </p:spPr>
+        <p:style>
+          <a:lnRef idx="2">
+            <a:schemeClr val="accent1">
+              <a:shade val="15000"/>
+            </a:schemeClr>
+          </a:lnRef>
+          <a:fillRef idx="1">
+            <a:schemeClr val="accent1"/>
+          </a:fillRef>
+          <a:effectRef idx="0">
+            <a:schemeClr val="accent1"/>
+          </a:effectRef>
+          <a:fontRef idx="minor">
+            <a:schemeClr val="lt1"/>
+          </a:fontRef>
+        </p:style>
+        <p:txBody>
+          <a:bodyPr rtlCol="0" anchor="ctr"/>
+          <a:lstStyle/>
+          <a:p>
+            <a:pPr algn="ctr"/>
+            <a:endParaRPr lang="en-US">
+              <a:solidFill>
+                <a:schemeClr val="tx1"/>
+              </a:solidFill>
+            </a:endParaRPr>
+          </a:p>
+        </p:txBody>
+      </p:sp>
+      <p:sp>
+        <p:nvSpPr>
+          <p:cNvPr id="19" name="TextBox 18">
+            <a:extLst>
+              <a:ext uri="{FF2B5EF4-FFF2-40B4-BE49-F238E27FC236}">
+                <a16:creationId xmlns:a16="http://schemas.microsoft.com/office/drawing/2014/main" id="{D9D5B725-8911-8D73-C6E8-20EB36B44135}"/>
+              </a:ext>
+            </a:extLst>
+          </p:cNvPr>
+          <p:cNvSpPr txBox="1"/>
+          <p:nvPr/>
+        </p:nvSpPr>
+        <p:spPr>
+          <a:xfrm>
+            <a:off x="8493969" y="3616003"/>
+            <a:ext cx="1772817" cy="369332"/>
+          </a:xfrm>
+          <a:prstGeom prst="rect">
+            <a:avLst/>
+          </a:prstGeom>
+          <a:noFill/>
+        </p:spPr>
+        <p:txBody>
+          <a:bodyPr wrap="square" rtlCol="0">
+            <a:spAutoFit/>
+          </a:bodyPr>
+          <a:lstStyle/>
+          <a:p>
+            <a:r>
+              <a:rPr lang="en-US" dirty="0"/>
+              <a:t>Exception</a:t>
+            </a:r>
+          </a:p>
+        </p:txBody>
+      </p:sp>
+    </p:spTree>
+    <p:extLst>
+      <p:ext uri="{BB962C8B-B14F-4D97-AF65-F5344CB8AC3E}">
+        <p14:creationId xmlns:p14="http://schemas.microsoft.com/office/powerpoint/2010/main" val="2802617281"/>
+      </p:ext>
+    </p:extLst>
+  </p:cSld>
+  <p:clrMapOvr>
+    <a:masterClrMapping/>
+  </p:clrMapOvr>
+</p:sld>
+</file>
+
 <file path=ppt/slides/slide2.xml><?xml version="1.0" encoding="utf-8"?>
 <p:sld xmlns:a="http://schemas.openxmlformats.org/drawingml/2006/main" xmlns:r="http://schemas.openxmlformats.org/officeDocument/2006/relationships" xmlns:p="http://schemas.openxmlformats.org/presentationml/2006/main">
   <p:cSld>

--- a/TrgImages.pptx
+++ b/TrgImages.pptx
@@ -20,6 +20,9 @@
     <p:sldId id="266" r:id="rId14"/>
     <p:sldId id="267" r:id="rId15"/>
     <p:sldId id="268" r:id="rId16"/>
+    <p:sldId id="271" r:id="rId17"/>
+    <p:sldId id="272" r:id="rId18"/>
+    <p:sldId id="273" r:id="rId19"/>
   </p:sldIdLst>
   <p:sldSz cx="12192000" cy="6858000"/>
   <p:notesSz cx="6858000" cy="9144000"/>
@@ -273,7 +276,7 @@
           <a:p>
             <a:fld id="{5E0DC84C-F051-4A33-86E9-8969F11E21B3}" type="datetimeFigureOut">
               <a:rPr lang="en-US" smtClean="0"/>
-              <a:t>12/7/2023</a:t>
+              <a:t>12/8/2023</a:t>
             </a:fld>
             <a:endParaRPr lang="en-US"/>
           </a:p>
@@ -471,7 +474,7 @@
           <a:p>
             <a:fld id="{5E0DC84C-F051-4A33-86E9-8969F11E21B3}" type="datetimeFigureOut">
               <a:rPr lang="en-US" smtClean="0"/>
-              <a:t>12/7/2023</a:t>
+              <a:t>12/8/2023</a:t>
             </a:fld>
             <a:endParaRPr lang="en-US"/>
           </a:p>
@@ -679,7 +682,7 @@
           <a:p>
             <a:fld id="{5E0DC84C-F051-4A33-86E9-8969F11E21B3}" type="datetimeFigureOut">
               <a:rPr lang="en-US" smtClean="0"/>
-              <a:t>12/7/2023</a:t>
+              <a:t>12/8/2023</a:t>
             </a:fld>
             <a:endParaRPr lang="en-US"/>
           </a:p>
@@ -877,7 +880,7 @@
           <a:p>
             <a:fld id="{5E0DC84C-F051-4A33-86E9-8969F11E21B3}" type="datetimeFigureOut">
               <a:rPr lang="en-US" smtClean="0"/>
-              <a:t>12/7/2023</a:t>
+              <a:t>12/8/2023</a:t>
             </a:fld>
             <a:endParaRPr lang="en-US"/>
           </a:p>
@@ -1152,7 +1155,7 @@
           <a:p>
             <a:fld id="{5E0DC84C-F051-4A33-86E9-8969F11E21B3}" type="datetimeFigureOut">
               <a:rPr lang="en-US" smtClean="0"/>
-              <a:t>12/7/2023</a:t>
+              <a:t>12/8/2023</a:t>
             </a:fld>
             <a:endParaRPr lang="en-US"/>
           </a:p>
@@ -1417,7 +1420,7 @@
           <a:p>
             <a:fld id="{5E0DC84C-F051-4A33-86E9-8969F11E21B3}" type="datetimeFigureOut">
               <a:rPr lang="en-US" smtClean="0"/>
-              <a:t>12/7/2023</a:t>
+              <a:t>12/8/2023</a:t>
             </a:fld>
             <a:endParaRPr lang="en-US"/>
           </a:p>
@@ -1829,7 +1832,7 @@
           <a:p>
             <a:fld id="{5E0DC84C-F051-4A33-86E9-8969F11E21B3}" type="datetimeFigureOut">
               <a:rPr lang="en-US" smtClean="0"/>
-              <a:t>12/7/2023</a:t>
+              <a:t>12/8/2023</a:t>
             </a:fld>
             <a:endParaRPr lang="en-US"/>
           </a:p>
@@ -1970,7 +1973,7 @@
           <a:p>
             <a:fld id="{5E0DC84C-F051-4A33-86E9-8969F11E21B3}" type="datetimeFigureOut">
               <a:rPr lang="en-US" smtClean="0"/>
-              <a:t>12/7/2023</a:t>
+              <a:t>12/8/2023</a:t>
             </a:fld>
             <a:endParaRPr lang="en-US"/>
           </a:p>
@@ -2083,7 +2086,7 @@
           <a:p>
             <a:fld id="{5E0DC84C-F051-4A33-86E9-8969F11E21B3}" type="datetimeFigureOut">
               <a:rPr lang="en-US" smtClean="0"/>
-              <a:t>12/7/2023</a:t>
+              <a:t>12/8/2023</a:t>
             </a:fld>
             <a:endParaRPr lang="en-US"/>
           </a:p>
@@ -2394,7 +2397,7 @@
           <a:p>
             <a:fld id="{5E0DC84C-F051-4A33-86E9-8969F11E21B3}" type="datetimeFigureOut">
               <a:rPr lang="en-US" smtClean="0"/>
-              <a:t>12/7/2023</a:t>
+              <a:t>12/8/2023</a:t>
             </a:fld>
             <a:endParaRPr lang="en-US"/>
           </a:p>
@@ -2682,7 +2685,7 @@
           <a:p>
             <a:fld id="{5E0DC84C-F051-4A33-86E9-8969F11E21B3}" type="datetimeFigureOut">
               <a:rPr lang="en-US" smtClean="0"/>
-              <a:t>12/7/2023</a:t>
+              <a:t>12/8/2023</a:t>
             </a:fld>
             <a:endParaRPr lang="en-US"/>
           </a:p>
@@ -2923,7 +2926,7 @@
           <a:p>
             <a:fld id="{5E0DC84C-F051-4A33-86E9-8969F11E21B3}" type="datetimeFigureOut">
               <a:rPr lang="en-US" smtClean="0"/>
-              <a:t>12/7/2023</a:t>
+              <a:t>12/8/2023</a:t>
             </a:fld>
             <a:endParaRPr lang="en-US"/>
           </a:p>
@@ -7772,6 +7775,3412 @@
 </p:sld>
 </file>
 
+<file path=ppt/slides/slide16.xml><?xml version="1.0" encoding="utf-8"?>
+<p:sld xmlns:a="http://schemas.openxmlformats.org/drawingml/2006/main" xmlns:r="http://schemas.openxmlformats.org/officeDocument/2006/relationships" xmlns:p="http://schemas.openxmlformats.org/presentationml/2006/main">
+  <p:cSld>
+    <p:spTree>
+      <p:nvGrpSpPr>
+        <p:cNvPr id="1" name=""/>
+        <p:cNvGrpSpPr/>
+        <p:nvPr/>
+      </p:nvGrpSpPr>
+      <p:grpSpPr>
+        <a:xfrm>
+          <a:off x="0" y="0"/>
+          <a:ext cx="0" cy="0"/>
+          <a:chOff x="0" y="0"/>
+          <a:chExt cx="0" cy="0"/>
+        </a:xfrm>
+      </p:grpSpPr>
+      <p:sp>
+        <p:nvSpPr>
+          <p:cNvPr id="2" name="Cylinder 1">
+            <a:extLst>
+              <a:ext uri="{FF2B5EF4-FFF2-40B4-BE49-F238E27FC236}">
+                <a16:creationId xmlns:a16="http://schemas.microsoft.com/office/drawing/2014/main" id="{B770C363-E2FB-5C35-7864-74537145E51A}"/>
+              </a:ext>
+            </a:extLst>
+          </p:cNvPr>
+          <p:cNvSpPr/>
+          <p:nvPr/>
+        </p:nvSpPr>
+        <p:spPr>
+          <a:xfrm>
+            <a:off x="10422293" y="1082351"/>
+            <a:ext cx="1520890" cy="1250302"/>
+          </a:xfrm>
+          <a:prstGeom prst="can">
+            <a:avLst/>
+          </a:prstGeom>
+        </p:spPr>
+        <p:style>
+          <a:lnRef idx="2">
+            <a:schemeClr val="accent1">
+              <a:shade val="15000"/>
+            </a:schemeClr>
+          </a:lnRef>
+          <a:fillRef idx="1">
+            <a:schemeClr val="accent1"/>
+          </a:fillRef>
+          <a:effectRef idx="0">
+            <a:schemeClr val="accent1"/>
+          </a:effectRef>
+          <a:fontRef idx="minor">
+            <a:schemeClr val="lt1"/>
+          </a:fontRef>
+        </p:style>
+        <p:txBody>
+          <a:bodyPr rtlCol="0" anchor="ctr"/>
+          <a:lstStyle/>
+          <a:p>
+            <a:pPr algn="ctr"/>
+            <a:r>
+              <a:rPr lang="en-US" dirty="0"/>
+              <a:t>SQL DB</a:t>
+            </a:r>
+          </a:p>
+        </p:txBody>
+      </p:sp>
+      <p:sp>
+        <p:nvSpPr>
+          <p:cNvPr id="3" name="Cylinder 2">
+            <a:extLst>
+              <a:ext uri="{FF2B5EF4-FFF2-40B4-BE49-F238E27FC236}">
+                <a16:creationId xmlns:a16="http://schemas.microsoft.com/office/drawing/2014/main" id="{4B9012AE-FDDC-2EEC-C6B5-1872C7010126}"/>
+              </a:ext>
+            </a:extLst>
+          </p:cNvPr>
+          <p:cNvSpPr/>
+          <p:nvPr/>
+        </p:nvSpPr>
+        <p:spPr>
+          <a:xfrm>
+            <a:off x="10422293" y="3082212"/>
+            <a:ext cx="1520890" cy="1250302"/>
+          </a:xfrm>
+          <a:prstGeom prst="can">
+            <a:avLst/>
+          </a:prstGeom>
+        </p:spPr>
+        <p:style>
+          <a:lnRef idx="2">
+            <a:schemeClr val="accent1">
+              <a:shade val="15000"/>
+            </a:schemeClr>
+          </a:lnRef>
+          <a:fillRef idx="1">
+            <a:schemeClr val="accent1"/>
+          </a:fillRef>
+          <a:effectRef idx="0">
+            <a:schemeClr val="accent1"/>
+          </a:effectRef>
+          <a:fontRef idx="minor">
+            <a:schemeClr val="lt1"/>
+          </a:fontRef>
+        </p:style>
+        <p:txBody>
+          <a:bodyPr rtlCol="0" anchor="ctr"/>
+          <a:lstStyle/>
+          <a:p>
+            <a:pPr algn="ctr"/>
+            <a:r>
+              <a:rPr lang="en-US" dirty="0"/>
+              <a:t>NoSQL</a:t>
+            </a:r>
+          </a:p>
+        </p:txBody>
+      </p:sp>
+      <p:sp>
+        <p:nvSpPr>
+          <p:cNvPr id="4" name="Flowchart: Multidocument 3">
+            <a:extLst>
+              <a:ext uri="{FF2B5EF4-FFF2-40B4-BE49-F238E27FC236}">
+                <a16:creationId xmlns:a16="http://schemas.microsoft.com/office/drawing/2014/main" id="{0B2717CE-A1D7-4760-27CE-F123F8725BAD}"/>
+              </a:ext>
+            </a:extLst>
+          </p:cNvPr>
+          <p:cNvSpPr/>
+          <p:nvPr/>
+        </p:nvSpPr>
+        <p:spPr>
+          <a:xfrm>
+            <a:off x="10422293" y="5019869"/>
+            <a:ext cx="1390262" cy="1408923"/>
+          </a:xfrm>
+          <a:prstGeom prst="flowChartMultidocument">
+            <a:avLst/>
+          </a:prstGeom>
+        </p:spPr>
+        <p:style>
+          <a:lnRef idx="2">
+            <a:schemeClr val="accent1">
+              <a:shade val="15000"/>
+            </a:schemeClr>
+          </a:lnRef>
+          <a:fillRef idx="1">
+            <a:schemeClr val="accent1"/>
+          </a:fillRef>
+          <a:effectRef idx="0">
+            <a:schemeClr val="accent1"/>
+          </a:effectRef>
+          <a:fontRef idx="minor">
+            <a:schemeClr val="lt1"/>
+          </a:fontRef>
+        </p:style>
+        <p:txBody>
+          <a:bodyPr rtlCol="0" anchor="ctr"/>
+          <a:lstStyle/>
+          <a:p>
+            <a:pPr algn="ctr"/>
+            <a:r>
+              <a:rPr lang="en-US" dirty="0"/>
+              <a:t>File DB</a:t>
+            </a:r>
+          </a:p>
+        </p:txBody>
+      </p:sp>
+      <p:sp>
+        <p:nvSpPr>
+          <p:cNvPr id="5" name="Rectangle 4">
+            <a:extLst>
+              <a:ext uri="{FF2B5EF4-FFF2-40B4-BE49-F238E27FC236}">
+                <a16:creationId xmlns:a16="http://schemas.microsoft.com/office/drawing/2014/main" id="{B829B82F-975C-B2FD-6181-CF5295481B08}"/>
+              </a:ext>
+            </a:extLst>
+          </p:cNvPr>
+          <p:cNvSpPr/>
+          <p:nvPr/>
+        </p:nvSpPr>
+        <p:spPr>
+          <a:xfrm>
+            <a:off x="3797559" y="139959"/>
+            <a:ext cx="6307494" cy="6288833"/>
+          </a:xfrm>
+          <a:prstGeom prst="rect">
+            <a:avLst/>
+          </a:prstGeom>
+        </p:spPr>
+        <p:style>
+          <a:lnRef idx="1">
+            <a:schemeClr val="accent2"/>
+          </a:lnRef>
+          <a:fillRef idx="2">
+            <a:schemeClr val="accent2"/>
+          </a:fillRef>
+          <a:effectRef idx="1">
+            <a:schemeClr val="accent2"/>
+          </a:effectRef>
+          <a:fontRef idx="minor">
+            <a:schemeClr val="dk1"/>
+          </a:fontRef>
+        </p:style>
+        <p:txBody>
+          <a:bodyPr rtlCol="0" anchor="ctr"/>
+          <a:lstStyle/>
+          <a:p>
+            <a:pPr algn="ctr"/>
+            <a:endParaRPr lang="en-US"/>
+          </a:p>
+        </p:txBody>
+      </p:sp>
+      <p:sp>
+        <p:nvSpPr>
+          <p:cNvPr id="6" name="TextBox 5">
+            <a:extLst>
+              <a:ext uri="{FF2B5EF4-FFF2-40B4-BE49-F238E27FC236}">
+                <a16:creationId xmlns:a16="http://schemas.microsoft.com/office/drawing/2014/main" id="{31F8148B-E61B-B412-E19C-CDDA457A9D45}"/>
+              </a:ext>
+            </a:extLst>
+          </p:cNvPr>
+          <p:cNvSpPr txBox="1"/>
+          <p:nvPr/>
+        </p:nvSpPr>
+        <p:spPr>
+          <a:xfrm>
+            <a:off x="4702629" y="233265"/>
+            <a:ext cx="5234473" cy="369332"/>
+          </a:xfrm>
+          <a:prstGeom prst="rect">
+            <a:avLst/>
+          </a:prstGeom>
+          <a:noFill/>
+        </p:spPr>
+        <p:txBody>
+          <a:bodyPr wrap="square" rtlCol="0">
+            <a:spAutoFit/>
+          </a:bodyPr>
+          <a:lstStyle/>
+          <a:p>
+            <a:pPr algn="ctr"/>
+            <a:r>
+              <a:rPr lang="en-US" b="1" dirty="0"/>
+              <a:t>Web Server / Application Server</a:t>
+            </a:r>
+          </a:p>
+        </p:txBody>
+      </p:sp>
+      <p:sp>
+        <p:nvSpPr>
+          <p:cNvPr id="7" name="TextBox 6">
+            <a:extLst>
+              <a:ext uri="{FF2B5EF4-FFF2-40B4-BE49-F238E27FC236}">
+                <a16:creationId xmlns:a16="http://schemas.microsoft.com/office/drawing/2014/main" id="{152B91C5-98F6-3630-CF07-28F21F8C4026}"/>
+              </a:ext>
+            </a:extLst>
+          </p:cNvPr>
+          <p:cNvSpPr txBox="1"/>
+          <p:nvPr/>
+        </p:nvSpPr>
+        <p:spPr>
+          <a:xfrm>
+            <a:off x="4366728" y="6013585"/>
+            <a:ext cx="5374432" cy="369332"/>
+          </a:xfrm>
+          <a:prstGeom prst="rect">
+            <a:avLst/>
+          </a:prstGeom>
+          <a:noFill/>
+        </p:spPr>
+        <p:txBody>
+          <a:bodyPr wrap="square" rtlCol="0">
+            <a:spAutoFit/>
+          </a:bodyPr>
+          <a:lstStyle/>
+          <a:p>
+            <a:pPr algn="ctr"/>
+            <a:r>
+              <a:rPr lang="en-US" b="1" dirty="0"/>
+              <a:t>OS to offer Hosting Env</a:t>
+            </a:r>
+          </a:p>
+        </p:txBody>
+      </p:sp>
+      <p:sp>
+        <p:nvSpPr>
+          <p:cNvPr id="8" name="Rectangle 7">
+            <a:extLst>
+              <a:ext uri="{FF2B5EF4-FFF2-40B4-BE49-F238E27FC236}">
+                <a16:creationId xmlns:a16="http://schemas.microsoft.com/office/drawing/2014/main" id="{7399A6D8-A0F5-0F06-5288-C705D78FDA9C}"/>
+              </a:ext>
+            </a:extLst>
+          </p:cNvPr>
+          <p:cNvSpPr/>
+          <p:nvPr/>
+        </p:nvSpPr>
+        <p:spPr>
+          <a:xfrm>
+            <a:off x="3974841" y="1240972"/>
+            <a:ext cx="6027575" cy="4726738"/>
+          </a:xfrm>
+          <a:prstGeom prst="rect">
+            <a:avLst/>
+          </a:prstGeom>
+          <a:solidFill>
+            <a:srgbClr val="FFC000"/>
+          </a:solidFill>
+        </p:spPr>
+        <p:style>
+          <a:lnRef idx="2">
+            <a:schemeClr val="accent1">
+              <a:shade val="15000"/>
+            </a:schemeClr>
+          </a:lnRef>
+          <a:fillRef idx="1">
+            <a:schemeClr val="accent1"/>
+          </a:fillRef>
+          <a:effectRef idx="0">
+            <a:schemeClr val="accent1"/>
+          </a:effectRef>
+          <a:fontRef idx="minor">
+            <a:schemeClr val="lt1"/>
+          </a:fontRef>
+        </p:style>
+        <p:txBody>
+          <a:bodyPr rtlCol="0" anchor="ctr"/>
+          <a:lstStyle/>
+          <a:p>
+            <a:pPr algn="ctr"/>
+            <a:endParaRPr lang="en-US"/>
+          </a:p>
+        </p:txBody>
+      </p:sp>
+      <p:sp>
+        <p:nvSpPr>
+          <p:cNvPr id="9" name="Rectangle: Rounded Corners 8">
+            <a:extLst>
+              <a:ext uri="{FF2B5EF4-FFF2-40B4-BE49-F238E27FC236}">
+                <a16:creationId xmlns:a16="http://schemas.microsoft.com/office/drawing/2014/main" id="{22DD7DC1-877E-6E72-A47E-58FCEA67E016}"/>
+              </a:ext>
+            </a:extLst>
+          </p:cNvPr>
+          <p:cNvSpPr/>
+          <p:nvPr/>
+        </p:nvSpPr>
+        <p:spPr>
+          <a:xfrm>
+            <a:off x="3822442" y="602597"/>
+            <a:ext cx="6282611" cy="479754"/>
+          </a:xfrm>
+          <a:prstGeom prst="roundRect">
+            <a:avLst/>
+          </a:prstGeom>
+        </p:spPr>
+        <p:style>
+          <a:lnRef idx="2">
+            <a:schemeClr val="accent1">
+              <a:shade val="15000"/>
+            </a:schemeClr>
+          </a:lnRef>
+          <a:fillRef idx="1">
+            <a:schemeClr val="accent1"/>
+          </a:fillRef>
+          <a:effectRef idx="0">
+            <a:schemeClr val="accent1"/>
+          </a:effectRef>
+          <a:fontRef idx="minor">
+            <a:schemeClr val="lt1"/>
+          </a:fontRef>
+        </p:style>
+        <p:txBody>
+          <a:bodyPr rtlCol="0" anchor="ctr"/>
+          <a:lstStyle/>
+          <a:p>
+            <a:pPr algn="ctr"/>
+            <a:r>
+              <a:rPr lang="en-US" b="1" dirty="0"/>
+              <a:t>Request Listener / Interceptor</a:t>
+            </a:r>
+          </a:p>
+        </p:txBody>
+      </p:sp>
+      <p:sp>
+        <p:nvSpPr>
+          <p:cNvPr id="10" name="TextBox 9">
+            <a:extLst>
+              <a:ext uri="{FF2B5EF4-FFF2-40B4-BE49-F238E27FC236}">
+                <a16:creationId xmlns:a16="http://schemas.microsoft.com/office/drawing/2014/main" id="{C0C74AF8-71E3-6831-C1B1-62236CAC7263}"/>
+              </a:ext>
+            </a:extLst>
+          </p:cNvPr>
+          <p:cNvSpPr txBox="1"/>
+          <p:nvPr/>
+        </p:nvSpPr>
+        <p:spPr>
+          <a:xfrm>
+            <a:off x="5239139" y="1335452"/>
+            <a:ext cx="5234473" cy="369332"/>
+          </a:xfrm>
+          <a:prstGeom prst="rect">
+            <a:avLst/>
+          </a:prstGeom>
+          <a:noFill/>
+        </p:spPr>
+        <p:txBody>
+          <a:bodyPr wrap="square" rtlCol="0">
+            <a:spAutoFit/>
+          </a:bodyPr>
+          <a:lstStyle/>
+          <a:p>
+            <a:pPr algn="ctr"/>
+            <a:r>
+              <a:rPr lang="en-US" b="1" dirty="0"/>
+              <a:t>Dotnet.exe</a:t>
+            </a:r>
+          </a:p>
+        </p:txBody>
+      </p:sp>
+      <p:sp>
+        <p:nvSpPr>
+          <p:cNvPr id="11" name="Rectangle 10">
+            <a:extLst>
+              <a:ext uri="{FF2B5EF4-FFF2-40B4-BE49-F238E27FC236}">
+                <a16:creationId xmlns:a16="http://schemas.microsoft.com/office/drawing/2014/main" id="{A8C96B39-6601-8B51-1B5E-8E186B13E989}"/>
+              </a:ext>
+            </a:extLst>
+          </p:cNvPr>
+          <p:cNvSpPr/>
+          <p:nvPr/>
+        </p:nvSpPr>
+        <p:spPr>
+          <a:xfrm>
+            <a:off x="4702629" y="4469363"/>
+            <a:ext cx="5234473" cy="699796"/>
+          </a:xfrm>
+          <a:prstGeom prst="rect">
+            <a:avLst/>
+          </a:prstGeom>
+        </p:spPr>
+        <p:style>
+          <a:lnRef idx="2">
+            <a:schemeClr val="accent1">
+              <a:shade val="15000"/>
+            </a:schemeClr>
+          </a:lnRef>
+          <a:fillRef idx="1">
+            <a:schemeClr val="accent1"/>
+          </a:fillRef>
+          <a:effectRef idx="0">
+            <a:schemeClr val="accent1"/>
+          </a:effectRef>
+          <a:fontRef idx="minor">
+            <a:schemeClr val="lt1"/>
+          </a:fontRef>
+        </p:style>
+        <p:txBody>
+          <a:bodyPr rtlCol="0" anchor="ctr"/>
+          <a:lstStyle/>
+          <a:p>
+            <a:pPr algn="ctr"/>
+            <a:r>
+              <a:rPr lang="en-US" b="1" dirty="0"/>
+              <a:t>Data Access Layer using EF Core / Dapper</a:t>
+            </a:r>
+          </a:p>
+          <a:p>
+            <a:pPr algn="ctr"/>
+            <a:r>
+              <a:rPr lang="en-US" b="1" dirty="0"/>
+              <a:t>Access RDBMS / NoSQL / FS</a:t>
+            </a:r>
+          </a:p>
+        </p:txBody>
+      </p:sp>
+      <p:cxnSp>
+        <p:nvCxnSpPr>
+          <p:cNvPr id="13" name="Connector: Elbow 12">
+            <a:extLst>
+              <a:ext uri="{FF2B5EF4-FFF2-40B4-BE49-F238E27FC236}">
+                <a16:creationId xmlns:a16="http://schemas.microsoft.com/office/drawing/2014/main" id="{84C286AB-4080-38FD-249A-48525CBE6DC2}"/>
+              </a:ext>
+            </a:extLst>
+          </p:cNvPr>
+          <p:cNvCxnSpPr>
+            <a:cxnSpLocks/>
+            <a:stCxn id="11" idx="3"/>
+            <a:endCxn id="2" idx="2"/>
+          </p:cNvCxnSpPr>
+          <p:nvPr/>
+        </p:nvCxnSpPr>
+        <p:spPr>
+          <a:xfrm flipV="1">
+            <a:off x="9937102" y="1707502"/>
+            <a:ext cx="485191" cy="3111759"/>
+          </a:xfrm>
+          <a:prstGeom prst="bentConnector3">
+            <a:avLst>
+              <a:gd name="adj1" fmla="val 50000"/>
+            </a:avLst>
+          </a:prstGeom>
+          <a:ln w="57150">
+            <a:solidFill>
+              <a:srgbClr val="FF0000"/>
+            </a:solidFill>
+            <a:headEnd type="triangle"/>
+            <a:tailEnd type="triangle"/>
+          </a:ln>
+        </p:spPr>
+        <p:style>
+          <a:lnRef idx="1">
+            <a:schemeClr val="accent1"/>
+          </a:lnRef>
+          <a:fillRef idx="0">
+            <a:schemeClr val="accent1"/>
+          </a:fillRef>
+          <a:effectRef idx="0">
+            <a:schemeClr val="accent1"/>
+          </a:effectRef>
+          <a:fontRef idx="minor">
+            <a:schemeClr val="tx1"/>
+          </a:fontRef>
+        </p:style>
+      </p:cxnSp>
+      <p:cxnSp>
+        <p:nvCxnSpPr>
+          <p:cNvPr id="16" name="Connector: Elbow 15">
+            <a:extLst>
+              <a:ext uri="{FF2B5EF4-FFF2-40B4-BE49-F238E27FC236}">
+                <a16:creationId xmlns:a16="http://schemas.microsoft.com/office/drawing/2014/main" id="{58674730-C53D-5954-25FC-47C1901A91D0}"/>
+              </a:ext>
+            </a:extLst>
+          </p:cNvPr>
+          <p:cNvCxnSpPr>
+            <a:cxnSpLocks/>
+            <a:stCxn id="11" idx="3"/>
+            <a:endCxn id="3" idx="2"/>
+          </p:cNvCxnSpPr>
+          <p:nvPr/>
+        </p:nvCxnSpPr>
+        <p:spPr>
+          <a:xfrm flipV="1">
+            <a:off x="9937102" y="3707363"/>
+            <a:ext cx="485191" cy="1111898"/>
+          </a:xfrm>
+          <a:prstGeom prst="bentConnector3">
+            <a:avLst>
+              <a:gd name="adj1" fmla="val 50000"/>
+            </a:avLst>
+          </a:prstGeom>
+          <a:ln w="57150">
+            <a:solidFill>
+              <a:srgbClr val="002060"/>
+            </a:solidFill>
+            <a:headEnd type="triangle"/>
+            <a:tailEnd type="triangle"/>
+          </a:ln>
+        </p:spPr>
+        <p:style>
+          <a:lnRef idx="1">
+            <a:schemeClr val="accent1"/>
+          </a:lnRef>
+          <a:fillRef idx="0">
+            <a:schemeClr val="accent1"/>
+          </a:fillRef>
+          <a:effectRef idx="0">
+            <a:schemeClr val="accent1"/>
+          </a:effectRef>
+          <a:fontRef idx="minor">
+            <a:schemeClr val="tx1"/>
+          </a:fontRef>
+        </p:style>
+      </p:cxnSp>
+      <p:cxnSp>
+        <p:nvCxnSpPr>
+          <p:cNvPr id="19" name="Connector: Elbow 18">
+            <a:extLst>
+              <a:ext uri="{FF2B5EF4-FFF2-40B4-BE49-F238E27FC236}">
+                <a16:creationId xmlns:a16="http://schemas.microsoft.com/office/drawing/2014/main" id="{34C00A9F-F6ED-AD7F-25DA-0930D0437239}"/>
+              </a:ext>
+            </a:extLst>
+          </p:cNvPr>
+          <p:cNvCxnSpPr>
+            <a:stCxn id="11" idx="3"/>
+            <a:endCxn id="4" idx="1"/>
+          </p:cNvCxnSpPr>
+          <p:nvPr/>
+        </p:nvCxnSpPr>
+        <p:spPr>
+          <a:xfrm>
+            <a:off x="9937102" y="4819261"/>
+            <a:ext cx="485191" cy="905070"/>
+          </a:xfrm>
+          <a:prstGeom prst="bentConnector3">
+            <a:avLst/>
+          </a:prstGeom>
+          <a:ln w="28575">
+            <a:solidFill>
+              <a:srgbClr val="00B0F0"/>
+            </a:solidFill>
+            <a:headEnd type="triangle"/>
+            <a:tailEnd type="triangle"/>
+          </a:ln>
+        </p:spPr>
+        <p:style>
+          <a:lnRef idx="1">
+            <a:schemeClr val="accent1"/>
+          </a:lnRef>
+          <a:fillRef idx="0">
+            <a:schemeClr val="accent1"/>
+          </a:fillRef>
+          <a:effectRef idx="0">
+            <a:schemeClr val="accent1"/>
+          </a:effectRef>
+          <a:fontRef idx="minor">
+            <a:schemeClr val="tx1"/>
+          </a:fontRef>
+        </p:style>
+      </p:cxnSp>
+      <p:sp>
+        <p:nvSpPr>
+          <p:cNvPr id="20" name="Rectangle 19">
+            <a:extLst>
+              <a:ext uri="{FF2B5EF4-FFF2-40B4-BE49-F238E27FC236}">
+                <a16:creationId xmlns:a16="http://schemas.microsoft.com/office/drawing/2014/main" id="{31A0CC3E-A3B6-9730-9B96-82EDF44B33E8}"/>
+              </a:ext>
+            </a:extLst>
+          </p:cNvPr>
+          <p:cNvSpPr/>
+          <p:nvPr/>
+        </p:nvSpPr>
+        <p:spPr>
+          <a:xfrm>
+            <a:off x="4702629" y="3618722"/>
+            <a:ext cx="5234473" cy="699796"/>
+          </a:xfrm>
+          <a:prstGeom prst="rect">
+            <a:avLst/>
+          </a:prstGeom>
+        </p:spPr>
+        <p:style>
+          <a:lnRef idx="1">
+            <a:schemeClr val="accent3"/>
+          </a:lnRef>
+          <a:fillRef idx="2">
+            <a:schemeClr val="accent3"/>
+          </a:fillRef>
+          <a:effectRef idx="1">
+            <a:schemeClr val="accent3"/>
+          </a:effectRef>
+          <a:fontRef idx="minor">
+            <a:schemeClr val="dk1"/>
+          </a:fontRef>
+        </p:style>
+        <p:txBody>
+          <a:bodyPr rtlCol="0" anchor="ctr"/>
+          <a:lstStyle/>
+          <a:p>
+            <a:pPr algn="ctr"/>
+            <a:r>
+              <a:rPr lang="en-US" b="1" dirty="0"/>
+              <a:t>Business Workflows /  Domain Logic </a:t>
+            </a:r>
+          </a:p>
+          <a:p>
+            <a:pPr algn="ctr"/>
+            <a:r>
+              <a:rPr lang="en-US" b="1" dirty="0"/>
+              <a:t>App Core Logic and Call to Third Party</a:t>
+            </a:r>
+          </a:p>
+        </p:txBody>
+      </p:sp>
+      <p:sp>
+        <p:nvSpPr>
+          <p:cNvPr id="21" name="Arrow: Up-Down 20">
+            <a:extLst>
+              <a:ext uri="{FF2B5EF4-FFF2-40B4-BE49-F238E27FC236}">
+                <a16:creationId xmlns:a16="http://schemas.microsoft.com/office/drawing/2014/main" id="{9F4283FC-44B3-CE46-566A-6CCB840F44AF}"/>
+              </a:ext>
+            </a:extLst>
+          </p:cNvPr>
+          <p:cNvSpPr/>
+          <p:nvPr/>
+        </p:nvSpPr>
+        <p:spPr>
+          <a:xfrm>
+            <a:off x="7249886" y="4225990"/>
+            <a:ext cx="242596" cy="369332"/>
+          </a:xfrm>
+          <a:prstGeom prst="upDownArrow">
+            <a:avLst/>
+          </a:prstGeom>
+          <a:solidFill>
+            <a:srgbClr val="C00000"/>
+          </a:solidFill>
+        </p:spPr>
+        <p:style>
+          <a:lnRef idx="2">
+            <a:schemeClr val="accent1">
+              <a:shade val="15000"/>
+            </a:schemeClr>
+          </a:lnRef>
+          <a:fillRef idx="1">
+            <a:schemeClr val="accent1"/>
+          </a:fillRef>
+          <a:effectRef idx="0">
+            <a:schemeClr val="accent1"/>
+          </a:effectRef>
+          <a:fontRef idx="minor">
+            <a:schemeClr val="lt1"/>
+          </a:fontRef>
+        </p:style>
+        <p:txBody>
+          <a:bodyPr rtlCol="0" anchor="ctr"/>
+          <a:lstStyle/>
+          <a:p>
+            <a:pPr algn="ctr"/>
+            <a:endParaRPr lang="en-US"/>
+          </a:p>
+        </p:txBody>
+      </p:sp>
+      <p:sp>
+        <p:nvSpPr>
+          <p:cNvPr id="22" name="Rectangle 21">
+            <a:extLst>
+              <a:ext uri="{FF2B5EF4-FFF2-40B4-BE49-F238E27FC236}">
+                <a16:creationId xmlns:a16="http://schemas.microsoft.com/office/drawing/2014/main" id="{829BAB6F-D6F6-844F-E4B8-3B65DB14090B}"/>
+              </a:ext>
+            </a:extLst>
+          </p:cNvPr>
+          <p:cNvSpPr/>
+          <p:nvPr/>
+        </p:nvSpPr>
+        <p:spPr>
+          <a:xfrm>
+            <a:off x="4898572" y="2919703"/>
+            <a:ext cx="4842588" cy="564502"/>
+          </a:xfrm>
+          <a:prstGeom prst="rect">
+            <a:avLst/>
+          </a:prstGeom>
+          <a:solidFill>
+            <a:srgbClr val="7030A0"/>
+          </a:solidFill>
+        </p:spPr>
+        <p:style>
+          <a:lnRef idx="2">
+            <a:schemeClr val="accent1">
+              <a:shade val="15000"/>
+            </a:schemeClr>
+          </a:lnRef>
+          <a:fillRef idx="1">
+            <a:schemeClr val="accent1"/>
+          </a:fillRef>
+          <a:effectRef idx="0">
+            <a:schemeClr val="accent1"/>
+          </a:effectRef>
+          <a:fontRef idx="minor">
+            <a:schemeClr val="lt1"/>
+          </a:fontRef>
+        </p:style>
+        <p:txBody>
+          <a:bodyPr rtlCol="0" anchor="ctr"/>
+          <a:lstStyle/>
+          <a:p>
+            <a:pPr algn="ctr"/>
+            <a:r>
+              <a:rPr lang="en-US" b="1" dirty="0"/>
+              <a:t>Repository Interfaces for Decoupling</a:t>
+            </a:r>
+          </a:p>
+        </p:txBody>
+      </p:sp>
+      <p:sp>
+        <p:nvSpPr>
+          <p:cNvPr id="23" name="Arrow: Up-Down 22">
+            <a:extLst>
+              <a:ext uri="{FF2B5EF4-FFF2-40B4-BE49-F238E27FC236}">
+                <a16:creationId xmlns:a16="http://schemas.microsoft.com/office/drawing/2014/main" id="{78065FFD-3670-D30D-9682-492FF4186F13}"/>
+              </a:ext>
+            </a:extLst>
+          </p:cNvPr>
+          <p:cNvSpPr/>
+          <p:nvPr/>
+        </p:nvSpPr>
+        <p:spPr>
+          <a:xfrm>
+            <a:off x="7254551" y="3351243"/>
+            <a:ext cx="242596" cy="349898"/>
+          </a:xfrm>
+          <a:prstGeom prst="upDownArrow">
+            <a:avLst/>
+          </a:prstGeom>
+          <a:solidFill>
+            <a:srgbClr val="C00000"/>
+          </a:solidFill>
+        </p:spPr>
+        <p:style>
+          <a:lnRef idx="2">
+            <a:schemeClr val="accent1">
+              <a:shade val="15000"/>
+            </a:schemeClr>
+          </a:lnRef>
+          <a:fillRef idx="1">
+            <a:schemeClr val="accent1"/>
+          </a:fillRef>
+          <a:effectRef idx="0">
+            <a:schemeClr val="accent1"/>
+          </a:effectRef>
+          <a:fontRef idx="minor">
+            <a:schemeClr val="lt1"/>
+          </a:fontRef>
+        </p:style>
+        <p:txBody>
+          <a:bodyPr rtlCol="0" anchor="ctr"/>
+          <a:lstStyle/>
+          <a:p>
+            <a:pPr algn="ctr"/>
+            <a:endParaRPr lang="en-US"/>
+          </a:p>
+        </p:txBody>
+      </p:sp>
+      <p:sp>
+        <p:nvSpPr>
+          <p:cNvPr id="24" name="Rectangle 23">
+            <a:extLst>
+              <a:ext uri="{FF2B5EF4-FFF2-40B4-BE49-F238E27FC236}">
+                <a16:creationId xmlns:a16="http://schemas.microsoft.com/office/drawing/2014/main" id="{16C0345B-6E47-20E0-ADEF-92AB9ED3D3A6}"/>
+              </a:ext>
+            </a:extLst>
+          </p:cNvPr>
+          <p:cNvSpPr/>
+          <p:nvPr/>
+        </p:nvSpPr>
+        <p:spPr>
+          <a:xfrm>
+            <a:off x="5103846" y="1814027"/>
+            <a:ext cx="4296748" cy="917112"/>
+          </a:xfrm>
+          <a:prstGeom prst="rect">
+            <a:avLst/>
+          </a:prstGeom>
+          <a:solidFill>
+            <a:srgbClr val="0070C0"/>
+          </a:solidFill>
+        </p:spPr>
+        <p:style>
+          <a:lnRef idx="2">
+            <a:schemeClr val="accent1">
+              <a:shade val="15000"/>
+            </a:schemeClr>
+          </a:lnRef>
+          <a:fillRef idx="1">
+            <a:schemeClr val="accent1"/>
+          </a:fillRef>
+          <a:effectRef idx="0">
+            <a:schemeClr val="accent1"/>
+          </a:effectRef>
+          <a:fontRef idx="minor">
+            <a:schemeClr val="lt1"/>
+          </a:fontRef>
+        </p:style>
+        <p:txBody>
+          <a:bodyPr rtlCol="0" anchor="ctr"/>
+          <a:lstStyle/>
+          <a:p>
+            <a:pPr algn="ctr"/>
+            <a:r>
+              <a:rPr lang="en-US" dirty="0"/>
+              <a:t>Static and Dynamic UI Resources </a:t>
+            </a:r>
+          </a:p>
+          <a:p>
+            <a:pPr algn="ctr"/>
+            <a:r>
+              <a:rPr lang="en-US" dirty="0"/>
+              <a:t>e.g. Razor Views, HTML + CSS + JavaScript on server</a:t>
+            </a:r>
+          </a:p>
+        </p:txBody>
+      </p:sp>
+      <p:sp>
+        <p:nvSpPr>
+          <p:cNvPr id="25" name="Arrow: Up-Down 24">
+            <a:extLst>
+              <a:ext uri="{FF2B5EF4-FFF2-40B4-BE49-F238E27FC236}">
+                <a16:creationId xmlns:a16="http://schemas.microsoft.com/office/drawing/2014/main" id="{2D74C93F-A886-A2FB-11A9-5ECDBA10F72E}"/>
+              </a:ext>
+            </a:extLst>
+          </p:cNvPr>
+          <p:cNvSpPr/>
+          <p:nvPr/>
+        </p:nvSpPr>
+        <p:spPr>
+          <a:xfrm>
+            <a:off x="7249886" y="2677886"/>
+            <a:ext cx="242596" cy="365447"/>
+          </a:xfrm>
+          <a:prstGeom prst="upDownArrow">
+            <a:avLst/>
+          </a:prstGeom>
+          <a:solidFill>
+            <a:srgbClr val="C00000"/>
+          </a:solidFill>
+        </p:spPr>
+        <p:style>
+          <a:lnRef idx="2">
+            <a:schemeClr val="accent1">
+              <a:shade val="15000"/>
+            </a:schemeClr>
+          </a:lnRef>
+          <a:fillRef idx="1">
+            <a:schemeClr val="accent1"/>
+          </a:fillRef>
+          <a:effectRef idx="0">
+            <a:schemeClr val="accent1"/>
+          </a:effectRef>
+          <a:fontRef idx="minor">
+            <a:schemeClr val="lt1"/>
+          </a:fontRef>
+        </p:style>
+        <p:txBody>
+          <a:bodyPr rtlCol="0" anchor="ctr"/>
+          <a:lstStyle/>
+          <a:p>
+            <a:pPr algn="ctr"/>
+            <a:endParaRPr lang="en-US"/>
+          </a:p>
+        </p:txBody>
+      </p:sp>
+      <p:sp>
+        <p:nvSpPr>
+          <p:cNvPr id="26" name="Rectangle: Rounded Corners 25">
+            <a:extLst>
+              <a:ext uri="{FF2B5EF4-FFF2-40B4-BE49-F238E27FC236}">
+                <a16:creationId xmlns:a16="http://schemas.microsoft.com/office/drawing/2014/main" id="{46D704AA-FC2E-F60E-C2C0-DEFC2179E986}"/>
+              </a:ext>
+            </a:extLst>
+          </p:cNvPr>
+          <p:cNvSpPr/>
+          <p:nvPr/>
+        </p:nvSpPr>
+        <p:spPr>
+          <a:xfrm>
+            <a:off x="139959" y="139959"/>
+            <a:ext cx="2114939" cy="1101013"/>
+          </a:xfrm>
+          <a:prstGeom prst="roundRect">
+            <a:avLst/>
+          </a:prstGeom>
+        </p:spPr>
+        <p:style>
+          <a:lnRef idx="2">
+            <a:schemeClr val="accent1">
+              <a:shade val="15000"/>
+            </a:schemeClr>
+          </a:lnRef>
+          <a:fillRef idx="1">
+            <a:schemeClr val="accent1"/>
+          </a:fillRef>
+          <a:effectRef idx="0">
+            <a:schemeClr val="accent1"/>
+          </a:effectRef>
+          <a:fontRef idx="minor">
+            <a:schemeClr val="lt1"/>
+          </a:fontRef>
+        </p:style>
+        <p:txBody>
+          <a:bodyPr rtlCol="0" anchor="ctr"/>
+          <a:lstStyle/>
+          <a:p>
+            <a:pPr algn="ctr"/>
+            <a:r>
+              <a:rPr lang="en-US" dirty="0"/>
+              <a:t>Browser Client</a:t>
+            </a:r>
+          </a:p>
+        </p:txBody>
+      </p:sp>
+      <p:cxnSp>
+        <p:nvCxnSpPr>
+          <p:cNvPr id="30" name="Connector: Elbow 29">
+            <a:extLst>
+              <a:ext uri="{FF2B5EF4-FFF2-40B4-BE49-F238E27FC236}">
+                <a16:creationId xmlns:a16="http://schemas.microsoft.com/office/drawing/2014/main" id="{6E9540C1-DB1E-7453-44F9-63CAE43A4CEA}"/>
+              </a:ext>
+            </a:extLst>
+          </p:cNvPr>
+          <p:cNvCxnSpPr>
+            <a:cxnSpLocks/>
+            <a:stCxn id="26" idx="3"/>
+          </p:cNvCxnSpPr>
+          <p:nvPr/>
+        </p:nvCxnSpPr>
+        <p:spPr>
+          <a:xfrm>
+            <a:off x="2254898" y="690466"/>
+            <a:ext cx="1567544" cy="186612"/>
+          </a:xfrm>
+          <a:prstGeom prst="bentConnector3">
+            <a:avLst/>
+          </a:prstGeom>
+          <a:ln w="76200">
+            <a:solidFill>
+              <a:schemeClr val="accent4">
+                <a:lumMod val="50000"/>
+              </a:schemeClr>
+            </a:solidFill>
+            <a:headEnd type="triangle"/>
+            <a:tailEnd type="triangle"/>
+          </a:ln>
+        </p:spPr>
+        <p:style>
+          <a:lnRef idx="1">
+            <a:schemeClr val="accent1"/>
+          </a:lnRef>
+          <a:fillRef idx="0">
+            <a:schemeClr val="accent1"/>
+          </a:fillRef>
+          <a:effectRef idx="0">
+            <a:schemeClr val="accent1"/>
+          </a:effectRef>
+          <a:fontRef idx="minor">
+            <a:schemeClr val="tx1"/>
+          </a:fontRef>
+        </p:style>
+      </p:cxnSp>
+      <p:sp>
+        <p:nvSpPr>
+          <p:cNvPr id="31" name="TextBox 30">
+            <a:extLst>
+              <a:ext uri="{FF2B5EF4-FFF2-40B4-BE49-F238E27FC236}">
+                <a16:creationId xmlns:a16="http://schemas.microsoft.com/office/drawing/2014/main" id="{EE8822DF-FB7F-FED9-7C86-B86F6E29E0FA}"/>
+              </a:ext>
+            </a:extLst>
+          </p:cNvPr>
+          <p:cNvSpPr txBox="1"/>
+          <p:nvPr/>
+        </p:nvSpPr>
+        <p:spPr>
+          <a:xfrm>
+            <a:off x="2397967" y="139959"/>
+            <a:ext cx="1810140" cy="523220"/>
+          </a:xfrm>
+          <a:prstGeom prst="rect">
+            <a:avLst/>
+          </a:prstGeom>
+          <a:noFill/>
+        </p:spPr>
+        <p:txBody>
+          <a:bodyPr wrap="square" rtlCol="0">
+            <a:spAutoFit/>
+          </a:bodyPr>
+          <a:lstStyle/>
+          <a:p>
+            <a:pPr algn="ctr"/>
+            <a:r>
+              <a:rPr lang="en-US" sz="1400" b="1" dirty="0"/>
+              <a:t>Request and HTML response from Server</a:t>
+            </a:r>
+          </a:p>
+        </p:txBody>
+      </p:sp>
+      <p:sp>
+        <p:nvSpPr>
+          <p:cNvPr id="32" name="Rectangle: Rounded Corners 31">
+            <a:extLst>
+              <a:ext uri="{FF2B5EF4-FFF2-40B4-BE49-F238E27FC236}">
+                <a16:creationId xmlns:a16="http://schemas.microsoft.com/office/drawing/2014/main" id="{A794276C-48F0-3181-8666-A82991855DA9}"/>
+              </a:ext>
+            </a:extLst>
+          </p:cNvPr>
+          <p:cNvSpPr/>
+          <p:nvPr/>
+        </p:nvSpPr>
+        <p:spPr>
+          <a:xfrm>
+            <a:off x="1509228" y="2880427"/>
+            <a:ext cx="1567544" cy="1211424"/>
+          </a:xfrm>
+          <a:prstGeom prst="roundRect">
+            <a:avLst/>
+          </a:prstGeom>
+          <a:solidFill>
+            <a:srgbClr val="7030A0"/>
+          </a:solidFill>
+        </p:spPr>
+        <p:style>
+          <a:lnRef idx="2">
+            <a:schemeClr val="accent1">
+              <a:shade val="15000"/>
+            </a:schemeClr>
+          </a:lnRef>
+          <a:fillRef idx="1">
+            <a:schemeClr val="accent1"/>
+          </a:fillRef>
+          <a:effectRef idx="0">
+            <a:schemeClr val="accent1"/>
+          </a:effectRef>
+          <a:fontRef idx="minor">
+            <a:schemeClr val="lt1"/>
+          </a:fontRef>
+        </p:style>
+        <p:txBody>
+          <a:bodyPr rtlCol="0" anchor="ctr"/>
+          <a:lstStyle/>
+          <a:p>
+            <a:pPr algn="ctr"/>
+            <a:r>
+              <a:rPr lang="en-US" sz="1400" b="1" dirty="0"/>
+              <a:t>Third Party App</a:t>
+            </a:r>
+          </a:p>
+          <a:p>
+            <a:pPr algn="ctr"/>
+            <a:r>
+              <a:rPr lang="en-US" sz="1400" b="1" dirty="0"/>
+              <a:t>Node.js + Angular , React, Vue, for UI</a:t>
+            </a:r>
+          </a:p>
+        </p:txBody>
+      </p:sp>
+      <p:sp>
+        <p:nvSpPr>
+          <p:cNvPr id="34" name="Rectangle: Rounded Corners 33">
+            <a:extLst>
+              <a:ext uri="{FF2B5EF4-FFF2-40B4-BE49-F238E27FC236}">
+                <a16:creationId xmlns:a16="http://schemas.microsoft.com/office/drawing/2014/main" id="{76581C80-8307-17B9-4919-2091749F6916}"/>
+              </a:ext>
+            </a:extLst>
+          </p:cNvPr>
+          <p:cNvSpPr/>
+          <p:nvPr/>
+        </p:nvSpPr>
+        <p:spPr>
+          <a:xfrm>
+            <a:off x="139959" y="1471165"/>
+            <a:ext cx="1315617" cy="758851"/>
+          </a:xfrm>
+          <a:prstGeom prst="roundRect">
+            <a:avLst/>
+          </a:prstGeom>
+        </p:spPr>
+        <p:style>
+          <a:lnRef idx="2">
+            <a:schemeClr val="accent1">
+              <a:shade val="15000"/>
+            </a:schemeClr>
+          </a:lnRef>
+          <a:fillRef idx="1">
+            <a:schemeClr val="accent1"/>
+          </a:fillRef>
+          <a:effectRef idx="0">
+            <a:schemeClr val="accent1"/>
+          </a:effectRef>
+          <a:fontRef idx="minor">
+            <a:schemeClr val="lt1"/>
+          </a:fontRef>
+        </p:style>
+        <p:txBody>
+          <a:bodyPr rtlCol="0" anchor="ctr"/>
+          <a:lstStyle/>
+          <a:p>
+            <a:pPr algn="ctr"/>
+            <a:r>
+              <a:rPr lang="en-US" dirty="0"/>
+              <a:t>Browser Client</a:t>
+            </a:r>
+          </a:p>
+        </p:txBody>
+      </p:sp>
+      <p:cxnSp>
+        <p:nvCxnSpPr>
+          <p:cNvPr id="36" name="Connector: Elbow 35">
+            <a:extLst>
+              <a:ext uri="{FF2B5EF4-FFF2-40B4-BE49-F238E27FC236}">
+                <a16:creationId xmlns:a16="http://schemas.microsoft.com/office/drawing/2014/main" id="{E0AD3238-943D-C1AA-21EC-4E985E5DE6F9}"/>
+              </a:ext>
+            </a:extLst>
+          </p:cNvPr>
+          <p:cNvCxnSpPr>
+            <a:stCxn id="34" idx="3"/>
+            <a:endCxn id="32" idx="0"/>
+          </p:cNvCxnSpPr>
+          <p:nvPr/>
+        </p:nvCxnSpPr>
+        <p:spPr>
+          <a:xfrm>
+            <a:off x="1455576" y="1850591"/>
+            <a:ext cx="837424" cy="1029836"/>
+          </a:xfrm>
+          <a:prstGeom prst="bentConnector2">
+            <a:avLst/>
+          </a:prstGeom>
+          <a:ln w="76200">
+            <a:solidFill>
+              <a:schemeClr val="accent4">
+                <a:lumMod val="50000"/>
+              </a:schemeClr>
+            </a:solidFill>
+            <a:headEnd type="triangle"/>
+            <a:tailEnd type="triangle"/>
+          </a:ln>
+        </p:spPr>
+        <p:style>
+          <a:lnRef idx="1">
+            <a:schemeClr val="accent1"/>
+          </a:lnRef>
+          <a:fillRef idx="0">
+            <a:schemeClr val="accent1"/>
+          </a:fillRef>
+          <a:effectRef idx="0">
+            <a:schemeClr val="accent1"/>
+          </a:effectRef>
+          <a:fontRef idx="minor">
+            <a:schemeClr val="tx1"/>
+          </a:fontRef>
+        </p:style>
+      </p:cxnSp>
+      <p:sp>
+        <p:nvSpPr>
+          <p:cNvPr id="39" name="Rectangle 38">
+            <a:extLst>
+              <a:ext uri="{FF2B5EF4-FFF2-40B4-BE49-F238E27FC236}">
+                <a16:creationId xmlns:a16="http://schemas.microsoft.com/office/drawing/2014/main" id="{1087376B-BAFF-C815-4C46-18FA4C44927D}"/>
+              </a:ext>
+            </a:extLst>
+          </p:cNvPr>
+          <p:cNvSpPr/>
+          <p:nvPr/>
+        </p:nvSpPr>
+        <p:spPr>
+          <a:xfrm>
+            <a:off x="4139682" y="1814027"/>
+            <a:ext cx="861526" cy="917112"/>
+          </a:xfrm>
+          <a:prstGeom prst="rect">
+            <a:avLst/>
+          </a:prstGeom>
+          <a:solidFill>
+            <a:srgbClr val="00B050"/>
+          </a:solidFill>
+        </p:spPr>
+        <p:style>
+          <a:lnRef idx="2">
+            <a:schemeClr val="accent1">
+              <a:shade val="15000"/>
+            </a:schemeClr>
+          </a:lnRef>
+          <a:fillRef idx="1">
+            <a:schemeClr val="accent1"/>
+          </a:fillRef>
+          <a:effectRef idx="0">
+            <a:schemeClr val="accent1"/>
+          </a:effectRef>
+          <a:fontRef idx="minor">
+            <a:schemeClr val="lt1"/>
+          </a:fontRef>
+        </p:style>
+        <p:txBody>
+          <a:bodyPr rtlCol="0" anchor="ctr"/>
+          <a:lstStyle/>
+          <a:p>
+            <a:pPr algn="ctr"/>
+            <a:r>
+              <a:rPr lang="en-US" dirty="0"/>
+              <a:t>REST </a:t>
+            </a:r>
+          </a:p>
+          <a:p>
+            <a:pPr algn="ctr"/>
+            <a:r>
+              <a:rPr lang="en-US" dirty="0"/>
+              <a:t>API</a:t>
+            </a:r>
+          </a:p>
+        </p:txBody>
+      </p:sp>
+      <p:cxnSp>
+        <p:nvCxnSpPr>
+          <p:cNvPr id="41" name="Connector: Elbow 40">
+            <a:extLst>
+              <a:ext uri="{FF2B5EF4-FFF2-40B4-BE49-F238E27FC236}">
+                <a16:creationId xmlns:a16="http://schemas.microsoft.com/office/drawing/2014/main" id="{4F1F4BF9-36DD-7EEE-DBB8-D74E4720EF57}"/>
+              </a:ext>
+            </a:extLst>
+          </p:cNvPr>
+          <p:cNvCxnSpPr>
+            <a:stCxn id="9" idx="2"/>
+          </p:cNvCxnSpPr>
+          <p:nvPr/>
+        </p:nvCxnSpPr>
+        <p:spPr>
+          <a:xfrm rot="16200000" flipH="1">
+            <a:off x="6730483" y="1315616"/>
+            <a:ext cx="731676" cy="265146"/>
+          </a:xfrm>
+          <a:prstGeom prst="bentConnector3">
+            <a:avLst/>
+          </a:prstGeom>
+          <a:ln w="57150">
+            <a:solidFill>
+              <a:srgbClr val="C00000"/>
+            </a:solidFill>
+            <a:headEnd type="triangle"/>
+            <a:tailEnd type="triangle"/>
+          </a:ln>
+        </p:spPr>
+        <p:style>
+          <a:lnRef idx="1">
+            <a:schemeClr val="accent1"/>
+          </a:lnRef>
+          <a:fillRef idx="0">
+            <a:schemeClr val="accent1"/>
+          </a:fillRef>
+          <a:effectRef idx="0">
+            <a:schemeClr val="accent1"/>
+          </a:effectRef>
+          <a:fontRef idx="minor">
+            <a:schemeClr val="tx1"/>
+          </a:fontRef>
+        </p:style>
+      </p:cxnSp>
+      <p:cxnSp>
+        <p:nvCxnSpPr>
+          <p:cNvPr id="43" name="Connector: Elbow 42">
+            <a:extLst>
+              <a:ext uri="{FF2B5EF4-FFF2-40B4-BE49-F238E27FC236}">
+                <a16:creationId xmlns:a16="http://schemas.microsoft.com/office/drawing/2014/main" id="{8F924A9C-D3A2-553E-02C1-3762F4827F4D}"/>
+              </a:ext>
+            </a:extLst>
+          </p:cNvPr>
+          <p:cNvCxnSpPr>
+            <a:endCxn id="22" idx="1"/>
+          </p:cNvCxnSpPr>
+          <p:nvPr/>
+        </p:nvCxnSpPr>
+        <p:spPr>
+          <a:xfrm rot="16200000" flipH="1">
+            <a:off x="4512320" y="2815701"/>
+            <a:ext cx="470815" cy="301690"/>
+          </a:xfrm>
+          <a:prstGeom prst="bentConnector2">
+            <a:avLst/>
+          </a:prstGeom>
+          <a:ln w="76200">
+            <a:solidFill>
+              <a:srgbClr val="C00000"/>
+            </a:solidFill>
+            <a:headEnd type="triangle"/>
+            <a:tailEnd type="triangle"/>
+          </a:ln>
+        </p:spPr>
+        <p:style>
+          <a:lnRef idx="1">
+            <a:schemeClr val="accent1"/>
+          </a:lnRef>
+          <a:fillRef idx="0">
+            <a:schemeClr val="accent1"/>
+          </a:fillRef>
+          <a:effectRef idx="0">
+            <a:schemeClr val="accent1"/>
+          </a:effectRef>
+          <a:fontRef idx="minor">
+            <a:schemeClr val="tx1"/>
+          </a:fontRef>
+        </p:style>
+      </p:cxnSp>
+      <p:cxnSp>
+        <p:nvCxnSpPr>
+          <p:cNvPr id="45" name="Connector: Elbow 44">
+            <a:extLst>
+              <a:ext uri="{FF2B5EF4-FFF2-40B4-BE49-F238E27FC236}">
+                <a16:creationId xmlns:a16="http://schemas.microsoft.com/office/drawing/2014/main" id="{CF2ACF45-4A48-FBE4-6845-132870D3761A}"/>
+              </a:ext>
+            </a:extLst>
+          </p:cNvPr>
+          <p:cNvCxnSpPr>
+            <a:cxnSpLocks/>
+            <a:stCxn id="34" idx="0"/>
+            <a:endCxn id="39" idx="1"/>
+          </p:cNvCxnSpPr>
+          <p:nvPr/>
+        </p:nvCxnSpPr>
+        <p:spPr>
+          <a:xfrm rot="16200000" flipH="1">
+            <a:off x="2068016" y="200917"/>
+            <a:ext cx="801418" cy="3341914"/>
+          </a:xfrm>
+          <a:prstGeom prst="bentConnector4">
+            <a:avLst>
+              <a:gd name="adj1" fmla="val -18046"/>
+              <a:gd name="adj2" fmla="val 59842"/>
+            </a:avLst>
+          </a:prstGeom>
+          <a:ln w="76200">
+            <a:solidFill>
+              <a:srgbClr val="C00000"/>
+            </a:solidFill>
+            <a:headEnd type="triangle"/>
+            <a:tailEnd type="triangle"/>
+          </a:ln>
+        </p:spPr>
+        <p:style>
+          <a:lnRef idx="1">
+            <a:schemeClr val="accent1"/>
+          </a:lnRef>
+          <a:fillRef idx="0">
+            <a:schemeClr val="accent1"/>
+          </a:fillRef>
+          <a:effectRef idx="0">
+            <a:schemeClr val="accent1"/>
+          </a:effectRef>
+          <a:fontRef idx="minor">
+            <a:schemeClr val="tx1"/>
+          </a:fontRef>
+        </p:style>
+      </p:cxnSp>
+      <p:sp>
+        <p:nvSpPr>
+          <p:cNvPr id="46" name="TextBox 45">
+            <a:extLst>
+              <a:ext uri="{FF2B5EF4-FFF2-40B4-BE49-F238E27FC236}">
+                <a16:creationId xmlns:a16="http://schemas.microsoft.com/office/drawing/2014/main" id="{88B97F5A-441D-8EF5-3050-ECE35FAD92A1}"/>
+              </a:ext>
+            </a:extLst>
+          </p:cNvPr>
+          <p:cNvSpPr txBox="1"/>
+          <p:nvPr/>
+        </p:nvSpPr>
+        <p:spPr>
+          <a:xfrm>
+            <a:off x="139959" y="2397967"/>
+            <a:ext cx="1838131" cy="646331"/>
+          </a:xfrm>
+          <a:prstGeom prst="rect">
+            <a:avLst/>
+          </a:prstGeom>
+          <a:noFill/>
+        </p:spPr>
+        <p:txBody>
+          <a:bodyPr wrap="square" rtlCol="0">
+            <a:spAutoFit/>
+          </a:bodyPr>
+          <a:lstStyle/>
+          <a:p>
+            <a:pPr algn="ctr"/>
+            <a:r>
+              <a:rPr lang="en-US" b="1" dirty="0"/>
+              <a:t>HTML UI + CSS + JS</a:t>
+            </a:r>
+          </a:p>
+        </p:txBody>
+      </p:sp>
+      <p:sp>
+        <p:nvSpPr>
+          <p:cNvPr id="49" name="Pentagon 48">
+            <a:extLst>
+              <a:ext uri="{FF2B5EF4-FFF2-40B4-BE49-F238E27FC236}">
+                <a16:creationId xmlns:a16="http://schemas.microsoft.com/office/drawing/2014/main" id="{5BBE7AC6-2079-2640-5E11-3AC35807CC0B}"/>
+              </a:ext>
+            </a:extLst>
+          </p:cNvPr>
+          <p:cNvSpPr/>
+          <p:nvPr/>
+        </p:nvSpPr>
+        <p:spPr>
+          <a:xfrm>
+            <a:off x="186613" y="4855998"/>
+            <a:ext cx="1723053" cy="1722084"/>
+          </a:xfrm>
+          <a:prstGeom prst="pentagon">
+            <a:avLst/>
+          </a:prstGeom>
+          <a:solidFill>
+            <a:srgbClr val="FF0000"/>
+          </a:solidFill>
+        </p:spPr>
+        <p:style>
+          <a:lnRef idx="2">
+            <a:schemeClr val="accent1">
+              <a:shade val="15000"/>
+            </a:schemeClr>
+          </a:lnRef>
+          <a:fillRef idx="1">
+            <a:schemeClr val="accent1"/>
+          </a:fillRef>
+          <a:effectRef idx="0">
+            <a:schemeClr val="accent1"/>
+          </a:effectRef>
+          <a:fontRef idx="minor">
+            <a:schemeClr val="lt1"/>
+          </a:fontRef>
+        </p:style>
+        <p:txBody>
+          <a:bodyPr rtlCol="0" anchor="ctr"/>
+          <a:lstStyle/>
+          <a:p>
+            <a:pPr algn="ctr"/>
+            <a:r>
+              <a:rPr lang="en-US" sz="1400" b="1" dirty="0"/>
+              <a:t>Mobile Apps</a:t>
+            </a:r>
+          </a:p>
+          <a:p>
+            <a:pPr algn="ctr"/>
+            <a:r>
+              <a:rPr lang="en-US" sz="1400" b="1" dirty="0"/>
+              <a:t>.NET MAUI / React Native</a:t>
+            </a:r>
+          </a:p>
+          <a:p>
+            <a:pPr algn="ctr"/>
+            <a:endParaRPr lang="en-US" sz="1400" b="1" dirty="0"/>
+          </a:p>
+          <a:p>
+            <a:pPr algn="ctr"/>
+            <a:endParaRPr lang="en-US" sz="1400" b="1" dirty="0"/>
+          </a:p>
+        </p:txBody>
+      </p:sp>
+      <p:cxnSp>
+        <p:nvCxnSpPr>
+          <p:cNvPr id="51" name="Connector: Elbow 50">
+            <a:extLst>
+              <a:ext uri="{FF2B5EF4-FFF2-40B4-BE49-F238E27FC236}">
+                <a16:creationId xmlns:a16="http://schemas.microsoft.com/office/drawing/2014/main" id="{B94DAEE5-8936-892F-5CDE-30B646DCE235}"/>
+              </a:ext>
+            </a:extLst>
+          </p:cNvPr>
+          <p:cNvCxnSpPr>
+            <a:stCxn id="49" idx="5"/>
+            <a:endCxn id="39" idx="1"/>
+          </p:cNvCxnSpPr>
+          <p:nvPr/>
+        </p:nvCxnSpPr>
+        <p:spPr>
+          <a:xfrm flipV="1">
+            <a:off x="1909664" y="2272583"/>
+            <a:ext cx="2230018" cy="3241191"/>
+          </a:xfrm>
+          <a:prstGeom prst="bentConnector3">
+            <a:avLst>
+              <a:gd name="adj1" fmla="val 59205"/>
+            </a:avLst>
+          </a:prstGeom>
+          <a:ln w="76200">
+            <a:solidFill>
+              <a:srgbClr val="002060"/>
+            </a:solidFill>
+            <a:headEnd type="triangle"/>
+            <a:tailEnd type="triangle"/>
+          </a:ln>
+        </p:spPr>
+        <p:style>
+          <a:lnRef idx="1">
+            <a:schemeClr val="accent1"/>
+          </a:lnRef>
+          <a:fillRef idx="0">
+            <a:schemeClr val="accent1"/>
+          </a:fillRef>
+          <a:effectRef idx="0">
+            <a:schemeClr val="accent1"/>
+          </a:effectRef>
+          <a:fontRef idx="minor">
+            <a:schemeClr val="tx1"/>
+          </a:fontRef>
+        </p:style>
+      </p:cxnSp>
+      <p:sp>
+        <p:nvSpPr>
+          <p:cNvPr id="53" name="Rectangle: Rounded Corners 52">
+            <a:extLst>
+              <a:ext uri="{FF2B5EF4-FFF2-40B4-BE49-F238E27FC236}">
+                <a16:creationId xmlns:a16="http://schemas.microsoft.com/office/drawing/2014/main" id="{54A7390D-094E-6113-93C0-FD4E12F252E3}"/>
+              </a:ext>
+            </a:extLst>
+          </p:cNvPr>
+          <p:cNvSpPr/>
+          <p:nvPr/>
+        </p:nvSpPr>
+        <p:spPr>
+          <a:xfrm>
+            <a:off x="135296" y="4041716"/>
+            <a:ext cx="1315617" cy="758851"/>
+          </a:xfrm>
+          <a:prstGeom prst="roundRect">
+            <a:avLst/>
+          </a:prstGeom>
+        </p:spPr>
+        <p:style>
+          <a:lnRef idx="2">
+            <a:schemeClr val="accent1">
+              <a:shade val="15000"/>
+            </a:schemeClr>
+          </a:lnRef>
+          <a:fillRef idx="1">
+            <a:schemeClr val="accent1"/>
+          </a:fillRef>
+          <a:effectRef idx="0">
+            <a:schemeClr val="accent1"/>
+          </a:effectRef>
+          <a:fontRef idx="minor">
+            <a:schemeClr val="lt1"/>
+          </a:fontRef>
+        </p:style>
+        <p:txBody>
+          <a:bodyPr rtlCol="0" anchor="ctr"/>
+          <a:lstStyle/>
+          <a:p>
+            <a:pPr algn="ctr"/>
+            <a:r>
+              <a:rPr lang="en-US" sz="1200" b="1" dirty="0"/>
+              <a:t>Blazor Web Assembly</a:t>
+            </a:r>
+          </a:p>
+          <a:p>
+            <a:pPr algn="ctr"/>
+            <a:r>
+              <a:rPr lang="en-US" sz="1200" b="1" dirty="0"/>
+              <a:t>App</a:t>
+            </a:r>
+          </a:p>
+        </p:txBody>
+      </p:sp>
+      <p:cxnSp>
+        <p:nvCxnSpPr>
+          <p:cNvPr id="55" name="Connector: Elbow 54">
+            <a:extLst>
+              <a:ext uri="{FF2B5EF4-FFF2-40B4-BE49-F238E27FC236}">
+                <a16:creationId xmlns:a16="http://schemas.microsoft.com/office/drawing/2014/main" id="{7882A9AE-7F7E-DB8E-C75F-1A0AB640046B}"/>
+              </a:ext>
+            </a:extLst>
+          </p:cNvPr>
+          <p:cNvCxnSpPr>
+            <a:stCxn id="53" idx="3"/>
+          </p:cNvCxnSpPr>
+          <p:nvPr/>
+        </p:nvCxnSpPr>
+        <p:spPr>
+          <a:xfrm flipV="1">
+            <a:off x="1450913" y="2230016"/>
+            <a:ext cx="2688769" cy="2191126"/>
+          </a:xfrm>
+          <a:prstGeom prst="bentConnector3">
+            <a:avLst>
+              <a:gd name="adj1" fmla="val 79497"/>
+            </a:avLst>
+          </a:prstGeom>
+          <a:ln w="76200">
+            <a:solidFill>
+              <a:srgbClr val="00B050"/>
+            </a:solidFill>
+            <a:headEnd type="triangle"/>
+            <a:tailEnd type="triangle"/>
+          </a:ln>
+        </p:spPr>
+        <p:style>
+          <a:lnRef idx="1">
+            <a:schemeClr val="accent1"/>
+          </a:lnRef>
+          <a:fillRef idx="0">
+            <a:schemeClr val="accent1"/>
+          </a:fillRef>
+          <a:effectRef idx="0">
+            <a:schemeClr val="accent1"/>
+          </a:effectRef>
+          <a:fontRef idx="minor">
+            <a:schemeClr val="tx1"/>
+          </a:fontRef>
+        </p:style>
+      </p:cxnSp>
+      <p:sp>
+        <p:nvSpPr>
+          <p:cNvPr id="57" name="Rectangle 56">
+            <a:extLst>
+              <a:ext uri="{FF2B5EF4-FFF2-40B4-BE49-F238E27FC236}">
+                <a16:creationId xmlns:a16="http://schemas.microsoft.com/office/drawing/2014/main" id="{B12CA722-E2DA-B2B9-C811-DE5D071C8A20}"/>
+              </a:ext>
+            </a:extLst>
+          </p:cNvPr>
+          <p:cNvSpPr/>
+          <p:nvPr/>
+        </p:nvSpPr>
+        <p:spPr>
+          <a:xfrm>
+            <a:off x="4898572" y="5386836"/>
+            <a:ext cx="4721290" cy="388813"/>
+          </a:xfrm>
+          <a:prstGeom prst="rect">
+            <a:avLst/>
+          </a:prstGeom>
+        </p:spPr>
+        <p:style>
+          <a:lnRef idx="2">
+            <a:schemeClr val="accent1">
+              <a:shade val="15000"/>
+            </a:schemeClr>
+          </a:lnRef>
+          <a:fillRef idx="1">
+            <a:schemeClr val="accent1"/>
+          </a:fillRef>
+          <a:effectRef idx="0">
+            <a:schemeClr val="accent1"/>
+          </a:effectRef>
+          <a:fontRef idx="minor">
+            <a:schemeClr val="lt1"/>
+          </a:fontRef>
+        </p:style>
+        <p:txBody>
+          <a:bodyPr rtlCol="0" anchor="ctr"/>
+          <a:lstStyle/>
+          <a:p>
+            <a:pPr algn="ctr"/>
+            <a:r>
+              <a:rPr lang="en-US" b="1" dirty="0"/>
+              <a:t>In-Memory Cache</a:t>
+            </a:r>
+          </a:p>
+        </p:txBody>
+      </p:sp>
+      <p:cxnSp>
+        <p:nvCxnSpPr>
+          <p:cNvPr id="62" name="Connector: Elbow 61">
+            <a:extLst>
+              <a:ext uri="{FF2B5EF4-FFF2-40B4-BE49-F238E27FC236}">
+                <a16:creationId xmlns:a16="http://schemas.microsoft.com/office/drawing/2014/main" id="{19449322-E76C-7103-3A9C-9C0B1BB2B306}"/>
+              </a:ext>
+            </a:extLst>
+          </p:cNvPr>
+          <p:cNvCxnSpPr>
+            <a:cxnSpLocks/>
+            <a:stCxn id="11" idx="2"/>
+            <a:endCxn id="57" idx="0"/>
+          </p:cNvCxnSpPr>
+          <p:nvPr/>
+        </p:nvCxnSpPr>
+        <p:spPr>
+          <a:xfrm rot="5400000">
+            <a:off x="7180704" y="5247673"/>
+            <a:ext cx="217677" cy="60649"/>
+          </a:xfrm>
+          <a:prstGeom prst="bentConnector3">
+            <a:avLst/>
+          </a:prstGeom>
+          <a:ln w="76200">
+            <a:solidFill>
+              <a:srgbClr val="C00000"/>
+            </a:solidFill>
+            <a:tailEnd type="triangle"/>
+          </a:ln>
+        </p:spPr>
+        <p:style>
+          <a:lnRef idx="1">
+            <a:schemeClr val="accent1"/>
+          </a:lnRef>
+          <a:fillRef idx="0">
+            <a:schemeClr val="accent1"/>
+          </a:fillRef>
+          <a:effectRef idx="0">
+            <a:schemeClr val="accent1"/>
+          </a:effectRef>
+          <a:fontRef idx="minor">
+            <a:schemeClr val="tx1"/>
+          </a:fontRef>
+        </p:style>
+      </p:cxnSp>
+      <p:cxnSp>
+        <p:nvCxnSpPr>
+          <p:cNvPr id="64" name="Connector: Elbow 63">
+            <a:extLst>
+              <a:ext uri="{FF2B5EF4-FFF2-40B4-BE49-F238E27FC236}">
+                <a16:creationId xmlns:a16="http://schemas.microsoft.com/office/drawing/2014/main" id="{1FAC85A0-CB81-C6D0-3A5F-51E9B364FA37}"/>
+              </a:ext>
+            </a:extLst>
+          </p:cNvPr>
+          <p:cNvCxnSpPr>
+            <a:cxnSpLocks/>
+            <a:stCxn id="57" idx="1"/>
+            <a:endCxn id="20" idx="1"/>
+          </p:cNvCxnSpPr>
+          <p:nvPr/>
+        </p:nvCxnSpPr>
+        <p:spPr>
+          <a:xfrm rot="10800000">
+            <a:off x="4702630" y="3968621"/>
+            <a:ext cx="195943" cy="1612623"/>
+          </a:xfrm>
+          <a:prstGeom prst="bentConnector3">
+            <a:avLst>
+              <a:gd name="adj1" fmla="val 216667"/>
+            </a:avLst>
+          </a:prstGeom>
+          <a:ln w="76200">
+            <a:solidFill>
+              <a:srgbClr val="C00000"/>
+            </a:solidFill>
+            <a:tailEnd type="triangle"/>
+          </a:ln>
+        </p:spPr>
+        <p:style>
+          <a:lnRef idx="1">
+            <a:schemeClr val="accent1"/>
+          </a:lnRef>
+          <a:fillRef idx="0">
+            <a:schemeClr val="accent1"/>
+          </a:fillRef>
+          <a:effectRef idx="0">
+            <a:schemeClr val="accent1"/>
+          </a:effectRef>
+          <a:fontRef idx="minor">
+            <a:schemeClr val="tx1"/>
+          </a:fontRef>
+        </p:style>
+      </p:cxnSp>
+    </p:spTree>
+    <p:extLst>
+      <p:ext uri="{BB962C8B-B14F-4D97-AF65-F5344CB8AC3E}">
+        <p14:creationId xmlns:p14="http://schemas.microsoft.com/office/powerpoint/2010/main" val="4026190433"/>
+      </p:ext>
+    </p:extLst>
+  </p:cSld>
+  <p:clrMapOvr>
+    <a:masterClrMapping/>
+  </p:clrMapOvr>
+</p:sld>
+</file>
+
+<file path=ppt/slides/slide17.xml><?xml version="1.0" encoding="utf-8"?>
+<p:sld xmlns:a="http://schemas.openxmlformats.org/drawingml/2006/main" xmlns:r="http://schemas.openxmlformats.org/officeDocument/2006/relationships" xmlns:p="http://schemas.openxmlformats.org/presentationml/2006/main">
+  <p:cSld>
+    <p:spTree>
+      <p:nvGrpSpPr>
+        <p:cNvPr id="1" name=""/>
+        <p:cNvGrpSpPr/>
+        <p:nvPr/>
+      </p:nvGrpSpPr>
+      <p:grpSpPr>
+        <a:xfrm>
+          <a:off x="0" y="0"/>
+          <a:ext cx="0" cy="0"/>
+          <a:chOff x="0" y="0"/>
+          <a:chExt cx="0" cy="0"/>
+        </a:xfrm>
+      </p:grpSpPr>
+      <p:sp>
+        <p:nvSpPr>
+          <p:cNvPr id="2" name="Rectangle 1">
+            <a:extLst>
+              <a:ext uri="{FF2B5EF4-FFF2-40B4-BE49-F238E27FC236}">
+                <a16:creationId xmlns:a16="http://schemas.microsoft.com/office/drawing/2014/main" id="{8C3928FB-CEB3-FACC-BA33-49599329922B}"/>
+              </a:ext>
+            </a:extLst>
+          </p:cNvPr>
+          <p:cNvSpPr/>
+          <p:nvPr/>
+        </p:nvSpPr>
+        <p:spPr>
+          <a:xfrm>
+            <a:off x="4749282" y="587828"/>
+            <a:ext cx="3125755" cy="1427583"/>
+          </a:xfrm>
+          <a:prstGeom prst="rect">
+            <a:avLst/>
+          </a:prstGeom>
+        </p:spPr>
+        <p:style>
+          <a:lnRef idx="2">
+            <a:schemeClr val="accent1">
+              <a:shade val="15000"/>
+            </a:schemeClr>
+          </a:lnRef>
+          <a:fillRef idx="1">
+            <a:schemeClr val="accent1"/>
+          </a:fillRef>
+          <a:effectRef idx="0">
+            <a:schemeClr val="accent1"/>
+          </a:effectRef>
+          <a:fontRef idx="minor">
+            <a:schemeClr val="lt1"/>
+          </a:fontRef>
+        </p:style>
+        <p:txBody>
+          <a:bodyPr rtlCol="0" anchor="ctr"/>
+          <a:lstStyle/>
+          <a:p>
+            <a:pPr algn="ctr"/>
+            <a:r>
+              <a:rPr lang="en-US" dirty="0"/>
+              <a:t>ASP.NET Core App 1</a:t>
+            </a:r>
+          </a:p>
+        </p:txBody>
+      </p:sp>
+      <p:sp>
+        <p:nvSpPr>
+          <p:cNvPr id="3" name="Rectangle 2">
+            <a:extLst>
+              <a:ext uri="{FF2B5EF4-FFF2-40B4-BE49-F238E27FC236}">
+                <a16:creationId xmlns:a16="http://schemas.microsoft.com/office/drawing/2014/main" id="{C70CD085-11CE-E2AE-BBEF-E0615BEA2276}"/>
+              </a:ext>
+            </a:extLst>
+          </p:cNvPr>
+          <p:cNvSpPr/>
+          <p:nvPr/>
+        </p:nvSpPr>
+        <p:spPr>
+          <a:xfrm>
+            <a:off x="4749282" y="2925146"/>
+            <a:ext cx="3125755" cy="1427583"/>
+          </a:xfrm>
+          <a:prstGeom prst="rect">
+            <a:avLst/>
+          </a:prstGeom>
+        </p:spPr>
+        <p:style>
+          <a:lnRef idx="2">
+            <a:schemeClr val="accent1">
+              <a:shade val="15000"/>
+            </a:schemeClr>
+          </a:lnRef>
+          <a:fillRef idx="1">
+            <a:schemeClr val="accent1"/>
+          </a:fillRef>
+          <a:effectRef idx="0">
+            <a:schemeClr val="accent1"/>
+          </a:effectRef>
+          <a:fontRef idx="minor">
+            <a:schemeClr val="lt1"/>
+          </a:fontRef>
+        </p:style>
+        <p:txBody>
+          <a:bodyPr rtlCol="0" anchor="ctr"/>
+          <a:lstStyle/>
+          <a:p>
+            <a:pPr algn="ctr"/>
+            <a:r>
+              <a:rPr lang="en-US" dirty="0"/>
+              <a:t>ASP.NET Core App 2</a:t>
+            </a:r>
+          </a:p>
+        </p:txBody>
+      </p:sp>
+      <p:sp>
+        <p:nvSpPr>
+          <p:cNvPr id="4" name="Rectangle 3">
+            <a:extLst>
+              <a:ext uri="{FF2B5EF4-FFF2-40B4-BE49-F238E27FC236}">
+                <a16:creationId xmlns:a16="http://schemas.microsoft.com/office/drawing/2014/main" id="{D4C0B916-3808-234E-37F6-A24FC53FF368}"/>
+              </a:ext>
+            </a:extLst>
+          </p:cNvPr>
+          <p:cNvSpPr/>
+          <p:nvPr/>
+        </p:nvSpPr>
+        <p:spPr>
+          <a:xfrm>
+            <a:off x="4749281" y="5206481"/>
+            <a:ext cx="3125755" cy="1427583"/>
+          </a:xfrm>
+          <a:prstGeom prst="rect">
+            <a:avLst/>
+          </a:prstGeom>
+        </p:spPr>
+        <p:style>
+          <a:lnRef idx="2">
+            <a:schemeClr val="accent1">
+              <a:shade val="15000"/>
+            </a:schemeClr>
+          </a:lnRef>
+          <a:fillRef idx="1">
+            <a:schemeClr val="accent1"/>
+          </a:fillRef>
+          <a:effectRef idx="0">
+            <a:schemeClr val="accent1"/>
+          </a:effectRef>
+          <a:fontRef idx="minor">
+            <a:schemeClr val="lt1"/>
+          </a:fontRef>
+        </p:style>
+        <p:txBody>
+          <a:bodyPr rtlCol="0" anchor="ctr"/>
+          <a:lstStyle/>
+          <a:p>
+            <a:pPr algn="ctr"/>
+            <a:r>
+              <a:rPr lang="en-US" dirty="0"/>
+              <a:t>ASP.NET Core App 3</a:t>
+            </a:r>
+          </a:p>
+        </p:txBody>
+      </p:sp>
+      <p:sp>
+        <p:nvSpPr>
+          <p:cNvPr id="5" name="Cylinder 4">
+            <a:extLst>
+              <a:ext uri="{FF2B5EF4-FFF2-40B4-BE49-F238E27FC236}">
+                <a16:creationId xmlns:a16="http://schemas.microsoft.com/office/drawing/2014/main" id="{84CE76CA-061B-8C65-157F-FCF420973A9C}"/>
+              </a:ext>
+            </a:extLst>
+          </p:cNvPr>
+          <p:cNvSpPr/>
+          <p:nvPr/>
+        </p:nvSpPr>
+        <p:spPr>
+          <a:xfrm>
+            <a:off x="10142376" y="653143"/>
+            <a:ext cx="1399591" cy="942392"/>
+          </a:xfrm>
+          <a:prstGeom prst="can">
+            <a:avLst/>
+          </a:prstGeom>
+        </p:spPr>
+        <p:style>
+          <a:lnRef idx="2">
+            <a:schemeClr val="accent1">
+              <a:shade val="15000"/>
+            </a:schemeClr>
+          </a:lnRef>
+          <a:fillRef idx="1">
+            <a:schemeClr val="accent1"/>
+          </a:fillRef>
+          <a:effectRef idx="0">
+            <a:schemeClr val="accent1"/>
+          </a:effectRef>
+          <a:fontRef idx="minor">
+            <a:schemeClr val="lt1"/>
+          </a:fontRef>
+        </p:style>
+        <p:txBody>
+          <a:bodyPr rtlCol="0" anchor="ctr"/>
+          <a:lstStyle/>
+          <a:p>
+            <a:pPr algn="ctr"/>
+            <a:r>
+              <a:rPr lang="en-US" dirty="0"/>
+              <a:t>Db1</a:t>
+            </a:r>
+          </a:p>
+        </p:txBody>
+      </p:sp>
+      <p:sp>
+        <p:nvSpPr>
+          <p:cNvPr id="6" name="Arrow: Left-Right 5">
+            <a:extLst>
+              <a:ext uri="{FF2B5EF4-FFF2-40B4-BE49-F238E27FC236}">
+                <a16:creationId xmlns:a16="http://schemas.microsoft.com/office/drawing/2014/main" id="{CE5DA188-B26B-F5F3-FD2E-FD5E5CBB7E3F}"/>
+              </a:ext>
+            </a:extLst>
+          </p:cNvPr>
+          <p:cNvSpPr/>
+          <p:nvPr/>
+        </p:nvSpPr>
+        <p:spPr>
+          <a:xfrm>
+            <a:off x="7875036" y="979714"/>
+            <a:ext cx="2267340" cy="298579"/>
+          </a:xfrm>
+          <a:prstGeom prst="leftRightArrow">
+            <a:avLst/>
+          </a:prstGeom>
+        </p:spPr>
+        <p:style>
+          <a:lnRef idx="2">
+            <a:schemeClr val="accent1">
+              <a:shade val="15000"/>
+            </a:schemeClr>
+          </a:lnRef>
+          <a:fillRef idx="1">
+            <a:schemeClr val="accent1"/>
+          </a:fillRef>
+          <a:effectRef idx="0">
+            <a:schemeClr val="accent1"/>
+          </a:effectRef>
+          <a:fontRef idx="minor">
+            <a:schemeClr val="lt1"/>
+          </a:fontRef>
+        </p:style>
+        <p:txBody>
+          <a:bodyPr rtlCol="0" anchor="ctr"/>
+          <a:lstStyle/>
+          <a:p>
+            <a:pPr algn="ctr"/>
+            <a:endParaRPr lang="en-US"/>
+          </a:p>
+        </p:txBody>
+      </p:sp>
+      <p:sp>
+        <p:nvSpPr>
+          <p:cNvPr id="7" name="Cylinder 6">
+            <a:extLst>
+              <a:ext uri="{FF2B5EF4-FFF2-40B4-BE49-F238E27FC236}">
+                <a16:creationId xmlns:a16="http://schemas.microsoft.com/office/drawing/2014/main" id="{5F304686-229A-82B3-1D42-71A052DC8173}"/>
+              </a:ext>
+            </a:extLst>
+          </p:cNvPr>
+          <p:cNvSpPr/>
+          <p:nvPr/>
+        </p:nvSpPr>
+        <p:spPr>
+          <a:xfrm>
+            <a:off x="10142376" y="2925147"/>
+            <a:ext cx="1399591" cy="942392"/>
+          </a:xfrm>
+          <a:prstGeom prst="can">
+            <a:avLst/>
+          </a:prstGeom>
+        </p:spPr>
+        <p:style>
+          <a:lnRef idx="2">
+            <a:schemeClr val="accent1">
+              <a:shade val="15000"/>
+            </a:schemeClr>
+          </a:lnRef>
+          <a:fillRef idx="1">
+            <a:schemeClr val="accent1"/>
+          </a:fillRef>
+          <a:effectRef idx="0">
+            <a:schemeClr val="accent1"/>
+          </a:effectRef>
+          <a:fontRef idx="minor">
+            <a:schemeClr val="lt1"/>
+          </a:fontRef>
+        </p:style>
+        <p:txBody>
+          <a:bodyPr rtlCol="0" anchor="ctr"/>
+          <a:lstStyle/>
+          <a:p>
+            <a:pPr algn="ctr"/>
+            <a:r>
+              <a:rPr lang="en-US" dirty="0"/>
+              <a:t>Db2</a:t>
+            </a:r>
+          </a:p>
+        </p:txBody>
+      </p:sp>
+      <p:sp>
+        <p:nvSpPr>
+          <p:cNvPr id="8" name="Arrow: Left-Right 7">
+            <a:extLst>
+              <a:ext uri="{FF2B5EF4-FFF2-40B4-BE49-F238E27FC236}">
+                <a16:creationId xmlns:a16="http://schemas.microsoft.com/office/drawing/2014/main" id="{7A6281B8-016F-ADC0-68C8-1BD2EF2358AB}"/>
+              </a:ext>
+            </a:extLst>
+          </p:cNvPr>
+          <p:cNvSpPr/>
+          <p:nvPr/>
+        </p:nvSpPr>
+        <p:spPr>
+          <a:xfrm>
+            <a:off x="7875036" y="3251718"/>
+            <a:ext cx="2267340" cy="298579"/>
+          </a:xfrm>
+          <a:prstGeom prst="leftRightArrow">
+            <a:avLst/>
+          </a:prstGeom>
+        </p:spPr>
+        <p:style>
+          <a:lnRef idx="2">
+            <a:schemeClr val="accent1">
+              <a:shade val="15000"/>
+            </a:schemeClr>
+          </a:lnRef>
+          <a:fillRef idx="1">
+            <a:schemeClr val="accent1"/>
+          </a:fillRef>
+          <a:effectRef idx="0">
+            <a:schemeClr val="accent1"/>
+          </a:effectRef>
+          <a:fontRef idx="minor">
+            <a:schemeClr val="lt1"/>
+          </a:fontRef>
+        </p:style>
+        <p:txBody>
+          <a:bodyPr rtlCol="0" anchor="ctr"/>
+          <a:lstStyle/>
+          <a:p>
+            <a:pPr algn="ctr"/>
+            <a:endParaRPr lang="en-US"/>
+          </a:p>
+        </p:txBody>
+      </p:sp>
+      <p:sp>
+        <p:nvSpPr>
+          <p:cNvPr id="9" name="Cylinder 8">
+            <a:extLst>
+              <a:ext uri="{FF2B5EF4-FFF2-40B4-BE49-F238E27FC236}">
+                <a16:creationId xmlns:a16="http://schemas.microsoft.com/office/drawing/2014/main" id="{91FCA4F5-9B51-5891-B324-54AB14C3B555}"/>
+              </a:ext>
+            </a:extLst>
+          </p:cNvPr>
+          <p:cNvSpPr/>
+          <p:nvPr/>
+        </p:nvSpPr>
+        <p:spPr>
+          <a:xfrm>
+            <a:off x="10142376" y="5192486"/>
+            <a:ext cx="1399591" cy="942392"/>
+          </a:xfrm>
+          <a:prstGeom prst="can">
+            <a:avLst/>
+          </a:prstGeom>
+        </p:spPr>
+        <p:style>
+          <a:lnRef idx="2">
+            <a:schemeClr val="accent1">
+              <a:shade val="15000"/>
+            </a:schemeClr>
+          </a:lnRef>
+          <a:fillRef idx="1">
+            <a:schemeClr val="accent1"/>
+          </a:fillRef>
+          <a:effectRef idx="0">
+            <a:schemeClr val="accent1"/>
+          </a:effectRef>
+          <a:fontRef idx="minor">
+            <a:schemeClr val="lt1"/>
+          </a:fontRef>
+        </p:style>
+        <p:txBody>
+          <a:bodyPr rtlCol="0" anchor="ctr"/>
+          <a:lstStyle/>
+          <a:p>
+            <a:pPr algn="ctr"/>
+            <a:r>
+              <a:rPr lang="en-US" dirty="0"/>
+              <a:t>Db3</a:t>
+            </a:r>
+          </a:p>
+        </p:txBody>
+      </p:sp>
+      <p:sp>
+        <p:nvSpPr>
+          <p:cNvPr id="10" name="Arrow: Left-Right 9">
+            <a:extLst>
+              <a:ext uri="{FF2B5EF4-FFF2-40B4-BE49-F238E27FC236}">
+                <a16:creationId xmlns:a16="http://schemas.microsoft.com/office/drawing/2014/main" id="{C1B251FA-184E-8462-337F-1274FE43A041}"/>
+              </a:ext>
+            </a:extLst>
+          </p:cNvPr>
+          <p:cNvSpPr/>
+          <p:nvPr/>
+        </p:nvSpPr>
+        <p:spPr>
+          <a:xfrm>
+            <a:off x="7875036" y="5575039"/>
+            <a:ext cx="2267340" cy="298579"/>
+          </a:xfrm>
+          <a:prstGeom prst="leftRightArrow">
+            <a:avLst/>
+          </a:prstGeom>
+        </p:spPr>
+        <p:style>
+          <a:lnRef idx="2">
+            <a:schemeClr val="accent1">
+              <a:shade val="15000"/>
+            </a:schemeClr>
+          </a:lnRef>
+          <a:fillRef idx="1">
+            <a:schemeClr val="accent1"/>
+          </a:fillRef>
+          <a:effectRef idx="0">
+            <a:schemeClr val="accent1"/>
+          </a:effectRef>
+          <a:fontRef idx="minor">
+            <a:schemeClr val="lt1"/>
+          </a:fontRef>
+        </p:style>
+        <p:txBody>
+          <a:bodyPr rtlCol="0" anchor="ctr"/>
+          <a:lstStyle/>
+          <a:p>
+            <a:pPr algn="ctr"/>
+            <a:endParaRPr lang="en-US"/>
+          </a:p>
+        </p:txBody>
+      </p:sp>
+      <p:sp>
+        <p:nvSpPr>
+          <p:cNvPr id="11" name="Cylinder 10">
+            <a:extLst>
+              <a:ext uri="{FF2B5EF4-FFF2-40B4-BE49-F238E27FC236}">
+                <a16:creationId xmlns:a16="http://schemas.microsoft.com/office/drawing/2014/main" id="{59B7D815-D9A2-20DF-721D-5E181CCB29AD}"/>
+              </a:ext>
+            </a:extLst>
+          </p:cNvPr>
+          <p:cNvSpPr/>
+          <p:nvPr/>
+        </p:nvSpPr>
+        <p:spPr>
+          <a:xfrm>
+            <a:off x="905069" y="4683967"/>
+            <a:ext cx="1716833" cy="737119"/>
+          </a:xfrm>
+          <a:prstGeom prst="can">
+            <a:avLst/>
+          </a:prstGeom>
+        </p:spPr>
+        <p:style>
+          <a:lnRef idx="2">
+            <a:schemeClr val="accent1">
+              <a:shade val="15000"/>
+            </a:schemeClr>
+          </a:lnRef>
+          <a:fillRef idx="1">
+            <a:schemeClr val="accent1"/>
+          </a:fillRef>
+          <a:effectRef idx="0">
+            <a:schemeClr val="accent1"/>
+          </a:effectRef>
+          <a:fontRef idx="minor">
+            <a:schemeClr val="lt1"/>
+          </a:fontRef>
+        </p:style>
+        <p:txBody>
+          <a:bodyPr rtlCol="0" anchor="ctr"/>
+          <a:lstStyle/>
+          <a:p>
+            <a:pPr algn="ctr"/>
+            <a:endParaRPr lang="en-US"/>
+          </a:p>
+        </p:txBody>
+      </p:sp>
+      <p:sp>
+        <p:nvSpPr>
+          <p:cNvPr id="12" name="Cylinder 11">
+            <a:extLst>
+              <a:ext uri="{FF2B5EF4-FFF2-40B4-BE49-F238E27FC236}">
+                <a16:creationId xmlns:a16="http://schemas.microsoft.com/office/drawing/2014/main" id="{85324AD6-3B12-F2EF-9FEC-8077748899CE}"/>
+              </a:ext>
+            </a:extLst>
+          </p:cNvPr>
+          <p:cNvSpPr/>
+          <p:nvPr/>
+        </p:nvSpPr>
+        <p:spPr>
+          <a:xfrm>
+            <a:off x="905069" y="5341775"/>
+            <a:ext cx="1716833" cy="737119"/>
+          </a:xfrm>
+          <a:prstGeom prst="can">
+            <a:avLst/>
+          </a:prstGeom>
+        </p:spPr>
+        <p:style>
+          <a:lnRef idx="2">
+            <a:schemeClr val="accent1">
+              <a:shade val="15000"/>
+            </a:schemeClr>
+          </a:lnRef>
+          <a:fillRef idx="1">
+            <a:schemeClr val="accent1"/>
+          </a:fillRef>
+          <a:effectRef idx="0">
+            <a:schemeClr val="accent1"/>
+          </a:effectRef>
+          <a:fontRef idx="minor">
+            <a:schemeClr val="lt1"/>
+          </a:fontRef>
+        </p:style>
+        <p:txBody>
+          <a:bodyPr rtlCol="0" anchor="ctr"/>
+          <a:lstStyle/>
+          <a:p>
+            <a:pPr algn="ctr"/>
+            <a:endParaRPr lang="en-US"/>
+          </a:p>
+        </p:txBody>
+      </p:sp>
+      <p:sp>
+        <p:nvSpPr>
+          <p:cNvPr id="13" name="Cylinder 12">
+            <a:extLst>
+              <a:ext uri="{FF2B5EF4-FFF2-40B4-BE49-F238E27FC236}">
+                <a16:creationId xmlns:a16="http://schemas.microsoft.com/office/drawing/2014/main" id="{6B87AB5A-3335-E805-33F0-417BC6647795}"/>
+              </a:ext>
+            </a:extLst>
+          </p:cNvPr>
+          <p:cNvSpPr/>
+          <p:nvPr/>
+        </p:nvSpPr>
+        <p:spPr>
+          <a:xfrm>
+            <a:off x="905069" y="5999583"/>
+            <a:ext cx="1716833" cy="737119"/>
+          </a:xfrm>
+          <a:prstGeom prst="can">
+            <a:avLst/>
+          </a:prstGeom>
+        </p:spPr>
+        <p:style>
+          <a:lnRef idx="2">
+            <a:schemeClr val="accent1">
+              <a:shade val="15000"/>
+            </a:schemeClr>
+          </a:lnRef>
+          <a:fillRef idx="1">
+            <a:schemeClr val="accent1"/>
+          </a:fillRef>
+          <a:effectRef idx="0">
+            <a:schemeClr val="accent1"/>
+          </a:effectRef>
+          <a:fontRef idx="minor">
+            <a:schemeClr val="lt1"/>
+          </a:fontRef>
+        </p:style>
+        <p:txBody>
+          <a:bodyPr rtlCol="0" anchor="ctr"/>
+          <a:lstStyle/>
+          <a:p>
+            <a:pPr algn="ctr"/>
+            <a:endParaRPr lang="en-US"/>
+          </a:p>
+        </p:txBody>
+      </p:sp>
+      <p:sp>
+        <p:nvSpPr>
+          <p:cNvPr id="14" name="TextBox 13">
+            <a:extLst>
+              <a:ext uri="{FF2B5EF4-FFF2-40B4-BE49-F238E27FC236}">
+                <a16:creationId xmlns:a16="http://schemas.microsoft.com/office/drawing/2014/main" id="{E052D96F-9BA4-36A3-C152-46A59C3A4939}"/>
+              </a:ext>
+            </a:extLst>
+          </p:cNvPr>
+          <p:cNvSpPr txBox="1"/>
+          <p:nvPr/>
+        </p:nvSpPr>
+        <p:spPr>
+          <a:xfrm>
+            <a:off x="447869" y="3867539"/>
+            <a:ext cx="2864498" cy="646331"/>
+          </a:xfrm>
+          <a:prstGeom prst="rect">
+            <a:avLst/>
+          </a:prstGeom>
+          <a:noFill/>
+        </p:spPr>
+        <p:txBody>
+          <a:bodyPr wrap="square" rtlCol="0">
+            <a:spAutoFit/>
+          </a:bodyPr>
+          <a:lstStyle/>
+          <a:p>
+            <a:pPr algn="ctr"/>
+            <a:r>
+              <a:rPr lang="en-US" b="1" dirty="0"/>
+              <a:t>Distributed Cache, Redis Cache</a:t>
+            </a:r>
+          </a:p>
+        </p:txBody>
+      </p:sp>
+      <p:cxnSp>
+        <p:nvCxnSpPr>
+          <p:cNvPr id="16" name="Connector: Curved 15">
+            <a:extLst>
+              <a:ext uri="{FF2B5EF4-FFF2-40B4-BE49-F238E27FC236}">
+                <a16:creationId xmlns:a16="http://schemas.microsoft.com/office/drawing/2014/main" id="{E91DD212-F1D3-CFD2-E3B6-5797A35A0098}"/>
+              </a:ext>
+            </a:extLst>
+          </p:cNvPr>
+          <p:cNvCxnSpPr>
+            <a:cxnSpLocks/>
+            <a:stCxn id="2" idx="1"/>
+            <a:endCxn id="14" idx="0"/>
+          </p:cNvCxnSpPr>
+          <p:nvPr/>
+        </p:nvCxnSpPr>
+        <p:spPr>
+          <a:xfrm rot="10800000" flipV="1">
+            <a:off x="1880118" y="1301619"/>
+            <a:ext cx="2869164" cy="2565919"/>
+          </a:xfrm>
+          <a:prstGeom prst="curvedConnector2">
+            <a:avLst/>
+          </a:prstGeom>
+          <a:ln>
+            <a:headEnd type="triangle"/>
+            <a:tailEnd type="triangle"/>
+          </a:ln>
+        </p:spPr>
+        <p:style>
+          <a:lnRef idx="1">
+            <a:schemeClr val="accent1"/>
+          </a:lnRef>
+          <a:fillRef idx="0">
+            <a:schemeClr val="accent1"/>
+          </a:fillRef>
+          <a:effectRef idx="0">
+            <a:schemeClr val="accent1"/>
+          </a:effectRef>
+          <a:fontRef idx="minor">
+            <a:schemeClr val="tx1"/>
+          </a:fontRef>
+        </p:style>
+      </p:cxnSp>
+      <p:cxnSp>
+        <p:nvCxnSpPr>
+          <p:cNvPr id="18" name="Connector: Curved 17">
+            <a:extLst>
+              <a:ext uri="{FF2B5EF4-FFF2-40B4-BE49-F238E27FC236}">
+                <a16:creationId xmlns:a16="http://schemas.microsoft.com/office/drawing/2014/main" id="{6630A0E4-30EA-9893-39CD-C53C11EF35D0}"/>
+              </a:ext>
+            </a:extLst>
+          </p:cNvPr>
+          <p:cNvCxnSpPr>
+            <a:cxnSpLocks/>
+            <a:stCxn id="3" idx="1"/>
+            <a:endCxn id="14" idx="0"/>
+          </p:cNvCxnSpPr>
+          <p:nvPr/>
+        </p:nvCxnSpPr>
+        <p:spPr>
+          <a:xfrm rot="10800000" flipV="1">
+            <a:off x="1880118" y="3638937"/>
+            <a:ext cx="2869164" cy="228601"/>
+          </a:xfrm>
+          <a:prstGeom prst="curvedConnector2">
+            <a:avLst/>
+          </a:prstGeom>
+          <a:ln>
+            <a:headEnd type="triangle"/>
+            <a:tailEnd type="triangle"/>
+          </a:ln>
+        </p:spPr>
+        <p:style>
+          <a:lnRef idx="1">
+            <a:schemeClr val="accent1"/>
+          </a:lnRef>
+          <a:fillRef idx="0">
+            <a:schemeClr val="accent1"/>
+          </a:fillRef>
+          <a:effectRef idx="0">
+            <a:schemeClr val="accent1"/>
+          </a:effectRef>
+          <a:fontRef idx="minor">
+            <a:schemeClr val="tx1"/>
+          </a:fontRef>
+        </p:style>
+      </p:cxnSp>
+      <p:cxnSp>
+        <p:nvCxnSpPr>
+          <p:cNvPr id="20" name="Connector: Curved 19">
+            <a:extLst>
+              <a:ext uri="{FF2B5EF4-FFF2-40B4-BE49-F238E27FC236}">
+                <a16:creationId xmlns:a16="http://schemas.microsoft.com/office/drawing/2014/main" id="{7F6CC89A-4DF1-A5E5-9D37-2D217E55986E}"/>
+              </a:ext>
+            </a:extLst>
+          </p:cNvPr>
+          <p:cNvCxnSpPr>
+            <a:cxnSpLocks/>
+            <a:stCxn id="4" idx="1"/>
+            <a:endCxn id="14" idx="0"/>
+          </p:cNvCxnSpPr>
+          <p:nvPr/>
+        </p:nvCxnSpPr>
+        <p:spPr>
+          <a:xfrm rot="10800000">
+            <a:off x="1880119" y="3867539"/>
+            <a:ext cx="2869163" cy="2052734"/>
+          </a:xfrm>
+          <a:prstGeom prst="curvedConnector4">
+            <a:avLst>
+              <a:gd name="adj1" fmla="val 25041"/>
+              <a:gd name="adj2" fmla="val 111136"/>
+            </a:avLst>
+          </a:prstGeom>
+          <a:ln>
+            <a:headEnd type="triangle"/>
+            <a:tailEnd type="triangle"/>
+          </a:ln>
+        </p:spPr>
+        <p:style>
+          <a:lnRef idx="1">
+            <a:schemeClr val="accent1"/>
+          </a:lnRef>
+          <a:fillRef idx="0">
+            <a:schemeClr val="accent1"/>
+          </a:fillRef>
+          <a:effectRef idx="0">
+            <a:schemeClr val="accent1"/>
+          </a:effectRef>
+          <a:fontRef idx="minor">
+            <a:schemeClr val="tx1"/>
+          </a:fontRef>
+        </p:style>
+      </p:cxnSp>
+      <p:sp>
+        <p:nvSpPr>
+          <p:cNvPr id="26" name="Rectangle: Rounded Corners 25">
+            <a:extLst>
+              <a:ext uri="{FF2B5EF4-FFF2-40B4-BE49-F238E27FC236}">
+                <a16:creationId xmlns:a16="http://schemas.microsoft.com/office/drawing/2014/main" id="{B1B8437D-9332-7B8E-9BAC-0FB19750FC95}"/>
+              </a:ext>
+            </a:extLst>
+          </p:cNvPr>
+          <p:cNvSpPr/>
+          <p:nvPr/>
+        </p:nvSpPr>
+        <p:spPr>
+          <a:xfrm>
+            <a:off x="5243803" y="1595535"/>
+            <a:ext cx="2374643" cy="354562"/>
+          </a:xfrm>
+          <a:prstGeom prst="roundRect">
+            <a:avLst/>
+          </a:prstGeom>
+          <a:solidFill>
+            <a:srgbClr val="FF0000"/>
+          </a:solidFill>
+        </p:spPr>
+        <p:style>
+          <a:lnRef idx="2">
+            <a:schemeClr val="accent1">
+              <a:shade val="15000"/>
+            </a:schemeClr>
+          </a:lnRef>
+          <a:fillRef idx="1">
+            <a:schemeClr val="accent1"/>
+          </a:fillRef>
+          <a:effectRef idx="0">
+            <a:schemeClr val="accent1"/>
+          </a:effectRef>
+          <a:fontRef idx="minor">
+            <a:schemeClr val="lt1"/>
+          </a:fontRef>
+        </p:style>
+        <p:txBody>
+          <a:bodyPr rtlCol="0" anchor="ctr"/>
+          <a:lstStyle/>
+          <a:p>
+            <a:pPr algn="ctr"/>
+            <a:r>
+              <a:rPr lang="en-US" dirty="0"/>
+              <a:t>Background Service</a:t>
+            </a:r>
+          </a:p>
+        </p:txBody>
+      </p:sp>
+      <p:sp>
+        <p:nvSpPr>
+          <p:cNvPr id="27" name="Rectangle: Rounded Corners 26">
+            <a:extLst>
+              <a:ext uri="{FF2B5EF4-FFF2-40B4-BE49-F238E27FC236}">
+                <a16:creationId xmlns:a16="http://schemas.microsoft.com/office/drawing/2014/main" id="{990AF0A7-B7C7-D806-D75D-80E687EF33FF}"/>
+              </a:ext>
+            </a:extLst>
+          </p:cNvPr>
+          <p:cNvSpPr/>
+          <p:nvPr/>
+        </p:nvSpPr>
+        <p:spPr>
+          <a:xfrm>
+            <a:off x="5068077" y="3867539"/>
+            <a:ext cx="2374643" cy="354562"/>
+          </a:xfrm>
+          <a:prstGeom prst="roundRect">
+            <a:avLst/>
+          </a:prstGeom>
+          <a:solidFill>
+            <a:srgbClr val="FF0000"/>
+          </a:solidFill>
+        </p:spPr>
+        <p:style>
+          <a:lnRef idx="2">
+            <a:schemeClr val="accent1">
+              <a:shade val="15000"/>
+            </a:schemeClr>
+          </a:lnRef>
+          <a:fillRef idx="1">
+            <a:schemeClr val="accent1"/>
+          </a:fillRef>
+          <a:effectRef idx="0">
+            <a:schemeClr val="accent1"/>
+          </a:effectRef>
+          <a:fontRef idx="minor">
+            <a:schemeClr val="lt1"/>
+          </a:fontRef>
+        </p:style>
+        <p:txBody>
+          <a:bodyPr rtlCol="0" anchor="ctr"/>
+          <a:lstStyle/>
+          <a:p>
+            <a:pPr algn="ctr"/>
+            <a:r>
+              <a:rPr lang="en-US" dirty="0"/>
+              <a:t>Background Service</a:t>
+            </a:r>
+          </a:p>
+        </p:txBody>
+      </p:sp>
+      <p:sp>
+        <p:nvSpPr>
+          <p:cNvPr id="28" name="Rectangle: Rounded Corners 27">
+            <a:extLst>
+              <a:ext uri="{FF2B5EF4-FFF2-40B4-BE49-F238E27FC236}">
+                <a16:creationId xmlns:a16="http://schemas.microsoft.com/office/drawing/2014/main" id="{3F948649-B179-36D3-2649-FB8183C03865}"/>
+              </a:ext>
+            </a:extLst>
+          </p:cNvPr>
+          <p:cNvSpPr/>
+          <p:nvPr/>
+        </p:nvSpPr>
+        <p:spPr>
+          <a:xfrm>
+            <a:off x="5124836" y="6134878"/>
+            <a:ext cx="2374643" cy="354562"/>
+          </a:xfrm>
+          <a:prstGeom prst="roundRect">
+            <a:avLst/>
+          </a:prstGeom>
+          <a:solidFill>
+            <a:srgbClr val="FF0000"/>
+          </a:solidFill>
+        </p:spPr>
+        <p:style>
+          <a:lnRef idx="2">
+            <a:schemeClr val="accent1">
+              <a:shade val="15000"/>
+            </a:schemeClr>
+          </a:lnRef>
+          <a:fillRef idx="1">
+            <a:schemeClr val="accent1"/>
+          </a:fillRef>
+          <a:effectRef idx="0">
+            <a:schemeClr val="accent1"/>
+          </a:effectRef>
+          <a:fontRef idx="minor">
+            <a:schemeClr val="lt1"/>
+          </a:fontRef>
+        </p:style>
+        <p:txBody>
+          <a:bodyPr rtlCol="0" anchor="ctr"/>
+          <a:lstStyle/>
+          <a:p>
+            <a:pPr algn="ctr"/>
+            <a:r>
+              <a:rPr lang="en-US" dirty="0"/>
+              <a:t>Background Service</a:t>
+            </a:r>
+          </a:p>
+        </p:txBody>
+      </p:sp>
+    </p:spTree>
+    <p:extLst>
+      <p:ext uri="{BB962C8B-B14F-4D97-AF65-F5344CB8AC3E}">
+        <p14:creationId xmlns:p14="http://schemas.microsoft.com/office/powerpoint/2010/main" val="1195340126"/>
+      </p:ext>
+    </p:extLst>
+  </p:cSld>
+  <p:clrMapOvr>
+    <a:masterClrMapping/>
+  </p:clrMapOvr>
+</p:sld>
+</file>
+
+<file path=ppt/slides/slide18.xml><?xml version="1.0" encoding="utf-8"?>
+<p:sld xmlns:a="http://schemas.openxmlformats.org/drawingml/2006/main" xmlns:r="http://schemas.openxmlformats.org/officeDocument/2006/relationships" xmlns:p="http://schemas.openxmlformats.org/presentationml/2006/main">
+  <p:cSld>
+    <p:spTree>
+      <p:nvGrpSpPr>
+        <p:cNvPr id="1" name=""/>
+        <p:cNvGrpSpPr/>
+        <p:nvPr/>
+      </p:nvGrpSpPr>
+      <p:grpSpPr>
+        <a:xfrm>
+          <a:off x="0" y="0"/>
+          <a:ext cx="0" cy="0"/>
+          <a:chOff x="0" y="0"/>
+          <a:chExt cx="0" cy="0"/>
+        </a:xfrm>
+      </p:grpSpPr>
+      <p:sp>
+        <p:nvSpPr>
+          <p:cNvPr id="2" name="Cylinder 1">
+            <a:extLst>
+              <a:ext uri="{FF2B5EF4-FFF2-40B4-BE49-F238E27FC236}">
+                <a16:creationId xmlns:a16="http://schemas.microsoft.com/office/drawing/2014/main" id="{96162929-AFD3-7092-340D-1860206169EF}"/>
+              </a:ext>
+            </a:extLst>
+          </p:cNvPr>
+          <p:cNvSpPr/>
+          <p:nvPr/>
+        </p:nvSpPr>
+        <p:spPr>
+          <a:xfrm>
+            <a:off x="6643396" y="2043404"/>
+            <a:ext cx="5150498" cy="2034074"/>
+          </a:xfrm>
+          <a:prstGeom prst="can">
+            <a:avLst/>
+          </a:prstGeom>
+          <a:solidFill>
+            <a:schemeClr val="tx1"/>
+          </a:solidFill>
+        </p:spPr>
+        <p:style>
+          <a:lnRef idx="2">
+            <a:schemeClr val="accent1">
+              <a:shade val="15000"/>
+            </a:schemeClr>
+          </a:lnRef>
+          <a:fillRef idx="1">
+            <a:schemeClr val="accent1"/>
+          </a:fillRef>
+          <a:effectRef idx="0">
+            <a:schemeClr val="accent1"/>
+          </a:effectRef>
+          <a:fontRef idx="minor">
+            <a:schemeClr val="lt1"/>
+          </a:fontRef>
+        </p:style>
+        <p:txBody>
+          <a:bodyPr rtlCol="0" anchor="ctr"/>
+          <a:lstStyle/>
+          <a:p>
+            <a:pPr algn="ctr"/>
+            <a:endParaRPr lang="en-US"/>
+          </a:p>
+        </p:txBody>
+      </p:sp>
+      <p:graphicFrame>
+        <p:nvGraphicFramePr>
+          <p:cNvPr id="3" name="Table 2">
+            <a:extLst>
+              <a:ext uri="{FF2B5EF4-FFF2-40B4-BE49-F238E27FC236}">
+                <a16:creationId xmlns:a16="http://schemas.microsoft.com/office/drawing/2014/main" id="{7CBDD9FD-79D5-0D89-28C8-8818CCFD046B}"/>
+              </a:ext>
+            </a:extLst>
+          </p:cNvPr>
+          <p:cNvGraphicFramePr>
+            <a:graphicFrameLocks noGrp="1"/>
+          </p:cNvGraphicFramePr>
+          <p:nvPr>
+            <p:extLst>
+              <p:ext uri="{D42A27DB-BD31-4B8C-83A1-F6EECF244321}">
+                <p14:modId xmlns:p14="http://schemas.microsoft.com/office/powerpoint/2010/main" val="476216022"/>
+              </p:ext>
+            </p:extLst>
+          </p:nvPr>
+        </p:nvGraphicFramePr>
+        <p:xfrm>
+          <a:off x="6905171" y="2903030"/>
+          <a:ext cx="4626948" cy="741680"/>
+        </p:xfrm>
+        <a:graphic>
+          <a:graphicData uri="http://schemas.openxmlformats.org/drawingml/2006/table">
+            <a:tbl>
+              <a:tblPr firstRow="1" bandRow="1">
+                <a:tableStyleId>{5C22544A-7EE6-4342-B048-85BDC9FD1C3A}</a:tableStyleId>
+              </a:tblPr>
+              <a:tblGrid>
+                <a:gridCol w="1156737">
+                  <a:extLst>
+                    <a:ext uri="{9D8B030D-6E8A-4147-A177-3AD203B41FA5}">
+                      <a16:colId xmlns:a16="http://schemas.microsoft.com/office/drawing/2014/main" val="961574895"/>
+                    </a:ext>
+                  </a:extLst>
+                </a:gridCol>
+                <a:gridCol w="1156737">
+                  <a:extLst>
+                    <a:ext uri="{9D8B030D-6E8A-4147-A177-3AD203B41FA5}">
+                      <a16:colId xmlns:a16="http://schemas.microsoft.com/office/drawing/2014/main" val="3980113748"/>
+                    </a:ext>
+                  </a:extLst>
+                </a:gridCol>
+                <a:gridCol w="1156737">
+                  <a:extLst>
+                    <a:ext uri="{9D8B030D-6E8A-4147-A177-3AD203B41FA5}">
+                      <a16:colId xmlns:a16="http://schemas.microsoft.com/office/drawing/2014/main" val="4010029351"/>
+                    </a:ext>
+                  </a:extLst>
+                </a:gridCol>
+                <a:gridCol w="1156737">
+                  <a:extLst>
+                    <a:ext uri="{9D8B030D-6E8A-4147-A177-3AD203B41FA5}">
+                      <a16:colId xmlns:a16="http://schemas.microsoft.com/office/drawing/2014/main" val="211301518"/>
+                    </a:ext>
+                  </a:extLst>
+                </a:gridCol>
+              </a:tblGrid>
+              <a:tr h="370840">
+                <a:tc>
+                  <a:txBody>
+                    <a:bodyPr/>
+                    <a:lstStyle/>
+                    <a:p>
+                      <a:r>
+                        <a:rPr lang="en-US" dirty="0"/>
+                        <a:t>Eno</a:t>
+                      </a:r>
+                    </a:p>
+                  </a:txBody>
+                  <a:tcPr/>
+                </a:tc>
+                <a:tc>
+                  <a:txBody>
+                    <a:bodyPr/>
+                    <a:lstStyle/>
+                    <a:p>
+                      <a:r>
+                        <a:rPr lang="en-US" dirty="0" err="1"/>
+                        <a:t>Ename</a:t>
+                      </a:r>
+                      <a:endParaRPr lang="en-US" dirty="0"/>
+                    </a:p>
+                  </a:txBody>
+                  <a:tcPr/>
+                </a:tc>
+                <a:tc>
+                  <a:txBody>
+                    <a:bodyPr/>
+                    <a:lstStyle/>
+                    <a:p>
+                      <a:r>
+                        <a:rPr lang="en-US" dirty="0"/>
+                        <a:t>Dname</a:t>
+                      </a:r>
+                    </a:p>
+                  </a:txBody>
+                  <a:tcPr/>
+                </a:tc>
+                <a:tc>
+                  <a:txBody>
+                    <a:bodyPr/>
+                    <a:lstStyle/>
+                    <a:p>
+                      <a:r>
+                        <a:rPr lang="en-US" dirty="0"/>
+                        <a:t>Sal</a:t>
+                      </a:r>
+                    </a:p>
+                  </a:txBody>
+                  <a:tcPr/>
+                </a:tc>
+                <a:extLst>
+                  <a:ext uri="{0D108BD9-81ED-4DB2-BD59-A6C34878D82A}">
+                    <a16:rowId xmlns:a16="http://schemas.microsoft.com/office/drawing/2014/main" val="2786557811"/>
+                  </a:ext>
+                </a:extLst>
+              </a:tr>
+              <a:tr h="370840">
+                <a:tc>
+                  <a:txBody>
+                    <a:bodyPr/>
+                    <a:lstStyle/>
+                    <a:p>
+                      <a:endParaRPr lang="en-US"/>
+                    </a:p>
+                  </a:txBody>
+                  <a:tcPr/>
+                </a:tc>
+                <a:tc>
+                  <a:txBody>
+                    <a:bodyPr/>
+                    <a:lstStyle/>
+                    <a:p>
+                      <a:endParaRPr lang="en-US"/>
+                    </a:p>
+                  </a:txBody>
+                  <a:tcPr/>
+                </a:tc>
+                <a:tc>
+                  <a:txBody>
+                    <a:bodyPr/>
+                    <a:lstStyle/>
+                    <a:p>
+                      <a:endParaRPr lang="en-US"/>
+                    </a:p>
+                  </a:txBody>
+                  <a:tcPr/>
+                </a:tc>
+                <a:tc>
+                  <a:txBody>
+                    <a:bodyPr/>
+                    <a:lstStyle/>
+                    <a:p>
+                      <a:endParaRPr lang="en-US" dirty="0"/>
+                    </a:p>
+                  </a:txBody>
+                  <a:tcPr/>
+                </a:tc>
+                <a:extLst>
+                  <a:ext uri="{0D108BD9-81ED-4DB2-BD59-A6C34878D82A}">
+                    <a16:rowId xmlns:a16="http://schemas.microsoft.com/office/drawing/2014/main" val="2792948205"/>
+                  </a:ext>
+                </a:extLst>
+              </a:tr>
+            </a:tbl>
+          </a:graphicData>
+        </a:graphic>
+      </p:graphicFrame>
+      <p:sp>
+        <p:nvSpPr>
+          <p:cNvPr id="4" name="Flowchart: Card 3">
+            <a:extLst>
+              <a:ext uri="{FF2B5EF4-FFF2-40B4-BE49-F238E27FC236}">
+                <a16:creationId xmlns:a16="http://schemas.microsoft.com/office/drawing/2014/main" id="{3C395DBA-1A80-380D-2F60-06F767A4DDC7}"/>
+              </a:ext>
+            </a:extLst>
+          </p:cNvPr>
+          <p:cNvSpPr/>
+          <p:nvPr/>
+        </p:nvSpPr>
+        <p:spPr>
+          <a:xfrm>
+            <a:off x="398106" y="1399592"/>
+            <a:ext cx="4497355" cy="3750906"/>
+          </a:xfrm>
+          <a:prstGeom prst="flowChartPunchedCard">
+            <a:avLst/>
+          </a:prstGeom>
+        </p:spPr>
+        <p:style>
+          <a:lnRef idx="2">
+            <a:schemeClr val="accent1">
+              <a:shade val="15000"/>
+            </a:schemeClr>
+          </a:lnRef>
+          <a:fillRef idx="1">
+            <a:schemeClr val="accent1"/>
+          </a:fillRef>
+          <a:effectRef idx="0">
+            <a:schemeClr val="accent1"/>
+          </a:effectRef>
+          <a:fontRef idx="minor">
+            <a:schemeClr val="lt1"/>
+          </a:fontRef>
+        </p:style>
+        <p:txBody>
+          <a:bodyPr rtlCol="0" anchor="ctr"/>
+          <a:lstStyle/>
+          <a:p>
+            <a:pPr algn="ctr"/>
+            <a:endParaRPr lang="en-US"/>
+          </a:p>
+        </p:txBody>
+      </p:sp>
+      <p:sp>
+        <p:nvSpPr>
+          <p:cNvPr id="5" name="TextBox 4">
+            <a:extLst>
+              <a:ext uri="{FF2B5EF4-FFF2-40B4-BE49-F238E27FC236}">
+                <a16:creationId xmlns:a16="http://schemas.microsoft.com/office/drawing/2014/main" id="{F135E4B4-D108-A85E-193E-4D368152463B}"/>
+              </a:ext>
+            </a:extLst>
+          </p:cNvPr>
+          <p:cNvSpPr txBox="1"/>
+          <p:nvPr/>
+        </p:nvSpPr>
+        <p:spPr>
+          <a:xfrm>
+            <a:off x="494522" y="559837"/>
+            <a:ext cx="4329405" cy="369332"/>
+          </a:xfrm>
+          <a:prstGeom prst="rect">
+            <a:avLst/>
+          </a:prstGeom>
+          <a:noFill/>
+        </p:spPr>
+        <p:txBody>
+          <a:bodyPr wrap="square" rtlCol="0">
+            <a:spAutoFit/>
+          </a:bodyPr>
+          <a:lstStyle/>
+          <a:p>
+            <a:pPr algn="ctr"/>
+            <a:r>
+              <a:rPr lang="en-US" dirty="0"/>
+              <a:t>C# </a:t>
+            </a:r>
+            <a:r>
+              <a:rPr lang="en-US"/>
+              <a:t>Employee Entity Class</a:t>
+            </a:r>
+            <a:endParaRPr lang="en-US" dirty="0"/>
+          </a:p>
+        </p:txBody>
+      </p:sp>
+      <p:sp>
+        <p:nvSpPr>
+          <p:cNvPr id="6" name="TextBox 5">
+            <a:extLst>
+              <a:ext uri="{FF2B5EF4-FFF2-40B4-BE49-F238E27FC236}">
+                <a16:creationId xmlns:a16="http://schemas.microsoft.com/office/drawing/2014/main" id="{C7523F87-D829-B61D-C8EE-076D043CBD11}"/>
+              </a:ext>
+            </a:extLst>
+          </p:cNvPr>
+          <p:cNvSpPr txBox="1"/>
+          <p:nvPr/>
+        </p:nvSpPr>
+        <p:spPr>
+          <a:xfrm>
+            <a:off x="8229600" y="2043404"/>
+            <a:ext cx="2080727" cy="369332"/>
+          </a:xfrm>
+          <a:prstGeom prst="rect">
+            <a:avLst/>
+          </a:prstGeom>
+          <a:noFill/>
+        </p:spPr>
+        <p:txBody>
+          <a:bodyPr wrap="square" rtlCol="0">
+            <a:spAutoFit/>
+          </a:bodyPr>
+          <a:lstStyle/>
+          <a:p>
+            <a:pPr algn="ctr"/>
+            <a:r>
+              <a:rPr lang="en-US" b="1" dirty="0">
+                <a:solidFill>
+                  <a:srgbClr val="FFFF00"/>
+                </a:solidFill>
+              </a:rPr>
+              <a:t>Employee Table</a:t>
+            </a:r>
+          </a:p>
+        </p:txBody>
+      </p:sp>
+      <p:sp>
+        <p:nvSpPr>
+          <p:cNvPr id="7" name="TextBox 6">
+            <a:extLst>
+              <a:ext uri="{FF2B5EF4-FFF2-40B4-BE49-F238E27FC236}">
+                <a16:creationId xmlns:a16="http://schemas.microsoft.com/office/drawing/2014/main" id="{B5A86B8F-26F7-C08F-B14C-5A32C549D7F3}"/>
+              </a:ext>
+            </a:extLst>
+          </p:cNvPr>
+          <p:cNvSpPr txBox="1"/>
+          <p:nvPr/>
+        </p:nvSpPr>
+        <p:spPr>
+          <a:xfrm>
+            <a:off x="811763" y="2174033"/>
+            <a:ext cx="3648270" cy="2031325"/>
+          </a:xfrm>
+          <a:prstGeom prst="rect">
+            <a:avLst/>
+          </a:prstGeom>
+          <a:noFill/>
+        </p:spPr>
+        <p:txBody>
+          <a:bodyPr wrap="square" rtlCol="0">
+            <a:spAutoFit/>
+          </a:bodyPr>
+          <a:lstStyle/>
+          <a:p>
+            <a:r>
+              <a:rPr lang="en-US" dirty="0">
+                <a:solidFill>
+                  <a:srgbClr val="FFFF00"/>
+                </a:solidFill>
+              </a:rPr>
+              <a:t>Employee</a:t>
+            </a:r>
+          </a:p>
+          <a:p>
+            <a:endParaRPr lang="en-US" dirty="0">
+              <a:solidFill>
+                <a:srgbClr val="FFFF00"/>
+              </a:solidFill>
+            </a:endParaRPr>
+          </a:p>
+          <a:p>
+            <a:pPr marL="342900" indent="-342900">
+              <a:buAutoNum type="arabicPeriod"/>
+            </a:pPr>
+            <a:r>
+              <a:rPr lang="en-US" dirty="0" err="1">
+                <a:solidFill>
+                  <a:srgbClr val="FFFF00"/>
+                </a:solidFill>
+              </a:rPr>
+              <a:t>ENo</a:t>
+            </a:r>
+            <a:endParaRPr lang="en-US" dirty="0">
+              <a:solidFill>
+                <a:srgbClr val="FFFF00"/>
+              </a:solidFill>
+            </a:endParaRPr>
+          </a:p>
+          <a:p>
+            <a:pPr marL="342900" indent="-342900">
+              <a:buAutoNum type="arabicPeriod"/>
+            </a:pPr>
+            <a:r>
+              <a:rPr lang="en-US" dirty="0" err="1">
+                <a:solidFill>
+                  <a:srgbClr val="FFFF00"/>
+                </a:solidFill>
+              </a:rPr>
+              <a:t>Ename</a:t>
+            </a:r>
+            <a:endParaRPr lang="en-US" dirty="0">
+              <a:solidFill>
+                <a:srgbClr val="FFFF00"/>
+              </a:solidFill>
+            </a:endParaRPr>
+          </a:p>
+          <a:p>
+            <a:pPr marL="342900" indent="-342900">
+              <a:buAutoNum type="arabicPeriod"/>
+            </a:pPr>
+            <a:r>
+              <a:rPr lang="en-US" dirty="0">
+                <a:solidFill>
+                  <a:srgbClr val="FFFF00"/>
+                </a:solidFill>
+              </a:rPr>
+              <a:t>Dname</a:t>
+            </a:r>
+          </a:p>
+          <a:p>
+            <a:pPr marL="342900" indent="-342900">
+              <a:buAutoNum type="arabicPeriod"/>
+            </a:pPr>
+            <a:r>
+              <a:rPr lang="en-US" dirty="0">
+                <a:solidFill>
+                  <a:srgbClr val="FFFF00"/>
+                </a:solidFill>
+              </a:rPr>
+              <a:t>Sal</a:t>
+            </a:r>
+          </a:p>
+          <a:p>
+            <a:pPr marL="342900" indent="-342900">
+              <a:buAutoNum type="arabicPeriod"/>
+            </a:pPr>
+            <a:endParaRPr lang="en-US" dirty="0">
+              <a:solidFill>
+                <a:srgbClr val="FFFF00"/>
+              </a:solidFill>
+            </a:endParaRPr>
+          </a:p>
+        </p:txBody>
+      </p:sp>
+      <p:sp>
+        <p:nvSpPr>
+          <p:cNvPr id="8" name="Right Brace 7">
+            <a:extLst>
+              <a:ext uri="{FF2B5EF4-FFF2-40B4-BE49-F238E27FC236}">
+                <a16:creationId xmlns:a16="http://schemas.microsoft.com/office/drawing/2014/main" id="{D08AB70D-446E-1B0F-9715-BE76A0DA4324}"/>
+              </a:ext>
+            </a:extLst>
+          </p:cNvPr>
+          <p:cNvSpPr/>
+          <p:nvPr/>
+        </p:nvSpPr>
+        <p:spPr>
+          <a:xfrm>
+            <a:off x="2416629" y="2174033"/>
+            <a:ext cx="1147665" cy="2031325"/>
+          </a:xfrm>
+          <a:prstGeom prst="rightBrace">
+            <a:avLst/>
+          </a:prstGeom>
+          <a:ln w="76200"/>
+        </p:spPr>
+        <p:style>
+          <a:lnRef idx="1">
+            <a:schemeClr val="accent2"/>
+          </a:lnRef>
+          <a:fillRef idx="0">
+            <a:schemeClr val="accent2"/>
+          </a:fillRef>
+          <a:effectRef idx="0">
+            <a:schemeClr val="accent2"/>
+          </a:effectRef>
+          <a:fontRef idx="minor">
+            <a:schemeClr val="tx1"/>
+          </a:fontRef>
+        </p:style>
+        <p:txBody>
+          <a:bodyPr rtlCol="0" anchor="ctr"/>
+          <a:lstStyle/>
+          <a:p>
+            <a:pPr algn="ctr"/>
+            <a:endParaRPr lang="en-US"/>
+          </a:p>
+        </p:txBody>
+      </p:sp>
+      <p:cxnSp>
+        <p:nvCxnSpPr>
+          <p:cNvPr id="10" name="Connector: Elbow 9">
+            <a:extLst>
+              <a:ext uri="{FF2B5EF4-FFF2-40B4-BE49-F238E27FC236}">
+                <a16:creationId xmlns:a16="http://schemas.microsoft.com/office/drawing/2014/main" id="{953217F9-072D-D7E5-835C-7B0CE38935CC}"/>
+              </a:ext>
+            </a:extLst>
+          </p:cNvPr>
+          <p:cNvCxnSpPr>
+            <a:endCxn id="3" idx="1"/>
+          </p:cNvCxnSpPr>
+          <p:nvPr/>
+        </p:nvCxnSpPr>
+        <p:spPr>
+          <a:xfrm>
+            <a:off x="3564294" y="3200400"/>
+            <a:ext cx="3340877" cy="73470"/>
+          </a:xfrm>
+          <a:prstGeom prst="bentConnector3">
+            <a:avLst/>
+          </a:prstGeom>
+          <a:ln w="76200">
+            <a:solidFill>
+              <a:schemeClr val="tx1"/>
+            </a:solidFill>
+            <a:headEnd type="triangle"/>
+            <a:tailEnd type="triangle"/>
+          </a:ln>
+        </p:spPr>
+        <p:style>
+          <a:lnRef idx="1">
+            <a:schemeClr val="accent1"/>
+          </a:lnRef>
+          <a:fillRef idx="0">
+            <a:schemeClr val="accent1"/>
+          </a:fillRef>
+          <a:effectRef idx="0">
+            <a:schemeClr val="accent1"/>
+          </a:effectRef>
+          <a:fontRef idx="minor">
+            <a:schemeClr val="tx1"/>
+          </a:fontRef>
+        </p:style>
+      </p:cxnSp>
+      <p:sp>
+        <p:nvSpPr>
+          <p:cNvPr id="11" name="TextBox 10">
+            <a:extLst>
+              <a:ext uri="{FF2B5EF4-FFF2-40B4-BE49-F238E27FC236}">
+                <a16:creationId xmlns:a16="http://schemas.microsoft.com/office/drawing/2014/main" id="{AD56558A-FDC5-F6C4-B4D9-D01BD3447E93}"/>
+              </a:ext>
+            </a:extLst>
+          </p:cNvPr>
+          <p:cNvSpPr txBox="1"/>
+          <p:nvPr/>
+        </p:nvSpPr>
+        <p:spPr>
+          <a:xfrm>
+            <a:off x="6578081" y="4302622"/>
+            <a:ext cx="4329405" cy="369332"/>
+          </a:xfrm>
+          <a:prstGeom prst="rect">
+            <a:avLst/>
+          </a:prstGeom>
+          <a:noFill/>
+        </p:spPr>
+        <p:txBody>
+          <a:bodyPr wrap="square" rtlCol="0">
+            <a:spAutoFit/>
+          </a:bodyPr>
+          <a:lstStyle/>
+          <a:p>
+            <a:r>
+              <a:rPr lang="en-US" dirty="0"/>
+              <a:t>Use Queries for Read /  Write Operations</a:t>
+            </a:r>
+          </a:p>
+        </p:txBody>
+      </p:sp>
+      <p:sp>
+        <p:nvSpPr>
+          <p:cNvPr id="12" name="TextBox 11">
+            <a:extLst>
+              <a:ext uri="{FF2B5EF4-FFF2-40B4-BE49-F238E27FC236}">
+                <a16:creationId xmlns:a16="http://schemas.microsoft.com/office/drawing/2014/main" id="{56100572-7ED5-986D-BAA0-F334DC029CA5}"/>
+              </a:ext>
+            </a:extLst>
+          </p:cNvPr>
+          <p:cNvSpPr txBox="1"/>
+          <p:nvPr/>
+        </p:nvSpPr>
+        <p:spPr>
+          <a:xfrm>
+            <a:off x="494522" y="5477069"/>
+            <a:ext cx="4105470" cy="646331"/>
+          </a:xfrm>
+          <a:prstGeom prst="rect">
+            <a:avLst/>
+          </a:prstGeom>
+          <a:noFill/>
+        </p:spPr>
+        <p:txBody>
+          <a:bodyPr wrap="square" rtlCol="0">
+            <a:spAutoFit/>
+          </a:bodyPr>
+          <a:lstStyle/>
+          <a:p>
+            <a:r>
+              <a:rPr lang="en-US" dirty="0"/>
+              <a:t>Object Based Code for Read /  Write Operations on Entity Class</a:t>
+            </a:r>
+          </a:p>
+        </p:txBody>
+      </p:sp>
+    </p:spTree>
+    <p:extLst>
+      <p:ext uri="{BB962C8B-B14F-4D97-AF65-F5344CB8AC3E}">
+        <p14:creationId xmlns:p14="http://schemas.microsoft.com/office/powerpoint/2010/main" val="106126551"/>
+      </p:ext>
+    </p:extLst>
+  </p:cSld>
+  <p:clrMapOvr>
+    <a:masterClrMapping/>
+  </p:clrMapOvr>
+</p:sld>
+</file>
+
 <file path=ppt/slides/slide2.xml><?xml version="1.0" encoding="utf-8"?>
 <p:sld xmlns:a="http://schemas.openxmlformats.org/drawingml/2006/main" xmlns:r="http://schemas.openxmlformats.org/officeDocument/2006/relationships" xmlns:p="http://schemas.openxmlformats.org/presentationml/2006/main">
   <p:cSld>
@@ -11965,7 +15374,7 @@
         </p:nvSpPr>
         <p:spPr>
           <a:xfrm>
-            <a:off x="7865706" y="1356050"/>
+            <a:off x="7865704" y="1744825"/>
             <a:ext cx="2239347" cy="681134"/>
           </a:xfrm>
           <a:prstGeom prst="roundRect">
@@ -12015,7 +15424,7 @@
         </p:nvSpPr>
         <p:spPr>
           <a:xfrm>
-            <a:off x="7865706" y="2435291"/>
+            <a:off x="7865705" y="3191070"/>
             <a:ext cx="2239347" cy="681134"/>
           </a:xfrm>
           <a:prstGeom prst="roundRect">
@@ -12065,7 +15474,7 @@
         </p:nvSpPr>
         <p:spPr>
           <a:xfrm>
-            <a:off x="7865706" y="3514532"/>
+            <a:off x="7865705" y="5026091"/>
             <a:ext cx="2239347" cy="681134"/>
           </a:xfrm>
           <a:prstGeom prst="roundRect">
@@ -12094,13 +15503,414 @@
           <a:p>
             <a:pPr algn="ctr"/>
             <a:r>
-              <a:rPr lang="en-US"/>
+              <a:rPr lang="en-US" dirty="0" err="1"/>
               <a:t>EventLog</a:t>
             </a:r>
             <a:endParaRPr lang="en-US" dirty="0"/>
           </a:p>
         </p:txBody>
       </p:sp>
+      <p:sp>
+        <p:nvSpPr>
+          <p:cNvPr id="10" name="TextBox 9">
+            <a:extLst>
+              <a:ext uri="{FF2B5EF4-FFF2-40B4-BE49-F238E27FC236}">
+                <a16:creationId xmlns:a16="http://schemas.microsoft.com/office/drawing/2014/main" id="{31E13AF8-0F51-E54D-F207-EE3C52A08684}"/>
+              </a:ext>
+            </a:extLst>
+          </p:cNvPr>
+          <p:cNvSpPr txBox="1"/>
+          <p:nvPr/>
+        </p:nvSpPr>
+        <p:spPr>
+          <a:xfrm>
+            <a:off x="6096000" y="289249"/>
+            <a:ext cx="1592424" cy="369332"/>
+          </a:xfrm>
+          <a:prstGeom prst="rect">
+            <a:avLst/>
+          </a:prstGeom>
+          <a:noFill/>
+        </p:spPr>
+        <p:txBody>
+          <a:bodyPr wrap="square" rtlCol="0">
+            <a:spAutoFit/>
+          </a:bodyPr>
+          <a:lstStyle/>
+          <a:p>
+            <a:r>
+              <a:rPr lang="en-US" dirty="0" err="1"/>
+              <a:t>TextLogger</a:t>
+            </a:r>
+            <a:r>
+              <a:rPr lang="en-US" dirty="0"/>
+              <a:t>{}</a:t>
+            </a:r>
+          </a:p>
+        </p:txBody>
+      </p:sp>
+      <p:sp>
+        <p:nvSpPr>
+          <p:cNvPr id="11" name="TextBox 10">
+            <a:extLst>
+              <a:ext uri="{FF2B5EF4-FFF2-40B4-BE49-F238E27FC236}">
+                <a16:creationId xmlns:a16="http://schemas.microsoft.com/office/drawing/2014/main" id="{75226F64-DE00-D4E3-4A55-7B671AB666F7}"/>
+              </a:ext>
+            </a:extLst>
+          </p:cNvPr>
+          <p:cNvSpPr txBox="1"/>
+          <p:nvPr/>
+        </p:nvSpPr>
+        <p:spPr>
+          <a:xfrm>
+            <a:off x="6096000" y="1900726"/>
+            <a:ext cx="1592424" cy="369332"/>
+          </a:xfrm>
+          <a:prstGeom prst="rect">
+            <a:avLst/>
+          </a:prstGeom>
+          <a:noFill/>
+        </p:spPr>
+        <p:txBody>
+          <a:bodyPr wrap="square" rtlCol="0">
+            <a:spAutoFit/>
+          </a:bodyPr>
+          <a:lstStyle/>
+          <a:p>
+            <a:r>
+              <a:rPr lang="en-US" dirty="0" err="1"/>
+              <a:t>XmlLogger</a:t>
+            </a:r>
+            <a:r>
+              <a:rPr lang="en-US" dirty="0"/>
+              <a:t>{}</a:t>
+            </a:r>
+          </a:p>
+        </p:txBody>
+      </p:sp>
+      <p:sp>
+        <p:nvSpPr>
+          <p:cNvPr id="12" name="TextBox 11">
+            <a:extLst>
+              <a:ext uri="{FF2B5EF4-FFF2-40B4-BE49-F238E27FC236}">
+                <a16:creationId xmlns:a16="http://schemas.microsoft.com/office/drawing/2014/main" id="{9437B003-B834-6336-376E-2A8EF4B6BFC6}"/>
+              </a:ext>
+            </a:extLst>
+          </p:cNvPr>
+          <p:cNvSpPr txBox="1"/>
+          <p:nvPr/>
+        </p:nvSpPr>
+        <p:spPr>
+          <a:xfrm>
+            <a:off x="6096000" y="3214397"/>
+            <a:ext cx="1592424" cy="369332"/>
+          </a:xfrm>
+          <a:prstGeom prst="rect">
+            <a:avLst/>
+          </a:prstGeom>
+          <a:noFill/>
+        </p:spPr>
+        <p:txBody>
+          <a:bodyPr wrap="square" rtlCol="0">
+            <a:spAutoFit/>
+          </a:bodyPr>
+          <a:lstStyle/>
+          <a:p>
+            <a:r>
+              <a:rPr lang="en-US" dirty="0" err="1"/>
+              <a:t>JsonLogger</a:t>
+            </a:r>
+            <a:r>
+              <a:rPr lang="en-US" dirty="0"/>
+              <a:t>{}</a:t>
+            </a:r>
+          </a:p>
+        </p:txBody>
+      </p:sp>
+      <p:sp>
+        <p:nvSpPr>
+          <p:cNvPr id="13" name="TextBox 12">
+            <a:extLst>
+              <a:ext uri="{FF2B5EF4-FFF2-40B4-BE49-F238E27FC236}">
+                <a16:creationId xmlns:a16="http://schemas.microsoft.com/office/drawing/2014/main" id="{31FFC801-C511-F51C-E9CB-DDB4E809D9A1}"/>
+              </a:ext>
+            </a:extLst>
+          </p:cNvPr>
+          <p:cNvSpPr txBox="1"/>
+          <p:nvPr/>
+        </p:nvSpPr>
+        <p:spPr>
+          <a:xfrm>
+            <a:off x="6096000" y="5181992"/>
+            <a:ext cx="1592424" cy="369332"/>
+          </a:xfrm>
+          <a:prstGeom prst="rect">
+            <a:avLst/>
+          </a:prstGeom>
+          <a:noFill/>
+        </p:spPr>
+        <p:txBody>
+          <a:bodyPr wrap="square" rtlCol="0">
+            <a:spAutoFit/>
+          </a:bodyPr>
+          <a:lstStyle/>
+          <a:p>
+            <a:r>
+              <a:rPr lang="en-US" dirty="0" err="1"/>
+              <a:t>EventLogger</a:t>
+            </a:r>
+            <a:r>
+              <a:rPr lang="en-US" dirty="0"/>
+              <a:t>{}</a:t>
+            </a:r>
+          </a:p>
+        </p:txBody>
+      </p:sp>
+      <p:sp>
+        <p:nvSpPr>
+          <p:cNvPr id="14" name="TextBox 13">
+            <a:extLst>
+              <a:ext uri="{FF2B5EF4-FFF2-40B4-BE49-F238E27FC236}">
+                <a16:creationId xmlns:a16="http://schemas.microsoft.com/office/drawing/2014/main" id="{B10EE3FC-A4D7-080D-5ACD-218BD8D711A7}"/>
+              </a:ext>
+            </a:extLst>
+          </p:cNvPr>
+          <p:cNvSpPr txBox="1"/>
+          <p:nvPr/>
+        </p:nvSpPr>
+        <p:spPr>
+          <a:xfrm>
+            <a:off x="3974841" y="878651"/>
+            <a:ext cx="1166326" cy="1169551"/>
+          </a:xfrm>
+          <a:prstGeom prst="rect">
+            <a:avLst/>
+          </a:prstGeom>
+          <a:noFill/>
+        </p:spPr>
+        <p:txBody>
+          <a:bodyPr wrap="square" rtlCol="0">
+            <a:spAutoFit/>
+          </a:bodyPr>
+          <a:lstStyle/>
+          <a:p>
+            <a:r>
+              <a:rPr lang="en-US" sz="1400" dirty="0" err="1"/>
+              <a:t>Ilogger</a:t>
+            </a:r>
+            <a:endParaRPr lang="en-US" sz="1400" dirty="0"/>
+          </a:p>
+          <a:p>
+            <a:r>
+              <a:rPr lang="en-US" sz="1400" dirty="0"/>
+              <a:t>{</a:t>
+            </a:r>
+          </a:p>
+          <a:p>
+            <a:r>
+              <a:rPr lang="en-US" sz="1400" dirty="0"/>
+              <a:t>   </a:t>
+            </a:r>
+            <a:r>
+              <a:rPr lang="en-US" sz="1400" dirty="0" err="1"/>
+              <a:t>WriteLog</a:t>
+            </a:r>
+            <a:r>
+              <a:rPr lang="en-US" sz="1400" dirty="0"/>
+              <a:t>();</a:t>
+            </a:r>
+          </a:p>
+          <a:p>
+            <a:r>
+              <a:rPr lang="en-US" sz="1400" dirty="0"/>
+              <a:t>   </a:t>
+            </a:r>
+            <a:r>
+              <a:rPr lang="en-US" sz="1400" dirty="0" err="1"/>
+              <a:t>ReadLog</a:t>
+            </a:r>
+            <a:r>
+              <a:rPr lang="en-US" sz="1400" dirty="0"/>
+              <a:t>()</a:t>
+            </a:r>
+          </a:p>
+          <a:p>
+            <a:r>
+              <a:rPr lang="en-US" sz="1400" dirty="0"/>
+              <a:t>}</a:t>
+            </a:r>
+          </a:p>
+        </p:txBody>
+      </p:sp>
+      <p:cxnSp>
+        <p:nvCxnSpPr>
+          <p:cNvPr id="16" name="Connector: Elbow 15">
+            <a:extLst>
+              <a:ext uri="{FF2B5EF4-FFF2-40B4-BE49-F238E27FC236}">
+                <a16:creationId xmlns:a16="http://schemas.microsoft.com/office/drawing/2014/main" id="{0013E58E-B0E0-E517-3D85-AA85D6A20B9B}"/>
+              </a:ext>
+            </a:extLst>
+          </p:cNvPr>
+          <p:cNvCxnSpPr>
+            <a:cxnSpLocks/>
+            <a:stCxn id="14" idx="3"/>
+            <a:endCxn id="10" idx="1"/>
+          </p:cNvCxnSpPr>
+          <p:nvPr/>
+        </p:nvCxnSpPr>
+        <p:spPr>
+          <a:xfrm flipV="1">
+            <a:off x="5141167" y="473915"/>
+            <a:ext cx="954833" cy="989512"/>
+          </a:xfrm>
+          <a:prstGeom prst="bentConnector3">
+            <a:avLst/>
+          </a:prstGeom>
+          <a:ln>
+            <a:tailEnd type="triangle"/>
+          </a:ln>
+        </p:spPr>
+        <p:style>
+          <a:lnRef idx="1">
+            <a:schemeClr val="accent1"/>
+          </a:lnRef>
+          <a:fillRef idx="0">
+            <a:schemeClr val="accent1"/>
+          </a:fillRef>
+          <a:effectRef idx="0">
+            <a:schemeClr val="accent1"/>
+          </a:effectRef>
+          <a:fontRef idx="minor">
+            <a:schemeClr val="tx1"/>
+          </a:fontRef>
+        </p:style>
+      </p:cxnSp>
+      <p:cxnSp>
+        <p:nvCxnSpPr>
+          <p:cNvPr id="20" name="Connector: Elbow 19">
+            <a:extLst>
+              <a:ext uri="{FF2B5EF4-FFF2-40B4-BE49-F238E27FC236}">
+                <a16:creationId xmlns:a16="http://schemas.microsoft.com/office/drawing/2014/main" id="{C3FB104A-3D06-C2A1-D21C-9985E9EB9435}"/>
+              </a:ext>
+            </a:extLst>
+          </p:cNvPr>
+          <p:cNvCxnSpPr>
+            <a:stCxn id="14" idx="3"/>
+            <a:endCxn id="11" idx="1"/>
+          </p:cNvCxnSpPr>
+          <p:nvPr/>
+        </p:nvCxnSpPr>
+        <p:spPr>
+          <a:xfrm>
+            <a:off x="5141167" y="1463427"/>
+            <a:ext cx="954833" cy="621965"/>
+          </a:xfrm>
+          <a:prstGeom prst="bentConnector3">
+            <a:avLst/>
+          </a:prstGeom>
+          <a:ln>
+            <a:tailEnd type="triangle"/>
+          </a:ln>
+        </p:spPr>
+        <p:style>
+          <a:lnRef idx="1">
+            <a:schemeClr val="accent1"/>
+          </a:lnRef>
+          <a:fillRef idx="0">
+            <a:schemeClr val="accent1"/>
+          </a:fillRef>
+          <a:effectRef idx="0">
+            <a:schemeClr val="accent1"/>
+          </a:effectRef>
+          <a:fontRef idx="minor">
+            <a:schemeClr val="tx1"/>
+          </a:fontRef>
+        </p:style>
+      </p:cxnSp>
+      <p:cxnSp>
+        <p:nvCxnSpPr>
+          <p:cNvPr id="22" name="Connector: Elbow 21">
+            <a:extLst>
+              <a:ext uri="{FF2B5EF4-FFF2-40B4-BE49-F238E27FC236}">
+                <a16:creationId xmlns:a16="http://schemas.microsoft.com/office/drawing/2014/main" id="{76910EEA-0FBD-37D0-34F7-E1ED8E552D5E}"/>
+              </a:ext>
+            </a:extLst>
+          </p:cNvPr>
+          <p:cNvCxnSpPr>
+            <a:stCxn id="14" idx="3"/>
+            <a:endCxn id="12" idx="1"/>
+          </p:cNvCxnSpPr>
+          <p:nvPr/>
+        </p:nvCxnSpPr>
+        <p:spPr>
+          <a:xfrm>
+            <a:off x="5141167" y="1463427"/>
+            <a:ext cx="954833" cy="1935636"/>
+          </a:xfrm>
+          <a:prstGeom prst="bentConnector3">
+            <a:avLst/>
+          </a:prstGeom>
+          <a:ln>
+            <a:tailEnd type="triangle"/>
+          </a:ln>
+        </p:spPr>
+        <p:style>
+          <a:lnRef idx="1">
+            <a:schemeClr val="accent1"/>
+          </a:lnRef>
+          <a:fillRef idx="0">
+            <a:schemeClr val="accent1"/>
+          </a:fillRef>
+          <a:effectRef idx="0">
+            <a:schemeClr val="accent1"/>
+          </a:effectRef>
+          <a:fontRef idx="minor">
+            <a:schemeClr val="tx1"/>
+          </a:fontRef>
+        </p:style>
+      </p:cxnSp>
+      <p:cxnSp>
+        <p:nvCxnSpPr>
+          <p:cNvPr id="24" name="Connector: Elbow 23">
+            <a:extLst>
+              <a:ext uri="{FF2B5EF4-FFF2-40B4-BE49-F238E27FC236}">
+                <a16:creationId xmlns:a16="http://schemas.microsoft.com/office/drawing/2014/main" id="{D16E8FBE-C352-FE53-29E8-C56D04569E15}"/>
+              </a:ext>
+            </a:extLst>
+          </p:cNvPr>
+          <p:cNvCxnSpPr>
+            <a:stCxn id="14" idx="3"/>
+            <a:endCxn id="13" idx="1"/>
+          </p:cNvCxnSpPr>
+          <p:nvPr/>
+        </p:nvCxnSpPr>
+        <p:spPr>
+          <a:xfrm>
+            <a:off x="5141167" y="1463427"/>
+            <a:ext cx="954833" cy="3903231"/>
+          </a:xfrm>
+          <a:prstGeom prst="bentConnector3">
+            <a:avLst/>
+          </a:prstGeom>
+          <a:ln>
+            <a:tailEnd type="triangle"/>
+          </a:ln>
+        </p:spPr>
+        <p:style>
+          <a:lnRef idx="1">
+            <a:schemeClr val="accent1"/>
+          </a:lnRef>
+          <a:fillRef idx="0">
+            <a:schemeClr val="accent1"/>
+          </a:fillRef>
+          <a:effectRef idx="0">
+            <a:schemeClr val="accent1"/>
+          </a:effectRef>
+          <a:fontRef idx="minor">
+            <a:schemeClr val="tx1"/>
+          </a:fontRef>
+        </p:style>
+      </p:cxnSp>
     </p:spTree>
     <p:extLst>
       <p:ext uri="{BB962C8B-B14F-4D97-AF65-F5344CB8AC3E}">

--- a/TrgImages.pptx
+++ b/TrgImages.pptx
@@ -276,7 +276,7 @@
           <a:p>
             <a:fld id="{5E0DC84C-F051-4A33-86E9-8969F11E21B3}" type="datetimeFigureOut">
               <a:rPr lang="en-US" smtClean="0"/>
-              <a:t>12/8/2023</a:t>
+              <a:t>12/11/2023</a:t>
             </a:fld>
             <a:endParaRPr lang="en-US"/>
           </a:p>
@@ -474,7 +474,7 @@
           <a:p>
             <a:fld id="{5E0DC84C-F051-4A33-86E9-8969F11E21B3}" type="datetimeFigureOut">
               <a:rPr lang="en-US" smtClean="0"/>
-              <a:t>12/8/2023</a:t>
+              <a:t>12/11/2023</a:t>
             </a:fld>
             <a:endParaRPr lang="en-US"/>
           </a:p>
@@ -682,7 +682,7 @@
           <a:p>
             <a:fld id="{5E0DC84C-F051-4A33-86E9-8969F11E21B3}" type="datetimeFigureOut">
               <a:rPr lang="en-US" smtClean="0"/>
-              <a:t>12/8/2023</a:t>
+              <a:t>12/11/2023</a:t>
             </a:fld>
             <a:endParaRPr lang="en-US"/>
           </a:p>
@@ -880,7 +880,7 @@
           <a:p>
             <a:fld id="{5E0DC84C-F051-4A33-86E9-8969F11E21B3}" type="datetimeFigureOut">
               <a:rPr lang="en-US" smtClean="0"/>
-              <a:t>12/8/2023</a:t>
+              <a:t>12/11/2023</a:t>
             </a:fld>
             <a:endParaRPr lang="en-US"/>
           </a:p>
@@ -1155,7 +1155,7 @@
           <a:p>
             <a:fld id="{5E0DC84C-F051-4A33-86E9-8969F11E21B3}" type="datetimeFigureOut">
               <a:rPr lang="en-US" smtClean="0"/>
-              <a:t>12/8/2023</a:t>
+              <a:t>12/11/2023</a:t>
             </a:fld>
             <a:endParaRPr lang="en-US"/>
           </a:p>
@@ -1420,7 +1420,7 @@
           <a:p>
             <a:fld id="{5E0DC84C-F051-4A33-86E9-8969F11E21B3}" type="datetimeFigureOut">
               <a:rPr lang="en-US" smtClean="0"/>
-              <a:t>12/8/2023</a:t>
+              <a:t>12/11/2023</a:t>
             </a:fld>
             <a:endParaRPr lang="en-US"/>
           </a:p>
@@ -1832,7 +1832,7 @@
           <a:p>
             <a:fld id="{5E0DC84C-F051-4A33-86E9-8969F11E21B3}" type="datetimeFigureOut">
               <a:rPr lang="en-US" smtClean="0"/>
-              <a:t>12/8/2023</a:t>
+              <a:t>12/11/2023</a:t>
             </a:fld>
             <a:endParaRPr lang="en-US"/>
           </a:p>
@@ -1973,7 +1973,7 @@
           <a:p>
             <a:fld id="{5E0DC84C-F051-4A33-86E9-8969F11E21B3}" type="datetimeFigureOut">
               <a:rPr lang="en-US" smtClean="0"/>
-              <a:t>12/8/2023</a:t>
+              <a:t>12/11/2023</a:t>
             </a:fld>
             <a:endParaRPr lang="en-US"/>
           </a:p>
@@ -2086,7 +2086,7 @@
           <a:p>
             <a:fld id="{5E0DC84C-F051-4A33-86E9-8969F11E21B3}" type="datetimeFigureOut">
               <a:rPr lang="en-US" smtClean="0"/>
-              <a:t>12/8/2023</a:t>
+              <a:t>12/11/2023</a:t>
             </a:fld>
             <a:endParaRPr lang="en-US"/>
           </a:p>
@@ -2397,7 +2397,7 @@
           <a:p>
             <a:fld id="{5E0DC84C-F051-4A33-86E9-8969F11E21B3}" type="datetimeFigureOut">
               <a:rPr lang="en-US" smtClean="0"/>
-              <a:t>12/8/2023</a:t>
+              <a:t>12/11/2023</a:t>
             </a:fld>
             <a:endParaRPr lang="en-US"/>
           </a:p>
@@ -2685,7 +2685,7 @@
           <a:p>
             <a:fld id="{5E0DC84C-F051-4A33-86E9-8969F11E21B3}" type="datetimeFigureOut">
               <a:rPr lang="en-US" smtClean="0"/>
-              <a:t>12/8/2023</a:t>
+              <a:t>12/11/2023</a:t>
             </a:fld>
             <a:endParaRPr lang="en-US"/>
           </a:p>
@@ -2926,7 +2926,7 @@
           <a:p>
             <a:fld id="{5E0DC84C-F051-4A33-86E9-8969F11E21B3}" type="datetimeFigureOut">
               <a:rPr lang="en-US" smtClean="0"/>
-              <a:t>12/8/2023</a:t>
+              <a:t>12/11/2023</a:t>
             </a:fld>
             <a:endParaRPr lang="en-US"/>
           </a:p>
@@ -16004,8 +16004,8 @@
         </p:nvSpPr>
         <p:spPr>
           <a:xfrm>
-            <a:off x="6811347" y="345233"/>
-            <a:ext cx="2267339" cy="6148873"/>
+            <a:off x="6783356" y="345233"/>
+            <a:ext cx="2267339" cy="3554963"/>
           </a:xfrm>
           <a:prstGeom prst="rect">
             <a:avLst/>
@@ -16060,21 +16060,19 @@
             </a:extLst>
           </p:cNvPr>
           <p:cNvCxnSpPr>
+            <a:cxnSpLocks/>
             <a:stCxn id="3" idx="3"/>
             <a:endCxn id="2" idx="1"/>
           </p:cNvCxnSpPr>
           <p:nvPr/>
         </p:nvCxnSpPr>
         <p:spPr>
-          <a:xfrm flipV="1">
-            <a:off x="9078686" y="2304661"/>
-            <a:ext cx="1950097" cy="1115009"/>
-          </a:xfrm>
-          <a:prstGeom prst="bentConnector4">
-            <a:avLst>
-              <a:gd name="adj1" fmla="val 26316"/>
-              <a:gd name="adj2" fmla="val 296234"/>
-            </a:avLst>
+          <a:xfrm>
+            <a:off x="9050695" y="2122715"/>
+            <a:ext cx="1978088" cy="181946"/>
+          </a:xfrm>
+          <a:prstGeom prst="bentConnector2">
+            <a:avLst/>
           </a:prstGeom>
           <a:ln>
             <a:headEnd type="triangle"/>
@@ -16162,9 +16160,9 @@
           <p:nvPr/>
         </p:nvCxnSpPr>
         <p:spPr>
-          <a:xfrm>
-            <a:off x="6298164" y="2323323"/>
-            <a:ext cx="513183" cy="1096347"/>
+          <a:xfrm flipV="1">
+            <a:off x="6298164" y="2122715"/>
+            <a:ext cx="485192" cy="200608"/>
           </a:xfrm>
           <a:prstGeom prst="bentConnector3">
             <a:avLst/>
@@ -16203,7 +16201,7 @@
         </p:nvSpPr>
         <p:spPr>
           <a:xfrm>
-            <a:off x="4030825" y="4842588"/>
+            <a:off x="5508172" y="4497355"/>
             <a:ext cx="2065175" cy="1222310"/>
           </a:xfrm>
           <a:prstGeom prst="can">
@@ -16254,9 +16252,9 @@
           <p:nvPr/>
         </p:nvCxnSpPr>
         <p:spPr>
-          <a:xfrm rot="5400000">
-            <a:off x="4838701" y="4516794"/>
-            <a:ext cx="550506" cy="101082"/>
+          <a:xfrm rot="16200000" flipH="1">
+            <a:off x="5749991" y="3706585"/>
+            <a:ext cx="205273" cy="1376265"/>
           </a:xfrm>
           <a:prstGeom prst="bentConnector3">
             <a:avLst/>
@@ -16326,6 +16324,422 @@
             <a:r>
               <a:rPr lang="en-US" b="1" dirty="0"/>
               <a:t>Object Query</a:t>
+            </a:r>
+          </a:p>
+        </p:txBody>
+      </p:sp>
+      <p:sp>
+        <p:nvSpPr>
+          <p:cNvPr id="4" name="Rectangle 3">
+            <a:extLst>
+              <a:ext uri="{FF2B5EF4-FFF2-40B4-BE49-F238E27FC236}">
+                <a16:creationId xmlns:a16="http://schemas.microsoft.com/office/drawing/2014/main" id="{3BAF1BF8-2D27-5371-482C-8F968F4D0E0C}"/>
+              </a:ext>
+            </a:extLst>
+          </p:cNvPr>
+          <p:cNvSpPr/>
+          <p:nvPr/>
+        </p:nvSpPr>
+        <p:spPr>
+          <a:xfrm>
+            <a:off x="1278294" y="923731"/>
+            <a:ext cx="2267339" cy="1968759"/>
+          </a:xfrm>
+          <a:prstGeom prst="rect">
+            <a:avLst/>
+          </a:prstGeom>
+        </p:spPr>
+        <p:style>
+          <a:lnRef idx="2">
+            <a:schemeClr val="accent1">
+              <a:shade val="15000"/>
+            </a:schemeClr>
+          </a:lnRef>
+          <a:fillRef idx="1">
+            <a:schemeClr val="accent1"/>
+          </a:fillRef>
+          <a:effectRef idx="0">
+            <a:schemeClr val="accent1"/>
+          </a:effectRef>
+          <a:fontRef idx="minor">
+            <a:schemeClr val="lt1"/>
+          </a:fontRef>
+        </p:style>
+        <p:txBody>
+          <a:bodyPr rtlCol="0" anchor="ctr"/>
+          <a:lstStyle/>
+          <a:p>
+            <a:pPr algn="ctr"/>
+            <a:r>
+              <a:rPr lang="en-US" dirty="0"/>
+              <a:t>Controller</a:t>
+            </a:r>
+          </a:p>
+        </p:txBody>
+      </p:sp>
+      <p:sp>
+        <p:nvSpPr>
+          <p:cNvPr id="17" name="Rectangle 16">
+            <a:extLst>
+              <a:ext uri="{FF2B5EF4-FFF2-40B4-BE49-F238E27FC236}">
+                <a16:creationId xmlns:a16="http://schemas.microsoft.com/office/drawing/2014/main" id="{92A1114D-EFB4-82C5-F296-8D66952DE88F}"/>
+              </a:ext>
+            </a:extLst>
+          </p:cNvPr>
+          <p:cNvSpPr/>
+          <p:nvPr/>
+        </p:nvSpPr>
+        <p:spPr>
+          <a:xfrm>
+            <a:off x="1483567" y="5924939"/>
+            <a:ext cx="7567128" cy="727788"/>
+          </a:xfrm>
+          <a:prstGeom prst="rect">
+            <a:avLst/>
+          </a:prstGeom>
+        </p:spPr>
+        <p:style>
+          <a:lnRef idx="2">
+            <a:schemeClr val="accent1">
+              <a:shade val="15000"/>
+            </a:schemeClr>
+          </a:lnRef>
+          <a:fillRef idx="1">
+            <a:schemeClr val="accent1"/>
+          </a:fillRef>
+          <a:effectRef idx="0">
+            <a:schemeClr val="accent1"/>
+          </a:effectRef>
+          <a:fontRef idx="minor">
+            <a:schemeClr val="lt1"/>
+          </a:fontRef>
+        </p:style>
+        <p:txBody>
+          <a:bodyPr rtlCol="0" anchor="ctr"/>
+          <a:lstStyle/>
+          <a:p>
+            <a:pPr algn="ctr"/>
+            <a:r>
+              <a:rPr lang="en-US" dirty="0"/>
+              <a:t>DI Container To Register all Dependencies </a:t>
+            </a:r>
+          </a:p>
+        </p:txBody>
+      </p:sp>
+      <p:cxnSp>
+        <p:nvCxnSpPr>
+          <p:cNvPr id="19" name="Connector: Elbow 18">
+            <a:extLst>
+              <a:ext uri="{FF2B5EF4-FFF2-40B4-BE49-F238E27FC236}">
+                <a16:creationId xmlns:a16="http://schemas.microsoft.com/office/drawing/2014/main" id="{02A490A4-B1FA-F0FD-1697-3BA60A1796CB}"/>
+              </a:ext>
+            </a:extLst>
+          </p:cNvPr>
+          <p:cNvCxnSpPr>
+            <a:stCxn id="3" idx="2"/>
+            <a:endCxn id="17" idx="3"/>
+          </p:cNvCxnSpPr>
+          <p:nvPr/>
+        </p:nvCxnSpPr>
+        <p:spPr>
+          <a:xfrm rot="16200000" flipH="1">
+            <a:off x="7289542" y="4527679"/>
+            <a:ext cx="2388637" cy="1133669"/>
+          </a:xfrm>
+          <a:prstGeom prst="bentConnector4">
+            <a:avLst>
+              <a:gd name="adj1" fmla="val 42383"/>
+              <a:gd name="adj2" fmla="val 120165"/>
+            </a:avLst>
+          </a:prstGeom>
+          <a:ln>
+            <a:tailEnd type="triangle"/>
+          </a:ln>
+        </p:spPr>
+        <p:style>
+          <a:lnRef idx="1">
+            <a:schemeClr val="accent1"/>
+          </a:lnRef>
+          <a:fillRef idx="0">
+            <a:schemeClr val="accent1"/>
+          </a:fillRef>
+          <a:effectRef idx="0">
+            <a:schemeClr val="accent1"/>
+          </a:effectRef>
+          <a:fontRef idx="minor">
+            <a:schemeClr val="tx1"/>
+          </a:fontRef>
+        </p:style>
+      </p:cxnSp>
+      <p:cxnSp>
+        <p:nvCxnSpPr>
+          <p:cNvPr id="21" name="Connector: Elbow 20">
+            <a:extLst>
+              <a:ext uri="{FF2B5EF4-FFF2-40B4-BE49-F238E27FC236}">
+                <a16:creationId xmlns:a16="http://schemas.microsoft.com/office/drawing/2014/main" id="{9F807A2B-3C6D-2C10-FE1E-FEDA3A6A3954}"/>
+              </a:ext>
+            </a:extLst>
+          </p:cNvPr>
+          <p:cNvCxnSpPr>
+            <a:stCxn id="6" idx="2"/>
+            <a:endCxn id="17" idx="0"/>
+          </p:cNvCxnSpPr>
+          <p:nvPr/>
+        </p:nvCxnSpPr>
+        <p:spPr>
+          <a:xfrm rot="16200000" flipH="1">
+            <a:off x="4399385" y="5057192"/>
+            <a:ext cx="1632857" cy="102636"/>
+          </a:xfrm>
+          <a:prstGeom prst="bentConnector3">
+            <a:avLst>
+              <a:gd name="adj1" fmla="val 59715"/>
+            </a:avLst>
+          </a:prstGeom>
+          <a:ln>
+            <a:tailEnd type="triangle"/>
+          </a:ln>
+        </p:spPr>
+        <p:style>
+          <a:lnRef idx="1">
+            <a:schemeClr val="accent1"/>
+          </a:lnRef>
+          <a:fillRef idx="0">
+            <a:schemeClr val="accent1"/>
+          </a:fillRef>
+          <a:effectRef idx="0">
+            <a:schemeClr val="accent1"/>
+          </a:effectRef>
+          <a:fontRef idx="minor">
+            <a:schemeClr val="tx1"/>
+          </a:fontRef>
+        </p:style>
+      </p:cxnSp>
+      <p:cxnSp>
+        <p:nvCxnSpPr>
+          <p:cNvPr id="26" name="Connector: Elbow 25">
+            <a:extLst>
+              <a:ext uri="{FF2B5EF4-FFF2-40B4-BE49-F238E27FC236}">
+                <a16:creationId xmlns:a16="http://schemas.microsoft.com/office/drawing/2014/main" id="{D4C5420B-059C-0AF4-E608-A57638EF1ED1}"/>
+              </a:ext>
+            </a:extLst>
+          </p:cNvPr>
+          <p:cNvCxnSpPr>
+            <a:stCxn id="17" idx="1"/>
+            <a:endCxn id="4" idx="2"/>
+          </p:cNvCxnSpPr>
+          <p:nvPr/>
+        </p:nvCxnSpPr>
+        <p:spPr>
+          <a:xfrm rot="10800000" flipH="1">
+            <a:off x="1483566" y="2892491"/>
+            <a:ext cx="928397" cy="3396343"/>
+          </a:xfrm>
+          <a:prstGeom prst="bentConnector4">
+            <a:avLst>
+              <a:gd name="adj1" fmla="val -24623"/>
+              <a:gd name="adj2" fmla="val 55357"/>
+            </a:avLst>
+          </a:prstGeom>
+          <a:ln>
+            <a:tailEnd type="triangle"/>
+          </a:ln>
+        </p:spPr>
+        <p:style>
+          <a:lnRef idx="1">
+            <a:schemeClr val="accent1"/>
+          </a:lnRef>
+          <a:fillRef idx="0">
+            <a:schemeClr val="accent1"/>
+          </a:fillRef>
+          <a:effectRef idx="0">
+            <a:schemeClr val="accent1"/>
+          </a:effectRef>
+          <a:fontRef idx="minor">
+            <a:schemeClr val="tx1"/>
+          </a:fontRef>
+        </p:style>
+      </p:cxnSp>
+      <p:sp>
+        <p:nvSpPr>
+          <p:cNvPr id="27" name="TextBox 26">
+            <a:extLst>
+              <a:ext uri="{FF2B5EF4-FFF2-40B4-BE49-F238E27FC236}">
+                <a16:creationId xmlns:a16="http://schemas.microsoft.com/office/drawing/2014/main" id="{233C64FF-322F-A986-EB1E-F2C79D375748}"/>
+              </a:ext>
+            </a:extLst>
+          </p:cNvPr>
+          <p:cNvSpPr txBox="1"/>
+          <p:nvPr/>
+        </p:nvSpPr>
+        <p:spPr>
+          <a:xfrm>
+            <a:off x="8627704" y="5309118"/>
+            <a:ext cx="2041853" cy="646331"/>
+          </a:xfrm>
+          <a:prstGeom prst="rect">
+            <a:avLst/>
+          </a:prstGeom>
+          <a:noFill/>
+        </p:spPr>
+        <p:txBody>
+          <a:bodyPr wrap="square" rtlCol="0">
+            <a:spAutoFit/>
+          </a:bodyPr>
+          <a:lstStyle/>
+          <a:p>
+            <a:r>
+              <a:rPr lang="en-US" dirty="0"/>
+              <a:t>Registration in DI Container</a:t>
+            </a:r>
+          </a:p>
+        </p:txBody>
+      </p:sp>
+      <p:sp>
+        <p:nvSpPr>
+          <p:cNvPr id="28" name="TextBox 27">
+            <a:extLst>
+              <a:ext uri="{FF2B5EF4-FFF2-40B4-BE49-F238E27FC236}">
+                <a16:creationId xmlns:a16="http://schemas.microsoft.com/office/drawing/2014/main" id="{65C14BBD-D236-BE75-C7AA-852EC48FA278}"/>
+              </a:ext>
+            </a:extLst>
+          </p:cNvPr>
+          <p:cNvSpPr txBox="1"/>
+          <p:nvPr/>
+        </p:nvSpPr>
+        <p:spPr>
+          <a:xfrm flipH="1">
+            <a:off x="4416490" y="4369846"/>
+            <a:ext cx="928397" cy="1477328"/>
+          </a:xfrm>
+          <a:prstGeom prst="rect">
+            <a:avLst/>
+          </a:prstGeom>
+          <a:noFill/>
+        </p:spPr>
+        <p:txBody>
+          <a:bodyPr wrap="square" rtlCol="0">
+            <a:spAutoFit/>
+          </a:bodyPr>
+          <a:lstStyle/>
+          <a:p>
+            <a:r>
+              <a:rPr lang="en-US" dirty="0"/>
+              <a:t>Registration in DI Container</a:t>
+            </a:r>
+          </a:p>
+        </p:txBody>
+      </p:sp>
+      <p:sp>
+        <p:nvSpPr>
+          <p:cNvPr id="29" name="TextBox 28">
+            <a:extLst>
+              <a:ext uri="{FF2B5EF4-FFF2-40B4-BE49-F238E27FC236}">
+                <a16:creationId xmlns:a16="http://schemas.microsoft.com/office/drawing/2014/main" id="{6E4A6214-3D97-F418-1155-E387FC546321}"/>
+              </a:ext>
+            </a:extLst>
+          </p:cNvPr>
+          <p:cNvSpPr txBox="1"/>
+          <p:nvPr/>
+        </p:nvSpPr>
+        <p:spPr>
+          <a:xfrm>
+            <a:off x="807095" y="4852806"/>
+            <a:ext cx="2041853" cy="923330"/>
+          </a:xfrm>
+          <a:prstGeom prst="rect">
+            <a:avLst/>
+          </a:prstGeom>
+          <a:noFill/>
+        </p:spPr>
+        <p:txBody>
+          <a:bodyPr wrap="square" rtlCol="0">
+            <a:spAutoFit/>
+          </a:bodyPr>
+          <a:lstStyle/>
+          <a:p>
+            <a:r>
+              <a:rPr lang="en-US" dirty="0"/>
+              <a:t>Injecting an Object from DI Container to Controller</a:t>
+            </a:r>
+          </a:p>
+        </p:txBody>
+      </p:sp>
+      <p:cxnSp>
+        <p:nvCxnSpPr>
+          <p:cNvPr id="31" name="Connector: Elbow 30">
+            <a:extLst>
+              <a:ext uri="{FF2B5EF4-FFF2-40B4-BE49-F238E27FC236}">
+                <a16:creationId xmlns:a16="http://schemas.microsoft.com/office/drawing/2014/main" id="{F29B0973-0611-BDC7-2611-FFDE40260D4E}"/>
+              </a:ext>
+            </a:extLst>
+          </p:cNvPr>
+          <p:cNvCxnSpPr>
+            <a:endCxn id="6" idx="1"/>
+          </p:cNvCxnSpPr>
+          <p:nvPr/>
+        </p:nvCxnSpPr>
+        <p:spPr>
+          <a:xfrm rot="16200000" flipV="1">
+            <a:off x="2848171" y="3505978"/>
+            <a:ext cx="3601615" cy="1236306"/>
+          </a:xfrm>
+          <a:prstGeom prst="bentConnector4">
+            <a:avLst>
+              <a:gd name="adj1" fmla="val 22668"/>
+              <a:gd name="adj2" fmla="val 118491"/>
+            </a:avLst>
+          </a:prstGeom>
+          <a:ln>
+            <a:tailEnd type="triangle"/>
+          </a:ln>
+        </p:spPr>
+        <p:style>
+          <a:lnRef idx="1">
+            <a:schemeClr val="accent1"/>
+          </a:lnRef>
+          <a:fillRef idx="0">
+            <a:schemeClr val="accent1"/>
+          </a:fillRef>
+          <a:effectRef idx="0">
+            <a:schemeClr val="accent1"/>
+          </a:effectRef>
+          <a:fontRef idx="minor">
+            <a:schemeClr val="tx1"/>
+          </a:fontRef>
+        </p:style>
+      </p:cxnSp>
+      <p:sp>
+        <p:nvSpPr>
+          <p:cNvPr id="32" name="TextBox 31">
+            <a:extLst>
+              <a:ext uri="{FF2B5EF4-FFF2-40B4-BE49-F238E27FC236}">
+                <a16:creationId xmlns:a16="http://schemas.microsoft.com/office/drawing/2014/main" id="{C97C83F4-D5C9-0EAE-FC56-A12C029BA351}"/>
+              </a:ext>
+            </a:extLst>
+          </p:cNvPr>
+          <p:cNvSpPr txBox="1"/>
+          <p:nvPr/>
+        </p:nvSpPr>
+        <p:spPr>
+          <a:xfrm>
+            <a:off x="2932142" y="3270981"/>
+            <a:ext cx="958725" cy="1200329"/>
+          </a:xfrm>
+          <a:prstGeom prst="rect">
+            <a:avLst/>
+          </a:prstGeom>
+          <a:noFill/>
+        </p:spPr>
+        <p:txBody>
+          <a:bodyPr wrap="square" rtlCol="0">
+            <a:spAutoFit/>
+          </a:bodyPr>
+          <a:lstStyle/>
+          <a:p>
+            <a:r>
+              <a:rPr lang="en-US" dirty="0"/>
+              <a:t>Inject DAL in Domain Layer</a:t>
             </a:r>
           </a:p>
         </p:txBody>

--- a/TrgImages.pptx
+++ b/TrgImages.pptx
@@ -23,6 +23,10 @@
     <p:sldId id="271" r:id="rId17"/>
     <p:sldId id="272" r:id="rId18"/>
     <p:sldId id="273" r:id="rId19"/>
+    <p:sldId id="274" r:id="rId20"/>
+    <p:sldId id="275" r:id="rId21"/>
+    <p:sldId id="276" r:id="rId22"/>
+    <p:sldId id="277" r:id="rId23"/>
   </p:sldIdLst>
   <p:sldSz cx="12192000" cy="6858000"/>
   <p:notesSz cx="6858000" cy="9144000"/>
@@ -276,7 +280,7 @@
           <a:p>
             <a:fld id="{5E0DC84C-F051-4A33-86E9-8969F11E21B3}" type="datetimeFigureOut">
               <a:rPr lang="en-US" smtClean="0"/>
-              <a:t>12/11/2023</a:t>
+              <a:t>12/12/2023</a:t>
             </a:fld>
             <a:endParaRPr lang="en-US"/>
           </a:p>
@@ -474,7 +478,7 @@
           <a:p>
             <a:fld id="{5E0DC84C-F051-4A33-86E9-8969F11E21B3}" type="datetimeFigureOut">
               <a:rPr lang="en-US" smtClean="0"/>
-              <a:t>12/11/2023</a:t>
+              <a:t>12/12/2023</a:t>
             </a:fld>
             <a:endParaRPr lang="en-US"/>
           </a:p>
@@ -682,7 +686,7 @@
           <a:p>
             <a:fld id="{5E0DC84C-F051-4A33-86E9-8969F11E21B3}" type="datetimeFigureOut">
               <a:rPr lang="en-US" smtClean="0"/>
-              <a:t>12/11/2023</a:t>
+              <a:t>12/12/2023</a:t>
             </a:fld>
             <a:endParaRPr lang="en-US"/>
           </a:p>
@@ -880,7 +884,7 @@
           <a:p>
             <a:fld id="{5E0DC84C-F051-4A33-86E9-8969F11E21B3}" type="datetimeFigureOut">
               <a:rPr lang="en-US" smtClean="0"/>
-              <a:t>12/11/2023</a:t>
+              <a:t>12/12/2023</a:t>
             </a:fld>
             <a:endParaRPr lang="en-US"/>
           </a:p>
@@ -1155,7 +1159,7 @@
           <a:p>
             <a:fld id="{5E0DC84C-F051-4A33-86E9-8969F11E21B3}" type="datetimeFigureOut">
               <a:rPr lang="en-US" smtClean="0"/>
-              <a:t>12/11/2023</a:t>
+              <a:t>12/12/2023</a:t>
             </a:fld>
             <a:endParaRPr lang="en-US"/>
           </a:p>
@@ -1420,7 +1424,7 @@
           <a:p>
             <a:fld id="{5E0DC84C-F051-4A33-86E9-8969F11E21B3}" type="datetimeFigureOut">
               <a:rPr lang="en-US" smtClean="0"/>
-              <a:t>12/11/2023</a:t>
+              <a:t>12/12/2023</a:t>
             </a:fld>
             <a:endParaRPr lang="en-US"/>
           </a:p>
@@ -1832,7 +1836,7 @@
           <a:p>
             <a:fld id="{5E0DC84C-F051-4A33-86E9-8969F11E21B3}" type="datetimeFigureOut">
               <a:rPr lang="en-US" smtClean="0"/>
-              <a:t>12/11/2023</a:t>
+              <a:t>12/12/2023</a:t>
             </a:fld>
             <a:endParaRPr lang="en-US"/>
           </a:p>
@@ -1973,7 +1977,7 @@
           <a:p>
             <a:fld id="{5E0DC84C-F051-4A33-86E9-8969F11E21B3}" type="datetimeFigureOut">
               <a:rPr lang="en-US" smtClean="0"/>
-              <a:t>12/11/2023</a:t>
+              <a:t>12/12/2023</a:t>
             </a:fld>
             <a:endParaRPr lang="en-US"/>
           </a:p>
@@ -2086,7 +2090,7 @@
           <a:p>
             <a:fld id="{5E0DC84C-F051-4A33-86E9-8969F11E21B3}" type="datetimeFigureOut">
               <a:rPr lang="en-US" smtClean="0"/>
-              <a:t>12/11/2023</a:t>
+              <a:t>12/12/2023</a:t>
             </a:fld>
             <a:endParaRPr lang="en-US"/>
           </a:p>
@@ -2397,7 +2401,7 @@
           <a:p>
             <a:fld id="{5E0DC84C-F051-4A33-86E9-8969F11E21B3}" type="datetimeFigureOut">
               <a:rPr lang="en-US" smtClean="0"/>
-              <a:t>12/11/2023</a:t>
+              <a:t>12/12/2023</a:t>
             </a:fld>
             <a:endParaRPr lang="en-US"/>
           </a:p>
@@ -2685,7 +2689,7 @@
           <a:p>
             <a:fld id="{5E0DC84C-F051-4A33-86E9-8969F11E21B3}" type="datetimeFigureOut">
               <a:rPr lang="en-US" smtClean="0"/>
-              <a:t>12/11/2023</a:t>
+              <a:t>12/12/2023</a:t>
             </a:fld>
             <a:endParaRPr lang="en-US"/>
           </a:p>
@@ -2926,7 +2930,7 @@
           <a:p>
             <a:fld id="{5E0DC84C-F051-4A33-86E9-8969F11E21B3}" type="datetimeFigureOut">
               <a:rPr lang="en-US" smtClean="0"/>
-              <a:t>12/11/2023</a:t>
+              <a:t>12/12/2023</a:t>
             </a:fld>
             <a:endParaRPr lang="en-US"/>
           </a:p>
@@ -11181,6 +11185,380 @@
 </p:sld>
 </file>
 
+<file path=ppt/slides/slide19.xml><?xml version="1.0" encoding="utf-8"?>
+<p:sld xmlns:a="http://schemas.openxmlformats.org/drawingml/2006/main" xmlns:r="http://schemas.openxmlformats.org/officeDocument/2006/relationships" xmlns:p="http://schemas.openxmlformats.org/presentationml/2006/main">
+  <p:cSld>
+    <p:spTree>
+      <p:nvGrpSpPr>
+        <p:cNvPr id="1" name=""/>
+        <p:cNvGrpSpPr/>
+        <p:nvPr/>
+      </p:nvGrpSpPr>
+      <p:grpSpPr>
+        <a:xfrm>
+          <a:off x="0" y="0"/>
+          <a:ext cx="0" cy="0"/>
+          <a:chOff x="0" y="0"/>
+          <a:chExt cx="0" cy="0"/>
+        </a:xfrm>
+      </p:grpSpPr>
+      <p:sp>
+        <p:nvSpPr>
+          <p:cNvPr id="2" name="Rectangle 1">
+            <a:extLst>
+              <a:ext uri="{FF2B5EF4-FFF2-40B4-BE49-F238E27FC236}">
+                <a16:creationId xmlns:a16="http://schemas.microsoft.com/office/drawing/2014/main" id="{E1EC6C82-B22C-963E-9737-D9FB80DCA352}"/>
+              </a:ext>
+            </a:extLst>
+          </p:cNvPr>
+          <p:cNvSpPr/>
+          <p:nvPr/>
+        </p:nvSpPr>
+        <p:spPr>
+          <a:xfrm>
+            <a:off x="5486400" y="671804"/>
+            <a:ext cx="4683967" cy="4739951"/>
+          </a:xfrm>
+          <a:prstGeom prst="rect">
+            <a:avLst/>
+          </a:prstGeom>
+        </p:spPr>
+        <p:style>
+          <a:lnRef idx="2">
+            <a:schemeClr val="accent6"/>
+          </a:lnRef>
+          <a:fillRef idx="1">
+            <a:schemeClr val="lt1"/>
+          </a:fillRef>
+          <a:effectRef idx="0">
+            <a:schemeClr val="accent6"/>
+          </a:effectRef>
+          <a:fontRef idx="minor">
+            <a:schemeClr val="dk1"/>
+          </a:fontRef>
+        </p:style>
+        <p:txBody>
+          <a:bodyPr rtlCol="0" anchor="ctr"/>
+          <a:lstStyle/>
+          <a:p>
+            <a:pPr algn="ctr"/>
+            <a:endParaRPr lang="en-US"/>
+          </a:p>
+        </p:txBody>
+      </p:sp>
+      <p:sp>
+        <p:nvSpPr>
+          <p:cNvPr id="3" name="TextBox 2">
+            <a:extLst>
+              <a:ext uri="{FF2B5EF4-FFF2-40B4-BE49-F238E27FC236}">
+                <a16:creationId xmlns:a16="http://schemas.microsoft.com/office/drawing/2014/main" id="{0AB0B6E1-DD00-655C-8E21-41426B2BE9B6}"/>
+              </a:ext>
+            </a:extLst>
+          </p:cNvPr>
+          <p:cNvSpPr txBox="1"/>
+          <p:nvPr/>
+        </p:nvSpPr>
+        <p:spPr>
+          <a:xfrm>
+            <a:off x="5738327" y="886408"/>
+            <a:ext cx="4217436" cy="646331"/>
+          </a:xfrm>
+          <a:prstGeom prst="rect">
+            <a:avLst/>
+          </a:prstGeom>
+          <a:noFill/>
+        </p:spPr>
+        <p:txBody>
+          <a:bodyPr wrap="square" rtlCol="0">
+            <a:spAutoFit/>
+          </a:bodyPr>
+          <a:lstStyle/>
+          <a:p>
+            <a:pPr algn="ctr"/>
+            <a:r>
+              <a:rPr lang="en-US" b="1" dirty="0"/>
+              <a:t>ASP.NET Core</a:t>
+            </a:r>
+          </a:p>
+          <a:p>
+            <a:pPr algn="ctr"/>
+            <a:r>
+              <a:rPr lang="en-US" b="1" dirty="0" err="1"/>
+              <a:t>Microsoft.AspNetCore.App</a:t>
+            </a:r>
+            <a:endParaRPr lang="en-US" b="1" dirty="0"/>
+          </a:p>
+        </p:txBody>
+      </p:sp>
+      <p:sp>
+        <p:nvSpPr>
+          <p:cNvPr id="4" name="Rectangle 3">
+            <a:extLst>
+              <a:ext uri="{FF2B5EF4-FFF2-40B4-BE49-F238E27FC236}">
+                <a16:creationId xmlns:a16="http://schemas.microsoft.com/office/drawing/2014/main" id="{76A0B3B0-9676-E08B-BA90-B4052D503D53}"/>
+              </a:ext>
+            </a:extLst>
+          </p:cNvPr>
+          <p:cNvSpPr/>
+          <p:nvPr/>
+        </p:nvSpPr>
+        <p:spPr>
+          <a:xfrm>
+            <a:off x="5663682" y="1800808"/>
+            <a:ext cx="4376057" cy="1026368"/>
+          </a:xfrm>
+          <a:prstGeom prst="rect">
+            <a:avLst/>
+          </a:prstGeom>
+          <a:solidFill>
+            <a:srgbClr val="92D050"/>
+          </a:solidFill>
+        </p:spPr>
+        <p:style>
+          <a:lnRef idx="2">
+            <a:schemeClr val="accent1">
+              <a:shade val="15000"/>
+            </a:schemeClr>
+          </a:lnRef>
+          <a:fillRef idx="1">
+            <a:schemeClr val="accent1"/>
+          </a:fillRef>
+          <a:effectRef idx="0">
+            <a:schemeClr val="accent1"/>
+          </a:effectRef>
+          <a:fontRef idx="minor">
+            <a:schemeClr val="lt1"/>
+          </a:fontRef>
+        </p:style>
+        <p:txBody>
+          <a:bodyPr rtlCol="0" anchor="ctr"/>
+          <a:lstStyle/>
+          <a:p>
+            <a:pPr algn="ctr"/>
+            <a:r>
+              <a:rPr lang="en-US" b="1" dirty="0"/>
+              <a:t>Dependency Injection Container for Dependency Registration</a:t>
+            </a:r>
+          </a:p>
+        </p:txBody>
+      </p:sp>
+      <p:sp>
+        <p:nvSpPr>
+          <p:cNvPr id="5" name="Rectangle 4">
+            <a:extLst>
+              <a:ext uri="{FF2B5EF4-FFF2-40B4-BE49-F238E27FC236}">
+                <a16:creationId xmlns:a16="http://schemas.microsoft.com/office/drawing/2014/main" id="{B4BF4D9F-9CEF-7C54-95DF-C1B19C1FE2C2}"/>
+              </a:ext>
+            </a:extLst>
+          </p:cNvPr>
+          <p:cNvSpPr/>
+          <p:nvPr/>
+        </p:nvSpPr>
+        <p:spPr>
+          <a:xfrm>
+            <a:off x="5640354" y="3004457"/>
+            <a:ext cx="4376057" cy="1026368"/>
+          </a:xfrm>
+          <a:prstGeom prst="rect">
+            <a:avLst/>
+          </a:prstGeom>
+          <a:solidFill>
+            <a:srgbClr val="C00000"/>
+          </a:solidFill>
+        </p:spPr>
+        <p:style>
+          <a:lnRef idx="2">
+            <a:schemeClr val="accent1">
+              <a:shade val="15000"/>
+            </a:schemeClr>
+          </a:lnRef>
+          <a:fillRef idx="1">
+            <a:schemeClr val="accent1"/>
+          </a:fillRef>
+          <a:effectRef idx="0">
+            <a:schemeClr val="accent1"/>
+          </a:effectRef>
+          <a:fontRef idx="minor">
+            <a:schemeClr val="lt1"/>
+          </a:fontRef>
+        </p:style>
+        <p:txBody>
+          <a:bodyPr rtlCol="0" anchor="ctr"/>
+          <a:lstStyle/>
+          <a:p>
+            <a:pPr algn="ctr"/>
+            <a:r>
+              <a:rPr lang="en-US" b="1" dirty="0"/>
+              <a:t>Middleware</a:t>
+            </a:r>
+          </a:p>
+        </p:txBody>
+      </p:sp>
+      <p:sp>
+        <p:nvSpPr>
+          <p:cNvPr id="6" name="Rectangle 5">
+            <a:extLst>
+              <a:ext uri="{FF2B5EF4-FFF2-40B4-BE49-F238E27FC236}">
+                <a16:creationId xmlns:a16="http://schemas.microsoft.com/office/drawing/2014/main" id="{9FE5D634-852F-E1DA-361E-87924E08E163}"/>
+              </a:ext>
+            </a:extLst>
+          </p:cNvPr>
+          <p:cNvSpPr/>
+          <p:nvPr/>
+        </p:nvSpPr>
+        <p:spPr>
+          <a:xfrm>
+            <a:off x="5626359" y="4244169"/>
+            <a:ext cx="4376057" cy="1026368"/>
+          </a:xfrm>
+          <a:prstGeom prst="rect">
+            <a:avLst/>
+          </a:prstGeom>
+          <a:solidFill>
+            <a:schemeClr val="accent1">
+              <a:lumMod val="75000"/>
+            </a:schemeClr>
+          </a:solidFill>
+        </p:spPr>
+        <p:style>
+          <a:lnRef idx="2">
+            <a:schemeClr val="accent1">
+              <a:shade val="15000"/>
+            </a:schemeClr>
+          </a:lnRef>
+          <a:fillRef idx="1">
+            <a:schemeClr val="accent1"/>
+          </a:fillRef>
+          <a:effectRef idx="0">
+            <a:schemeClr val="accent1"/>
+          </a:effectRef>
+          <a:fontRef idx="minor">
+            <a:schemeClr val="lt1"/>
+          </a:fontRef>
+        </p:style>
+        <p:txBody>
+          <a:bodyPr rtlCol="0" anchor="ctr"/>
+          <a:lstStyle/>
+          <a:p>
+            <a:pPr algn="ctr"/>
+            <a:r>
+              <a:rPr lang="en-US" b="1" dirty="0"/>
+              <a:t>Actual Execution of Request</a:t>
+            </a:r>
+          </a:p>
+        </p:txBody>
+      </p:sp>
+      <p:sp>
+        <p:nvSpPr>
+          <p:cNvPr id="7" name="Arrow: Right 6">
+            <a:extLst>
+              <a:ext uri="{FF2B5EF4-FFF2-40B4-BE49-F238E27FC236}">
+                <a16:creationId xmlns:a16="http://schemas.microsoft.com/office/drawing/2014/main" id="{9692F51D-204A-4522-D226-9B0E6CB1123E}"/>
+              </a:ext>
+            </a:extLst>
+          </p:cNvPr>
+          <p:cNvSpPr/>
+          <p:nvPr/>
+        </p:nvSpPr>
+        <p:spPr>
+          <a:xfrm>
+            <a:off x="653143" y="671804"/>
+            <a:ext cx="4833257" cy="774441"/>
+          </a:xfrm>
+          <a:prstGeom prst="rightArrow">
+            <a:avLst/>
+          </a:prstGeom>
+        </p:spPr>
+        <p:style>
+          <a:lnRef idx="2">
+            <a:schemeClr val="accent1">
+              <a:shade val="15000"/>
+            </a:schemeClr>
+          </a:lnRef>
+          <a:fillRef idx="1">
+            <a:schemeClr val="accent1"/>
+          </a:fillRef>
+          <a:effectRef idx="0">
+            <a:schemeClr val="accent1"/>
+          </a:effectRef>
+          <a:fontRef idx="minor">
+            <a:schemeClr val="lt1"/>
+          </a:fontRef>
+        </p:style>
+        <p:txBody>
+          <a:bodyPr rtlCol="0" anchor="ctr"/>
+          <a:lstStyle/>
+          <a:p>
+            <a:pPr algn="ctr"/>
+            <a:r>
+              <a:rPr lang="en-US" b="1" dirty="0"/>
+              <a:t>HTTP Request</a:t>
+            </a:r>
+          </a:p>
+        </p:txBody>
+      </p:sp>
+      <p:sp>
+        <p:nvSpPr>
+          <p:cNvPr id="8" name="Arrow: Left 7">
+            <a:extLst>
+              <a:ext uri="{FF2B5EF4-FFF2-40B4-BE49-F238E27FC236}">
+                <a16:creationId xmlns:a16="http://schemas.microsoft.com/office/drawing/2014/main" id="{361A805C-ABB2-8ACD-D6F9-85E470B738E7}"/>
+              </a:ext>
+            </a:extLst>
+          </p:cNvPr>
+          <p:cNvSpPr/>
+          <p:nvPr/>
+        </p:nvSpPr>
+        <p:spPr>
+          <a:xfrm>
+            <a:off x="438539" y="4516016"/>
+            <a:ext cx="5047861" cy="774441"/>
+          </a:xfrm>
+          <a:prstGeom prst="leftArrow">
+            <a:avLst/>
+          </a:prstGeom>
+        </p:spPr>
+        <p:style>
+          <a:lnRef idx="2">
+            <a:schemeClr val="accent1">
+              <a:shade val="15000"/>
+            </a:schemeClr>
+          </a:lnRef>
+          <a:fillRef idx="1">
+            <a:schemeClr val="accent1"/>
+          </a:fillRef>
+          <a:effectRef idx="0">
+            <a:schemeClr val="accent1"/>
+          </a:effectRef>
+          <a:fontRef idx="minor">
+            <a:schemeClr val="lt1"/>
+          </a:fontRef>
+        </p:style>
+        <p:txBody>
+          <a:bodyPr rtlCol="0" anchor="ctr"/>
+          <a:lstStyle/>
+          <a:p>
+            <a:pPr algn="ctr"/>
+            <a:r>
+              <a:rPr lang="en-US" b="1" dirty="0"/>
+              <a:t>HTTP response</a:t>
+            </a:r>
+          </a:p>
+        </p:txBody>
+      </p:sp>
+    </p:spTree>
+    <p:extLst>
+      <p:ext uri="{BB962C8B-B14F-4D97-AF65-F5344CB8AC3E}">
+        <p14:creationId xmlns:p14="http://schemas.microsoft.com/office/powerpoint/2010/main" val="3458830029"/>
+      </p:ext>
+    </p:extLst>
+  </p:cSld>
+  <p:clrMapOvr>
+    <a:masterClrMapping/>
+  </p:clrMapOvr>
+</p:sld>
+</file>
+
 <file path=ppt/slides/slide2.xml><?xml version="1.0" encoding="utf-8"?>
 <p:sld xmlns:a="http://schemas.openxmlformats.org/drawingml/2006/main" xmlns:r="http://schemas.openxmlformats.org/officeDocument/2006/relationships" xmlns:p="http://schemas.openxmlformats.org/presentationml/2006/main">
   <p:cSld>
@@ -12314,6 +12692,4275 @@
     <p:extLst>
       <p:ext uri="{BB962C8B-B14F-4D97-AF65-F5344CB8AC3E}">
         <p14:creationId xmlns:p14="http://schemas.microsoft.com/office/powerpoint/2010/main" val="2825280799"/>
+      </p:ext>
+    </p:extLst>
+  </p:cSld>
+  <p:clrMapOvr>
+    <a:masterClrMapping/>
+  </p:clrMapOvr>
+</p:sld>
+</file>
+
+<file path=ppt/slides/slide20.xml><?xml version="1.0" encoding="utf-8"?>
+<p:sld xmlns:a="http://schemas.openxmlformats.org/drawingml/2006/main" xmlns:r="http://schemas.openxmlformats.org/officeDocument/2006/relationships" xmlns:p="http://schemas.openxmlformats.org/presentationml/2006/main">
+  <p:cSld>
+    <p:spTree>
+      <p:nvGrpSpPr>
+        <p:cNvPr id="1" name=""/>
+        <p:cNvGrpSpPr/>
+        <p:nvPr/>
+      </p:nvGrpSpPr>
+      <p:grpSpPr>
+        <a:xfrm>
+          <a:off x="0" y="0"/>
+          <a:ext cx="0" cy="0"/>
+          <a:chOff x="0" y="0"/>
+          <a:chExt cx="0" cy="0"/>
+        </a:xfrm>
+      </p:grpSpPr>
+      <p:sp>
+        <p:nvSpPr>
+          <p:cNvPr id="2" name="Rectangle 1">
+            <a:extLst>
+              <a:ext uri="{FF2B5EF4-FFF2-40B4-BE49-F238E27FC236}">
+                <a16:creationId xmlns:a16="http://schemas.microsoft.com/office/drawing/2014/main" id="{8025420B-AA3E-A871-FC4D-C14B2D5DFD29}"/>
+              </a:ext>
+            </a:extLst>
+          </p:cNvPr>
+          <p:cNvSpPr/>
+          <p:nvPr/>
+        </p:nvSpPr>
+        <p:spPr>
+          <a:xfrm>
+            <a:off x="130629" y="139959"/>
+            <a:ext cx="11971175" cy="6568751"/>
+          </a:xfrm>
+          <a:prstGeom prst="rect">
+            <a:avLst/>
+          </a:prstGeom>
+        </p:spPr>
+        <p:style>
+          <a:lnRef idx="2">
+            <a:schemeClr val="accent6"/>
+          </a:lnRef>
+          <a:fillRef idx="1">
+            <a:schemeClr val="lt1"/>
+          </a:fillRef>
+          <a:effectRef idx="0">
+            <a:schemeClr val="accent6"/>
+          </a:effectRef>
+          <a:fontRef idx="minor">
+            <a:schemeClr val="dk1"/>
+          </a:fontRef>
+        </p:style>
+        <p:txBody>
+          <a:bodyPr rtlCol="0" anchor="ctr"/>
+          <a:lstStyle/>
+          <a:p>
+            <a:pPr algn="ctr"/>
+            <a:endParaRPr lang="en-US"/>
+          </a:p>
+        </p:txBody>
+      </p:sp>
+      <p:sp>
+        <p:nvSpPr>
+          <p:cNvPr id="3" name="TextBox 2">
+            <a:extLst>
+              <a:ext uri="{FF2B5EF4-FFF2-40B4-BE49-F238E27FC236}">
+                <a16:creationId xmlns:a16="http://schemas.microsoft.com/office/drawing/2014/main" id="{8EF9E271-7E96-2989-BE46-51E073B1885D}"/>
+              </a:ext>
+            </a:extLst>
+          </p:cNvPr>
+          <p:cNvSpPr txBox="1"/>
+          <p:nvPr/>
+        </p:nvSpPr>
+        <p:spPr>
+          <a:xfrm>
+            <a:off x="5449078" y="149290"/>
+            <a:ext cx="2118049" cy="369332"/>
+          </a:xfrm>
+          <a:prstGeom prst="rect">
+            <a:avLst/>
+          </a:prstGeom>
+          <a:noFill/>
+        </p:spPr>
+        <p:txBody>
+          <a:bodyPr wrap="square" rtlCol="0">
+            <a:spAutoFit/>
+          </a:bodyPr>
+          <a:lstStyle/>
+          <a:p>
+            <a:pPr algn="ctr"/>
+            <a:r>
+              <a:rPr lang="en-US" dirty="0"/>
+              <a:t>ASP.NET Core App</a:t>
+            </a:r>
+          </a:p>
+        </p:txBody>
+      </p:sp>
+      <p:sp>
+        <p:nvSpPr>
+          <p:cNvPr id="4" name="Rectangle 3">
+            <a:extLst>
+              <a:ext uri="{FF2B5EF4-FFF2-40B4-BE49-F238E27FC236}">
+                <a16:creationId xmlns:a16="http://schemas.microsoft.com/office/drawing/2014/main" id="{A1C11E29-F70F-F782-342F-55C354367B95}"/>
+              </a:ext>
+            </a:extLst>
+          </p:cNvPr>
+          <p:cNvSpPr/>
+          <p:nvPr/>
+        </p:nvSpPr>
+        <p:spPr>
+          <a:xfrm>
+            <a:off x="130629" y="821094"/>
+            <a:ext cx="11930742" cy="2990490"/>
+          </a:xfrm>
+          <a:prstGeom prst="rect">
+            <a:avLst/>
+          </a:prstGeom>
+          <a:solidFill>
+            <a:srgbClr val="FFC000"/>
+          </a:solidFill>
+        </p:spPr>
+        <p:style>
+          <a:lnRef idx="2">
+            <a:schemeClr val="accent1">
+              <a:shade val="15000"/>
+            </a:schemeClr>
+          </a:lnRef>
+          <a:fillRef idx="1">
+            <a:schemeClr val="accent1"/>
+          </a:fillRef>
+          <a:effectRef idx="0">
+            <a:schemeClr val="accent1"/>
+          </a:effectRef>
+          <a:fontRef idx="minor">
+            <a:schemeClr val="lt1"/>
+          </a:fontRef>
+        </p:style>
+        <p:txBody>
+          <a:bodyPr rtlCol="0" anchor="ctr"/>
+          <a:lstStyle/>
+          <a:p>
+            <a:pPr algn="ctr"/>
+            <a:endParaRPr lang="en-US"/>
+          </a:p>
+        </p:txBody>
+      </p:sp>
+      <p:sp>
+        <p:nvSpPr>
+          <p:cNvPr id="5" name="TextBox 4">
+            <a:extLst>
+              <a:ext uri="{FF2B5EF4-FFF2-40B4-BE49-F238E27FC236}">
+                <a16:creationId xmlns:a16="http://schemas.microsoft.com/office/drawing/2014/main" id="{0CD25915-A480-633D-86CA-FCEDC5A1EC8A}"/>
+              </a:ext>
+            </a:extLst>
+          </p:cNvPr>
+          <p:cNvSpPr txBox="1"/>
+          <p:nvPr/>
+        </p:nvSpPr>
+        <p:spPr>
+          <a:xfrm>
+            <a:off x="279918" y="527953"/>
+            <a:ext cx="5999584" cy="369332"/>
+          </a:xfrm>
+          <a:prstGeom prst="rect">
+            <a:avLst/>
+          </a:prstGeom>
+          <a:noFill/>
+        </p:spPr>
+        <p:txBody>
+          <a:bodyPr wrap="square" rtlCol="0">
+            <a:spAutoFit/>
+          </a:bodyPr>
+          <a:lstStyle/>
+          <a:p>
+            <a:r>
+              <a:rPr lang="en-US" b="1" dirty="0"/>
+              <a:t>Service Registrations in Dependency Injection Container</a:t>
+            </a:r>
+          </a:p>
+        </p:txBody>
+      </p:sp>
+      <p:sp>
+        <p:nvSpPr>
+          <p:cNvPr id="6" name="Rectangle 5">
+            <a:extLst>
+              <a:ext uri="{FF2B5EF4-FFF2-40B4-BE49-F238E27FC236}">
+                <a16:creationId xmlns:a16="http://schemas.microsoft.com/office/drawing/2014/main" id="{281E0D4D-A18F-7401-0E34-764C1D902C69}"/>
+              </a:ext>
+            </a:extLst>
+          </p:cNvPr>
+          <p:cNvSpPr/>
+          <p:nvPr/>
+        </p:nvSpPr>
+        <p:spPr>
+          <a:xfrm>
+            <a:off x="205273" y="897285"/>
+            <a:ext cx="1576874" cy="483646"/>
+          </a:xfrm>
+          <a:prstGeom prst="rect">
+            <a:avLst/>
+          </a:prstGeom>
+        </p:spPr>
+        <p:style>
+          <a:lnRef idx="2">
+            <a:schemeClr val="accent1">
+              <a:shade val="15000"/>
+            </a:schemeClr>
+          </a:lnRef>
+          <a:fillRef idx="1">
+            <a:schemeClr val="accent1"/>
+          </a:fillRef>
+          <a:effectRef idx="0">
+            <a:schemeClr val="accent1"/>
+          </a:effectRef>
+          <a:fontRef idx="minor">
+            <a:schemeClr val="lt1"/>
+          </a:fontRef>
+        </p:style>
+        <p:txBody>
+          <a:bodyPr rtlCol="0" anchor="ctr"/>
+          <a:lstStyle/>
+          <a:p>
+            <a:pPr algn="ctr"/>
+            <a:r>
+              <a:rPr lang="en-US" dirty="0"/>
+              <a:t>DbContext</a:t>
+            </a:r>
+          </a:p>
+        </p:txBody>
+      </p:sp>
+      <p:sp>
+        <p:nvSpPr>
+          <p:cNvPr id="7" name="Rectangle 6">
+            <a:extLst>
+              <a:ext uri="{FF2B5EF4-FFF2-40B4-BE49-F238E27FC236}">
+                <a16:creationId xmlns:a16="http://schemas.microsoft.com/office/drawing/2014/main" id="{E51BD3BC-519C-2E7A-AAA9-B2C58FA29997}"/>
+              </a:ext>
+            </a:extLst>
+          </p:cNvPr>
+          <p:cNvSpPr/>
+          <p:nvPr/>
+        </p:nvSpPr>
+        <p:spPr>
+          <a:xfrm>
+            <a:off x="2037182" y="906616"/>
+            <a:ext cx="1576874" cy="483646"/>
+          </a:xfrm>
+          <a:prstGeom prst="rect">
+            <a:avLst/>
+          </a:prstGeom>
+          <a:solidFill>
+            <a:srgbClr val="002060"/>
+          </a:solidFill>
+        </p:spPr>
+        <p:style>
+          <a:lnRef idx="2">
+            <a:schemeClr val="accent1">
+              <a:shade val="15000"/>
+            </a:schemeClr>
+          </a:lnRef>
+          <a:fillRef idx="1">
+            <a:schemeClr val="accent1"/>
+          </a:fillRef>
+          <a:effectRef idx="0">
+            <a:schemeClr val="accent1"/>
+          </a:effectRef>
+          <a:fontRef idx="minor">
+            <a:schemeClr val="lt1"/>
+          </a:fontRef>
+        </p:style>
+        <p:txBody>
+          <a:bodyPr rtlCol="0" anchor="ctr"/>
+          <a:lstStyle/>
+          <a:p>
+            <a:pPr algn="ctr"/>
+            <a:r>
+              <a:rPr lang="en-US" dirty="0"/>
+              <a:t>Identity</a:t>
+            </a:r>
+          </a:p>
+        </p:txBody>
+      </p:sp>
+      <p:sp>
+        <p:nvSpPr>
+          <p:cNvPr id="8" name="Rectangle 7">
+            <a:extLst>
+              <a:ext uri="{FF2B5EF4-FFF2-40B4-BE49-F238E27FC236}">
+                <a16:creationId xmlns:a16="http://schemas.microsoft.com/office/drawing/2014/main" id="{FC4E3019-7FAE-A1E0-97C0-4FC273759F09}"/>
+              </a:ext>
+            </a:extLst>
+          </p:cNvPr>
+          <p:cNvSpPr/>
+          <p:nvPr/>
+        </p:nvSpPr>
+        <p:spPr>
+          <a:xfrm>
+            <a:off x="5565709" y="856069"/>
+            <a:ext cx="1576874" cy="483646"/>
+          </a:xfrm>
+          <a:prstGeom prst="rect">
+            <a:avLst/>
+          </a:prstGeom>
+        </p:spPr>
+        <p:style>
+          <a:lnRef idx="2">
+            <a:schemeClr val="accent1">
+              <a:shade val="15000"/>
+            </a:schemeClr>
+          </a:lnRef>
+          <a:fillRef idx="1">
+            <a:schemeClr val="accent1"/>
+          </a:fillRef>
+          <a:effectRef idx="0">
+            <a:schemeClr val="accent1"/>
+          </a:effectRef>
+          <a:fontRef idx="minor">
+            <a:schemeClr val="lt1"/>
+          </a:fontRef>
+        </p:style>
+        <p:txBody>
+          <a:bodyPr rtlCol="0" anchor="ctr"/>
+          <a:lstStyle/>
+          <a:p>
+            <a:pPr algn="ctr"/>
+            <a:r>
+              <a:rPr lang="en-US" dirty="0"/>
+              <a:t>Sessions</a:t>
+            </a:r>
+          </a:p>
+        </p:txBody>
+      </p:sp>
+      <p:cxnSp>
+        <p:nvCxnSpPr>
+          <p:cNvPr id="10" name="Connector: Elbow 9">
+            <a:extLst>
+              <a:ext uri="{FF2B5EF4-FFF2-40B4-BE49-F238E27FC236}">
+                <a16:creationId xmlns:a16="http://schemas.microsoft.com/office/drawing/2014/main" id="{71EC14CD-7751-07D9-4735-30ADDF49A3E5}"/>
+              </a:ext>
+            </a:extLst>
+          </p:cNvPr>
+          <p:cNvCxnSpPr>
+            <a:stCxn id="7" idx="2"/>
+            <a:endCxn id="6" idx="2"/>
+          </p:cNvCxnSpPr>
+          <p:nvPr/>
+        </p:nvCxnSpPr>
+        <p:spPr>
+          <a:xfrm rot="5400000" flipH="1">
+            <a:off x="1904999" y="469643"/>
+            <a:ext cx="9331" cy="1831909"/>
+          </a:xfrm>
+          <a:prstGeom prst="bentConnector3">
+            <a:avLst>
+              <a:gd name="adj1" fmla="val -2449898"/>
+            </a:avLst>
+          </a:prstGeom>
+          <a:ln w="38100">
+            <a:solidFill>
+              <a:srgbClr val="002060"/>
+            </a:solidFill>
+            <a:tailEnd type="triangle"/>
+          </a:ln>
+        </p:spPr>
+        <p:style>
+          <a:lnRef idx="1">
+            <a:schemeClr val="accent1"/>
+          </a:lnRef>
+          <a:fillRef idx="0">
+            <a:schemeClr val="accent1"/>
+          </a:fillRef>
+          <a:effectRef idx="0">
+            <a:schemeClr val="accent1"/>
+          </a:effectRef>
+          <a:fontRef idx="minor">
+            <a:schemeClr val="tx1"/>
+          </a:fontRef>
+        </p:style>
+      </p:cxnSp>
+      <p:sp>
+        <p:nvSpPr>
+          <p:cNvPr id="11" name="Rectangle 10">
+            <a:extLst>
+              <a:ext uri="{FF2B5EF4-FFF2-40B4-BE49-F238E27FC236}">
+                <a16:creationId xmlns:a16="http://schemas.microsoft.com/office/drawing/2014/main" id="{62C2B5C1-FA6C-7455-BE97-27E8ADC195DD}"/>
+              </a:ext>
+            </a:extLst>
+          </p:cNvPr>
+          <p:cNvSpPr/>
+          <p:nvPr/>
+        </p:nvSpPr>
+        <p:spPr>
+          <a:xfrm>
+            <a:off x="3801445" y="875507"/>
+            <a:ext cx="1576874" cy="483646"/>
+          </a:xfrm>
+          <a:prstGeom prst="rect">
+            <a:avLst/>
+          </a:prstGeom>
+        </p:spPr>
+        <p:style>
+          <a:lnRef idx="2">
+            <a:schemeClr val="accent1">
+              <a:shade val="15000"/>
+            </a:schemeClr>
+          </a:lnRef>
+          <a:fillRef idx="1">
+            <a:schemeClr val="accent1"/>
+          </a:fillRef>
+          <a:effectRef idx="0">
+            <a:schemeClr val="accent1"/>
+          </a:effectRef>
+          <a:fontRef idx="minor">
+            <a:schemeClr val="lt1"/>
+          </a:fontRef>
+        </p:style>
+        <p:txBody>
+          <a:bodyPr rtlCol="0" anchor="ctr"/>
+          <a:lstStyle/>
+          <a:p>
+            <a:pPr algn="ctr"/>
+            <a:r>
+              <a:rPr lang="en-US" dirty="0"/>
+              <a:t>Caching</a:t>
+            </a:r>
+          </a:p>
+        </p:txBody>
+      </p:sp>
+      <p:cxnSp>
+        <p:nvCxnSpPr>
+          <p:cNvPr id="12" name="Connector: Elbow 11">
+            <a:extLst>
+              <a:ext uri="{FF2B5EF4-FFF2-40B4-BE49-F238E27FC236}">
+                <a16:creationId xmlns:a16="http://schemas.microsoft.com/office/drawing/2014/main" id="{6872A232-CAA5-442B-C2E5-9FD334F6A987}"/>
+              </a:ext>
+            </a:extLst>
+          </p:cNvPr>
+          <p:cNvCxnSpPr>
+            <a:cxnSpLocks/>
+            <a:stCxn id="8" idx="2"/>
+            <a:endCxn id="11" idx="2"/>
+          </p:cNvCxnSpPr>
+          <p:nvPr/>
+        </p:nvCxnSpPr>
+        <p:spPr>
+          <a:xfrm rot="5400000">
+            <a:off x="5462295" y="467302"/>
+            <a:ext cx="19438" cy="1764264"/>
+          </a:xfrm>
+          <a:prstGeom prst="bentConnector3">
+            <a:avLst>
+              <a:gd name="adj1" fmla="val 1276047"/>
+            </a:avLst>
+          </a:prstGeom>
+          <a:ln w="38100">
+            <a:solidFill>
+              <a:srgbClr val="002060"/>
+            </a:solidFill>
+            <a:tailEnd type="triangle"/>
+          </a:ln>
+        </p:spPr>
+        <p:style>
+          <a:lnRef idx="1">
+            <a:schemeClr val="accent1"/>
+          </a:lnRef>
+          <a:fillRef idx="0">
+            <a:schemeClr val="accent1"/>
+          </a:fillRef>
+          <a:effectRef idx="0">
+            <a:schemeClr val="accent1"/>
+          </a:effectRef>
+          <a:fontRef idx="minor">
+            <a:schemeClr val="tx1"/>
+          </a:fontRef>
+        </p:style>
+      </p:cxnSp>
+      <p:sp>
+        <p:nvSpPr>
+          <p:cNvPr id="15" name="Rectangle 14">
+            <a:extLst>
+              <a:ext uri="{FF2B5EF4-FFF2-40B4-BE49-F238E27FC236}">
+                <a16:creationId xmlns:a16="http://schemas.microsoft.com/office/drawing/2014/main" id="{E5020F50-398F-0FAA-0B61-31BF33D172B6}"/>
+              </a:ext>
+            </a:extLst>
+          </p:cNvPr>
+          <p:cNvSpPr/>
+          <p:nvPr/>
+        </p:nvSpPr>
+        <p:spPr>
+          <a:xfrm>
+            <a:off x="7510363" y="875507"/>
+            <a:ext cx="1576874" cy="483646"/>
+          </a:xfrm>
+          <a:prstGeom prst="rect">
+            <a:avLst/>
+          </a:prstGeom>
+          <a:solidFill>
+            <a:srgbClr val="FF0000"/>
+          </a:solidFill>
+        </p:spPr>
+        <p:style>
+          <a:lnRef idx="2">
+            <a:schemeClr val="accent1">
+              <a:shade val="15000"/>
+            </a:schemeClr>
+          </a:lnRef>
+          <a:fillRef idx="1">
+            <a:schemeClr val="accent1"/>
+          </a:fillRef>
+          <a:effectRef idx="0">
+            <a:schemeClr val="accent1"/>
+          </a:effectRef>
+          <a:fontRef idx="minor">
+            <a:schemeClr val="lt1"/>
+          </a:fontRef>
+        </p:style>
+        <p:txBody>
+          <a:bodyPr rtlCol="0" anchor="ctr"/>
+          <a:lstStyle/>
+          <a:p>
+            <a:pPr algn="ctr"/>
+            <a:r>
+              <a:rPr lang="en-US" dirty="0"/>
+              <a:t>CORS</a:t>
+            </a:r>
+          </a:p>
+        </p:txBody>
+      </p:sp>
+      <p:sp>
+        <p:nvSpPr>
+          <p:cNvPr id="16" name="Rectangle 15">
+            <a:extLst>
+              <a:ext uri="{FF2B5EF4-FFF2-40B4-BE49-F238E27FC236}">
+                <a16:creationId xmlns:a16="http://schemas.microsoft.com/office/drawing/2014/main" id="{43262841-FC69-C5B9-1925-226868DE4D88}"/>
+              </a:ext>
+            </a:extLst>
+          </p:cNvPr>
+          <p:cNvSpPr/>
+          <p:nvPr/>
+        </p:nvSpPr>
+        <p:spPr>
+          <a:xfrm>
+            <a:off x="9366381" y="865788"/>
+            <a:ext cx="1576874" cy="483646"/>
+          </a:xfrm>
+          <a:prstGeom prst="rect">
+            <a:avLst/>
+          </a:prstGeom>
+        </p:spPr>
+        <p:style>
+          <a:lnRef idx="2">
+            <a:schemeClr val="accent1">
+              <a:shade val="15000"/>
+            </a:schemeClr>
+          </a:lnRef>
+          <a:fillRef idx="1">
+            <a:schemeClr val="accent1"/>
+          </a:fillRef>
+          <a:effectRef idx="0">
+            <a:schemeClr val="accent1"/>
+          </a:effectRef>
+          <a:fontRef idx="minor">
+            <a:schemeClr val="lt1"/>
+          </a:fontRef>
+        </p:style>
+        <p:txBody>
+          <a:bodyPr rtlCol="0" anchor="ctr"/>
+          <a:lstStyle/>
+          <a:p>
+            <a:pPr algn="ctr"/>
+            <a:r>
+              <a:rPr lang="en-US" dirty="0"/>
+              <a:t>Swagger</a:t>
+            </a:r>
+          </a:p>
+        </p:txBody>
+      </p:sp>
+      <p:sp>
+        <p:nvSpPr>
+          <p:cNvPr id="17" name="Rectangle 16">
+            <a:extLst>
+              <a:ext uri="{FF2B5EF4-FFF2-40B4-BE49-F238E27FC236}">
+                <a16:creationId xmlns:a16="http://schemas.microsoft.com/office/drawing/2014/main" id="{64A2A6B6-A69E-365E-D3F4-F479861A2123}"/>
+              </a:ext>
+            </a:extLst>
+          </p:cNvPr>
+          <p:cNvSpPr/>
+          <p:nvPr/>
+        </p:nvSpPr>
+        <p:spPr>
+          <a:xfrm>
+            <a:off x="185831" y="1873911"/>
+            <a:ext cx="11682707" cy="1093224"/>
+          </a:xfrm>
+          <a:prstGeom prst="rect">
+            <a:avLst/>
+          </a:prstGeom>
+          <a:solidFill>
+            <a:srgbClr val="7030A0"/>
+          </a:solidFill>
+        </p:spPr>
+        <p:style>
+          <a:lnRef idx="2">
+            <a:schemeClr val="accent1">
+              <a:shade val="15000"/>
+            </a:schemeClr>
+          </a:lnRef>
+          <a:fillRef idx="1">
+            <a:schemeClr val="accent1"/>
+          </a:fillRef>
+          <a:effectRef idx="0">
+            <a:schemeClr val="accent1"/>
+          </a:effectRef>
+          <a:fontRef idx="minor">
+            <a:schemeClr val="lt1"/>
+          </a:fontRef>
+        </p:style>
+        <p:txBody>
+          <a:bodyPr rtlCol="0" anchor="ctr"/>
+          <a:lstStyle/>
+          <a:p>
+            <a:pPr algn="ctr"/>
+            <a:r>
+              <a:rPr lang="en-US" sz="1600" dirty="0"/>
+              <a:t>Resources Services For ASP.NET Core</a:t>
+            </a:r>
+          </a:p>
+          <a:p>
+            <a:pPr algn="ctr"/>
+            <a:endParaRPr lang="en-US" sz="1600" dirty="0"/>
+          </a:p>
+          <a:p>
+            <a:pPr algn="ctr"/>
+            <a:endParaRPr lang="en-US" sz="1600" dirty="0"/>
+          </a:p>
+          <a:p>
+            <a:pPr algn="ctr"/>
+            <a:endParaRPr lang="en-US" sz="1600" dirty="0"/>
+          </a:p>
+          <a:p>
+            <a:pPr algn="ctr"/>
+            <a:endParaRPr lang="en-US" sz="1600" dirty="0"/>
+          </a:p>
+        </p:txBody>
+      </p:sp>
+      <p:sp>
+        <p:nvSpPr>
+          <p:cNvPr id="18" name="Rectangle 17">
+            <a:extLst>
+              <a:ext uri="{FF2B5EF4-FFF2-40B4-BE49-F238E27FC236}">
+                <a16:creationId xmlns:a16="http://schemas.microsoft.com/office/drawing/2014/main" id="{7AFA38FC-D354-47C4-2581-2FF8ECAB192C}"/>
+              </a:ext>
+            </a:extLst>
+          </p:cNvPr>
+          <p:cNvSpPr/>
+          <p:nvPr/>
+        </p:nvSpPr>
+        <p:spPr>
+          <a:xfrm>
+            <a:off x="279918" y="2062066"/>
+            <a:ext cx="1903445" cy="646159"/>
+          </a:xfrm>
+          <a:prstGeom prst="rect">
+            <a:avLst/>
+          </a:prstGeom>
+        </p:spPr>
+        <p:style>
+          <a:lnRef idx="2">
+            <a:schemeClr val="accent1">
+              <a:shade val="15000"/>
+            </a:schemeClr>
+          </a:lnRef>
+          <a:fillRef idx="1">
+            <a:schemeClr val="accent1"/>
+          </a:fillRef>
+          <a:effectRef idx="0">
+            <a:schemeClr val="accent1"/>
+          </a:effectRef>
+          <a:fontRef idx="minor">
+            <a:schemeClr val="lt1"/>
+          </a:fontRef>
+        </p:style>
+        <p:txBody>
+          <a:bodyPr rtlCol="0" anchor="ctr"/>
+          <a:lstStyle/>
+          <a:p>
+            <a:pPr algn="ctr"/>
+            <a:r>
+              <a:rPr lang="en-US" sz="1600" b="1" dirty="0"/>
+              <a:t>MVC View And Controller with API</a:t>
+            </a:r>
+          </a:p>
+        </p:txBody>
+      </p:sp>
+      <p:sp>
+        <p:nvSpPr>
+          <p:cNvPr id="19" name="Rectangle 18">
+            <a:extLst>
+              <a:ext uri="{FF2B5EF4-FFF2-40B4-BE49-F238E27FC236}">
+                <a16:creationId xmlns:a16="http://schemas.microsoft.com/office/drawing/2014/main" id="{CBC16854-BC3B-7928-9E88-913C9066B72B}"/>
+              </a:ext>
+            </a:extLst>
+          </p:cNvPr>
+          <p:cNvSpPr/>
+          <p:nvPr/>
+        </p:nvSpPr>
+        <p:spPr>
+          <a:xfrm>
+            <a:off x="2513045" y="2062066"/>
+            <a:ext cx="1903445" cy="646159"/>
+          </a:xfrm>
+          <a:prstGeom prst="rect">
+            <a:avLst/>
+          </a:prstGeom>
+        </p:spPr>
+        <p:style>
+          <a:lnRef idx="2">
+            <a:schemeClr val="accent1">
+              <a:shade val="15000"/>
+            </a:schemeClr>
+          </a:lnRef>
+          <a:fillRef idx="1">
+            <a:schemeClr val="accent1"/>
+          </a:fillRef>
+          <a:effectRef idx="0">
+            <a:schemeClr val="accent1"/>
+          </a:effectRef>
+          <a:fontRef idx="minor">
+            <a:schemeClr val="lt1"/>
+          </a:fontRef>
+        </p:style>
+        <p:txBody>
+          <a:bodyPr rtlCol="0" anchor="ctr"/>
+          <a:lstStyle/>
+          <a:p>
+            <a:pPr algn="ctr"/>
+            <a:r>
+              <a:rPr lang="en-US" sz="1600" b="1" dirty="0"/>
+              <a:t>API Controller</a:t>
+            </a:r>
+          </a:p>
+        </p:txBody>
+      </p:sp>
+      <p:sp>
+        <p:nvSpPr>
+          <p:cNvPr id="20" name="Rectangle 19">
+            <a:extLst>
+              <a:ext uri="{FF2B5EF4-FFF2-40B4-BE49-F238E27FC236}">
+                <a16:creationId xmlns:a16="http://schemas.microsoft.com/office/drawing/2014/main" id="{EA8882A8-E5F3-7A87-579B-2E6D905E655E}"/>
+              </a:ext>
+            </a:extLst>
+          </p:cNvPr>
+          <p:cNvSpPr/>
+          <p:nvPr/>
+        </p:nvSpPr>
+        <p:spPr>
+          <a:xfrm>
+            <a:off x="4967775" y="2099760"/>
+            <a:ext cx="1903445" cy="646159"/>
+          </a:xfrm>
+          <a:prstGeom prst="rect">
+            <a:avLst/>
+          </a:prstGeom>
+        </p:spPr>
+        <p:style>
+          <a:lnRef idx="2">
+            <a:schemeClr val="accent1">
+              <a:shade val="15000"/>
+            </a:schemeClr>
+          </a:lnRef>
+          <a:fillRef idx="1">
+            <a:schemeClr val="accent1"/>
+          </a:fillRef>
+          <a:effectRef idx="0">
+            <a:schemeClr val="accent1"/>
+          </a:effectRef>
+          <a:fontRef idx="minor">
+            <a:schemeClr val="lt1"/>
+          </a:fontRef>
+        </p:style>
+        <p:txBody>
+          <a:bodyPr rtlCol="0" anchor="ctr"/>
+          <a:lstStyle/>
+          <a:p>
+            <a:pPr algn="ctr"/>
+            <a:r>
+              <a:rPr lang="en-US" sz="1600" b="1" dirty="0"/>
+              <a:t>Razor Pages</a:t>
+            </a:r>
+          </a:p>
+        </p:txBody>
+      </p:sp>
+      <p:sp>
+        <p:nvSpPr>
+          <p:cNvPr id="21" name="Rectangle 20">
+            <a:extLst>
+              <a:ext uri="{FF2B5EF4-FFF2-40B4-BE49-F238E27FC236}">
+                <a16:creationId xmlns:a16="http://schemas.microsoft.com/office/drawing/2014/main" id="{D002C4AB-2061-F01C-B983-5CDA155DBB91}"/>
+              </a:ext>
+            </a:extLst>
+          </p:cNvPr>
+          <p:cNvSpPr/>
+          <p:nvPr/>
+        </p:nvSpPr>
+        <p:spPr>
+          <a:xfrm>
+            <a:off x="7142583" y="2099760"/>
+            <a:ext cx="1903445" cy="646159"/>
+          </a:xfrm>
+          <a:prstGeom prst="rect">
+            <a:avLst/>
+          </a:prstGeom>
+        </p:spPr>
+        <p:style>
+          <a:lnRef idx="2">
+            <a:schemeClr val="accent1">
+              <a:shade val="15000"/>
+            </a:schemeClr>
+          </a:lnRef>
+          <a:fillRef idx="1">
+            <a:schemeClr val="accent1"/>
+          </a:fillRef>
+          <a:effectRef idx="0">
+            <a:schemeClr val="accent1"/>
+          </a:effectRef>
+          <a:fontRef idx="minor">
+            <a:schemeClr val="lt1"/>
+          </a:fontRef>
+        </p:style>
+        <p:txBody>
+          <a:bodyPr rtlCol="0" anchor="ctr"/>
+          <a:lstStyle/>
+          <a:p>
+            <a:pPr algn="ctr"/>
+            <a:r>
+              <a:rPr lang="en-US" sz="1600" b="1" dirty="0" err="1"/>
+              <a:t>gRPC</a:t>
+            </a:r>
+            <a:endParaRPr lang="en-US" sz="1600" b="1" dirty="0"/>
+          </a:p>
+        </p:txBody>
+      </p:sp>
+      <p:sp>
+        <p:nvSpPr>
+          <p:cNvPr id="22" name="Rectangle 21">
+            <a:extLst>
+              <a:ext uri="{FF2B5EF4-FFF2-40B4-BE49-F238E27FC236}">
+                <a16:creationId xmlns:a16="http://schemas.microsoft.com/office/drawing/2014/main" id="{7CAAED39-958A-276A-8ECF-9AC6FE1CAC9B}"/>
+              </a:ext>
+            </a:extLst>
+          </p:cNvPr>
+          <p:cNvSpPr/>
+          <p:nvPr/>
+        </p:nvSpPr>
+        <p:spPr>
+          <a:xfrm>
+            <a:off x="9655632" y="1923073"/>
+            <a:ext cx="1903445" cy="502289"/>
+          </a:xfrm>
+          <a:prstGeom prst="rect">
+            <a:avLst/>
+          </a:prstGeom>
+        </p:spPr>
+        <p:style>
+          <a:lnRef idx="2">
+            <a:schemeClr val="accent1">
+              <a:shade val="15000"/>
+            </a:schemeClr>
+          </a:lnRef>
+          <a:fillRef idx="1">
+            <a:schemeClr val="accent1"/>
+          </a:fillRef>
+          <a:effectRef idx="0">
+            <a:schemeClr val="accent1"/>
+          </a:effectRef>
+          <a:fontRef idx="minor">
+            <a:schemeClr val="lt1"/>
+          </a:fontRef>
+        </p:style>
+        <p:txBody>
+          <a:bodyPr rtlCol="0" anchor="ctr"/>
+          <a:lstStyle/>
+          <a:p>
+            <a:pPr algn="ctr"/>
+            <a:r>
+              <a:rPr lang="en-US" sz="1600" b="1" dirty="0"/>
+              <a:t>SignalR</a:t>
+            </a:r>
+          </a:p>
+        </p:txBody>
+      </p:sp>
+      <p:sp>
+        <p:nvSpPr>
+          <p:cNvPr id="23" name="Rectangle 22">
+            <a:extLst>
+              <a:ext uri="{FF2B5EF4-FFF2-40B4-BE49-F238E27FC236}">
+                <a16:creationId xmlns:a16="http://schemas.microsoft.com/office/drawing/2014/main" id="{3005994A-D03A-C36E-5774-B9C433121C7E}"/>
+              </a:ext>
+            </a:extLst>
+          </p:cNvPr>
+          <p:cNvSpPr/>
+          <p:nvPr/>
+        </p:nvSpPr>
+        <p:spPr>
+          <a:xfrm>
+            <a:off x="279918" y="3066280"/>
+            <a:ext cx="1903445" cy="646159"/>
+          </a:xfrm>
+          <a:prstGeom prst="rect">
+            <a:avLst/>
+          </a:prstGeom>
+        </p:spPr>
+        <p:style>
+          <a:lnRef idx="2">
+            <a:schemeClr val="accent1">
+              <a:shade val="15000"/>
+            </a:schemeClr>
+          </a:lnRef>
+          <a:fillRef idx="1">
+            <a:schemeClr val="accent1"/>
+          </a:fillRef>
+          <a:effectRef idx="0">
+            <a:schemeClr val="accent1"/>
+          </a:effectRef>
+          <a:fontRef idx="minor">
+            <a:schemeClr val="lt1"/>
+          </a:fontRef>
+        </p:style>
+        <p:txBody>
+          <a:bodyPr rtlCol="0" anchor="ctr"/>
+          <a:lstStyle/>
+          <a:p>
+            <a:pPr algn="ctr"/>
+            <a:r>
+              <a:rPr lang="en-US" sz="1600" b="1" dirty="0"/>
+              <a:t>Custom Services</a:t>
+            </a:r>
+          </a:p>
+        </p:txBody>
+      </p:sp>
+      <p:sp>
+        <p:nvSpPr>
+          <p:cNvPr id="24" name="Rectangle 23">
+            <a:extLst>
+              <a:ext uri="{FF2B5EF4-FFF2-40B4-BE49-F238E27FC236}">
+                <a16:creationId xmlns:a16="http://schemas.microsoft.com/office/drawing/2014/main" id="{03CBC230-2130-06D4-03BD-418F4A57F546}"/>
+              </a:ext>
+            </a:extLst>
+          </p:cNvPr>
+          <p:cNvSpPr/>
+          <p:nvPr/>
+        </p:nvSpPr>
+        <p:spPr>
+          <a:xfrm>
+            <a:off x="2686437" y="3060413"/>
+            <a:ext cx="1903445" cy="646159"/>
+          </a:xfrm>
+          <a:prstGeom prst="rect">
+            <a:avLst/>
+          </a:prstGeom>
+        </p:spPr>
+        <p:style>
+          <a:lnRef idx="2">
+            <a:schemeClr val="accent1">
+              <a:shade val="15000"/>
+            </a:schemeClr>
+          </a:lnRef>
+          <a:fillRef idx="1">
+            <a:schemeClr val="accent1"/>
+          </a:fillRef>
+          <a:effectRef idx="0">
+            <a:schemeClr val="accent1"/>
+          </a:effectRef>
+          <a:fontRef idx="minor">
+            <a:schemeClr val="lt1"/>
+          </a:fontRef>
+        </p:style>
+        <p:txBody>
+          <a:bodyPr rtlCol="0" anchor="ctr"/>
+          <a:lstStyle/>
+          <a:p>
+            <a:pPr algn="ctr"/>
+            <a:r>
+              <a:rPr lang="en-US" sz="1600" b="1" dirty="0"/>
+              <a:t>Third Party Services</a:t>
+            </a:r>
+          </a:p>
+          <a:p>
+            <a:pPr algn="ctr"/>
+            <a:r>
+              <a:rPr lang="en-US" sz="1600" b="1" dirty="0"/>
+              <a:t>e.g. </a:t>
+            </a:r>
+            <a:r>
+              <a:rPr lang="en-US" sz="1600" b="1" dirty="0" err="1"/>
+              <a:t>RedisCache</a:t>
+            </a:r>
+            <a:endParaRPr lang="en-US" sz="1600" b="1" dirty="0"/>
+          </a:p>
+        </p:txBody>
+      </p:sp>
+      <p:sp>
+        <p:nvSpPr>
+          <p:cNvPr id="25" name="Rectangle 24">
+            <a:extLst>
+              <a:ext uri="{FF2B5EF4-FFF2-40B4-BE49-F238E27FC236}">
+                <a16:creationId xmlns:a16="http://schemas.microsoft.com/office/drawing/2014/main" id="{167B958D-BADC-9443-8C31-FFA355BC0963}"/>
+              </a:ext>
+            </a:extLst>
+          </p:cNvPr>
+          <p:cNvSpPr/>
+          <p:nvPr/>
+        </p:nvSpPr>
+        <p:spPr>
+          <a:xfrm>
+            <a:off x="9101230" y="2441532"/>
+            <a:ext cx="2741647" cy="502289"/>
+          </a:xfrm>
+          <a:prstGeom prst="rect">
+            <a:avLst/>
+          </a:prstGeom>
+        </p:spPr>
+        <p:style>
+          <a:lnRef idx="2">
+            <a:schemeClr val="accent1">
+              <a:shade val="15000"/>
+            </a:schemeClr>
+          </a:lnRef>
+          <a:fillRef idx="1">
+            <a:schemeClr val="accent1"/>
+          </a:fillRef>
+          <a:effectRef idx="0">
+            <a:schemeClr val="accent1"/>
+          </a:effectRef>
+          <a:fontRef idx="minor">
+            <a:schemeClr val="lt1"/>
+          </a:fontRef>
+        </p:style>
+        <p:txBody>
+          <a:bodyPr rtlCol="0" anchor="ctr"/>
+          <a:lstStyle/>
+          <a:p>
+            <a:pPr algn="ctr"/>
+            <a:r>
+              <a:rPr lang="en-US" sz="1600" b="1" dirty="0"/>
+              <a:t>Background Hosted Service</a:t>
+            </a:r>
+          </a:p>
+        </p:txBody>
+      </p:sp>
+      <p:sp>
+        <p:nvSpPr>
+          <p:cNvPr id="26" name="Rectangle 25">
+            <a:extLst>
+              <a:ext uri="{FF2B5EF4-FFF2-40B4-BE49-F238E27FC236}">
+                <a16:creationId xmlns:a16="http://schemas.microsoft.com/office/drawing/2014/main" id="{1A137261-60B7-D571-5208-1F799A9BA260}"/>
+              </a:ext>
+            </a:extLst>
+          </p:cNvPr>
+          <p:cNvSpPr/>
+          <p:nvPr/>
+        </p:nvSpPr>
+        <p:spPr>
+          <a:xfrm>
+            <a:off x="193609" y="3892412"/>
+            <a:ext cx="11875540" cy="2715208"/>
+          </a:xfrm>
+          <a:prstGeom prst="rect">
+            <a:avLst/>
+          </a:prstGeom>
+        </p:spPr>
+        <p:style>
+          <a:lnRef idx="1">
+            <a:schemeClr val="accent3"/>
+          </a:lnRef>
+          <a:fillRef idx="2">
+            <a:schemeClr val="accent3"/>
+          </a:fillRef>
+          <a:effectRef idx="1">
+            <a:schemeClr val="accent3"/>
+          </a:effectRef>
+          <a:fontRef idx="minor">
+            <a:schemeClr val="dk1"/>
+          </a:fontRef>
+        </p:style>
+        <p:txBody>
+          <a:bodyPr rtlCol="0" anchor="ctr"/>
+          <a:lstStyle/>
+          <a:p>
+            <a:pPr algn="ctr"/>
+            <a:endParaRPr lang="en-US"/>
+          </a:p>
+        </p:txBody>
+      </p:sp>
+      <p:sp>
+        <p:nvSpPr>
+          <p:cNvPr id="27" name="TextBox 26">
+            <a:extLst>
+              <a:ext uri="{FF2B5EF4-FFF2-40B4-BE49-F238E27FC236}">
+                <a16:creationId xmlns:a16="http://schemas.microsoft.com/office/drawing/2014/main" id="{42E6CA0C-2656-95A3-09A3-86EDE9ADA34A}"/>
+              </a:ext>
+            </a:extLst>
+          </p:cNvPr>
+          <p:cNvSpPr txBox="1"/>
+          <p:nvPr/>
+        </p:nvSpPr>
+        <p:spPr>
+          <a:xfrm>
+            <a:off x="10161037" y="3999739"/>
+            <a:ext cx="1900334" cy="369332"/>
+          </a:xfrm>
+          <a:prstGeom prst="rect">
+            <a:avLst/>
+          </a:prstGeom>
+          <a:noFill/>
+        </p:spPr>
+        <p:txBody>
+          <a:bodyPr wrap="square" rtlCol="0">
+            <a:spAutoFit/>
+          </a:bodyPr>
+          <a:lstStyle/>
+          <a:p>
+            <a:r>
+              <a:rPr lang="en-US" dirty="0"/>
+              <a:t>Middlewares</a:t>
+            </a:r>
+          </a:p>
+        </p:txBody>
+      </p:sp>
+      <p:sp>
+        <p:nvSpPr>
+          <p:cNvPr id="28" name="Rectangle 27">
+            <a:extLst>
+              <a:ext uri="{FF2B5EF4-FFF2-40B4-BE49-F238E27FC236}">
+                <a16:creationId xmlns:a16="http://schemas.microsoft.com/office/drawing/2014/main" id="{DCA75482-80A7-2D71-8CFE-1152D9A0DCDC}"/>
+              </a:ext>
+            </a:extLst>
+          </p:cNvPr>
+          <p:cNvSpPr/>
+          <p:nvPr/>
+        </p:nvSpPr>
+        <p:spPr>
+          <a:xfrm>
+            <a:off x="205273" y="3943761"/>
+            <a:ext cx="1576874" cy="483646"/>
+          </a:xfrm>
+          <a:prstGeom prst="rect">
+            <a:avLst/>
+          </a:prstGeom>
+        </p:spPr>
+        <p:style>
+          <a:lnRef idx="2">
+            <a:schemeClr val="accent1">
+              <a:shade val="15000"/>
+            </a:schemeClr>
+          </a:lnRef>
+          <a:fillRef idx="1">
+            <a:schemeClr val="accent1"/>
+          </a:fillRef>
+          <a:effectRef idx="0">
+            <a:schemeClr val="accent1"/>
+          </a:effectRef>
+          <a:fontRef idx="minor">
+            <a:schemeClr val="lt1"/>
+          </a:fontRef>
+        </p:style>
+        <p:txBody>
+          <a:bodyPr rtlCol="0" anchor="ctr"/>
+          <a:lstStyle/>
+          <a:p>
+            <a:pPr algn="ctr"/>
+            <a:r>
+              <a:rPr lang="en-US" dirty="0"/>
+              <a:t>Exception</a:t>
+            </a:r>
+          </a:p>
+        </p:txBody>
+      </p:sp>
+      <p:sp>
+        <p:nvSpPr>
+          <p:cNvPr id="29" name="Rectangle 28">
+            <a:extLst>
+              <a:ext uri="{FF2B5EF4-FFF2-40B4-BE49-F238E27FC236}">
+                <a16:creationId xmlns:a16="http://schemas.microsoft.com/office/drawing/2014/main" id="{75E3C3E4-B126-0C66-FB50-A09C930E1E1B}"/>
+              </a:ext>
+            </a:extLst>
+          </p:cNvPr>
+          <p:cNvSpPr/>
+          <p:nvPr/>
+        </p:nvSpPr>
+        <p:spPr>
+          <a:xfrm>
+            <a:off x="2183363" y="3943761"/>
+            <a:ext cx="1576874" cy="483646"/>
+          </a:xfrm>
+          <a:prstGeom prst="rect">
+            <a:avLst/>
+          </a:prstGeom>
+        </p:spPr>
+        <p:style>
+          <a:lnRef idx="2">
+            <a:schemeClr val="accent1">
+              <a:shade val="15000"/>
+            </a:schemeClr>
+          </a:lnRef>
+          <a:fillRef idx="1">
+            <a:schemeClr val="accent1"/>
+          </a:fillRef>
+          <a:effectRef idx="0">
+            <a:schemeClr val="accent1"/>
+          </a:effectRef>
+          <a:fontRef idx="minor">
+            <a:schemeClr val="lt1"/>
+          </a:fontRef>
+        </p:style>
+        <p:txBody>
+          <a:bodyPr rtlCol="0" anchor="ctr"/>
+          <a:lstStyle/>
+          <a:p>
+            <a:pPr algn="ctr"/>
+            <a:r>
+              <a:rPr lang="en-US" dirty="0"/>
+              <a:t>HTTPS Redirection</a:t>
+            </a:r>
+          </a:p>
+        </p:txBody>
+      </p:sp>
+      <p:sp>
+        <p:nvSpPr>
+          <p:cNvPr id="30" name="Rectangle 29">
+            <a:extLst>
+              <a:ext uri="{FF2B5EF4-FFF2-40B4-BE49-F238E27FC236}">
+                <a16:creationId xmlns:a16="http://schemas.microsoft.com/office/drawing/2014/main" id="{77EE73B1-1796-C71E-7ADA-F2FA8C5CA246}"/>
+              </a:ext>
+            </a:extLst>
+          </p:cNvPr>
+          <p:cNvSpPr/>
+          <p:nvPr/>
+        </p:nvSpPr>
+        <p:spPr>
+          <a:xfrm>
+            <a:off x="3988835" y="3943761"/>
+            <a:ext cx="1576874" cy="483646"/>
+          </a:xfrm>
+          <a:prstGeom prst="rect">
+            <a:avLst/>
+          </a:prstGeom>
+        </p:spPr>
+        <p:style>
+          <a:lnRef idx="2">
+            <a:schemeClr val="accent1">
+              <a:shade val="15000"/>
+            </a:schemeClr>
+          </a:lnRef>
+          <a:fillRef idx="1">
+            <a:schemeClr val="accent1"/>
+          </a:fillRef>
+          <a:effectRef idx="0">
+            <a:schemeClr val="accent1"/>
+          </a:effectRef>
+          <a:fontRef idx="minor">
+            <a:schemeClr val="lt1"/>
+          </a:fontRef>
+        </p:style>
+        <p:txBody>
+          <a:bodyPr rtlCol="0" anchor="ctr"/>
+          <a:lstStyle/>
+          <a:p>
+            <a:pPr algn="ctr"/>
+            <a:r>
+              <a:rPr lang="en-US" dirty="0"/>
+              <a:t>HSTS</a:t>
+            </a:r>
+          </a:p>
+        </p:txBody>
+      </p:sp>
+      <p:sp>
+        <p:nvSpPr>
+          <p:cNvPr id="31" name="Rectangle 30">
+            <a:extLst>
+              <a:ext uri="{FF2B5EF4-FFF2-40B4-BE49-F238E27FC236}">
+                <a16:creationId xmlns:a16="http://schemas.microsoft.com/office/drawing/2014/main" id="{66229447-DFA5-128A-91DF-D2A95503191E}"/>
+              </a:ext>
+            </a:extLst>
+          </p:cNvPr>
+          <p:cNvSpPr/>
+          <p:nvPr/>
+        </p:nvSpPr>
+        <p:spPr>
+          <a:xfrm>
+            <a:off x="5719665" y="3943761"/>
+            <a:ext cx="1576874" cy="483646"/>
+          </a:xfrm>
+          <a:prstGeom prst="rect">
+            <a:avLst/>
+          </a:prstGeom>
+        </p:spPr>
+        <p:style>
+          <a:lnRef idx="2">
+            <a:schemeClr val="accent1">
+              <a:shade val="15000"/>
+            </a:schemeClr>
+          </a:lnRef>
+          <a:fillRef idx="1">
+            <a:schemeClr val="accent1"/>
+          </a:fillRef>
+          <a:effectRef idx="0">
+            <a:schemeClr val="accent1"/>
+          </a:effectRef>
+          <a:fontRef idx="minor">
+            <a:schemeClr val="lt1"/>
+          </a:fontRef>
+        </p:style>
+        <p:txBody>
+          <a:bodyPr rtlCol="0" anchor="ctr"/>
+          <a:lstStyle/>
+          <a:p>
+            <a:pPr algn="ctr"/>
+            <a:r>
+              <a:rPr lang="en-US" dirty="0"/>
+              <a:t>Routing</a:t>
+            </a:r>
+          </a:p>
+        </p:txBody>
+      </p:sp>
+      <p:sp>
+        <p:nvSpPr>
+          <p:cNvPr id="32" name="Rectangle 31">
+            <a:extLst>
+              <a:ext uri="{FF2B5EF4-FFF2-40B4-BE49-F238E27FC236}">
+                <a16:creationId xmlns:a16="http://schemas.microsoft.com/office/drawing/2014/main" id="{BC2C7CDE-8BF7-9F4F-EE18-B108F297E387}"/>
+              </a:ext>
+            </a:extLst>
+          </p:cNvPr>
+          <p:cNvSpPr/>
+          <p:nvPr/>
+        </p:nvSpPr>
+        <p:spPr>
+          <a:xfrm>
+            <a:off x="7641770" y="3942582"/>
+            <a:ext cx="1576874" cy="483646"/>
+          </a:xfrm>
+          <a:prstGeom prst="rect">
+            <a:avLst/>
+          </a:prstGeom>
+          <a:solidFill>
+            <a:srgbClr val="FF0000"/>
+          </a:solidFill>
+        </p:spPr>
+        <p:style>
+          <a:lnRef idx="2">
+            <a:schemeClr val="accent1">
+              <a:shade val="15000"/>
+            </a:schemeClr>
+          </a:lnRef>
+          <a:fillRef idx="1">
+            <a:schemeClr val="accent1"/>
+          </a:fillRef>
+          <a:effectRef idx="0">
+            <a:schemeClr val="accent1"/>
+          </a:effectRef>
+          <a:fontRef idx="minor">
+            <a:schemeClr val="lt1"/>
+          </a:fontRef>
+        </p:style>
+        <p:txBody>
+          <a:bodyPr rtlCol="0" anchor="ctr"/>
+          <a:lstStyle/>
+          <a:p>
+            <a:pPr algn="ctr"/>
+            <a:r>
+              <a:rPr lang="en-US" dirty="0"/>
+              <a:t>CORS</a:t>
+            </a:r>
+          </a:p>
+        </p:txBody>
+      </p:sp>
+      <p:sp>
+        <p:nvSpPr>
+          <p:cNvPr id="33" name="Rectangle 32">
+            <a:extLst>
+              <a:ext uri="{FF2B5EF4-FFF2-40B4-BE49-F238E27FC236}">
+                <a16:creationId xmlns:a16="http://schemas.microsoft.com/office/drawing/2014/main" id="{DC5DE957-6303-E311-C173-FAC318314C09}"/>
+              </a:ext>
+            </a:extLst>
+          </p:cNvPr>
+          <p:cNvSpPr/>
+          <p:nvPr/>
+        </p:nvSpPr>
+        <p:spPr>
+          <a:xfrm>
+            <a:off x="443203" y="4776501"/>
+            <a:ext cx="1576874" cy="483646"/>
+          </a:xfrm>
+          <a:prstGeom prst="rect">
+            <a:avLst/>
+          </a:prstGeom>
+        </p:spPr>
+        <p:style>
+          <a:lnRef idx="2">
+            <a:schemeClr val="accent1">
+              <a:shade val="15000"/>
+            </a:schemeClr>
+          </a:lnRef>
+          <a:fillRef idx="1">
+            <a:schemeClr val="accent1"/>
+          </a:fillRef>
+          <a:effectRef idx="0">
+            <a:schemeClr val="accent1"/>
+          </a:effectRef>
+          <a:fontRef idx="minor">
+            <a:schemeClr val="lt1"/>
+          </a:fontRef>
+        </p:style>
+        <p:txBody>
+          <a:bodyPr rtlCol="0" anchor="ctr"/>
+          <a:lstStyle/>
+          <a:p>
+            <a:pPr algn="ctr"/>
+            <a:r>
+              <a:rPr lang="en-US" dirty="0"/>
+              <a:t>Static Files</a:t>
+            </a:r>
+          </a:p>
+        </p:txBody>
+      </p:sp>
+      <p:sp>
+        <p:nvSpPr>
+          <p:cNvPr id="34" name="Rectangle 33">
+            <a:extLst>
+              <a:ext uri="{FF2B5EF4-FFF2-40B4-BE49-F238E27FC236}">
+                <a16:creationId xmlns:a16="http://schemas.microsoft.com/office/drawing/2014/main" id="{E8E94714-1D51-1CF9-77B7-0A322C363786}"/>
+              </a:ext>
+            </a:extLst>
+          </p:cNvPr>
+          <p:cNvSpPr/>
+          <p:nvPr/>
+        </p:nvSpPr>
+        <p:spPr>
+          <a:xfrm>
+            <a:off x="2411960" y="4683967"/>
+            <a:ext cx="6433459" cy="905070"/>
+          </a:xfrm>
+          <a:prstGeom prst="rect">
+            <a:avLst/>
+          </a:prstGeom>
+        </p:spPr>
+        <p:style>
+          <a:lnRef idx="2">
+            <a:schemeClr val="accent1">
+              <a:shade val="15000"/>
+            </a:schemeClr>
+          </a:lnRef>
+          <a:fillRef idx="1">
+            <a:schemeClr val="accent1"/>
+          </a:fillRef>
+          <a:effectRef idx="0">
+            <a:schemeClr val="accent1"/>
+          </a:effectRef>
+          <a:fontRef idx="minor">
+            <a:schemeClr val="lt1"/>
+          </a:fontRef>
+        </p:style>
+        <p:txBody>
+          <a:bodyPr rtlCol="0" anchor="ctr"/>
+          <a:lstStyle/>
+          <a:p>
+            <a:pPr algn="ctr"/>
+            <a:endParaRPr lang="en-US" dirty="0"/>
+          </a:p>
+        </p:txBody>
+      </p:sp>
+      <p:sp>
+        <p:nvSpPr>
+          <p:cNvPr id="35" name="TextBox 34">
+            <a:extLst>
+              <a:ext uri="{FF2B5EF4-FFF2-40B4-BE49-F238E27FC236}">
+                <a16:creationId xmlns:a16="http://schemas.microsoft.com/office/drawing/2014/main" id="{6744268C-FC48-E2B4-0852-DCFC6F73FA7B}"/>
+              </a:ext>
+            </a:extLst>
+          </p:cNvPr>
+          <p:cNvSpPr txBox="1"/>
+          <p:nvPr/>
+        </p:nvSpPr>
+        <p:spPr>
+          <a:xfrm>
+            <a:off x="4273420" y="4776501"/>
+            <a:ext cx="2799184" cy="369332"/>
+          </a:xfrm>
+          <a:prstGeom prst="rect">
+            <a:avLst/>
+          </a:prstGeom>
+          <a:noFill/>
+        </p:spPr>
+        <p:txBody>
+          <a:bodyPr wrap="square" rtlCol="0">
+            <a:spAutoFit/>
+          </a:bodyPr>
+          <a:lstStyle/>
+          <a:p>
+            <a:pPr algn="ctr"/>
+            <a:r>
+              <a:rPr lang="en-US" b="1" dirty="0">
+                <a:solidFill>
+                  <a:srgbClr val="FFFF00"/>
+                </a:solidFill>
+              </a:rPr>
+              <a:t>Custom Middlewares</a:t>
+            </a:r>
+          </a:p>
+        </p:txBody>
+      </p:sp>
+      <p:sp>
+        <p:nvSpPr>
+          <p:cNvPr id="36" name="Rectangle: Rounded Corners 35">
+            <a:extLst>
+              <a:ext uri="{FF2B5EF4-FFF2-40B4-BE49-F238E27FC236}">
+                <a16:creationId xmlns:a16="http://schemas.microsoft.com/office/drawing/2014/main" id="{F3A50AD4-6375-B5CA-D5F6-5D9F8FFDF884}"/>
+              </a:ext>
+            </a:extLst>
+          </p:cNvPr>
+          <p:cNvSpPr/>
+          <p:nvPr/>
+        </p:nvSpPr>
+        <p:spPr>
+          <a:xfrm>
+            <a:off x="2603241" y="5145833"/>
+            <a:ext cx="1629746" cy="369332"/>
+          </a:xfrm>
+          <a:prstGeom prst="roundRect">
+            <a:avLst/>
+          </a:prstGeom>
+        </p:spPr>
+        <p:style>
+          <a:lnRef idx="2">
+            <a:schemeClr val="dk1">
+              <a:shade val="15000"/>
+            </a:schemeClr>
+          </a:lnRef>
+          <a:fillRef idx="1">
+            <a:schemeClr val="dk1"/>
+          </a:fillRef>
+          <a:effectRef idx="0">
+            <a:schemeClr val="dk1"/>
+          </a:effectRef>
+          <a:fontRef idx="minor">
+            <a:schemeClr val="lt1"/>
+          </a:fontRef>
+        </p:style>
+        <p:txBody>
+          <a:bodyPr rtlCol="0" anchor="ctr"/>
+          <a:lstStyle/>
+          <a:p>
+            <a:pPr algn="ctr"/>
+            <a:r>
+              <a:rPr lang="en-US" dirty="0"/>
+              <a:t>CM1</a:t>
+            </a:r>
+          </a:p>
+        </p:txBody>
+      </p:sp>
+      <p:sp>
+        <p:nvSpPr>
+          <p:cNvPr id="37" name="Rectangle: Rounded Corners 36">
+            <a:extLst>
+              <a:ext uri="{FF2B5EF4-FFF2-40B4-BE49-F238E27FC236}">
+                <a16:creationId xmlns:a16="http://schemas.microsoft.com/office/drawing/2014/main" id="{6BD24765-C798-AE27-D195-FE55BD4BE494}"/>
+              </a:ext>
+            </a:extLst>
+          </p:cNvPr>
+          <p:cNvSpPr/>
+          <p:nvPr/>
+        </p:nvSpPr>
+        <p:spPr>
+          <a:xfrm>
+            <a:off x="7050834" y="5160814"/>
+            <a:ext cx="1629746" cy="369332"/>
+          </a:xfrm>
+          <a:prstGeom prst="roundRect">
+            <a:avLst/>
+          </a:prstGeom>
+        </p:spPr>
+        <p:style>
+          <a:lnRef idx="2">
+            <a:schemeClr val="dk1">
+              <a:shade val="15000"/>
+            </a:schemeClr>
+          </a:lnRef>
+          <a:fillRef idx="1">
+            <a:schemeClr val="dk1"/>
+          </a:fillRef>
+          <a:effectRef idx="0">
+            <a:schemeClr val="dk1"/>
+          </a:effectRef>
+          <a:fontRef idx="minor">
+            <a:schemeClr val="lt1"/>
+          </a:fontRef>
+        </p:style>
+        <p:txBody>
+          <a:bodyPr rtlCol="0" anchor="ctr"/>
+          <a:lstStyle/>
+          <a:p>
+            <a:pPr algn="ctr"/>
+            <a:r>
+              <a:rPr lang="en-US" dirty="0" err="1"/>
+              <a:t>CMn</a:t>
+            </a:r>
+            <a:endParaRPr lang="en-US" dirty="0"/>
+          </a:p>
+        </p:txBody>
+      </p:sp>
+      <p:sp>
+        <p:nvSpPr>
+          <p:cNvPr id="38" name="Rectangle 37">
+            <a:extLst>
+              <a:ext uri="{FF2B5EF4-FFF2-40B4-BE49-F238E27FC236}">
+                <a16:creationId xmlns:a16="http://schemas.microsoft.com/office/drawing/2014/main" id="{CAC68BB8-F8C7-0F07-9FED-D4C431A280EC}"/>
+              </a:ext>
+            </a:extLst>
+          </p:cNvPr>
+          <p:cNvSpPr/>
+          <p:nvPr/>
+        </p:nvSpPr>
+        <p:spPr>
+          <a:xfrm>
+            <a:off x="4416490" y="5260147"/>
+            <a:ext cx="304800" cy="142246"/>
+          </a:xfrm>
+          <a:prstGeom prst="rect">
+            <a:avLst/>
+          </a:prstGeom>
+        </p:spPr>
+        <p:style>
+          <a:lnRef idx="2">
+            <a:schemeClr val="dk1">
+              <a:shade val="15000"/>
+            </a:schemeClr>
+          </a:lnRef>
+          <a:fillRef idx="1">
+            <a:schemeClr val="dk1"/>
+          </a:fillRef>
+          <a:effectRef idx="0">
+            <a:schemeClr val="dk1"/>
+          </a:effectRef>
+          <a:fontRef idx="minor">
+            <a:schemeClr val="lt1"/>
+          </a:fontRef>
+        </p:style>
+        <p:txBody>
+          <a:bodyPr rtlCol="0" anchor="ctr"/>
+          <a:lstStyle/>
+          <a:p>
+            <a:pPr algn="ctr"/>
+            <a:endParaRPr lang="en-US"/>
+          </a:p>
+        </p:txBody>
+      </p:sp>
+      <p:sp>
+        <p:nvSpPr>
+          <p:cNvPr id="39" name="Rectangle 38">
+            <a:extLst>
+              <a:ext uri="{FF2B5EF4-FFF2-40B4-BE49-F238E27FC236}">
+                <a16:creationId xmlns:a16="http://schemas.microsoft.com/office/drawing/2014/main" id="{196724DE-325B-0C60-D582-139171E01AB9}"/>
+              </a:ext>
+            </a:extLst>
+          </p:cNvPr>
+          <p:cNvSpPr/>
+          <p:nvPr/>
+        </p:nvSpPr>
+        <p:spPr>
+          <a:xfrm>
+            <a:off x="5323889" y="5280294"/>
+            <a:ext cx="304800" cy="142246"/>
+          </a:xfrm>
+          <a:prstGeom prst="rect">
+            <a:avLst/>
+          </a:prstGeom>
+        </p:spPr>
+        <p:style>
+          <a:lnRef idx="2">
+            <a:schemeClr val="dk1">
+              <a:shade val="15000"/>
+            </a:schemeClr>
+          </a:lnRef>
+          <a:fillRef idx="1">
+            <a:schemeClr val="dk1"/>
+          </a:fillRef>
+          <a:effectRef idx="0">
+            <a:schemeClr val="dk1"/>
+          </a:effectRef>
+          <a:fontRef idx="minor">
+            <a:schemeClr val="lt1"/>
+          </a:fontRef>
+        </p:style>
+        <p:txBody>
+          <a:bodyPr rtlCol="0" anchor="ctr"/>
+          <a:lstStyle/>
+          <a:p>
+            <a:pPr algn="ctr"/>
+            <a:endParaRPr lang="en-US"/>
+          </a:p>
+        </p:txBody>
+      </p:sp>
+      <p:sp>
+        <p:nvSpPr>
+          <p:cNvPr id="40" name="Rectangle 39">
+            <a:extLst>
+              <a:ext uri="{FF2B5EF4-FFF2-40B4-BE49-F238E27FC236}">
+                <a16:creationId xmlns:a16="http://schemas.microsoft.com/office/drawing/2014/main" id="{DE208631-B2C2-BF6E-4AB9-B9EFB17413D2}"/>
+              </a:ext>
+            </a:extLst>
+          </p:cNvPr>
+          <p:cNvSpPr/>
+          <p:nvPr/>
+        </p:nvSpPr>
+        <p:spPr>
+          <a:xfrm>
+            <a:off x="6209522" y="5290398"/>
+            <a:ext cx="304800" cy="142246"/>
+          </a:xfrm>
+          <a:prstGeom prst="rect">
+            <a:avLst/>
+          </a:prstGeom>
+        </p:spPr>
+        <p:style>
+          <a:lnRef idx="2">
+            <a:schemeClr val="dk1">
+              <a:shade val="15000"/>
+            </a:schemeClr>
+          </a:lnRef>
+          <a:fillRef idx="1">
+            <a:schemeClr val="dk1"/>
+          </a:fillRef>
+          <a:effectRef idx="0">
+            <a:schemeClr val="dk1"/>
+          </a:effectRef>
+          <a:fontRef idx="minor">
+            <a:schemeClr val="lt1"/>
+          </a:fontRef>
+        </p:style>
+        <p:txBody>
+          <a:bodyPr rtlCol="0" anchor="ctr"/>
+          <a:lstStyle/>
+          <a:p>
+            <a:pPr algn="ctr"/>
+            <a:endParaRPr lang="en-US"/>
+          </a:p>
+        </p:txBody>
+      </p:sp>
+      <p:sp>
+        <p:nvSpPr>
+          <p:cNvPr id="41" name="Rectangle 40">
+            <a:extLst>
+              <a:ext uri="{FF2B5EF4-FFF2-40B4-BE49-F238E27FC236}">
+                <a16:creationId xmlns:a16="http://schemas.microsoft.com/office/drawing/2014/main" id="{2B214042-D83D-D4DE-8425-417155EBC0A4}"/>
+              </a:ext>
+            </a:extLst>
+          </p:cNvPr>
+          <p:cNvSpPr/>
+          <p:nvPr/>
+        </p:nvSpPr>
+        <p:spPr>
+          <a:xfrm>
+            <a:off x="9314288" y="4885661"/>
+            <a:ext cx="1576874" cy="483646"/>
+          </a:xfrm>
+          <a:prstGeom prst="rect">
+            <a:avLst/>
+          </a:prstGeom>
+          <a:solidFill>
+            <a:srgbClr val="002060"/>
+          </a:solidFill>
+        </p:spPr>
+        <p:style>
+          <a:lnRef idx="2">
+            <a:schemeClr val="accent1">
+              <a:shade val="15000"/>
+            </a:schemeClr>
+          </a:lnRef>
+          <a:fillRef idx="1">
+            <a:schemeClr val="accent1"/>
+          </a:fillRef>
+          <a:effectRef idx="0">
+            <a:schemeClr val="accent1"/>
+          </a:effectRef>
+          <a:fontRef idx="minor">
+            <a:schemeClr val="lt1"/>
+          </a:fontRef>
+        </p:style>
+        <p:txBody>
+          <a:bodyPr rtlCol="0" anchor="ctr"/>
+          <a:lstStyle/>
+          <a:p>
+            <a:pPr algn="ctr"/>
+            <a:r>
+              <a:rPr lang="en-US" dirty="0"/>
+              <a:t>Authentication</a:t>
+            </a:r>
+          </a:p>
+        </p:txBody>
+      </p:sp>
+      <p:sp>
+        <p:nvSpPr>
+          <p:cNvPr id="42" name="Rectangle 41">
+            <a:extLst>
+              <a:ext uri="{FF2B5EF4-FFF2-40B4-BE49-F238E27FC236}">
+                <a16:creationId xmlns:a16="http://schemas.microsoft.com/office/drawing/2014/main" id="{A8026E13-673C-8B82-CB5C-FC35678926A5}"/>
+              </a:ext>
+            </a:extLst>
+          </p:cNvPr>
+          <p:cNvSpPr/>
+          <p:nvPr/>
+        </p:nvSpPr>
+        <p:spPr>
+          <a:xfrm>
+            <a:off x="443203" y="5846401"/>
+            <a:ext cx="1576874" cy="483646"/>
+          </a:xfrm>
+          <a:prstGeom prst="rect">
+            <a:avLst/>
+          </a:prstGeom>
+          <a:solidFill>
+            <a:srgbClr val="002060"/>
+          </a:solidFill>
+        </p:spPr>
+        <p:style>
+          <a:lnRef idx="2">
+            <a:schemeClr val="accent1">
+              <a:shade val="15000"/>
+            </a:schemeClr>
+          </a:lnRef>
+          <a:fillRef idx="1">
+            <a:schemeClr val="accent1"/>
+          </a:fillRef>
+          <a:effectRef idx="0">
+            <a:schemeClr val="accent1"/>
+          </a:effectRef>
+          <a:fontRef idx="minor">
+            <a:schemeClr val="lt1"/>
+          </a:fontRef>
+        </p:style>
+        <p:txBody>
+          <a:bodyPr rtlCol="0" anchor="ctr"/>
+          <a:lstStyle/>
+          <a:p>
+            <a:pPr algn="ctr"/>
+            <a:r>
+              <a:rPr lang="en-US" dirty="0"/>
+              <a:t>Authorization</a:t>
+            </a:r>
+          </a:p>
+        </p:txBody>
+      </p:sp>
+      <p:cxnSp>
+        <p:nvCxnSpPr>
+          <p:cNvPr id="45" name="Straight Arrow Connector 44">
+            <a:extLst>
+              <a:ext uri="{FF2B5EF4-FFF2-40B4-BE49-F238E27FC236}">
+                <a16:creationId xmlns:a16="http://schemas.microsoft.com/office/drawing/2014/main" id="{8A14BFEF-0D3B-4E60-193E-506D591157E8}"/>
+              </a:ext>
+            </a:extLst>
+          </p:cNvPr>
+          <p:cNvCxnSpPr>
+            <a:endCxn id="29" idx="1"/>
+          </p:cNvCxnSpPr>
+          <p:nvPr/>
+        </p:nvCxnSpPr>
+        <p:spPr>
+          <a:xfrm>
+            <a:off x="1782147" y="4184405"/>
+            <a:ext cx="401216" cy="1179"/>
+          </a:xfrm>
+          <a:prstGeom prst="straightConnector1">
+            <a:avLst/>
+          </a:prstGeom>
+          <a:ln>
+            <a:tailEnd type="triangle"/>
+          </a:ln>
+        </p:spPr>
+        <p:style>
+          <a:lnRef idx="1">
+            <a:schemeClr val="accent1"/>
+          </a:lnRef>
+          <a:fillRef idx="0">
+            <a:schemeClr val="accent1"/>
+          </a:fillRef>
+          <a:effectRef idx="0">
+            <a:schemeClr val="accent1"/>
+          </a:effectRef>
+          <a:fontRef idx="minor">
+            <a:schemeClr val="tx1"/>
+          </a:fontRef>
+        </p:style>
+      </p:cxnSp>
+      <p:cxnSp>
+        <p:nvCxnSpPr>
+          <p:cNvPr id="47" name="Straight Arrow Connector 46">
+            <a:extLst>
+              <a:ext uri="{FF2B5EF4-FFF2-40B4-BE49-F238E27FC236}">
+                <a16:creationId xmlns:a16="http://schemas.microsoft.com/office/drawing/2014/main" id="{13F37FED-44AD-8E3B-5A4B-57B3E2ED7395}"/>
+              </a:ext>
+            </a:extLst>
+          </p:cNvPr>
+          <p:cNvCxnSpPr>
+            <a:stCxn id="29" idx="3"/>
+            <a:endCxn id="30" idx="1"/>
+          </p:cNvCxnSpPr>
+          <p:nvPr/>
+        </p:nvCxnSpPr>
+        <p:spPr>
+          <a:xfrm>
+            <a:off x="3760237" y="4185584"/>
+            <a:ext cx="228598" cy="0"/>
+          </a:xfrm>
+          <a:prstGeom prst="straightConnector1">
+            <a:avLst/>
+          </a:prstGeom>
+          <a:ln>
+            <a:tailEnd type="triangle"/>
+          </a:ln>
+        </p:spPr>
+        <p:style>
+          <a:lnRef idx="1">
+            <a:schemeClr val="accent1"/>
+          </a:lnRef>
+          <a:fillRef idx="0">
+            <a:schemeClr val="accent1"/>
+          </a:fillRef>
+          <a:effectRef idx="0">
+            <a:schemeClr val="accent1"/>
+          </a:effectRef>
+          <a:fontRef idx="minor">
+            <a:schemeClr val="tx1"/>
+          </a:fontRef>
+        </p:style>
+      </p:cxnSp>
+      <p:cxnSp>
+        <p:nvCxnSpPr>
+          <p:cNvPr id="49" name="Straight Arrow Connector 48">
+            <a:extLst>
+              <a:ext uri="{FF2B5EF4-FFF2-40B4-BE49-F238E27FC236}">
+                <a16:creationId xmlns:a16="http://schemas.microsoft.com/office/drawing/2014/main" id="{109D9700-5BE5-8E8F-D48A-2BE23A435082}"/>
+              </a:ext>
+            </a:extLst>
+          </p:cNvPr>
+          <p:cNvCxnSpPr>
+            <a:stCxn id="30" idx="3"/>
+            <a:endCxn id="31" idx="1"/>
+          </p:cNvCxnSpPr>
+          <p:nvPr/>
+        </p:nvCxnSpPr>
+        <p:spPr>
+          <a:xfrm>
+            <a:off x="5565709" y="4185584"/>
+            <a:ext cx="153956" cy="0"/>
+          </a:xfrm>
+          <a:prstGeom prst="straightConnector1">
+            <a:avLst/>
+          </a:prstGeom>
+          <a:ln>
+            <a:tailEnd type="triangle"/>
+          </a:ln>
+        </p:spPr>
+        <p:style>
+          <a:lnRef idx="1">
+            <a:schemeClr val="accent1"/>
+          </a:lnRef>
+          <a:fillRef idx="0">
+            <a:schemeClr val="accent1"/>
+          </a:fillRef>
+          <a:effectRef idx="0">
+            <a:schemeClr val="accent1"/>
+          </a:effectRef>
+          <a:fontRef idx="minor">
+            <a:schemeClr val="tx1"/>
+          </a:fontRef>
+        </p:style>
+      </p:cxnSp>
+      <p:cxnSp>
+        <p:nvCxnSpPr>
+          <p:cNvPr id="51" name="Straight Arrow Connector 50">
+            <a:extLst>
+              <a:ext uri="{FF2B5EF4-FFF2-40B4-BE49-F238E27FC236}">
+                <a16:creationId xmlns:a16="http://schemas.microsoft.com/office/drawing/2014/main" id="{80DC43BA-4006-087C-4784-9C8410AD0853}"/>
+              </a:ext>
+            </a:extLst>
+          </p:cNvPr>
+          <p:cNvCxnSpPr>
+            <a:endCxn id="32" idx="1"/>
+          </p:cNvCxnSpPr>
+          <p:nvPr/>
+        </p:nvCxnSpPr>
+        <p:spPr>
+          <a:xfrm>
+            <a:off x="7296539" y="4184405"/>
+            <a:ext cx="345231" cy="0"/>
+          </a:xfrm>
+          <a:prstGeom prst="straightConnector1">
+            <a:avLst/>
+          </a:prstGeom>
+          <a:ln>
+            <a:tailEnd type="triangle"/>
+          </a:ln>
+        </p:spPr>
+        <p:style>
+          <a:lnRef idx="1">
+            <a:schemeClr val="accent1"/>
+          </a:lnRef>
+          <a:fillRef idx="0">
+            <a:schemeClr val="accent1"/>
+          </a:fillRef>
+          <a:effectRef idx="0">
+            <a:schemeClr val="accent1"/>
+          </a:effectRef>
+          <a:fontRef idx="minor">
+            <a:schemeClr val="tx1"/>
+          </a:fontRef>
+        </p:style>
+      </p:cxnSp>
+      <p:cxnSp>
+        <p:nvCxnSpPr>
+          <p:cNvPr id="53" name="Connector: Elbow 52">
+            <a:extLst>
+              <a:ext uri="{FF2B5EF4-FFF2-40B4-BE49-F238E27FC236}">
+                <a16:creationId xmlns:a16="http://schemas.microsoft.com/office/drawing/2014/main" id="{2FD21921-696D-4740-C652-993DF383F6B9}"/>
+              </a:ext>
+            </a:extLst>
+          </p:cNvPr>
+          <p:cNvCxnSpPr>
+            <a:cxnSpLocks/>
+            <a:stCxn id="32" idx="3"/>
+            <a:endCxn id="33" idx="1"/>
+          </p:cNvCxnSpPr>
+          <p:nvPr/>
+        </p:nvCxnSpPr>
+        <p:spPr>
+          <a:xfrm flipH="1">
+            <a:off x="443203" y="4184405"/>
+            <a:ext cx="8775441" cy="833919"/>
+          </a:xfrm>
+          <a:prstGeom prst="bentConnector5">
+            <a:avLst>
+              <a:gd name="adj1" fmla="val -2605"/>
+              <a:gd name="adj2" fmla="val 50000"/>
+              <a:gd name="adj3" fmla="val 102605"/>
+            </a:avLst>
+          </a:prstGeom>
+          <a:ln>
+            <a:tailEnd type="triangle"/>
+          </a:ln>
+        </p:spPr>
+        <p:style>
+          <a:lnRef idx="1">
+            <a:schemeClr val="accent1"/>
+          </a:lnRef>
+          <a:fillRef idx="0">
+            <a:schemeClr val="accent1"/>
+          </a:fillRef>
+          <a:effectRef idx="0">
+            <a:schemeClr val="accent1"/>
+          </a:effectRef>
+          <a:fontRef idx="minor">
+            <a:schemeClr val="tx1"/>
+          </a:fontRef>
+        </p:style>
+      </p:cxnSp>
+      <p:cxnSp>
+        <p:nvCxnSpPr>
+          <p:cNvPr id="57" name="Straight Arrow Connector 56">
+            <a:extLst>
+              <a:ext uri="{FF2B5EF4-FFF2-40B4-BE49-F238E27FC236}">
+                <a16:creationId xmlns:a16="http://schemas.microsoft.com/office/drawing/2014/main" id="{57440ACC-7E62-A282-6084-BA6654826D86}"/>
+              </a:ext>
+            </a:extLst>
+          </p:cNvPr>
+          <p:cNvCxnSpPr>
+            <a:stCxn id="33" idx="3"/>
+            <a:endCxn id="34" idx="1"/>
+          </p:cNvCxnSpPr>
+          <p:nvPr/>
+        </p:nvCxnSpPr>
+        <p:spPr>
+          <a:xfrm>
+            <a:off x="2020077" y="5018324"/>
+            <a:ext cx="391883" cy="109160"/>
+          </a:xfrm>
+          <a:prstGeom prst="straightConnector1">
+            <a:avLst/>
+          </a:prstGeom>
+          <a:ln>
+            <a:tailEnd type="triangle"/>
+          </a:ln>
+        </p:spPr>
+        <p:style>
+          <a:lnRef idx="1">
+            <a:schemeClr val="accent1"/>
+          </a:lnRef>
+          <a:fillRef idx="0">
+            <a:schemeClr val="accent1"/>
+          </a:fillRef>
+          <a:effectRef idx="0">
+            <a:schemeClr val="accent1"/>
+          </a:effectRef>
+          <a:fontRef idx="minor">
+            <a:schemeClr val="tx1"/>
+          </a:fontRef>
+        </p:style>
+      </p:cxnSp>
+      <p:cxnSp>
+        <p:nvCxnSpPr>
+          <p:cNvPr id="59" name="Straight Arrow Connector 58">
+            <a:extLst>
+              <a:ext uri="{FF2B5EF4-FFF2-40B4-BE49-F238E27FC236}">
+                <a16:creationId xmlns:a16="http://schemas.microsoft.com/office/drawing/2014/main" id="{D1329287-ADD1-B67B-B994-1F3A2019C479}"/>
+              </a:ext>
+            </a:extLst>
+          </p:cNvPr>
+          <p:cNvCxnSpPr>
+            <a:stCxn id="34" idx="3"/>
+            <a:endCxn id="41" idx="1"/>
+          </p:cNvCxnSpPr>
+          <p:nvPr/>
+        </p:nvCxnSpPr>
+        <p:spPr>
+          <a:xfrm flipV="1">
+            <a:off x="8845419" y="5127484"/>
+            <a:ext cx="468869" cy="9018"/>
+          </a:xfrm>
+          <a:prstGeom prst="straightConnector1">
+            <a:avLst/>
+          </a:prstGeom>
+          <a:ln>
+            <a:tailEnd type="triangle"/>
+          </a:ln>
+        </p:spPr>
+        <p:style>
+          <a:lnRef idx="1">
+            <a:schemeClr val="accent1"/>
+          </a:lnRef>
+          <a:fillRef idx="0">
+            <a:schemeClr val="accent1"/>
+          </a:fillRef>
+          <a:effectRef idx="0">
+            <a:schemeClr val="accent1"/>
+          </a:effectRef>
+          <a:fontRef idx="minor">
+            <a:schemeClr val="tx1"/>
+          </a:fontRef>
+        </p:style>
+      </p:cxnSp>
+      <p:cxnSp>
+        <p:nvCxnSpPr>
+          <p:cNvPr id="65" name="Connector: Elbow 64">
+            <a:extLst>
+              <a:ext uri="{FF2B5EF4-FFF2-40B4-BE49-F238E27FC236}">
+                <a16:creationId xmlns:a16="http://schemas.microsoft.com/office/drawing/2014/main" id="{4A90B060-FE57-98F0-BEBA-DB2A4ADB9C5C}"/>
+              </a:ext>
+            </a:extLst>
+          </p:cNvPr>
+          <p:cNvCxnSpPr>
+            <a:stCxn id="41" idx="3"/>
+            <a:endCxn id="42" idx="1"/>
+          </p:cNvCxnSpPr>
+          <p:nvPr/>
+        </p:nvCxnSpPr>
+        <p:spPr>
+          <a:xfrm flipH="1">
+            <a:off x="443203" y="5127484"/>
+            <a:ext cx="10447959" cy="960740"/>
+          </a:xfrm>
+          <a:prstGeom prst="bentConnector5">
+            <a:avLst>
+              <a:gd name="adj1" fmla="val -2188"/>
+              <a:gd name="adj2" fmla="val 50000"/>
+              <a:gd name="adj3" fmla="val 102188"/>
+            </a:avLst>
+          </a:prstGeom>
+          <a:ln>
+            <a:tailEnd type="triangle"/>
+          </a:ln>
+        </p:spPr>
+        <p:style>
+          <a:lnRef idx="1">
+            <a:schemeClr val="accent1"/>
+          </a:lnRef>
+          <a:fillRef idx="0">
+            <a:schemeClr val="accent1"/>
+          </a:fillRef>
+          <a:effectRef idx="0">
+            <a:schemeClr val="accent1"/>
+          </a:effectRef>
+          <a:fontRef idx="minor">
+            <a:schemeClr val="tx1"/>
+          </a:fontRef>
+        </p:style>
+      </p:cxnSp>
+      <p:cxnSp>
+        <p:nvCxnSpPr>
+          <p:cNvPr id="67" name="Straight Arrow Connector 66">
+            <a:extLst>
+              <a:ext uri="{FF2B5EF4-FFF2-40B4-BE49-F238E27FC236}">
+                <a16:creationId xmlns:a16="http://schemas.microsoft.com/office/drawing/2014/main" id="{E9BA3DDF-96B9-1086-AD76-21EA69E59390}"/>
+              </a:ext>
+            </a:extLst>
+          </p:cNvPr>
+          <p:cNvCxnSpPr>
+            <a:stCxn id="42" idx="2"/>
+          </p:cNvCxnSpPr>
+          <p:nvPr/>
+        </p:nvCxnSpPr>
+        <p:spPr>
+          <a:xfrm>
+            <a:off x="1231640" y="6330047"/>
+            <a:ext cx="0" cy="527953"/>
+          </a:xfrm>
+          <a:prstGeom prst="straightConnector1">
+            <a:avLst/>
+          </a:prstGeom>
+          <a:ln>
+            <a:tailEnd type="triangle"/>
+          </a:ln>
+        </p:spPr>
+        <p:style>
+          <a:lnRef idx="1">
+            <a:schemeClr val="accent1"/>
+          </a:lnRef>
+          <a:fillRef idx="0">
+            <a:schemeClr val="accent1"/>
+          </a:fillRef>
+          <a:effectRef idx="0">
+            <a:schemeClr val="accent1"/>
+          </a:effectRef>
+          <a:fontRef idx="minor">
+            <a:schemeClr val="tx1"/>
+          </a:fontRef>
+        </p:style>
+      </p:cxnSp>
+      <p:sp>
+        <p:nvSpPr>
+          <p:cNvPr id="68" name="TextBox 67">
+            <a:extLst>
+              <a:ext uri="{FF2B5EF4-FFF2-40B4-BE49-F238E27FC236}">
+                <a16:creationId xmlns:a16="http://schemas.microsoft.com/office/drawing/2014/main" id="{7CBFB3DA-5E8E-51A6-B739-6DED1A4A6E2D}"/>
+              </a:ext>
+            </a:extLst>
+          </p:cNvPr>
+          <p:cNvSpPr txBox="1"/>
+          <p:nvPr/>
+        </p:nvSpPr>
+        <p:spPr>
+          <a:xfrm>
+            <a:off x="1220753" y="6405710"/>
+            <a:ext cx="3420452" cy="369332"/>
+          </a:xfrm>
+          <a:prstGeom prst="rect">
+            <a:avLst/>
+          </a:prstGeom>
+          <a:noFill/>
+        </p:spPr>
+        <p:txBody>
+          <a:bodyPr wrap="square" rtlCol="0">
+            <a:spAutoFit/>
+          </a:bodyPr>
+          <a:lstStyle/>
+          <a:p>
+            <a:r>
+              <a:rPr lang="en-US" dirty="0"/>
+              <a:t>Further Execution</a:t>
+            </a:r>
+          </a:p>
+        </p:txBody>
+      </p:sp>
+      <p:cxnSp>
+        <p:nvCxnSpPr>
+          <p:cNvPr id="70" name="Connector: Elbow 69">
+            <a:extLst>
+              <a:ext uri="{FF2B5EF4-FFF2-40B4-BE49-F238E27FC236}">
+                <a16:creationId xmlns:a16="http://schemas.microsoft.com/office/drawing/2014/main" id="{4D577067-989D-5654-6B82-89B99D6448A4}"/>
+              </a:ext>
+            </a:extLst>
+          </p:cNvPr>
+          <p:cNvCxnSpPr>
+            <a:stCxn id="42" idx="0"/>
+            <a:endCxn id="41" idx="2"/>
+          </p:cNvCxnSpPr>
+          <p:nvPr/>
+        </p:nvCxnSpPr>
+        <p:spPr>
+          <a:xfrm rot="5400000" flipH="1" flipV="1">
+            <a:off x="5428635" y="1172312"/>
+            <a:ext cx="477094" cy="8871085"/>
+          </a:xfrm>
+          <a:prstGeom prst="bentConnector3">
+            <a:avLst/>
+          </a:prstGeom>
+          <a:ln>
+            <a:tailEnd type="triangle"/>
+          </a:ln>
+        </p:spPr>
+        <p:style>
+          <a:lnRef idx="3">
+            <a:schemeClr val="accent2"/>
+          </a:lnRef>
+          <a:fillRef idx="0">
+            <a:schemeClr val="accent2"/>
+          </a:fillRef>
+          <a:effectRef idx="2">
+            <a:schemeClr val="accent2"/>
+          </a:effectRef>
+          <a:fontRef idx="minor">
+            <a:schemeClr val="tx1"/>
+          </a:fontRef>
+        </p:style>
+      </p:cxnSp>
+      <p:cxnSp>
+        <p:nvCxnSpPr>
+          <p:cNvPr id="74" name="Connector: Elbow 73">
+            <a:extLst>
+              <a:ext uri="{FF2B5EF4-FFF2-40B4-BE49-F238E27FC236}">
+                <a16:creationId xmlns:a16="http://schemas.microsoft.com/office/drawing/2014/main" id="{D3BE3A0F-6E18-FB10-D486-F062331345AA}"/>
+              </a:ext>
+            </a:extLst>
+          </p:cNvPr>
+          <p:cNvCxnSpPr>
+            <a:endCxn id="34" idx="0"/>
+          </p:cNvCxnSpPr>
+          <p:nvPr/>
+        </p:nvCxnSpPr>
+        <p:spPr>
+          <a:xfrm rot="10800000">
+            <a:off x="5628691" y="4683967"/>
+            <a:ext cx="4474035" cy="201694"/>
+          </a:xfrm>
+          <a:prstGeom prst="bentConnector4">
+            <a:avLst>
+              <a:gd name="adj1" fmla="val 14051"/>
+              <a:gd name="adj2" fmla="val 213340"/>
+            </a:avLst>
+          </a:prstGeom>
+          <a:ln>
+            <a:tailEnd type="triangle"/>
+          </a:ln>
+        </p:spPr>
+        <p:style>
+          <a:lnRef idx="3">
+            <a:schemeClr val="accent2"/>
+          </a:lnRef>
+          <a:fillRef idx="0">
+            <a:schemeClr val="accent2"/>
+          </a:fillRef>
+          <a:effectRef idx="2">
+            <a:schemeClr val="accent2"/>
+          </a:effectRef>
+          <a:fontRef idx="minor">
+            <a:schemeClr val="tx1"/>
+          </a:fontRef>
+        </p:style>
+      </p:cxnSp>
+      <p:cxnSp>
+        <p:nvCxnSpPr>
+          <p:cNvPr id="76" name="Connector: Elbow 75">
+            <a:extLst>
+              <a:ext uri="{FF2B5EF4-FFF2-40B4-BE49-F238E27FC236}">
+                <a16:creationId xmlns:a16="http://schemas.microsoft.com/office/drawing/2014/main" id="{4A68F5B3-D9AD-64BB-767D-E2A2D1932040}"/>
+              </a:ext>
+            </a:extLst>
+          </p:cNvPr>
+          <p:cNvCxnSpPr>
+            <a:stCxn id="34" idx="1"/>
+            <a:endCxn id="33" idx="2"/>
+          </p:cNvCxnSpPr>
+          <p:nvPr/>
+        </p:nvCxnSpPr>
+        <p:spPr>
+          <a:xfrm rot="10800000" flipV="1">
+            <a:off x="1231640" y="5136501"/>
+            <a:ext cx="1180320" cy="123645"/>
+          </a:xfrm>
+          <a:prstGeom prst="bentConnector4">
+            <a:avLst>
+              <a:gd name="adj1" fmla="val 16601"/>
+              <a:gd name="adj2" fmla="val 550880"/>
+            </a:avLst>
+          </a:prstGeom>
+          <a:ln>
+            <a:tailEnd type="triangle"/>
+          </a:ln>
+        </p:spPr>
+        <p:style>
+          <a:lnRef idx="3">
+            <a:schemeClr val="accent2"/>
+          </a:lnRef>
+          <a:fillRef idx="0">
+            <a:schemeClr val="accent2"/>
+          </a:fillRef>
+          <a:effectRef idx="2">
+            <a:schemeClr val="accent2"/>
+          </a:effectRef>
+          <a:fontRef idx="minor">
+            <a:schemeClr val="tx1"/>
+          </a:fontRef>
+        </p:style>
+      </p:cxnSp>
+      <p:cxnSp>
+        <p:nvCxnSpPr>
+          <p:cNvPr id="78" name="Connector: Elbow 77">
+            <a:extLst>
+              <a:ext uri="{FF2B5EF4-FFF2-40B4-BE49-F238E27FC236}">
+                <a16:creationId xmlns:a16="http://schemas.microsoft.com/office/drawing/2014/main" id="{0C8A71B9-816D-0A7B-AF92-0D06FBDF8895}"/>
+              </a:ext>
+            </a:extLst>
+          </p:cNvPr>
+          <p:cNvCxnSpPr>
+            <a:stCxn id="33" idx="0"/>
+            <a:endCxn id="32" idx="2"/>
+          </p:cNvCxnSpPr>
+          <p:nvPr/>
+        </p:nvCxnSpPr>
+        <p:spPr>
+          <a:xfrm rot="5400000" flipH="1" flipV="1">
+            <a:off x="4655787" y="1002082"/>
+            <a:ext cx="350273" cy="7198567"/>
+          </a:xfrm>
+          <a:prstGeom prst="bentConnector3">
+            <a:avLst/>
+          </a:prstGeom>
+          <a:ln>
+            <a:tailEnd type="triangle"/>
+          </a:ln>
+        </p:spPr>
+        <p:style>
+          <a:lnRef idx="3">
+            <a:schemeClr val="accent2"/>
+          </a:lnRef>
+          <a:fillRef idx="0">
+            <a:schemeClr val="accent2"/>
+          </a:fillRef>
+          <a:effectRef idx="2">
+            <a:schemeClr val="accent2"/>
+          </a:effectRef>
+          <a:fontRef idx="minor">
+            <a:schemeClr val="tx1"/>
+          </a:fontRef>
+        </p:style>
+      </p:cxnSp>
+      <p:cxnSp>
+        <p:nvCxnSpPr>
+          <p:cNvPr id="80" name="Connector: Elbow 79">
+            <a:extLst>
+              <a:ext uri="{FF2B5EF4-FFF2-40B4-BE49-F238E27FC236}">
+                <a16:creationId xmlns:a16="http://schemas.microsoft.com/office/drawing/2014/main" id="{06C52FA3-9D67-3BC9-E80C-2EA7F6FDB4D4}"/>
+              </a:ext>
+            </a:extLst>
+          </p:cNvPr>
+          <p:cNvCxnSpPr>
+            <a:stCxn id="32" idx="2"/>
+            <a:endCxn id="31" idx="2"/>
+          </p:cNvCxnSpPr>
+          <p:nvPr/>
+        </p:nvCxnSpPr>
+        <p:spPr>
+          <a:xfrm rot="5400000">
+            <a:off x="7468566" y="3465765"/>
+            <a:ext cx="1179" cy="1922105"/>
+          </a:xfrm>
+          <a:prstGeom prst="bentConnector3">
+            <a:avLst>
+              <a:gd name="adj1" fmla="val 19489313"/>
+            </a:avLst>
+          </a:prstGeom>
+          <a:ln>
+            <a:tailEnd type="triangle"/>
+          </a:ln>
+        </p:spPr>
+        <p:style>
+          <a:lnRef idx="3">
+            <a:schemeClr val="accent2"/>
+          </a:lnRef>
+          <a:fillRef idx="0">
+            <a:schemeClr val="accent2"/>
+          </a:fillRef>
+          <a:effectRef idx="2">
+            <a:schemeClr val="accent2"/>
+          </a:effectRef>
+          <a:fontRef idx="minor">
+            <a:schemeClr val="tx1"/>
+          </a:fontRef>
+        </p:style>
+      </p:cxnSp>
+      <p:cxnSp>
+        <p:nvCxnSpPr>
+          <p:cNvPr id="82" name="Connector: Elbow 81">
+            <a:extLst>
+              <a:ext uri="{FF2B5EF4-FFF2-40B4-BE49-F238E27FC236}">
+                <a16:creationId xmlns:a16="http://schemas.microsoft.com/office/drawing/2014/main" id="{D68E0F5F-44A0-7670-4241-B20F4554BCF2}"/>
+              </a:ext>
+            </a:extLst>
+          </p:cNvPr>
+          <p:cNvCxnSpPr>
+            <a:stCxn id="30" idx="2"/>
+            <a:endCxn id="29" idx="2"/>
+          </p:cNvCxnSpPr>
+          <p:nvPr/>
+        </p:nvCxnSpPr>
+        <p:spPr>
+          <a:xfrm rot="5400000">
+            <a:off x="3874536" y="3524671"/>
+            <a:ext cx="12700" cy="1805472"/>
+          </a:xfrm>
+          <a:prstGeom prst="bentConnector3">
+            <a:avLst>
+              <a:gd name="adj1" fmla="val 1800000"/>
+            </a:avLst>
+          </a:prstGeom>
+          <a:ln>
+            <a:tailEnd type="triangle"/>
+          </a:ln>
+        </p:spPr>
+        <p:style>
+          <a:lnRef idx="3">
+            <a:schemeClr val="accent2"/>
+          </a:lnRef>
+          <a:fillRef idx="0">
+            <a:schemeClr val="accent2"/>
+          </a:fillRef>
+          <a:effectRef idx="2">
+            <a:schemeClr val="accent2"/>
+          </a:effectRef>
+          <a:fontRef idx="minor">
+            <a:schemeClr val="tx1"/>
+          </a:fontRef>
+        </p:style>
+      </p:cxnSp>
+      <p:cxnSp>
+        <p:nvCxnSpPr>
+          <p:cNvPr id="84" name="Connector: Elbow 83">
+            <a:extLst>
+              <a:ext uri="{FF2B5EF4-FFF2-40B4-BE49-F238E27FC236}">
+                <a16:creationId xmlns:a16="http://schemas.microsoft.com/office/drawing/2014/main" id="{5D075AEF-0D5B-326D-D565-32B77FC0A144}"/>
+              </a:ext>
+            </a:extLst>
+          </p:cNvPr>
+          <p:cNvCxnSpPr>
+            <a:stCxn id="29" idx="2"/>
+            <a:endCxn id="28" idx="2"/>
+          </p:cNvCxnSpPr>
+          <p:nvPr/>
+        </p:nvCxnSpPr>
+        <p:spPr>
+          <a:xfrm rot="5400000">
+            <a:off x="1982755" y="3438362"/>
+            <a:ext cx="12700" cy="1978090"/>
+          </a:xfrm>
+          <a:prstGeom prst="bentConnector3">
+            <a:avLst>
+              <a:gd name="adj1" fmla="val 1800000"/>
+            </a:avLst>
+          </a:prstGeom>
+          <a:ln>
+            <a:tailEnd type="triangle"/>
+          </a:ln>
+        </p:spPr>
+        <p:style>
+          <a:lnRef idx="3">
+            <a:schemeClr val="accent2"/>
+          </a:lnRef>
+          <a:fillRef idx="0">
+            <a:schemeClr val="accent2"/>
+          </a:fillRef>
+          <a:effectRef idx="2">
+            <a:schemeClr val="accent2"/>
+          </a:effectRef>
+          <a:fontRef idx="minor">
+            <a:schemeClr val="tx1"/>
+          </a:fontRef>
+        </p:style>
+      </p:cxnSp>
+      <p:sp>
+        <p:nvSpPr>
+          <p:cNvPr id="85" name="TextBox 84">
+            <a:extLst>
+              <a:ext uri="{FF2B5EF4-FFF2-40B4-BE49-F238E27FC236}">
+                <a16:creationId xmlns:a16="http://schemas.microsoft.com/office/drawing/2014/main" id="{5D79C56A-BB0C-D5DE-FAB7-E481F2F3A5FD}"/>
+              </a:ext>
+            </a:extLst>
+          </p:cNvPr>
+          <p:cNvSpPr txBox="1"/>
+          <p:nvPr/>
+        </p:nvSpPr>
+        <p:spPr>
+          <a:xfrm>
+            <a:off x="5635687" y="5839247"/>
+            <a:ext cx="3410341" cy="369332"/>
+          </a:xfrm>
+          <a:prstGeom prst="rect">
+            <a:avLst/>
+          </a:prstGeom>
+          <a:noFill/>
+        </p:spPr>
+        <p:txBody>
+          <a:bodyPr wrap="square" rtlCol="0">
+            <a:spAutoFit/>
+          </a:bodyPr>
+          <a:lstStyle/>
+          <a:p>
+            <a:pPr algn="ctr"/>
+            <a:r>
+              <a:rPr lang="en-US" b="1" dirty="0"/>
+              <a:t>HTTP Pipeline</a:t>
+            </a:r>
+          </a:p>
+        </p:txBody>
+      </p:sp>
+    </p:spTree>
+    <p:extLst>
+      <p:ext uri="{BB962C8B-B14F-4D97-AF65-F5344CB8AC3E}">
+        <p14:creationId xmlns:p14="http://schemas.microsoft.com/office/powerpoint/2010/main" val="110414038"/>
+      </p:ext>
+    </p:extLst>
+  </p:cSld>
+  <p:clrMapOvr>
+    <a:masterClrMapping/>
+  </p:clrMapOvr>
+</p:sld>
+</file>
+
+<file path=ppt/slides/slide21.xml><?xml version="1.0" encoding="utf-8"?>
+<p:sld xmlns:a="http://schemas.openxmlformats.org/drawingml/2006/main" xmlns:r="http://schemas.openxmlformats.org/officeDocument/2006/relationships" xmlns:p="http://schemas.openxmlformats.org/presentationml/2006/main">
+  <p:cSld>
+    <p:spTree>
+      <p:nvGrpSpPr>
+        <p:cNvPr id="1" name=""/>
+        <p:cNvGrpSpPr/>
+        <p:nvPr/>
+      </p:nvGrpSpPr>
+      <p:grpSpPr>
+        <a:xfrm>
+          <a:off x="0" y="0"/>
+          <a:ext cx="0" cy="0"/>
+          <a:chOff x="0" y="0"/>
+          <a:chExt cx="0" cy="0"/>
+        </a:xfrm>
+      </p:grpSpPr>
+      <p:sp>
+        <p:nvSpPr>
+          <p:cNvPr id="24" name="Rectangle 23">
+            <a:extLst>
+              <a:ext uri="{FF2B5EF4-FFF2-40B4-BE49-F238E27FC236}">
+                <a16:creationId xmlns:a16="http://schemas.microsoft.com/office/drawing/2014/main" id="{703813E0-6DEF-16A6-E48B-9C73B69CF4D5}"/>
+              </a:ext>
+            </a:extLst>
+          </p:cNvPr>
+          <p:cNvSpPr/>
+          <p:nvPr/>
+        </p:nvSpPr>
+        <p:spPr>
+          <a:xfrm>
+            <a:off x="5514392" y="2093238"/>
+            <a:ext cx="3778898" cy="2332854"/>
+          </a:xfrm>
+          <a:prstGeom prst="rect">
+            <a:avLst/>
+          </a:prstGeom>
+        </p:spPr>
+        <p:style>
+          <a:lnRef idx="1">
+            <a:schemeClr val="accent2"/>
+          </a:lnRef>
+          <a:fillRef idx="2">
+            <a:schemeClr val="accent2"/>
+          </a:fillRef>
+          <a:effectRef idx="1">
+            <a:schemeClr val="accent2"/>
+          </a:effectRef>
+          <a:fontRef idx="minor">
+            <a:schemeClr val="dk1"/>
+          </a:fontRef>
+        </p:style>
+        <p:txBody>
+          <a:bodyPr rtlCol="0" anchor="ctr"/>
+          <a:lstStyle/>
+          <a:p>
+            <a:pPr algn="ctr"/>
+            <a:endParaRPr lang="en-US"/>
+          </a:p>
+        </p:txBody>
+      </p:sp>
+      <p:sp>
+        <p:nvSpPr>
+          <p:cNvPr id="2" name="Rectangle 1">
+            <a:extLst>
+              <a:ext uri="{FF2B5EF4-FFF2-40B4-BE49-F238E27FC236}">
+                <a16:creationId xmlns:a16="http://schemas.microsoft.com/office/drawing/2014/main" id="{322446D1-C813-B98F-2128-BBF271A2044C}"/>
+              </a:ext>
+            </a:extLst>
+          </p:cNvPr>
+          <p:cNvSpPr/>
+          <p:nvPr/>
+        </p:nvSpPr>
+        <p:spPr>
+          <a:xfrm>
+            <a:off x="195943" y="130629"/>
+            <a:ext cx="2174033" cy="606489"/>
+          </a:xfrm>
+          <a:prstGeom prst="rect">
+            <a:avLst/>
+          </a:prstGeom>
+        </p:spPr>
+        <p:style>
+          <a:lnRef idx="2">
+            <a:schemeClr val="accent1">
+              <a:shade val="15000"/>
+            </a:schemeClr>
+          </a:lnRef>
+          <a:fillRef idx="1">
+            <a:schemeClr val="accent1"/>
+          </a:fillRef>
+          <a:effectRef idx="0">
+            <a:schemeClr val="accent1"/>
+          </a:effectRef>
+          <a:fontRef idx="minor">
+            <a:schemeClr val="lt1"/>
+          </a:fontRef>
+        </p:style>
+        <p:txBody>
+          <a:bodyPr rtlCol="0" anchor="ctr"/>
+          <a:lstStyle/>
+          <a:p>
+            <a:pPr algn="ctr"/>
+            <a:r>
+              <a:rPr lang="en-US" b="1" dirty="0"/>
+              <a:t>Run for Controller</a:t>
+            </a:r>
+          </a:p>
+        </p:txBody>
+      </p:sp>
+      <p:sp>
+        <p:nvSpPr>
+          <p:cNvPr id="3" name="TextBox 2">
+            <a:extLst>
+              <a:ext uri="{FF2B5EF4-FFF2-40B4-BE49-F238E27FC236}">
+                <a16:creationId xmlns:a16="http://schemas.microsoft.com/office/drawing/2014/main" id="{C0F3C985-B06D-7686-816B-EAE399F76427}"/>
+              </a:ext>
+            </a:extLst>
+          </p:cNvPr>
+          <p:cNvSpPr txBox="1"/>
+          <p:nvPr/>
+        </p:nvSpPr>
+        <p:spPr>
+          <a:xfrm>
+            <a:off x="93306" y="951722"/>
+            <a:ext cx="3620278" cy="923330"/>
+          </a:xfrm>
+          <a:prstGeom prst="rect">
+            <a:avLst/>
+          </a:prstGeom>
+          <a:noFill/>
+        </p:spPr>
+        <p:txBody>
+          <a:bodyPr wrap="square" rtlCol="0">
+            <a:spAutoFit/>
+          </a:bodyPr>
+          <a:lstStyle/>
+          <a:p>
+            <a:r>
+              <a:rPr lang="en-US" dirty="0">
+                <a:hlinkClick r:id="rId2"/>
+              </a:rPr>
+              <a:t>https://MyServer/MyApp/MyCtrl</a:t>
+            </a:r>
+            <a:endParaRPr lang="en-US" dirty="0"/>
+          </a:p>
+          <a:p>
+            <a:r>
+              <a:rPr lang="en-US" dirty="0"/>
+              <a:t>HTTP Request Type i.e. Get / Post /Put / Delete</a:t>
+            </a:r>
+          </a:p>
+        </p:txBody>
+      </p:sp>
+      <p:sp>
+        <p:nvSpPr>
+          <p:cNvPr id="4" name="Rectangle 3">
+            <a:extLst>
+              <a:ext uri="{FF2B5EF4-FFF2-40B4-BE49-F238E27FC236}">
+                <a16:creationId xmlns:a16="http://schemas.microsoft.com/office/drawing/2014/main" id="{0BC686EA-9FC7-D766-81DD-79C65E1B0968}"/>
+              </a:ext>
+            </a:extLst>
+          </p:cNvPr>
+          <p:cNvSpPr/>
+          <p:nvPr/>
+        </p:nvSpPr>
+        <p:spPr>
+          <a:xfrm>
+            <a:off x="93306" y="1950098"/>
+            <a:ext cx="3107094" cy="727788"/>
+          </a:xfrm>
+          <a:prstGeom prst="rect">
+            <a:avLst/>
+          </a:prstGeom>
+        </p:spPr>
+        <p:style>
+          <a:lnRef idx="2">
+            <a:schemeClr val="accent1">
+              <a:shade val="15000"/>
+            </a:schemeClr>
+          </a:lnRef>
+          <a:fillRef idx="1">
+            <a:schemeClr val="accent1"/>
+          </a:fillRef>
+          <a:effectRef idx="0">
+            <a:schemeClr val="accent1"/>
+          </a:effectRef>
+          <a:fontRef idx="minor">
+            <a:schemeClr val="lt1"/>
+          </a:fontRef>
+        </p:style>
+        <p:txBody>
+          <a:bodyPr rtlCol="0" anchor="ctr"/>
+          <a:lstStyle/>
+          <a:p>
+            <a:pPr algn="ctr"/>
+            <a:r>
+              <a:rPr lang="en-US" sz="1600" b="1" dirty="0"/>
+              <a:t>Locate the Controller and If exist Load it in ControllerContext</a:t>
+            </a:r>
+          </a:p>
+        </p:txBody>
+      </p:sp>
+      <p:sp>
+        <p:nvSpPr>
+          <p:cNvPr id="5" name="Rectangle 4">
+            <a:extLst>
+              <a:ext uri="{FF2B5EF4-FFF2-40B4-BE49-F238E27FC236}">
+                <a16:creationId xmlns:a16="http://schemas.microsoft.com/office/drawing/2014/main" id="{17D14D3A-3236-409C-2AA3-09081493858A}"/>
+              </a:ext>
+            </a:extLst>
+          </p:cNvPr>
+          <p:cNvSpPr/>
+          <p:nvPr/>
+        </p:nvSpPr>
+        <p:spPr>
+          <a:xfrm>
+            <a:off x="93306" y="2982686"/>
+            <a:ext cx="3107094" cy="727788"/>
+          </a:xfrm>
+          <a:prstGeom prst="rect">
+            <a:avLst/>
+          </a:prstGeom>
+          <a:solidFill>
+            <a:srgbClr val="FF0000"/>
+          </a:solidFill>
+        </p:spPr>
+        <p:style>
+          <a:lnRef idx="2">
+            <a:schemeClr val="accent1">
+              <a:shade val="15000"/>
+            </a:schemeClr>
+          </a:lnRef>
+          <a:fillRef idx="1">
+            <a:schemeClr val="accent1"/>
+          </a:fillRef>
+          <a:effectRef idx="0">
+            <a:schemeClr val="accent1"/>
+          </a:effectRef>
+          <a:fontRef idx="minor">
+            <a:schemeClr val="lt1"/>
+          </a:fontRef>
+        </p:style>
+        <p:txBody>
+          <a:bodyPr rtlCol="0" anchor="ctr"/>
+          <a:lstStyle/>
+          <a:p>
+            <a:pPr algn="ctr"/>
+            <a:r>
+              <a:rPr lang="en-US" sz="1600" b="1" dirty="0"/>
+              <a:t>Check for Authentication and Authorization</a:t>
+            </a:r>
+          </a:p>
+        </p:txBody>
+      </p:sp>
+      <p:sp>
+        <p:nvSpPr>
+          <p:cNvPr id="6" name="Arrow: Right 5">
+            <a:extLst>
+              <a:ext uri="{FF2B5EF4-FFF2-40B4-BE49-F238E27FC236}">
+                <a16:creationId xmlns:a16="http://schemas.microsoft.com/office/drawing/2014/main" id="{9AEE278B-A2E5-3458-B46F-453D1FCFA234}"/>
+              </a:ext>
+            </a:extLst>
+          </p:cNvPr>
+          <p:cNvSpPr/>
+          <p:nvPr/>
+        </p:nvSpPr>
+        <p:spPr>
+          <a:xfrm>
+            <a:off x="3200400" y="3172408"/>
+            <a:ext cx="914400" cy="326572"/>
+          </a:xfrm>
+          <a:prstGeom prst="rightArrow">
+            <a:avLst/>
+          </a:prstGeom>
+        </p:spPr>
+        <p:style>
+          <a:lnRef idx="2">
+            <a:schemeClr val="accent1">
+              <a:shade val="15000"/>
+            </a:schemeClr>
+          </a:lnRef>
+          <a:fillRef idx="1">
+            <a:schemeClr val="accent1"/>
+          </a:fillRef>
+          <a:effectRef idx="0">
+            <a:schemeClr val="accent1"/>
+          </a:effectRef>
+          <a:fontRef idx="minor">
+            <a:schemeClr val="lt1"/>
+          </a:fontRef>
+        </p:style>
+        <p:txBody>
+          <a:bodyPr rtlCol="0" anchor="ctr"/>
+          <a:lstStyle/>
+          <a:p>
+            <a:pPr algn="ctr"/>
+            <a:endParaRPr lang="en-US"/>
+          </a:p>
+        </p:txBody>
+      </p:sp>
+      <p:sp>
+        <p:nvSpPr>
+          <p:cNvPr id="7" name="Rectangle 6">
+            <a:extLst>
+              <a:ext uri="{FF2B5EF4-FFF2-40B4-BE49-F238E27FC236}">
+                <a16:creationId xmlns:a16="http://schemas.microsoft.com/office/drawing/2014/main" id="{44C97AB8-EF56-3B81-C7DE-9927BD2376B8}"/>
+              </a:ext>
+            </a:extLst>
+          </p:cNvPr>
+          <p:cNvSpPr/>
+          <p:nvPr/>
+        </p:nvSpPr>
+        <p:spPr>
+          <a:xfrm>
+            <a:off x="3489649" y="2575650"/>
+            <a:ext cx="1530220" cy="503452"/>
+          </a:xfrm>
+          <a:prstGeom prst="rect">
+            <a:avLst/>
+          </a:prstGeom>
+        </p:spPr>
+        <p:style>
+          <a:lnRef idx="2">
+            <a:schemeClr val="accent6"/>
+          </a:lnRef>
+          <a:fillRef idx="1">
+            <a:schemeClr val="lt1"/>
+          </a:fillRef>
+          <a:effectRef idx="0">
+            <a:schemeClr val="accent6"/>
+          </a:effectRef>
+          <a:fontRef idx="minor">
+            <a:schemeClr val="dk1"/>
+          </a:fontRef>
+        </p:style>
+        <p:txBody>
+          <a:bodyPr rtlCol="0" anchor="ctr"/>
+          <a:lstStyle/>
+          <a:p>
+            <a:pPr algn="ctr"/>
+            <a:r>
+              <a:rPr lang="en-US" dirty="0"/>
+              <a:t>No Auth then 404</a:t>
+            </a:r>
+          </a:p>
+        </p:txBody>
+      </p:sp>
+      <p:cxnSp>
+        <p:nvCxnSpPr>
+          <p:cNvPr id="9" name="Connector: Elbow 8">
+            <a:extLst>
+              <a:ext uri="{FF2B5EF4-FFF2-40B4-BE49-F238E27FC236}">
+                <a16:creationId xmlns:a16="http://schemas.microsoft.com/office/drawing/2014/main" id="{3C9164FA-8A8B-EF10-AE50-F1340D7E7AC5}"/>
+              </a:ext>
+            </a:extLst>
+          </p:cNvPr>
+          <p:cNvCxnSpPr>
+            <a:stCxn id="4" idx="2"/>
+            <a:endCxn id="5" idx="0"/>
+          </p:cNvCxnSpPr>
+          <p:nvPr/>
+        </p:nvCxnSpPr>
+        <p:spPr>
+          <a:xfrm rot="5400000">
+            <a:off x="1494453" y="2830286"/>
+            <a:ext cx="304800" cy="12700"/>
+          </a:xfrm>
+          <a:prstGeom prst="bentConnector3">
+            <a:avLst/>
+          </a:prstGeom>
+          <a:ln>
+            <a:tailEnd type="triangle"/>
+          </a:ln>
+        </p:spPr>
+        <p:style>
+          <a:lnRef idx="1">
+            <a:schemeClr val="accent1"/>
+          </a:lnRef>
+          <a:fillRef idx="0">
+            <a:schemeClr val="accent1"/>
+          </a:fillRef>
+          <a:effectRef idx="0">
+            <a:schemeClr val="accent1"/>
+          </a:effectRef>
+          <a:fontRef idx="minor">
+            <a:schemeClr val="tx1"/>
+          </a:fontRef>
+        </p:style>
+      </p:cxnSp>
+      <p:sp>
+        <p:nvSpPr>
+          <p:cNvPr id="10" name="Rectangle 9">
+            <a:extLst>
+              <a:ext uri="{FF2B5EF4-FFF2-40B4-BE49-F238E27FC236}">
+                <a16:creationId xmlns:a16="http://schemas.microsoft.com/office/drawing/2014/main" id="{F9AC42DE-CD73-2B31-4CD3-2CB20F117321}"/>
+              </a:ext>
+            </a:extLst>
+          </p:cNvPr>
+          <p:cNvSpPr/>
+          <p:nvPr/>
+        </p:nvSpPr>
+        <p:spPr>
+          <a:xfrm>
+            <a:off x="99656" y="4018384"/>
+            <a:ext cx="3107094" cy="727788"/>
+          </a:xfrm>
+          <a:prstGeom prst="rect">
+            <a:avLst/>
+          </a:prstGeom>
+          <a:solidFill>
+            <a:schemeClr val="accent6">
+              <a:lumMod val="50000"/>
+            </a:schemeClr>
+          </a:solidFill>
+        </p:spPr>
+        <p:style>
+          <a:lnRef idx="2">
+            <a:schemeClr val="accent1">
+              <a:shade val="15000"/>
+            </a:schemeClr>
+          </a:lnRef>
+          <a:fillRef idx="1">
+            <a:schemeClr val="accent1"/>
+          </a:fillRef>
+          <a:effectRef idx="0">
+            <a:schemeClr val="accent1"/>
+          </a:effectRef>
+          <a:fontRef idx="minor">
+            <a:schemeClr val="lt1"/>
+          </a:fontRef>
+        </p:style>
+        <p:txBody>
+          <a:bodyPr rtlCol="0" anchor="ctr"/>
+          <a:lstStyle/>
+          <a:p>
+            <a:pPr algn="ctr"/>
+            <a:r>
+              <a:rPr lang="en-US" sz="1600" b="1" dirty="0"/>
+              <a:t>Injecting the Dependencies in Controller and also Initialize Filters (If filters are applied) </a:t>
+            </a:r>
+          </a:p>
+        </p:txBody>
+      </p:sp>
+      <p:cxnSp>
+        <p:nvCxnSpPr>
+          <p:cNvPr id="12" name="Connector: Elbow 11">
+            <a:extLst>
+              <a:ext uri="{FF2B5EF4-FFF2-40B4-BE49-F238E27FC236}">
+                <a16:creationId xmlns:a16="http://schemas.microsoft.com/office/drawing/2014/main" id="{DD3D7B04-3EA4-787F-4CD0-0966D89EE5B9}"/>
+              </a:ext>
+            </a:extLst>
+          </p:cNvPr>
+          <p:cNvCxnSpPr>
+            <a:stCxn id="5" idx="2"/>
+            <a:endCxn id="10" idx="0"/>
+          </p:cNvCxnSpPr>
+          <p:nvPr/>
+        </p:nvCxnSpPr>
+        <p:spPr>
+          <a:xfrm rot="16200000" flipH="1">
+            <a:off x="1496073" y="3861254"/>
+            <a:ext cx="307910" cy="6350"/>
+          </a:xfrm>
+          <a:prstGeom prst="bentConnector3">
+            <a:avLst/>
+          </a:prstGeom>
+          <a:ln>
+            <a:tailEnd type="triangle"/>
+          </a:ln>
+        </p:spPr>
+        <p:style>
+          <a:lnRef idx="1">
+            <a:schemeClr val="accent1"/>
+          </a:lnRef>
+          <a:fillRef idx="0">
+            <a:schemeClr val="accent1"/>
+          </a:fillRef>
+          <a:effectRef idx="0">
+            <a:schemeClr val="accent1"/>
+          </a:effectRef>
+          <a:fontRef idx="minor">
+            <a:schemeClr val="tx1"/>
+          </a:fontRef>
+        </p:style>
+      </p:cxnSp>
+      <p:sp>
+        <p:nvSpPr>
+          <p:cNvPr id="13" name="Rectangle 12">
+            <a:extLst>
+              <a:ext uri="{FF2B5EF4-FFF2-40B4-BE49-F238E27FC236}">
+                <a16:creationId xmlns:a16="http://schemas.microsoft.com/office/drawing/2014/main" id="{B8EB617F-2C56-0171-2364-E1C0A9130CCA}"/>
+              </a:ext>
+            </a:extLst>
+          </p:cNvPr>
+          <p:cNvSpPr/>
+          <p:nvPr/>
+        </p:nvSpPr>
+        <p:spPr>
+          <a:xfrm>
+            <a:off x="86956" y="5178490"/>
+            <a:ext cx="3107094" cy="727788"/>
+          </a:xfrm>
+          <a:prstGeom prst="rect">
+            <a:avLst/>
+          </a:prstGeom>
+          <a:solidFill>
+            <a:schemeClr val="tx1">
+              <a:lumMod val="85000"/>
+              <a:lumOff val="15000"/>
+            </a:schemeClr>
+          </a:solidFill>
+        </p:spPr>
+        <p:style>
+          <a:lnRef idx="2">
+            <a:schemeClr val="accent1">
+              <a:shade val="15000"/>
+            </a:schemeClr>
+          </a:lnRef>
+          <a:fillRef idx="1">
+            <a:schemeClr val="accent1"/>
+          </a:fillRef>
+          <a:effectRef idx="0">
+            <a:schemeClr val="accent1"/>
+          </a:effectRef>
+          <a:fontRef idx="minor">
+            <a:schemeClr val="lt1"/>
+          </a:fontRef>
+        </p:style>
+        <p:txBody>
+          <a:bodyPr rtlCol="0" anchor="ctr"/>
+          <a:lstStyle/>
+          <a:p>
+            <a:pPr algn="ctr"/>
+            <a:r>
+              <a:rPr lang="en-US" sz="1600" b="1" dirty="0"/>
+              <a:t>Detect the HTTP request Type</a:t>
+            </a:r>
+          </a:p>
+          <a:p>
+            <a:pPr algn="ctr"/>
+            <a:r>
+              <a:rPr lang="en-US" sz="1600" b="1" dirty="0"/>
+              <a:t>Get /  Post / Put / Delete and Map the Action Method</a:t>
+            </a:r>
+          </a:p>
+        </p:txBody>
+      </p:sp>
+      <p:sp>
+        <p:nvSpPr>
+          <p:cNvPr id="14" name="Rectangle 13">
+            <a:extLst>
+              <a:ext uri="{FF2B5EF4-FFF2-40B4-BE49-F238E27FC236}">
+                <a16:creationId xmlns:a16="http://schemas.microsoft.com/office/drawing/2014/main" id="{F47303AA-CBCC-27BA-2B42-78C69CA0ABB1}"/>
+              </a:ext>
+            </a:extLst>
+          </p:cNvPr>
+          <p:cNvSpPr/>
+          <p:nvPr/>
+        </p:nvSpPr>
+        <p:spPr>
+          <a:xfrm>
+            <a:off x="5772409" y="130629"/>
+            <a:ext cx="3107094" cy="727788"/>
+          </a:xfrm>
+          <a:prstGeom prst="rect">
+            <a:avLst/>
+          </a:prstGeom>
+          <a:solidFill>
+            <a:srgbClr val="C00000"/>
+          </a:solidFill>
+        </p:spPr>
+        <p:style>
+          <a:lnRef idx="2">
+            <a:schemeClr val="accent1">
+              <a:shade val="15000"/>
+            </a:schemeClr>
+          </a:lnRef>
+          <a:fillRef idx="1">
+            <a:schemeClr val="accent1"/>
+          </a:fillRef>
+          <a:effectRef idx="0">
+            <a:schemeClr val="accent1"/>
+          </a:effectRef>
+          <a:fontRef idx="minor">
+            <a:schemeClr val="lt1"/>
+          </a:fontRef>
+        </p:style>
+        <p:txBody>
+          <a:bodyPr rtlCol="0" anchor="ctr"/>
+          <a:lstStyle/>
+          <a:p>
+            <a:pPr algn="ctr"/>
+            <a:r>
+              <a:rPr lang="en-US" sz="1600" b="1" dirty="0"/>
+              <a:t>ActionContext</a:t>
+            </a:r>
+          </a:p>
+          <a:p>
+            <a:pPr algn="ctr"/>
+            <a:r>
+              <a:rPr lang="en-US" sz="1600" b="1" dirty="0"/>
+              <a:t>Check for Authentication and Authorization</a:t>
+            </a:r>
+          </a:p>
+        </p:txBody>
+      </p:sp>
+      <p:cxnSp>
+        <p:nvCxnSpPr>
+          <p:cNvPr id="16" name="Connector: Elbow 15">
+            <a:extLst>
+              <a:ext uri="{FF2B5EF4-FFF2-40B4-BE49-F238E27FC236}">
+                <a16:creationId xmlns:a16="http://schemas.microsoft.com/office/drawing/2014/main" id="{64B7C293-E691-243E-F35B-A47E9EB561FD}"/>
+              </a:ext>
+            </a:extLst>
+          </p:cNvPr>
+          <p:cNvCxnSpPr>
+            <a:stCxn id="13" idx="2"/>
+            <a:endCxn id="14" idx="1"/>
+          </p:cNvCxnSpPr>
+          <p:nvPr/>
+        </p:nvCxnSpPr>
+        <p:spPr>
+          <a:xfrm rot="5400000" flipH="1" flipV="1">
+            <a:off x="1000578" y="1134448"/>
+            <a:ext cx="5411755" cy="4131906"/>
+          </a:xfrm>
+          <a:prstGeom prst="bentConnector4">
+            <a:avLst>
+              <a:gd name="adj1" fmla="val -4224"/>
+              <a:gd name="adj2" fmla="val 68799"/>
+            </a:avLst>
+          </a:prstGeom>
+          <a:ln>
+            <a:tailEnd type="triangle"/>
+          </a:ln>
+        </p:spPr>
+        <p:style>
+          <a:lnRef idx="1">
+            <a:schemeClr val="accent1"/>
+          </a:lnRef>
+          <a:fillRef idx="0">
+            <a:schemeClr val="accent1"/>
+          </a:fillRef>
+          <a:effectRef idx="0">
+            <a:schemeClr val="accent1"/>
+          </a:effectRef>
+          <a:fontRef idx="minor">
+            <a:schemeClr val="tx1"/>
+          </a:fontRef>
+        </p:style>
+      </p:cxnSp>
+      <p:cxnSp>
+        <p:nvCxnSpPr>
+          <p:cNvPr id="18" name="Connector: Elbow 17">
+            <a:extLst>
+              <a:ext uri="{FF2B5EF4-FFF2-40B4-BE49-F238E27FC236}">
+                <a16:creationId xmlns:a16="http://schemas.microsoft.com/office/drawing/2014/main" id="{BAEAA7CC-2855-A66C-722C-62BA5B62E09D}"/>
+              </a:ext>
+            </a:extLst>
+          </p:cNvPr>
+          <p:cNvCxnSpPr>
+            <a:cxnSpLocks/>
+            <a:stCxn id="14" idx="1"/>
+            <a:endCxn id="7" idx="3"/>
+          </p:cNvCxnSpPr>
+          <p:nvPr/>
+        </p:nvCxnSpPr>
+        <p:spPr>
+          <a:xfrm rot="10800000" flipV="1">
+            <a:off x="5019869" y="494522"/>
+            <a:ext cx="752540" cy="2332853"/>
+          </a:xfrm>
+          <a:prstGeom prst="bentConnector3">
+            <a:avLst>
+              <a:gd name="adj1" fmla="val 50000"/>
+            </a:avLst>
+          </a:prstGeom>
+          <a:ln>
+            <a:tailEnd type="triangle"/>
+          </a:ln>
+        </p:spPr>
+        <p:style>
+          <a:lnRef idx="1">
+            <a:schemeClr val="accent1"/>
+          </a:lnRef>
+          <a:fillRef idx="0">
+            <a:schemeClr val="accent1"/>
+          </a:fillRef>
+          <a:effectRef idx="0">
+            <a:schemeClr val="accent1"/>
+          </a:effectRef>
+          <a:fontRef idx="minor">
+            <a:schemeClr val="tx1"/>
+          </a:fontRef>
+        </p:style>
+      </p:cxnSp>
+      <p:sp>
+        <p:nvSpPr>
+          <p:cNvPr id="20" name="Rectangle 19">
+            <a:extLst>
+              <a:ext uri="{FF2B5EF4-FFF2-40B4-BE49-F238E27FC236}">
+                <a16:creationId xmlns:a16="http://schemas.microsoft.com/office/drawing/2014/main" id="{9BBAFDE1-1E7C-3310-115B-85A7C6DEA5AF}"/>
+              </a:ext>
+            </a:extLst>
+          </p:cNvPr>
+          <p:cNvSpPr/>
+          <p:nvPr/>
+        </p:nvSpPr>
+        <p:spPr>
+          <a:xfrm>
+            <a:off x="5772409" y="1115108"/>
+            <a:ext cx="3107094" cy="727788"/>
+          </a:xfrm>
+          <a:prstGeom prst="rect">
+            <a:avLst/>
+          </a:prstGeom>
+          <a:solidFill>
+            <a:schemeClr val="accent6">
+              <a:lumMod val="50000"/>
+            </a:schemeClr>
+          </a:solidFill>
+        </p:spPr>
+        <p:style>
+          <a:lnRef idx="2">
+            <a:schemeClr val="accent1">
+              <a:shade val="15000"/>
+            </a:schemeClr>
+          </a:lnRef>
+          <a:fillRef idx="1">
+            <a:schemeClr val="accent1"/>
+          </a:fillRef>
+          <a:effectRef idx="0">
+            <a:schemeClr val="accent1"/>
+          </a:effectRef>
+          <a:fontRef idx="minor">
+            <a:schemeClr val="lt1"/>
+          </a:fontRef>
+        </p:style>
+        <p:txBody>
+          <a:bodyPr rtlCol="0" anchor="ctr"/>
+          <a:lstStyle/>
+          <a:p>
+            <a:pPr algn="ctr"/>
+            <a:r>
+              <a:rPr lang="en-US" sz="1600" b="1" dirty="0"/>
+              <a:t>Initialize Filters (If filters are applied) </a:t>
+            </a:r>
+          </a:p>
+        </p:txBody>
+      </p:sp>
+      <p:cxnSp>
+        <p:nvCxnSpPr>
+          <p:cNvPr id="22" name="Connector: Elbow 21">
+            <a:extLst>
+              <a:ext uri="{FF2B5EF4-FFF2-40B4-BE49-F238E27FC236}">
+                <a16:creationId xmlns:a16="http://schemas.microsoft.com/office/drawing/2014/main" id="{7568072F-98F4-C36E-4974-B6902E1ACC97}"/>
+              </a:ext>
+            </a:extLst>
+          </p:cNvPr>
+          <p:cNvCxnSpPr>
+            <a:stCxn id="14" idx="2"/>
+            <a:endCxn id="20" idx="0"/>
+          </p:cNvCxnSpPr>
+          <p:nvPr/>
+        </p:nvCxnSpPr>
+        <p:spPr>
+          <a:xfrm rot="5400000">
+            <a:off x="7197611" y="986762"/>
+            <a:ext cx="256691" cy="12700"/>
+          </a:xfrm>
+          <a:prstGeom prst="bentConnector3">
+            <a:avLst/>
+          </a:prstGeom>
+          <a:ln>
+            <a:tailEnd type="triangle"/>
+          </a:ln>
+        </p:spPr>
+        <p:style>
+          <a:lnRef idx="1">
+            <a:schemeClr val="accent1"/>
+          </a:lnRef>
+          <a:fillRef idx="0">
+            <a:schemeClr val="accent1"/>
+          </a:fillRef>
+          <a:effectRef idx="0">
+            <a:schemeClr val="accent1"/>
+          </a:effectRef>
+          <a:fontRef idx="minor">
+            <a:schemeClr val="tx1"/>
+          </a:fontRef>
+        </p:style>
+      </p:cxnSp>
+      <p:sp>
+        <p:nvSpPr>
+          <p:cNvPr id="23" name="Rectangle 22">
+            <a:extLst>
+              <a:ext uri="{FF2B5EF4-FFF2-40B4-BE49-F238E27FC236}">
+                <a16:creationId xmlns:a16="http://schemas.microsoft.com/office/drawing/2014/main" id="{156A8062-E9E8-D751-3D74-668A5CC4BD6F}"/>
+              </a:ext>
+            </a:extLst>
+          </p:cNvPr>
+          <p:cNvSpPr/>
+          <p:nvPr/>
+        </p:nvSpPr>
+        <p:spPr>
+          <a:xfrm>
+            <a:off x="5850293" y="2563339"/>
+            <a:ext cx="3107094" cy="1271048"/>
+          </a:xfrm>
+          <a:prstGeom prst="rect">
+            <a:avLst/>
+          </a:prstGeom>
+        </p:spPr>
+        <p:style>
+          <a:lnRef idx="2">
+            <a:schemeClr val="accent1">
+              <a:shade val="15000"/>
+            </a:schemeClr>
+          </a:lnRef>
+          <a:fillRef idx="1">
+            <a:schemeClr val="accent1"/>
+          </a:fillRef>
+          <a:effectRef idx="0">
+            <a:schemeClr val="accent1"/>
+          </a:effectRef>
+          <a:fontRef idx="minor">
+            <a:schemeClr val="lt1"/>
+          </a:fontRef>
+        </p:style>
+        <p:txBody>
+          <a:bodyPr rtlCol="0" anchor="ctr"/>
+          <a:lstStyle/>
+          <a:p>
+            <a:pPr algn="ctr"/>
+            <a:r>
+              <a:rPr lang="en-US" sz="1600" b="1" dirty="0"/>
+              <a:t>Execute Action Method</a:t>
+            </a:r>
+          </a:p>
+          <a:p>
+            <a:pPr algn="ctr"/>
+            <a:r>
+              <a:rPr lang="en-US" sz="1600" b="1" dirty="0"/>
+              <a:t>Validation Check for Parameters in Case of POST and PUT Request. Also, Handle Exceptions if any  </a:t>
+            </a:r>
+          </a:p>
+        </p:txBody>
+      </p:sp>
+      <p:sp>
+        <p:nvSpPr>
+          <p:cNvPr id="25" name="TextBox 24">
+            <a:extLst>
+              <a:ext uri="{FF2B5EF4-FFF2-40B4-BE49-F238E27FC236}">
+                <a16:creationId xmlns:a16="http://schemas.microsoft.com/office/drawing/2014/main" id="{F28592B7-131D-903F-1448-3EA7447285F4}"/>
+              </a:ext>
+            </a:extLst>
+          </p:cNvPr>
+          <p:cNvSpPr txBox="1"/>
+          <p:nvPr/>
+        </p:nvSpPr>
+        <p:spPr>
+          <a:xfrm>
+            <a:off x="5674698" y="2093238"/>
+            <a:ext cx="3357335" cy="369332"/>
+          </a:xfrm>
+          <a:prstGeom prst="rect">
+            <a:avLst/>
+          </a:prstGeom>
+          <a:noFill/>
+        </p:spPr>
+        <p:txBody>
+          <a:bodyPr wrap="square" rtlCol="0">
+            <a:spAutoFit/>
+          </a:bodyPr>
+          <a:lstStyle/>
+          <a:p>
+            <a:pPr algn="ctr"/>
+            <a:r>
+              <a:rPr lang="en-US" b="1" dirty="0"/>
+              <a:t>ActionExecutingContext</a:t>
+            </a:r>
+          </a:p>
+        </p:txBody>
+      </p:sp>
+      <p:sp>
+        <p:nvSpPr>
+          <p:cNvPr id="26" name="TextBox 25">
+            <a:extLst>
+              <a:ext uri="{FF2B5EF4-FFF2-40B4-BE49-F238E27FC236}">
+                <a16:creationId xmlns:a16="http://schemas.microsoft.com/office/drawing/2014/main" id="{350EE783-3EB3-74E6-A434-8C9DA3FEA2F5}"/>
+              </a:ext>
+            </a:extLst>
+          </p:cNvPr>
+          <p:cNvSpPr txBox="1"/>
+          <p:nvPr/>
+        </p:nvSpPr>
+        <p:spPr>
+          <a:xfrm>
+            <a:off x="5634587" y="3876619"/>
+            <a:ext cx="3357335" cy="369332"/>
+          </a:xfrm>
+          <a:prstGeom prst="rect">
+            <a:avLst/>
+          </a:prstGeom>
+          <a:noFill/>
+        </p:spPr>
+        <p:txBody>
+          <a:bodyPr wrap="square" rtlCol="0">
+            <a:spAutoFit/>
+          </a:bodyPr>
+          <a:lstStyle/>
+          <a:p>
+            <a:pPr algn="ctr"/>
+            <a:r>
+              <a:rPr lang="en-US" b="1" dirty="0"/>
+              <a:t>ActionExecutedContext</a:t>
+            </a:r>
+          </a:p>
+        </p:txBody>
+      </p:sp>
+      <p:sp>
+        <p:nvSpPr>
+          <p:cNvPr id="27" name="Arrow: Right 26">
+            <a:extLst>
+              <a:ext uri="{FF2B5EF4-FFF2-40B4-BE49-F238E27FC236}">
+                <a16:creationId xmlns:a16="http://schemas.microsoft.com/office/drawing/2014/main" id="{AC0A208B-F1F4-5223-1B49-58780EF8741F}"/>
+              </a:ext>
+            </a:extLst>
+          </p:cNvPr>
+          <p:cNvSpPr/>
+          <p:nvPr/>
+        </p:nvSpPr>
+        <p:spPr>
+          <a:xfrm>
+            <a:off x="8957387" y="2989036"/>
+            <a:ext cx="1418254" cy="439964"/>
+          </a:xfrm>
+          <a:prstGeom prst="rightArrow">
+            <a:avLst/>
+          </a:prstGeom>
+        </p:spPr>
+        <p:style>
+          <a:lnRef idx="2">
+            <a:schemeClr val="accent1">
+              <a:shade val="15000"/>
+            </a:schemeClr>
+          </a:lnRef>
+          <a:fillRef idx="1">
+            <a:schemeClr val="accent1"/>
+          </a:fillRef>
+          <a:effectRef idx="0">
+            <a:schemeClr val="accent1"/>
+          </a:effectRef>
+          <a:fontRef idx="minor">
+            <a:schemeClr val="lt1"/>
+          </a:fontRef>
+        </p:style>
+        <p:txBody>
+          <a:bodyPr rtlCol="0" anchor="ctr"/>
+          <a:lstStyle/>
+          <a:p>
+            <a:pPr algn="ctr"/>
+            <a:endParaRPr lang="en-US"/>
+          </a:p>
+        </p:txBody>
+      </p:sp>
+      <p:sp>
+        <p:nvSpPr>
+          <p:cNvPr id="28" name="Rectangle 27">
+            <a:extLst>
+              <a:ext uri="{FF2B5EF4-FFF2-40B4-BE49-F238E27FC236}">
+                <a16:creationId xmlns:a16="http://schemas.microsoft.com/office/drawing/2014/main" id="{1117D28E-BD6F-3B87-8287-2D5E02C10171}"/>
+              </a:ext>
+            </a:extLst>
+          </p:cNvPr>
+          <p:cNvSpPr/>
+          <p:nvPr/>
+        </p:nvSpPr>
+        <p:spPr>
+          <a:xfrm>
+            <a:off x="9371174" y="2157952"/>
+            <a:ext cx="2655985" cy="824734"/>
+          </a:xfrm>
+          <a:prstGeom prst="rect">
+            <a:avLst/>
+          </a:prstGeom>
+        </p:spPr>
+        <p:style>
+          <a:lnRef idx="2">
+            <a:schemeClr val="accent6"/>
+          </a:lnRef>
+          <a:fillRef idx="1">
+            <a:schemeClr val="lt1"/>
+          </a:fillRef>
+          <a:effectRef idx="0">
+            <a:schemeClr val="accent6"/>
+          </a:effectRef>
+          <a:fontRef idx="minor">
+            <a:schemeClr val="dk1"/>
+          </a:fontRef>
+        </p:style>
+        <p:txBody>
+          <a:bodyPr rtlCol="0" anchor="ctr"/>
+          <a:lstStyle/>
+          <a:p>
+            <a:pPr algn="ctr"/>
+            <a:r>
+              <a:rPr lang="en-US" sz="1400" b="1" dirty="0"/>
+              <a:t>If Exception then Error Response using Either Exception Filter or Exception Middleware</a:t>
+            </a:r>
+          </a:p>
+        </p:txBody>
+      </p:sp>
+      <p:cxnSp>
+        <p:nvCxnSpPr>
+          <p:cNvPr id="30" name="Connector: Elbow 29">
+            <a:extLst>
+              <a:ext uri="{FF2B5EF4-FFF2-40B4-BE49-F238E27FC236}">
+                <a16:creationId xmlns:a16="http://schemas.microsoft.com/office/drawing/2014/main" id="{26441C7C-AA88-135D-8719-EA265879A4E4}"/>
+              </a:ext>
+            </a:extLst>
+          </p:cNvPr>
+          <p:cNvCxnSpPr>
+            <a:stCxn id="2" idx="3"/>
+            <a:endCxn id="4" idx="0"/>
+          </p:cNvCxnSpPr>
+          <p:nvPr/>
+        </p:nvCxnSpPr>
+        <p:spPr>
+          <a:xfrm flipH="1">
+            <a:off x="1646853" y="433874"/>
+            <a:ext cx="723123" cy="1516224"/>
+          </a:xfrm>
+          <a:prstGeom prst="bentConnector4">
+            <a:avLst>
+              <a:gd name="adj1" fmla="val -180000"/>
+              <a:gd name="adj2" fmla="val 76000"/>
+            </a:avLst>
+          </a:prstGeom>
+          <a:ln>
+            <a:tailEnd type="triangle"/>
+          </a:ln>
+        </p:spPr>
+        <p:style>
+          <a:lnRef idx="1">
+            <a:schemeClr val="accent1"/>
+          </a:lnRef>
+          <a:fillRef idx="0">
+            <a:schemeClr val="accent1"/>
+          </a:fillRef>
+          <a:effectRef idx="0">
+            <a:schemeClr val="accent1"/>
+          </a:effectRef>
+          <a:fontRef idx="minor">
+            <a:schemeClr val="tx1"/>
+          </a:fontRef>
+        </p:style>
+      </p:cxnSp>
+      <p:sp>
+        <p:nvSpPr>
+          <p:cNvPr id="33" name="Arrow: Down 32">
+            <a:extLst>
+              <a:ext uri="{FF2B5EF4-FFF2-40B4-BE49-F238E27FC236}">
+                <a16:creationId xmlns:a16="http://schemas.microsoft.com/office/drawing/2014/main" id="{A0957B94-DAD4-4DF3-4665-15B8BAD299A8}"/>
+              </a:ext>
+            </a:extLst>
+          </p:cNvPr>
+          <p:cNvSpPr/>
+          <p:nvPr/>
+        </p:nvSpPr>
+        <p:spPr>
+          <a:xfrm>
+            <a:off x="7067939" y="4426092"/>
+            <a:ext cx="765110" cy="584447"/>
+          </a:xfrm>
+          <a:prstGeom prst="downArrow">
+            <a:avLst/>
+          </a:prstGeom>
+        </p:spPr>
+        <p:style>
+          <a:lnRef idx="2">
+            <a:schemeClr val="accent1">
+              <a:shade val="15000"/>
+            </a:schemeClr>
+          </a:lnRef>
+          <a:fillRef idx="1">
+            <a:schemeClr val="accent1"/>
+          </a:fillRef>
+          <a:effectRef idx="0">
+            <a:schemeClr val="accent1"/>
+          </a:effectRef>
+          <a:fontRef idx="minor">
+            <a:schemeClr val="lt1"/>
+          </a:fontRef>
+        </p:style>
+        <p:txBody>
+          <a:bodyPr rtlCol="0" anchor="ctr"/>
+          <a:lstStyle/>
+          <a:p>
+            <a:pPr algn="ctr"/>
+            <a:endParaRPr lang="en-US"/>
+          </a:p>
+        </p:txBody>
+      </p:sp>
+      <p:sp>
+        <p:nvSpPr>
+          <p:cNvPr id="34" name="Rectangle 33">
+            <a:extLst>
+              <a:ext uri="{FF2B5EF4-FFF2-40B4-BE49-F238E27FC236}">
+                <a16:creationId xmlns:a16="http://schemas.microsoft.com/office/drawing/2014/main" id="{2394F38C-32DA-D462-6D67-E49FAC00F9AA}"/>
+              </a:ext>
+            </a:extLst>
+          </p:cNvPr>
+          <p:cNvSpPr/>
+          <p:nvPr/>
+        </p:nvSpPr>
+        <p:spPr>
+          <a:xfrm>
+            <a:off x="5186201" y="5010539"/>
+            <a:ext cx="4528586" cy="1183405"/>
+          </a:xfrm>
+          <a:prstGeom prst="rect">
+            <a:avLst/>
+          </a:prstGeom>
+          <a:solidFill>
+            <a:srgbClr val="002060"/>
+          </a:solidFill>
+        </p:spPr>
+        <p:style>
+          <a:lnRef idx="1">
+            <a:schemeClr val="accent2"/>
+          </a:lnRef>
+          <a:fillRef idx="2">
+            <a:schemeClr val="accent2"/>
+          </a:fillRef>
+          <a:effectRef idx="1">
+            <a:schemeClr val="accent2"/>
+          </a:effectRef>
+          <a:fontRef idx="minor">
+            <a:schemeClr val="dk1"/>
+          </a:fontRef>
+        </p:style>
+        <p:txBody>
+          <a:bodyPr rtlCol="0" anchor="ctr"/>
+          <a:lstStyle/>
+          <a:p>
+            <a:pPr algn="ctr"/>
+            <a:r>
+              <a:rPr lang="en-US" b="1" dirty="0">
+                <a:solidFill>
+                  <a:srgbClr val="FFFF00"/>
+                </a:solidFill>
+              </a:rPr>
+              <a:t>Response with JSON Data /  Other Formatter /  File Download</a:t>
+            </a:r>
+          </a:p>
+        </p:txBody>
+      </p:sp>
+      <p:sp>
+        <p:nvSpPr>
+          <p:cNvPr id="35" name="Arrow: Right 34">
+            <a:extLst>
+              <a:ext uri="{FF2B5EF4-FFF2-40B4-BE49-F238E27FC236}">
+                <a16:creationId xmlns:a16="http://schemas.microsoft.com/office/drawing/2014/main" id="{872826B7-0B18-7D32-7C0B-1ADCA72C7FC1}"/>
+              </a:ext>
+            </a:extLst>
+          </p:cNvPr>
+          <p:cNvSpPr/>
+          <p:nvPr/>
+        </p:nvSpPr>
+        <p:spPr>
+          <a:xfrm>
+            <a:off x="9714787" y="5350906"/>
+            <a:ext cx="1202029" cy="522515"/>
+          </a:xfrm>
+          <a:prstGeom prst="rightArrow">
+            <a:avLst/>
+          </a:prstGeom>
+        </p:spPr>
+        <p:style>
+          <a:lnRef idx="2">
+            <a:schemeClr val="accent1">
+              <a:shade val="15000"/>
+            </a:schemeClr>
+          </a:lnRef>
+          <a:fillRef idx="1">
+            <a:schemeClr val="accent1"/>
+          </a:fillRef>
+          <a:effectRef idx="0">
+            <a:schemeClr val="accent1"/>
+          </a:effectRef>
+          <a:fontRef idx="minor">
+            <a:schemeClr val="lt1"/>
+          </a:fontRef>
+        </p:style>
+        <p:txBody>
+          <a:bodyPr rtlCol="0" anchor="ctr"/>
+          <a:lstStyle/>
+          <a:p>
+            <a:pPr algn="ctr"/>
+            <a:endParaRPr lang="en-US"/>
+          </a:p>
+        </p:txBody>
+      </p:sp>
+      <p:sp>
+        <p:nvSpPr>
+          <p:cNvPr id="36" name="TextBox 35">
+            <a:extLst>
+              <a:ext uri="{FF2B5EF4-FFF2-40B4-BE49-F238E27FC236}">
+                <a16:creationId xmlns:a16="http://schemas.microsoft.com/office/drawing/2014/main" id="{61791703-2112-A244-53E1-FEFAFEDFE25F}"/>
+              </a:ext>
+            </a:extLst>
+          </p:cNvPr>
+          <p:cNvSpPr txBox="1"/>
+          <p:nvPr/>
+        </p:nvSpPr>
+        <p:spPr>
+          <a:xfrm>
+            <a:off x="9946433" y="4637314"/>
+            <a:ext cx="1940767" cy="830997"/>
+          </a:xfrm>
+          <a:prstGeom prst="rect">
+            <a:avLst/>
+          </a:prstGeom>
+          <a:noFill/>
+        </p:spPr>
+        <p:txBody>
+          <a:bodyPr wrap="square" rtlCol="0">
+            <a:spAutoFit/>
+          </a:bodyPr>
+          <a:lstStyle/>
+          <a:p>
+            <a:pPr algn="ctr"/>
+            <a:r>
+              <a:rPr lang="en-US" sz="1600" b="1" dirty="0"/>
+              <a:t>Go Back to Middleware Pipeline to Deliver Response</a:t>
+            </a:r>
+          </a:p>
+        </p:txBody>
+      </p:sp>
+      <p:sp>
+        <p:nvSpPr>
+          <p:cNvPr id="37" name="TextBox 36">
+            <a:extLst>
+              <a:ext uri="{FF2B5EF4-FFF2-40B4-BE49-F238E27FC236}">
+                <a16:creationId xmlns:a16="http://schemas.microsoft.com/office/drawing/2014/main" id="{367D7046-A292-D21A-A620-1A7ECBCF8895}"/>
+              </a:ext>
+            </a:extLst>
+          </p:cNvPr>
+          <p:cNvSpPr txBox="1"/>
+          <p:nvPr/>
+        </p:nvSpPr>
+        <p:spPr>
+          <a:xfrm>
+            <a:off x="7903028" y="4496649"/>
+            <a:ext cx="1763486" cy="523220"/>
+          </a:xfrm>
+          <a:prstGeom prst="rect">
+            <a:avLst/>
+          </a:prstGeom>
+          <a:noFill/>
+        </p:spPr>
+        <p:txBody>
+          <a:bodyPr wrap="square" rtlCol="0">
+            <a:spAutoFit/>
+          </a:bodyPr>
+          <a:lstStyle/>
+          <a:p>
+            <a:r>
+              <a:rPr lang="en-US" sz="1400" b="1" dirty="0"/>
+              <a:t>ControllerContext is Over</a:t>
+            </a:r>
+          </a:p>
+        </p:txBody>
+      </p:sp>
+    </p:spTree>
+    <p:extLst>
+      <p:ext uri="{BB962C8B-B14F-4D97-AF65-F5344CB8AC3E}">
+        <p14:creationId xmlns:p14="http://schemas.microsoft.com/office/powerpoint/2010/main" val="2708683693"/>
+      </p:ext>
+    </p:extLst>
+  </p:cSld>
+  <p:clrMapOvr>
+    <a:masterClrMapping/>
+  </p:clrMapOvr>
+</p:sld>
+</file>
+
+<file path=ppt/slides/slide22.xml><?xml version="1.0" encoding="utf-8"?>
+<p:sld xmlns:a="http://schemas.openxmlformats.org/drawingml/2006/main" xmlns:r="http://schemas.openxmlformats.org/officeDocument/2006/relationships" xmlns:p="http://schemas.openxmlformats.org/presentationml/2006/main">
+  <p:cSld>
+    <p:spTree>
+      <p:nvGrpSpPr>
+        <p:cNvPr id="1" name=""/>
+        <p:cNvGrpSpPr/>
+        <p:nvPr/>
+      </p:nvGrpSpPr>
+      <p:grpSpPr>
+        <a:xfrm>
+          <a:off x="0" y="0"/>
+          <a:ext cx="0" cy="0"/>
+          <a:chOff x="0" y="0"/>
+          <a:chExt cx="0" cy="0"/>
+        </a:xfrm>
+      </p:grpSpPr>
+      <p:sp>
+        <p:nvSpPr>
+          <p:cNvPr id="2" name="Rectangle: Rounded Corners 1">
+            <a:extLst>
+              <a:ext uri="{FF2B5EF4-FFF2-40B4-BE49-F238E27FC236}">
+                <a16:creationId xmlns:a16="http://schemas.microsoft.com/office/drawing/2014/main" id="{9209E31F-64CC-203B-7FFF-919CDB1FE1B7}"/>
+              </a:ext>
+            </a:extLst>
+          </p:cNvPr>
+          <p:cNvSpPr/>
+          <p:nvPr/>
+        </p:nvSpPr>
+        <p:spPr>
+          <a:xfrm>
+            <a:off x="7753739" y="1679510"/>
+            <a:ext cx="2509934" cy="1492898"/>
+          </a:xfrm>
+          <a:prstGeom prst="roundRect">
+            <a:avLst/>
+          </a:prstGeom>
+        </p:spPr>
+        <p:style>
+          <a:lnRef idx="2">
+            <a:schemeClr val="accent1">
+              <a:shade val="15000"/>
+            </a:schemeClr>
+          </a:lnRef>
+          <a:fillRef idx="1">
+            <a:schemeClr val="accent1"/>
+          </a:fillRef>
+          <a:effectRef idx="0">
+            <a:schemeClr val="accent1"/>
+          </a:effectRef>
+          <a:fontRef idx="minor">
+            <a:schemeClr val="lt1"/>
+          </a:fontRef>
+        </p:style>
+        <p:txBody>
+          <a:bodyPr rtlCol="0" anchor="ctr"/>
+          <a:lstStyle/>
+          <a:p>
+            <a:pPr algn="ctr"/>
+            <a:r>
+              <a:rPr lang="en-US" dirty="0"/>
+              <a:t>REST App</a:t>
+            </a:r>
+          </a:p>
+          <a:p>
+            <a:pPr algn="ctr"/>
+            <a:r>
+              <a:rPr lang="en-US" dirty="0"/>
+              <a:t>https:/localhost:7298</a:t>
+            </a:r>
+          </a:p>
+        </p:txBody>
+      </p:sp>
+      <p:sp>
+        <p:nvSpPr>
+          <p:cNvPr id="3" name="Rectangle: Rounded Corners 2">
+            <a:extLst>
+              <a:ext uri="{FF2B5EF4-FFF2-40B4-BE49-F238E27FC236}">
+                <a16:creationId xmlns:a16="http://schemas.microsoft.com/office/drawing/2014/main" id="{45C7D5C6-0718-FDA4-87E2-626CEC05F988}"/>
+              </a:ext>
+            </a:extLst>
+          </p:cNvPr>
+          <p:cNvSpPr/>
+          <p:nvPr/>
+        </p:nvSpPr>
+        <p:spPr>
+          <a:xfrm>
+            <a:off x="1318727" y="1679510"/>
+            <a:ext cx="2509934" cy="1492898"/>
+          </a:xfrm>
+          <a:prstGeom prst="roundRect">
+            <a:avLst/>
+          </a:prstGeom>
+        </p:spPr>
+        <p:style>
+          <a:lnRef idx="2">
+            <a:schemeClr val="accent1">
+              <a:shade val="15000"/>
+            </a:schemeClr>
+          </a:lnRef>
+          <a:fillRef idx="1">
+            <a:schemeClr val="accent1"/>
+          </a:fillRef>
+          <a:effectRef idx="0">
+            <a:schemeClr val="accent1"/>
+          </a:effectRef>
+          <a:fontRef idx="minor">
+            <a:schemeClr val="lt1"/>
+          </a:fontRef>
+        </p:style>
+        <p:txBody>
+          <a:bodyPr rtlCol="0" anchor="ctr"/>
+          <a:lstStyle/>
+          <a:p>
+            <a:pPr algn="ctr"/>
+            <a:r>
+              <a:rPr lang="en-US" dirty="0"/>
+              <a:t>Client App</a:t>
+            </a:r>
+          </a:p>
+          <a:p>
+            <a:pPr algn="ctr"/>
+            <a:r>
+              <a:rPr lang="en-US" dirty="0"/>
+              <a:t>https:/localhost:44322</a:t>
+            </a:r>
+          </a:p>
+        </p:txBody>
+      </p:sp>
+      <p:sp>
+        <p:nvSpPr>
+          <p:cNvPr id="4" name="TextBox 3">
+            <a:extLst>
+              <a:ext uri="{FF2B5EF4-FFF2-40B4-BE49-F238E27FC236}">
+                <a16:creationId xmlns:a16="http://schemas.microsoft.com/office/drawing/2014/main" id="{2746C56A-4C61-2D27-1858-DAD4038752D2}"/>
+              </a:ext>
+            </a:extLst>
+          </p:cNvPr>
+          <p:cNvSpPr txBox="1"/>
+          <p:nvPr/>
+        </p:nvSpPr>
+        <p:spPr>
+          <a:xfrm>
+            <a:off x="3554963" y="354563"/>
+            <a:ext cx="4320074" cy="369332"/>
+          </a:xfrm>
+          <a:prstGeom prst="rect">
+            <a:avLst/>
+          </a:prstGeom>
+          <a:noFill/>
+        </p:spPr>
+        <p:txBody>
+          <a:bodyPr wrap="square" rtlCol="0">
+            <a:spAutoFit/>
+          </a:bodyPr>
+          <a:lstStyle/>
+          <a:p>
+            <a:pPr algn="ctr"/>
+            <a:r>
+              <a:rPr lang="en-US" b="1" dirty="0"/>
+              <a:t>Cross-Domain Calls</a:t>
+            </a:r>
+          </a:p>
+        </p:txBody>
+      </p:sp>
+      <p:cxnSp>
+        <p:nvCxnSpPr>
+          <p:cNvPr id="6" name="Connector: Elbow 5">
+            <a:extLst>
+              <a:ext uri="{FF2B5EF4-FFF2-40B4-BE49-F238E27FC236}">
+                <a16:creationId xmlns:a16="http://schemas.microsoft.com/office/drawing/2014/main" id="{DA488DCA-3B72-C4D1-A1DD-8815E1F85657}"/>
+              </a:ext>
+            </a:extLst>
+          </p:cNvPr>
+          <p:cNvCxnSpPr>
+            <a:stCxn id="3" idx="0"/>
+            <a:endCxn id="2" idx="0"/>
+          </p:cNvCxnSpPr>
+          <p:nvPr/>
+        </p:nvCxnSpPr>
+        <p:spPr>
+          <a:xfrm rot="5400000" flipH="1" flipV="1">
+            <a:off x="5791200" y="-1537996"/>
+            <a:ext cx="12700" cy="6435012"/>
+          </a:xfrm>
+          <a:prstGeom prst="bentConnector3">
+            <a:avLst>
+              <a:gd name="adj1" fmla="val 1800000"/>
+            </a:avLst>
+          </a:prstGeom>
+          <a:ln>
+            <a:tailEnd type="triangle"/>
+          </a:ln>
+        </p:spPr>
+        <p:style>
+          <a:lnRef idx="1">
+            <a:schemeClr val="accent1"/>
+          </a:lnRef>
+          <a:fillRef idx="0">
+            <a:schemeClr val="accent1"/>
+          </a:fillRef>
+          <a:effectRef idx="0">
+            <a:schemeClr val="accent1"/>
+          </a:effectRef>
+          <a:fontRef idx="minor">
+            <a:schemeClr val="tx1"/>
+          </a:fontRef>
+        </p:style>
+      </p:cxnSp>
+      <p:cxnSp>
+        <p:nvCxnSpPr>
+          <p:cNvPr id="8" name="Connector: Elbow 7">
+            <a:extLst>
+              <a:ext uri="{FF2B5EF4-FFF2-40B4-BE49-F238E27FC236}">
+                <a16:creationId xmlns:a16="http://schemas.microsoft.com/office/drawing/2014/main" id="{73C8F589-A125-62FB-1877-A8F1297D59AF}"/>
+              </a:ext>
+            </a:extLst>
+          </p:cNvPr>
+          <p:cNvCxnSpPr>
+            <a:stCxn id="2" idx="2"/>
+            <a:endCxn id="3" idx="2"/>
+          </p:cNvCxnSpPr>
+          <p:nvPr/>
+        </p:nvCxnSpPr>
+        <p:spPr>
+          <a:xfrm rot="5400000">
+            <a:off x="5791200" y="-45098"/>
+            <a:ext cx="12700" cy="6435012"/>
+          </a:xfrm>
+          <a:prstGeom prst="bentConnector3">
+            <a:avLst>
+              <a:gd name="adj1" fmla="val 1800000"/>
+            </a:avLst>
+          </a:prstGeom>
+          <a:ln>
+            <a:tailEnd type="triangle"/>
+          </a:ln>
+        </p:spPr>
+        <p:style>
+          <a:lnRef idx="1">
+            <a:schemeClr val="accent1"/>
+          </a:lnRef>
+          <a:fillRef idx="0">
+            <a:schemeClr val="accent1"/>
+          </a:fillRef>
+          <a:effectRef idx="0">
+            <a:schemeClr val="accent1"/>
+          </a:effectRef>
+          <a:fontRef idx="minor">
+            <a:schemeClr val="tx1"/>
+          </a:fontRef>
+        </p:style>
+      </p:cxnSp>
+      <p:sp>
+        <p:nvSpPr>
+          <p:cNvPr id="9" name="Flowchart: Summing Junction 8">
+            <a:extLst>
+              <a:ext uri="{FF2B5EF4-FFF2-40B4-BE49-F238E27FC236}">
+                <a16:creationId xmlns:a16="http://schemas.microsoft.com/office/drawing/2014/main" id="{B7040D64-02B6-63D0-D6E5-DB3C0C0CCE5E}"/>
+              </a:ext>
+            </a:extLst>
+          </p:cNvPr>
+          <p:cNvSpPr/>
+          <p:nvPr/>
+        </p:nvSpPr>
+        <p:spPr>
+          <a:xfrm>
+            <a:off x="4609322" y="1212980"/>
+            <a:ext cx="2509934" cy="2466263"/>
+          </a:xfrm>
+          <a:prstGeom prst="flowChartSummingJunction">
+            <a:avLst/>
+          </a:prstGeom>
+          <a:solidFill>
+            <a:srgbClr val="FF0000"/>
+          </a:solidFill>
+        </p:spPr>
+        <p:style>
+          <a:lnRef idx="2">
+            <a:schemeClr val="accent1">
+              <a:shade val="15000"/>
+            </a:schemeClr>
+          </a:lnRef>
+          <a:fillRef idx="1">
+            <a:schemeClr val="accent1"/>
+          </a:fillRef>
+          <a:effectRef idx="0">
+            <a:schemeClr val="accent1"/>
+          </a:effectRef>
+          <a:fontRef idx="minor">
+            <a:schemeClr val="lt1"/>
+          </a:fontRef>
+        </p:style>
+        <p:txBody>
+          <a:bodyPr rtlCol="0" anchor="ctr"/>
+          <a:lstStyle/>
+          <a:p>
+            <a:pPr algn="ctr"/>
+            <a:endParaRPr lang="en-US"/>
+          </a:p>
+        </p:txBody>
+      </p:sp>
+      <p:sp>
+        <p:nvSpPr>
+          <p:cNvPr id="10" name="TextBox 9">
+            <a:extLst>
+              <a:ext uri="{FF2B5EF4-FFF2-40B4-BE49-F238E27FC236}">
+                <a16:creationId xmlns:a16="http://schemas.microsoft.com/office/drawing/2014/main" id="{3DD57E29-2128-2722-13D1-CA8D46F59F1F}"/>
+              </a:ext>
+            </a:extLst>
+          </p:cNvPr>
+          <p:cNvSpPr txBox="1"/>
+          <p:nvPr/>
+        </p:nvSpPr>
+        <p:spPr>
+          <a:xfrm>
+            <a:off x="4609322" y="4655976"/>
+            <a:ext cx="4338735" cy="1200329"/>
+          </a:xfrm>
+          <a:prstGeom prst="rect">
+            <a:avLst/>
+          </a:prstGeom>
+          <a:noFill/>
+        </p:spPr>
+        <p:txBody>
+          <a:bodyPr wrap="square" rtlCol="0">
+            <a:spAutoFit/>
+          </a:bodyPr>
+          <a:lstStyle/>
+          <a:p>
+            <a:r>
+              <a:rPr lang="en-US" dirty="0"/>
+              <a:t>SET Access Policies to Access REST APIs from JavaScript based Browser Clients Client Apps. This is not required for Managed Clients or </a:t>
+            </a:r>
+            <a:r>
+              <a:rPr lang="en-US"/>
+              <a:t>Desktop Clients </a:t>
+            </a:r>
+            <a:endParaRPr lang="en-US" dirty="0"/>
+          </a:p>
+        </p:txBody>
+      </p:sp>
+    </p:spTree>
+    <p:extLst>
+      <p:ext uri="{BB962C8B-B14F-4D97-AF65-F5344CB8AC3E}">
+        <p14:creationId xmlns:p14="http://schemas.microsoft.com/office/powerpoint/2010/main" val="1155322061"/>
       </p:ext>
     </p:extLst>
   </p:cSld>
@@ -16723,7 +21370,7 @@
         </p:nvSpPr>
         <p:spPr>
           <a:xfrm>
-            <a:off x="2932142" y="3270981"/>
+            <a:off x="3082213" y="3272483"/>
             <a:ext cx="958725" cy="1200329"/>
           </a:xfrm>
           <a:prstGeom prst="rect">

--- a/TrgImages.pptx
+++ b/TrgImages.pptx
@@ -25,8 +25,13 @@
     <p:sldId id="273" r:id="rId19"/>
     <p:sldId id="274" r:id="rId20"/>
     <p:sldId id="275" r:id="rId21"/>
-    <p:sldId id="276" r:id="rId22"/>
-    <p:sldId id="277" r:id="rId23"/>
+    <p:sldId id="278" r:id="rId22"/>
+    <p:sldId id="276" r:id="rId23"/>
+    <p:sldId id="277" r:id="rId24"/>
+    <p:sldId id="280" r:id="rId25"/>
+    <p:sldId id="281" r:id="rId26"/>
+    <p:sldId id="279" r:id="rId27"/>
+    <p:sldId id="282" r:id="rId28"/>
   </p:sldIdLst>
   <p:sldSz cx="12192000" cy="6858000"/>
   <p:notesSz cx="6858000" cy="9144000"/>
@@ -280,7 +285,7 @@
           <a:p>
             <a:fld id="{5E0DC84C-F051-4A33-86E9-8969F11E21B3}" type="datetimeFigureOut">
               <a:rPr lang="en-US" smtClean="0"/>
-              <a:t>12/12/2023</a:t>
+              <a:t>12/13/2023</a:t>
             </a:fld>
             <a:endParaRPr lang="en-US"/>
           </a:p>
@@ -478,7 +483,7 @@
           <a:p>
             <a:fld id="{5E0DC84C-F051-4A33-86E9-8969F11E21B3}" type="datetimeFigureOut">
               <a:rPr lang="en-US" smtClean="0"/>
-              <a:t>12/12/2023</a:t>
+              <a:t>12/13/2023</a:t>
             </a:fld>
             <a:endParaRPr lang="en-US"/>
           </a:p>
@@ -686,7 +691,7 @@
           <a:p>
             <a:fld id="{5E0DC84C-F051-4A33-86E9-8969F11E21B3}" type="datetimeFigureOut">
               <a:rPr lang="en-US" smtClean="0"/>
-              <a:t>12/12/2023</a:t>
+              <a:t>12/13/2023</a:t>
             </a:fld>
             <a:endParaRPr lang="en-US"/>
           </a:p>
@@ -884,7 +889,7 @@
           <a:p>
             <a:fld id="{5E0DC84C-F051-4A33-86E9-8969F11E21B3}" type="datetimeFigureOut">
               <a:rPr lang="en-US" smtClean="0"/>
-              <a:t>12/12/2023</a:t>
+              <a:t>12/13/2023</a:t>
             </a:fld>
             <a:endParaRPr lang="en-US"/>
           </a:p>
@@ -1159,7 +1164,7 @@
           <a:p>
             <a:fld id="{5E0DC84C-F051-4A33-86E9-8969F11E21B3}" type="datetimeFigureOut">
               <a:rPr lang="en-US" smtClean="0"/>
-              <a:t>12/12/2023</a:t>
+              <a:t>12/13/2023</a:t>
             </a:fld>
             <a:endParaRPr lang="en-US"/>
           </a:p>
@@ -1424,7 +1429,7 @@
           <a:p>
             <a:fld id="{5E0DC84C-F051-4A33-86E9-8969F11E21B3}" type="datetimeFigureOut">
               <a:rPr lang="en-US" smtClean="0"/>
-              <a:t>12/12/2023</a:t>
+              <a:t>12/13/2023</a:t>
             </a:fld>
             <a:endParaRPr lang="en-US"/>
           </a:p>
@@ -1836,7 +1841,7 @@
           <a:p>
             <a:fld id="{5E0DC84C-F051-4A33-86E9-8969F11E21B3}" type="datetimeFigureOut">
               <a:rPr lang="en-US" smtClean="0"/>
-              <a:t>12/12/2023</a:t>
+              <a:t>12/13/2023</a:t>
             </a:fld>
             <a:endParaRPr lang="en-US"/>
           </a:p>
@@ -1977,7 +1982,7 @@
           <a:p>
             <a:fld id="{5E0DC84C-F051-4A33-86E9-8969F11E21B3}" type="datetimeFigureOut">
               <a:rPr lang="en-US" smtClean="0"/>
-              <a:t>12/12/2023</a:t>
+              <a:t>12/13/2023</a:t>
             </a:fld>
             <a:endParaRPr lang="en-US"/>
           </a:p>
@@ -2090,7 +2095,7 @@
           <a:p>
             <a:fld id="{5E0DC84C-F051-4A33-86E9-8969F11E21B3}" type="datetimeFigureOut">
               <a:rPr lang="en-US" smtClean="0"/>
-              <a:t>12/12/2023</a:t>
+              <a:t>12/13/2023</a:t>
             </a:fld>
             <a:endParaRPr lang="en-US"/>
           </a:p>
@@ -2401,7 +2406,7 @@
           <a:p>
             <a:fld id="{5E0DC84C-F051-4A33-86E9-8969F11E21B3}" type="datetimeFigureOut">
               <a:rPr lang="en-US" smtClean="0"/>
-              <a:t>12/12/2023</a:t>
+              <a:t>12/13/2023</a:t>
             </a:fld>
             <a:endParaRPr lang="en-US"/>
           </a:p>
@@ -2689,7 +2694,7 @@
           <a:p>
             <a:fld id="{5E0DC84C-F051-4A33-86E9-8969F11E21B3}" type="datetimeFigureOut">
               <a:rPr lang="en-US" smtClean="0"/>
-              <a:t>12/12/2023</a:t>
+              <a:t>12/13/2023</a:t>
             </a:fld>
             <a:endParaRPr lang="en-US"/>
           </a:p>
@@ -2930,7 +2935,7 @@
           <a:p>
             <a:fld id="{5E0DC84C-F051-4A33-86E9-8969F11E21B3}" type="datetimeFigureOut">
               <a:rPr lang="en-US" smtClean="0"/>
-              <a:t>12/12/2023</a:t>
+              <a:t>12/13/2023</a:t>
             </a:fld>
             <a:endParaRPr lang="en-US"/>
           </a:p>
@@ -15345,10 +15350,10 @@
       </p:grpSpPr>
       <p:sp>
         <p:nvSpPr>
-          <p:cNvPr id="24" name="Rectangle 23">
-            <a:extLst>
-              <a:ext uri="{FF2B5EF4-FFF2-40B4-BE49-F238E27FC236}">
-                <a16:creationId xmlns:a16="http://schemas.microsoft.com/office/drawing/2014/main" id="{703813E0-6DEF-16A6-E48B-9C73B69CF4D5}"/>
+          <p:cNvPr id="2" name="Rectangle 1">
+            <a:extLst>
+              <a:ext uri="{FF2B5EF4-FFF2-40B4-BE49-F238E27FC236}">
+                <a16:creationId xmlns:a16="http://schemas.microsoft.com/office/drawing/2014/main" id="{B17C53EC-6A99-0F62-1260-E8D70266F8F5}"/>
               </a:ext>
             </a:extLst>
           </p:cNvPr>
@@ -15357,52 +15362,8 @@
         </p:nvSpPr>
         <p:spPr>
           <a:xfrm>
-            <a:off x="5514392" y="2093238"/>
-            <a:ext cx="3778898" cy="2332854"/>
-          </a:xfrm>
-          <a:prstGeom prst="rect">
-            <a:avLst/>
-          </a:prstGeom>
-        </p:spPr>
-        <p:style>
-          <a:lnRef idx="1">
-            <a:schemeClr val="accent2"/>
-          </a:lnRef>
-          <a:fillRef idx="2">
-            <a:schemeClr val="accent2"/>
-          </a:fillRef>
-          <a:effectRef idx="1">
-            <a:schemeClr val="accent2"/>
-          </a:effectRef>
-          <a:fontRef idx="minor">
-            <a:schemeClr val="dk1"/>
-          </a:fontRef>
-        </p:style>
-        <p:txBody>
-          <a:bodyPr rtlCol="0" anchor="ctr"/>
-          <a:lstStyle/>
-          <a:p>
-            <a:pPr algn="ctr"/>
-            <a:endParaRPr lang="en-US"/>
-          </a:p>
-        </p:txBody>
-      </p:sp>
-      <p:sp>
-        <p:nvSpPr>
-          <p:cNvPr id="2" name="Rectangle 1">
-            <a:extLst>
-              <a:ext uri="{FF2B5EF4-FFF2-40B4-BE49-F238E27FC236}">
-                <a16:creationId xmlns:a16="http://schemas.microsoft.com/office/drawing/2014/main" id="{322446D1-C813-B98F-2128-BBF271A2044C}"/>
-              </a:ext>
-            </a:extLst>
-          </p:cNvPr>
-          <p:cNvSpPr/>
-          <p:nvPr/>
-        </p:nvSpPr>
-        <p:spPr>
-          <a:xfrm>
-            <a:off x="195943" y="130629"/>
-            <a:ext cx="2174033" cy="606489"/>
+            <a:off x="2976465" y="494522"/>
+            <a:ext cx="5393094" cy="1026368"/>
           </a:xfrm>
           <a:prstGeom prst="rect">
             <a:avLst/>
@@ -15431,61 +15392,25 @@
             <a:pPr algn="ctr"/>
             <a:r>
               <a:rPr lang="en-US" b="1" dirty="0"/>
-              <a:t>Run for Controller</a:t>
-            </a:r>
-          </a:p>
-        </p:txBody>
-      </p:sp>
-      <p:sp>
-        <p:nvSpPr>
-          <p:cNvPr id="3" name="TextBox 2">
-            <a:extLst>
-              <a:ext uri="{FF2B5EF4-FFF2-40B4-BE49-F238E27FC236}">
-                <a16:creationId xmlns:a16="http://schemas.microsoft.com/office/drawing/2014/main" id="{C0F3C985-B06D-7686-816B-EAE399F76427}"/>
-              </a:ext>
-            </a:extLst>
-          </p:cNvPr>
-          <p:cNvSpPr txBox="1"/>
-          <p:nvPr/>
-        </p:nvSpPr>
-        <p:spPr>
-          <a:xfrm>
-            <a:off x="93306" y="951722"/>
-            <a:ext cx="3620278" cy="923330"/>
-          </a:xfrm>
-          <a:prstGeom prst="rect">
-            <a:avLst/>
-          </a:prstGeom>
-          <a:noFill/>
-        </p:spPr>
-        <p:txBody>
-          <a:bodyPr wrap="square" rtlCol="0">
-            <a:spAutoFit/>
-          </a:bodyPr>
-          <a:lstStyle/>
-          <a:p>
-            <a:r>
-              <a:rPr lang="en-US" dirty="0">
-                <a:hlinkClick r:id="rId2"/>
-              </a:rPr>
-              <a:t>https://MyServer/MyApp/MyCtrl</a:t>
-            </a:r>
-            <a:endParaRPr lang="en-US" dirty="0"/>
-          </a:p>
-          <a:p>
-            <a:r>
-              <a:rPr lang="en-US" dirty="0"/>
-              <a:t>HTTP Request Type i.e. Get / Post /Put / Delete</a:t>
-            </a:r>
-          </a:p>
-        </p:txBody>
-      </p:sp>
-      <p:sp>
-        <p:nvSpPr>
-          <p:cNvPr id="4" name="Rectangle 3">
-            <a:extLst>
-              <a:ext uri="{FF2B5EF4-FFF2-40B4-BE49-F238E27FC236}">
-                <a16:creationId xmlns:a16="http://schemas.microsoft.com/office/drawing/2014/main" id="{0BC686EA-9FC7-D766-81DD-79C65E1B0968}"/>
+              <a:t>ASP.NET Core App Runtime</a:t>
+            </a:r>
+          </a:p>
+          <a:p>
+            <a:pPr algn="ctr"/>
+            <a:r>
+              <a:rPr lang="en-US" b="1" dirty="0" err="1"/>
+              <a:t>Microsoft.AspNetCore.App</a:t>
+            </a:r>
+            <a:endParaRPr lang="en-US" b="1" dirty="0"/>
+          </a:p>
+        </p:txBody>
+      </p:sp>
+      <p:sp>
+        <p:nvSpPr>
+          <p:cNvPr id="3" name="Rectangle 2">
+            <a:extLst>
+              <a:ext uri="{FF2B5EF4-FFF2-40B4-BE49-F238E27FC236}">
+                <a16:creationId xmlns:a16="http://schemas.microsoft.com/office/drawing/2014/main" id="{08C9A8B7-2797-9E6E-553E-5A1E5AFA5AD5}"/>
               </a:ext>
             </a:extLst>
           </p:cNvPr>
@@ -15494,8 +15419,8 @@
         </p:nvSpPr>
         <p:spPr>
           <a:xfrm>
-            <a:off x="93306" y="1950098"/>
-            <a:ext cx="3107094" cy="727788"/>
+            <a:off x="432318" y="3156856"/>
+            <a:ext cx="2021633" cy="1026368"/>
           </a:xfrm>
           <a:prstGeom prst="rect">
             <a:avLst/>
@@ -15523,18 +15448,19 @@
           <a:p>
             <a:pPr algn="ctr"/>
             <a:r>
-              <a:rPr lang="en-US" sz="1600" b="1" dirty="0"/>
-              <a:t>Locate the Controller and If exist Load it in ControllerContext</a:t>
-            </a:r>
-          </a:p>
-        </p:txBody>
-      </p:sp>
-      <p:sp>
-        <p:nvSpPr>
-          <p:cNvPr id="5" name="Rectangle 4">
-            <a:extLst>
-              <a:ext uri="{FF2B5EF4-FFF2-40B4-BE49-F238E27FC236}">
-                <a16:creationId xmlns:a16="http://schemas.microsoft.com/office/drawing/2014/main" id="{17D14D3A-3236-409C-2AA3-09081493858A}"/>
+              <a:rPr lang="en-US" b="1" dirty="0" err="1"/>
+              <a:t>RazorView</a:t>
+            </a:r>
+            <a:endParaRPr lang="en-US" b="1" dirty="0"/>
+          </a:p>
+        </p:txBody>
+      </p:sp>
+      <p:sp>
+        <p:nvSpPr>
+          <p:cNvPr id="4" name="Rectangle 3">
+            <a:extLst>
+              <a:ext uri="{FF2B5EF4-FFF2-40B4-BE49-F238E27FC236}">
+                <a16:creationId xmlns:a16="http://schemas.microsoft.com/office/drawing/2014/main" id="{61AE0FEF-3B85-B7D5-064F-8A91BD5A80A9}"/>
               </a:ext>
             </a:extLst>
           </p:cNvPr>
@@ -15543,15 +15469,12 @@
         </p:nvSpPr>
         <p:spPr>
           <a:xfrm>
-            <a:off x="93306" y="2982686"/>
-            <a:ext cx="3107094" cy="727788"/>
+            <a:off x="3072881" y="3156856"/>
+            <a:ext cx="2021633" cy="1026368"/>
           </a:xfrm>
           <a:prstGeom prst="rect">
             <a:avLst/>
           </a:prstGeom>
-          <a:solidFill>
-            <a:srgbClr val="FF0000"/>
-          </a:solidFill>
         </p:spPr>
         <p:style>
           <a:lnRef idx="2">
@@ -15575,18 +15498,18 @@
           <a:p>
             <a:pPr algn="ctr"/>
             <a:r>
-              <a:rPr lang="en-US" sz="1600" b="1" dirty="0"/>
-              <a:t>Check for Authentication and Authorization</a:t>
-            </a:r>
-          </a:p>
-        </p:txBody>
-      </p:sp>
-      <p:sp>
-        <p:nvSpPr>
-          <p:cNvPr id="6" name="Arrow: Right 5">
-            <a:extLst>
-              <a:ext uri="{FF2B5EF4-FFF2-40B4-BE49-F238E27FC236}">
-                <a16:creationId xmlns:a16="http://schemas.microsoft.com/office/drawing/2014/main" id="{9AEE278B-A2E5-3458-B46F-453D1FCFA234}"/>
+              <a:rPr lang="en-US" b="1" dirty="0"/>
+              <a:t>MVC</a:t>
+            </a:r>
+          </a:p>
+        </p:txBody>
+      </p:sp>
+      <p:sp>
+        <p:nvSpPr>
+          <p:cNvPr id="5" name="Rectangle 4">
+            <a:extLst>
+              <a:ext uri="{FF2B5EF4-FFF2-40B4-BE49-F238E27FC236}">
+                <a16:creationId xmlns:a16="http://schemas.microsoft.com/office/drawing/2014/main" id="{F1984385-CB89-674F-EB80-011DB95C7972}"/>
               </a:ext>
             </a:extLst>
           </p:cNvPr>
@@ -15595,10 +15518,10 @@
         </p:nvSpPr>
         <p:spPr>
           <a:xfrm>
-            <a:off x="3200400" y="3172408"/>
-            <a:ext cx="914400" cy="326572"/>
-          </a:xfrm>
-          <a:prstGeom prst="rightArrow">
+            <a:off x="5970037" y="3156856"/>
+            <a:ext cx="2021633" cy="1026368"/>
+          </a:xfrm>
+          <a:prstGeom prst="rect">
             <a:avLst/>
           </a:prstGeom>
         </p:spPr>
@@ -15623,16 +15546,19 @@
           <a:lstStyle/>
           <a:p>
             <a:pPr algn="ctr"/>
-            <a:endParaRPr lang="en-US"/>
-          </a:p>
-        </p:txBody>
-      </p:sp>
-      <p:sp>
-        <p:nvSpPr>
-          <p:cNvPr id="7" name="Rectangle 6">
-            <a:extLst>
-              <a:ext uri="{FF2B5EF4-FFF2-40B4-BE49-F238E27FC236}">
-                <a16:creationId xmlns:a16="http://schemas.microsoft.com/office/drawing/2014/main" id="{44C97AB8-EF56-3B81-C7DE-9927BD2376B8}"/>
+            <a:r>
+              <a:rPr lang="en-US" b="1" dirty="0"/>
+              <a:t>API</a:t>
+            </a:r>
+          </a:p>
+        </p:txBody>
+      </p:sp>
+      <p:sp>
+        <p:nvSpPr>
+          <p:cNvPr id="6" name="Rectangle 5">
+            <a:extLst>
+              <a:ext uri="{FF2B5EF4-FFF2-40B4-BE49-F238E27FC236}">
+                <a16:creationId xmlns:a16="http://schemas.microsoft.com/office/drawing/2014/main" id="{53A52247-493F-3A65-FFD2-4A331A088B35}"/>
               </a:ext>
             </a:extLst>
           </p:cNvPr>
@@ -15641,106 +15567,12 @@
         </p:nvSpPr>
         <p:spPr>
           <a:xfrm>
-            <a:off x="3489649" y="2575650"/>
-            <a:ext cx="1530220" cy="503452"/>
+            <a:off x="9035144" y="3156856"/>
+            <a:ext cx="2110273" cy="1026368"/>
           </a:xfrm>
           <a:prstGeom prst="rect">
             <a:avLst/>
           </a:prstGeom>
-        </p:spPr>
-        <p:style>
-          <a:lnRef idx="2">
-            <a:schemeClr val="accent6"/>
-          </a:lnRef>
-          <a:fillRef idx="1">
-            <a:schemeClr val="lt1"/>
-          </a:fillRef>
-          <a:effectRef idx="0">
-            <a:schemeClr val="accent6"/>
-          </a:effectRef>
-          <a:fontRef idx="minor">
-            <a:schemeClr val="dk1"/>
-          </a:fontRef>
-        </p:style>
-        <p:txBody>
-          <a:bodyPr rtlCol="0" anchor="ctr"/>
-          <a:lstStyle/>
-          <a:p>
-            <a:pPr algn="ctr"/>
-            <a:r>
-              <a:rPr lang="en-US" dirty="0"/>
-              <a:t>No Auth then 404</a:t>
-            </a:r>
-          </a:p>
-        </p:txBody>
-      </p:sp>
-      <p:cxnSp>
-        <p:nvCxnSpPr>
-          <p:cNvPr id="9" name="Connector: Elbow 8">
-            <a:extLst>
-              <a:ext uri="{FF2B5EF4-FFF2-40B4-BE49-F238E27FC236}">
-                <a16:creationId xmlns:a16="http://schemas.microsoft.com/office/drawing/2014/main" id="{3C9164FA-8A8B-EF10-AE50-F1340D7E7AC5}"/>
-              </a:ext>
-            </a:extLst>
-          </p:cNvPr>
-          <p:cNvCxnSpPr>
-            <a:stCxn id="4" idx="2"/>
-            <a:endCxn id="5" idx="0"/>
-          </p:cNvCxnSpPr>
-          <p:nvPr/>
-        </p:nvCxnSpPr>
-        <p:spPr>
-          <a:xfrm rot="5400000">
-            <a:off x="1494453" y="2830286"/>
-            <a:ext cx="304800" cy="12700"/>
-          </a:xfrm>
-          <a:prstGeom prst="bentConnector3">
-            <a:avLst/>
-          </a:prstGeom>
-          <a:ln>
-            <a:tailEnd type="triangle"/>
-          </a:ln>
-        </p:spPr>
-        <p:style>
-          <a:lnRef idx="1">
-            <a:schemeClr val="accent1"/>
-          </a:lnRef>
-          <a:fillRef idx="0">
-            <a:schemeClr val="accent1"/>
-          </a:fillRef>
-          <a:effectRef idx="0">
-            <a:schemeClr val="accent1"/>
-          </a:effectRef>
-          <a:fontRef idx="minor">
-            <a:schemeClr val="tx1"/>
-          </a:fontRef>
-        </p:style>
-      </p:cxnSp>
-      <p:sp>
-        <p:nvSpPr>
-          <p:cNvPr id="10" name="Rectangle 9">
-            <a:extLst>
-              <a:ext uri="{FF2B5EF4-FFF2-40B4-BE49-F238E27FC236}">
-                <a16:creationId xmlns:a16="http://schemas.microsoft.com/office/drawing/2014/main" id="{F9AC42DE-CD73-2B31-4CD3-2CB20F117321}"/>
-              </a:ext>
-            </a:extLst>
-          </p:cNvPr>
-          <p:cNvSpPr/>
-          <p:nvPr/>
-        </p:nvSpPr>
-        <p:spPr>
-          <a:xfrm>
-            <a:off x="99656" y="4018384"/>
-            <a:ext cx="3107094" cy="727788"/>
-          </a:xfrm>
-          <a:prstGeom prst="rect">
-            <a:avLst/>
-          </a:prstGeom>
-          <a:solidFill>
-            <a:schemeClr val="accent6">
-              <a:lumMod val="50000"/>
-            </a:schemeClr>
-          </a:solidFill>
         </p:spPr>
         <p:style>
           <a:lnRef idx="2">
@@ -15764,33 +15596,40 @@
           <a:p>
             <a:pPr algn="ctr"/>
             <a:r>
-              <a:rPr lang="en-US" sz="1600" b="1" dirty="0"/>
-              <a:t>Injecting the Dependencies in Controller and also Initialize Filters (If filters are applied) </a:t>
+              <a:rPr lang="en-US" b="1" dirty="0"/>
+              <a:t>Blazor</a:t>
+            </a:r>
+          </a:p>
+          <a:p>
+            <a:pPr algn="ctr"/>
+            <a:r>
+              <a:rPr lang="en-US" b="1" dirty="0"/>
+              <a:t>Server-Side</a:t>
             </a:r>
           </a:p>
         </p:txBody>
       </p:sp>
       <p:cxnSp>
         <p:nvCxnSpPr>
-          <p:cNvPr id="12" name="Connector: Elbow 11">
-            <a:extLst>
-              <a:ext uri="{FF2B5EF4-FFF2-40B4-BE49-F238E27FC236}">
-                <a16:creationId xmlns:a16="http://schemas.microsoft.com/office/drawing/2014/main" id="{DD3D7B04-3EA4-787F-4CD0-0966D89EE5B9}"/>
+          <p:cNvPr id="8" name="Connector: Curved 7">
+            <a:extLst>
+              <a:ext uri="{FF2B5EF4-FFF2-40B4-BE49-F238E27FC236}">
+                <a16:creationId xmlns:a16="http://schemas.microsoft.com/office/drawing/2014/main" id="{F6CD3E77-59F4-E928-BA11-FF1A43104C6A}"/>
               </a:ext>
             </a:extLst>
           </p:cNvPr>
           <p:cNvCxnSpPr>
-            <a:stCxn id="5" idx="2"/>
-            <a:endCxn id="10" idx="0"/>
+            <a:stCxn id="2" idx="1"/>
+            <a:endCxn id="3" idx="0"/>
           </p:cNvCxnSpPr>
           <p:nvPr/>
         </p:nvCxnSpPr>
         <p:spPr>
-          <a:xfrm rot="16200000" flipH="1">
-            <a:off x="1496073" y="3861254"/>
-            <a:ext cx="307910" cy="6350"/>
-          </a:xfrm>
-          <a:prstGeom prst="bentConnector3">
+          <a:xfrm rot="10800000" flipV="1">
+            <a:off x="1443135" y="1007706"/>
+            <a:ext cx="1533330" cy="2149150"/>
+          </a:xfrm>
+          <a:prstGeom prst="curvedConnector2">
             <a:avLst/>
           </a:prstGeom>
           <a:ln>
@@ -15812,152 +15651,28 @@
           </a:fontRef>
         </p:style>
       </p:cxnSp>
-      <p:sp>
-        <p:nvSpPr>
-          <p:cNvPr id="13" name="Rectangle 12">
-            <a:extLst>
-              <a:ext uri="{FF2B5EF4-FFF2-40B4-BE49-F238E27FC236}">
-                <a16:creationId xmlns:a16="http://schemas.microsoft.com/office/drawing/2014/main" id="{B8EB617F-2C56-0171-2364-E1C0A9130CCA}"/>
-              </a:ext>
-            </a:extLst>
-          </p:cNvPr>
-          <p:cNvSpPr/>
-          <p:nvPr/>
-        </p:nvSpPr>
-        <p:spPr>
-          <a:xfrm>
-            <a:off x="86956" y="5178490"/>
-            <a:ext cx="3107094" cy="727788"/>
-          </a:xfrm>
-          <a:prstGeom prst="rect">
-            <a:avLst/>
-          </a:prstGeom>
-          <a:solidFill>
-            <a:schemeClr val="tx1">
-              <a:lumMod val="85000"/>
-              <a:lumOff val="15000"/>
-            </a:schemeClr>
-          </a:solidFill>
-        </p:spPr>
-        <p:style>
-          <a:lnRef idx="2">
-            <a:schemeClr val="accent1">
-              <a:shade val="15000"/>
-            </a:schemeClr>
-          </a:lnRef>
-          <a:fillRef idx="1">
-            <a:schemeClr val="accent1"/>
-          </a:fillRef>
-          <a:effectRef idx="0">
-            <a:schemeClr val="accent1"/>
-          </a:effectRef>
-          <a:fontRef idx="minor">
-            <a:schemeClr val="lt1"/>
-          </a:fontRef>
-        </p:style>
-        <p:txBody>
-          <a:bodyPr rtlCol="0" anchor="ctr"/>
-          <a:lstStyle/>
-          <a:p>
-            <a:pPr algn="ctr"/>
-            <a:r>
-              <a:rPr lang="en-US" sz="1600" b="1" dirty="0"/>
-              <a:t>Detect the HTTP request Type</a:t>
-            </a:r>
-          </a:p>
-          <a:p>
-            <a:pPr algn="ctr"/>
-            <a:r>
-              <a:rPr lang="en-US" sz="1600" b="1" dirty="0"/>
-              <a:t>Get /  Post / Put / Delete and Map the Action Method</a:t>
-            </a:r>
-          </a:p>
-        </p:txBody>
-      </p:sp>
-      <p:sp>
-        <p:nvSpPr>
-          <p:cNvPr id="14" name="Rectangle 13">
-            <a:extLst>
-              <a:ext uri="{FF2B5EF4-FFF2-40B4-BE49-F238E27FC236}">
-                <a16:creationId xmlns:a16="http://schemas.microsoft.com/office/drawing/2014/main" id="{F47303AA-CBCC-27BA-2B42-78C69CA0ABB1}"/>
-              </a:ext>
-            </a:extLst>
-          </p:cNvPr>
-          <p:cNvSpPr/>
-          <p:nvPr/>
-        </p:nvSpPr>
-        <p:spPr>
-          <a:xfrm>
-            <a:off x="5772409" y="130629"/>
-            <a:ext cx="3107094" cy="727788"/>
-          </a:xfrm>
-          <a:prstGeom prst="rect">
-            <a:avLst/>
-          </a:prstGeom>
-          <a:solidFill>
-            <a:srgbClr val="C00000"/>
-          </a:solidFill>
-        </p:spPr>
-        <p:style>
-          <a:lnRef idx="2">
-            <a:schemeClr val="accent1">
-              <a:shade val="15000"/>
-            </a:schemeClr>
-          </a:lnRef>
-          <a:fillRef idx="1">
-            <a:schemeClr val="accent1"/>
-          </a:fillRef>
-          <a:effectRef idx="0">
-            <a:schemeClr val="accent1"/>
-          </a:effectRef>
-          <a:fontRef idx="minor">
-            <a:schemeClr val="lt1"/>
-          </a:fontRef>
-        </p:style>
-        <p:txBody>
-          <a:bodyPr rtlCol="0" anchor="ctr"/>
-          <a:lstStyle/>
-          <a:p>
-            <a:pPr algn="ctr"/>
-            <a:r>
-              <a:rPr lang="en-US" sz="1600" b="1" dirty="0"/>
-              <a:t>ActionContext</a:t>
-            </a:r>
-          </a:p>
-          <a:p>
-            <a:pPr algn="ctr"/>
-            <a:r>
-              <a:rPr lang="en-US" sz="1600" b="1" dirty="0"/>
-              <a:t>Check for Authentication and Authorization</a:t>
-            </a:r>
-          </a:p>
-        </p:txBody>
-      </p:sp>
       <p:cxnSp>
         <p:nvCxnSpPr>
-          <p:cNvPr id="16" name="Connector: Elbow 15">
-            <a:extLst>
-              <a:ext uri="{FF2B5EF4-FFF2-40B4-BE49-F238E27FC236}">
-                <a16:creationId xmlns:a16="http://schemas.microsoft.com/office/drawing/2014/main" id="{64B7C293-E691-243E-F35B-A47E9EB561FD}"/>
+          <p:cNvPr id="10" name="Connector: Curved 9">
+            <a:extLst>
+              <a:ext uri="{FF2B5EF4-FFF2-40B4-BE49-F238E27FC236}">
+                <a16:creationId xmlns:a16="http://schemas.microsoft.com/office/drawing/2014/main" id="{E23B9AD3-5C6E-1D1C-0F81-00C574EB8561}"/>
               </a:ext>
             </a:extLst>
           </p:cNvPr>
           <p:cNvCxnSpPr>
-            <a:stCxn id="13" idx="2"/>
-            <a:endCxn id="14" idx="1"/>
+            <a:stCxn id="2" idx="2"/>
+            <a:endCxn id="4" idx="0"/>
           </p:cNvCxnSpPr>
           <p:nvPr/>
         </p:nvCxnSpPr>
         <p:spPr>
-          <a:xfrm rot="5400000" flipH="1" flipV="1">
-            <a:off x="1000578" y="1134448"/>
-            <a:ext cx="5411755" cy="4131906"/>
-          </a:xfrm>
-          <a:prstGeom prst="bentConnector4">
-            <a:avLst>
-              <a:gd name="adj1" fmla="val -4224"/>
-              <a:gd name="adj2" fmla="val 68799"/>
-            </a:avLst>
+          <a:xfrm rot="5400000">
+            <a:off x="4060372" y="1544216"/>
+            <a:ext cx="1635966" cy="1589314"/>
+          </a:xfrm>
+          <a:prstGeom prst="curvedConnector3">
+            <a:avLst/>
           </a:prstGeom>
           <a:ln>
             <a:tailEnd type="triangle"/>
@@ -15980,29 +15695,26 @@
       </p:cxnSp>
       <p:cxnSp>
         <p:nvCxnSpPr>
-          <p:cNvPr id="18" name="Connector: Elbow 17">
-            <a:extLst>
-              <a:ext uri="{FF2B5EF4-FFF2-40B4-BE49-F238E27FC236}">
-                <a16:creationId xmlns:a16="http://schemas.microsoft.com/office/drawing/2014/main" id="{BAEAA7CC-2855-A66C-722C-62BA5B62E09D}"/>
+          <p:cNvPr id="12" name="Connector: Curved 11">
+            <a:extLst>
+              <a:ext uri="{FF2B5EF4-FFF2-40B4-BE49-F238E27FC236}">
+                <a16:creationId xmlns:a16="http://schemas.microsoft.com/office/drawing/2014/main" id="{659ED7C5-BF6E-2FDB-CBAF-E5998D07DD12}"/>
               </a:ext>
             </a:extLst>
           </p:cNvPr>
           <p:cNvCxnSpPr>
-            <a:cxnSpLocks/>
-            <a:stCxn id="14" idx="1"/>
-            <a:endCxn id="7" idx="3"/>
+            <a:stCxn id="2" idx="2"/>
+            <a:endCxn id="5" idx="0"/>
           </p:cNvCxnSpPr>
           <p:nvPr/>
         </p:nvCxnSpPr>
         <p:spPr>
-          <a:xfrm rot="10800000" flipV="1">
-            <a:off x="5019869" y="494522"/>
-            <a:ext cx="752540" cy="2332853"/>
-          </a:xfrm>
-          <a:prstGeom prst="bentConnector3">
-            <a:avLst>
-              <a:gd name="adj1" fmla="val 50000"/>
-            </a:avLst>
+          <a:xfrm rot="16200000" flipH="1">
+            <a:off x="5508950" y="1684952"/>
+            <a:ext cx="1635966" cy="1307842"/>
+          </a:xfrm>
+          <a:prstGeom prst="curvedConnector3">
+            <a:avLst/>
           </a:prstGeom>
           <a:ln>
             <a:tailEnd type="triangle"/>
@@ -16023,81 +15735,27 @@
           </a:fontRef>
         </p:style>
       </p:cxnSp>
-      <p:sp>
-        <p:nvSpPr>
-          <p:cNvPr id="20" name="Rectangle 19">
-            <a:extLst>
-              <a:ext uri="{FF2B5EF4-FFF2-40B4-BE49-F238E27FC236}">
-                <a16:creationId xmlns:a16="http://schemas.microsoft.com/office/drawing/2014/main" id="{9BBAFDE1-1E7C-3310-115B-85A7C6DEA5AF}"/>
-              </a:ext>
-            </a:extLst>
-          </p:cNvPr>
-          <p:cNvSpPr/>
-          <p:nvPr/>
-        </p:nvSpPr>
-        <p:spPr>
-          <a:xfrm>
-            <a:off x="5772409" y="1115108"/>
-            <a:ext cx="3107094" cy="727788"/>
-          </a:xfrm>
-          <a:prstGeom prst="rect">
-            <a:avLst/>
-          </a:prstGeom>
-          <a:solidFill>
-            <a:schemeClr val="accent6">
-              <a:lumMod val="50000"/>
-            </a:schemeClr>
-          </a:solidFill>
-        </p:spPr>
-        <p:style>
-          <a:lnRef idx="2">
-            <a:schemeClr val="accent1">
-              <a:shade val="15000"/>
-            </a:schemeClr>
-          </a:lnRef>
-          <a:fillRef idx="1">
-            <a:schemeClr val="accent1"/>
-          </a:fillRef>
-          <a:effectRef idx="0">
-            <a:schemeClr val="accent1"/>
-          </a:effectRef>
-          <a:fontRef idx="minor">
-            <a:schemeClr val="lt1"/>
-          </a:fontRef>
-        </p:style>
-        <p:txBody>
-          <a:bodyPr rtlCol="0" anchor="ctr"/>
-          <a:lstStyle/>
-          <a:p>
-            <a:pPr algn="ctr"/>
-            <a:r>
-              <a:rPr lang="en-US" sz="1600" b="1" dirty="0"/>
-              <a:t>Initialize Filters (If filters are applied) </a:t>
-            </a:r>
-          </a:p>
-        </p:txBody>
-      </p:sp>
       <p:cxnSp>
         <p:nvCxnSpPr>
-          <p:cNvPr id="22" name="Connector: Elbow 21">
-            <a:extLst>
-              <a:ext uri="{FF2B5EF4-FFF2-40B4-BE49-F238E27FC236}">
-                <a16:creationId xmlns:a16="http://schemas.microsoft.com/office/drawing/2014/main" id="{7568072F-98F4-C36E-4974-B6902E1ACC97}"/>
+          <p:cNvPr id="14" name="Connector: Curved 13">
+            <a:extLst>
+              <a:ext uri="{FF2B5EF4-FFF2-40B4-BE49-F238E27FC236}">
+                <a16:creationId xmlns:a16="http://schemas.microsoft.com/office/drawing/2014/main" id="{47C831CD-1D49-67D4-0EC4-78F2A364739C}"/>
               </a:ext>
             </a:extLst>
           </p:cNvPr>
           <p:cNvCxnSpPr>
-            <a:stCxn id="14" idx="2"/>
-            <a:endCxn id="20" idx="0"/>
+            <a:stCxn id="2" idx="3"/>
+            <a:endCxn id="6" idx="0"/>
           </p:cNvCxnSpPr>
           <p:nvPr/>
         </p:nvCxnSpPr>
         <p:spPr>
-          <a:xfrm rot="5400000">
-            <a:off x="7197611" y="986762"/>
-            <a:ext cx="256691" cy="12700"/>
-          </a:xfrm>
-          <a:prstGeom prst="bentConnector3">
+          <a:xfrm>
+            <a:off x="8369559" y="1007706"/>
+            <a:ext cx="1720722" cy="2149150"/>
+          </a:xfrm>
+          <a:prstGeom prst="curvedConnector2">
             <a:avLst/>
           </a:prstGeom>
           <a:ln>
@@ -16121,66 +15779,10 @@
       </p:cxnSp>
       <p:sp>
         <p:nvSpPr>
-          <p:cNvPr id="23" name="Rectangle 22">
-            <a:extLst>
-              <a:ext uri="{FF2B5EF4-FFF2-40B4-BE49-F238E27FC236}">
-                <a16:creationId xmlns:a16="http://schemas.microsoft.com/office/drawing/2014/main" id="{156A8062-E9E8-D751-3D74-668A5CC4BD6F}"/>
-              </a:ext>
-            </a:extLst>
-          </p:cNvPr>
-          <p:cNvSpPr/>
-          <p:nvPr/>
-        </p:nvSpPr>
-        <p:spPr>
-          <a:xfrm>
-            <a:off x="5850293" y="2563339"/>
-            <a:ext cx="3107094" cy="1271048"/>
-          </a:xfrm>
-          <a:prstGeom prst="rect">
-            <a:avLst/>
-          </a:prstGeom>
-        </p:spPr>
-        <p:style>
-          <a:lnRef idx="2">
-            <a:schemeClr val="accent1">
-              <a:shade val="15000"/>
-            </a:schemeClr>
-          </a:lnRef>
-          <a:fillRef idx="1">
-            <a:schemeClr val="accent1"/>
-          </a:fillRef>
-          <a:effectRef idx="0">
-            <a:schemeClr val="accent1"/>
-          </a:effectRef>
-          <a:fontRef idx="minor">
-            <a:schemeClr val="lt1"/>
-          </a:fontRef>
-        </p:style>
-        <p:txBody>
-          <a:bodyPr rtlCol="0" anchor="ctr"/>
-          <a:lstStyle/>
-          <a:p>
-            <a:pPr algn="ctr"/>
-            <a:r>
-              <a:rPr lang="en-US" sz="1600" b="1" dirty="0"/>
-              <a:t>Execute Action Method</a:t>
-            </a:r>
-          </a:p>
-          <a:p>
-            <a:pPr algn="ctr"/>
-            <a:r>
-              <a:rPr lang="en-US" sz="1600" b="1" dirty="0"/>
-              <a:t>Validation Check for Parameters in Case of POST and PUT Request. Also, Handle Exceptions if any  </a:t>
-            </a:r>
-          </a:p>
-        </p:txBody>
-      </p:sp>
-      <p:sp>
-        <p:nvSpPr>
-          <p:cNvPr id="25" name="TextBox 24">
-            <a:extLst>
-              <a:ext uri="{FF2B5EF4-FFF2-40B4-BE49-F238E27FC236}">
-                <a16:creationId xmlns:a16="http://schemas.microsoft.com/office/drawing/2014/main" id="{F28592B7-131D-903F-1448-3EA7447285F4}"/>
+          <p:cNvPr id="15" name="TextBox 14">
+            <a:extLst>
+              <a:ext uri="{FF2B5EF4-FFF2-40B4-BE49-F238E27FC236}">
+                <a16:creationId xmlns:a16="http://schemas.microsoft.com/office/drawing/2014/main" id="{86E8FA7C-4221-C95C-EEFE-7526B72BBDFA}"/>
               </a:ext>
             </a:extLst>
           </p:cNvPr>
@@ -16189,8 +15791,8 @@
         </p:nvSpPr>
         <p:spPr>
           <a:xfrm>
-            <a:off x="5674698" y="2093238"/>
-            <a:ext cx="3357335" cy="369332"/>
+            <a:off x="317241" y="4413380"/>
+            <a:ext cx="2136710" cy="646331"/>
           </a:xfrm>
           <a:prstGeom prst="rect">
             <a:avLst/>
@@ -16206,17 +15808,17 @@
             <a:pPr algn="ctr"/>
             <a:r>
               <a:rPr lang="en-US" b="1" dirty="0"/>
-              <a:t>ActionExecutingContext</a:t>
-            </a:r>
-          </a:p>
-        </p:txBody>
-      </p:sp>
-      <p:sp>
-        <p:nvSpPr>
-          <p:cNvPr id="26" name="TextBox 25">
-            <a:extLst>
-              <a:ext uri="{FF2B5EF4-FFF2-40B4-BE49-F238E27FC236}">
-                <a16:creationId xmlns:a16="http://schemas.microsoft.com/office/drawing/2014/main" id="{350EE783-3EB3-74E6-A434-8C9DA3FEA2F5}"/>
+              <a:t>Routing + Page Resource</a:t>
+            </a:r>
+          </a:p>
+        </p:txBody>
+      </p:sp>
+      <p:sp>
+        <p:nvSpPr>
+          <p:cNvPr id="17" name="TextBox 16">
+            <a:extLst>
+              <a:ext uri="{FF2B5EF4-FFF2-40B4-BE49-F238E27FC236}">
+                <a16:creationId xmlns:a16="http://schemas.microsoft.com/office/drawing/2014/main" id="{271248AB-FE67-F2B4-1746-9F9D805741FB}"/>
               </a:ext>
             </a:extLst>
           </p:cNvPr>
@@ -16225,8 +15827,8 @@
         </p:nvSpPr>
         <p:spPr>
           <a:xfrm>
-            <a:off x="5634587" y="3876619"/>
-            <a:ext cx="3357335" cy="369332"/>
+            <a:off x="3013786" y="4413379"/>
+            <a:ext cx="2136710" cy="646331"/>
           </a:xfrm>
           <a:prstGeom prst="rect">
             <a:avLst/>
@@ -16242,301 +15844,17 @@
             <a:pPr algn="ctr"/>
             <a:r>
               <a:rPr lang="en-US" b="1" dirty="0"/>
-              <a:t>ActionExecutedContext</a:t>
-            </a:r>
-          </a:p>
-        </p:txBody>
-      </p:sp>
-      <p:sp>
-        <p:nvSpPr>
-          <p:cNvPr id="27" name="Arrow: Right 26">
-            <a:extLst>
-              <a:ext uri="{FF2B5EF4-FFF2-40B4-BE49-F238E27FC236}">
-                <a16:creationId xmlns:a16="http://schemas.microsoft.com/office/drawing/2014/main" id="{AC0A208B-F1F4-5223-1B49-58780EF8741F}"/>
-              </a:ext>
-            </a:extLst>
-          </p:cNvPr>
-          <p:cNvSpPr/>
-          <p:nvPr/>
-        </p:nvSpPr>
-        <p:spPr>
-          <a:xfrm>
-            <a:off x="8957387" y="2989036"/>
-            <a:ext cx="1418254" cy="439964"/>
-          </a:xfrm>
-          <a:prstGeom prst="rightArrow">
-            <a:avLst/>
-          </a:prstGeom>
-        </p:spPr>
-        <p:style>
-          <a:lnRef idx="2">
-            <a:schemeClr val="accent1">
-              <a:shade val="15000"/>
-            </a:schemeClr>
-          </a:lnRef>
-          <a:fillRef idx="1">
-            <a:schemeClr val="accent1"/>
-          </a:fillRef>
-          <a:effectRef idx="0">
-            <a:schemeClr val="accent1"/>
-          </a:effectRef>
-          <a:fontRef idx="minor">
-            <a:schemeClr val="lt1"/>
-          </a:fontRef>
-        </p:style>
-        <p:txBody>
-          <a:bodyPr rtlCol="0" anchor="ctr"/>
-          <a:lstStyle/>
-          <a:p>
-            <a:pPr algn="ctr"/>
-            <a:endParaRPr lang="en-US"/>
-          </a:p>
-        </p:txBody>
-      </p:sp>
-      <p:sp>
-        <p:nvSpPr>
-          <p:cNvPr id="28" name="Rectangle 27">
-            <a:extLst>
-              <a:ext uri="{FF2B5EF4-FFF2-40B4-BE49-F238E27FC236}">
-                <a16:creationId xmlns:a16="http://schemas.microsoft.com/office/drawing/2014/main" id="{1117D28E-BD6F-3B87-8287-2D5E02C10171}"/>
-              </a:ext>
-            </a:extLst>
-          </p:cNvPr>
-          <p:cNvSpPr/>
-          <p:nvPr/>
-        </p:nvSpPr>
-        <p:spPr>
-          <a:xfrm>
-            <a:off x="9371174" y="2157952"/>
-            <a:ext cx="2655985" cy="824734"/>
-          </a:xfrm>
-          <a:prstGeom prst="rect">
-            <a:avLst/>
-          </a:prstGeom>
-        </p:spPr>
-        <p:style>
-          <a:lnRef idx="2">
-            <a:schemeClr val="accent6"/>
-          </a:lnRef>
-          <a:fillRef idx="1">
-            <a:schemeClr val="lt1"/>
-          </a:fillRef>
-          <a:effectRef idx="0">
-            <a:schemeClr val="accent6"/>
-          </a:effectRef>
-          <a:fontRef idx="minor">
-            <a:schemeClr val="dk1"/>
-          </a:fontRef>
-        </p:style>
-        <p:txBody>
-          <a:bodyPr rtlCol="0" anchor="ctr"/>
-          <a:lstStyle/>
-          <a:p>
-            <a:pPr algn="ctr"/>
-            <a:r>
-              <a:rPr lang="en-US" sz="1400" b="1" dirty="0"/>
-              <a:t>If Exception then Error Response using Either Exception Filter or Exception Middleware</a:t>
-            </a:r>
-          </a:p>
-        </p:txBody>
-      </p:sp>
-      <p:cxnSp>
-        <p:nvCxnSpPr>
-          <p:cNvPr id="30" name="Connector: Elbow 29">
-            <a:extLst>
-              <a:ext uri="{FF2B5EF4-FFF2-40B4-BE49-F238E27FC236}">
-                <a16:creationId xmlns:a16="http://schemas.microsoft.com/office/drawing/2014/main" id="{26441C7C-AA88-135D-8719-EA265879A4E4}"/>
-              </a:ext>
-            </a:extLst>
-          </p:cNvPr>
-          <p:cNvCxnSpPr>
-            <a:stCxn id="2" idx="3"/>
-            <a:endCxn id="4" idx="0"/>
-          </p:cNvCxnSpPr>
-          <p:nvPr/>
-        </p:nvCxnSpPr>
-        <p:spPr>
-          <a:xfrm flipH="1">
-            <a:off x="1646853" y="433874"/>
-            <a:ext cx="723123" cy="1516224"/>
-          </a:xfrm>
-          <a:prstGeom prst="bentConnector4">
-            <a:avLst>
-              <a:gd name="adj1" fmla="val -180000"/>
-              <a:gd name="adj2" fmla="val 76000"/>
-            </a:avLst>
-          </a:prstGeom>
-          <a:ln>
-            <a:tailEnd type="triangle"/>
-          </a:ln>
-        </p:spPr>
-        <p:style>
-          <a:lnRef idx="1">
-            <a:schemeClr val="accent1"/>
-          </a:lnRef>
-          <a:fillRef idx="0">
-            <a:schemeClr val="accent1"/>
-          </a:fillRef>
-          <a:effectRef idx="0">
-            <a:schemeClr val="accent1"/>
-          </a:effectRef>
-          <a:fontRef idx="minor">
-            <a:schemeClr val="tx1"/>
-          </a:fontRef>
-        </p:style>
-      </p:cxnSp>
-      <p:sp>
-        <p:nvSpPr>
-          <p:cNvPr id="33" name="Arrow: Down 32">
-            <a:extLst>
-              <a:ext uri="{FF2B5EF4-FFF2-40B4-BE49-F238E27FC236}">
-                <a16:creationId xmlns:a16="http://schemas.microsoft.com/office/drawing/2014/main" id="{A0957B94-DAD4-4DF3-4665-15B8BAD299A8}"/>
-              </a:ext>
-            </a:extLst>
-          </p:cNvPr>
-          <p:cNvSpPr/>
-          <p:nvPr/>
-        </p:nvSpPr>
-        <p:spPr>
-          <a:xfrm>
-            <a:off x="7067939" y="4426092"/>
-            <a:ext cx="765110" cy="584447"/>
-          </a:xfrm>
-          <a:prstGeom prst="downArrow">
-            <a:avLst/>
-          </a:prstGeom>
-        </p:spPr>
-        <p:style>
-          <a:lnRef idx="2">
-            <a:schemeClr val="accent1">
-              <a:shade val="15000"/>
-            </a:schemeClr>
-          </a:lnRef>
-          <a:fillRef idx="1">
-            <a:schemeClr val="accent1"/>
-          </a:fillRef>
-          <a:effectRef idx="0">
-            <a:schemeClr val="accent1"/>
-          </a:effectRef>
-          <a:fontRef idx="minor">
-            <a:schemeClr val="lt1"/>
-          </a:fontRef>
-        </p:style>
-        <p:txBody>
-          <a:bodyPr rtlCol="0" anchor="ctr"/>
-          <a:lstStyle/>
-          <a:p>
-            <a:pPr algn="ctr"/>
-            <a:endParaRPr lang="en-US"/>
-          </a:p>
-        </p:txBody>
-      </p:sp>
-      <p:sp>
-        <p:nvSpPr>
-          <p:cNvPr id="34" name="Rectangle 33">
-            <a:extLst>
-              <a:ext uri="{FF2B5EF4-FFF2-40B4-BE49-F238E27FC236}">
-                <a16:creationId xmlns:a16="http://schemas.microsoft.com/office/drawing/2014/main" id="{2394F38C-32DA-D462-6D67-E49FAC00F9AA}"/>
-              </a:ext>
-            </a:extLst>
-          </p:cNvPr>
-          <p:cNvSpPr/>
-          <p:nvPr/>
-        </p:nvSpPr>
-        <p:spPr>
-          <a:xfrm>
-            <a:off x="5186201" y="5010539"/>
-            <a:ext cx="4528586" cy="1183405"/>
-          </a:xfrm>
-          <a:prstGeom prst="rect">
-            <a:avLst/>
-          </a:prstGeom>
-          <a:solidFill>
-            <a:srgbClr val="002060"/>
-          </a:solidFill>
-        </p:spPr>
-        <p:style>
-          <a:lnRef idx="1">
-            <a:schemeClr val="accent2"/>
-          </a:lnRef>
-          <a:fillRef idx="2">
-            <a:schemeClr val="accent2"/>
-          </a:fillRef>
-          <a:effectRef idx="1">
-            <a:schemeClr val="accent2"/>
-          </a:effectRef>
-          <a:fontRef idx="minor">
-            <a:schemeClr val="dk1"/>
-          </a:fontRef>
-        </p:style>
-        <p:txBody>
-          <a:bodyPr rtlCol="0" anchor="ctr"/>
-          <a:lstStyle/>
-          <a:p>
-            <a:pPr algn="ctr"/>
-            <a:r>
-              <a:rPr lang="en-US" b="1" dirty="0">
-                <a:solidFill>
-                  <a:srgbClr val="FFFF00"/>
-                </a:solidFill>
-              </a:rPr>
-              <a:t>Response with JSON Data /  Other Formatter /  File Download</a:t>
-            </a:r>
-          </a:p>
-        </p:txBody>
-      </p:sp>
-      <p:sp>
-        <p:nvSpPr>
-          <p:cNvPr id="35" name="Arrow: Right 34">
-            <a:extLst>
-              <a:ext uri="{FF2B5EF4-FFF2-40B4-BE49-F238E27FC236}">
-                <a16:creationId xmlns:a16="http://schemas.microsoft.com/office/drawing/2014/main" id="{872826B7-0B18-7D32-7C0B-1ADCA72C7FC1}"/>
-              </a:ext>
-            </a:extLst>
-          </p:cNvPr>
-          <p:cNvSpPr/>
-          <p:nvPr/>
-        </p:nvSpPr>
-        <p:spPr>
-          <a:xfrm>
-            <a:off x="9714787" y="5350906"/>
-            <a:ext cx="1202029" cy="522515"/>
-          </a:xfrm>
-          <a:prstGeom prst="rightArrow">
-            <a:avLst/>
-          </a:prstGeom>
-        </p:spPr>
-        <p:style>
-          <a:lnRef idx="2">
-            <a:schemeClr val="accent1">
-              <a:shade val="15000"/>
-            </a:schemeClr>
-          </a:lnRef>
-          <a:fillRef idx="1">
-            <a:schemeClr val="accent1"/>
-          </a:fillRef>
-          <a:effectRef idx="0">
-            <a:schemeClr val="accent1"/>
-          </a:effectRef>
-          <a:fontRef idx="minor">
-            <a:schemeClr val="lt1"/>
-          </a:fontRef>
-        </p:style>
-        <p:txBody>
-          <a:bodyPr rtlCol="0" anchor="ctr"/>
-          <a:lstStyle/>
-          <a:p>
-            <a:pPr algn="ctr"/>
-            <a:endParaRPr lang="en-US"/>
-          </a:p>
-        </p:txBody>
-      </p:sp>
-      <p:sp>
-        <p:nvSpPr>
-          <p:cNvPr id="36" name="TextBox 35">
-            <a:extLst>
-              <a:ext uri="{FF2B5EF4-FFF2-40B4-BE49-F238E27FC236}">
-                <a16:creationId xmlns:a16="http://schemas.microsoft.com/office/drawing/2014/main" id="{61791703-2112-A244-53E1-FEFAFEDFE25F}"/>
+              <a:t>Routing + Controller + View Resource</a:t>
+            </a:r>
+          </a:p>
+        </p:txBody>
+      </p:sp>
+      <p:sp>
+        <p:nvSpPr>
+          <p:cNvPr id="18" name="TextBox 17">
+            <a:extLst>
+              <a:ext uri="{FF2B5EF4-FFF2-40B4-BE49-F238E27FC236}">
+                <a16:creationId xmlns:a16="http://schemas.microsoft.com/office/drawing/2014/main" id="{D8B5A766-1E0B-DF10-C1AC-B953F36BEE31}"/>
               </a:ext>
             </a:extLst>
           </p:cNvPr>
@@ -16545,8 +15863,8 @@
         </p:nvSpPr>
         <p:spPr>
           <a:xfrm>
-            <a:off x="9946433" y="4637314"/>
-            <a:ext cx="1940767" cy="830997"/>
+            <a:off x="5912498" y="4413378"/>
+            <a:ext cx="2136710" cy="646331"/>
           </a:xfrm>
           <a:prstGeom prst="rect">
             <a:avLst/>
@@ -16561,18 +15879,18 @@
           <a:p>
             <a:pPr algn="ctr"/>
             <a:r>
-              <a:rPr lang="en-US" sz="1600" b="1" dirty="0"/>
-              <a:t>Go Back to Middleware Pipeline to Deliver Response</a:t>
-            </a:r>
-          </a:p>
-        </p:txBody>
-      </p:sp>
-      <p:sp>
-        <p:nvSpPr>
-          <p:cNvPr id="37" name="TextBox 36">
-            <a:extLst>
-              <a:ext uri="{FF2B5EF4-FFF2-40B4-BE49-F238E27FC236}">
-                <a16:creationId xmlns:a16="http://schemas.microsoft.com/office/drawing/2014/main" id="{367D7046-A292-D21A-A620-1A7ECBCF8895}"/>
+              <a:rPr lang="en-US" b="1" dirty="0"/>
+              <a:t>Routing + Controller Resource</a:t>
+            </a:r>
+          </a:p>
+        </p:txBody>
+      </p:sp>
+      <p:sp>
+        <p:nvSpPr>
+          <p:cNvPr id="19" name="TextBox 18">
+            <a:extLst>
+              <a:ext uri="{FF2B5EF4-FFF2-40B4-BE49-F238E27FC236}">
+                <a16:creationId xmlns:a16="http://schemas.microsoft.com/office/drawing/2014/main" id="{0405D78E-3D4B-614F-7A94-9E6CCE0FDA09}"/>
               </a:ext>
             </a:extLst>
           </p:cNvPr>
@@ -16581,8 +15899,8 @@
         </p:nvSpPr>
         <p:spPr>
           <a:xfrm>
-            <a:off x="7903028" y="4496649"/>
-            <a:ext cx="1763486" cy="523220"/>
+            <a:off x="9005597" y="4267198"/>
+            <a:ext cx="2136710" cy="1200329"/>
           </a:xfrm>
           <a:prstGeom prst="rect">
             <a:avLst/>
@@ -16595,9 +15913,10 @@
           </a:bodyPr>
           <a:lstStyle/>
           <a:p>
-            <a:r>
-              <a:rPr lang="en-US" sz="1400" b="1" dirty="0"/>
-              <a:t>ControllerContext is Over</a:t>
+            <a:pPr algn="ctr"/>
+            <a:r>
+              <a:rPr lang="en-US" b="1" dirty="0"/>
+              <a:t>Routing + Components on HTML Page Resource</a:t>
             </a:r>
           </a:p>
         </p:txBody>
@@ -16605,7 +15924,7 @@
     </p:spTree>
     <p:extLst>
       <p:ext uri="{BB962C8B-B14F-4D97-AF65-F5344CB8AC3E}">
-        <p14:creationId xmlns:p14="http://schemas.microsoft.com/office/powerpoint/2010/main" val="2708683693"/>
+        <p14:creationId xmlns:p14="http://schemas.microsoft.com/office/powerpoint/2010/main" val="3342538972"/>
       </p:ext>
     </p:extLst>
   </p:cSld>
@@ -16634,10 +15953,10 @@
       </p:grpSpPr>
       <p:sp>
         <p:nvSpPr>
-          <p:cNvPr id="2" name="Rectangle: Rounded Corners 1">
-            <a:extLst>
-              <a:ext uri="{FF2B5EF4-FFF2-40B4-BE49-F238E27FC236}">
-                <a16:creationId xmlns:a16="http://schemas.microsoft.com/office/drawing/2014/main" id="{9209E31F-64CC-203B-7FFF-919CDB1FE1B7}"/>
+          <p:cNvPr id="24" name="Rectangle 23">
+            <a:extLst>
+              <a:ext uri="{FF2B5EF4-FFF2-40B4-BE49-F238E27FC236}">
+                <a16:creationId xmlns:a16="http://schemas.microsoft.com/office/drawing/2014/main" id="{703813E0-6DEF-16A6-E48B-9C73B69CF4D5}"/>
               </a:ext>
             </a:extLst>
           </p:cNvPr>
@@ -16646,10 +15965,54 @@
         </p:nvSpPr>
         <p:spPr>
           <a:xfrm>
-            <a:off x="7753739" y="1679510"/>
-            <a:ext cx="2509934" cy="1492898"/>
-          </a:xfrm>
-          <a:prstGeom prst="roundRect">
+            <a:off x="5514392" y="2093238"/>
+            <a:ext cx="3778898" cy="2332854"/>
+          </a:xfrm>
+          <a:prstGeom prst="rect">
+            <a:avLst/>
+          </a:prstGeom>
+        </p:spPr>
+        <p:style>
+          <a:lnRef idx="1">
+            <a:schemeClr val="accent2"/>
+          </a:lnRef>
+          <a:fillRef idx="2">
+            <a:schemeClr val="accent2"/>
+          </a:fillRef>
+          <a:effectRef idx="1">
+            <a:schemeClr val="accent2"/>
+          </a:effectRef>
+          <a:fontRef idx="minor">
+            <a:schemeClr val="dk1"/>
+          </a:fontRef>
+        </p:style>
+        <p:txBody>
+          <a:bodyPr rtlCol="0" anchor="ctr"/>
+          <a:lstStyle/>
+          <a:p>
+            <a:pPr algn="ctr"/>
+            <a:endParaRPr lang="en-US"/>
+          </a:p>
+        </p:txBody>
+      </p:sp>
+      <p:sp>
+        <p:nvSpPr>
+          <p:cNvPr id="2" name="Rectangle 1">
+            <a:extLst>
+              <a:ext uri="{FF2B5EF4-FFF2-40B4-BE49-F238E27FC236}">
+                <a16:creationId xmlns:a16="http://schemas.microsoft.com/office/drawing/2014/main" id="{322446D1-C813-B98F-2128-BBF271A2044C}"/>
+              </a:ext>
+            </a:extLst>
+          </p:cNvPr>
+          <p:cNvSpPr/>
+          <p:nvPr/>
+        </p:nvSpPr>
+        <p:spPr>
+          <a:xfrm>
+            <a:off x="195943" y="130629"/>
+            <a:ext cx="2174033" cy="606489"/>
+          </a:xfrm>
+          <a:prstGeom prst="rect">
             <a:avLst/>
           </a:prstGeom>
         </p:spPr>
@@ -16675,25 +16038,62 @@
           <a:p>
             <a:pPr algn="ctr"/>
             <a:r>
+              <a:rPr lang="en-US" b="1" dirty="0"/>
+              <a:t>Run for Controller</a:t>
+            </a:r>
+          </a:p>
+        </p:txBody>
+      </p:sp>
+      <p:sp>
+        <p:nvSpPr>
+          <p:cNvPr id="3" name="TextBox 2">
+            <a:extLst>
+              <a:ext uri="{FF2B5EF4-FFF2-40B4-BE49-F238E27FC236}">
+                <a16:creationId xmlns:a16="http://schemas.microsoft.com/office/drawing/2014/main" id="{C0F3C985-B06D-7686-816B-EAE399F76427}"/>
+              </a:ext>
+            </a:extLst>
+          </p:cNvPr>
+          <p:cNvSpPr txBox="1"/>
+          <p:nvPr/>
+        </p:nvSpPr>
+        <p:spPr>
+          <a:xfrm>
+            <a:off x="93306" y="951722"/>
+            <a:ext cx="3620278" cy="923330"/>
+          </a:xfrm>
+          <a:prstGeom prst="rect">
+            <a:avLst/>
+          </a:prstGeom>
+          <a:noFill/>
+        </p:spPr>
+        <p:txBody>
+          <a:bodyPr wrap="square" rtlCol="0">
+            <a:spAutoFit/>
+          </a:bodyPr>
+          <a:lstStyle/>
+          <a:p>
+            <a:r>
+              <a:rPr lang="en-US" dirty="0">
+                <a:hlinkClick r:id="rId2"/>
+              </a:rPr>
+              <a:t>https://MyServer/MyApp/MyCtrl</a:t>
+            </a:r>
+            <a:endParaRPr lang="en-US" dirty="0"/>
+          </a:p>
+          <a:p>
+            <a:r>
               <a:rPr lang="en-US" dirty="0"/>
-              <a:t>REST App</a:t>
-            </a:r>
-          </a:p>
-          <a:p>
-            <a:pPr algn="ctr"/>
-            <a:r>
-              <a:rPr lang="en-US" dirty="0"/>
-              <a:t>https:/localhost:7298</a:t>
-            </a:r>
-          </a:p>
-        </p:txBody>
-      </p:sp>
-      <p:sp>
-        <p:nvSpPr>
-          <p:cNvPr id="3" name="Rectangle: Rounded Corners 2">
-            <a:extLst>
-              <a:ext uri="{FF2B5EF4-FFF2-40B4-BE49-F238E27FC236}">
-                <a16:creationId xmlns:a16="http://schemas.microsoft.com/office/drawing/2014/main" id="{45C7D5C6-0718-FDA4-87E2-626CEC05F988}"/>
+              <a:t>HTTP Request Type i.e. Get / Post /Put / Delete</a:t>
+            </a:r>
+          </a:p>
+        </p:txBody>
+      </p:sp>
+      <p:sp>
+        <p:nvSpPr>
+          <p:cNvPr id="4" name="Rectangle 3">
+            <a:extLst>
+              <a:ext uri="{FF2B5EF4-FFF2-40B4-BE49-F238E27FC236}">
+                <a16:creationId xmlns:a16="http://schemas.microsoft.com/office/drawing/2014/main" id="{0BC686EA-9FC7-D766-81DD-79C65E1B0968}"/>
               </a:ext>
             </a:extLst>
           </p:cNvPr>
@@ -16702,10 +16102,10 @@
         </p:nvSpPr>
         <p:spPr>
           <a:xfrm>
-            <a:off x="1318727" y="1679510"/>
-            <a:ext cx="2509934" cy="1492898"/>
-          </a:xfrm>
-          <a:prstGeom prst="roundRect">
+            <a:off x="93306" y="1950098"/>
+            <a:ext cx="3107094" cy="727788"/>
+          </a:xfrm>
+          <a:prstGeom prst="rect">
             <a:avLst/>
           </a:prstGeom>
         </p:spPr>
@@ -16731,6 +16131,1214 @@
           <a:p>
             <a:pPr algn="ctr"/>
             <a:r>
+              <a:rPr lang="en-US" sz="1600" b="1" dirty="0"/>
+              <a:t>Locate the Controller and If exist Load it in ControllerContext</a:t>
+            </a:r>
+          </a:p>
+        </p:txBody>
+      </p:sp>
+      <p:sp>
+        <p:nvSpPr>
+          <p:cNvPr id="5" name="Rectangle 4">
+            <a:extLst>
+              <a:ext uri="{FF2B5EF4-FFF2-40B4-BE49-F238E27FC236}">
+                <a16:creationId xmlns:a16="http://schemas.microsoft.com/office/drawing/2014/main" id="{17D14D3A-3236-409C-2AA3-09081493858A}"/>
+              </a:ext>
+            </a:extLst>
+          </p:cNvPr>
+          <p:cNvSpPr/>
+          <p:nvPr/>
+        </p:nvSpPr>
+        <p:spPr>
+          <a:xfrm>
+            <a:off x="93306" y="2982686"/>
+            <a:ext cx="3107094" cy="727788"/>
+          </a:xfrm>
+          <a:prstGeom prst="rect">
+            <a:avLst/>
+          </a:prstGeom>
+          <a:solidFill>
+            <a:srgbClr val="FF0000"/>
+          </a:solidFill>
+        </p:spPr>
+        <p:style>
+          <a:lnRef idx="2">
+            <a:schemeClr val="accent1">
+              <a:shade val="15000"/>
+            </a:schemeClr>
+          </a:lnRef>
+          <a:fillRef idx="1">
+            <a:schemeClr val="accent1"/>
+          </a:fillRef>
+          <a:effectRef idx="0">
+            <a:schemeClr val="accent1"/>
+          </a:effectRef>
+          <a:fontRef idx="minor">
+            <a:schemeClr val="lt1"/>
+          </a:fontRef>
+        </p:style>
+        <p:txBody>
+          <a:bodyPr rtlCol="0" anchor="ctr"/>
+          <a:lstStyle/>
+          <a:p>
+            <a:pPr algn="ctr"/>
+            <a:r>
+              <a:rPr lang="en-US" sz="1600" b="1" dirty="0"/>
+              <a:t>Check for Authentication and Authorization</a:t>
+            </a:r>
+          </a:p>
+        </p:txBody>
+      </p:sp>
+      <p:sp>
+        <p:nvSpPr>
+          <p:cNvPr id="6" name="Arrow: Right 5">
+            <a:extLst>
+              <a:ext uri="{FF2B5EF4-FFF2-40B4-BE49-F238E27FC236}">
+                <a16:creationId xmlns:a16="http://schemas.microsoft.com/office/drawing/2014/main" id="{9AEE278B-A2E5-3458-B46F-453D1FCFA234}"/>
+              </a:ext>
+            </a:extLst>
+          </p:cNvPr>
+          <p:cNvSpPr/>
+          <p:nvPr/>
+        </p:nvSpPr>
+        <p:spPr>
+          <a:xfrm>
+            <a:off x="3200400" y="3172408"/>
+            <a:ext cx="914400" cy="326572"/>
+          </a:xfrm>
+          <a:prstGeom prst="rightArrow">
+            <a:avLst/>
+          </a:prstGeom>
+        </p:spPr>
+        <p:style>
+          <a:lnRef idx="2">
+            <a:schemeClr val="accent1">
+              <a:shade val="15000"/>
+            </a:schemeClr>
+          </a:lnRef>
+          <a:fillRef idx="1">
+            <a:schemeClr val="accent1"/>
+          </a:fillRef>
+          <a:effectRef idx="0">
+            <a:schemeClr val="accent1"/>
+          </a:effectRef>
+          <a:fontRef idx="minor">
+            <a:schemeClr val="lt1"/>
+          </a:fontRef>
+        </p:style>
+        <p:txBody>
+          <a:bodyPr rtlCol="0" anchor="ctr"/>
+          <a:lstStyle/>
+          <a:p>
+            <a:pPr algn="ctr"/>
+            <a:endParaRPr lang="en-US"/>
+          </a:p>
+        </p:txBody>
+      </p:sp>
+      <p:sp>
+        <p:nvSpPr>
+          <p:cNvPr id="7" name="Rectangle 6">
+            <a:extLst>
+              <a:ext uri="{FF2B5EF4-FFF2-40B4-BE49-F238E27FC236}">
+                <a16:creationId xmlns:a16="http://schemas.microsoft.com/office/drawing/2014/main" id="{44C97AB8-EF56-3B81-C7DE-9927BD2376B8}"/>
+              </a:ext>
+            </a:extLst>
+          </p:cNvPr>
+          <p:cNvSpPr/>
+          <p:nvPr/>
+        </p:nvSpPr>
+        <p:spPr>
+          <a:xfrm>
+            <a:off x="3489649" y="2575650"/>
+            <a:ext cx="1530220" cy="503452"/>
+          </a:xfrm>
+          <a:prstGeom prst="rect">
+            <a:avLst/>
+          </a:prstGeom>
+        </p:spPr>
+        <p:style>
+          <a:lnRef idx="2">
+            <a:schemeClr val="accent6"/>
+          </a:lnRef>
+          <a:fillRef idx="1">
+            <a:schemeClr val="lt1"/>
+          </a:fillRef>
+          <a:effectRef idx="0">
+            <a:schemeClr val="accent6"/>
+          </a:effectRef>
+          <a:fontRef idx="minor">
+            <a:schemeClr val="dk1"/>
+          </a:fontRef>
+        </p:style>
+        <p:txBody>
+          <a:bodyPr rtlCol="0" anchor="ctr"/>
+          <a:lstStyle/>
+          <a:p>
+            <a:pPr algn="ctr"/>
+            <a:r>
+              <a:rPr lang="en-US" dirty="0"/>
+              <a:t>No Auth then 404</a:t>
+            </a:r>
+          </a:p>
+        </p:txBody>
+      </p:sp>
+      <p:cxnSp>
+        <p:nvCxnSpPr>
+          <p:cNvPr id="9" name="Connector: Elbow 8">
+            <a:extLst>
+              <a:ext uri="{FF2B5EF4-FFF2-40B4-BE49-F238E27FC236}">
+                <a16:creationId xmlns:a16="http://schemas.microsoft.com/office/drawing/2014/main" id="{3C9164FA-8A8B-EF10-AE50-F1340D7E7AC5}"/>
+              </a:ext>
+            </a:extLst>
+          </p:cNvPr>
+          <p:cNvCxnSpPr>
+            <a:stCxn id="4" idx="2"/>
+            <a:endCxn id="5" idx="0"/>
+          </p:cNvCxnSpPr>
+          <p:nvPr/>
+        </p:nvCxnSpPr>
+        <p:spPr>
+          <a:xfrm rot="5400000">
+            <a:off x="1494453" y="2830286"/>
+            <a:ext cx="304800" cy="12700"/>
+          </a:xfrm>
+          <a:prstGeom prst="bentConnector3">
+            <a:avLst/>
+          </a:prstGeom>
+          <a:ln>
+            <a:tailEnd type="triangle"/>
+          </a:ln>
+        </p:spPr>
+        <p:style>
+          <a:lnRef idx="1">
+            <a:schemeClr val="accent1"/>
+          </a:lnRef>
+          <a:fillRef idx="0">
+            <a:schemeClr val="accent1"/>
+          </a:fillRef>
+          <a:effectRef idx="0">
+            <a:schemeClr val="accent1"/>
+          </a:effectRef>
+          <a:fontRef idx="minor">
+            <a:schemeClr val="tx1"/>
+          </a:fontRef>
+        </p:style>
+      </p:cxnSp>
+      <p:sp>
+        <p:nvSpPr>
+          <p:cNvPr id="10" name="Rectangle 9">
+            <a:extLst>
+              <a:ext uri="{FF2B5EF4-FFF2-40B4-BE49-F238E27FC236}">
+                <a16:creationId xmlns:a16="http://schemas.microsoft.com/office/drawing/2014/main" id="{F9AC42DE-CD73-2B31-4CD3-2CB20F117321}"/>
+              </a:ext>
+            </a:extLst>
+          </p:cNvPr>
+          <p:cNvSpPr/>
+          <p:nvPr/>
+        </p:nvSpPr>
+        <p:spPr>
+          <a:xfrm>
+            <a:off x="99656" y="4018384"/>
+            <a:ext cx="3107094" cy="727788"/>
+          </a:xfrm>
+          <a:prstGeom prst="rect">
+            <a:avLst/>
+          </a:prstGeom>
+          <a:solidFill>
+            <a:schemeClr val="accent6">
+              <a:lumMod val="50000"/>
+            </a:schemeClr>
+          </a:solidFill>
+        </p:spPr>
+        <p:style>
+          <a:lnRef idx="2">
+            <a:schemeClr val="accent1">
+              <a:shade val="15000"/>
+            </a:schemeClr>
+          </a:lnRef>
+          <a:fillRef idx="1">
+            <a:schemeClr val="accent1"/>
+          </a:fillRef>
+          <a:effectRef idx="0">
+            <a:schemeClr val="accent1"/>
+          </a:effectRef>
+          <a:fontRef idx="minor">
+            <a:schemeClr val="lt1"/>
+          </a:fontRef>
+        </p:style>
+        <p:txBody>
+          <a:bodyPr rtlCol="0" anchor="ctr"/>
+          <a:lstStyle/>
+          <a:p>
+            <a:pPr algn="ctr"/>
+            <a:r>
+              <a:rPr lang="en-US" sz="1600" b="1" dirty="0"/>
+              <a:t>Injecting the Dependencies in Controller and also Initialize Filters (If filters are applied) </a:t>
+            </a:r>
+          </a:p>
+        </p:txBody>
+      </p:sp>
+      <p:cxnSp>
+        <p:nvCxnSpPr>
+          <p:cNvPr id="12" name="Connector: Elbow 11">
+            <a:extLst>
+              <a:ext uri="{FF2B5EF4-FFF2-40B4-BE49-F238E27FC236}">
+                <a16:creationId xmlns:a16="http://schemas.microsoft.com/office/drawing/2014/main" id="{DD3D7B04-3EA4-787F-4CD0-0966D89EE5B9}"/>
+              </a:ext>
+            </a:extLst>
+          </p:cNvPr>
+          <p:cNvCxnSpPr>
+            <a:stCxn id="5" idx="2"/>
+            <a:endCxn id="10" idx="0"/>
+          </p:cNvCxnSpPr>
+          <p:nvPr/>
+        </p:nvCxnSpPr>
+        <p:spPr>
+          <a:xfrm rot="16200000" flipH="1">
+            <a:off x="1496073" y="3861254"/>
+            <a:ext cx="307910" cy="6350"/>
+          </a:xfrm>
+          <a:prstGeom prst="bentConnector3">
+            <a:avLst/>
+          </a:prstGeom>
+          <a:ln>
+            <a:tailEnd type="triangle"/>
+          </a:ln>
+        </p:spPr>
+        <p:style>
+          <a:lnRef idx="1">
+            <a:schemeClr val="accent1"/>
+          </a:lnRef>
+          <a:fillRef idx="0">
+            <a:schemeClr val="accent1"/>
+          </a:fillRef>
+          <a:effectRef idx="0">
+            <a:schemeClr val="accent1"/>
+          </a:effectRef>
+          <a:fontRef idx="minor">
+            <a:schemeClr val="tx1"/>
+          </a:fontRef>
+        </p:style>
+      </p:cxnSp>
+      <p:sp>
+        <p:nvSpPr>
+          <p:cNvPr id="13" name="Rectangle 12">
+            <a:extLst>
+              <a:ext uri="{FF2B5EF4-FFF2-40B4-BE49-F238E27FC236}">
+                <a16:creationId xmlns:a16="http://schemas.microsoft.com/office/drawing/2014/main" id="{B8EB617F-2C56-0171-2364-E1C0A9130CCA}"/>
+              </a:ext>
+            </a:extLst>
+          </p:cNvPr>
+          <p:cNvSpPr/>
+          <p:nvPr/>
+        </p:nvSpPr>
+        <p:spPr>
+          <a:xfrm>
+            <a:off x="86956" y="5178490"/>
+            <a:ext cx="3107094" cy="727788"/>
+          </a:xfrm>
+          <a:prstGeom prst="rect">
+            <a:avLst/>
+          </a:prstGeom>
+          <a:solidFill>
+            <a:schemeClr val="tx1">
+              <a:lumMod val="85000"/>
+              <a:lumOff val="15000"/>
+            </a:schemeClr>
+          </a:solidFill>
+        </p:spPr>
+        <p:style>
+          <a:lnRef idx="2">
+            <a:schemeClr val="accent1">
+              <a:shade val="15000"/>
+            </a:schemeClr>
+          </a:lnRef>
+          <a:fillRef idx="1">
+            <a:schemeClr val="accent1"/>
+          </a:fillRef>
+          <a:effectRef idx="0">
+            <a:schemeClr val="accent1"/>
+          </a:effectRef>
+          <a:fontRef idx="minor">
+            <a:schemeClr val="lt1"/>
+          </a:fontRef>
+        </p:style>
+        <p:txBody>
+          <a:bodyPr rtlCol="0" anchor="ctr"/>
+          <a:lstStyle/>
+          <a:p>
+            <a:pPr algn="ctr"/>
+            <a:r>
+              <a:rPr lang="en-US" sz="1600" b="1" dirty="0"/>
+              <a:t>Detect the HTTP request Type</a:t>
+            </a:r>
+          </a:p>
+          <a:p>
+            <a:pPr algn="ctr"/>
+            <a:r>
+              <a:rPr lang="en-US" sz="1600" b="1" dirty="0"/>
+              <a:t>Get /  Post / Put / Delete and Map the Action Method</a:t>
+            </a:r>
+          </a:p>
+        </p:txBody>
+      </p:sp>
+      <p:sp>
+        <p:nvSpPr>
+          <p:cNvPr id="14" name="Rectangle 13">
+            <a:extLst>
+              <a:ext uri="{FF2B5EF4-FFF2-40B4-BE49-F238E27FC236}">
+                <a16:creationId xmlns:a16="http://schemas.microsoft.com/office/drawing/2014/main" id="{F47303AA-CBCC-27BA-2B42-78C69CA0ABB1}"/>
+              </a:ext>
+            </a:extLst>
+          </p:cNvPr>
+          <p:cNvSpPr/>
+          <p:nvPr/>
+        </p:nvSpPr>
+        <p:spPr>
+          <a:xfrm>
+            <a:off x="5772409" y="130629"/>
+            <a:ext cx="3107094" cy="727788"/>
+          </a:xfrm>
+          <a:prstGeom prst="rect">
+            <a:avLst/>
+          </a:prstGeom>
+          <a:solidFill>
+            <a:srgbClr val="C00000"/>
+          </a:solidFill>
+        </p:spPr>
+        <p:style>
+          <a:lnRef idx="2">
+            <a:schemeClr val="accent1">
+              <a:shade val="15000"/>
+            </a:schemeClr>
+          </a:lnRef>
+          <a:fillRef idx="1">
+            <a:schemeClr val="accent1"/>
+          </a:fillRef>
+          <a:effectRef idx="0">
+            <a:schemeClr val="accent1"/>
+          </a:effectRef>
+          <a:fontRef idx="minor">
+            <a:schemeClr val="lt1"/>
+          </a:fontRef>
+        </p:style>
+        <p:txBody>
+          <a:bodyPr rtlCol="0" anchor="ctr"/>
+          <a:lstStyle/>
+          <a:p>
+            <a:pPr algn="ctr"/>
+            <a:r>
+              <a:rPr lang="en-US" sz="1600" b="1" dirty="0"/>
+              <a:t>ActionContext</a:t>
+            </a:r>
+          </a:p>
+          <a:p>
+            <a:pPr algn="ctr"/>
+            <a:r>
+              <a:rPr lang="en-US" sz="1600" b="1" dirty="0"/>
+              <a:t>Check for Authentication and Authorization</a:t>
+            </a:r>
+          </a:p>
+        </p:txBody>
+      </p:sp>
+      <p:cxnSp>
+        <p:nvCxnSpPr>
+          <p:cNvPr id="16" name="Connector: Elbow 15">
+            <a:extLst>
+              <a:ext uri="{FF2B5EF4-FFF2-40B4-BE49-F238E27FC236}">
+                <a16:creationId xmlns:a16="http://schemas.microsoft.com/office/drawing/2014/main" id="{64B7C293-E691-243E-F35B-A47E9EB561FD}"/>
+              </a:ext>
+            </a:extLst>
+          </p:cNvPr>
+          <p:cNvCxnSpPr>
+            <a:stCxn id="13" idx="2"/>
+            <a:endCxn id="14" idx="1"/>
+          </p:cNvCxnSpPr>
+          <p:nvPr/>
+        </p:nvCxnSpPr>
+        <p:spPr>
+          <a:xfrm rot="5400000" flipH="1" flipV="1">
+            <a:off x="1000578" y="1134448"/>
+            <a:ext cx="5411755" cy="4131906"/>
+          </a:xfrm>
+          <a:prstGeom prst="bentConnector4">
+            <a:avLst>
+              <a:gd name="adj1" fmla="val -4224"/>
+              <a:gd name="adj2" fmla="val 68799"/>
+            </a:avLst>
+          </a:prstGeom>
+          <a:ln>
+            <a:tailEnd type="triangle"/>
+          </a:ln>
+        </p:spPr>
+        <p:style>
+          <a:lnRef idx="1">
+            <a:schemeClr val="accent1"/>
+          </a:lnRef>
+          <a:fillRef idx="0">
+            <a:schemeClr val="accent1"/>
+          </a:fillRef>
+          <a:effectRef idx="0">
+            <a:schemeClr val="accent1"/>
+          </a:effectRef>
+          <a:fontRef idx="minor">
+            <a:schemeClr val="tx1"/>
+          </a:fontRef>
+        </p:style>
+      </p:cxnSp>
+      <p:cxnSp>
+        <p:nvCxnSpPr>
+          <p:cNvPr id="18" name="Connector: Elbow 17">
+            <a:extLst>
+              <a:ext uri="{FF2B5EF4-FFF2-40B4-BE49-F238E27FC236}">
+                <a16:creationId xmlns:a16="http://schemas.microsoft.com/office/drawing/2014/main" id="{BAEAA7CC-2855-A66C-722C-62BA5B62E09D}"/>
+              </a:ext>
+            </a:extLst>
+          </p:cNvPr>
+          <p:cNvCxnSpPr>
+            <a:cxnSpLocks/>
+            <a:stCxn id="14" idx="1"/>
+            <a:endCxn id="7" idx="3"/>
+          </p:cNvCxnSpPr>
+          <p:nvPr/>
+        </p:nvCxnSpPr>
+        <p:spPr>
+          <a:xfrm rot="10800000" flipV="1">
+            <a:off x="5019869" y="494522"/>
+            <a:ext cx="752540" cy="2332853"/>
+          </a:xfrm>
+          <a:prstGeom prst="bentConnector3">
+            <a:avLst>
+              <a:gd name="adj1" fmla="val 50000"/>
+            </a:avLst>
+          </a:prstGeom>
+          <a:ln>
+            <a:tailEnd type="triangle"/>
+          </a:ln>
+        </p:spPr>
+        <p:style>
+          <a:lnRef idx="1">
+            <a:schemeClr val="accent1"/>
+          </a:lnRef>
+          <a:fillRef idx="0">
+            <a:schemeClr val="accent1"/>
+          </a:fillRef>
+          <a:effectRef idx="0">
+            <a:schemeClr val="accent1"/>
+          </a:effectRef>
+          <a:fontRef idx="minor">
+            <a:schemeClr val="tx1"/>
+          </a:fontRef>
+        </p:style>
+      </p:cxnSp>
+      <p:sp>
+        <p:nvSpPr>
+          <p:cNvPr id="20" name="Rectangle 19">
+            <a:extLst>
+              <a:ext uri="{FF2B5EF4-FFF2-40B4-BE49-F238E27FC236}">
+                <a16:creationId xmlns:a16="http://schemas.microsoft.com/office/drawing/2014/main" id="{9BBAFDE1-1E7C-3310-115B-85A7C6DEA5AF}"/>
+              </a:ext>
+            </a:extLst>
+          </p:cNvPr>
+          <p:cNvSpPr/>
+          <p:nvPr/>
+        </p:nvSpPr>
+        <p:spPr>
+          <a:xfrm>
+            <a:off x="5772409" y="1115108"/>
+            <a:ext cx="3107094" cy="727788"/>
+          </a:xfrm>
+          <a:prstGeom prst="rect">
+            <a:avLst/>
+          </a:prstGeom>
+          <a:solidFill>
+            <a:schemeClr val="accent6">
+              <a:lumMod val="50000"/>
+            </a:schemeClr>
+          </a:solidFill>
+        </p:spPr>
+        <p:style>
+          <a:lnRef idx="2">
+            <a:schemeClr val="accent1">
+              <a:shade val="15000"/>
+            </a:schemeClr>
+          </a:lnRef>
+          <a:fillRef idx="1">
+            <a:schemeClr val="accent1"/>
+          </a:fillRef>
+          <a:effectRef idx="0">
+            <a:schemeClr val="accent1"/>
+          </a:effectRef>
+          <a:fontRef idx="minor">
+            <a:schemeClr val="lt1"/>
+          </a:fontRef>
+        </p:style>
+        <p:txBody>
+          <a:bodyPr rtlCol="0" anchor="ctr"/>
+          <a:lstStyle/>
+          <a:p>
+            <a:pPr algn="ctr"/>
+            <a:r>
+              <a:rPr lang="en-US" sz="1600" b="1" dirty="0"/>
+              <a:t>Initialize Filters (If filters are applied) </a:t>
+            </a:r>
+          </a:p>
+        </p:txBody>
+      </p:sp>
+      <p:cxnSp>
+        <p:nvCxnSpPr>
+          <p:cNvPr id="22" name="Connector: Elbow 21">
+            <a:extLst>
+              <a:ext uri="{FF2B5EF4-FFF2-40B4-BE49-F238E27FC236}">
+                <a16:creationId xmlns:a16="http://schemas.microsoft.com/office/drawing/2014/main" id="{7568072F-98F4-C36E-4974-B6902E1ACC97}"/>
+              </a:ext>
+            </a:extLst>
+          </p:cNvPr>
+          <p:cNvCxnSpPr>
+            <a:stCxn id="14" idx="2"/>
+            <a:endCxn id="20" idx="0"/>
+          </p:cNvCxnSpPr>
+          <p:nvPr/>
+        </p:nvCxnSpPr>
+        <p:spPr>
+          <a:xfrm rot="5400000">
+            <a:off x="7197611" y="986762"/>
+            <a:ext cx="256691" cy="12700"/>
+          </a:xfrm>
+          <a:prstGeom prst="bentConnector3">
+            <a:avLst/>
+          </a:prstGeom>
+          <a:ln>
+            <a:tailEnd type="triangle"/>
+          </a:ln>
+        </p:spPr>
+        <p:style>
+          <a:lnRef idx="1">
+            <a:schemeClr val="accent1"/>
+          </a:lnRef>
+          <a:fillRef idx="0">
+            <a:schemeClr val="accent1"/>
+          </a:fillRef>
+          <a:effectRef idx="0">
+            <a:schemeClr val="accent1"/>
+          </a:effectRef>
+          <a:fontRef idx="minor">
+            <a:schemeClr val="tx1"/>
+          </a:fontRef>
+        </p:style>
+      </p:cxnSp>
+      <p:sp>
+        <p:nvSpPr>
+          <p:cNvPr id="23" name="Rectangle 22">
+            <a:extLst>
+              <a:ext uri="{FF2B5EF4-FFF2-40B4-BE49-F238E27FC236}">
+                <a16:creationId xmlns:a16="http://schemas.microsoft.com/office/drawing/2014/main" id="{156A8062-E9E8-D751-3D74-668A5CC4BD6F}"/>
+              </a:ext>
+            </a:extLst>
+          </p:cNvPr>
+          <p:cNvSpPr/>
+          <p:nvPr/>
+        </p:nvSpPr>
+        <p:spPr>
+          <a:xfrm>
+            <a:off x="5850293" y="2563339"/>
+            <a:ext cx="3107094" cy="1271048"/>
+          </a:xfrm>
+          <a:prstGeom prst="rect">
+            <a:avLst/>
+          </a:prstGeom>
+        </p:spPr>
+        <p:style>
+          <a:lnRef idx="2">
+            <a:schemeClr val="accent1">
+              <a:shade val="15000"/>
+            </a:schemeClr>
+          </a:lnRef>
+          <a:fillRef idx="1">
+            <a:schemeClr val="accent1"/>
+          </a:fillRef>
+          <a:effectRef idx="0">
+            <a:schemeClr val="accent1"/>
+          </a:effectRef>
+          <a:fontRef idx="minor">
+            <a:schemeClr val="lt1"/>
+          </a:fontRef>
+        </p:style>
+        <p:txBody>
+          <a:bodyPr rtlCol="0" anchor="ctr"/>
+          <a:lstStyle/>
+          <a:p>
+            <a:pPr algn="ctr"/>
+            <a:r>
+              <a:rPr lang="en-US" sz="1600" b="1" dirty="0"/>
+              <a:t>Execute Action Method</a:t>
+            </a:r>
+          </a:p>
+          <a:p>
+            <a:pPr algn="ctr"/>
+            <a:r>
+              <a:rPr lang="en-US" sz="1600" b="1" dirty="0"/>
+              <a:t>Validation Check for Parameters in Case of POST and PUT Request. Also, Handle Exceptions if any  </a:t>
+            </a:r>
+          </a:p>
+        </p:txBody>
+      </p:sp>
+      <p:sp>
+        <p:nvSpPr>
+          <p:cNvPr id="25" name="TextBox 24">
+            <a:extLst>
+              <a:ext uri="{FF2B5EF4-FFF2-40B4-BE49-F238E27FC236}">
+                <a16:creationId xmlns:a16="http://schemas.microsoft.com/office/drawing/2014/main" id="{F28592B7-131D-903F-1448-3EA7447285F4}"/>
+              </a:ext>
+            </a:extLst>
+          </p:cNvPr>
+          <p:cNvSpPr txBox="1"/>
+          <p:nvPr/>
+        </p:nvSpPr>
+        <p:spPr>
+          <a:xfrm>
+            <a:off x="5674698" y="2093238"/>
+            <a:ext cx="3357335" cy="369332"/>
+          </a:xfrm>
+          <a:prstGeom prst="rect">
+            <a:avLst/>
+          </a:prstGeom>
+          <a:noFill/>
+        </p:spPr>
+        <p:txBody>
+          <a:bodyPr wrap="square" rtlCol="0">
+            <a:spAutoFit/>
+          </a:bodyPr>
+          <a:lstStyle/>
+          <a:p>
+            <a:pPr algn="ctr"/>
+            <a:r>
+              <a:rPr lang="en-US" b="1" dirty="0"/>
+              <a:t>ActionExecutingContext</a:t>
+            </a:r>
+          </a:p>
+        </p:txBody>
+      </p:sp>
+      <p:sp>
+        <p:nvSpPr>
+          <p:cNvPr id="26" name="TextBox 25">
+            <a:extLst>
+              <a:ext uri="{FF2B5EF4-FFF2-40B4-BE49-F238E27FC236}">
+                <a16:creationId xmlns:a16="http://schemas.microsoft.com/office/drawing/2014/main" id="{350EE783-3EB3-74E6-A434-8C9DA3FEA2F5}"/>
+              </a:ext>
+            </a:extLst>
+          </p:cNvPr>
+          <p:cNvSpPr txBox="1"/>
+          <p:nvPr/>
+        </p:nvSpPr>
+        <p:spPr>
+          <a:xfrm>
+            <a:off x="5634587" y="3876619"/>
+            <a:ext cx="3357335" cy="369332"/>
+          </a:xfrm>
+          <a:prstGeom prst="rect">
+            <a:avLst/>
+          </a:prstGeom>
+          <a:noFill/>
+        </p:spPr>
+        <p:txBody>
+          <a:bodyPr wrap="square" rtlCol="0">
+            <a:spAutoFit/>
+          </a:bodyPr>
+          <a:lstStyle/>
+          <a:p>
+            <a:pPr algn="ctr"/>
+            <a:r>
+              <a:rPr lang="en-US" b="1" dirty="0"/>
+              <a:t>ActionExecutedContext</a:t>
+            </a:r>
+          </a:p>
+        </p:txBody>
+      </p:sp>
+      <p:sp>
+        <p:nvSpPr>
+          <p:cNvPr id="27" name="Arrow: Right 26">
+            <a:extLst>
+              <a:ext uri="{FF2B5EF4-FFF2-40B4-BE49-F238E27FC236}">
+                <a16:creationId xmlns:a16="http://schemas.microsoft.com/office/drawing/2014/main" id="{AC0A208B-F1F4-5223-1B49-58780EF8741F}"/>
+              </a:ext>
+            </a:extLst>
+          </p:cNvPr>
+          <p:cNvSpPr/>
+          <p:nvPr/>
+        </p:nvSpPr>
+        <p:spPr>
+          <a:xfrm>
+            <a:off x="8957387" y="2989036"/>
+            <a:ext cx="1418254" cy="439964"/>
+          </a:xfrm>
+          <a:prstGeom prst="rightArrow">
+            <a:avLst/>
+          </a:prstGeom>
+        </p:spPr>
+        <p:style>
+          <a:lnRef idx="2">
+            <a:schemeClr val="accent1">
+              <a:shade val="15000"/>
+            </a:schemeClr>
+          </a:lnRef>
+          <a:fillRef idx="1">
+            <a:schemeClr val="accent1"/>
+          </a:fillRef>
+          <a:effectRef idx="0">
+            <a:schemeClr val="accent1"/>
+          </a:effectRef>
+          <a:fontRef idx="minor">
+            <a:schemeClr val="lt1"/>
+          </a:fontRef>
+        </p:style>
+        <p:txBody>
+          <a:bodyPr rtlCol="0" anchor="ctr"/>
+          <a:lstStyle/>
+          <a:p>
+            <a:pPr algn="ctr"/>
+            <a:endParaRPr lang="en-US"/>
+          </a:p>
+        </p:txBody>
+      </p:sp>
+      <p:sp>
+        <p:nvSpPr>
+          <p:cNvPr id="28" name="Rectangle 27">
+            <a:extLst>
+              <a:ext uri="{FF2B5EF4-FFF2-40B4-BE49-F238E27FC236}">
+                <a16:creationId xmlns:a16="http://schemas.microsoft.com/office/drawing/2014/main" id="{1117D28E-BD6F-3B87-8287-2D5E02C10171}"/>
+              </a:ext>
+            </a:extLst>
+          </p:cNvPr>
+          <p:cNvSpPr/>
+          <p:nvPr/>
+        </p:nvSpPr>
+        <p:spPr>
+          <a:xfrm>
+            <a:off x="9371174" y="2157952"/>
+            <a:ext cx="2655985" cy="824734"/>
+          </a:xfrm>
+          <a:prstGeom prst="rect">
+            <a:avLst/>
+          </a:prstGeom>
+        </p:spPr>
+        <p:style>
+          <a:lnRef idx="2">
+            <a:schemeClr val="accent6"/>
+          </a:lnRef>
+          <a:fillRef idx="1">
+            <a:schemeClr val="lt1"/>
+          </a:fillRef>
+          <a:effectRef idx="0">
+            <a:schemeClr val="accent6"/>
+          </a:effectRef>
+          <a:fontRef idx="minor">
+            <a:schemeClr val="dk1"/>
+          </a:fontRef>
+        </p:style>
+        <p:txBody>
+          <a:bodyPr rtlCol="0" anchor="ctr"/>
+          <a:lstStyle/>
+          <a:p>
+            <a:pPr algn="ctr"/>
+            <a:r>
+              <a:rPr lang="en-US" sz="1400" b="1" dirty="0"/>
+              <a:t>If Exception then Error Response using Either Exception Filter or Exception Middleware</a:t>
+            </a:r>
+          </a:p>
+        </p:txBody>
+      </p:sp>
+      <p:cxnSp>
+        <p:nvCxnSpPr>
+          <p:cNvPr id="30" name="Connector: Elbow 29">
+            <a:extLst>
+              <a:ext uri="{FF2B5EF4-FFF2-40B4-BE49-F238E27FC236}">
+                <a16:creationId xmlns:a16="http://schemas.microsoft.com/office/drawing/2014/main" id="{26441C7C-AA88-135D-8719-EA265879A4E4}"/>
+              </a:ext>
+            </a:extLst>
+          </p:cNvPr>
+          <p:cNvCxnSpPr>
+            <a:stCxn id="2" idx="3"/>
+            <a:endCxn id="4" idx="0"/>
+          </p:cNvCxnSpPr>
+          <p:nvPr/>
+        </p:nvCxnSpPr>
+        <p:spPr>
+          <a:xfrm flipH="1">
+            <a:off x="1646853" y="433874"/>
+            <a:ext cx="723123" cy="1516224"/>
+          </a:xfrm>
+          <a:prstGeom prst="bentConnector4">
+            <a:avLst>
+              <a:gd name="adj1" fmla="val -180000"/>
+              <a:gd name="adj2" fmla="val 76000"/>
+            </a:avLst>
+          </a:prstGeom>
+          <a:ln>
+            <a:tailEnd type="triangle"/>
+          </a:ln>
+        </p:spPr>
+        <p:style>
+          <a:lnRef idx="1">
+            <a:schemeClr val="accent1"/>
+          </a:lnRef>
+          <a:fillRef idx="0">
+            <a:schemeClr val="accent1"/>
+          </a:fillRef>
+          <a:effectRef idx="0">
+            <a:schemeClr val="accent1"/>
+          </a:effectRef>
+          <a:fontRef idx="minor">
+            <a:schemeClr val="tx1"/>
+          </a:fontRef>
+        </p:style>
+      </p:cxnSp>
+      <p:sp>
+        <p:nvSpPr>
+          <p:cNvPr id="33" name="Arrow: Down 32">
+            <a:extLst>
+              <a:ext uri="{FF2B5EF4-FFF2-40B4-BE49-F238E27FC236}">
+                <a16:creationId xmlns:a16="http://schemas.microsoft.com/office/drawing/2014/main" id="{A0957B94-DAD4-4DF3-4665-15B8BAD299A8}"/>
+              </a:ext>
+            </a:extLst>
+          </p:cNvPr>
+          <p:cNvSpPr/>
+          <p:nvPr/>
+        </p:nvSpPr>
+        <p:spPr>
+          <a:xfrm>
+            <a:off x="7067939" y="4426092"/>
+            <a:ext cx="765110" cy="584447"/>
+          </a:xfrm>
+          <a:prstGeom prst="downArrow">
+            <a:avLst/>
+          </a:prstGeom>
+        </p:spPr>
+        <p:style>
+          <a:lnRef idx="2">
+            <a:schemeClr val="accent1">
+              <a:shade val="15000"/>
+            </a:schemeClr>
+          </a:lnRef>
+          <a:fillRef idx="1">
+            <a:schemeClr val="accent1"/>
+          </a:fillRef>
+          <a:effectRef idx="0">
+            <a:schemeClr val="accent1"/>
+          </a:effectRef>
+          <a:fontRef idx="minor">
+            <a:schemeClr val="lt1"/>
+          </a:fontRef>
+        </p:style>
+        <p:txBody>
+          <a:bodyPr rtlCol="0" anchor="ctr"/>
+          <a:lstStyle/>
+          <a:p>
+            <a:pPr algn="ctr"/>
+            <a:endParaRPr lang="en-US"/>
+          </a:p>
+        </p:txBody>
+      </p:sp>
+      <p:sp>
+        <p:nvSpPr>
+          <p:cNvPr id="34" name="Rectangle 33">
+            <a:extLst>
+              <a:ext uri="{FF2B5EF4-FFF2-40B4-BE49-F238E27FC236}">
+                <a16:creationId xmlns:a16="http://schemas.microsoft.com/office/drawing/2014/main" id="{2394F38C-32DA-D462-6D67-E49FAC00F9AA}"/>
+              </a:ext>
+            </a:extLst>
+          </p:cNvPr>
+          <p:cNvSpPr/>
+          <p:nvPr/>
+        </p:nvSpPr>
+        <p:spPr>
+          <a:xfrm>
+            <a:off x="5186201" y="5010539"/>
+            <a:ext cx="4528586" cy="1183405"/>
+          </a:xfrm>
+          <a:prstGeom prst="rect">
+            <a:avLst/>
+          </a:prstGeom>
+          <a:solidFill>
+            <a:srgbClr val="002060"/>
+          </a:solidFill>
+        </p:spPr>
+        <p:style>
+          <a:lnRef idx="1">
+            <a:schemeClr val="accent2"/>
+          </a:lnRef>
+          <a:fillRef idx="2">
+            <a:schemeClr val="accent2"/>
+          </a:fillRef>
+          <a:effectRef idx="1">
+            <a:schemeClr val="accent2"/>
+          </a:effectRef>
+          <a:fontRef idx="minor">
+            <a:schemeClr val="dk1"/>
+          </a:fontRef>
+        </p:style>
+        <p:txBody>
+          <a:bodyPr rtlCol="0" anchor="ctr"/>
+          <a:lstStyle/>
+          <a:p>
+            <a:pPr algn="ctr"/>
+            <a:r>
+              <a:rPr lang="en-US" b="1" dirty="0">
+                <a:solidFill>
+                  <a:srgbClr val="FFFF00"/>
+                </a:solidFill>
+              </a:rPr>
+              <a:t>Response with JSON Data /  Other Formatter /  File Download</a:t>
+            </a:r>
+          </a:p>
+        </p:txBody>
+      </p:sp>
+      <p:sp>
+        <p:nvSpPr>
+          <p:cNvPr id="35" name="Arrow: Right 34">
+            <a:extLst>
+              <a:ext uri="{FF2B5EF4-FFF2-40B4-BE49-F238E27FC236}">
+                <a16:creationId xmlns:a16="http://schemas.microsoft.com/office/drawing/2014/main" id="{872826B7-0B18-7D32-7C0B-1ADCA72C7FC1}"/>
+              </a:ext>
+            </a:extLst>
+          </p:cNvPr>
+          <p:cNvSpPr/>
+          <p:nvPr/>
+        </p:nvSpPr>
+        <p:spPr>
+          <a:xfrm>
+            <a:off x="9714787" y="5350906"/>
+            <a:ext cx="1202029" cy="522515"/>
+          </a:xfrm>
+          <a:prstGeom prst="rightArrow">
+            <a:avLst/>
+          </a:prstGeom>
+        </p:spPr>
+        <p:style>
+          <a:lnRef idx="2">
+            <a:schemeClr val="accent1">
+              <a:shade val="15000"/>
+            </a:schemeClr>
+          </a:lnRef>
+          <a:fillRef idx="1">
+            <a:schemeClr val="accent1"/>
+          </a:fillRef>
+          <a:effectRef idx="0">
+            <a:schemeClr val="accent1"/>
+          </a:effectRef>
+          <a:fontRef idx="minor">
+            <a:schemeClr val="lt1"/>
+          </a:fontRef>
+        </p:style>
+        <p:txBody>
+          <a:bodyPr rtlCol="0" anchor="ctr"/>
+          <a:lstStyle/>
+          <a:p>
+            <a:pPr algn="ctr"/>
+            <a:endParaRPr lang="en-US"/>
+          </a:p>
+        </p:txBody>
+      </p:sp>
+      <p:sp>
+        <p:nvSpPr>
+          <p:cNvPr id="36" name="TextBox 35">
+            <a:extLst>
+              <a:ext uri="{FF2B5EF4-FFF2-40B4-BE49-F238E27FC236}">
+                <a16:creationId xmlns:a16="http://schemas.microsoft.com/office/drawing/2014/main" id="{61791703-2112-A244-53E1-FEFAFEDFE25F}"/>
+              </a:ext>
+            </a:extLst>
+          </p:cNvPr>
+          <p:cNvSpPr txBox="1"/>
+          <p:nvPr/>
+        </p:nvSpPr>
+        <p:spPr>
+          <a:xfrm>
+            <a:off x="9946433" y="4637314"/>
+            <a:ext cx="1940767" cy="830997"/>
+          </a:xfrm>
+          <a:prstGeom prst="rect">
+            <a:avLst/>
+          </a:prstGeom>
+          <a:noFill/>
+        </p:spPr>
+        <p:txBody>
+          <a:bodyPr wrap="square" rtlCol="0">
+            <a:spAutoFit/>
+          </a:bodyPr>
+          <a:lstStyle/>
+          <a:p>
+            <a:pPr algn="ctr"/>
+            <a:r>
+              <a:rPr lang="en-US" sz="1600" b="1" dirty="0"/>
+              <a:t>Go Back to Middleware Pipeline to Deliver Response</a:t>
+            </a:r>
+          </a:p>
+        </p:txBody>
+      </p:sp>
+      <p:sp>
+        <p:nvSpPr>
+          <p:cNvPr id="37" name="TextBox 36">
+            <a:extLst>
+              <a:ext uri="{FF2B5EF4-FFF2-40B4-BE49-F238E27FC236}">
+                <a16:creationId xmlns:a16="http://schemas.microsoft.com/office/drawing/2014/main" id="{367D7046-A292-D21A-A620-1A7ECBCF8895}"/>
+              </a:ext>
+            </a:extLst>
+          </p:cNvPr>
+          <p:cNvSpPr txBox="1"/>
+          <p:nvPr/>
+        </p:nvSpPr>
+        <p:spPr>
+          <a:xfrm>
+            <a:off x="7903028" y="4496649"/>
+            <a:ext cx="1763486" cy="523220"/>
+          </a:xfrm>
+          <a:prstGeom prst="rect">
+            <a:avLst/>
+          </a:prstGeom>
+          <a:noFill/>
+        </p:spPr>
+        <p:txBody>
+          <a:bodyPr wrap="square" rtlCol="0">
+            <a:spAutoFit/>
+          </a:bodyPr>
+          <a:lstStyle/>
+          <a:p>
+            <a:r>
+              <a:rPr lang="en-US" sz="1400" b="1" dirty="0"/>
+              <a:t>ControllerContext is Over</a:t>
+            </a:r>
+          </a:p>
+        </p:txBody>
+      </p:sp>
+    </p:spTree>
+    <p:extLst>
+      <p:ext uri="{BB962C8B-B14F-4D97-AF65-F5344CB8AC3E}">
+        <p14:creationId xmlns:p14="http://schemas.microsoft.com/office/powerpoint/2010/main" val="2708683693"/>
+      </p:ext>
+    </p:extLst>
+  </p:cSld>
+  <p:clrMapOvr>
+    <a:masterClrMapping/>
+  </p:clrMapOvr>
+</p:sld>
+</file>
+
+<file path=ppt/slides/slide23.xml><?xml version="1.0" encoding="utf-8"?>
+<p:sld xmlns:a="http://schemas.openxmlformats.org/drawingml/2006/main" xmlns:r="http://schemas.openxmlformats.org/officeDocument/2006/relationships" xmlns:p="http://schemas.openxmlformats.org/presentationml/2006/main">
+  <p:cSld>
+    <p:spTree>
+      <p:nvGrpSpPr>
+        <p:cNvPr id="1" name=""/>
+        <p:cNvGrpSpPr/>
+        <p:nvPr/>
+      </p:nvGrpSpPr>
+      <p:grpSpPr>
+        <a:xfrm>
+          <a:off x="0" y="0"/>
+          <a:ext cx="0" cy="0"/>
+          <a:chOff x="0" y="0"/>
+          <a:chExt cx="0" cy="0"/>
+        </a:xfrm>
+      </p:grpSpPr>
+      <p:sp>
+        <p:nvSpPr>
+          <p:cNvPr id="2" name="Rectangle: Rounded Corners 1">
+            <a:extLst>
+              <a:ext uri="{FF2B5EF4-FFF2-40B4-BE49-F238E27FC236}">
+                <a16:creationId xmlns:a16="http://schemas.microsoft.com/office/drawing/2014/main" id="{9209E31F-64CC-203B-7FFF-919CDB1FE1B7}"/>
+              </a:ext>
+            </a:extLst>
+          </p:cNvPr>
+          <p:cNvSpPr/>
+          <p:nvPr/>
+        </p:nvSpPr>
+        <p:spPr>
+          <a:xfrm>
+            <a:off x="7753739" y="1679510"/>
+            <a:ext cx="2509934" cy="1492898"/>
+          </a:xfrm>
+          <a:prstGeom prst="roundRect">
+            <a:avLst/>
+          </a:prstGeom>
+        </p:spPr>
+        <p:style>
+          <a:lnRef idx="2">
+            <a:schemeClr val="accent1">
+              <a:shade val="15000"/>
+            </a:schemeClr>
+          </a:lnRef>
+          <a:fillRef idx="1">
+            <a:schemeClr val="accent1"/>
+          </a:fillRef>
+          <a:effectRef idx="0">
+            <a:schemeClr val="accent1"/>
+          </a:effectRef>
+          <a:fontRef idx="minor">
+            <a:schemeClr val="lt1"/>
+          </a:fontRef>
+        </p:style>
+        <p:txBody>
+          <a:bodyPr rtlCol="0" anchor="ctr"/>
+          <a:lstStyle/>
+          <a:p>
+            <a:pPr algn="ctr"/>
+            <a:r>
+              <a:rPr lang="en-US" dirty="0"/>
+              <a:t>REST App</a:t>
+            </a:r>
+          </a:p>
+          <a:p>
+            <a:pPr algn="ctr"/>
+            <a:r>
+              <a:rPr lang="en-US" dirty="0"/>
+              <a:t>https:/localhost:7298</a:t>
+            </a:r>
+          </a:p>
+        </p:txBody>
+      </p:sp>
+      <p:sp>
+        <p:nvSpPr>
+          <p:cNvPr id="3" name="Rectangle: Rounded Corners 2">
+            <a:extLst>
+              <a:ext uri="{FF2B5EF4-FFF2-40B4-BE49-F238E27FC236}">
+                <a16:creationId xmlns:a16="http://schemas.microsoft.com/office/drawing/2014/main" id="{45C7D5C6-0718-FDA4-87E2-626CEC05F988}"/>
+              </a:ext>
+            </a:extLst>
+          </p:cNvPr>
+          <p:cNvSpPr/>
+          <p:nvPr/>
+        </p:nvSpPr>
+        <p:spPr>
+          <a:xfrm>
+            <a:off x="1318727" y="1679510"/>
+            <a:ext cx="2509934" cy="1492898"/>
+          </a:xfrm>
+          <a:prstGeom prst="roundRect">
+            <a:avLst/>
+          </a:prstGeom>
+        </p:spPr>
+        <p:style>
+          <a:lnRef idx="2">
+            <a:schemeClr val="accent1">
+              <a:shade val="15000"/>
+            </a:schemeClr>
+          </a:lnRef>
+          <a:fillRef idx="1">
+            <a:schemeClr val="accent1"/>
+          </a:fillRef>
+          <a:effectRef idx="0">
+            <a:schemeClr val="accent1"/>
+          </a:effectRef>
+          <a:fontRef idx="minor">
+            <a:schemeClr val="lt1"/>
+          </a:fontRef>
+        </p:style>
+        <p:txBody>
+          <a:bodyPr rtlCol="0" anchor="ctr"/>
+          <a:lstStyle/>
+          <a:p>
+            <a:pPr algn="ctr"/>
+            <a:r>
               <a:rPr lang="en-US" dirty="0"/>
               <a:t>Client App</a:t>
             </a:r>
@@ -16961,6 +17569,3275 @@
     <p:extLst>
       <p:ext uri="{BB962C8B-B14F-4D97-AF65-F5344CB8AC3E}">
         <p14:creationId xmlns:p14="http://schemas.microsoft.com/office/powerpoint/2010/main" val="1155322061"/>
+      </p:ext>
+    </p:extLst>
+  </p:cSld>
+  <p:clrMapOvr>
+    <a:masterClrMapping/>
+  </p:clrMapOvr>
+</p:sld>
+</file>
+
+<file path=ppt/slides/slide24.xml><?xml version="1.0" encoding="utf-8"?>
+<p:sld xmlns:a="http://schemas.openxmlformats.org/drawingml/2006/main" xmlns:r="http://schemas.openxmlformats.org/officeDocument/2006/relationships" xmlns:p="http://schemas.openxmlformats.org/presentationml/2006/main">
+  <p:cSld>
+    <p:spTree>
+      <p:nvGrpSpPr>
+        <p:cNvPr id="1" name=""/>
+        <p:cNvGrpSpPr/>
+        <p:nvPr/>
+      </p:nvGrpSpPr>
+      <p:grpSpPr>
+        <a:xfrm>
+          <a:off x="0" y="0"/>
+          <a:ext cx="0" cy="0"/>
+          <a:chOff x="0" y="0"/>
+          <a:chExt cx="0" cy="0"/>
+        </a:xfrm>
+      </p:grpSpPr>
+      <p:sp>
+        <p:nvSpPr>
+          <p:cNvPr id="2" name="Rectangle 1">
+            <a:extLst>
+              <a:ext uri="{FF2B5EF4-FFF2-40B4-BE49-F238E27FC236}">
+                <a16:creationId xmlns:a16="http://schemas.microsoft.com/office/drawing/2014/main" id="{64C1082C-B022-425F-AEBB-5B85DD6A2D87}"/>
+              </a:ext>
+            </a:extLst>
+          </p:cNvPr>
+          <p:cNvSpPr/>
+          <p:nvPr/>
+        </p:nvSpPr>
+        <p:spPr>
+          <a:xfrm>
+            <a:off x="6540759" y="774441"/>
+            <a:ext cx="3965510" cy="4599992"/>
+          </a:xfrm>
+          <a:prstGeom prst="rect">
+            <a:avLst/>
+          </a:prstGeom>
+          <a:solidFill>
+            <a:schemeClr val="accent2">
+              <a:lumMod val="20000"/>
+              <a:lumOff val="80000"/>
+            </a:schemeClr>
+          </a:solidFill>
+        </p:spPr>
+        <p:style>
+          <a:lnRef idx="2">
+            <a:schemeClr val="accent1">
+              <a:shade val="15000"/>
+            </a:schemeClr>
+          </a:lnRef>
+          <a:fillRef idx="1">
+            <a:schemeClr val="accent1"/>
+          </a:fillRef>
+          <a:effectRef idx="0">
+            <a:schemeClr val="accent1"/>
+          </a:effectRef>
+          <a:fontRef idx="minor">
+            <a:schemeClr val="lt1"/>
+          </a:fontRef>
+        </p:style>
+        <p:txBody>
+          <a:bodyPr rtlCol="0" anchor="ctr"/>
+          <a:lstStyle/>
+          <a:p>
+            <a:pPr algn="ctr"/>
+            <a:endParaRPr lang="en-US" b="1" dirty="0"/>
+          </a:p>
+        </p:txBody>
+      </p:sp>
+      <p:sp>
+        <p:nvSpPr>
+          <p:cNvPr id="3" name="TextBox 2">
+            <a:extLst>
+              <a:ext uri="{FF2B5EF4-FFF2-40B4-BE49-F238E27FC236}">
+                <a16:creationId xmlns:a16="http://schemas.microsoft.com/office/drawing/2014/main" id="{A7DC5F64-2422-410D-76DC-61763E914F41}"/>
+              </a:ext>
+            </a:extLst>
+          </p:cNvPr>
+          <p:cNvSpPr txBox="1"/>
+          <p:nvPr/>
+        </p:nvSpPr>
+        <p:spPr>
+          <a:xfrm>
+            <a:off x="6643396" y="933061"/>
+            <a:ext cx="3657600" cy="369332"/>
+          </a:xfrm>
+          <a:prstGeom prst="rect">
+            <a:avLst/>
+          </a:prstGeom>
+          <a:noFill/>
+        </p:spPr>
+        <p:txBody>
+          <a:bodyPr wrap="square" rtlCol="0">
+            <a:spAutoFit/>
+          </a:bodyPr>
+          <a:lstStyle/>
+          <a:p>
+            <a:pPr algn="ctr"/>
+            <a:r>
+              <a:rPr lang="en-US" b="1" dirty="0"/>
+              <a:t>IIS Web Server</a:t>
+            </a:r>
+          </a:p>
+        </p:txBody>
+      </p:sp>
+      <p:sp>
+        <p:nvSpPr>
+          <p:cNvPr id="4" name="Rectangle: Rounded Corners 3">
+            <a:extLst>
+              <a:ext uri="{FF2B5EF4-FFF2-40B4-BE49-F238E27FC236}">
+                <a16:creationId xmlns:a16="http://schemas.microsoft.com/office/drawing/2014/main" id="{EB059DF6-DDFB-8CE7-3AD6-E3625A4BDF73}"/>
+              </a:ext>
+            </a:extLst>
+          </p:cNvPr>
+          <p:cNvSpPr/>
+          <p:nvPr/>
+        </p:nvSpPr>
+        <p:spPr>
+          <a:xfrm>
+            <a:off x="6540759" y="3526971"/>
+            <a:ext cx="3965510" cy="1651519"/>
+          </a:xfrm>
+          <a:prstGeom prst="roundRect">
+            <a:avLst/>
+          </a:prstGeom>
+          <a:solidFill>
+            <a:srgbClr val="7030A0"/>
+          </a:solidFill>
+        </p:spPr>
+        <p:style>
+          <a:lnRef idx="1">
+            <a:schemeClr val="accent4"/>
+          </a:lnRef>
+          <a:fillRef idx="2">
+            <a:schemeClr val="accent4"/>
+          </a:fillRef>
+          <a:effectRef idx="1">
+            <a:schemeClr val="accent4"/>
+          </a:effectRef>
+          <a:fontRef idx="minor">
+            <a:schemeClr val="dk1"/>
+          </a:fontRef>
+        </p:style>
+        <p:txBody>
+          <a:bodyPr rtlCol="0" anchor="ctr"/>
+          <a:lstStyle/>
+          <a:p>
+            <a:pPr algn="ctr"/>
+            <a:r>
+              <a:rPr lang="en-US" b="1" dirty="0">
+                <a:solidFill>
+                  <a:srgbClr val="FFFF00"/>
+                </a:solidFill>
+              </a:rPr>
+              <a:t>ASP.NET Runtime</a:t>
+            </a:r>
+          </a:p>
+          <a:p>
+            <a:pPr algn="ctr"/>
+            <a:r>
+              <a:rPr lang="en-US" b="1" dirty="0">
+                <a:solidFill>
+                  <a:srgbClr val="FFFF00"/>
+                </a:solidFill>
+              </a:rPr>
+              <a:t>W3wp.exe</a:t>
+            </a:r>
+          </a:p>
+        </p:txBody>
+      </p:sp>
+      <p:sp>
+        <p:nvSpPr>
+          <p:cNvPr id="5" name="Rectangle 4">
+            <a:extLst>
+              <a:ext uri="{FF2B5EF4-FFF2-40B4-BE49-F238E27FC236}">
+                <a16:creationId xmlns:a16="http://schemas.microsoft.com/office/drawing/2014/main" id="{289F346A-B867-B7D3-1EFB-5FAE3A011A23}"/>
+              </a:ext>
+            </a:extLst>
+          </p:cNvPr>
+          <p:cNvSpPr/>
+          <p:nvPr/>
+        </p:nvSpPr>
+        <p:spPr>
+          <a:xfrm>
+            <a:off x="6792686" y="2995127"/>
+            <a:ext cx="3405673" cy="699795"/>
+          </a:xfrm>
+          <a:prstGeom prst="rect">
+            <a:avLst/>
+          </a:prstGeom>
+          <a:solidFill>
+            <a:srgbClr val="92D050"/>
+          </a:solidFill>
+        </p:spPr>
+        <p:style>
+          <a:lnRef idx="2">
+            <a:schemeClr val="accent1">
+              <a:shade val="15000"/>
+            </a:schemeClr>
+          </a:lnRef>
+          <a:fillRef idx="1">
+            <a:schemeClr val="accent1"/>
+          </a:fillRef>
+          <a:effectRef idx="0">
+            <a:schemeClr val="accent1"/>
+          </a:effectRef>
+          <a:fontRef idx="minor">
+            <a:schemeClr val="lt1"/>
+          </a:fontRef>
+        </p:style>
+        <p:txBody>
+          <a:bodyPr rtlCol="0" anchor="ctr"/>
+          <a:lstStyle/>
+          <a:p>
+            <a:pPr algn="ctr"/>
+            <a:r>
+              <a:rPr lang="en-US" b="1" dirty="0"/>
+              <a:t>HTTP Handler</a:t>
+            </a:r>
+          </a:p>
+        </p:txBody>
+      </p:sp>
+      <p:sp>
+        <p:nvSpPr>
+          <p:cNvPr id="6" name="Rectangle 5">
+            <a:extLst>
+              <a:ext uri="{FF2B5EF4-FFF2-40B4-BE49-F238E27FC236}">
+                <a16:creationId xmlns:a16="http://schemas.microsoft.com/office/drawing/2014/main" id="{51738657-7249-9841-C3A2-A027B35ED19A}"/>
+              </a:ext>
+            </a:extLst>
+          </p:cNvPr>
+          <p:cNvSpPr/>
+          <p:nvPr/>
+        </p:nvSpPr>
+        <p:spPr>
+          <a:xfrm>
+            <a:off x="6769359" y="2211357"/>
+            <a:ext cx="3405673" cy="699795"/>
+          </a:xfrm>
+          <a:prstGeom prst="rect">
+            <a:avLst/>
+          </a:prstGeom>
+          <a:solidFill>
+            <a:srgbClr val="FFC000"/>
+          </a:solidFill>
+        </p:spPr>
+        <p:style>
+          <a:lnRef idx="2">
+            <a:schemeClr val="accent1">
+              <a:shade val="15000"/>
+            </a:schemeClr>
+          </a:lnRef>
+          <a:fillRef idx="1">
+            <a:schemeClr val="accent1"/>
+          </a:fillRef>
+          <a:effectRef idx="0">
+            <a:schemeClr val="accent1"/>
+          </a:effectRef>
+          <a:fontRef idx="minor">
+            <a:schemeClr val="lt1"/>
+          </a:fontRef>
+        </p:style>
+        <p:txBody>
+          <a:bodyPr rtlCol="0" anchor="ctr"/>
+          <a:lstStyle/>
+          <a:p>
+            <a:pPr algn="ctr"/>
+            <a:r>
+              <a:rPr lang="en-US" b="1" dirty="0"/>
+              <a:t>HTTP Module</a:t>
+            </a:r>
+          </a:p>
+        </p:txBody>
+      </p:sp>
+      <p:sp>
+        <p:nvSpPr>
+          <p:cNvPr id="7" name="Rectangle 6">
+            <a:extLst>
+              <a:ext uri="{FF2B5EF4-FFF2-40B4-BE49-F238E27FC236}">
+                <a16:creationId xmlns:a16="http://schemas.microsoft.com/office/drawing/2014/main" id="{B08432C9-7323-DDAE-29B8-AC05DB0D781A}"/>
+              </a:ext>
+            </a:extLst>
+          </p:cNvPr>
+          <p:cNvSpPr/>
+          <p:nvPr/>
+        </p:nvSpPr>
+        <p:spPr>
+          <a:xfrm>
+            <a:off x="6769358" y="1469574"/>
+            <a:ext cx="3405673" cy="699795"/>
+          </a:xfrm>
+          <a:prstGeom prst="rect">
+            <a:avLst/>
+          </a:prstGeom>
+          <a:solidFill>
+            <a:srgbClr val="C00000"/>
+          </a:solidFill>
+        </p:spPr>
+        <p:style>
+          <a:lnRef idx="2">
+            <a:schemeClr val="accent1">
+              <a:shade val="15000"/>
+            </a:schemeClr>
+          </a:lnRef>
+          <a:fillRef idx="1">
+            <a:schemeClr val="accent1"/>
+          </a:fillRef>
+          <a:effectRef idx="0">
+            <a:schemeClr val="accent1"/>
+          </a:effectRef>
+          <a:fontRef idx="minor">
+            <a:schemeClr val="lt1"/>
+          </a:fontRef>
+        </p:style>
+        <p:txBody>
+          <a:bodyPr rtlCol="0" anchor="ctr"/>
+          <a:lstStyle/>
+          <a:p>
+            <a:pPr algn="ctr"/>
+            <a:r>
+              <a:rPr lang="en-US" b="1" dirty="0"/>
+              <a:t>HTTP Application</a:t>
+            </a:r>
+          </a:p>
+        </p:txBody>
+      </p:sp>
+      <p:sp>
+        <p:nvSpPr>
+          <p:cNvPr id="8" name="Left Brace 7">
+            <a:extLst>
+              <a:ext uri="{FF2B5EF4-FFF2-40B4-BE49-F238E27FC236}">
+                <a16:creationId xmlns:a16="http://schemas.microsoft.com/office/drawing/2014/main" id="{BCB2A621-B21D-29DF-B2EE-68A8B3783E9C}"/>
+              </a:ext>
+            </a:extLst>
+          </p:cNvPr>
+          <p:cNvSpPr/>
+          <p:nvPr/>
+        </p:nvSpPr>
+        <p:spPr>
+          <a:xfrm>
+            <a:off x="6354147" y="1469574"/>
+            <a:ext cx="289249" cy="2225348"/>
+          </a:xfrm>
+          <a:prstGeom prst="leftBrace">
+            <a:avLst/>
+          </a:prstGeom>
+          <a:ln w="76200">
+            <a:solidFill>
+              <a:srgbClr val="92D050"/>
+            </a:solidFill>
+          </a:ln>
+        </p:spPr>
+        <p:style>
+          <a:lnRef idx="1">
+            <a:schemeClr val="accent1"/>
+          </a:lnRef>
+          <a:fillRef idx="0">
+            <a:schemeClr val="accent1"/>
+          </a:fillRef>
+          <a:effectRef idx="0">
+            <a:schemeClr val="accent1"/>
+          </a:effectRef>
+          <a:fontRef idx="minor">
+            <a:schemeClr val="tx1"/>
+          </a:fontRef>
+        </p:style>
+        <p:txBody>
+          <a:bodyPr rtlCol="0" anchor="ctr"/>
+          <a:lstStyle/>
+          <a:p>
+            <a:pPr algn="ctr"/>
+            <a:endParaRPr lang="en-US"/>
+          </a:p>
+        </p:txBody>
+      </p:sp>
+      <p:sp>
+        <p:nvSpPr>
+          <p:cNvPr id="9" name="TextBox 8">
+            <a:extLst>
+              <a:ext uri="{FF2B5EF4-FFF2-40B4-BE49-F238E27FC236}">
+                <a16:creationId xmlns:a16="http://schemas.microsoft.com/office/drawing/2014/main" id="{D1410B05-8AED-6FE1-5FEE-93CB78A2F4DD}"/>
+              </a:ext>
+            </a:extLst>
+          </p:cNvPr>
+          <p:cNvSpPr txBox="1"/>
+          <p:nvPr/>
+        </p:nvSpPr>
+        <p:spPr>
+          <a:xfrm>
+            <a:off x="2491274" y="1679510"/>
+            <a:ext cx="3604726" cy="1754326"/>
+          </a:xfrm>
+          <a:prstGeom prst="rect">
+            <a:avLst/>
+          </a:prstGeom>
+          <a:noFill/>
+        </p:spPr>
+        <p:txBody>
+          <a:bodyPr wrap="square" rtlCol="0">
+            <a:spAutoFit/>
+          </a:bodyPr>
+          <a:lstStyle/>
+          <a:p>
+            <a:pPr algn="ctr"/>
+            <a:r>
+              <a:rPr lang="en-US" b="1" dirty="0"/>
+              <a:t>These Global Objects are delegated to ASP.NET Runtime by IIS to manage the ASP.NET Framework (on .NET Frwk on Windows) for ASP.NET WebForms, ASP.NET MVC, and ASP.NET WEB API </a:t>
+            </a:r>
+          </a:p>
+        </p:txBody>
+      </p:sp>
+      <p:sp>
+        <p:nvSpPr>
+          <p:cNvPr id="10" name="TextBox 9">
+            <a:extLst>
+              <a:ext uri="{FF2B5EF4-FFF2-40B4-BE49-F238E27FC236}">
+                <a16:creationId xmlns:a16="http://schemas.microsoft.com/office/drawing/2014/main" id="{82F09B4C-A254-C800-613D-2E8A097C8A7D}"/>
+              </a:ext>
+            </a:extLst>
+          </p:cNvPr>
+          <p:cNvSpPr txBox="1"/>
+          <p:nvPr/>
+        </p:nvSpPr>
+        <p:spPr>
+          <a:xfrm>
+            <a:off x="419876" y="3933941"/>
+            <a:ext cx="5374433" cy="2862322"/>
+          </a:xfrm>
+          <a:prstGeom prst="rect">
+            <a:avLst/>
+          </a:prstGeom>
+          <a:noFill/>
+        </p:spPr>
+        <p:txBody>
+          <a:bodyPr wrap="square" rtlCol="0">
+            <a:spAutoFit/>
+          </a:bodyPr>
+          <a:lstStyle/>
+          <a:p>
+            <a:r>
+              <a:rPr lang="en-US" b="1" dirty="0"/>
+              <a:t>HttpApplication</a:t>
+            </a:r>
+            <a:r>
+              <a:rPr lang="en-US" dirty="0"/>
+              <a:t>: Initialize the HttpModule and then Handler</a:t>
+            </a:r>
+          </a:p>
+          <a:p>
+            <a:r>
+              <a:rPr lang="en-US" b="1" dirty="0"/>
+              <a:t>HttpModule </a:t>
+            </a:r>
+            <a:r>
+              <a:rPr lang="en-US" dirty="0"/>
+              <a:t>: Starts the Request Processing by initializing Session, Caching, DbConnection, Authentication, Authorization (i.e. All Global Objects for Application)</a:t>
+            </a:r>
+          </a:p>
+          <a:p>
+            <a:r>
+              <a:rPr lang="en-US" b="1" dirty="0"/>
+              <a:t>HttpHandler</a:t>
+            </a:r>
+            <a:r>
+              <a:rPr lang="en-US" dirty="0"/>
+              <a:t>: Manages the resource execution e.g. .aspx (WebForm). MVC and API Controller, custom handler by using global objects initialized an loaded by HttpModule</a:t>
+            </a:r>
+          </a:p>
+        </p:txBody>
+      </p:sp>
+    </p:spTree>
+    <p:extLst>
+      <p:ext uri="{BB962C8B-B14F-4D97-AF65-F5344CB8AC3E}">
+        <p14:creationId xmlns:p14="http://schemas.microsoft.com/office/powerpoint/2010/main" val="2534584557"/>
+      </p:ext>
+    </p:extLst>
+  </p:cSld>
+  <p:clrMapOvr>
+    <a:masterClrMapping/>
+  </p:clrMapOvr>
+</p:sld>
+</file>
+
+<file path=ppt/slides/slide25.xml><?xml version="1.0" encoding="utf-8"?>
+<p:sld xmlns:a="http://schemas.openxmlformats.org/drawingml/2006/main" xmlns:r="http://schemas.openxmlformats.org/officeDocument/2006/relationships" xmlns:p="http://schemas.openxmlformats.org/presentationml/2006/main">
+  <p:cSld>
+    <p:spTree>
+      <p:nvGrpSpPr>
+        <p:cNvPr id="1" name=""/>
+        <p:cNvGrpSpPr/>
+        <p:nvPr/>
+      </p:nvGrpSpPr>
+      <p:grpSpPr>
+        <a:xfrm>
+          <a:off x="0" y="0"/>
+          <a:ext cx="0" cy="0"/>
+          <a:chOff x="0" y="0"/>
+          <a:chExt cx="0" cy="0"/>
+        </a:xfrm>
+      </p:grpSpPr>
+      <p:sp>
+        <p:nvSpPr>
+          <p:cNvPr id="2" name="Rectangle 1">
+            <a:extLst>
+              <a:ext uri="{FF2B5EF4-FFF2-40B4-BE49-F238E27FC236}">
+                <a16:creationId xmlns:a16="http://schemas.microsoft.com/office/drawing/2014/main" id="{58069DD4-45DF-F415-6A3A-59F482A17D20}"/>
+              </a:ext>
+            </a:extLst>
+          </p:cNvPr>
+          <p:cNvSpPr/>
+          <p:nvPr/>
+        </p:nvSpPr>
+        <p:spPr>
+          <a:xfrm>
+            <a:off x="391886" y="5122507"/>
+            <a:ext cx="11066106" cy="606489"/>
+          </a:xfrm>
+          <a:prstGeom prst="rect">
+            <a:avLst/>
+          </a:prstGeom>
+        </p:spPr>
+        <p:style>
+          <a:lnRef idx="2">
+            <a:schemeClr val="accent1">
+              <a:shade val="15000"/>
+            </a:schemeClr>
+          </a:lnRef>
+          <a:fillRef idx="1">
+            <a:schemeClr val="accent1"/>
+          </a:fillRef>
+          <a:effectRef idx="0">
+            <a:schemeClr val="accent1"/>
+          </a:effectRef>
+          <a:fontRef idx="minor">
+            <a:schemeClr val="lt1"/>
+          </a:fontRef>
+        </p:style>
+        <p:txBody>
+          <a:bodyPr rtlCol="0" anchor="ctr"/>
+          <a:lstStyle/>
+          <a:p>
+            <a:pPr algn="ctr"/>
+            <a:r>
+              <a:rPr lang="en-US" dirty="0"/>
+              <a:t>Hosting App Server, IIS, Apache, Docker, Self-Hosted, etc..</a:t>
+            </a:r>
+          </a:p>
+        </p:txBody>
+      </p:sp>
+      <p:sp>
+        <p:nvSpPr>
+          <p:cNvPr id="3" name="Rectangle 2">
+            <a:extLst>
+              <a:ext uri="{FF2B5EF4-FFF2-40B4-BE49-F238E27FC236}">
+                <a16:creationId xmlns:a16="http://schemas.microsoft.com/office/drawing/2014/main" id="{CDEC5C78-21C5-9AE4-77FD-227C34B1FA31}"/>
+              </a:ext>
+            </a:extLst>
+          </p:cNvPr>
+          <p:cNvSpPr/>
+          <p:nvPr/>
+        </p:nvSpPr>
+        <p:spPr>
+          <a:xfrm>
+            <a:off x="391886" y="5831633"/>
+            <a:ext cx="11066106" cy="905068"/>
+          </a:xfrm>
+          <a:prstGeom prst="rect">
+            <a:avLst/>
+          </a:prstGeom>
+        </p:spPr>
+        <p:style>
+          <a:lnRef idx="1">
+            <a:schemeClr val="accent2"/>
+          </a:lnRef>
+          <a:fillRef idx="2">
+            <a:schemeClr val="accent2"/>
+          </a:fillRef>
+          <a:effectRef idx="1">
+            <a:schemeClr val="accent2"/>
+          </a:effectRef>
+          <a:fontRef idx="minor">
+            <a:schemeClr val="dk1"/>
+          </a:fontRef>
+        </p:style>
+        <p:txBody>
+          <a:bodyPr rtlCol="0" anchor="ctr"/>
+          <a:lstStyle/>
+          <a:p>
+            <a:pPr algn="ctr"/>
+            <a:r>
+              <a:rPr lang="en-US" b="1" dirty="0"/>
+              <a:t>Hosting ENV e.g. Windows, Linux, macOS </a:t>
+            </a:r>
+          </a:p>
+        </p:txBody>
+      </p:sp>
+      <p:sp>
+        <p:nvSpPr>
+          <p:cNvPr id="4" name="Rectangle 3">
+            <a:extLst>
+              <a:ext uri="{FF2B5EF4-FFF2-40B4-BE49-F238E27FC236}">
+                <a16:creationId xmlns:a16="http://schemas.microsoft.com/office/drawing/2014/main" id="{092AA403-B461-52D7-AAC4-1384033C633F}"/>
+              </a:ext>
+            </a:extLst>
+          </p:cNvPr>
+          <p:cNvSpPr/>
+          <p:nvPr/>
+        </p:nvSpPr>
+        <p:spPr>
+          <a:xfrm>
+            <a:off x="391886" y="121299"/>
+            <a:ext cx="11066106" cy="4781940"/>
+          </a:xfrm>
+          <a:prstGeom prst="rect">
+            <a:avLst/>
+          </a:prstGeom>
+        </p:spPr>
+        <p:style>
+          <a:lnRef idx="2">
+            <a:schemeClr val="accent6"/>
+          </a:lnRef>
+          <a:fillRef idx="1">
+            <a:schemeClr val="lt1"/>
+          </a:fillRef>
+          <a:effectRef idx="0">
+            <a:schemeClr val="accent6"/>
+          </a:effectRef>
+          <a:fontRef idx="minor">
+            <a:schemeClr val="dk1"/>
+          </a:fontRef>
+        </p:style>
+        <p:txBody>
+          <a:bodyPr rtlCol="0" anchor="ctr"/>
+          <a:lstStyle/>
+          <a:p>
+            <a:pPr algn="ctr"/>
+            <a:endParaRPr lang="en-US" dirty="0"/>
+          </a:p>
+        </p:txBody>
+      </p:sp>
+      <p:sp>
+        <p:nvSpPr>
+          <p:cNvPr id="5" name="TextBox 4">
+            <a:extLst>
+              <a:ext uri="{FF2B5EF4-FFF2-40B4-BE49-F238E27FC236}">
+                <a16:creationId xmlns:a16="http://schemas.microsoft.com/office/drawing/2014/main" id="{A29ABEB0-F576-9CDD-F403-F53D4595BC8B}"/>
+              </a:ext>
+            </a:extLst>
+          </p:cNvPr>
+          <p:cNvSpPr txBox="1"/>
+          <p:nvPr/>
+        </p:nvSpPr>
+        <p:spPr>
+          <a:xfrm>
+            <a:off x="457200" y="242596"/>
+            <a:ext cx="3424335" cy="369332"/>
+          </a:xfrm>
+          <a:prstGeom prst="rect">
+            <a:avLst/>
+          </a:prstGeom>
+          <a:noFill/>
+        </p:spPr>
+        <p:txBody>
+          <a:bodyPr wrap="square" rtlCol="0">
+            <a:spAutoFit/>
+          </a:bodyPr>
+          <a:lstStyle/>
+          <a:p>
+            <a:r>
+              <a:rPr lang="en-US" dirty="0"/>
+              <a:t>Dotnet.exe</a:t>
+            </a:r>
+          </a:p>
+        </p:txBody>
+      </p:sp>
+      <p:sp>
+        <p:nvSpPr>
+          <p:cNvPr id="6" name="Rectangle: Rounded Corners 5">
+            <a:extLst>
+              <a:ext uri="{FF2B5EF4-FFF2-40B4-BE49-F238E27FC236}">
+                <a16:creationId xmlns:a16="http://schemas.microsoft.com/office/drawing/2014/main" id="{BA79CBBA-C524-5CF6-1D26-F37783A3C277}"/>
+              </a:ext>
+            </a:extLst>
+          </p:cNvPr>
+          <p:cNvSpPr/>
+          <p:nvPr/>
+        </p:nvSpPr>
+        <p:spPr>
+          <a:xfrm>
+            <a:off x="457200" y="905069"/>
+            <a:ext cx="10627567" cy="3806890"/>
+          </a:xfrm>
+          <a:prstGeom prst="roundRect">
+            <a:avLst/>
+          </a:prstGeom>
+        </p:spPr>
+        <p:style>
+          <a:lnRef idx="1">
+            <a:schemeClr val="accent2"/>
+          </a:lnRef>
+          <a:fillRef idx="2">
+            <a:schemeClr val="accent2"/>
+          </a:fillRef>
+          <a:effectRef idx="1">
+            <a:schemeClr val="accent2"/>
+          </a:effectRef>
+          <a:fontRef idx="minor">
+            <a:schemeClr val="dk1"/>
+          </a:fontRef>
+        </p:style>
+        <p:txBody>
+          <a:bodyPr rtlCol="0" anchor="ctr"/>
+          <a:lstStyle/>
+          <a:p>
+            <a:pPr algn="ctr"/>
+            <a:endParaRPr lang="en-US"/>
+          </a:p>
+        </p:txBody>
+      </p:sp>
+      <p:sp>
+        <p:nvSpPr>
+          <p:cNvPr id="7" name="TextBox 6">
+            <a:extLst>
+              <a:ext uri="{FF2B5EF4-FFF2-40B4-BE49-F238E27FC236}">
+                <a16:creationId xmlns:a16="http://schemas.microsoft.com/office/drawing/2014/main" id="{B3E99F38-4FC5-0DD3-7EBB-6A3EAD16B9AC}"/>
+              </a:ext>
+            </a:extLst>
+          </p:cNvPr>
+          <p:cNvSpPr txBox="1"/>
+          <p:nvPr/>
+        </p:nvSpPr>
+        <p:spPr>
+          <a:xfrm>
+            <a:off x="1107233" y="1129004"/>
+            <a:ext cx="3772677" cy="369332"/>
+          </a:xfrm>
+          <a:prstGeom prst="rect">
+            <a:avLst/>
+          </a:prstGeom>
+          <a:noFill/>
+        </p:spPr>
+        <p:txBody>
+          <a:bodyPr wrap="square" rtlCol="0">
+            <a:spAutoFit/>
+          </a:bodyPr>
+          <a:lstStyle/>
+          <a:p>
+            <a:r>
+              <a:rPr lang="en-US" dirty="0"/>
+              <a:t>ASP.NET Core App</a:t>
+            </a:r>
+          </a:p>
+        </p:txBody>
+      </p:sp>
+      <p:sp>
+        <p:nvSpPr>
+          <p:cNvPr id="8" name="Rectangle: Rounded Corners 7">
+            <a:extLst>
+              <a:ext uri="{FF2B5EF4-FFF2-40B4-BE49-F238E27FC236}">
+                <a16:creationId xmlns:a16="http://schemas.microsoft.com/office/drawing/2014/main" id="{AB001C23-7291-0E3E-7A93-8AF160A7E5E5}"/>
+              </a:ext>
+            </a:extLst>
+          </p:cNvPr>
+          <p:cNvSpPr/>
+          <p:nvPr/>
+        </p:nvSpPr>
+        <p:spPr>
+          <a:xfrm>
+            <a:off x="1231641" y="1660849"/>
+            <a:ext cx="2425959" cy="2444620"/>
+          </a:xfrm>
+          <a:prstGeom prst="roundRect">
+            <a:avLst/>
+          </a:prstGeom>
+        </p:spPr>
+        <p:style>
+          <a:lnRef idx="2">
+            <a:schemeClr val="accent1">
+              <a:shade val="15000"/>
+            </a:schemeClr>
+          </a:lnRef>
+          <a:fillRef idx="1">
+            <a:schemeClr val="accent1"/>
+          </a:fillRef>
+          <a:effectRef idx="0">
+            <a:schemeClr val="accent1"/>
+          </a:effectRef>
+          <a:fontRef idx="minor">
+            <a:schemeClr val="lt1"/>
+          </a:fontRef>
+        </p:style>
+        <p:txBody>
+          <a:bodyPr rtlCol="0" anchor="ctr"/>
+          <a:lstStyle/>
+          <a:p>
+            <a:pPr algn="ctr"/>
+            <a:r>
+              <a:rPr lang="en-US" dirty="0"/>
+              <a:t>Application Code in </a:t>
+            </a:r>
+            <a:r>
+              <a:rPr lang="en-US" dirty="0" err="1"/>
+              <a:t>dll</a:t>
+            </a:r>
+            <a:endParaRPr lang="en-US" dirty="0"/>
+          </a:p>
+        </p:txBody>
+      </p:sp>
+      <p:sp>
+        <p:nvSpPr>
+          <p:cNvPr id="9" name="Rectangle: Rounded Corners 8">
+            <a:extLst>
+              <a:ext uri="{FF2B5EF4-FFF2-40B4-BE49-F238E27FC236}">
+                <a16:creationId xmlns:a16="http://schemas.microsoft.com/office/drawing/2014/main" id="{6FDE3292-2DAE-AABF-14DA-CD898750770A}"/>
+              </a:ext>
+            </a:extLst>
+          </p:cNvPr>
+          <p:cNvSpPr/>
+          <p:nvPr/>
+        </p:nvSpPr>
+        <p:spPr>
+          <a:xfrm>
+            <a:off x="6973078" y="1586204"/>
+            <a:ext cx="2425959" cy="2444620"/>
+          </a:xfrm>
+          <a:prstGeom prst="roundRect">
+            <a:avLst/>
+          </a:prstGeom>
+        </p:spPr>
+        <p:style>
+          <a:lnRef idx="2">
+            <a:schemeClr val="accent1">
+              <a:shade val="15000"/>
+            </a:schemeClr>
+          </a:lnRef>
+          <a:fillRef idx="1">
+            <a:schemeClr val="accent1"/>
+          </a:fillRef>
+          <a:effectRef idx="0">
+            <a:schemeClr val="accent1"/>
+          </a:effectRef>
+          <a:fontRef idx="minor">
+            <a:schemeClr val="lt1"/>
+          </a:fontRef>
+        </p:style>
+        <p:txBody>
+          <a:bodyPr rtlCol="0" anchor="ctr"/>
+          <a:lstStyle/>
+          <a:p>
+            <a:pPr algn="ctr"/>
+            <a:r>
+              <a:rPr lang="en-US" dirty="0"/>
+              <a:t>Additional Configuration</a:t>
+            </a:r>
+          </a:p>
+        </p:txBody>
+      </p:sp>
+      <p:sp>
+        <p:nvSpPr>
+          <p:cNvPr id="10" name="Arrow: Up-Down 9">
+            <a:extLst>
+              <a:ext uri="{FF2B5EF4-FFF2-40B4-BE49-F238E27FC236}">
+                <a16:creationId xmlns:a16="http://schemas.microsoft.com/office/drawing/2014/main" id="{4148499A-94AB-01C1-53CA-2F9892723A03}"/>
+              </a:ext>
+            </a:extLst>
+          </p:cNvPr>
+          <p:cNvSpPr/>
+          <p:nvPr/>
+        </p:nvSpPr>
+        <p:spPr>
+          <a:xfrm>
+            <a:off x="9189098" y="4273420"/>
+            <a:ext cx="419878" cy="877078"/>
+          </a:xfrm>
+          <a:prstGeom prst="upDownArrow">
+            <a:avLst/>
+          </a:prstGeom>
+        </p:spPr>
+        <p:style>
+          <a:lnRef idx="2">
+            <a:schemeClr val="accent1">
+              <a:shade val="15000"/>
+            </a:schemeClr>
+          </a:lnRef>
+          <a:fillRef idx="1">
+            <a:schemeClr val="accent1"/>
+          </a:fillRef>
+          <a:effectRef idx="0">
+            <a:schemeClr val="accent1"/>
+          </a:effectRef>
+          <a:fontRef idx="minor">
+            <a:schemeClr val="lt1"/>
+          </a:fontRef>
+        </p:style>
+        <p:txBody>
+          <a:bodyPr rtlCol="0" anchor="ctr"/>
+          <a:lstStyle/>
+          <a:p>
+            <a:pPr algn="ctr"/>
+            <a:endParaRPr lang="en-US"/>
+          </a:p>
+        </p:txBody>
+      </p:sp>
+      <p:sp>
+        <p:nvSpPr>
+          <p:cNvPr id="11" name="Arrow: Up-Down 10">
+            <a:extLst>
+              <a:ext uri="{FF2B5EF4-FFF2-40B4-BE49-F238E27FC236}">
+                <a16:creationId xmlns:a16="http://schemas.microsoft.com/office/drawing/2014/main" id="{173FEDB0-7762-C174-702C-A494D1BA2799}"/>
+              </a:ext>
+            </a:extLst>
+          </p:cNvPr>
+          <p:cNvSpPr/>
+          <p:nvPr/>
+        </p:nvSpPr>
+        <p:spPr>
+          <a:xfrm>
+            <a:off x="2024742" y="5495729"/>
+            <a:ext cx="419878" cy="877078"/>
+          </a:xfrm>
+          <a:prstGeom prst="upDownArrow">
+            <a:avLst/>
+          </a:prstGeom>
+        </p:spPr>
+        <p:style>
+          <a:lnRef idx="2">
+            <a:schemeClr val="accent1">
+              <a:shade val="15000"/>
+            </a:schemeClr>
+          </a:lnRef>
+          <a:fillRef idx="1">
+            <a:schemeClr val="accent1"/>
+          </a:fillRef>
+          <a:effectRef idx="0">
+            <a:schemeClr val="accent1"/>
+          </a:effectRef>
+          <a:fontRef idx="minor">
+            <a:schemeClr val="lt1"/>
+          </a:fontRef>
+        </p:style>
+        <p:txBody>
+          <a:bodyPr rtlCol="0" anchor="ctr"/>
+          <a:lstStyle/>
+          <a:p>
+            <a:pPr algn="ctr"/>
+            <a:endParaRPr lang="en-US"/>
+          </a:p>
+        </p:txBody>
+      </p:sp>
+    </p:spTree>
+    <p:extLst>
+      <p:ext uri="{BB962C8B-B14F-4D97-AF65-F5344CB8AC3E}">
+        <p14:creationId xmlns:p14="http://schemas.microsoft.com/office/powerpoint/2010/main" val="239448996"/>
+      </p:ext>
+    </p:extLst>
+  </p:cSld>
+  <p:clrMapOvr>
+    <a:masterClrMapping/>
+  </p:clrMapOvr>
+</p:sld>
+</file>
+
+<file path=ppt/slides/slide26.xml><?xml version="1.0" encoding="utf-8"?>
+<p:sld xmlns:a="http://schemas.openxmlformats.org/drawingml/2006/main" xmlns:r="http://schemas.openxmlformats.org/officeDocument/2006/relationships" xmlns:p="http://schemas.openxmlformats.org/presentationml/2006/main">
+  <p:cSld>
+    <p:spTree>
+      <p:nvGrpSpPr>
+        <p:cNvPr id="1" name=""/>
+        <p:cNvGrpSpPr/>
+        <p:nvPr/>
+      </p:nvGrpSpPr>
+      <p:grpSpPr>
+        <a:xfrm>
+          <a:off x="0" y="0"/>
+          <a:ext cx="0" cy="0"/>
+          <a:chOff x="0" y="0"/>
+          <a:chExt cx="0" cy="0"/>
+        </a:xfrm>
+      </p:grpSpPr>
+      <p:sp>
+        <p:nvSpPr>
+          <p:cNvPr id="4" name="Arrow: Left-Right 3">
+            <a:extLst>
+              <a:ext uri="{FF2B5EF4-FFF2-40B4-BE49-F238E27FC236}">
+                <a16:creationId xmlns:a16="http://schemas.microsoft.com/office/drawing/2014/main" id="{B9A6CF8A-6BCB-20AD-B410-C2F90FE8D97C}"/>
+              </a:ext>
+            </a:extLst>
+          </p:cNvPr>
+          <p:cNvSpPr/>
+          <p:nvPr/>
+        </p:nvSpPr>
+        <p:spPr>
+          <a:xfrm>
+            <a:off x="102637" y="2034073"/>
+            <a:ext cx="11793894" cy="3163077"/>
+          </a:xfrm>
+          <a:prstGeom prst="leftRightArrow">
+            <a:avLst>
+              <a:gd name="adj1" fmla="val 50000"/>
+              <a:gd name="adj2" fmla="val 13127"/>
+            </a:avLst>
+          </a:prstGeom>
+          <a:solidFill>
+            <a:schemeClr val="accent2">
+              <a:lumMod val="20000"/>
+              <a:lumOff val="80000"/>
+            </a:schemeClr>
+          </a:solidFill>
+        </p:spPr>
+        <p:style>
+          <a:lnRef idx="2">
+            <a:schemeClr val="accent1">
+              <a:shade val="15000"/>
+            </a:schemeClr>
+          </a:lnRef>
+          <a:fillRef idx="1">
+            <a:schemeClr val="accent1"/>
+          </a:fillRef>
+          <a:effectRef idx="0">
+            <a:schemeClr val="accent1"/>
+          </a:effectRef>
+          <a:fontRef idx="minor">
+            <a:schemeClr val="lt1"/>
+          </a:fontRef>
+        </p:style>
+        <p:txBody>
+          <a:bodyPr rtlCol="0" anchor="ctr"/>
+          <a:lstStyle/>
+          <a:p>
+            <a:pPr algn="ctr"/>
+            <a:endParaRPr lang="en-US"/>
+          </a:p>
+        </p:txBody>
+      </p:sp>
+      <p:sp>
+        <p:nvSpPr>
+          <p:cNvPr id="5" name="TextBox 4">
+            <a:extLst>
+              <a:ext uri="{FF2B5EF4-FFF2-40B4-BE49-F238E27FC236}">
+                <a16:creationId xmlns:a16="http://schemas.microsoft.com/office/drawing/2014/main" id="{F37BA294-03E0-00B5-2BDA-7CCBEBA517B5}"/>
+              </a:ext>
+            </a:extLst>
+          </p:cNvPr>
+          <p:cNvSpPr txBox="1"/>
+          <p:nvPr/>
+        </p:nvSpPr>
+        <p:spPr>
+          <a:xfrm>
+            <a:off x="821094" y="681135"/>
+            <a:ext cx="10487608" cy="584775"/>
+          </a:xfrm>
+          <a:prstGeom prst="rect">
+            <a:avLst/>
+          </a:prstGeom>
+          <a:noFill/>
+        </p:spPr>
+        <p:txBody>
+          <a:bodyPr wrap="square" rtlCol="0">
+            <a:spAutoFit/>
+          </a:bodyPr>
+          <a:lstStyle/>
+          <a:p>
+            <a:pPr algn="ctr"/>
+            <a:r>
+              <a:rPr lang="en-US" sz="3200" b="1" dirty="0"/>
+              <a:t>HTTP Request Pipeline and Response </a:t>
+            </a:r>
+          </a:p>
+        </p:txBody>
+      </p:sp>
+      <p:sp>
+        <p:nvSpPr>
+          <p:cNvPr id="6" name="Rectangle: Rounded Corners 5">
+            <a:extLst>
+              <a:ext uri="{FF2B5EF4-FFF2-40B4-BE49-F238E27FC236}">
+                <a16:creationId xmlns:a16="http://schemas.microsoft.com/office/drawing/2014/main" id="{D9040A7C-FA40-E47B-EF1A-8FE2AA67A71B}"/>
+              </a:ext>
+            </a:extLst>
+          </p:cNvPr>
+          <p:cNvSpPr/>
+          <p:nvPr/>
+        </p:nvSpPr>
+        <p:spPr>
+          <a:xfrm>
+            <a:off x="363894" y="3237722"/>
+            <a:ext cx="1007706" cy="709127"/>
+          </a:xfrm>
+          <a:prstGeom prst="roundRect">
+            <a:avLst/>
+          </a:prstGeom>
+        </p:spPr>
+        <p:style>
+          <a:lnRef idx="2">
+            <a:schemeClr val="accent1">
+              <a:shade val="15000"/>
+            </a:schemeClr>
+          </a:lnRef>
+          <a:fillRef idx="1">
+            <a:schemeClr val="accent1"/>
+          </a:fillRef>
+          <a:effectRef idx="0">
+            <a:schemeClr val="accent1"/>
+          </a:effectRef>
+          <a:fontRef idx="minor">
+            <a:schemeClr val="lt1"/>
+          </a:fontRef>
+        </p:style>
+        <p:txBody>
+          <a:bodyPr rtlCol="0" anchor="ctr"/>
+          <a:lstStyle/>
+          <a:p>
+            <a:pPr algn="ctr"/>
+            <a:r>
+              <a:rPr lang="en-US" sz="1400" b="1" dirty="0"/>
+              <a:t>Exception</a:t>
+            </a:r>
+          </a:p>
+        </p:txBody>
+      </p:sp>
+      <p:sp>
+        <p:nvSpPr>
+          <p:cNvPr id="7" name="Rectangle: Rounded Corners 6">
+            <a:extLst>
+              <a:ext uri="{FF2B5EF4-FFF2-40B4-BE49-F238E27FC236}">
+                <a16:creationId xmlns:a16="http://schemas.microsoft.com/office/drawing/2014/main" id="{E15CB0AE-0F9F-B5DF-BFA8-241A5872CE86}"/>
+              </a:ext>
+            </a:extLst>
+          </p:cNvPr>
+          <p:cNvSpPr/>
+          <p:nvPr/>
+        </p:nvSpPr>
+        <p:spPr>
+          <a:xfrm>
+            <a:off x="1433804" y="3261047"/>
+            <a:ext cx="1007706" cy="709127"/>
+          </a:xfrm>
+          <a:prstGeom prst="roundRect">
+            <a:avLst/>
+          </a:prstGeom>
+        </p:spPr>
+        <p:style>
+          <a:lnRef idx="2">
+            <a:schemeClr val="accent1">
+              <a:shade val="15000"/>
+            </a:schemeClr>
+          </a:lnRef>
+          <a:fillRef idx="1">
+            <a:schemeClr val="accent1"/>
+          </a:fillRef>
+          <a:effectRef idx="0">
+            <a:schemeClr val="accent1"/>
+          </a:effectRef>
+          <a:fontRef idx="minor">
+            <a:schemeClr val="lt1"/>
+          </a:fontRef>
+        </p:style>
+        <p:txBody>
+          <a:bodyPr rtlCol="0" anchor="ctr"/>
+          <a:lstStyle/>
+          <a:p>
+            <a:pPr algn="ctr"/>
+            <a:r>
+              <a:rPr lang="en-US" sz="1400" b="1" dirty="0"/>
+              <a:t>swagger</a:t>
+            </a:r>
+          </a:p>
+        </p:txBody>
+      </p:sp>
+      <p:sp>
+        <p:nvSpPr>
+          <p:cNvPr id="8" name="Rectangle: Rounded Corners 7">
+            <a:extLst>
+              <a:ext uri="{FF2B5EF4-FFF2-40B4-BE49-F238E27FC236}">
+                <a16:creationId xmlns:a16="http://schemas.microsoft.com/office/drawing/2014/main" id="{7F93544B-D6BA-B418-AFA9-28ABE87D70B5}"/>
+              </a:ext>
+            </a:extLst>
+          </p:cNvPr>
+          <p:cNvSpPr/>
+          <p:nvPr/>
+        </p:nvSpPr>
+        <p:spPr>
+          <a:xfrm>
+            <a:off x="2522375" y="3270377"/>
+            <a:ext cx="1007706" cy="709127"/>
+          </a:xfrm>
+          <a:prstGeom prst="roundRect">
+            <a:avLst/>
+          </a:prstGeom>
+        </p:spPr>
+        <p:style>
+          <a:lnRef idx="2">
+            <a:schemeClr val="accent1">
+              <a:shade val="15000"/>
+            </a:schemeClr>
+          </a:lnRef>
+          <a:fillRef idx="1">
+            <a:schemeClr val="accent1"/>
+          </a:fillRef>
+          <a:effectRef idx="0">
+            <a:schemeClr val="accent1"/>
+          </a:effectRef>
+          <a:fontRef idx="minor">
+            <a:schemeClr val="lt1"/>
+          </a:fontRef>
+        </p:style>
+        <p:txBody>
+          <a:bodyPr rtlCol="0" anchor="ctr"/>
+          <a:lstStyle/>
+          <a:p>
+            <a:pPr algn="ctr"/>
+            <a:r>
+              <a:rPr lang="en-US" sz="1200" b="1" dirty="0"/>
+              <a:t>HTTPS</a:t>
+            </a:r>
+          </a:p>
+          <a:p>
+            <a:pPr algn="ctr"/>
+            <a:r>
+              <a:rPr lang="en-US" sz="1200" b="1" dirty="0"/>
+              <a:t>Redirection</a:t>
+            </a:r>
+          </a:p>
+        </p:txBody>
+      </p:sp>
+      <p:sp>
+        <p:nvSpPr>
+          <p:cNvPr id="9" name="Rectangle: Rounded Corners 8">
+            <a:extLst>
+              <a:ext uri="{FF2B5EF4-FFF2-40B4-BE49-F238E27FC236}">
+                <a16:creationId xmlns:a16="http://schemas.microsoft.com/office/drawing/2014/main" id="{A79B9EA5-ADE8-E5B1-EEC6-517E1F9BE653}"/>
+              </a:ext>
+            </a:extLst>
+          </p:cNvPr>
+          <p:cNvSpPr/>
+          <p:nvPr/>
+        </p:nvSpPr>
+        <p:spPr>
+          <a:xfrm>
+            <a:off x="3610946" y="3261047"/>
+            <a:ext cx="1007706" cy="709127"/>
+          </a:xfrm>
+          <a:prstGeom prst="roundRect">
+            <a:avLst/>
+          </a:prstGeom>
+        </p:spPr>
+        <p:style>
+          <a:lnRef idx="2">
+            <a:schemeClr val="accent1">
+              <a:shade val="15000"/>
+            </a:schemeClr>
+          </a:lnRef>
+          <a:fillRef idx="1">
+            <a:schemeClr val="accent1"/>
+          </a:fillRef>
+          <a:effectRef idx="0">
+            <a:schemeClr val="accent1"/>
+          </a:effectRef>
+          <a:fontRef idx="minor">
+            <a:schemeClr val="lt1"/>
+          </a:fontRef>
+        </p:style>
+        <p:txBody>
+          <a:bodyPr rtlCol="0" anchor="ctr"/>
+          <a:lstStyle/>
+          <a:p>
+            <a:pPr algn="ctr"/>
+            <a:r>
+              <a:rPr lang="en-US" sz="1400" b="1" dirty="0"/>
+              <a:t>HSTS</a:t>
+            </a:r>
+          </a:p>
+        </p:txBody>
+      </p:sp>
+      <p:sp>
+        <p:nvSpPr>
+          <p:cNvPr id="10" name="Rectangle: Rounded Corners 9">
+            <a:extLst>
+              <a:ext uri="{FF2B5EF4-FFF2-40B4-BE49-F238E27FC236}">
+                <a16:creationId xmlns:a16="http://schemas.microsoft.com/office/drawing/2014/main" id="{3059B3B0-8A50-187F-947E-67B762DD5983}"/>
+              </a:ext>
+            </a:extLst>
+          </p:cNvPr>
+          <p:cNvSpPr/>
+          <p:nvPr/>
+        </p:nvSpPr>
+        <p:spPr>
+          <a:xfrm>
+            <a:off x="4699517" y="3284374"/>
+            <a:ext cx="1007706" cy="709127"/>
+          </a:xfrm>
+          <a:prstGeom prst="roundRect">
+            <a:avLst/>
+          </a:prstGeom>
+        </p:spPr>
+        <p:style>
+          <a:lnRef idx="2">
+            <a:schemeClr val="accent1">
+              <a:shade val="15000"/>
+            </a:schemeClr>
+          </a:lnRef>
+          <a:fillRef idx="1">
+            <a:schemeClr val="accent1"/>
+          </a:fillRef>
+          <a:effectRef idx="0">
+            <a:schemeClr val="accent1"/>
+          </a:effectRef>
+          <a:fontRef idx="minor">
+            <a:schemeClr val="lt1"/>
+          </a:fontRef>
+        </p:style>
+        <p:txBody>
+          <a:bodyPr rtlCol="0" anchor="ctr"/>
+          <a:lstStyle/>
+          <a:p>
+            <a:pPr algn="ctr"/>
+            <a:r>
+              <a:rPr lang="en-US" sz="1400" b="1" dirty="0"/>
+              <a:t>Routing</a:t>
+            </a:r>
+          </a:p>
+        </p:txBody>
+      </p:sp>
+      <p:sp>
+        <p:nvSpPr>
+          <p:cNvPr id="11" name="Rectangle: Rounded Corners 10">
+            <a:extLst>
+              <a:ext uri="{FF2B5EF4-FFF2-40B4-BE49-F238E27FC236}">
+                <a16:creationId xmlns:a16="http://schemas.microsoft.com/office/drawing/2014/main" id="{44F6C5A4-6FBE-B34D-D6AF-D67485412637}"/>
+              </a:ext>
+            </a:extLst>
+          </p:cNvPr>
+          <p:cNvSpPr/>
+          <p:nvPr/>
+        </p:nvSpPr>
+        <p:spPr>
+          <a:xfrm>
+            <a:off x="5788088" y="3284374"/>
+            <a:ext cx="1007706" cy="709127"/>
+          </a:xfrm>
+          <a:prstGeom prst="roundRect">
+            <a:avLst/>
+          </a:prstGeom>
+        </p:spPr>
+        <p:style>
+          <a:lnRef idx="2">
+            <a:schemeClr val="accent1">
+              <a:shade val="15000"/>
+            </a:schemeClr>
+          </a:lnRef>
+          <a:fillRef idx="1">
+            <a:schemeClr val="accent1"/>
+          </a:fillRef>
+          <a:effectRef idx="0">
+            <a:schemeClr val="accent1"/>
+          </a:effectRef>
+          <a:fontRef idx="minor">
+            <a:schemeClr val="lt1"/>
+          </a:fontRef>
+        </p:style>
+        <p:txBody>
+          <a:bodyPr rtlCol="0" anchor="ctr"/>
+          <a:lstStyle/>
+          <a:p>
+            <a:pPr algn="ctr"/>
+            <a:r>
+              <a:rPr lang="en-US" sz="1400" b="1" dirty="0"/>
+              <a:t>CORS</a:t>
+            </a:r>
+          </a:p>
+        </p:txBody>
+      </p:sp>
+      <p:sp>
+        <p:nvSpPr>
+          <p:cNvPr id="12" name="Rectangle: Rounded Corners 11">
+            <a:extLst>
+              <a:ext uri="{FF2B5EF4-FFF2-40B4-BE49-F238E27FC236}">
+                <a16:creationId xmlns:a16="http://schemas.microsoft.com/office/drawing/2014/main" id="{72AE5870-DFD8-E524-1EB6-A469893C1A22}"/>
+              </a:ext>
+            </a:extLst>
+          </p:cNvPr>
+          <p:cNvSpPr/>
+          <p:nvPr/>
+        </p:nvSpPr>
+        <p:spPr>
+          <a:xfrm>
+            <a:off x="6876659" y="3284374"/>
+            <a:ext cx="1007706" cy="709127"/>
+          </a:xfrm>
+          <a:prstGeom prst="roundRect">
+            <a:avLst/>
+          </a:prstGeom>
+        </p:spPr>
+        <p:style>
+          <a:lnRef idx="2">
+            <a:schemeClr val="accent1">
+              <a:shade val="15000"/>
+            </a:schemeClr>
+          </a:lnRef>
+          <a:fillRef idx="1">
+            <a:schemeClr val="accent1"/>
+          </a:fillRef>
+          <a:effectRef idx="0">
+            <a:schemeClr val="accent1"/>
+          </a:effectRef>
+          <a:fontRef idx="minor">
+            <a:schemeClr val="lt1"/>
+          </a:fontRef>
+        </p:style>
+        <p:txBody>
+          <a:bodyPr rtlCol="0" anchor="ctr"/>
+          <a:lstStyle/>
+          <a:p>
+            <a:pPr algn="ctr"/>
+            <a:r>
+              <a:rPr lang="en-US" sz="1400" b="1" dirty="0"/>
+              <a:t>Static</a:t>
+            </a:r>
+          </a:p>
+          <a:p>
+            <a:pPr algn="ctr"/>
+            <a:r>
+              <a:rPr lang="en-US" sz="1400" b="1" dirty="0"/>
+              <a:t>Files</a:t>
+            </a:r>
+          </a:p>
+        </p:txBody>
+      </p:sp>
+      <p:sp>
+        <p:nvSpPr>
+          <p:cNvPr id="13" name="Rectangle: Rounded Corners 12">
+            <a:extLst>
+              <a:ext uri="{FF2B5EF4-FFF2-40B4-BE49-F238E27FC236}">
+                <a16:creationId xmlns:a16="http://schemas.microsoft.com/office/drawing/2014/main" id="{1D9E3977-7A2A-6692-CAFE-C1973BA39489}"/>
+              </a:ext>
+            </a:extLst>
+          </p:cNvPr>
+          <p:cNvSpPr/>
+          <p:nvPr/>
+        </p:nvSpPr>
+        <p:spPr>
+          <a:xfrm>
+            <a:off x="7965230" y="3284374"/>
+            <a:ext cx="1007706" cy="709127"/>
+          </a:xfrm>
+          <a:prstGeom prst="roundRect">
+            <a:avLst/>
+          </a:prstGeom>
+        </p:spPr>
+        <p:style>
+          <a:lnRef idx="2">
+            <a:schemeClr val="accent1">
+              <a:shade val="15000"/>
+            </a:schemeClr>
+          </a:lnRef>
+          <a:fillRef idx="1">
+            <a:schemeClr val="accent1"/>
+          </a:fillRef>
+          <a:effectRef idx="0">
+            <a:schemeClr val="accent1"/>
+          </a:effectRef>
+          <a:fontRef idx="minor">
+            <a:schemeClr val="lt1"/>
+          </a:fontRef>
+        </p:style>
+        <p:txBody>
+          <a:bodyPr rtlCol="0" anchor="ctr"/>
+          <a:lstStyle/>
+          <a:p>
+            <a:pPr algn="ctr"/>
+            <a:r>
+              <a:rPr lang="en-US" sz="1400" b="1" dirty="0"/>
+              <a:t>Session</a:t>
+            </a:r>
+          </a:p>
+        </p:txBody>
+      </p:sp>
+      <p:sp>
+        <p:nvSpPr>
+          <p:cNvPr id="14" name="Rectangle: Rounded Corners 13">
+            <a:extLst>
+              <a:ext uri="{FF2B5EF4-FFF2-40B4-BE49-F238E27FC236}">
+                <a16:creationId xmlns:a16="http://schemas.microsoft.com/office/drawing/2014/main" id="{3C52F066-D83E-3A81-0FBF-4742CBAD9BF5}"/>
+              </a:ext>
+            </a:extLst>
+          </p:cNvPr>
+          <p:cNvSpPr/>
+          <p:nvPr/>
+        </p:nvSpPr>
+        <p:spPr>
+          <a:xfrm>
+            <a:off x="9053801" y="3289040"/>
+            <a:ext cx="1007706" cy="709127"/>
+          </a:xfrm>
+          <a:prstGeom prst="roundRect">
+            <a:avLst/>
+          </a:prstGeom>
+        </p:spPr>
+        <p:style>
+          <a:lnRef idx="2">
+            <a:schemeClr val="accent1">
+              <a:shade val="15000"/>
+            </a:schemeClr>
+          </a:lnRef>
+          <a:fillRef idx="1">
+            <a:schemeClr val="accent1"/>
+          </a:fillRef>
+          <a:effectRef idx="0">
+            <a:schemeClr val="accent1"/>
+          </a:effectRef>
+          <a:fontRef idx="minor">
+            <a:schemeClr val="lt1"/>
+          </a:fontRef>
+        </p:style>
+        <p:txBody>
+          <a:bodyPr rtlCol="0" anchor="ctr"/>
+          <a:lstStyle/>
+          <a:p>
+            <a:pPr algn="ctr"/>
+            <a:r>
+              <a:rPr lang="en-US" sz="1400" b="1" dirty="0"/>
+              <a:t>Caching</a:t>
+            </a:r>
+          </a:p>
+        </p:txBody>
+      </p:sp>
+      <p:sp>
+        <p:nvSpPr>
+          <p:cNvPr id="15" name="Rectangle: Rounded Corners 14">
+            <a:extLst>
+              <a:ext uri="{FF2B5EF4-FFF2-40B4-BE49-F238E27FC236}">
+                <a16:creationId xmlns:a16="http://schemas.microsoft.com/office/drawing/2014/main" id="{45612B2D-C09E-EF4F-581E-A0647CC083DC}"/>
+              </a:ext>
+            </a:extLst>
+          </p:cNvPr>
+          <p:cNvSpPr/>
+          <p:nvPr/>
+        </p:nvSpPr>
+        <p:spPr>
+          <a:xfrm>
+            <a:off x="10142372" y="3284374"/>
+            <a:ext cx="1007706" cy="709127"/>
+          </a:xfrm>
+          <a:prstGeom prst="roundRect">
+            <a:avLst/>
+          </a:prstGeom>
+        </p:spPr>
+        <p:style>
+          <a:lnRef idx="2">
+            <a:schemeClr val="accent1">
+              <a:shade val="15000"/>
+            </a:schemeClr>
+          </a:lnRef>
+          <a:fillRef idx="1">
+            <a:schemeClr val="accent1"/>
+          </a:fillRef>
+          <a:effectRef idx="0">
+            <a:schemeClr val="accent1"/>
+          </a:effectRef>
+          <a:fontRef idx="minor">
+            <a:schemeClr val="lt1"/>
+          </a:fontRef>
+        </p:style>
+        <p:txBody>
+          <a:bodyPr rtlCol="0" anchor="ctr"/>
+          <a:lstStyle/>
+          <a:p>
+            <a:pPr algn="ctr"/>
+            <a:r>
+              <a:rPr lang="en-US" sz="1400" b="1" dirty="0"/>
+              <a:t>Custom</a:t>
+            </a:r>
+          </a:p>
+        </p:txBody>
+      </p:sp>
+      <p:sp>
+        <p:nvSpPr>
+          <p:cNvPr id="16" name="Rectangle: Rounded Corners 15">
+            <a:extLst>
+              <a:ext uri="{FF2B5EF4-FFF2-40B4-BE49-F238E27FC236}">
+                <a16:creationId xmlns:a16="http://schemas.microsoft.com/office/drawing/2014/main" id="{A19EC2E6-AE0E-8676-60A4-2090436ACA83}"/>
+              </a:ext>
+            </a:extLst>
+          </p:cNvPr>
+          <p:cNvSpPr/>
+          <p:nvPr/>
+        </p:nvSpPr>
+        <p:spPr>
+          <a:xfrm>
+            <a:off x="11212278" y="3312365"/>
+            <a:ext cx="615828" cy="709127"/>
+          </a:xfrm>
+          <a:prstGeom prst="roundRect">
+            <a:avLst/>
+          </a:prstGeom>
+        </p:spPr>
+        <p:style>
+          <a:lnRef idx="2">
+            <a:schemeClr val="accent1">
+              <a:shade val="15000"/>
+            </a:schemeClr>
+          </a:lnRef>
+          <a:fillRef idx="1">
+            <a:schemeClr val="accent1"/>
+          </a:fillRef>
+          <a:effectRef idx="0">
+            <a:schemeClr val="accent1"/>
+          </a:effectRef>
+          <a:fontRef idx="minor">
+            <a:schemeClr val="lt1"/>
+          </a:fontRef>
+        </p:style>
+        <p:txBody>
+          <a:bodyPr rtlCol="0" anchor="ctr"/>
+          <a:lstStyle/>
+          <a:p>
+            <a:pPr algn="ctr"/>
+            <a:r>
+              <a:rPr lang="en-US" sz="1400" b="1" dirty="0"/>
+              <a:t>Auth/</a:t>
+            </a:r>
+            <a:r>
+              <a:rPr lang="en-US" sz="1400" b="1" dirty="0" err="1"/>
+              <a:t>Autho</a:t>
+            </a:r>
+            <a:endParaRPr lang="en-US" sz="1400" b="1" dirty="0"/>
+          </a:p>
+        </p:txBody>
+      </p:sp>
+      <p:cxnSp>
+        <p:nvCxnSpPr>
+          <p:cNvPr id="18" name="Connector: Curved 17">
+            <a:extLst>
+              <a:ext uri="{FF2B5EF4-FFF2-40B4-BE49-F238E27FC236}">
+                <a16:creationId xmlns:a16="http://schemas.microsoft.com/office/drawing/2014/main" id="{04D51910-504A-B7E9-F1F4-5C9050D8A871}"/>
+              </a:ext>
+            </a:extLst>
+          </p:cNvPr>
+          <p:cNvCxnSpPr>
+            <a:stCxn id="6" idx="0"/>
+            <a:endCxn id="7" idx="0"/>
+          </p:cNvCxnSpPr>
+          <p:nvPr/>
+        </p:nvCxnSpPr>
+        <p:spPr>
+          <a:xfrm rot="16200000" flipH="1">
+            <a:off x="1391039" y="2714429"/>
+            <a:ext cx="23325" cy="1069910"/>
+          </a:xfrm>
+          <a:prstGeom prst="curvedConnector3">
+            <a:avLst>
+              <a:gd name="adj1" fmla="val -980064"/>
+            </a:avLst>
+          </a:prstGeom>
+          <a:ln w="76200">
+            <a:solidFill>
+              <a:srgbClr val="FF0000"/>
+            </a:solidFill>
+            <a:tailEnd type="triangle"/>
+          </a:ln>
+        </p:spPr>
+        <p:style>
+          <a:lnRef idx="1">
+            <a:schemeClr val="accent1"/>
+          </a:lnRef>
+          <a:fillRef idx="0">
+            <a:schemeClr val="accent1"/>
+          </a:fillRef>
+          <a:effectRef idx="0">
+            <a:schemeClr val="accent1"/>
+          </a:effectRef>
+          <a:fontRef idx="minor">
+            <a:schemeClr val="tx1"/>
+          </a:fontRef>
+        </p:style>
+      </p:cxnSp>
+      <p:cxnSp>
+        <p:nvCxnSpPr>
+          <p:cNvPr id="19" name="Connector: Curved 18">
+            <a:extLst>
+              <a:ext uri="{FF2B5EF4-FFF2-40B4-BE49-F238E27FC236}">
+                <a16:creationId xmlns:a16="http://schemas.microsoft.com/office/drawing/2014/main" id="{B1BD5FCE-383D-5577-0E7F-5A4EEB6D9B6A}"/>
+              </a:ext>
+            </a:extLst>
+          </p:cNvPr>
+          <p:cNvCxnSpPr/>
+          <p:nvPr/>
+        </p:nvCxnSpPr>
+        <p:spPr>
+          <a:xfrm rot="16200000" flipH="1">
+            <a:off x="2507602" y="2747086"/>
+            <a:ext cx="23325" cy="1069910"/>
+          </a:xfrm>
+          <a:prstGeom prst="curvedConnector3">
+            <a:avLst>
+              <a:gd name="adj1" fmla="val -980064"/>
+            </a:avLst>
+          </a:prstGeom>
+          <a:ln w="76200">
+            <a:solidFill>
+              <a:srgbClr val="FF0000"/>
+            </a:solidFill>
+            <a:tailEnd type="triangle"/>
+          </a:ln>
+        </p:spPr>
+        <p:style>
+          <a:lnRef idx="1">
+            <a:schemeClr val="accent1"/>
+          </a:lnRef>
+          <a:fillRef idx="0">
+            <a:schemeClr val="accent1"/>
+          </a:fillRef>
+          <a:effectRef idx="0">
+            <a:schemeClr val="accent1"/>
+          </a:effectRef>
+          <a:fontRef idx="minor">
+            <a:schemeClr val="tx1"/>
+          </a:fontRef>
+        </p:style>
+      </p:cxnSp>
+      <p:cxnSp>
+        <p:nvCxnSpPr>
+          <p:cNvPr id="20" name="Connector: Curved 19">
+            <a:extLst>
+              <a:ext uri="{FF2B5EF4-FFF2-40B4-BE49-F238E27FC236}">
+                <a16:creationId xmlns:a16="http://schemas.microsoft.com/office/drawing/2014/main" id="{3106A1A2-432A-DE17-660E-D3B57FFEF74C}"/>
+              </a:ext>
+            </a:extLst>
+          </p:cNvPr>
+          <p:cNvCxnSpPr/>
+          <p:nvPr/>
+        </p:nvCxnSpPr>
+        <p:spPr>
+          <a:xfrm rot="16200000" flipH="1">
+            <a:off x="3583731" y="2742423"/>
+            <a:ext cx="23325" cy="1069910"/>
+          </a:xfrm>
+          <a:prstGeom prst="curvedConnector3">
+            <a:avLst>
+              <a:gd name="adj1" fmla="val -980064"/>
+            </a:avLst>
+          </a:prstGeom>
+          <a:ln w="76200">
+            <a:solidFill>
+              <a:srgbClr val="FF0000"/>
+            </a:solidFill>
+            <a:tailEnd type="triangle"/>
+          </a:ln>
+        </p:spPr>
+        <p:style>
+          <a:lnRef idx="1">
+            <a:schemeClr val="accent1"/>
+          </a:lnRef>
+          <a:fillRef idx="0">
+            <a:schemeClr val="accent1"/>
+          </a:fillRef>
+          <a:effectRef idx="0">
+            <a:schemeClr val="accent1"/>
+          </a:effectRef>
+          <a:fontRef idx="minor">
+            <a:schemeClr val="tx1"/>
+          </a:fontRef>
+        </p:style>
+      </p:cxnSp>
+      <p:cxnSp>
+        <p:nvCxnSpPr>
+          <p:cNvPr id="21" name="Connector: Curved 20">
+            <a:extLst>
+              <a:ext uri="{FF2B5EF4-FFF2-40B4-BE49-F238E27FC236}">
+                <a16:creationId xmlns:a16="http://schemas.microsoft.com/office/drawing/2014/main" id="{89198492-C092-8E42-1DA8-1C4BEDDE98EE}"/>
+              </a:ext>
+            </a:extLst>
+          </p:cNvPr>
+          <p:cNvCxnSpPr/>
+          <p:nvPr/>
+        </p:nvCxnSpPr>
+        <p:spPr>
+          <a:xfrm rot="16200000" flipH="1">
+            <a:off x="4647423" y="2770413"/>
+            <a:ext cx="23325" cy="1069910"/>
+          </a:xfrm>
+          <a:prstGeom prst="curvedConnector3">
+            <a:avLst>
+              <a:gd name="adj1" fmla="val -980064"/>
+            </a:avLst>
+          </a:prstGeom>
+          <a:ln w="76200">
+            <a:solidFill>
+              <a:srgbClr val="FF0000"/>
+            </a:solidFill>
+            <a:tailEnd type="triangle"/>
+          </a:ln>
+        </p:spPr>
+        <p:style>
+          <a:lnRef idx="1">
+            <a:schemeClr val="accent1"/>
+          </a:lnRef>
+          <a:fillRef idx="0">
+            <a:schemeClr val="accent1"/>
+          </a:fillRef>
+          <a:effectRef idx="0">
+            <a:schemeClr val="accent1"/>
+          </a:effectRef>
+          <a:fontRef idx="minor">
+            <a:schemeClr val="tx1"/>
+          </a:fontRef>
+        </p:style>
+      </p:cxnSp>
+      <p:cxnSp>
+        <p:nvCxnSpPr>
+          <p:cNvPr id="22" name="Connector: Curved 21">
+            <a:extLst>
+              <a:ext uri="{FF2B5EF4-FFF2-40B4-BE49-F238E27FC236}">
+                <a16:creationId xmlns:a16="http://schemas.microsoft.com/office/drawing/2014/main" id="{0E7044DF-C1D8-6A4F-594D-926A484F9109}"/>
+              </a:ext>
+            </a:extLst>
+          </p:cNvPr>
+          <p:cNvCxnSpPr/>
+          <p:nvPr/>
+        </p:nvCxnSpPr>
+        <p:spPr>
+          <a:xfrm rot="16200000" flipH="1">
+            <a:off x="5776422" y="2782077"/>
+            <a:ext cx="23325" cy="1069910"/>
+          </a:xfrm>
+          <a:prstGeom prst="curvedConnector3">
+            <a:avLst>
+              <a:gd name="adj1" fmla="val -980064"/>
+            </a:avLst>
+          </a:prstGeom>
+          <a:ln w="76200">
+            <a:solidFill>
+              <a:srgbClr val="FF0000"/>
+            </a:solidFill>
+            <a:tailEnd type="triangle"/>
+          </a:ln>
+        </p:spPr>
+        <p:style>
+          <a:lnRef idx="1">
+            <a:schemeClr val="accent1"/>
+          </a:lnRef>
+          <a:fillRef idx="0">
+            <a:schemeClr val="accent1"/>
+          </a:fillRef>
+          <a:effectRef idx="0">
+            <a:schemeClr val="accent1"/>
+          </a:effectRef>
+          <a:fontRef idx="minor">
+            <a:schemeClr val="tx1"/>
+          </a:fontRef>
+        </p:style>
+      </p:cxnSp>
+      <p:cxnSp>
+        <p:nvCxnSpPr>
+          <p:cNvPr id="23" name="Connector: Curved 22">
+            <a:extLst>
+              <a:ext uri="{FF2B5EF4-FFF2-40B4-BE49-F238E27FC236}">
+                <a16:creationId xmlns:a16="http://schemas.microsoft.com/office/drawing/2014/main" id="{F2D30846-CF0D-E682-1A34-112DC02A0917}"/>
+              </a:ext>
+            </a:extLst>
+          </p:cNvPr>
+          <p:cNvCxnSpPr/>
+          <p:nvPr/>
+        </p:nvCxnSpPr>
+        <p:spPr>
+          <a:xfrm rot="16200000" flipH="1">
+            <a:off x="6905431" y="2765748"/>
+            <a:ext cx="23325" cy="1069910"/>
+          </a:xfrm>
+          <a:prstGeom prst="curvedConnector3">
+            <a:avLst>
+              <a:gd name="adj1" fmla="val -980064"/>
+            </a:avLst>
+          </a:prstGeom>
+          <a:ln w="76200">
+            <a:solidFill>
+              <a:srgbClr val="FF0000"/>
+            </a:solidFill>
+            <a:tailEnd type="triangle"/>
+          </a:ln>
+        </p:spPr>
+        <p:style>
+          <a:lnRef idx="1">
+            <a:schemeClr val="accent1"/>
+          </a:lnRef>
+          <a:fillRef idx="0">
+            <a:schemeClr val="accent1"/>
+          </a:fillRef>
+          <a:effectRef idx="0">
+            <a:schemeClr val="accent1"/>
+          </a:effectRef>
+          <a:fontRef idx="minor">
+            <a:schemeClr val="tx1"/>
+          </a:fontRef>
+        </p:style>
+      </p:cxnSp>
+      <p:cxnSp>
+        <p:nvCxnSpPr>
+          <p:cNvPr id="24" name="Connector: Curved 23">
+            <a:extLst>
+              <a:ext uri="{FF2B5EF4-FFF2-40B4-BE49-F238E27FC236}">
+                <a16:creationId xmlns:a16="http://schemas.microsoft.com/office/drawing/2014/main" id="{43958F60-BF8B-C62B-A317-308DBCC12180}"/>
+              </a:ext>
+            </a:extLst>
+          </p:cNvPr>
+          <p:cNvCxnSpPr/>
+          <p:nvPr/>
+        </p:nvCxnSpPr>
+        <p:spPr>
+          <a:xfrm rot="16200000" flipH="1">
+            <a:off x="7994002" y="2805404"/>
+            <a:ext cx="23325" cy="1069910"/>
+          </a:xfrm>
+          <a:prstGeom prst="curvedConnector3">
+            <a:avLst>
+              <a:gd name="adj1" fmla="val -980064"/>
+            </a:avLst>
+          </a:prstGeom>
+          <a:ln w="76200">
+            <a:solidFill>
+              <a:srgbClr val="FF0000"/>
+            </a:solidFill>
+            <a:tailEnd type="triangle"/>
+          </a:ln>
+        </p:spPr>
+        <p:style>
+          <a:lnRef idx="1">
+            <a:schemeClr val="accent1"/>
+          </a:lnRef>
+          <a:fillRef idx="0">
+            <a:schemeClr val="accent1"/>
+          </a:fillRef>
+          <a:effectRef idx="0">
+            <a:schemeClr val="accent1"/>
+          </a:effectRef>
+          <a:fontRef idx="minor">
+            <a:schemeClr val="tx1"/>
+          </a:fontRef>
+        </p:style>
+      </p:cxnSp>
+      <p:cxnSp>
+        <p:nvCxnSpPr>
+          <p:cNvPr id="25" name="Connector: Curved 24">
+            <a:extLst>
+              <a:ext uri="{FF2B5EF4-FFF2-40B4-BE49-F238E27FC236}">
+                <a16:creationId xmlns:a16="http://schemas.microsoft.com/office/drawing/2014/main" id="{6D9D2583-1666-5525-2D1F-41D9B05E5697}"/>
+              </a:ext>
+            </a:extLst>
+          </p:cNvPr>
+          <p:cNvCxnSpPr/>
+          <p:nvPr/>
+        </p:nvCxnSpPr>
+        <p:spPr>
+          <a:xfrm rot="16200000" flipH="1">
+            <a:off x="9063913" y="2828731"/>
+            <a:ext cx="23325" cy="1069910"/>
+          </a:xfrm>
+          <a:prstGeom prst="curvedConnector3">
+            <a:avLst>
+              <a:gd name="adj1" fmla="val -980064"/>
+            </a:avLst>
+          </a:prstGeom>
+          <a:ln w="76200">
+            <a:solidFill>
+              <a:srgbClr val="FF0000"/>
+            </a:solidFill>
+            <a:tailEnd type="triangle"/>
+          </a:ln>
+        </p:spPr>
+        <p:style>
+          <a:lnRef idx="1">
+            <a:schemeClr val="accent1"/>
+          </a:lnRef>
+          <a:fillRef idx="0">
+            <a:schemeClr val="accent1"/>
+          </a:fillRef>
+          <a:effectRef idx="0">
+            <a:schemeClr val="accent1"/>
+          </a:effectRef>
+          <a:fontRef idx="minor">
+            <a:schemeClr val="tx1"/>
+          </a:fontRef>
+        </p:style>
+      </p:cxnSp>
+      <p:cxnSp>
+        <p:nvCxnSpPr>
+          <p:cNvPr id="26" name="Connector: Curved 25">
+            <a:extLst>
+              <a:ext uri="{FF2B5EF4-FFF2-40B4-BE49-F238E27FC236}">
+                <a16:creationId xmlns:a16="http://schemas.microsoft.com/office/drawing/2014/main" id="{54DC69BB-79F6-0112-66E7-BEAA0C3D7CF6}"/>
+              </a:ext>
+            </a:extLst>
+          </p:cNvPr>
+          <p:cNvCxnSpPr/>
+          <p:nvPr/>
+        </p:nvCxnSpPr>
+        <p:spPr>
+          <a:xfrm rot="16200000" flipH="1">
+            <a:off x="10121381" y="2821734"/>
+            <a:ext cx="23325" cy="1069910"/>
+          </a:xfrm>
+          <a:prstGeom prst="curvedConnector3">
+            <a:avLst>
+              <a:gd name="adj1" fmla="val -980064"/>
+            </a:avLst>
+          </a:prstGeom>
+          <a:ln w="76200">
+            <a:solidFill>
+              <a:srgbClr val="FF0000"/>
+            </a:solidFill>
+            <a:tailEnd type="triangle"/>
+          </a:ln>
+        </p:spPr>
+        <p:style>
+          <a:lnRef idx="1">
+            <a:schemeClr val="accent1"/>
+          </a:lnRef>
+          <a:fillRef idx="0">
+            <a:schemeClr val="accent1"/>
+          </a:fillRef>
+          <a:effectRef idx="0">
+            <a:schemeClr val="accent1"/>
+          </a:effectRef>
+          <a:fontRef idx="minor">
+            <a:schemeClr val="tx1"/>
+          </a:fontRef>
+        </p:style>
+      </p:cxnSp>
+      <p:cxnSp>
+        <p:nvCxnSpPr>
+          <p:cNvPr id="27" name="Connector: Curved 26">
+            <a:extLst>
+              <a:ext uri="{FF2B5EF4-FFF2-40B4-BE49-F238E27FC236}">
+                <a16:creationId xmlns:a16="http://schemas.microsoft.com/office/drawing/2014/main" id="{F8ADA176-7101-A447-3782-7FF52064A2B3}"/>
+              </a:ext>
+            </a:extLst>
+          </p:cNvPr>
+          <p:cNvCxnSpPr/>
+          <p:nvPr/>
+        </p:nvCxnSpPr>
+        <p:spPr>
+          <a:xfrm rot="16200000" flipH="1">
+            <a:off x="11169516" y="2798409"/>
+            <a:ext cx="23325" cy="1069910"/>
+          </a:xfrm>
+          <a:prstGeom prst="curvedConnector3">
+            <a:avLst>
+              <a:gd name="adj1" fmla="val -980064"/>
+            </a:avLst>
+          </a:prstGeom>
+          <a:ln w="76200">
+            <a:solidFill>
+              <a:srgbClr val="FF0000"/>
+            </a:solidFill>
+            <a:tailEnd type="triangle"/>
+          </a:ln>
+        </p:spPr>
+        <p:style>
+          <a:lnRef idx="1">
+            <a:schemeClr val="accent1"/>
+          </a:lnRef>
+          <a:fillRef idx="0">
+            <a:schemeClr val="accent1"/>
+          </a:fillRef>
+          <a:effectRef idx="0">
+            <a:schemeClr val="accent1"/>
+          </a:effectRef>
+          <a:fontRef idx="minor">
+            <a:schemeClr val="tx1"/>
+          </a:fontRef>
+        </p:style>
+      </p:cxnSp>
+      <p:cxnSp>
+        <p:nvCxnSpPr>
+          <p:cNvPr id="34" name="Connector: Curved 33">
+            <a:extLst>
+              <a:ext uri="{FF2B5EF4-FFF2-40B4-BE49-F238E27FC236}">
+                <a16:creationId xmlns:a16="http://schemas.microsoft.com/office/drawing/2014/main" id="{F4F33444-7FA8-5007-DF10-042376EF72D8}"/>
+              </a:ext>
+            </a:extLst>
+          </p:cNvPr>
+          <p:cNvCxnSpPr>
+            <a:stCxn id="16" idx="2"/>
+            <a:endCxn id="15" idx="2"/>
+          </p:cNvCxnSpPr>
+          <p:nvPr/>
+        </p:nvCxnSpPr>
+        <p:spPr>
+          <a:xfrm rot="5400000" flipH="1">
+            <a:off x="11069213" y="3570514"/>
+            <a:ext cx="27991" cy="873967"/>
+          </a:xfrm>
+          <a:prstGeom prst="curvedConnector3">
+            <a:avLst>
+              <a:gd name="adj1" fmla="val -816691"/>
+            </a:avLst>
+          </a:prstGeom>
+          <a:ln w="76200">
+            <a:solidFill>
+              <a:srgbClr val="7030A0"/>
+            </a:solidFill>
+            <a:tailEnd type="triangle"/>
+          </a:ln>
+        </p:spPr>
+        <p:style>
+          <a:lnRef idx="1">
+            <a:schemeClr val="accent1"/>
+          </a:lnRef>
+          <a:fillRef idx="0">
+            <a:schemeClr val="accent1"/>
+          </a:fillRef>
+          <a:effectRef idx="0">
+            <a:schemeClr val="accent1"/>
+          </a:effectRef>
+          <a:fontRef idx="minor">
+            <a:schemeClr val="tx1"/>
+          </a:fontRef>
+        </p:style>
+      </p:cxnSp>
+      <p:cxnSp>
+        <p:nvCxnSpPr>
+          <p:cNvPr id="35" name="Connector: Curved 34">
+            <a:extLst>
+              <a:ext uri="{FF2B5EF4-FFF2-40B4-BE49-F238E27FC236}">
+                <a16:creationId xmlns:a16="http://schemas.microsoft.com/office/drawing/2014/main" id="{8BFBC74F-5C0A-2216-5554-4864CF296108}"/>
+              </a:ext>
+            </a:extLst>
+          </p:cNvPr>
+          <p:cNvCxnSpPr/>
+          <p:nvPr/>
+        </p:nvCxnSpPr>
+        <p:spPr>
+          <a:xfrm rot="5400000" flipH="1">
+            <a:off x="9887332" y="3572842"/>
+            <a:ext cx="27991" cy="873967"/>
+          </a:xfrm>
+          <a:prstGeom prst="curvedConnector3">
+            <a:avLst>
+              <a:gd name="adj1" fmla="val -816691"/>
+            </a:avLst>
+          </a:prstGeom>
+          <a:ln w="76200">
+            <a:solidFill>
+              <a:srgbClr val="7030A0"/>
+            </a:solidFill>
+            <a:tailEnd type="triangle"/>
+          </a:ln>
+        </p:spPr>
+        <p:style>
+          <a:lnRef idx="1">
+            <a:schemeClr val="accent1"/>
+          </a:lnRef>
+          <a:fillRef idx="0">
+            <a:schemeClr val="accent1"/>
+          </a:fillRef>
+          <a:effectRef idx="0">
+            <a:schemeClr val="accent1"/>
+          </a:effectRef>
+          <a:fontRef idx="minor">
+            <a:schemeClr val="tx1"/>
+          </a:fontRef>
+        </p:style>
+      </p:cxnSp>
+      <p:cxnSp>
+        <p:nvCxnSpPr>
+          <p:cNvPr id="36" name="Connector: Curved 35">
+            <a:extLst>
+              <a:ext uri="{FF2B5EF4-FFF2-40B4-BE49-F238E27FC236}">
+                <a16:creationId xmlns:a16="http://schemas.microsoft.com/office/drawing/2014/main" id="{F57EF187-6575-CA4D-450A-2F714AA6A295}"/>
+              </a:ext>
+            </a:extLst>
+          </p:cNvPr>
+          <p:cNvCxnSpPr/>
+          <p:nvPr/>
+        </p:nvCxnSpPr>
+        <p:spPr>
+          <a:xfrm rot="5400000" flipH="1">
+            <a:off x="8663466" y="3564681"/>
+            <a:ext cx="27991" cy="873967"/>
+          </a:xfrm>
+          <a:prstGeom prst="curvedConnector3">
+            <a:avLst>
+              <a:gd name="adj1" fmla="val -816691"/>
+            </a:avLst>
+          </a:prstGeom>
+          <a:ln w="76200">
+            <a:solidFill>
+              <a:srgbClr val="7030A0"/>
+            </a:solidFill>
+            <a:tailEnd type="triangle"/>
+          </a:ln>
+        </p:spPr>
+        <p:style>
+          <a:lnRef idx="1">
+            <a:schemeClr val="accent1"/>
+          </a:lnRef>
+          <a:fillRef idx="0">
+            <a:schemeClr val="accent1"/>
+          </a:fillRef>
+          <a:effectRef idx="0">
+            <a:schemeClr val="accent1"/>
+          </a:effectRef>
+          <a:fontRef idx="minor">
+            <a:schemeClr val="tx1"/>
+          </a:fontRef>
+        </p:style>
+      </p:cxnSp>
+      <p:cxnSp>
+        <p:nvCxnSpPr>
+          <p:cNvPr id="37" name="Connector: Curved 36">
+            <a:extLst>
+              <a:ext uri="{FF2B5EF4-FFF2-40B4-BE49-F238E27FC236}">
+                <a16:creationId xmlns:a16="http://schemas.microsoft.com/office/drawing/2014/main" id="{C2717006-FE15-B181-F470-7E6D7636FE54}"/>
+              </a:ext>
+            </a:extLst>
+          </p:cNvPr>
+          <p:cNvCxnSpPr/>
+          <p:nvPr/>
+        </p:nvCxnSpPr>
+        <p:spPr>
+          <a:xfrm rot="5400000" flipH="1">
+            <a:off x="7725745" y="3520361"/>
+            <a:ext cx="27991" cy="873967"/>
+          </a:xfrm>
+          <a:prstGeom prst="curvedConnector3">
+            <a:avLst>
+              <a:gd name="adj1" fmla="val -816691"/>
+            </a:avLst>
+          </a:prstGeom>
+          <a:ln w="76200">
+            <a:solidFill>
+              <a:srgbClr val="7030A0"/>
+            </a:solidFill>
+            <a:tailEnd type="triangle"/>
+          </a:ln>
+        </p:spPr>
+        <p:style>
+          <a:lnRef idx="1">
+            <a:schemeClr val="accent1"/>
+          </a:lnRef>
+          <a:fillRef idx="0">
+            <a:schemeClr val="accent1"/>
+          </a:fillRef>
+          <a:effectRef idx="0">
+            <a:schemeClr val="accent1"/>
+          </a:effectRef>
+          <a:fontRef idx="minor">
+            <a:schemeClr val="tx1"/>
+          </a:fontRef>
+        </p:style>
+      </p:cxnSp>
+      <p:cxnSp>
+        <p:nvCxnSpPr>
+          <p:cNvPr id="38" name="Connector: Curved 37">
+            <a:extLst>
+              <a:ext uri="{FF2B5EF4-FFF2-40B4-BE49-F238E27FC236}">
+                <a16:creationId xmlns:a16="http://schemas.microsoft.com/office/drawing/2014/main" id="{2F6D4300-A022-2568-8CD0-0DFB525BAECE}"/>
+              </a:ext>
+            </a:extLst>
+          </p:cNvPr>
+          <p:cNvCxnSpPr/>
+          <p:nvPr/>
+        </p:nvCxnSpPr>
+        <p:spPr>
+          <a:xfrm rot="5400000" flipH="1">
+            <a:off x="6725040" y="3542520"/>
+            <a:ext cx="27991" cy="873967"/>
+          </a:xfrm>
+          <a:prstGeom prst="curvedConnector3">
+            <a:avLst>
+              <a:gd name="adj1" fmla="val -816691"/>
+            </a:avLst>
+          </a:prstGeom>
+          <a:ln w="76200">
+            <a:solidFill>
+              <a:srgbClr val="7030A0"/>
+            </a:solidFill>
+            <a:tailEnd type="triangle"/>
+          </a:ln>
+        </p:spPr>
+        <p:style>
+          <a:lnRef idx="1">
+            <a:schemeClr val="accent1"/>
+          </a:lnRef>
+          <a:fillRef idx="0">
+            <a:schemeClr val="accent1"/>
+          </a:fillRef>
+          <a:effectRef idx="0">
+            <a:schemeClr val="accent1"/>
+          </a:effectRef>
+          <a:fontRef idx="minor">
+            <a:schemeClr val="tx1"/>
+          </a:fontRef>
+        </p:style>
+      </p:cxnSp>
+      <p:cxnSp>
+        <p:nvCxnSpPr>
+          <p:cNvPr id="39" name="Connector: Curved 38">
+            <a:extLst>
+              <a:ext uri="{FF2B5EF4-FFF2-40B4-BE49-F238E27FC236}">
+                <a16:creationId xmlns:a16="http://schemas.microsoft.com/office/drawing/2014/main" id="{B923F536-99C5-11E1-BB38-59754694991A}"/>
+              </a:ext>
+            </a:extLst>
+          </p:cNvPr>
+          <p:cNvCxnSpPr/>
+          <p:nvPr/>
+        </p:nvCxnSpPr>
+        <p:spPr>
+          <a:xfrm rot="5400000" flipH="1">
+            <a:off x="5626358" y="3528524"/>
+            <a:ext cx="27991" cy="873967"/>
+          </a:xfrm>
+          <a:prstGeom prst="curvedConnector3">
+            <a:avLst>
+              <a:gd name="adj1" fmla="val -816691"/>
+            </a:avLst>
+          </a:prstGeom>
+          <a:ln w="76200">
+            <a:solidFill>
+              <a:srgbClr val="7030A0"/>
+            </a:solidFill>
+            <a:tailEnd type="triangle"/>
+          </a:ln>
+        </p:spPr>
+        <p:style>
+          <a:lnRef idx="1">
+            <a:schemeClr val="accent1"/>
+          </a:lnRef>
+          <a:fillRef idx="0">
+            <a:schemeClr val="accent1"/>
+          </a:fillRef>
+          <a:effectRef idx="0">
+            <a:schemeClr val="accent1"/>
+          </a:effectRef>
+          <a:fontRef idx="minor">
+            <a:schemeClr val="tx1"/>
+          </a:fontRef>
+        </p:style>
+      </p:cxnSp>
+      <p:cxnSp>
+        <p:nvCxnSpPr>
+          <p:cNvPr id="40" name="Connector: Curved 39">
+            <a:extLst>
+              <a:ext uri="{FF2B5EF4-FFF2-40B4-BE49-F238E27FC236}">
+                <a16:creationId xmlns:a16="http://schemas.microsoft.com/office/drawing/2014/main" id="{A8C1EE89-2DC8-12D1-934B-0DD5D2BCECD0}"/>
+              </a:ext>
+            </a:extLst>
+          </p:cNvPr>
+          <p:cNvCxnSpPr/>
+          <p:nvPr/>
+        </p:nvCxnSpPr>
+        <p:spPr>
+          <a:xfrm rot="5400000" flipH="1">
+            <a:off x="4622153" y="3522691"/>
+            <a:ext cx="27991" cy="873967"/>
+          </a:xfrm>
+          <a:prstGeom prst="curvedConnector3">
+            <a:avLst>
+              <a:gd name="adj1" fmla="val -816691"/>
+            </a:avLst>
+          </a:prstGeom>
+          <a:ln w="76200">
+            <a:solidFill>
+              <a:srgbClr val="7030A0"/>
+            </a:solidFill>
+            <a:tailEnd type="triangle"/>
+          </a:ln>
+        </p:spPr>
+        <p:style>
+          <a:lnRef idx="1">
+            <a:schemeClr val="accent1"/>
+          </a:lnRef>
+          <a:fillRef idx="0">
+            <a:schemeClr val="accent1"/>
+          </a:fillRef>
+          <a:effectRef idx="0">
+            <a:schemeClr val="accent1"/>
+          </a:effectRef>
+          <a:fontRef idx="minor">
+            <a:schemeClr val="tx1"/>
+          </a:fontRef>
+        </p:style>
+      </p:cxnSp>
+      <p:cxnSp>
+        <p:nvCxnSpPr>
+          <p:cNvPr id="41" name="Connector: Curved 40">
+            <a:extLst>
+              <a:ext uri="{FF2B5EF4-FFF2-40B4-BE49-F238E27FC236}">
+                <a16:creationId xmlns:a16="http://schemas.microsoft.com/office/drawing/2014/main" id="{279389D1-E2BE-BA4C-8D1C-4EFFA3D738C5}"/>
+              </a:ext>
+            </a:extLst>
+          </p:cNvPr>
+          <p:cNvCxnSpPr/>
+          <p:nvPr/>
+        </p:nvCxnSpPr>
+        <p:spPr>
+          <a:xfrm rot="5400000" flipH="1">
+            <a:off x="3581397" y="3542520"/>
+            <a:ext cx="27991" cy="873967"/>
+          </a:xfrm>
+          <a:prstGeom prst="curvedConnector3">
+            <a:avLst>
+              <a:gd name="adj1" fmla="val -816691"/>
+            </a:avLst>
+          </a:prstGeom>
+          <a:ln w="76200">
+            <a:solidFill>
+              <a:srgbClr val="7030A0"/>
+            </a:solidFill>
+            <a:tailEnd type="triangle"/>
+          </a:ln>
+        </p:spPr>
+        <p:style>
+          <a:lnRef idx="1">
+            <a:schemeClr val="accent1"/>
+          </a:lnRef>
+          <a:fillRef idx="0">
+            <a:schemeClr val="accent1"/>
+          </a:fillRef>
+          <a:effectRef idx="0">
+            <a:schemeClr val="accent1"/>
+          </a:effectRef>
+          <a:fontRef idx="minor">
+            <a:schemeClr val="tx1"/>
+          </a:fontRef>
+        </p:style>
+      </p:cxnSp>
+      <p:cxnSp>
+        <p:nvCxnSpPr>
+          <p:cNvPr id="42" name="Connector: Curved 41">
+            <a:extLst>
+              <a:ext uri="{FF2B5EF4-FFF2-40B4-BE49-F238E27FC236}">
+                <a16:creationId xmlns:a16="http://schemas.microsoft.com/office/drawing/2014/main" id="{7EB483C9-2635-FAD6-E132-AE7C16E2ED3A}"/>
+              </a:ext>
+            </a:extLst>
+          </p:cNvPr>
+          <p:cNvCxnSpPr/>
+          <p:nvPr/>
+        </p:nvCxnSpPr>
+        <p:spPr>
+          <a:xfrm rot="5400000" flipH="1">
+            <a:off x="2363178" y="3508695"/>
+            <a:ext cx="27991" cy="873967"/>
+          </a:xfrm>
+          <a:prstGeom prst="curvedConnector3">
+            <a:avLst>
+              <a:gd name="adj1" fmla="val -816691"/>
+            </a:avLst>
+          </a:prstGeom>
+          <a:ln w="76200">
+            <a:solidFill>
+              <a:srgbClr val="7030A0"/>
+            </a:solidFill>
+            <a:tailEnd type="triangle"/>
+          </a:ln>
+        </p:spPr>
+        <p:style>
+          <a:lnRef idx="1">
+            <a:schemeClr val="accent1"/>
+          </a:lnRef>
+          <a:fillRef idx="0">
+            <a:schemeClr val="accent1"/>
+          </a:fillRef>
+          <a:effectRef idx="0">
+            <a:schemeClr val="accent1"/>
+          </a:effectRef>
+          <a:fontRef idx="minor">
+            <a:schemeClr val="tx1"/>
+          </a:fontRef>
+        </p:style>
+      </p:cxnSp>
+      <p:cxnSp>
+        <p:nvCxnSpPr>
+          <p:cNvPr id="43" name="Connector: Curved 42">
+            <a:extLst>
+              <a:ext uri="{FF2B5EF4-FFF2-40B4-BE49-F238E27FC236}">
+                <a16:creationId xmlns:a16="http://schemas.microsoft.com/office/drawing/2014/main" id="{71DAD104-B27C-B5C2-C0A9-5AB61C0D0833}"/>
+              </a:ext>
+            </a:extLst>
+          </p:cNvPr>
+          <p:cNvCxnSpPr/>
+          <p:nvPr/>
+        </p:nvCxnSpPr>
+        <p:spPr>
+          <a:xfrm rot="5400000" flipH="1">
+            <a:off x="1059023" y="3492950"/>
+            <a:ext cx="27991" cy="873967"/>
+          </a:xfrm>
+          <a:prstGeom prst="curvedConnector3">
+            <a:avLst>
+              <a:gd name="adj1" fmla="val -816691"/>
+            </a:avLst>
+          </a:prstGeom>
+          <a:ln w="76200">
+            <a:solidFill>
+              <a:srgbClr val="7030A0"/>
+            </a:solidFill>
+            <a:tailEnd type="triangle"/>
+          </a:ln>
+        </p:spPr>
+        <p:style>
+          <a:lnRef idx="1">
+            <a:schemeClr val="accent1"/>
+          </a:lnRef>
+          <a:fillRef idx="0">
+            <a:schemeClr val="accent1"/>
+          </a:fillRef>
+          <a:effectRef idx="0">
+            <a:schemeClr val="accent1"/>
+          </a:effectRef>
+          <a:fontRef idx="minor">
+            <a:schemeClr val="tx1"/>
+          </a:fontRef>
+        </p:style>
+      </p:cxnSp>
+      <p:sp>
+        <p:nvSpPr>
+          <p:cNvPr id="44" name="Arrow: Right 43">
+            <a:extLst>
+              <a:ext uri="{FF2B5EF4-FFF2-40B4-BE49-F238E27FC236}">
+                <a16:creationId xmlns:a16="http://schemas.microsoft.com/office/drawing/2014/main" id="{ECCADB1C-C250-A2C6-9F07-1409A0399C6B}"/>
+              </a:ext>
+            </a:extLst>
+          </p:cNvPr>
+          <p:cNvSpPr/>
+          <p:nvPr/>
+        </p:nvSpPr>
+        <p:spPr>
+          <a:xfrm>
+            <a:off x="1937657" y="1875453"/>
+            <a:ext cx="8055429" cy="681133"/>
+          </a:xfrm>
+          <a:prstGeom prst="rightArrow">
+            <a:avLst/>
+          </a:prstGeom>
+        </p:spPr>
+        <p:style>
+          <a:lnRef idx="2">
+            <a:schemeClr val="accent1">
+              <a:shade val="15000"/>
+            </a:schemeClr>
+          </a:lnRef>
+          <a:fillRef idx="1">
+            <a:schemeClr val="accent1"/>
+          </a:fillRef>
+          <a:effectRef idx="0">
+            <a:schemeClr val="accent1"/>
+          </a:effectRef>
+          <a:fontRef idx="minor">
+            <a:schemeClr val="lt1"/>
+          </a:fontRef>
+        </p:style>
+        <p:txBody>
+          <a:bodyPr rtlCol="0" anchor="ctr"/>
+          <a:lstStyle/>
+          <a:p>
+            <a:pPr algn="ctr"/>
+            <a:r>
+              <a:rPr lang="en-US" dirty="0"/>
+              <a:t>HttpContext, Request</a:t>
+            </a:r>
+          </a:p>
+        </p:txBody>
+      </p:sp>
+      <p:sp>
+        <p:nvSpPr>
+          <p:cNvPr id="45" name="Arrow: Left 44">
+            <a:extLst>
+              <a:ext uri="{FF2B5EF4-FFF2-40B4-BE49-F238E27FC236}">
+                <a16:creationId xmlns:a16="http://schemas.microsoft.com/office/drawing/2014/main" id="{0DEBDE3A-FB5B-22F9-6DD4-35DDEC8551A3}"/>
+              </a:ext>
+            </a:extLst>
+          </p:cNvPr>
+          <p:cNvSpPr/>
+          <p:nvPr/>
+        </p:nvSpPr>
+        <p:spPr>
+          <a:xfrm>
+            <a:off x="1937657" y="4814596"/>
+            <a:ext cx="8055429" cy="709127"/>
+          </a:xfrm>
+          <a:prstGeom prst="leftArrow">
+            <a:avLst/>
+          </a:prstGeom>
+        </p:spPr>
+        <p:style>
+          <a:lnRef idx="2">
+            <a:schemeClr val="accent1">
+              <a:shade val="15000"/>
+            </a:schemeClr>
+          </a:lnRef>
+          <a:fillRef idx="1">
+            <a:schemeClr val="accent1"/>
+          </a:fillRef>
+          <a:effectRef idx="0">
+            <a:schemeClr val="accent1"/>
+          </a:effectRef>
+          <a:fontRef idx="minor">
+            <a:schemeClr val="lt1"/>
+          </a:fontRef>
+        </p:style>
+        <p:txBody>
+          <a:bodyPr rtlCol="0" anchor="ctr"/>
+          <a:lstStyle/>
+          <a:p>
+            <a:pPr algn="ctr"/>
+            <a:r>
+              <a:rPr lang="en-US" dirty="0"/>
+              <a:t>HttpContext, Response</a:t>
+            </a:r>
+          </a:p>
+        </p:txBody>
+      </p:sp>
+    </p:spTree>
+    <p:extLst>
+      <p:ext uri="{BB962C8B-B14F-4D97-AF65-F5344CB8AC3E}">
+        <p14:creationId xmlns:p14="http://schemas.microsoft.com/office/powerpoint/2010/main" val="2793885887"/>
+      </p:ext>
+    </p:extLst>
+  </p:cSld>
+  <p:clrMapOvr>
+    <a:masterClrMapping/>
+  </p:clrMapOvr>
+</p:sld>
+</file>
+
+<file path=ppt/slides/slide27.xml><?xml version="1.0" encoding="utf-8"?>
+<p:sld xmlns:a="http://schemas.openxmlformats.org/drawingml/2006/main" xmlns:r="http://schemas.openxmlformats.org/officeDocument/2006/relationships" xmlns:p="http://schemas.openxmlformats.org/presentationml/2006/main">
+  <p:cSld>
+    <p:spTree>
+      <p:nvGrpSpPr>
+        <p:cNvPr id="1" name=""/>
+        <p:cNvGrpSpPr/>
+        <p:nvPr/>
+      </p:nvGrpSpPr>
+      <p:grpSpPr>
+        <a:xfrm>
+          <a:off x="0" y="0"/>
+          <a:ext cx="0" cy="0"/>
+          <a:chOff x="0" y="0"/>
+          <a:chExt cx="0" cy="0"/>
+        </a:xfrm>
+      </p:grpSpPr>
+      <p:sp>
+        <p:nvSpPr>
+          <p:cNvPr id="2" name="Oval 1">
+            <a:extLst>
+              <a:ext uri="{FF2B5EF4-FFF2-40B4-BE49-F238E27FC236}">
+                <a16:creationId xmlns:a16="http://schemas.microsoft.com/office/drawing/2014/main" id="{D9E0B576-E185-DA2A-1C5F-4DAD6E048F03}"/>
+              </a:ext>
+            </a:extLst>
+          </p:cNvPr>
+          <p:cNvSpPr/>
+          <p:nvPr/>
+        </p:nvSpPr>
+        <p:spPr>
+          <a:xfrm>
+            <a:off x="4738395" y="2444620"/>
+            <a:ext cx="2174033" cy="1670180"/>
+          </a:xfrm>
+          <a:prstGeom prst="ellipse">
+            <a:avLst/>
+          </a:prstGeom>
+        </p:spPr>
+        <p:style>
+          <a:lnRef idx="2">
+            <a:schemeClr val="accent1">
+              <a:shade val="15000"/>
+            </a:schemeClr>
+          </a:lnRef>
+          <a:fillRef idx="1">
+            <a:schemeClr val="accent1"/>
+          </a:fillRef>
+          <a:effectRef idx="0">
+            <a:schemeClr val="accent1"/>
+          </a:effectRef>
+          <a:fontRef idx="minor">
+            <a:schemeClr val="lt1"/>
+          </a:fontRef>
+        </p:style>
+        <p:txBody>
+          <a:bodyPr rtlCol="0" anchor="ctr"/>
+          <a:lstStyle/>
+          <a:p>
+            <a:pPr algn="ctr"/>
+            <a:r>
+              <a:rPr lang="en-US" b="1" dirty="0"/>
+              <a:t>Identity Platform</a:t>
+            </a:r>
+          </a:p>
+          <a:p>
+            <a:pPr algn="ctr"/>
+            <a:r>
+              <a:rPr lang="en-US" b="1" dirty="0"/>
+              <a:t>Services</a:t>
+            </a:r>
+          </a:p>
+        </p:txBody>
+      </p:sp>
+      <p:sp>
+        <p:nvSpPr>
+          <p:cNvPr id="3" name="Oval 2">
+            <a:extLst>
+              <a:ext uri="{FF2B5EF4-FFF2-40B4-BE49-F238E27FC236}">
+                <a16:creationId xmlns:a16="http://schemas.microsoft.com/office/drawing/2014/main" id="{EF98EEC1-2DA9-EE78-0919-EB2DAD8FBA5F}"/>
+              </a:ext>
+            </a:extLst>
+          </p:cNvPr>
+          <p:cNvSpPr/>
+          <p:nvPr/>
+        </p:nvSpPr>
+        <p:spPr>
+          <a:xfrm>
+            <a:off x="94860" y="0"/>
+            <a:ext cx="2174033" cy="1670180"/>
+          </a:xfrm>
+          <a:prstGeom prst="ellipse">
+            <a:avLst/>
+          </a:prstGeom>
+        </p:spPr>
+        <p:style>
+          <a:lnRef idx="2">
+            <a:schemeClr val="accent1">
+              <a:shade val="15000"/>
+            </a:schemeClr>
+          </a:lnRef>
+          <a:fillRef idx="1">
+            <a:schemeClr val="accent1"/>
+          </a:fillRef>
+          <a:effectRef idx="0">
+            <a:schemeClr val="accent1"/>
+          </a:effectRef>
+          <a:fontRef idx="minor">
+            <a:schemeClr val="lt1"/>
+          </a:fontRef>
+        </p:style>
+        <p:txBody>
+          <a:bodyPr rtlCol="0" anchor="ctr"/>
+          <a:lstStyle/>
+          <a:p>
+            <a:pPr algn="ctr"/>
+            <a:r>
+              <a:rPr lang="en-US" sz="1600" b="1" dirty="0"/>
+              <a:t>User-Based Authentication</a:t>
+            </a:r>
+          </a:p>
+        </p:txBody>
+      </p:sp>
+      <p:cxnSp>
+        <p:nvCxnSpPr>
+          <p:cNvPr id="5" name="Connector: Curved 4">
+            <a:extLst>
+              <a:ext uri="{FF2B5EF4-FFF2-40B4-BE49-F238E27FC236}">
+                <a16:creationId xmlns:a16="http://schemas.microsoft.com/office/drawing/2014/main" id="{83E69CF6-541C-B976-36FB-6F5B02078D71}"/>
+              </a:ext>
+            </a:extLst>
+          </p:cNvPr>
+          <p:cNvCxnSpPr>
+            <a:stCxn id="2" idx="1"/>
+            <a:endCxn id="3" idx="6"/>
+          </p:cNvCxnSpPr>
+          <p:nvPr/>
+        </p:nvCxnSpPr>
+        <p:spPr>
+          <a:xfrm rot="16200000" flipV="1">
+            <a:off x="2735773" y="368210"/>
+            <a:ext cx="1854122" cy="2787882"/>
+          </a:xfrm>
+          <a:prstGeom prst="curvedConnector2">
+            <a:avLst/>
+          </a:prstGeom>
+          <a:ln>
+            <a:tailEnd type="triangle"/>
+          </a:ln>
+        </p:spPr>
+        <p:style>
+          <a:lnRef idx="1">
+            <a:schemeClr val="accent1"/>
+          </a:lnRef>
+          <a:fillRef idx="0">
+            <a:schemeClr val="accent1"/>
+          </a:fillRef>
+          <a:effectRef idx="0">
+            <a:schemeClr val="accent1"/>
+          </a:effectRef>
+          <a:fontRef idx="minor">
+            <a:schemeClr val="tx1"/>
+          </a:fontRef>
+        </p:style>
+      </p:cxnSp>
+      <p:sp>
+        <p:nvSpPr>
+          <p:cNvPr id="6" name="Oval 5">
+            <a:extLst>
+              <a:ext uri="{FF2B5EF4-FFF2-40B4-BE49-F238E27FC236}">
+                <a16:creationId xmlns:a16="http://schemas.microsoft.com/office/drawing/2014/main" id="{946CF0A6-234D-4B70-8B75-4D86A916397B}"/>
+              </a:ext>
+            </a:extLst>
+          </p:cNvPr>
+          <p:cNvSpPr/>
+          <p:nvPr/>
+        </p:nvSpPr>
+        <p:spPr>
+          <a:xfrm>
+            <a:off x="9923107" y="-10665"/>
+            <a:ext cx="2174033" cy="1670180"/>
+          </a:xfrm>
+          <a:prstGeom prst="ellipse">
+            <a:avLst/>
+          </a:prstGeom>
+        </p:spPr>
+        <p:style>
+          <a:lnRef idx="2">
+            <a:schemeClr val="accent1">
+              <a:shade val="15000"/>
+            </a:schemeClr>
+          </a:lnRef>
+          <a:fillRef idx="1">
+            <a:schemeClr val="accent1"/>
+          </a:fillRef>
+          <a:effectRef idx="0">
+            <a:schemeClr val="accent1"/>
+          </a:effectRef>
+          <a:fontRef idx="minor">
+            <a:schemeClr val="lt1"/>
+          </a:fontRef>
+        </p:style>
+        <p:txBody>
+          <a:bodyPr rtlCol="0" anchor="ctr"/>
+          <a:lstStyle/>
+          <a:p>
+            <a:pPr algn="ctr"/>
+            <a:r>
+              <a:rPr lang="en-US" sz="1600" b="1" dirty="0"/>
+              <a:t>User-Based  Authentication + Role Based</a:t>
+            </a:r>
+          </a:p>
+          <a:p>
+            <a:pPr algn="ctr"/>
+            <a:r>
+              <a:rPr lang="en-US" sz="1600" b="1" dirty="0"/>
+              <a:t>Authorization</a:t>
+            </a:r>
+          </a:p>
+        </p:txBody>
+      </p:sp>
+      <p:cxnSp>
+        <p:nvCxnSpPr>
+          <p:cNvPr id="8" name="Connector: Curved 7">
+            <a:extLst>
+              <a:ext uri="{FF2B5EF4-FFF2-40B4-BE49-F238E27FC236}">
+                <a16:creationId xmlns:a16="http://schemas.microsoft.com/office/drawing/2014/main" id="{B1516F77-96C0-DB95-05AC-4B410F317335}"/>
+              </a:ext>
+            </a:extLst>
+          </p:cNvPr>
+          <p:cNvCxnSpPr>
+            <a:stCxn id="2" idx="7"/>
+            <a:endCxn id="6" idx="2"/>
+          </p:cNvCxnSpPr>
+          <p:nvPr/>
+        </p:nvCxnSpPr>
+        <p:spPr>
+          <a:xfrm rot="5400000" flipH="1" flipV="1">
+            <a:off x="7326184" y="92290"/>
+            <a:ext cx="1864787" cy="3329059"/>
+          </a:xfrm>
+          <a:prstGeom prst="curvedConnector2">
+            <a:avLst/>
+          </a:prstGeom>
+          <a:ln>
+            <a:tailEnd type="triangle"/>
+          </a:ln>
+        </p:spPr>
+        <p:style>
+          <a:lnRef idx="1">
+            <a:schemeClr val="accent1"/>
+          </a:lnRef>
+          <a:fillRef idx="0">
+            <a:schemeClr val="accent1"/>
+          </a:fillRef>
+          <a:effectRef idx="0">
+            <a:schemeClr val="accent1"/>
+          </a:effectRef>
+          <a:fontRef idx="minor">
+            <a:schemeClr val="tx1"/>
+          </a:fontRef>
+        </p:style>
+      </p:cxnSp>
+      <p:sp>
+        <p:nvSpPr>
+          <p:cNvPr id="11" name="Oval 10">
+            <a:extLst>
+              <a:ext uri="{FF2B5EF4-FFF2-40B4-BE49-F238E27FC236}">
+                <a16:creationId xmlns:a16="http://schemas.microsoft.com/office/drawing/2014/main" id="{09EAA793-DC2F-1DF9-0267-69B04CC7B579}"/>
+              </a:ext>
+            </a:extLst>
+          </p:cNvPr>
+          <p:cNvSpPr/>
+          <p:nvPr/>
+        </p:nvSpPr>
+        <p:spPr>
+          <a:xfrm>
+            <a:off x="9923107" y="5012315"/>
+            <a:ext cx="2174033" cy="1670180"/>
+          </a:xfrm>
+          <a:prstGeom prst="ellipse">
+            <a:avLst/>
+          </a:prstGeom>
+        </p:spPr>
+        <p:style>
+          <a:lnRef idx="2">
+            <a:schemeClr val="accent1">
+              <a:shade val="15000"/>
+            </a:schemeClr>
+          </a:lnRef>
+          <a:fillRef idx="1">
+            <a:schemeClr val="accent1"/>
+          </a:fillRef>
+          <a:effectRef idx="0">
+            <a:schemeClr val="accent1"/>
+          </a:effectRef>
+          <a:fontRef idx="minor">
+            <a:schemeClr val="lt1"/>
+          </a:fontRef>
+        </p:style>
+        <p:txBody>
+          <a:bodyPr rtlCol="0" anchor="ctr"/>
+          <a:lstStyle/>
+          <a:p>
+            <a:pPr algn="ctr"/>
+            <a:r>
+              <a:rPr lang="en-US" sz="1600" b="1" dirty="0"/>
+              <a:t>User-Based  Authentication + Role Based</a:t>
+            </a:r>
+          </a:p>
+          <a:p>
+            <a:pPr algn="ctr"/>
+            <a:r>
+              <a:rPr lang="en-US" sz="1600" b="1" dirty="0"/>
+              <a:t>Authorization +</a:t>
+            </a:r>
+          </a:p>
+          <a:p>
+            <a:pPr algn="ctr"/>
+            <a:r>
+              <a:rPr lang="en-US" sz="1600" b="1" dirty="0"/>
+              <a:t>Policies</a:t>
+            </a:r>
+          </a:p>
+        </p:txBody>
+      </p:sp>
+      <p:cxnSp>
+        <p:nvCxnSpPr>
+          <p:cNvPr id="13" name="Connector: Curved 12">
+            <a:extLst>
+              <a:ext uri="{FF2B5EF4-FFF2-40B4-BE49-F238E27FC236}">
+                <a16:creationId xmlns:a16="http://schemas.microsoft.com/office/drawing/2014/main" id="{8318052A-9D42-7CCE-7C02-1FE3E82FE26E}"/>
+              </a:ext>
+            </a:extLst>
+          </p:cNvPr>
+          <p:cNvCxnSpPr>
+            <a:stCxn id="2" idx="5"/>
+            <a:endCxn id="11" idx="2"/>
+          </p:cNvCxnSpPr>
+          <p:nvPr/>
+        </p:nvCxnSpPr>
+        <p:spPr>
+          <a:xfrm rot="16200000" flipH="1">
+            <a:off x="7269979" y="3194276"/>
+            <a:ext cx="1977197" cy="3329059"/>
+          </a:xfrm>
+          <a:prstGeom prst="curvedConnector2">
+            <a:avLst/>
+          </a:prstGeom>
+          <a:ln>
+            <a:tailEnd type="triangle"/>
+          </a:ln>
+        </p:spPr>
+        <p:style>
+          <a:lnRef idx="1">
+            <a:schemeClr val="accent1"/>
+          </a:lnRef>
+          <a:fillRef idx="0">
+            <a:schemeClr val="accent1"/>
+          </a:fillRef>
+          <a:effectRef idx="0">
+            <a:schemeClr val="accent1"/>
+          </a:effectRef>
+          <a:fontRef idx="minor">
+            <a:schemeClr val="tx1"/>
+          </a:fontRef>
+        </p:style>
+      </p:cxnSp>
+      <p:sp>
+        <p:nvSpPr>
+          <p:cNvPr id="14" name="Oval 13">
+            <a:extLst>
+              <a:ext uri="{FF2B5EF4-FFF2-40B4-BE49-F238E27FC236}">
+                <a16:creationId xmlns:a16="http://schemas.microsoft.com/office/drawing/2014/main" id="{BC24DFB1-800E-9494-38BE-DDEA1EC3D723}"/>
+              </a:ext>
+            </a:extLst>
+          </p:cNvPr>
+          <p:cNvSpPr/>
+          <p:nvPr/>
+        </p:nvSpPr>
+        <p:spPr>
+          <a:xfrm>
+            <a:off x="94860" y="5000096"/>
+            <a:ext cx="2174033" cy="1670180"/>
+          </a:xfrm>
+          <a:prstGeom prst="ellipse">
+            <a:avLst/>
+          </a:prstGeom>
+        </p:spPr>
+        <p:style>
+          <a:lnRef idx="2">
+            <a:schemeClr val="accent1">
+              <a:shade val="15000"/>
+            </a:schemeClr>
+          </a:lnRef>
+          <a:fillRef idx="1">
+            <a:schemeClr val="accent1"/>
+          </a:fillRef>
+          <a:effectRef idx="0">
+            <a:schemeClr val="accent1"/>
+          </a:effectRef>
+          <a:fontRef idx="minor">
+            <a:schemeClr val="lt1"/>
+          </a:fontRef>
+        </p:style>
+        <p:txBody>
+          <a:bodyPr rtlCol="0" anchor="ctr"/>
+          <a:lstStyle/>
+          <a:p>
+            <a:pPr algn="ctr"/>
+            <a:r>
+              <a:rPr lang="en-US" sz="1600" b="1" dirty="0"/>
+              <a:t>User + Role + Policies In the JSON Web Token</a:t>
+            </a:r>
+          </a:p>
+          <a:p>
+            <a:pPr algn="ctr"/>
+            <a:r>
+              <a:rPr lang="en-US" sz="1600" b="1" dirty="0"/>
+              <a:t>Based</a:t>
+            </a:r>
+          </a:p>
+          <a:p>
+            <a:pPr algn="ctr"/>
+            <a:r>
+              <a:rPr lang="en-US" sz="1600" b="1" dirty="0"/>
+              <a:t>Authorization</a:t>
+            </a:r>
+          </a:p>
+        </p:txBody>
+      </p:sp>
+      <p:cxnSp>
+        <p:nvCxnSpPr>
+          <p:cNvPr id="16" name="Connector: Curved 15">
+            <a:extLst>
+              <a:ext uri="{FF2B5EF4-FFF2-40B4-BE49-F238E27FC236}">
+                <a16:creationId xmlns:a16="http://schemas.microsoft.com/office/drawing/2014/main" id="{35ED31FE-240C-B545-CF68-6879D83F0120}"/>
+              </a:ext>
+            </a:extLst>
+          </p:cNvPr>
+          <p:cNvCxnSpPr>
+            <a:stCxn id="2" idx="3"/>
+            <a:endCxn id="14" idx="6"/>
+          </p:cNvCxnSpPr>
+          <p:nvPr/>
+        </p:nvCxnSpPr>
+        <p:spPr>
+          <a:xfrm rot="5400000">
+            <a:off x="2680345" y="3458756"/>
+            <a:ext cx="1964978" cy="2787882"/>
+          </a:xfrm>
+          <a:prstGeom prst="curvedConnector2">
+            <a:avLst/>
+          </a:prstGeom>
+          <a:ln>
+            <a:tailEnd type="triangle"/>
+          </a:ln>
+        </p:spPr>
+        <p:style>
+          <a:lnRef idx="1">
+            <a:schemeClr val="accent1"/>
+          </a:lnRef>
+          <a:fillRef idx="0">
+            <a:schemeClr val="accent1"/>
+          </a:fillRef>
+          <a:effectRef idx="0">
+            <a:schemeClr val="accent1"/>
+          </a:effectRef>
+          <a:fontRef idx="minor">
+            <a:schemeClr val="tx1"/>
+          </a:fontRef>
+        </p:style>
+      </p:cxnSp>
+      <p:sp>
+        <p:nvSpPr>
+          <p:cNvPr id="21" name="Oval 20">
+            <a:extLst>
+              <a:ext uri="{FF2B5EF4-FFF2-40B4-BE49-F238E27FC236}">
+                <a16:creationId xmlns:a16="http://schemas.microsoft.com/office/drawing/2014/main" id="{C23A3392-29D1-5C8B-E6B9-6D8B4A8D106E}"/>
+              </a:ext>
+            </a:extLst>
+          </p:cNvPr>
+          <p:cNvSpPr/>
+          <p:nvPr/>
+        </p:nvSpPr>
+        <p:spPr>
+          <a:xfrm>
+            <a:off x="4738395" y="5012315"/>
+            <a:ext cx="2174033" cy="1670180"/>
+          </a:xfrm>
+          <a:prstGeom prst="ellipse">
+            <a:avLst/>
+          </a:prstGeom>
+        </p:spPr>
+        <p:style>
+          <a:lnRef idx="2">
+            <a:schemeClr val="accent1">
+              <a:shade val="15000"/>
+            </a:schemeClr>
+          </a:lnRef>
+          <a:fillRef idx="1">
+            <a:schemeClr val="accent1"/>
+          </a:fillRef>
+          <a:effectRef idx="0">
+            <a:schemeClr val="accent1"/>
+          </a:effectRef>
+          <a:fontRef idx="minor">
+            <a:schemeClr val="lt1"/>
+          </a:fontRef>
+        </p:style>
+        <p:txBody>
+          <a:bodyPr rtlCol="0" anchor="ctr"/>
+          <a:lstStyle/>
+          <a:p>
+            <a:pPr algn="ctr"/>
+            <a:r>
+              <a:rPr lang="en-US" b="1" dirty="0"/>
+              <a:t>Azure AD</a:t>
+            </a:r>
+          </a:p>
+          <a:p>
+            <a:pPr algn="ctr"/>
+            <a:r>
+              <a:rPr lang="en-US" b="1" dirty="0"/>
+              <a:t>Integration</a:t>
+            </a:r>
+          </a:p>
+        </p:txBody>
+      </p:sp>
+      <p:cxnSp>
+        <p:nvCxnSpPr>
+          <p:cNvPr id="23" name="Connector: Curved 22">
+            <a:extLst>
+              <a:ext uri="{FF2B5EF4-FFF2-40B4-BE49-F238E27FC236}">
+                <a16:creationId xmlns:a16="http://schemas.microsoft.com/office/drawing/2014/main" id="{8F8769F2-F6BD-F96D-82E5-C60B184D5D71}"/>
+              </a:ext>
+            </a:extLst>
+          </p:cNvPr>
+          <p:cNvCxnSpPr>
+            <a:stCxn id="2" idx="4"/>
+            <a:endCxn id="21" idx="0"/>
+          </p:cNvCxnSpPr>
+          <p:nvPr/>
+        </p:nvCxnSpPr>
+        <p:spPr>
+          <a:xfrm rot="5400000">
+            <a:off x="5376655" y="4563557"/>
+            <a:ext cx="897515" cy="12700"/>
+          </a:xfrm>
+          <a:prstGeom prst="curvedConnector3">
+            <a:avLst/>
+          </a:prstGeom>
+          <a:ln>
+            <a:tailEnd type="triangle"/>
+          </a:ln>
+        </p:spPr>
+        <p:style>
+          <a:lnRef idx="1">
+            <a:schemeClr val="accent1"/>
+          </a:lnRef>
+          <a:fillRef idx="0">
+            <a:schemeClr val="accent1"/>
+          </a:fillRef>
+          <a:effectRef idx="0">
+            <a:schemeClr val="accent1"/>
+          </a:effectRef>
+          <a:fontRef idx="minor">
+            <a:schemeClr val="tx1"/>
+          </a:fontRef>
+        </p:style>
+      </p:cxnSp>
+      <p:sp>
+        <p:nvSpPr>
+          <p:cNvPr id="27" name="Oval 26">
+            <a:extLst>
+              <a:ext uri="{FF2B5EF4-FFF2-40B4-BE49-F238E27FC236}">
+                <a16:creationId xmlns:a16="http://schemas.microsoft.com/office/drawing/2014/main" id="{965972E9-AA53-38CB-01E0-A80B9C5E244C}"/>
+              </a:ext>
+            </a:extLst>
+          </p:cNvPr>
+          <p:cNvSpPr/>
+          <p:nvPr/>
+        </p:nvSpPr>
+        <p:spPr>
+          <a:xfrm>
+            <a:off x="4732045" y="0"/>
+            <a:ext cx="2174033" cy="1670180"/>
+          </a:xfrm>
+          <a:prstGeom prst="ellipse">
+            <a:avLst/>
+          </a:prstGeom>
+        </p:spPr>
+        <p:style>
+          <a:lnRef idx="2">
+            <a:schemeClr val="accent1">
+              <a:shade val="15000"/>
+            </a:schemeClr>
+          </a:lnRef>
+          <a:fillRef idx="1">
+            <a:schemeClr val="accent1"/>
+          </a:fillRef>
+          <a:effectRef idx="0">
+            <a:schemeClr val="accent1"/>
+          </a:effectRef>
+          <a:fontRef idx="minor">
+            <a:schemeClr val="lt1"/>
+          </a:fontRef>
+        </p:style>
+        <p:txBody>
+          <a:bodyPr rtlCol="0" anchor="ctr"/>
+          <a:lstStyle/>
+          <a:p>
+            <a:pPr algn="ctr"/>
+            <a:r>
+              <a:rPr lang="en-US" sz="1600" b="1" dirty="0"/>
+              <a:t>OpenID </a:t>
+            </a:r>
+            <a:r>
+              <a:rPr lang="en-US" sz="1600" b="1"/>
+              <a:t>with Third-Party</a:t>
+            </a:r>
+            <a:endParaRPr lang="en-US" sz="1600" b="1" dirty="0"/>
+          </a:p>
+          <a:p>
+            <a:pPr algn="ctr"/>
+            <a:r>
+              <a:rPr lang="en-US" sz="1600" b="1" dirty="0"/>
+              <a:t>Authentication</a:t>
+            </a:r>
+          </a:p>
+        </p:txBody>
+      </p:sp>
+    </p:spTree>
+    <p:extLst>
+      <p:ext uri="{BB962C8B-B14F-4D97-AF65-F5344CB8AC3E}">
+        <p14:creationId xmlns:p14="http://schemas.microsoft.com/office/powerpoint/2010/main" val="1827523125"/>
       </p:ext>
     </p:extLst>
   </p:cSld>

--- a/TrgImages.pptx
+++ b/TrgImages.pptx
@@ -32,6 +32,7 @@
     <p:sldId id="281" r:id="rId26"/>
     <p:sldId id="279" r:id="rId27"/>
     <p:sldId id="282" r:id="rId28"/>
+    <p:sldId id="283" r:id="rId29"/>
   </p:sldIdLst>
   <p:sldSz cx="12192000" cy="6858000"/>
   <p:notesSz cx="6858000" cy="9144000"/>
@@ -285,7 +286,7 @@
           <a:p>
             <a:fld id="{5E0DC84C-F051-4A33-86E9-8969F11E21B3}" type="datetimeFigureOut">
               <a:rPr lang="en-US" smtClean="0"/>
-              <a:t>12/13/2023</a:t>
+              <a:t>12/14/2023</a:t>
             </a:fld>
             <a:endParaRPr lang="en-US"/>
           </a:p>
@@ -483,7 +484,7 @@
           <a:p>
             <a:fld id="{5E0DC84C-F051-4A33-86E9-8969F11E21B3}" type="datetimeFigureOut">
               <a:rPr lang="en-US" smtClean="0"/>
-              <a:t>12/13/2023</a:t>
+              <a:t>12/14/2023</a:t>
             </a:fld>
             <a:endParaRPr lang="en-US"/>
           </a:p>
@@ -691,7 +692,7 @@
           <a:p>
             <a:fld id="{5E0DC84C-F051-4A33-86E9-8969F11E21B3}" type="datetimeFigureOut">
               <a:rPr lang="en-US" smtClean="0"/>
-              <a:t>12/13/2023</a:t>
+              <a:t>12/14/2023</a:t>
             </a:fld>
             <a:endParaRPr lang="en-US"/>
           </a:p>
@@ -889,7 +890,7 @@
           <a:p>
             <a:fld id="{5E0DC84C-F051-4A33-86E9-8969F11E21B3}" type="datetimeFigureOut">
               <a:rPr lang="en-US" smtClean="0"/>
-              <a:t>12/13/2023</a:t>
+              <a:t>12/14/2023</a:t>
             </a:fld>
             <a:endParaRPr lang="en-US"/>
           </a:p>
@@ -1164,7 +1165,7 @@
           <a:p>
             <a:fld id="{5E0DC84C-F051-4A33-86E9-8969F11E21B3}" type="datetimeFigureOut">
               <a:rPr lang="en-US" smtClean="0"/>
-              <a:t>12/13/2023</a:t>
+              <a:t>12/14/2023</a:t>
             </a:fld>
             <a:endParaRPr lang="en-US"/>
           </a:p>
@@ -1429,7 +1430,7 @@
           <a:p>
             <a:fld id="{5E0DC84C-F051-4A33-86E9-8969F11E21B3}" type="datetimeFigureOut">
               <a:rPr lang="en-US" smtClean="0"/>
-              <a:t>12/13/2023</a:t>
+              <a:t>12/14/2023</a:t>
             </a:fld>
             <a:endParaRPr lang="en-US"/>
           </a:p>
@@ -1841,7 +1842,7 @@
           <a:p>
             <a:fld id="{5E0DC84C-F051-4A33-86E9-8969F11E21B3}" type="datetimeFigureOut">
               <a:rPr lang="en-US" smtClean="0"/>
-              <a:t>12/13/2023</a:t>
+              <a:t>12/14/2023</a:t>
             </a:fld>
             <a:endParaRPr lang="en-US"/>
           </a:p>
@@ -1982,7 +1983,7 @@
           <a:p>
             <a:fld id="{5E0DC84C-F051-4A33-86E9-8969F11E21B3}" type="datetimeFigureOut">
               <a:rPr lang="en-US" smtClean="0"/>
-              <a:t>12/13/2023</a:t>
+              <a:t>12/14/2023</a:t>
             </a:fld>
             <a:endParaRPr lang="en-US"/>
           </a:p>
@@ -2095,7 +2096,7 @@
           <a:p>
             <a:fld id="{5E0DC84C-F051-4A33-86E9-8969F11E21B3}" type="datetimeFigureOut">
               <a:rPr lang="en-US" smtClean="0"/>
-              <a:t>12/13/2023</a:t>
+              <a:t>12/14/2023</a:t>
             </a:fld>
             <a:endParaRPr lang="en-US"/>
           </a:p>
@@ -2406,7 +2407,7 @@
           <a:p>
             <a:fld id="{5E0DC84C-F051-4A33-86E9-8969F11E21B3}" type="datetimeFigureOut">
               <a:rPr lang="en-US" smtClean="0"/>
-              <a:t>12/13/2023</a:t>
+              <a:t>12/14/2023</a:t>
             </a:fld>
             <a:endParaRPr lang="en-US"/>
           </a:p>
@@ -2694,7 +2695,7 @@
           <a:p>
             <a:fld id="{5E0DC84C-F051-4A33-86E9-8969F11E21B3}" type="datetimeFigureOut">
               <a:rPr lang="en-US" smtClean="0"/>
-              <a:t>12/13/2023</a:t>
+              <a:t>12/14/2023</a:t>
             </a:fld>
             <a:endParaRPr lang="en-US"/>
           </a:p>
@@ -2935,7 +2936,7 @@
           <a:p>
             <a:fld id="{5E0DC84C-F051-4A33-86E9-8969F11E21B3}" type="datetimeFigureOut">
               <a:rPr lang="en-US" smtClean="0"/>
-              <a:t>12/13/2023</a:t>
+              <a:t>12/14/2023</a:t>
             </a:fld>
             <a:endParaRPr lang="en-US"/>
           </a:p>
@@ -20817,13 +20818,8 @@
             <a:pPr algn="ctr"/>
             <a:r>
               <a:rPr lang="en-US" sz="1600" b="1" dirty="0"/>
-              <a:t>OpenID </a:t>
-            </a:r>
-            <a:r>
-              <a:rPr lang="en-US" sz="1600" b="1"/>
-              <a:t>with Third-Party</a:t>
-            </a:r>
-            <a:endParaRPr lang="en-US" sz="1600" b="1" dirty="0"/>
+              <a:t>OpenID with Third-Party</a:t>
+            </a:r>
           </a:p>
           <a:p>
             <a:pPr algn="ctr"/>
@@ -20834,10 +20830,791 @@
           </a:p>
         </p:txBody>
       </p:sp>
+      <p:cxnSp>
+        <p:nvCxnSpPr>
+          <p:cNvPr id="29" name="Connector: Curved 28">
+            <a:extLst>
+              <a:ext uri="{FF2B5EF4-FFF2-40B4-BE49-F238E27FC236}">
+                <a16:creationId xmlns:a16="http://schemas.microsoft.com/office/drawing/2014/main" id="{FCC403B5-3D05-FFA7-D1AC-B9819CC4EFF8}"/>
+              </a:ext>
+            </a:extLst>
+          </p:cNvPr>
+          <p:cNvCxnSpPr>
+            <a:cxnSpLocks/>
+            <a:stCxn id="2" idx="0"/>
+            <a:endCxn id="27" idx="4"/>
+          </p:cNvCxnSpPr>
+          <p:nvPr/>
+        </p:nvCxnSpPr>
+        <p:spPr>
+          <a:xfrm rot="16200000" flipV="1">
+            <a:off x="5435017" y="2054225"/>
+            <a:ext cx="774440" cy="6350"/>
+          </a:xfrm>
+          <a:prstGeom prst="curvedConnector3">
+            <a:avLst/>
+          </a:prstGeom>
+          <a:ln>
+            <a:tailEnd type="triangle"/>
+          </a:ln>
+        </p:spPr>
+        <p:style>
+          <a:lnRef idx="1">
+            <a:schemeClr val="accent1"/>
+          </a:lnRef>
+          <a:fillRef idx="0">
+            <a:schemeClr val="accent1"/>
+          </a:fillRef>
+          <a:effectRef idx="0">
+            <a:schemeClr val="accent1"/>
+          </a:effectRef>
+          <a:fontRef idx="minor">
+            <a:schemeClr val="tx1"/>
+          </a:fontRef>
+        </p:style>
+      </p:cxnSp>
     </p:spTree>
     <p:extLst>
       <p:ext uri="{BB962C8B-B14F-4D97-AF65-F5344CB8AC3E}">
         <p14:creationId xmlns:p14="http://schemas.microsoft.com/office/powerpoint/2010/main" val="1827523125"/>
+      </p:ext>
+    </p:extLst>
+  </p:cSld>
+  <p:clrMapOvr>
+    <a:masterClrMapping/>
+  </p:clrMapOvr>
+</p:sld>
+</file>
+
+<file path=ppt/slides/slide28.xml><?xml version="1.0" encoding="utf-8"?>
+<p:sld xmlns:a="http://schemas.openxmlformats.org/drawingml/2006/main" xmlns:r="http://schemas.openxmlformats.org/officeDocument/2006/relationships" xmlns:p="http://schemas.openxmlformats.org/presentationml/2006/main">
+  <p:cSld>
+    <p:spTree>
+      <p:nvGrpSpPr>
+        <p:cNvPr id="1" name=""/>
+        <p:cNvGrpSpPr/>
+        <p:nvPr/>
+      </p:nvGrpSpPr>
+      <p:grpSpPr>
+        <a:xfrm>
+          <a:off x="0" y="0"/>
+          <a:ext cx="0" cy="0"/>
+          <a:chOff x="0" y="0"/>
+          <a:chExt cx="0" cy="0"/>
+        </a:xfrm>
+      </p:grpSpPr>
+      <p:sp>
+        <p:nvSpPr>
+          <p:cNvPr id="2" name="Oval 1">
+            <a:extLst>
+              <a:ext uri="{FF2B5EF4-FFF2-40B4-BE49-F238E27FC236}">
+                <a16:creationId xmlns:a16="http://schemas.microsoft.com/office/drawing/2014/main" id="{DD58AC6E-1C1C-09D0-A85C-A0158EB3F7C2}"/>
+              </a:ext>
+            </a:extLst>
+          </p:cNvPr>
+          <p:cNvSpPr/>
+          <p:nvPr/>
+        </p:nvSpPr>
+        <p:spPr>
+          <a:xfrm>
+            <a:off x="233265" y="223935"/>
+            <a:ext cx="1539551" cy="1222310"/>
+          </a:xfrm>
+          <a:prstGeom prst="ellipse">
+            <a:avLst/>
+          </a:prstGeom>
+        </p:spPr>
+        <p:style>
+          <a:lnRef idx="2">
+            <a:schemeClr val="accent1">
+              <a:shade val="15000"/>
+            </a:schemeClr>
+          </a:lnRef>
+          <a:fillRef idx="1">
+            <a:schemeClr val="accent1"/>
+          </a:fillRef>
+          <a:effectRef idx="0">
+            <a:schemeClr val="accent1"/>
+          </a:effectRef>
+          <a:fontRef idx="minor">
+            <a:schemeClr val="lt1"/>
+          </a:fontRef>
+        </p:style>
+        <p:txBody>
+          <a:bodyPr rtlCol="0" anchor="ctr"/>
+          <a:lstStyle/>
+          <a:p>
+            <a:pPr algn="ctr"/>
+            <a:r>
+              <a:rPr lang="en-US" dirty="0"/>
+              <a:t>User</a:t>
+            </a:r>
+          </a:p>
+        </p:txBody>
+      </p:sp>
+      <p:sp>
+        <p:nvSpPr>
+          <p:cNvPr id="3" name="Oval 2">
+            <a:extLst>
+              <a:ext uri="{FF2B5EF4-FFF2-40B4-BE49-F238E27FC236}">
+                <a16:creationId xmlns:a16="http://schemas.microsoft.com/office/drawing/2014/main" id="{A298CBD6-84B3-CA70-46C8-28BAB85B2752}"/>
+              </a:ext>
+            </a:extLst>
+          </p:cNvPr>
+          <p:cNvSpPr/>
+          <p:nvPr/>
+        </p:nvSpPr>
+        <p:spPr>
+          <a:xfrm>
+            <a:off x="2808514" y="466531"/>
+            <a:ext cx="3545633" cy="3582955"/>
+          </a:xfrm>
+          <a:prstGeom prst="ellipse">
+            <a:avLst/>
+          </a:prstGeom>
+        </p:spPr>
+        <p:style>
+          <a:lnRef idx="2">
+            <a:schemeClr val="accent1">
+              <a:shade val="15000"/>
+            </a:schemeClr>
+          </a:lnRef>
+          <a:fillRef idx="1">
+            <a:schemeClr val="accent1"/>
+          </a:fillRef>
+          <a:effectRef idx="0">
+            <a:schemeClr val="accent1"/>
+          </a:effectRef>
+          <a:fontRef idx="minor">
+            <a:schemeClr val="lt1"/>
+          </a:fontRef>
+        </p:style>
+        <p:txBody>
+          <a:bodyPr rtlCol="0" anchor="ctr"/>
+          <a:lstStyle/>
+          <a:p>
+            <a:pPr algn="ctr"/>
+            <a:endParaRPr lang="en-US"/>
+          </a:p>
+        </p:txBody>
+      </p:sp>
+      <p:sp>
+        <p:nvSpPr>
+          <p:cNvPr id="4" name="TextBox 3">
+            <a:extLst>
+              <a:ext uri="{FF2B5EF4-FFF2-40B4-BE49-F238E27FC236}">
+                <a16:creationId xmlns:a16="http://schemas.microsoft.com/office/drawing/2014/main" id="{80FA1F0A-31C7-17BE-C5A4-6E254AC5BF24}"/>
+              </a:ext>
+            </a:extLst>
+          </p:cNvPr>
+          <p:cNvSpPr txBox="1"/>
+          <p:nvPr/>
+        </p:nvSpPr>
+        <p:spPr>
+          <a:xfrm>
+            <a:off x="3498980" y="1045029"/>
+            <a:ext cx="2286000" cy="369332"/>
+          </a:xfrm>
+          <a:prstGeom prst="rect">
+            <a:avLst/>
+          </a:prstGeom>
+          <a:noFill/>
+        </p:spPr>
+        <p:txBody>
+          <a:bodyPr wrap="square" rtlCol="0">
+            <a:spAutoFit/>
+          </a:bodyPr>
+          <a:lstStyle/>
+          <a:p>
+            <a:pPr algn="ctr"/>
+            <a:r>
+              <a:rPr lang="en-US" b="1" dirty="0">
+                <a:solidFill>
+                  <a:srgbClr val="FFFF00"/>
+                </a:solidFill>
+              </a:rPr>
+              <a:t>Roles</a:t>
+            </a:r>
+          </a:p>
+        </p:txBody>
+      </p:sp>
+      <p:sp>
+        <p:nvSpPr>
+          <p:cNvPr id="5" name="Oval 4">
+            <a:extLst>
+              <a:ext uri="{FF2B5EF4-FFF2-40B4-BE49-F238E27FC236}">
+                <a16:creationId xmlns:a16="http://schemas.microsoft.com/office/drawing/2014/main" id="{0543FA8E-2179-E350-AACD-648750C21C39}"/>
+              </a:ext>
+            </a:extLst>
+          </p:cNvPr>
+          <p:cNvSpPr/>
+          <p:nvPr/>
+        </p:nvSpPr>
+        <p:spPr>
+          <a:xfrm>
+            <a:off x="2855167" y="1509613"/>
+            <a:ext cx="895739" cy="673750"/>
+          </a:xfrm>
+          <a:prstGeom prst="ellipse">
+            <a:avLst/>
+          </a:prstGeom>
+          <a:solidFill>
+            <a:srgbClr val="FFFF00"/>
+          </a:solidFill>
+        </p:spPr>
+        <p:style>
+          <a:lnRef idx="2">
+            <a:schemeClr val="accent1">
+              <a:shade val="15000"/>
+            </a:schemeClr>
+          </a:lnRef>
+          <a:fillRef idx="1">
+            <a:schemeClr val="accent1"/>
+          </a:fillRef>
+          <a:effectRef idx="0">
+            <a:schemeClr val="accent1"/>
+          </a:effectRef>
+          <a:fontRef idx="minor">
+            <a:schemeClr val="lt1"/>
+          </a:fontRef>
+        </p:style>
+        <p:txBody>
+          <a:bodyPr rtlCol="0" anchor="ctr"/>
+          <a:lstStyle/>
+          <a:p>
+            <a:pPr algn="ctr"/>
+            <a:r>
+              <a:rPr lang="en-US" sz="1400" dirty="0">
+                <a:solidFill>
+                  <a:srgbClr val="FF0000"/>
+                </a:solidFill>
+              </a:rPr>
+              <a:t>User1</a:t>
+            </a:r>
+          </a:p>
+        </p:txBody>
+      </p:sp>
+      <p:sp>
+        <p:nvSpPr>
+          <p:cNvPr id="6" name="Oval 5">
+            <a:extLst>
+              <a:ext uri="{FF2B5EF4-FFF2-40B4-BE49-F238E27FC236}">
+                <a16:creationId xmlns:a16="http://schemas.microsoft.com/office/drawing/2014/main" id="{E1954BA0-900A-B4EE-A8BA-FF2C7C8880A1}"/>
+              </a:ext>
+            </a:extLst>
+          </p:cNvPr>
+          <p:cNvSpPr/>
+          <p:nvPr/>
+        </p:nvSpPr>
+        <p:spPr>
+          <a:xfrm>
+            <a:off x="3890865" y="1509613"/>
+            <a:ext cx="895739" cy="673750"/>
+          </a:xfrm>
+          <a:prstGeom prst="ellipse">
+            <a:avLst/>
+          </a:prstGeom>
+          <a:solidFill>
+            <a:srgbClr val="FFFF00"/>
+          </a:solidFill>
+        </p:spPr>
+        <p:style>
+          <a:lnRef idx="2">
+            <a:schemeClr val="accent1">
+              <a:shade val="15000"/>
+            </a:schemeClr>
+          </a:lnRef>
+          <a:fillRef idx="1">
+            <a:schemeClr val="accent1"/>
+          </a:fillRef>
+          <a:effectRef idx="0">
+            <a:schemeClr val="accent1"/>
+          </a:effectRef>
+          <a:fontRef idx="minor">
+            <a:schemeClr val="lt1"/>
+          </a:fontRef>
+        </p:style>
+        <p:txBody>
+          <a:bodyPr rtlCol="0" anchor="ctr"/>
+          <a:lstStyle/>
+          <a:p>
+            <a:pPr algn="ctr"/>
+            <a:r>
+              <a:rPr lang="en-US" sz="1400" dirty="0">
+                <a:solidFill>
+                  <a:srgbClr val="FF0000"/>
+                </a:solidFill>
+              </a:rPr>
+              <a:t>User2</a:t>
+            </a:r>
+          </a:p>
+        </p:txBody>
+      </p:sp>
+      <p:sp>
+        <p:nvSpPr>
+          <p:cNvPr id="7" name="Oval 6">
+            <a:extLst>
+              <a:ext uri="{FF2B5EF4-FFF2-40B4-BE49-F238E27FC236}">
+                <a16:creationId xmlns:a16="http://schemas.microsoft.com/office/drawing/2014/main" id="{BEB99E61-2E6B-680E-8BBB-FF47E7F66CDE}"/>
+              </a:ext>
+            </a:extLst>
+          </p:cNvPr>
+          <p:cNvSpPr/>
+          <p:nvPr/>
+        </p:nvSpPr>
+        <p:spPr>
+          <a:xfrm>
+            <a:off x="3679372" y="2552695"/>
+            <a:ext cx="895739" cy="673750"/>
+          </a:xfrm>
+          <a:prstGeom prst="ellipse">
+            <a:avLst/>
+          </a:prstGeom>
+          <a:solidFill>
+            <a:srgbClr val="FFFF00"/>
+          </a:solidFill>
+        </p:spPr>
+        <p:style>
+          <a:lnRef idx="2">
+            <a:schemeClr val="accent1">
+              <a:shade val="15000"/>
+            </a:schemeClr>
+          </a:lnRef>
+          <a:fillRef idx="1">
+            <a:schemeClr val="accent1"/>
+          </a:fillRef>
+          <a:effectRef idx="0">
+            <a:schemeClr val="accent1"/>
+          </a:effectRef>
+          <a:fontRef idx="minor">
+            <a:schemeClr val="lt1"/>
+          </a:fontRef>
+        </p:style>
+        <p:txBody>
+          <a:bodyPr rtlCol="0" anchor="ctr"/>
+          <a:lstStyle/>
+          <a:p>
+            <a:pPr algn="ctr"/>
+            <a:r>
+              <a:rPr lang="en-US" sz="1400" dirty="0">
+                <a:solidFill>
+                  <a:srgbClr val="FF0000"/>
+                </a:solidFill>
+              </a:rPr>
+              <a:t>User3</a:t>
+            </a:r>
+          </a:p>
+        </p:txBody>
+      </p:sp>
+      <p:sp>
+        <p:nvSpPr>
+          <p:cNvPr id="8" name="Oval 7">
+            <a:extLst>
+              <a:ext uri="{FF2B5EF4-FFF2-40B4-BE49-F238E27FC236}">
+                <a16:creationId xmlns:a16="http://schemas.microsoft.com/office/drawing/2014/main" id="{CBC9DB80-3272-F765-C370-4222D8D7B40B}"/>
+              </a:ext>
+            </a:extLst>
+          </p:cNvPr>
+          <p:cNvSpPr/>
+          <p:nvPr/>
+        </p:nvSpPr>
+        <p:spPr>
+          <a:xfrm>
+            <a:off x="4715070" y="2552695"/>
+            <a:ext cx="895739" cy="673750"/>
+          </a:xfrm>
+          <a:prstGeom prst="ellipse">
+            <a:avLst/>
+          </a:prstGeom>
+          <a:solidFill>
+            <a:srgbClr val="FFFF00"/>
+          </a:solidFill>
+        </p:spPr>
+        <p:style>
+          <a:lnRef idx="2">
+            <a:schemeClr val="accent1">
+              <a:shade val="15000"/>
+            </a:schemeClr>
+          </a:lnRef>
+          <a:fillRef idx="1">
+            <a:schemeClr val="accent1"/>
+          </a:fillRef>
+          <a:effectRef idx="0">
+            <a:schemeClr val="accent1"/>
+          </a:effectRef>
+          <a:fontRef idx="minor">
+            <a:schemeClr val="lt1"/>
+          </a:fontRef>
+        </p:style>
+        <p:txBody>
+          <a:bodyPr rtlCol="0" anchor="ctr"/>
+          <a:lstStyle/>
+          <a:p>
+            <a:pPr algn="ctr"/>
+            <a:r>
+              <a:rPr lang="en-US" sz="1400" dirty="0">
+                <a:solidFill>
+                  <a:srgbClr val="FF0000"/>
+                </a:solidFill>
+              </a:rPr>
+              <a:t>User4</a:t>
+            </a:r>
+          </a:p>
+        </p:txBody>
+      </p:sp>
+      <p:sp>
+        <p:nvSpPr>
+          <p:cNvPr id="9" name="Oval 8">
+            <a:extLst>
+              <a:ext uri="{FF2B5EF4-FFF2-40B4-BE49-F238E27FC236}">
+                <a16:creationId xmlns:a16="http://schemas.microsoft.com/office/drawing/2014/main" id="{0A82F762-2726-ACF6-662D-533F751B5577}"/>
+              </a:ext>
+            </a:extLst>
+          </p:cNvPr>
+          <p:cNvSpPr/>
+          <p:nvPr/>
+        </p:nvSpPr>
+        <p:spPr>
+          <a:xfrm>
+            <a:off x="7081935" y="2093167"/>
+            <a:ext cx="4155233" cy="3757127"/>
+          </a:xfrm>
+          <a:prstGeom prst="ellipse">
+            <a:avLst/>
+          </a:prstGeom>
+        </p:spPr>
+        <p:style>
+          <a:lnRef idx="2">
+            <a:schemeClr val="accent1">
+              <a:shade val="15000"/>
+            </a:schemeClr>
+          </a:lnRef>
+          <a:fillRef idx="1">
+            <a:schemeClr val="accent1"/>
+          </a:fillRef>
+          <a:effectRef idx="0">
+            <a:schemeClr val="accent1"/>
+          </a:effectRef>
+          <a:fontRef idx="minor">
+            <a:schemeClr val="lt1"/>
+          </a:fontRef>
+        </p:style>
+        <p:txBody>
+          <a:bodyPr rtlCol="0" anchor="ctr"/>
+          <a:lstStyle/>
+          <a:p>
+            <a:pPr algn="ctr"/>
+            <a:endParaRPr lang="en-US"/>
+          </a:p>
+        </p:txBody>
+      </p:sp>
+      <p:sp>
+        <p:nvSpPr>
+          <p:cNvPr id="10" name="TextBox 9">
+            <a:extLst>
+              <a:ext uri="{FF2B5EF4-FFF2-40B4-BE49-F238E27FC236}">
+                <a16:creationId xmlns:a16="http://schemas.microsoft.com/office/drawing/2014/main" id="{CDF0059F-B8EB-0F6A-FBEE-BBBCFD5152D4}"/>
+              </a:ext>
+            </a:extLst>
+          </p:cNvPr>
+          <p:cNvSpPr txBox="1"/>
+          <p:nvPr/>
+        </p:nvSpPr>
+        <p:spPr>
+          <a:xfrm>
+            <a:off x="7988969" y="2671665"/>
+            <a:ext cx="2679032" cy="369332"/>
+          </a:xfrm>
+          <a:prstGeom prst="rect">
+            <a:avLst/>
+          </a:prstGeom>
+          <a:noFill/>
+        </p:spPr>
+        <p:txBody>
+          <a:bodyPr wrap="square" rtlCol="0">
+            <a:spAutoFit/>
+          </a:bodyPr>
+          <a:lstStyle/>
+          <a:p>
+            <a:pPr algn="ctr"/>
+            <a:r>
+              <a:rPr lang="en-US" b="1" dirty="0">
+                <a:solidFill>
+                  <a:srgbClr val="FFFF00"/>
+                </a:solidFill>
+              </a:rPr>
+              <a:t>Policies</a:t>
+            </a:r>
+          </a:p>
+        </p:txBody>
+      </p:sp>
+      <p:sp>
+        <p:nvSpPr>
+          <p:cNvPr id="11" name="Oval 10">
+            <a:extLst>
+              <a:ext uri="{FF2B5EF4-FFF2-40B4-BE49-F238E27FC236}">
+                <a16:creationId xmlns:a16="http://schemas.microsoft.com/office/drawing/2014/main" id="{11B21BD9-3F87-D2D8-CED4-E2AF039F2874}"/>
+              </a:ext>
+            </a:extLst>
+          </p:cNvPr>
+          <p:cNvSpPr/>
+          <p:nvPr/>
+        </p:nvSpPr>
+        <p:spPr>
+          <a:xfrm>
+            <a:off x="7408506" y="3297980"/>
+            <a:ext cx="895739" cy="673750"/>
+          </a:xfrm>
+          <a:prstGeom prst="ellipse">
+            <a:avLst/>
+          </a:prstGeom>
+          <a:solidFill>
+            <a:srgbClr val="FFFF00"/>
+          </a:solidFill>
+        </p:spPr>
+        <p:style>
+          <a:lnRef idx="2">
+            <a:schemeClr val="accent1">
+              <a:shade val="15000"/>
+            </a:schemeClr>
+          </a:lnRef>
+          <a:fillRef idx="1">
+            <a:schemeClr val="accent1"/>
+          </a:fillRef>
+          <a:effectRef idx="0">
+            <a:schemeClr val="accent1"/>
+          </a:effectRef>
+          <a:fontRef idx="minor">
+            <a:schemeClr val="lt1"/>
+          </a:fontRef>
+        </p:style>
+        <p:txBody>
+          <a:bodyPr rtlCol="0" anchor="ctr"/>
+          <a:lstStyle/>
+          <a:p>
+            <a:pPr algn="ctr"/>
+            <a:r>
+              <a:rPr lang="en-US" sz="1400" dirty="0">
+                <a:solidFill>
+                  <a:srgbClr val="FF0000"/>
+                </a:solidFill>
+              </a:rPr>
+              <a:t>Role1</a:t>
+            </a:r>
+          </a:p>
+        </p:txBody>
+      </p:sp>
+      <p:sp>
+        <p:nvSpPr>
+          <p:cNvPr id="12" name="Oval 11">
+            <a:extLst>
+              <a:ext uri="{FF2B5EF4-FFF2-40B4-BE49-F238E27FC236}">
+                <a16:creationId xmlns:a16="http://schemas.microsoft.com/office/drawing/2014/main" id="{FDE37690-A753-3BF7-822D-C760334E71E3}"/>
+              </a:ext>
+            </a:extLst>
+          </p:cNvPr>
+          <p:cNvSpPr/>
+          <p:nvPr/>
+        </p:nvSpPr>
+        <p:spPr>
+          <a:xfrm>
+            <a:off x="8711681" y="3326755"/>
+            <a:ext cx="895739" cy="673750"/>
+          </a:xfrm>
+          <a:prstGeom prst="ellipse">
+            <a:avLst/>
+          </a:prstGeom>
+          <a:solidFill>
+            <a:srgbClr val="FFFF00"/>
+          </a:solidFill>
+        </p:spPr>
+        <p:style>
+          <a:lnRef idx="2">
+            <a:schemeClr val="accent1">
+              <a:shade val="15000"/>
+            </a:schemeClr>
+          </a:lnRef>
+          <a:fillRef idx="1">
+            <a:schemeClr val="accent1"/>
+          </a:fillRef>
+          <a:effectRef idx="0">
+            <a:schemeClr val="accent1"/>
+          </a:effectRef>
+          <a:fontRef idx="minor">
+            <a:schemeClr val="lt1"/>
+          </a:fontRef>
+        </p:style>
+        <p:txBody>
+          <a:bodyPr rtlCol="0" anchor="ctr"/>
+          <a:lstStyle/>
+          <a:p>
+            <a:pPr algn="ctr"/>
+            <a:r>
+              <a:rPr lang="en-US" sz="1400" dirty="0">
+                <a:solidFill>
+                  <a:srgbClr val="FF0000"/>
+                </a:solidFill>
+              </a:rPr>
+              <a:t>Role2</a:t>
+            </a:r>
+          </a:p>
+        </p:txBody>
+      </p:sp>
+      <p:sp>
+        <p:nvSpPr>
+          <p:cNvPr id="13" name="Oval 12">
+            <a:extLst>
+              <a:ext uri="{FF2B5EF4-FFF2-40B4-BE49-F238E27FC236}">
+                <a16:creationId xmlns:a16="http://schemas.microsoft.com/office/drawing/2014/main" id="{E1E993CA-8FC2-03D2-92DD-BEEAF756964C}"/>
+              </a:ext>
+            </a:extLst>
+          </p:cNvPr>
+          <p:cNvSpPr/>
+          <p:nvPr/>
+        </p:nvSpPr>
+        <p:spPr>
+          <a:xfrm>
+            <a:off x="8092751" y="4315038"/>
+            <a:ext cx="895739" cy="673750"/>
+          </a:xfrm>
+          <a:prstGeom prst="ellipse">
+            <a:avLst/>
+          </a:prstGeom>
+          <a:solidFill>
+            <a:srgbClr val="FFFF00"/>
+          </a:solidFill>
+        </p:spPr>
+        <p:style>
+          <a:lnRef idx="2">
+            <a:schemeClr val="accent1">
+              <a:shade val="15000"/>
+            </a:schemeClr>
+          </a:lnRef>
+          <a:fillRef idx="1">
+            <a:schemeClr val="accent1"/>
+          </a:fillRef>
+          <a:effectRef idx="0">
+            <a:schemeClr val="accent1"/>
+          </a:effectRef>
+          <a:fontRef idx="minor">
+            <a:schemeClr val="lt1"/>
+          </a:fontRef>
+        </p:style>
+        <p:txBody>
+          <a:bodyPr rtlCol="0" anchor="ctr"/>
+          <a:lstStyle/>
+          <a:p>
+            <a:pPr algn="ctr"/>
+            <a:r>
+              <a:rPr lang="en-US" sz="1400" dirty="0">
+                <a:solidFill>
+                  <a:srgbClr val="FF0000"/>
+                </a:solidFill>
+              </a:rPr>
+              <a:t>Role3</a:t>
+            </a:r>
+          </a:p>
+        </p:txBody>
+      </p:sp>
+      <p:sp>
+        <p:nvSpPr>
+          <p:cNvPr id="14" name="Oval 13">
+            <a:extLst>
+              <a:ext uri="{FF2B5EF4-FFF2-40B4-BE49-F238E27FC236}">
+                <a16:creationId xmlns:a16="http://schemas.microsoft.com/office/drawing/2014/main" id="{95335FEA-3325-A98B-11BD-B8015076C7DB}"/>
+              </a:ext>
+            </a:extLst>
+          </p:cNvPr>
+          <p:cNvSpPr/>
+          <p:nvPr/>
+        </p:nvSpPr>
+        <p:spPr>
+          <a:xfrm>
+            <a:off x="9395926" y="4343813"/>
+            <a:ext cx="895739" cy="673750"/>
+          </a:xfrm>
+          <a:prstGeom prst="ellipse">
+            <a:avLst/>
+          </a:prstGeom>
+          <a:solidFill>
+            <a:srgbClr val="FFFF00"/>
+          </a:solidFill>
+        </p:spPr>
+        <p:style>
+          <a:lnRef idx="2">
+            <a:schemeClr val="accent1">
+              <a:shade val="15000"/>
+            </a:schemeClr>
+          </a:lnRef>
+          <a:fillRef idx="1">
+            <a:schemeClr val="accent1"/>
+          </a:fillRef>
+          <a:effectRef idx="0">
+            <a:schemeClr val="accent1"/>
+          </a:effectRef>
+          <a:fontRef idx="minor">
+            <a:schemeClr val="lt1"/>
+          </a:fontRef>
+        </p:style>
+        <p:txBody>
+          <a:bodyPr rtlCol="0" anchor="ctr"/>
+          <a:lstStyle/>
+          <a:p>
+            <a:pPr algn="ctr"/>
+            <a:r>
+              <a:rPr lang="en-US" sz="1400" dirty="0">
+                <a:solidFill>
+                  <a:srgbClr val="FF0000"/>
+                </a:solidFill>
+              </a:rPr>
+              <a:t>Role4</a:t>
+            </a:r>
+          </a:p>
+        </p:txBody>
+      </p:sp>
+      <p:cxnSp>
+        <p:nvCxnSpPr>
+          <p:cNvPr id="16" name="Straight Arrow Connector 15">
+            <a:extLst>
+              <a:ext uri="{FF2B5EF4-FFF2-40B4-BE49-F238E27FC236}">
+                <a16:creationId xmlns:a16="http://schemas.microsoft.com/office/drawing/2014/main" id="{B94D0565-9451-B7ED-7629-A1DA979CF35A}"/>
+              </a:ext>
+            </a:extLst>
+          </p:cNvPr>
+          <p:cNvCxnSpPr/>
+          <p:nvPr/>
+        </p:nvCxnSpPr>
+        <p:spPr>
+          <a:xfrm>
+            <a:off x="298580" y="1586204"/>
+            <a:ext cx="7690389" cy="5094514"/>
+          </a:xfrm>
+          <a:prstGeom prst="straightConnector1">
+            <a:avLst/>
+          </a:prstGeom>
+          <a:ln>
+            <a:tailEnd type="triangle"/>
+          </a:ln>
+        </p:spPr>
+        <p:style>
+          <a:lnRef idx="1">
+            <a:schemeClr val="accent1"/>
+          </a:lnRef>
+          <a:fillRef idx="0">
+            <a:schemeClr val="accent1"/>
+          </a:fillRef>
+          <a:effectRef idx="0">
+            <a:schemeClr val="accent1"/>
+          </a:effectRef>
+          <a:fontRef idx="minor">
+            <a:schemeClr val="tx1"/>
+          </a:fontRef>
+        </p:style>
+      </p:cxnSp>
+    </p:spTree>
+    <p:extLst>
+      <p:ext uri="{BB962C8B-B14F-4D97-AF65-F5344CB8AC3E}">
+        <p14:creationId xmlns:p14="http://schemas.microsoft.com/office/powerpoint/2010/main" val="177247808"/>
       </p:ext>
     </p:extLst>
   </p:cSld>

--- a/TrgImages.pptx
+++ b/TrgImages.pptx
@@ -33,6 +33,7 @@
     <p:sldId id="279" r:id="rId27"/>
     <p:sldId id="282" r:id="rId28"/>
     <p:sldId id="283" r:id="rId29"/>
+    <p:sldId id="284" r:id="rId30"/>
   </p:sldIdLst>
   <p:sldSz cx="12192000" cy="6858000"/>
   <p:notesSz cx="6858000" cy="9144000"/>
@@ -286,7 +287,7 @@
           <a:p>
             <a:fld id="{5E0DC84C-F051-4A33-86E9-8969F11E21B3}" type="datetimeFigureOut">
               <a:rPr lang="en-US" smtClean="0"/>
-              <a:t>12/14/2023</a:t>
+              <a:t>12/15/2023</a:t>
             </a:fld>
             <a:endParaRPr lang="en-US"/>
           </a:p>
@@ -484,7 +485,7 @@
           <a:p>
             <a:fld id="{5E0DC84C-F051-4A33-86E9-8969F11E21B3}" type="datetimeFigureOut">
               <a:rPr lang="en-US" smtClean="0"/>
-              <a:t>12/14/2023</a:t>
+              <a:t>12/15/2023</a:t>
             </a:fld>
             <a:endParaRPr lang="en-US"/>
           </a:p>
@@ -692,7 +693,7 @@
           <a:p>
             <a:fld id="{5E0DC84C-F051-4A33-86E9-8969F11E21B3}" type="datetimeFigureOut">
               <a:rPr lang="en-US" smtClean="0"/>
-              <a:t>12/14/2023</a:t>
+              <a:t>12/15/2023</a:t>
             </a:fld>
             <a:endParaRPr lang="en-US"/>
           </a:p>
@@ -890,7 +891,7 @@
           <a:p>
             <a:fld id="{5E0DC84C-F051-4A33-86E9-8969F11E21B3}" type="datetimeFigureOut">
               <a:rPr lang="en-US" smtClean="0"/>
-              <a:t>12/14/2023</a:t>
+              <a:t>12/15/2023</a:t>
             </a:fld>
             <a:endParaRPr lang="en-US"/>
           </a:p>
@@ -1165,7 +1166,7 @@
           <a:p>
             <a:fld id="{5E0DC84C-F051-4A33-86E9-8969F11E21B3}" type="datetimeFigureOut">
               <a:rPr lang="en-US" smtClean="0"/>
-              <a:t>12/14/2023</a:t>
+              <a:t>12/15/2023</a:t>
             </a:fld>
             <a:endParaRPr lang="en-US"/>
           </a:p>
@@ -1430,7 +1431,7 @@
           <a:p>
             <a:fld id="{5E0DC84C-F051-4A33-86E9-8969F11E21B3}" type="datetimeFigureOut">
               <a:rPr lang="en-US" smtClean="0"/>
-              <a:t>12/14/2023</a:t>
+              <a:t>12/15/2023</a:t>
             </a:fld>
             <a:endParaRPr lang="en-US"/>
           </a:p>
@@ -1842,7 +1843,7 @@
           <a:p>
             <a:fld id="{5E0DC84C-F051-4A33-86E9-8969F11E21B3}" type="datetimeFigureOut">
               <a:rPr lang="en-US" smtClean="0"/>
-              <a:t>12/14/2023</a:t>
+              <a:t>12/15/2023</a:t>
             </a:fld>
             <a:endParaRPr lang="en-US"/>
           </a:p>
@@ -1983,7 +1984,7 @@
           <a:p>
             <a:fld id="{5E0DC84C-F051-4A33-86E9-8969F11E21B3}" type="datetimeFigureOut">
               <a:rPr lang="en-US" smtClean="0"/>
-              <a:t>12/14/2023</a:t>
+              <a:t>12/15/2023</a:t>
             </a:fld>
             <a:endParaRPr lang="en-US"/>
           </a:p>
@@ -2096,7 +2097,7 @@
           <a:p>
             <a:fld id="{5E0DC84C-F051-4A33-86E9-8969F11E21B3}" type="datetimeFigureOut">
               <a:rPr lang="en-US" smtClean="0"/>
-              <a:t>12/14/2023</a:t>
+              <a:t>12/15/2023</a:t>
             </a:fld>
             <a:endParaRPr lang="en-US"/>
           </a:p>
@@ -2407,7 +2408,7 @@
           <a:p>
             <a:fld id="{5E0DC84C-F051-4A33-86E9-8969F11E21B3}" type="datetimeFigureOut">
               <a:rPr lang="en-US" smtClean="0"/>
-              <a:t>12/14/2023</a:t>
+              <a:t>12/15/2023</a:t>
             </a:fld>
             <a:endParaRPr lang="en-US"/>
           </a:p>
@@ -2695,7 +2696,7 @@
           <a:p>
             <a:fld id="{5E0DC84C-F051-4A33-86E9-8969F11E21B3}" type="datetimeFigureOut">
               <a:rPr lang="en-US" smtClean="0"/>
-              <a:t>12/14/2023</a:t>
+              <a:t>12/15/2023</a:t>
             </a:fld>
             <a:endParaRPr lang="en-US"/>
           </a:p>
@@ -2936,7 +2937,7 @@
           <a:p>
             <a:fld id="{5E0DC84C-F051-4A33-86E9-8969F11E21B3}" type="datetimeFigureOut">
               <a:rPr lang="en-US" smtClean="0"/>
-              <a:t>12/14/2023</a:t>
+              <a:t>12/15/2023</a:t>
             </a:fld>
             <a:endParaRPr lang="en-US"/>
           </a:p>
@@ -21624,6 +21625,1341 @@
 </p:sld>
 </file>
 
+<file path=ppt/slides/slide29.xml><?xml version="1.0" encoding="utf-8"?>
+<p:sld xmlns:a="http://schemas.openxmlformats.org/drawingml/2006/main" xmlns:r="http://schemas.openxmlformats.org/officeDocument/2006/relationships" xmlns:p="http://schemas.openxmlformats.org/presentationml/2006/main">
+  <p:cSld>
+    <p:spTree>
+      <p:nvGrpSpPr>
+        <p:cNvPr id="1" name=""/>
+        <p:cNvGrpSpPr/>
+        <p:nvPr/>
+      </p:nvGrpSpPr>
+      <p:grpSpPr>
+        <a:xfrm>
+          <a:off x="0" y="0"/>
+          <a:ext cx="0" cy="0"/>
+          <a:chOff x="0" y="0"/>
+          <a:chExt cx="0" cy="0"/>
+        </a:xfrm>
+      </p:grpSpPr>
+      <p:sp>
+        <p:nvSpPr>
+          <p:cNvPr id="2" name="Rectangle 1">
+            <a:extLst>
+              <a:ext uri="{FF2B5EF4-FFF2-40B4-BE49-F238E27FC236}">
+                <a16:creationId xmlns:a16="http://schemas.microsoft.com/office/drawing/2014/main" id="{574C34C0-27C3-4DBD-E959-A9847CEAF94A}"/>
+              </a:ext>
+            </a:extLst>
+          </p:cNvPr>
+          <p:cNvSpPr/>
+          <p:nvPr/>
+        </p:nvSpPr>
+        <p:spPr>
+          <a:xfrm>
+            <a:off x="4180114" y="102637"/>
+            <a:ext cx="6774025" cy="6550090"/>
+          </a:xfrm>
+          <a:prstGeom prst="rect">
+            <a:avLst/>
+          </a:prstGeom>
+        </p:spPr>
+        <p:style>
+          <a:lnRef idx="2">
+            <a:schemeClr val="accent6"/>
+          </a:lnRef>
+          <a:fillRef idx="1">
+            <a:schemeClr val="lt1"/>
+          </a:fillRef>
+          <a:effectRef idx="0">
+            <a:schemeClr val="accent6"/>
+          </a:effectRef>
+          <a:fontRef idx="minor">
+            <a:schemeClr val="dk1"/>
+          </a:fontRef>
+        </p:style>
+        <p:txBody>
+          <a:bodyPr rtlCol="0" anchor="ctr"/>
+          <a:lstStyle/>
+          <a:p>
+            <a:pPr algn="ctr"/>
+            <a:endParaRPr lang="en-US"/>
+          </a:p>
+        </p:txBody>
+      </p:sp>
+      <p:sp>
+        <p:nvSpPr>
+          <p:cNvPr id="3" name="TextBox 2">
+            <a:extLst>
+              <a:ext uri="{FF2B5EF4-FFF2-40B4-BE49-F238E27FC236}">
+                <a16:creationId xmlns:a16="http://schemas.microsoft.com/office/drawing/2014/main" id="{016D0714-1512-F597-4147-A6F057F7736A}"/>
+              </a:ext>
+            </a:extLst>
+          </p:cNvPr>
+          <p:cNvSpPr txBox="1"/>
+          <p:nvPr/>
+        </p:nvSpPr>
+        <p:spPr>
+          <a:xfrm>
+            <a:off x="4301412" y="121298"/>
+            <a:ext cx="2547257" cy="369332"/>
+          </a:xfrm>
+          <a:prstGeom prst="rect">
+            <a:avLst/>
+          </a:prstGeom>
+          <a:noFill/>
+        </p:spPr>
+        <p:txBody>
+          <a:bodyPr wrap="square" rtlCol="0">
+            <a:spAutoFit/>
+          </a:bodyPr>
+          <a:lstStyle/>
+          <a:p>
+            <a:pPr algn="ctr"/>
+            <a:r>
+              <a:rPr lang="en-US" b="1" dirty="0"/>
+              <a:t>Windows OS</a:t>
+            </a:r>
+          </a:p>
+        </p:txBody>
+      </p:sp>
+      <p:sp>
+        <p:nvSpPr>
+          <p:cNvPr id="4" name="Rectangle 3">
+            <a:extLst>
+              <a:ext uri="{FF2B5EF4-FFF2-40B4-BE49-F238E27FC236}">
+                <a16:creationId xmlns:a16="http://schemas.microsoft.com/office/drawing/2014/main" id="{AF24AD47-DAB0-2EFC-2E25-E14641FE3B20}"/>
+              </a:ext>
+            </a:extLst>
+          </p:cNvPr>
+          <p:cNvSpPr/>
+          <p:nvPr/>
+        </p:nvSpPr>
+        <p:spPr>
+          <a:xfrm>
+            <a:off x="4301412" y="867748"/>
+            <a:ext cx="6475445" cy="3321698"/>
+          </a:xfrm>
+          <a:prstGeom prst="rect">
+            <a:avLst/>
+          </a:prstGeom>
+        </p:spPr>
+        <p:style>
+          <a:lnRef idx="1">
+            <a:schemeClr val="accent2"/>
+          </a:lnRef>
+          <a:fillRef idx="2">
+            <a:schemeClr val="accent2"/>
+          </a:fillRef>
+          <a:effectRef idx="1">
+            <a:schemeClr val="accent2"/>
+          </a:effectRef>
+          <a:fontRef idx="minor">
+            <a:schemeClr val="dk1"/>
+          </a:fontRef>
+        </p:style>
+        <p:txBody>
+          <a:bodyPr rtlCol="0" anchor="ctr"/>
+          <a:lstStyle/>
+          <a:p>
+            <a:pPr algn="ctr"/>
+            <a:endParaRPr lang="en-US"/>
+          </a:p>
+        </p:txBody>
+      </p:sp>
+      <p:sp>
+        <p:nvSpPr>
+          <p:cNvPr id="5" name="TextBox 4">
+            <a:extLst>
+              <a:ext uri="{FF2B5EF4-FFF2-40B4-BE49-F238E27FC236}">
+                <a16:creationId xmlns:a16="http://schemas.microsoft.com/office/drawing/2014/main" id="{EF7BC962-776C-9CA4-9AEE-7148EA9BBBFF}"/>
+              </a:ext>
+            </a:extLst>
+          </p:cNvPr>
+          <p:cNvSpPr txBox="1"/>
+          <p:nvPr/>
+        </p:nvSpPr>
+        <p:spPr>
+          <a:xfrm>
+            <a:off x="9265298" y="970384"/>
+            <a:ext cx="1278294" cy="369332"/>
+          </a:xfrm>
+          <a:prstGeom prst="rect">
+            <a:avLst/>
+          </a:prstGeom>
+          <a:noFill/>
+        </p:spPr>
+        <p:txBody>
+          <a:bodyPr wrap="square" rtlCol="0">
+            <a:spAutoFit/>
+          </a:bodyPr>
+          <a:lstStyle/>
+          <a:p>
+            <a:pPr algn="ctr"/>
+            <a:r>
+              <a:rPr lang="en-US" b="1" dirty="0"/>
+              <a:t>IIS</a:t>
+            </a:r>
+          </a:p>
+        </p:txBody>
+      </p:sp>
+      <p:sp>
+        <p:nvSpPr>
+          <p:cNvPr id="6" name="Rectangle 5">
+            <a:extLst>
+              <a:ext uri="{FF2B5EF4-FFF2-40B4-BE49-F238E27FC236}">
+                <a16:creationId xmlns:a16="http://schemas.microsoft.com/office/drawing/2014/main" id="{B0E19B99-91FF-A0CB-7A03-053C585F9532}"/>
+              </a:ext>
+            </a:extLst>
+          </p:cNvPr>
+          <p:cNvSpPr/>
+          <p:nvPr/>
+        </p:nvSpPr>
+        <p:spPr>
+          <a:xfrm>
+            <a:off x="4301412" y="4627411"/>
+            <a:ext cx="6540759" cy="1904018"/>
+          </a:xfrm>
+          <a:prstGeom prst="rect">
+            <a:avLst/>
+          </a:prstGeom>
+          <a:solidFill>
+            <a:srgbClr val="002060"/>
+          </a:solidFill>
+        </p:spPr>
+        <p:style>
+          <a:lnRef idx="2">
+            <a:schemeClr val="accent1">
+              <a:shade val="15000"/>
+            </a:schemeClr>
+          </a:lnRef>
+          <a:fillRef idx="1">
+            <a:schemeClr val="accent1"/>
+          </a:fillRef>
+          <a:effectRef idx="0">
+            <a:schemeClr val="accent1"/>
+          </a:effectRef>
+          <a:fontRef idx="minor">
+            <a:schemeClr val="lt1"/>
+          </a:fontRef>
+        </p:style>
+        <p:txBody>
+          <a:bodyPr rtlCol="0" anchor="ctr"/>
+          <a:lstStyle/>
+          <a:p>
+            <a:pPr algn="ctr"/>
+            <a:endParaRPr lang="en-US" dirty="0"/>
+          </a:p>
+        </p:txBody>
+      </p:sp>
+      <p:sp>
+        <p:nvSpPr>
+          <p:cNvPr id="8" name="Right Brace 7">
+            <a:extLst>
+              <a:ext uri="{FF2B5EF4-FFF2-40B4-BE49-F238E27FC236}">
+                <a16:creationId xmlns:a16="http://schemas.microsoft.com/office/drawing/2014/main" id="{06AF836E-BD30-DBDC-2B38-DFAD9AFFED15}"/>
+              </a:ext>
+            </a:extLst>
+          </p:cNvPr>
+          <p:cNvSpPr/>
+          <p:nvPr/>
+        </p:nvSpPr>
+        <p:spPr>
+          <a:xfrm>
+            <a:off x="10842171" y="867748"/>
+            <a:ext cx="410547" cy="3321698"/>
+          </a:xfrm>
+          <a:prstGeom prst="rightBrace">
+            <a:avLst/>
+          </a:prstGeom>
+          <a:ln w="38100"/>
+        </p:spPr>
+        <p:style>
+          <a:lnRef idx="1">
+            <a:schemeClr val="accent1"/>
+          </a:lnRef>
+          <a:fillRef idx="0">
+            <a:schemeClr val="accent1"/>
+          </a:fillRef>
+          <a:effectRef idx="0">
+            <a:schemeClr val="accent1"/>
+          </a:effectRef>
+          <a:fontRef idx="minor">
+            <a:schemeClr val="tx1"/>
+          </a:fontRef>
+        </p:style>
+        <p:txBody>
+          <a:bodyPr rtlCol="0" anchor="ctr"/>
+          <a:lstStyle/>
+          <a:p>
+            <a:pPr algn="ctr"/>
+            <a:endParaRPr lang="en-US"/>
+          </a:p>
+        </p:txBody>
+      </p:sp>
+      <p:sp>
+        <p:nvSpPr>
+          <p:cNvPr id="9" name="TextBox 8">
+            <a:extLst>
+              <a:ext uri="{FF2B5EF4-FFF2-40B4-BE49-F238E27FC236}">
+                <a16:creationId xmlns:a16="http://schemas.microsoft.com/office/drawing/2014/main" id="{C769861C-D3F8-F187-8033-78AE9718A48E}"/>
+              </a:ext>
+            </a:extLst>
+          </p:cNvPr>
+          <p:cNvSpPr txBox="1"/>
+          <p:nvPr/>
+        </p:nvSpPr>
+        <p:spPr>
+          <a:xfrm>
+            <a:off x="11318032" y="867748"/>
+            <a:ext cx="671805" cy="2031325"/>
+          </a:xfrm>
+          <a:prstGeom prst="rect">
+            <a:avLst/>
+          </a:prstGeom>
+          <a:noFill/>
+        </p:spPr>
+        <p:txBody>
+          <a:bodyPr wrap="square" rtlCol="0">
+            <a:spAutoFit/>
+          </a:bodyPr>
+          <a:lstStyle/>
+          <a:p>
+            <a:pPr algn="ctr"/>
+            <a:r>
+              <a:rPr lang="en-US" b="1" dirty="0"/>
+              <a:t>M</a:t>
+            </a:r>
+          </a:p>
+          <a:p>
+            <a:pPr algn="ctr"/>
+            <a:r>
+              <a:rPr lang="en-US" b="1" dirty="0"/>
+              <a:t>A</a:t>
+            </a:r>
+          </a:p>
+          <a:p>
+            <a:pPr algn="ctr"/>
+            <a:r>
+              <a:rPr lang="en-US" b="1" dirty="0"/>
+              <a:t>N</a:t>
+            </a:r>
+          </a:p>
+          <a:p>
+            <a:pPr algn="ctr"/>
+            <a:r>
+              <a:rPr lang="en-US" b="1" dirty="0"/>
+              <a:t>A</a:t>
+            </a:r>
+          </a:p>
+          <a:p>
+            <a:pPr algn="ctr"/>
+            <a:r>
+              <a:rPr lang="en-US" b="1" dirty="0"/>
+              <a:t>G</a:t>
+            </a:r>
+          </a:p>
+          <a:p>
+            <a:pPr algn="ctr"/>
+            <a:r>
+              <a:rPr lang="en-US" b="1" dirty="0"/>
+              <a:t>E</a:t>
+            </a:r>
+          </a:p>
+          <a:p>
+            <a:pPr algn="ctr"/>
+            <a:r>
+              <a:rPr lang="en-US" b="1" dirty="0"/>
+              <a:t>D</a:t>
+            </a:r>
+          </a:p>
+        </p:txBody>
+      </p:sp>
+      <p:sp>
+        <p:nvSpPr>
+          <p:cNvPr id="10" name="TextBox 9">
+            <a:extLst>
+              <a:ext uri="{FF2B5EF4-FFF2-40B4-BE49-F238E27FC236}">
+                <a16:creationId xmlns:a16="http://schemas.microsoft.com/office/drawing/2014/main" id="{C49177E0-DEEA-2FA4-7B9B-6CDE07299D87}"/>
+              </a:ext>
+            </a:extLst>
+          </p:cNvPr>
+          <p:cNvSpPr txBox="1"/>
+          <p:nvPr/>
+        </p:nvSpPr>
+        <p:spPr>
+          <a:xfrm>
+            <a:off x="11075437" y="5029200"/>
+            <a:ext cx="1007706" cy="830997"/>
+          </a:xfrm>
+          <a:prstGeom prst="rect">
+            <a:avLst/>
+          </a:prstGeom>
+          <a:noFill/>
+        </p:spPr>
+        <p:txBody>
+          <a:bodyPr wrap="square" rtlCol="0">
+            <a:spAutoFit/>
+          </a:bodyPr>
+          <a:lstStyle/>
+          <a:p>
+            <a:pPr algn="ctr"/>
+            <a:r>
+              <a:rPr lang="en-US" sz="1600" b="1" dirty="0"/>
+              <a:t>No Managed Code</a:t>
+            </a:r>
+          </a:p>
+        </p:txBody>
+      </p:sp>
+      <p:sp>
+        <p:nvSpPr>
+          <p:cNvPr id="11" name="Rectangle 10">
+            <a:extLst>
+              <a:ext uri="{FF2B5EF4-FFF2-40B4-BE49-F238E27FC236}">
+                <a16:creationId xmlns:a16="http://schemas.microsoft.com/office/drawing/2014/main" id="{0BE7283C-D235-05BF-1968-5DDF910493CE}"/>
+              </a:ext>
+            </a:extLst>
+          </p:cNvPr>
+          <p:cNvSpPr/>
+          <p:nvPr/>
+        </p:nvSpPr>
+        <p:spPr>
+          <a:xfrm>
+            <a:off x="4366726" y="1255741"/>
+            <a:ext cx="4898572" cy="369332"/>
+          </a:xfrm>
+          <a:prstGeom prst="rect">
+            <a:avLst/>
+          </a:prstGeom>
+        </p:spPr>
+        <p:style>
+          <a:lnRef idx="2">
+            <a:schemeClr val="accent1">
+              <a:shade val="15000"/>
+            </a:schemeClr>
+          </a:lnRef>
+          <a:fillRef idx="1">
+            <a:schemeClr val="accent1"/>
+          </a:fillRef>
+          <a:effectRef idx="0">
+            <a:schemeClr val="accent1"/>
+          </a:effectRef>
+          <a:fontRef idx="minor">
+            <a:schemeClr val="lt1"/>
+          </a:fontRef>
+        </p:style>
+        <p:txBody>
+          <a:bodyPr rtlCol="0" anchor="ctr"/>
+          <a:lstStyle/>
+          <a:p>
+            <a:pPr algn="ctr"/>
+            <a:r>
+              <a:rPr lang="en-US" sz="1400" b="1" dirty="0"/>
+              <a:t>Request Interceptor / Listener to Listen on Public EndPoint</a:t>
+            </a:r>
+          </a:p>
+        </p:txBody>
+      </p:sp>
+      <p:cxnSp>
+        <p:nvCxnSpPr>
+          <p:cNvPr id="13" name="Connector: Elbow 12">
+            <a:extLst>
+              <a:ext uri="{FF2B5EF4-FFF2-40B4-BE49-F238E27FC236}">
+                <a16:creationId xmlns:a16="http://schemas.microsoft.com/office/drawing/2014/main" id="{BF45315C-A7A9-AE81-5A7F-1149B1D48940}"/>
+              </a:ext>
+            </a:extLst>
+          </p:cNvPr>
+          <p:cNvCxnSpPr>
+            <a:endCxn id="11" idx="1"/>
+          </p:cNvCxnSpPr>
+          <p:nvPr/>
+        </p:nvCxnSpPr>
+        <p:spPr>
+          <a:xfrm>
+            <a:off x="727788" y="606490"/>
+            <a:ext cx="3638938" cy="833917"/>
+          </a:xfrm>
+          <a:prstGeom prst="bentConnector3">
+            <a:avLst/>
+          </a:prstGeom>
+          <a:ln>
+            <a:tailEnd type="triangle"/>
+          </a:ln>
+        </p:spPr>
+        <p:style>
+          <a:lnRef idx="1">
+            <a:schemeClr val="accent1"/>
+          </a:lnRef>
+          <a:fillRef idx="0">
+            <a:schemeClr val="accent1"/>
+          </a:fillRef>
+          <a:effectRef idx="0">
+            <a:schemeClr val="accent1"/>
+          </a:effectRef>
+          <a:fontRef idx="minor">
+            <a:schemeClr val="tx1"/>
+          </a:fontRef>
+        </p:style>
+      </p:cxnSp>
+      <p:sp>
+        <p:nvSpPr>
+          <p:cNvPr id="14" name="TextBox 13">
+            <a:extLst>
+              <a:ext uri="{FF2B5EF4-FFF2-40B4-BE49-F238E27FC236}">
+                <a16:creationId xmlns:a16="http://schemas.microsoft.com/office/drawing/2014/main" id="{4DA92C35-4FAA-A3A7-EEE7-4BBBC5E980A9}"/>
+              </a:ext>
+            </a:extLst>
+          </p:cNvPr>
+          <p:cNvSpPr txBox="1"/>
+          <p:nvPr/>
+        </p:nvSpPr>
+        <p:spPr>
+          <a:xfrm>
+            <a:off x="149290" y="242596"/>
+            <a:ext cx="3200400" cy="369332"/>
+          </a:xfrm>
+          <a:prstGeom prst="rect">
+            <a:avLst/>
+          </a:prstGeom>
+          <a:noFill/>
+        </p:spPr>
+        <p:txBody>
+          <a:bodyPr wrap="square" rtlCol="0">
+            <a:spAutoFit/>
+          </a:bodyPr>
+          <a:lstStyle/>
+          <a:p>
+            <a:r>
+              <a:rPr lang="en-US" dirty="0"/>
+              <a:t>https://MyServer:9089/MySite</a:t>
+            </a:r>
+          </a:p>
+        </p:txBody>
+      </p:sp>
+      <p:sp>
+        <p:nvSpPr>
+          <p:cNvPr id="15" name="Rectangle 14">
+            <a:extLst>
+              <a:ext uri="{FF2B5EF4-FFF2-40B4-BE49-F238E27FC236}">
+                <a16:creationId xmlns:a16="http://schemas.microsoft.com/office/drawing/2014/main" id="{AB201AA9-B343-4056-A5A5-6A705CC555A0}"/>
+              </a:ext>
+            </a:extLst>
+          </p:cNvPr>
+          <p:cNvSpPr/>
+          <p:nvPr/>
+        </p:nvSpPr>
+        <p:spPr>
+          <a:xfrm>
+            <a:off x="4366726" y="1931437"/>
+            <a:ext cx="5934270" cy="2062065"/>
+          </a:xfrm>
+          <a:prstGeom prst="rect">
+            <a:avLst/>
+          </a:prstGeom>
+          <a:solidFill>
+            <a:srgbClr val="7030A0"/>
+          </a:solidFill>
+        </p:spPr>
+        <p:style>
+          <a:lnRef idx="2">
+            <a:schemeClr val="accent1">
+              <a:shade val="15000"/>
+            </a:schemeClr>
+          </a:lnRef>
+          <a:fillRef idx="1">
+            <a:schemeClr val="accent1"/>
+          </a:fillRef>
+          <a:effectRef idx="0">
+            <a:schemeClr val="accent1"/>
+          </a:effectRef>
+          <a:fontRef idx="minor">
+            <a:schemeClr val="lt1"/>
+          </a:fontRef>
+        </p:style>
+        <p:txBody>
+          <a:bodyPr rtlCol="0" anchor="ctr"/>
+          <a:lstStyle/>
+          <a:p>
+            <a:pPr algn="ctr"/>
+            <a:endParaRPr lang="en-US"/>
+          </a:p>
+        </p:txBody>
+      </p:sp>
+      <p:sp>
+        <p:nvSpPr>
+          <p:cNvPr id="16" name="TextBox 15">
+            <a:extLst>
+              <a:ext uri="{FF2B5EF4-FFF2-40B4-BE49-F238E27FC236}">
+                <a16:creationId xmlns:a16="http://schemas.microsoft.com/office/drawing/2014/main" id="{B7099E71-93E4-3D54-1CD5-4E8A01D38CD9}"/>
+              </a:ext>
+            </a:extLst>
+          </p:cNvPr>
+          <p:cNvSpPr txBox="1"/>
+          <p:nvPr/>
+        </p:nvSpPr>
+        <p:spPr>
+          <a:xfrm>
+            <a:off x="7399176" y="2032128"/>
+            <a:ext cx="2715208" cy="646331"/>
+          </a:xfrm>
+          <a:prstGeom prst="rect">
+            <a:avLst/>
+          </a:prstGeom>
+          <a:noFill/>
+        </p:spPr>
+        <p:txBody>
+          <a:bodyPr wrap="square" rtlCol="0">
+            <a:spAutoFit/>
+          </a:bodyPr>
+          <a:lstStyle/>
+          <a:p>
+            <a:pPr algn="ctr"/>
+            <a:r>
+              <a:rPr lang="en-US" b="1" dirty="0">
+                <a:solidFill>
+                  <a:srgbClr val="FFFF00"/>
+                </a:solidFill>
+              </a:rPr>
+              <a:t>ASP.NET Core Hosting Bundle</a:t>
+            </a:r>
+          </a:p>
+        </p:txBody>
+      </p:sp>
+      <p:sp>
+        <p:nvSpPr>
+          <p:cNvPr id="17" name="Rectangle 16">
+            <a:extLst>
+              <a:ext uri="{FF2B5EF4-FFF2-40B4-BE49-F238E27FC236}">
+                <a16:creationId xmlns:a16="http://schemas.microsoft.com/office/drawing/2014/main" id="{55CC7E1F-9542-8D76-7F46-8732CB1FF2CD}"/>
+              </a:ext>
+            </a:extLst>
+          </p:cNvPr>
+          <p:cNvSpPr/>
+          <p:nvPr/>
+        </p:nvSpPr>
+        <p:spPr>
+          <a:xfrm>
+            <a:off x="4441371" y="3116424"/>
+            <a:ext cx="5673013" cy="646331"/>
+          </a:xfrm>
+          <a:prstGeom prst="rect">
+            <a:avLst/>
+          </a:prstGeom>
+          <a:solidFill>
+            <a:srgbClr val="92D050"/>
+          </a:solidFill>
+        </p:spPr>
+        <p:style>
+          <a:lnRef idx="2">
+            <a:schemeClr val="accent1">
+              <a:shade val="15000"/>
+            </a:schemeClr>
+          </a:lnRef>
+          <a:fillRef idx="1">
+            <a:schemeClr val="accent1"/>
+          </a:fillRef>
+          <a:effectRef idx="0">
+            <a:schemeClr val="accent1"/>
+          </a:effectRef>
+          <a:fontRef idx="minor">
+            <a:schemeClr val="lt1"/>
+          </a:fontRef>
+        </p:style>
+        <p:txBody>
+          <a:bodyPr rtlCol="0" anchor="ctr"/>
+          <a:lstStyle/>
+          <a:p>
+            <a:pPr algn="ctr"/>
+            <a:r>
+              <a:rPr lang="en-US" b="1" dirty="0"/>
+              <a:t>HTTP ASP.NET Core Moule V2 that is directing to ‘dotnet.exe’</a:t>
+            </a:r>
+          </a:p>
+        </p:txBody>
+      </p:sp>
+      <p:sp>
+        <p:nvSpPr>
+          <p:cNvPr id="18" name="TextBox 17">
+            <a:extLst>
+              <a:ext uri="{FF2B5EF4-FFF2-40B4-BE49-F238E27FC236}">
+                <a16:creationId xmlns:a16="http://schemas.microsoft.com/office/drawing/2014/main" id="{A6EF8AB4-2984-6E20-2B24-69AAE9C33DF3}"/>
+              </a:ext>
+            </a:extLst>
+          </p:cNvPr>
+          <p:cNvSpPr txBox="1"/>
+          <p:nvPr/>
+        </p:nvSpPr>
+        <p:spPr>
+          <a:xfrm>
+            <a:off x="4058816" y="4299866"/>
+            <a:ext cx="1623527" cy="369332"/>
+          </a:xfrm>
+          <a:prstGeom prst="rect">
+            <a:avLst/>
+          </a:prstGeom>
+          <a:noFill/>
+        </p:spPr>
+        <p:txBody>
+          <a:bodyPr wrap="square" rtlCol="0">
+            <a:spAutoFit/>
+          </a:bodyPr>
+          <a:lstStyle/>
+          <a:p>
+            <a:pPr algn="ctr"/>
+            <a:r>
+              <a:rPr lang="en-US" b="1" dirty="0">
+                <a:solidFill>
+                  <a:sysClr val="windowText" lastClr="000000"/>
+                </a:solidFill>
+              </a:rPr>
+              <a:t>Dotnet.exe</a:t>
+            </a:r>
+          </a:p>
+        </p:txBody>
+      </p:sp>
+      <p:sp>
+        <p:nvSpPr>
+          <p:cNvPr id="19" name="Rectangle: Rounded Corners 18">
+            <a:extLst>
+              <a:ext uri="{FF2B5EF4-FFF2-40B4-BE49-F238E27FC236}">
+                <a16:creationId xmlns:a16="http://schemas.microsoft.com/office/drawing/2014/main" id="{5E1889B6-327F-F876-C3F5-88325FAA6BA2}"/>
+              </a:ext>
+            </a:extLst>
+          </p:cNvPr>
+          <p:cNvSpPr/>
+          <p:nvPr/>
+        </p:nvSpPr>
+        <p:spPr>
+          <a:xfrm>
+            <a:off x="4366725" y="5029200"/>
+            <a:ext cx="6410131" cy="1390261"/>
+          </a:xfrm>
+          <a:prstGeom prst="roundRect">
+            <a:avLst/>
+          </a:prstGeom>
+          <a:solidFill>
+            <a:srgbClr val="FFFF00"/>
+          </a:solidFill>
+        </p:spPr>
+        <p:style>
+          <a:lnRef idx="2">
+            <a:schemeClr val="accent1">
+              <a:shade val="15000"/>
+            </a:schemeClr>
+          </a:lnRef>
+          <a:fillRef idx="1">
+            <a:schemeClr val="accent1"/>
+          </a:fillRef>
+          <a:effectRef idx="0">
+            <a:schemeClr val="accent1"/>
+          </a:effectRef>
+          <a:fontRef idx="minor">
+            <a:schemeClr val="lt1"/>
+          </a:fontRef>
+        </p:style>
+        <p:txBody>
+          <a:bodyPr rtlCol="0" anchor="ctr"/>
+          <a:lstStyle/>
+          <a:p>
+            <a:pPr algn="ctr"/>
+            <a:endParaRPr lang="en-US"/>
+          </a:p>
+        </p:txBody>
+      </p:sp>
+      <p:sp>
+        <p:nvSpPr>
+          <p:cNvPr id="20" name="TextBox 19">
+            <a:extLst>
+              <a:ext uri="{FF2B5EF4-FFF2-40B4-BE49-F238E27FC236}">
+                <a16:creationId xmlns:a16="http://schemas.microsoft.com/office/drawing/2014/main" id="{CCB7A475-B70E-0587-358B-5ABE774DC534}"/>
+              </a:ext>
+            </a:extLst>
+          </p:cNvPr>
+          <p:cNvSpPr txBox="1"/>
+          <p:nvPr/>
+        </p:nvSpPr>
+        <p:spPr>
+          <a:xfrm>
+            <a:off x="8775441" y="5276377"/>
+            <a:ext cx="1810139" cy="646331"/>
+          </a:xfrm>
+          <a:prstGeom prst="rect">
+            <a:avLst/>
+          </a:prstGeom>
+          <a:noFill/>
+        </p:spPr>
+        <p:txBody>
+          <a:bodyPr wrap="square" rtlCol="0">
+            <a:spAutoFit/>
+          </a:bodyPr>
+          <a:lstStyle/>
+          <a:p>
+            <a:pPr algn="ctr"/>
+            <a:r>
+              <a:rPr lang="en-US" b="1" dirty="0"/>
+              <a:t>ASP.NET Core Runtime</a:t>
+            </a:r>
+          </a:p>
+        </p:txBody>
+      </p:sp>
+      <p:sp>
+        <p:nvSpPr>
+          <p:cNvPr id="21" name="Rectangle 20">
+            <a:extLst>
+              <a:ext uri="{FF2B5EF4-FFF2-40B4-BE49-F238E27FC236}">
+                <a16:creationId xmlns:a16="http://schemas.microsoft.com/office/drawing/2014/main" id="{092DE8AF-DD32-22C2-58D7-D990EB2B3E00}"/>
+              </a:ext>
+            </a:extLst>
+          </p:cNvPr>
+          <p:cNvSpPr/>
+          <p:nvPr/>
+        </p:nvSpPr>
+        <p:spPr>
+          <a:xfrm>
+            <a:off x="4683967" y="5276377"/>
+            <a:ext cx="3582955" cy="909819"/>
+          </a:xfrm>
+          <a:prstGeom prst="rect">
+            <a:avLst/>
+          </a:prstGeom>
+        </p:spPr>
+        <p:style>
+          <a:lnRef idx="2">
+            <a:schemeClr val="accent1">
+              <a:shade val="15000"/>
+            </a:schemeClr>
+          </a:lnRef>
+          <a:fillRef idx="1">
+            <a:schemeClr val="accent1"/>
+          </a:fillRef>
+          <a:effectRef idx="0">
+            <a:schemeClr val="accent1"/>
+          </a:effectRef>
+          <a:fontRef idx="minor">
+            <a:schemeClr val="lt1"/>
+          </a:fontRef>
+        </p:style>
+        <p:txBody>
+          <a:bodyPr rtlCol="0" anchor="ctr"/>
+          <a:lstStyle/>
+          <a:p>
+            <a:pPr algn="ctr"/>
+            <a:r>
+              <a:rPr lang="en-US" dirty="0"/>
+              <a:t>ASP.NET Core Application Code with Services, Middlewares, etc.</a:t>
+            </a:r>
+          </a:p>
+        </p:txBody>
+      </p:sp>
+      <p:sp>
+        <p:nvSpPr>
+          <p:cNvPr id="22" name="Rectangle 21">
+            <a:extLst>
+              <a:ext uri="{FF2B5EF4-FFF2-40B4-BE49-F238E27FC236}">
+                <a16:creationId xmlns:a16="http://schemas.microsoft.com/office/drawing/2014/main" id="{91684BB8-9E22-60FE-706D-CC074D19EBCB}"/>
+              </a:ext>
+            </a:extLst>
+          </p:cNvPr>
+          <p:cNvSpPr/>
+          <p:nvPr/>
+        </p:nvSpPr>
+        <p:spPr>
+          <a:xfrm>
+            <a:off x="5682343" y="4299866"/>
+            <a:ext cx="4329404" cy="608036"/>
+          </a:xfrm>
+          <a:prstGeom prst="rect">
+            <a:avLst/>
+          </a:prstGeom>
+          <a:solidFill>
+            <a:srgbClr val="FF0000"/>
+          </a:solidFill>
+        </p:spPr>
+        <p:style>
+          <a:lnRef idx="2">
+            <a:schemeClr val="accent1">
+              <a:shade val="15000"/>
+            </a:schemeClr>
+          </a:lnRef>
+          <a:fillRef idx="1">
+            <a:schemeClr val="accent1"/>
+          </a:fillRef>
+          <a:effectRef idx="0">
+            <a:schemeClr val="accent1"/>
+          </a:effectRef>
+          <a:fontRef idx="minor">
+            <a:schemeClr val="lt1"/>
+          </a:fontRef>
+        </p:style>
+        <p:txBody>
+          <a:bodyPr rtlCol="0" anchor="ctr"/>
+          <a:lstStyle/>
+          <a:p>
+            <a:pPr algn="ctr"/>
+            <a:r>
+              <a:rPr lang="en-US" dirty="0">
+                <a:hlinkClick r:id="rId2"/>
+              </a:rPr>
+              <a:t>https://localhost:5001/Controller</a:t>
+            </a:r>
+            <a:r>
+              <a:rPr lang="en-US" dirty="0"/>
+              <a:t> </a:t>
+            </a:r>
+          </a:p>
+          <a:p>
+            <a:pPr algn="ctr"/>
+            <a:r>
+              <a:rPr lang="en-US" dirty="0"/>
+              <a:t>Internal Port</a:t>
+            </a:r>
+          </a:p>
+        </p:txBody>
+      </p:sp>
+      <p:sp>
+        <p:nvSpPr>
+          <p:cNvPr id="23" name="Arrow: Down 22">
+            <a:extLst>
+              <a:ext uri="{FF2B5EF4-FFF2-40B4-BE49-F238E27FC236}">
+                <a16:creationId xmlns:a16="http://schemas.microsoft.com/office/drawing/2014/main" id="{331798D9-BD7D-08ED-9DFE-114C95A59EBC}"/>
+              </a:ext>
+            </a:extLst>
+          </p:cNvPr>
+          <p:cNvSpPr/>
+          <p:nvPr/>
+        </p:nvSpPr>
+        <p:spPr>
+          <a:xfrm>
+            <a:off x="8658808" y="3762755"/>
+            <a:ext cx="410547" cy="527382"/>
+          </a:xfrm>
+          <a:prstGeom prst="downArrow">
+            <a:avLst/>
+          </a:prstGeom>
+          <a:solidFill>
+            <a:srgbClr val="FF0000"/>
+          </a:solidFill>
+        </p:spPr>
+        <p:style>
+          <a:lnRef idx="2">
+            <a:schemeClr val="accent1">
+              <a:shade val="15000"/>
+            </a:schemeClr>
+          </a:lnRef>
+          <a:fillRef idx="1">
+            <a:schemeClr val="accent1"/>
+          </a:fillRef>
+          <a:effectRef idx="0">
+            <a:schemeClr val="accent1"/>
+          </a:effectRef>
+          <a:fontRef idx="minor">
+            <a:schemeClr val="lt1"/>
+          </a:fontRef>
+        </p:style>
+        <p:txBody>
+          <a:bodyPr rtlCol="0" anchor="ctr"/>
+          <a:lstStyle/>
+          <a:p>
+            <a:pPr algn="ctr"/>
+            <a:r>
+              <a:rPr lang="en-US" dirty="0"/>
+              <a:t>2</a:t>
+            </a:r>
+          </a:p>
+        </p:txBody>
+      </p:sp>
+      <p:sp>
+        <p:nvSpPr>
+          <p:cNvPr id="24" name="Arrow: Down 23">
+            <a:extLst>
+              <a:ext uri="{FF2B5EF4-FFF2-40B4-BE49-F238E27FC236}">
+                <a16:creationId xmlns:a16="http://schemas.microsoft.com/office/drawing/2014/main" id="{9AABB47F-0341-1E91-9CEC-378ADFF57954}"/>
+              </a:ext>
+            </a:extLst>
+          </p:cNvPr>
+          <p:cNvSpPr/>
+          <p:nvPr/>
+        </p:nvSpPr>
+        <p:spPr>
+          <a:xfrm>
+            <a:off x="8948056" y="1498108"/>
+            <a:ext cx="410547" cy="527382"/>
+          </a:xfrm>
+          <a:prstGeom prst="downArrow">
+            <a:avLst/>
+          </a:prstGeom>
+          <a:solidFill>
+            <a:srgbClr val="FF0000"/>
+          </a:solidFill>
+        </p:spPr>
+        <p:style>
+          <a:lnRef idx="2">
+            <a:schemeClr val="accent1">
+              <a:shade val="15000"/>
+            </a:schemeClr>
+          </a:lnRef>
+          <a:fillRef idx="1">
+            <a:schemeClr val="accent1"/>
+          </a:fillRef>
+          <a:effectRef idx="0">
+            <a:schemeClr val="accent1"/>
+          </a:effectRef>
+          <a:fontRef idx="minor">
+            <a:schemeClr val="lt1"/>
+          </a:fontRef>
+        </p:style>
+        <p:txBody>
+          <a:bodyPr rtlCol="0" anchor="ctr"/>
+          <a:lstStyle/>
+          <a:p>
+            <a:pPr algn="ctr"/>
+            <a:r>
+              <a:rPr lang="en-US" dirty="0"/>
+              <a:t>1</a:t>
+            </a:r>
+          </a:p>
+        </p:txBody>
+      </p:sp>
+      <p:sp>
+        <p:nvSpPr>
+          <p:cNvPr id="25" name="Oval 24">
+            <a:extLst>
+              <a:ext uri="{FF2B5EF4-FFF2-40B4-BE49-F238E27FC236}">
+                <a16:creationId xmlns:a16="http://schemas.microsoft.com/office/drawing/2014/main" id="{D40DF783-E9B2-081C-F1C7-7BB2783B47E7}"/>
+              </a:ext>
+            </a:extLst>
+          </p:cNvPr>
+          <p:cNvSpPr/>
+          <p:nvPr/>
+        </p:nvSpPr>
+        <p:spPr>
+          <a:xfrm>
+            <a:off x="8378890" y="5187820"/>
+            <a:ext cx="466530" cy="414439"/>
+          </a:xfrm>
+          <a:prstGeom prst="ellipse">
+            <a:avLst/>
+          </a:prstGeom>
+        </p:spPr>
+        <p:style>
+          <a:lnRef idx="2">
+            <a:schemeClr val="accent1">
+              <a:shade val="15000"/>
+            </a:schemeClr>
+          </a:lnRef>
+          <a:fillRef idx="1">
+            <a:schemeClr val="accent1"/>
+          </a:fillRef>
+          <a:effectRef idx="0">
+            <a:schemeClr val="accent1"/>
+          </a:effectRef>
+          <a:fontRef idx="minor">
+            <a:schemeClr val="lt1"/>
+          </a:fontRef>
+        </p:style>
+        <p:txBody>
+          <a:bodyPr rtlCol="0" anchor="ctr"/>
+          <a:lstStyle/>
+          <a:p>
+            <a:pPr algn="ctr"/>
+            <a:r>
+              <a:rPr lang="en-US" dirty="0"/>
+              <a:t>3</a:t>
+            </a:r>
+          </a:p>
+        </p:txBody>
+      </p:sp>
+      <p:sp>
+        <p:nvSpPr>
+          <p:cNvPr id="26" name="TextBox 25">
+            <a:extLst>
+              <a:ext uri="{FF2B5EF4-FFF2-40B4-BE49-F238E27FC236}">
+                <a16:creationId xmlns:a16="http://schemas.microsoft.com/office/drawing/2014/main" id="{F9832E97-6AE8-FAA3-4B1C-E4AA6C362C6F}"/>
+              </a:ext>
+            </a:extLst>
+          </p:cNvPr>
+          <p:cNvSpPr txBox="1"/>
+          <p:nvPr/>
+        </p:nvSpPr>
+        <p:spPr>
+          <a:xfrm>
+            <a:off x="9330" y="2914871"/>
+            <a:ext cx="3638938" cy="3416320"/>
+          </a:xfrm>
+          <a:prstGeom prst="rect">
+            <a:avLst/>
+          </a:prstGeom>
+          <a:noFill/>
+        </p:spPr>
+        <p:txBody>
+          <a:bodyPr wrap="square" rtlCol="0">
+            <a:spAutoFit/>
+          </a:bodyPr>
+          <a:lstStyle/>
+          <a:p>
+            <a:r>
+              <a:rPr lang="en-US" dirty="0"/>
+              <a:t>1, Request is received by IIS On Public Endpoint</a:t>
+            </a:r>
+          </a:p>
+          <a:p>
+            <a:r>
+              <a:rPr lang="en-US" dirty="0"/>
+              <a:t>2. The IIS will redirect Request to Internal Port using ASP.NET Core Module V2</a:t>
+            </a:r>
+          </a:p>
+          <a:p>
+            <a:r>
+              <a:rPr lang="en-US" dirty="0"/>
+              <a:t>3. Dotnet.exe will execute the request</a:t>
+            </a:r>
+          </a:p>
+          <a:p>
+            <a:r>
+              <a:rPr lang="en-US" dirty="0"/>
+              <a:t>4. Response will be back to ASP.NET Core Module V2</a:t>
+            </a:r>
+          </a:p>
+          <a:p>
+            <a:r>
+              <a:rPr lang="en-US" dirty="0"/>
+              <a:t>5. Response Back to Listener</a:t>
+            </a:r>
+          </a:p>
+          <a:p>
+            <a:endParaRPr lang="en-US" dirty="0"/>
+          </a:p>
+          <a:p>
+            <a:endParaRPr lang="en-US" dirty="0"/>
+          </a:p>
+        </p:txBody>
+      </p:sp>
+      <p:sp>
+        <p:nvSpPr>
+          <p:cNvPr id="27" name="Arrow: Up 26">
+            <a:extLst>
+              <a:ext uri="{FF2B5EF4-FFF2-40B4-BE49-F238E27FC236}">
+                <a16:creationId xmlns:a16="http://schemas.microsoft.com/office/drawing/2014/main" id="{F6E533D2-CEEC-BB48-0A7B-0CF01A3B31B8}"/>
+              </a:ext>
+            </a:extLst>
+          </p:cNvPr>
+          <p:cNvSpPr/>
+          <p:nvPr/>
+        </p:nvSpPr>
+        <p:spPr>
+          <a:xfrm>
+            <a:off x="5747656" y="3638939"/>
+            <a:ext cx="531846" cy="660927"/>
+          </a:xfrm>
+          <a:prstGeom prst="upArrow">
+            <a:avLst/>
+          </a:prstGeom>
+          <a:solidFill>
+            <a:srgbClr val="FF0000"/>
+          </a:solidFill>
+        </p:spPr>
+        <p:style>
+          <a:lnRef idx="2">
+            <a:schemeClr val="accent1">
+              <a:shade val="15000"/>
+            </a:schemeClr>
+          </a:lnRef>
+          <a:fillRef idx="1">
+            <a:schemeClr val="accent1"/>
+          </a:fillRef>
+          <a:effectRef idx="0">
+            <a:schemeClr val="accent1"/>
+          </a:effectRef>
+          <a:fontRef idx="minor">
+            <a:schemeClr val="lt1"/>
+          </a:fontRef>
+        </p:style>
+        <p:txBody>
+          <a:bodyPr rtlCol="0" anchor="ctr"/>
+          <a:lstStyle/>
+          <a:p>
+            <a:pPr algn="ctr"/>
+            <a:r>
+              <a:rPr lang="en-US" dirty="0"/>
+              <a:t>4</a:t>
+            </a:r>
+          </a:p>
+        </p:txBody>
+      </p:sp>
+      <p:sp>
+        <p:nvSpPr>
+          <p:cNvPr id="28" name="Arrow: Up 27">
+            <a:extLst>
+              <a:ext uri="{FF2B5EF4-FFF2-40B4-BE49-F238E27FC236}">
+                <a16:creationId xmlns:a16="http://schemas.microsoft.com/office/drawing/2014/main" id="{A4D6E5AF-4005-5DCE-EFE4-7EFF41BEB8A5}"/>
+              </a:ext>
+            </a:extLst>
+          </p:cNvPr>
+          <p:cNvSpPr/>
+          <p:nvPr/>
+        </p:nvSpPr>
+        <p:spPr>
+          <a:xfrm>
+            <a:off x="5407090" y="1598627"/>
+            <a:ext cx="531846" cy="1517797"/>
+          </a:xfrm>
+          <a:prstGeom prst="upArrow">
+            <a:avLst/>
+          </a:prstGeom>
+          <a:solidFill>
+            <a:srgbClr val="FF0000"/>
+          </a:solidFill>
+        </p:spPr>
+        <p:style>
+          <a:lnRef idx="2">
+            <a:schemeClr val="accent1">
+              <a:shade val="15000"/>
+            </a:schemeClr>
+          </a:lnRef>
+          <a:fillRef idx="1">
+            <a:schemeClr val="accent1"/>
+          </a:fillRef>
+          <a:effectRef idx="0">
+            <a:schemeClr val="accent1"/>
+          </a:effectRef>
+          <a:fontRef idx="minor">
+            <a:schemeClr val="lt1"/>
+          </a:fontRef>
+        </p:style>
+        <p:txBody>
+          <a:bodyPr rtlCol="0" anchor="ctr"/>
+          <a:lstStyle/>
+          <a:p>
+            <a:pPr algn="ctr"/>
+            <a:r>
+              <a:rPr lang="en-US" dirty="0"/>
+              <a:t>5</a:t>
+            </a:r>
+          </a:p>
+        </p:txBody>
+      </p:sp>
+      <p:cxnSp>
+        <p:nvCxnSpPr>
+          <p:cNvPr id="30" name="Connector: Elbow 29">
+            <a:extLst>
+              <a:ext uri="{FF2B5EF4-FFF2-40B4-BE49-F238E27FC236}">
+                <a16:creationId xmlns:a16="http://schemas.microsoft.com/office/drawing/2014/main" id="{55FC170A-AD1F-2868-8794-5960286857E3}"/>
+              </a:ext>
+            </a:extLst>
+          </p:cNvPr>
+          <p:cNvCxnSpPr/>
+          <p:nvPr/>
+        </p:nvCxnSpPr>
+        <p:spPr>
+          <a:xfrm rot="10800000" flipV="1">
+            <a:off x="802434" y="1440407"/>
+            <a:ext cx="3498979" cy="491030"/>
+          </a:xfrm>
+          <a:prstGeom prst="bentConnector3">
+            <a:avLst/>
+          </a:prstGeom>
+          <a:ln>
+            <a:tailEnd type="triangle"/>
+          </a:ln>
+        </p:spPr>
+        <p:style>
+          <a:lnRef idx="1">
+            <a:schemeClr val="accent1"/>
+          </a:lnRef>
+          <a:fillRef idx="0">
+            <a:schemeClr val="accent1"/>
+          </a:fillRef>
+          <a:effectRef idx="0">
+            <a:schemeClr val="accent1"/>
+          </a:effectRef>
+          <a:fontRef idx="minor">
+            <a:schemeClr val="tx1"/>
+          </a:fontRef>
+        </p:style>
+      </p:cxnSp>
+      <p:sp>
+        <p:nvSpPr>
+          <p:cNvPr id="31" name="TextBox 30">
+            <a:extLst>
+              <a:ext uri="{FF2B5EF4-FFF2-40B4-BE49-F238E27FC236}">
+                <a16:creationId xmlns:a16="http://schemas.microsoft.com/office/drawing/2014/main" id="{1C181672-BC5D-D729-912A-2C0AC630733F}"/>
+              </a:ext>
+            </a:extLst>
+          </p:cNvPr>
+          <p:cNvSpPr txBox="1"/>
+          <p:nvPr/>
+        </p:nvSpPr>
+        <p:spPr>
+          <a:xfrm>
+            <a:off x="74645" y="2239347"/>
+            <a:ext cx="3872205" cy="646331"/>
+          </a:xfrm>
+          <a:prstGeom prst="rect">
+            <a:avLst/>
+          </a:prstGeom>
+          <a:noFill/>
+        </p:spPr>
+        <p:txBody>
+          <a:bodyPr wrap="square" rtlCol="0">
+            <a:spAutoFit/>
+          </a:bodyPr>
+          <a:lstStyle/>
+          <a:p>
+            <a:pPr algn="ctr"/>
+            <a:r>
+              <a:rPr lang="en-US" b="1" dirty="0"/>
+              <a:t>ASP.NET Core On Premises Deployment</a:t>
+            </a:r>
+          </a:p>
+        </p:txBody>
+      </p:sp>
+      <p:sp>
+        <p:nvSpPr>
+          <p:cNvPr id="32" name="TextBox 31">
+            <a:extLst>
+              <a:ext uri="{FF2B5EF4-FFF2-40B4-BE49-F238E27FC236}">
+                <a16:creationId xmlns:a16="http://schemas.microsoft.com/office/drawing/2014/main" id="{637BE6F6-DA82-AC1B-C9E3-02A806421BED}"/>
+              </a:ext>
+            </a:extLst>
+          </p:cNvPr>
+          <p:cNvSpPr txBox="1"/>
+          <p:nvPr/>
+        </p:nvSpPr>
+        <p:spPr>
+          <a:xfrm>
+            <a:off x="4534677" y="977941"/>
+            <a:ext cx="2071396" cy="369332"/>
+          </a:xfrm>
+          <a:prstGeom prst="rect">
+            <a:avLst/>
+          </a:prstGeom>
+          <a:noFill/>
+        </p:spPr>
+        <p:txBody>
+          <a:bodyPr wrap="square" rtlCol="0">
+            <a:spAutoFit/>
+          </a:bodyPr>
+          <a:lstStyle/>
+          <a:p>
+            <a:r>
+              <a:rPr lang="en-US" b="1" dirty="0"/>
+              <a:t>The Reverse Proxy</a:t>
+            </a:r>
+          </a:p>
+        </p:txBody>
+      </p:sp>
+    </p:spTree>
+    <p:extLst>
+      <p:ext uri="{BB962C8B-B14F-4D97-AF65-F5344CB8AC3E}">
+        <p14:creationId xmlns:p14="http://schemas.microsoft.com/office/powerpoint/2010/main" val="2831721851"/>
+      </p:ext>
+    </p:extLst>
+  </p:cSld>
+  <p:clrMapOvr>
+    <a:masterClrMapping/>
+  </p:clrMapOvr>
+</p:sld>
+</file>
+
 <file path=ppt/slides/slide3.xml><?xml version="1.0" encoding="utf-8"?>
 <p:sld xmlns:a="http://schemas.openxmlformats.org/drawingml/2006/main" xmlns:r="http://schemas.openxmlformats.org/officeDocument/2006/relationships" xmlns:p="http://schemas.openxmlformats.org/presentationml/2006/main">
   <p:cSld>
